--- a/doc/3.x插件开发.pptx
+++ b/doc/3.x插件开发.pptx
@@ -8,7 +8,7 @@
     <p:notesMasterId r:id="rId5"/>
   </p:notesMasterIdLst>
   <p:handoutMasterIdLst>
-    <p:handoutMasterId r:id="rId18"/>
+    <p:handoutMasterId r:id="rId26"/>
   </p:handoutMasterIdLst>
   <p:sldIdLst>
     <p:sldId id="257" r:id="rId3"/>
@@ -23,13 +23,21 @@
     <p:sldId id="273" r:id="rId13"/>
     <p:sldId id="267" r:id="rId14"/>
     <p:sldId id="270" r:id="rId15"/>
-    <p:sldId id="268" r:id="rId16"/>
-    <p:sldId id="269" r:id="rId17"/>
+    <p:sldId id="278" r:id="rId16"/>
+    <p:sldId id="279" r:id="rId17"/>
+    <p:sldId id="280" r:id="rId18"/>
+    <p:sldId id="282" r:id="rId19"/>
+    <p:sldId id="283" r:id="rId20"/>
+    <p:sldId id="284" r:id="rId21"/>
+    <p:sldId id="285" r:id="rId22"/>
+    <p:sldId id="286" r:id="rId23"/>
+    <p:sldId id="268" r:id="rId24"/>
+    <p:sldId id="269" r:id="rId25"/>
   </p:sldIdLst>
   <p:sldSz cx="12192000" cy="6858000"/>
   <p:notesSz cx="6858000" cy="9144000"/>
   <p:custDataLst>
-    <p:tags r:id="rId23"/>
+    <p:tags r:id="rId31"/>
   </p:custDataLst>
   <p:defaultTextStyle>
     <a:defPPr>
@@ -844,11 +852,7 @@
         <p:txBody>
           <a:bodyPr/>
           <a:p>
-            <a:r>
-              <a:rPr lang="en-US" altLang="zh-CN"/>
-              <a:t>           </a:t>
-            </a:r>
-            <a:endParaRPr lang="en-US" altLang="zh-CN"/>
+            <a:endParaRPr lang="zh-CN" altLang="en-US"/>
           </a:p>
         </p:txBody>
       </p:sp>
@@ -892,11 +896,7 @@
         <p:txBody>
           <a:bodyPr/>
           <a:p>
-            <a:r>
-              <a:rPr lang="en-US" altLang="zh-CN"/>
-              <a:t>           </a:t>
-            </a:r>
-            <a:endParaRPr lang="en-US" altLang="zh-CN"/>
+            <a:endParaRPr lang="zh-CN" altLang="en-US"/>
           </a:p>
         </p:txBody>
       </p:sp>
@@ -908,7 +908,367 @@
 </p:notes>
 </file>
 
+<file path=ppt/notesSlides/notesSlide14.xml><?xml version="1.0" encoding="utf-8"?>
+<p:notes xmlns:a="http://schemas.openxmlformats.org/drawingml/2006/main" xmlns:r="http://schemas.openxmlformats.org/officeDocument/2006/relationships" xmlns:p="http://schemas.openxmlformats.org/presentationml/2006/main">
+  <p:cSld>
+    <p:spTree>
+      <p:nvGrpSpPr>
+        <p:cNvPr id="1" name=""/>
+        <p:cNvGrpSpPr/>
+        <p:nvPr/>
+      </p:nvGrpSpPr>
+      <p:grpSpPr/>
+      <p:sp>
+        <p:nvSpPr>
+          <p:cNvPr id="2" name="幻灯片图像占位符 1"/>
+          <p:cNvSpPr/>
+          <p:nvPr>
+            <p:ph type="sldImg" idx="2"/>
+          </p:nvPr>
+        </p:nvSpPr>
+        <p:spPr/>
+      </p:sp>
+      <p:sp>
+        <p:nvSpPr>
+          <p:cNvPr id="3" name="文本占位符 2"/>
+          <p:cNvSpPr/>
+          <p:nvPr>
+            <p:ph type="body" idx="3"/>
+          </p:nvPr>
+        </p:nvSpPr>
+        <p:spPr/>
+        <p:txBody>
+          <a:bodyPr/>
+          <a:p>
+            <a:endParaRPr lang="zh-CN" altLang="en-US"/>
+          </a:p>
+        </p:txBody>
+      </p:sp>
+    </p:spTree>
+  </p:cSld>
+  <p:clrMapOvr>
+    <a:masterClrMapping/>
+  </p:clrMapOvr>
+</p:notes>
+</file>
+
+<file path=ppt/notesSlides/notesSlide15.xml><?xml version="1.0" encoding="utf-8"?>
+<p:notes xmlns:a="http://schemas.openxmlformats.org/drawingml/2006/main" xmlns:r="http://schemas.openxmlformats.org/officeDocument/2006/relationships" xmlns:p="http://schemas.openxmlformats.org/presentationml/2006/main">
+  <p:cSld>
+    <p:spTree>
+      <p:nvGrpSpPr>
+        <p:cNvPr id="1" name=""/>
+        <p:cNvGrpSpPr/>
+        <p:nvPr/>
+      </p:nvGrpSpPr>
+      <p:grpSpPr/>
+      <p:sp>
+        <p:nvSpPr>
+          <p:cNvPr id="2" name="幻灯片图像占位符 1"/>
+          <p:cNvSpPr/>
+          <p:nvPr>
+            <p:ph type="sldImg" idx="2"/>
+          </p:nvPr>
+        </p:nvSpPr>
+        <p:spPr/>
+      </p:sp>
+      <p:sp>
+        <p:nvSpPr>
+          <p:cNvPr id="3" name="文本占位符 2"/>
+          <p:cNvSpPr/>
+          <p:nvPr>
+            <p:ph type="body" idx="3"/>
+          </p:nvPr>
+        </p:nvSpPr>
+        <p:spPr/>
+        <p:txBody>
+          <a:bodyPr/>
+          <a:p>
+            <a:endParaRPr lang="zh-CN" altLang="en-US"/>
+          </a:p>
+        </p:txBody>
+      </p:sp>
+    </p:spTree>
+  </p:cSld>
+  <p:clrMapOvr>
+    <a:masterClrMapping/>
+  </p:clrMapOvr>
+</p:notes>
+</file>
+
+<file path=ppt/notesSlides/notesSlide16.xml><?xml version="1.0" encoding="utf-8"?>
+<p:notes xmlns:a="http://schemas.openxmlformats.org/drawingml/2006/main" xmlns:r="http://schemas.openxmlformats.org/officeDocument/2006/relationships" xmlns:p="http://schemas.openxmlformats.org/presentationml/2006/main">
+  <p:cSld>
+    <p:spTree>
+      <p:nvGrpSpPr>
+        <p:cNvPr id="1" name=""/>
+        <p:cNvGrpSpPr/>
+        <p:nvPr/>
+      </p:nvGrpSpPr>
+      <p:grpSpPr/>
+      <p:sp>
+        <p:nvSpPr>
+          <p:cNvPr id="2" name="幻灯片图像占位符 1"/>
+          <p:cNvSpPr/>
+          <p:nvPr>
+            <p:ph type="sldImg" idx="2"/>
+          </p:nvPr>
+        </p:nvSpPr>
+        <p:spPr/>
+      </p:sp>
+      <p:sp>
+        <p:nvSpPr>
+          <p:cNvPr id="3" name="文本占位符 2"/>
+          <p:cNvSpPr/>
+          <p:nvPr>
+            <p:ph type="body" idx="3"/>
+          </p:nvPr>
+        </p:nvSpPr>
+        <p:spPr/>
+        <p:txBody>
+          <a:bodyPr/>
+          <a:p>
+            <a:endParaRPr lang="zh-CN" altLang="en-US"/>
+          </a:p>
+        </p:txBody>
+      </p:sp>
+    </p:spTree>
+  </p:cSld>
+  <p:clrMapOvr>
+    <a:masterClrMapping/>
+  </p:clrMapOvr>
+</p:notes>
+</file>
+
+<file path=ppt/notesSlides/notesSlide17.xml><?xml version="1.0" encoding="utf-8"?>
+<p:notes xmlns:a="http://schemas.openxmlformats.org/drawingml/2006/main" xmlns:r="http://schemas.openxmlformats.org/officeDocument/2006/relationships" xmlns:p="http://schemas.openxmlformats.org/presentationml/2006/main">
+  <p:cSld>
+    <p:spTree>
+      <p:nvGrpSpPr>
+        <p:cNvPr id="1" name=""/>
+        <p:cNvGrpSpPr/>
+        <p:nvPr/>
+      </p:nvGrpSpPr>
+      <p:grpSpPr/>
+      <p:sp>
+        <p:nvSpPr>
+          <p:cNvPr id="2" name="幻灯片图像占位符 1"/>
+          <p:cNvSpPr/>
+          <p:nvPr>
+            <p:ph type="sldImg" idx="2"/>
+          </p:nvPr>
+        </p:nvSpPr>
+        <p:spPr/>
+      </p:sp>
+      <p:sp>
+        <p:nvSpPr>
+          <p:cNvPr id="3" name="文本占位符 2"/>
+          <p:cNvSpPr/>
+          <p:nvPr>
+            <p:ph type="body" idx="3"/>
+          </p:nvPr>
+        </p:nvSpPr>
+        <p:spPr/>
+        <p:txBody>
+          <a:bodyPr/>
+          <a:p>
+            <a:endParaRPr lang="zh-CN" altLang="en-US"/>
+          </a:p>
+        </p:txBody>
+      </p:sp>
+    </p:spTree>
+  </p:cSld>
+  <p:clrMapOvr>
+    <a:masterClrMapping/>
+  </p:clrMapOvr>
+</p:notes>
+</file>
+
+<file path=ppt/notesSlides/notesSlide18.xml><?xml version="1.0" encoding="utf-8"?>
+<p:notes xmlns:a="http://schemas.openxmlformats.org/drawingml/2006/main" xmlns:r="http://schemas.openxmlformats.org/officeDocument/2006/relationships" xmlns:p="http://schemas.openxmlformats.org/presentationml/2006/main">
+  <p:cSld>
+    <p:spTree>
+      <p:nvGrpSpPr>
+        <p:cNvPr id="1" name=""/>
+        <p:cNvGrpSpPr/>
+        <p:nvPr/>
+      </p:nvGrpSpPr>
+      <p:grpSpPr/>
+      <p:sp>
+        <p:nvSpPr>
+          <p:cNvPr id="2" name="幻灯片图像占位符 1"/>
+          <p:cNvSpPr/>
+          <p:nvPr>
+            <p:ph type="sldImg" idx="2"/>
+          </p:nvPr>
+        </p:nvSpPr>
+        <p:spPr/>
+      </p:sp>
+      <p:sp>
+        <p:nvSpPr>
+          <p:cNvPr id="3" name="文本占位符 2"/>
+          <p:cNvSpPr/>
+          <p:nvPr>
+            <p:ph type="body" idx="3"/>
+          </p:nvPr>
+        </p:nvSpPr>
+        <p:spPr/>
+        <p:txBody>
+          <a:bodyPr/>
+          <a:p>
+            <a:endParaRPr lang="zh-CN" altLang="en-US"/>
+          </a:p>
+        </p:txBody>
+      </p:sp>
+    </p:spTree>
+  </p:cSld>
+  <p:clrMapOvr>
+    <a:masterClrMapping/>
+  </p:clrMapOvr>
+</p:notes>
+</file>
+
+<file path=ppt/notesSlides/notesSlide19.xml><?xml version="1.0" encoding="utf-8"?>
+<p:notes xmlns:a="http://schemas.openxmlformats.org/drawingml/2006/main" xmlns:r="http://schemas.openxmlformats.org/officeDocument/2006/relationships" xmlns:p="http://schemas.openxmlformats.org/presentationml/2006/main">
+  <p:cSld>
+    <p:spTree>
+      <p:nvGrpSpPr>
+        <p:cNvPr id="1" name=""/>
+        <p:cNvGrpSpPr/>
+        <p:nvPr/>
+      </p:nvGrpSpPr>
+      <p:grpSpPr/>
+      <p:sp>
+        <p:nvSpPr>
+          <p:cNvPr id="2" name="幻灯片图像占位符 1"/>
+          <p:cNvSpPr/>
+          <p:nvPr>
+            <p:ph type="sldImg" idx="2"/>
+          </p:nvPr>
+        </p:nvSpPr>
+        <p:spPr/>
+      </p:sp>
+      <p:sp>
+        <p:nvSpPr>
+          <p:cNvPr id="3" name="文本占位符 2"/>
+          <p:cNvSpPr/>
+          <p:nvPr>
+            <p:ph type="body" idx="3"/>
+          </p:nvPr>
+        </p:nvSpPr>
+        <p:spPr/>
+        <p:txBody>
+          <a:bodyPr/>
+          <a:p>
+            <a:endParaRPr lang="zh-CN" altLang="en-US"/>
+          </a:p>
+        </p:txBody>
+      </p:sp>
+    </p:spTree>
+  </p:cSld>
+  <p:clrMapOvr>
+    <a:masterClrMapping/>
+  </p:clrMapOvr>
+</p:notes>
+</file>
+
 <file path=ppt/notesSlides/notesSlide2.xml><?xml version="1.0" encoding="utf-8"?>
+<p:notes xmlns:a="http://schemas.openxmlformats.org/drawingml/2006/main" xmlns:r="http://schemas.openxmlformats.org/officeDocument/2006/relationships" xmlns:p="http://schemas.openxmlformats.org/presentationml/2006/main">
+  <p:cSld>
+    <p:spTree>
+      <p:nvGrpSpPr>
+        <p:cNvPr id="1" name=""/>
+        <p:cNvGrpSpPr/>
+        <p:nvPr/>
+      </p:nvGrpSpPr>
+      <p:grpSpPr/>
+      <p:sp>
+        <p:nvSpPr>
+          <p:cNvPr id="2" name="幻灯片图像占位符 1"/>
+          <p:cNvSpPr/>
+          <p:nvPr>
+            <p:ph type="sldImg" idx="2"/>
+          </p:nvPr>
+        </p:nvSpPr>
+        <p:spPr/>
+      </p:sp>
+      <p:sp>
+        <p:nvSpPr>
+          <p:cNvPr id="3" name="文本占位符 2"/>
+          <p:cNvSpPr/>
+          <p:nvPr>
+            <p:ph type="body" idx="3"/>
+          </p:nvPr>
+        </p:nvSpPr>
+        <p:spPr/>
+        <p:txBody>
+          <a:bodyPr/>
+          <a:p>
+            <a:r>
+              <a:rPr lang="en-US" altLang="zh-CN"/>
+              <a:t>           </a:t>
+            </a:r>
+            <a:endParaRPr lang="en-US" altLang="zh-CN"/>
+          </a:p>
+        </p:txBody>
+      </p:sp>
+    </p:spTree>
+  </p:cSld>
+  <p:clrMapOvr>
+    <a:masterClrMapping/>
+  </p:clrMapOvr>
+</p:notes>
+</file>
+
+<file path=ppt/notesSlides/notesSlide20.xml><?xml version="1.0" encoding="utf-8"?>
+<p:notes xmlns:a="http://schemas.openxmlformats.org/drawingml/2006/main" xmlns:r="http://schemas.openxmlformats.org/officeDocument/2006/relationships" xmlns:p="http://schemas.openxmlformats.org/presentationml/2006/main">
+  <p:cSld>
+    <p:spTree>
+      <p:nvGrpSpPr>
+        <p:cNvPr id="1" name=""/>
+        <p:cNvGrpSpPr/>
+        <p:nvPr/>
+      </p:nvGrpSpPr>
+      <p:grpSpPr/>
+      <p:sp>
+        <p:nvSpPr>
+          <p:cNvPr id="2" name="幻灯片图像占位符 1"/>
+          <p:cNvSpPr/>
+          <p:nvPr>
+            <p:ph type="sldImg" idx="2"/>
+          </p:nvPr>
+        </p:nvSpPr>
+        <p:spPr/>
+      </p:sp>
+      <p:sp>
+        <p:nvSpPr>
+          <p:cNvPr id="3" name="文本占位符 2"/>
+          <p:cNvSpPr/>
+          <p:nvPr>
+            <p:ph type="body" idx="3"/>
+          </p:nvPr>
+        </p:nvSpPr>
+        <p:spPr/>
+        <p:txBody>
+          <a:bodyPr/>
+          <a:p>
+            <a:r>
+              <a:rPr lang="en-US" altLang="zh-CN"/>
+              <a:t>           </a:t>
+            </a:r>
+            <a:endParaRPr lang="en-US" altLang="zh-CN"/>
+          </a:p>
+        </p:txBody>
+      </p:sp>
+    </p:spTree>
+  </p:cSld>
+  <p:clrMapOvr>
+    <a:masterClrMapping/>
+  </p:clrMapOvr>
+</p:notes>
+</file>
+
+<file path=ppt/notesSlides/notesSlide21.xml><?xml version="1.0" encoding="utf-8"?>
 <p:notes xmlns:a="http://schemas.openxmlformats.org/drawingml/2006/main" xmlns:r="http://schemas.openxmlformats.org/officeDocument/2006/relationships" xmlns:p="http://schemas.openxmlformats.org/presentationml/2006/main">
   <p:cSld>
     <p:spTree>
@@ -4499,7 +4859,7 @@
           <a:p>
             <a:r>
               <a:rPr lang="zh-CN" altLang="en-US" sz="2000">
-                <a:hlinkClick r:id="rId1" tooltip="" action="ppaction://hlinkfile"/>
+                <a:hlinkClick r:id="rId1" action="ppaction://hlinkfile"/>
               </a:rPr>
               <a:t>参考链接</a:t>
             </a:r>
@@ -4783,7 +5143,7 @@
                 <a:latin typeface="+mj-ea"/>
                 <a:ea typeface="+mj-ea"/>
               </a:rPr>
-              <a:t>3</a:t>
+              <a:t>4</a:t>
             </a:r>
             <a:endParaRPr lang="en-US" altLang="zh-CN" sz="5400" b="1">
               <a:solidFill>
@@ -5026,6 +5386,84 @@
       <p:grpSpPr/>
       <p:sp>
         <p:nvSpPr>
+          <p:cNvPr id="15" name="矩形 14"/>
+          <p:cNvSpPr/>
+          <p:nvPr/>
+        </p:nvSpPr>
+        <p:spPr>
+          <a:xfrm>
+            <a:off x="7191375" y="4232275"/>
+            <a:ext cx="4542790" cy="1016000"/>
+          </a:xfrm>
+          <a:prstGeom prst="rect">
+            <a:avLst/>
+          </a:prstGeom>
+        </p:spPr>
+        <p:style>
+          <a:lnRef idx="2">
+            <a:schemeClr val="accent1">
+              <a:shade val="50000"/>
+            </a:schemeClr>
+          </a:lnRef>
+          <a:fillRef idx="1">
+            <a:schemeClr val="accent1"/>
+          </a:fillRef>
+          <a:effectRef idx="0">
+            <a:schemeClr val="accent1"/>
+          </a:effectRef>
+          <a:fontRef idx="minor">
+            <a:schemeClr val="lt1"/>
+          </a:fontRef>
+        </p:style>
+        <p:txBody>
+          <a:bodyPr rtlCol="0" anchor="ctr"/>
+          <a:p>
+            <a:pPr algn="ctr"/>
+            <a:endParaRPr lang="zh-CN" altLang="en-US"/>
+          </a:p>
+        </p:txBody>
+      </p:sp>
+      <p:sp>
+        <p:nvSpPr>
+          <p:cNvPr id="14" name="矩形 13"/>
+          <p:cNvSpPr/>
+          <p:nvPr/>
+        </p:nvSpPr>
+        <p:spPr>
+          <a:xfrm>
+            <a:off x="564515" y="3594100"/>
+            <a:ext cx="6356985" cy="1654175"/>
+          </a:xfrm>
+          <a:prstGeom prst="rect">
+            <a:avLst/>
+          </a:prstGeom>
+        </p:spPr>
+        <p:style>
+          <a:lnRef idx="2">
+            <a:schemeClr val="accent1">
+              <a:shade val="50000"/>
+            </a:schemeClr>
+          </a:lnRef>
+          <a:fillRef idx="1">
+            <a:schemeClr val="accent1"/>
+          </a:fillRef>
+          <a:effectRef idx="0">
+            <a:schemeClr val="accent1"/>
+          </a:effectRef>
+          <a:fontRef idx="minor">
+            <a:schemeClr val="lt1"/>
+          </a:fontRef>
+        </p:style>
+        <p:txBody>
+          <a:bodyPr rtlCol="0" anchor="ctr"/>
+          <a:p>
+            <a:pPr algn="ctr"/>
+            <a:endParaRPr lang="zh-CN" altLang="en-US"/>
+          </a:p>
+        </p:txBody>
+      </p:sp>
+      <p:sp>
+        <p:nvSpPr>
           <p:cNvPr id="6" name="文本框 5"/>
           <p:cNvSpPr txBox="1"/>
           <p:nvPr/>
@@ -5155,7 +5593,7 @@
                 <a:latin typeface="+mj-ea"/>
                 <a:ea typeface="+mj-ea"/>
               </a:rPr>
-              <a:t>3.1</a:t>
+              <a:t>4.1</a:t>
             </a:r>
             <a:endParaRPr lang="en-US" altLang="zh-CN" sz="5400" b="1">
               <a:solidFill>
@@ -5175,8 +5613,8 @@
         </p:nvSpPr>
         <p:spPr>
           <a:xfrm>
-            <a:off x="0" y="2533015"/>
-            <a:ext cx="10305415" cy="829945"/>
+            <a:off x="330200" y="3895090"/>
+            <a:ext cx="10305415" cy="460375"/>
           </a:xfrm>
           <a:prstGeom prst="rect">
             <a:avLst/>
@@ -5189,55 +5627,253 @@
           </a:bodyPr>
           <a:p>
             <a:pPr lvl="1"/>
+            <a:r>
+              <a:rPr sz="2400" b="1">
+                <a:sym typeface="+mn-ea"/>
+              </a:rPr>
+              <a:t>"path": "i18n:menu.panel/demo_part1"</a:t>
+            </a:r>
+            <a:endParaRPr sz="2400" b="1">
+              <a:sym typeface="+mn-ea"/>
+            </a:endParaRPr>
+          </a:p>
+        </p:txBody>
+      </p:sp>
+      <p:sp>
+        <p:nvSpPr>
+          <p:cNvPr id="3" name="文本框 2"/>
+          <p:cNvSpPr txBox="1"/>
+          <p:nvPr/>
+        </p:nvSpPr>
+        <p:spPr>
+          <a:xfrm>
+            <a:off x="330200" y="4471035"/>
+            <a:ext cx="10305415" cy="460375"/>
+          </a:xfrm>
+          <a:prstGeom prst="rect">
+            <a:avLst/>
+          </a:prstGeom>
+          <a:noFill/>
+        </p:spPr>
+        <p:txBody>
+          <a:bodyPr wrap="square" rtlCol="0">
+            <a:spAutoFit/>
+          </a:bodyPr>
+          <a:p>
+            <a:pPr lvl="1"/>
+            <a:r>
+              <a:rPr sz="2400" b="1">
+                <a:sym typeface="+mn-ea"/>
+              </a:rPr>
+              <a:t>"label": "i18n:demo_part1.open_panel"</a:t>
+            </a:r>
+            <a:endParaRPr sz="2400" b="1">
+              <a:sym typeface="+mn-ea"/>
+            </a:endParaRPr>
+          </a:p>
+        </p:txBody>
+      </p:sp>
+      <p:sp>
+        <p:nvSpPr>
+          <p:cNvPr id="4" name="文本框 3"/>
+          <p:cNvSpPr txBox="1"/>
+          <p:nvPr/>
+        </p:nvSpPr>
+        <p:spPr>
+          <a:xfrm>
+            <a:off x="330200" y="5671820"/>
+            <a:ext cx="5127625" cy="460375"/>
+          </a:xfrm>
+          <a:prstGeom prst="rect">
+            <a:avLst/>
+          </a:prstGeom>
+          <a:noFill/>
+        </p:spPr>
+        <p:txBody>
+          <a:bodyPr wrap="none" rtlCol="0">
+            <a:spAutoFit/>
+          </a:bodyPr>
+          <a:p>
+            <a:pPr algn="l"/>
+            <a:r>
+              <a:rPr lang="zh-CN" altLang="en-US" sz="2400" b="1"/>
+              <a:t>解析后：面板</a:t>
+            </a:r>
+            <a:r>
+              <a:rPr lang="en-US" altLang="zh-CN" sz="2400" b="1"/>
+              <a:t>/demo_part1/默认面板</a:t>
+            </a:r>
+            <a:endParaRPr lang="en-US" altLang="zh-CN" sz="2400" b="1"/>
+          </a:p>
+        </p:txBody>
+      </p:sp>
+      <p:sp>
+        <p:nvSpPr>
+          <p:cNvPr id="5" name="文本框 4"/>
+          <p:cNvSpPr txBox="1"/>
+          <p:nvPr/>
+        </p:nvSpPr>
+        <p:spPr>
+          <a:xfrm>
+            <a:off x="6974205" y="4509770"/>
+            <a:ext cx="4977765" cy="460375"/>
+          </a:xfrm>
+          <a:prstGeom prst="rect">
+            <a:avLst/>
+          </a:prstGeom>
+          <a:noFill/>
+        </p:spPr>
+        <p:txBody>
+          <a:bodyPr wrap="square" rtlCol="0">
+            <a:spAutoFit/>
+          </a:bodyPr>
+          <a:p>
+            <a:pPr lvl="1"/>
+            <a:r>
+              <a:rPr sz="2400" b="1">
+                <a:sym typeface="+mn-ea"/>
+              </a:rPr>
+              <a:t>"message": "open-panel"</a:t>
+            </a:r>
+            <a:endParaRPr sz="2400" b="1">
+              <a:sym typeface="+mn-ea"/>
+            </a:endParaRPr>
+          </a:p>
+        </p:txBody>
+      </p:sp>
+      <p:pic>
+        <p:nvPicPr>
+          <p:cNvPr id="9" name="图片 8" descr="VCX_5R[1BBD1P5Y7I3[DWHU"/>
+          <p:cNvPicPr>
+            <a:picLocks noChangeAspect="1"/>
+          </p:cNvPicPr>
+          <p:nvPr/>
+        </p:nvPicPr>
+        <p:blipFill>
+          <a:blip r:embed="rId3"/>
+          <a:stretch>
+            <a:fillRect/>
+          </a:stretch>
+        </p:blipFill>
+        <p:spPr>
+          <a:xfrm>
+            <a:off x="7503795" y="1743710"/>
+            <a:ext cx="4448175" cy="2266950"/>
+          </a:xfrm>
+          <a:prstGeom prst="rect">
+            <a:avLst/>
+          </a:prstGeom>
+        </p:spPr>
+      </p:pic>
+      <p:pic>
+        <p:nvPicPr>
+          <p:cNvPr id="12" name="图片 11" descr="3V}R)T@})%PZI``@725[7]8"/>
+          <p:cNvPicPr>
+            <a:picLocks noChangeAspect="1"/>
+          </p:cNvPicPr>
+          <p:nvPr/>
+        </p:nvPicPr>
+        <p:blipFill>
+          <a:blip r:embed="rId4"/>
+          <a:stretch>
+            <a:fillRect/>
+          </a:stretch>
+        </p:blipFill>
+        <p:spPr>
+          <a:xfrm>
+            <a:off x="1513205" y="1743710"/>
+            <a:ext cx="5690870" cy="1526540"/>
+          </a:xfrm>
+          <a:prstGeom prst="rect">
+            <a:avLst/>
+          </a:prstGeom>
+        </p:spPr>
+      </p:pic>
+      <p:sp>
+        <p:nvSpPr>
+          <p:cNvPr id="16" name="文本框 15"/>
+          <p:cNvSpPr txBox="1"/>
+          <p:nvPr/>
+        </p:nvSpPr>
+        <p:spPr>
+          <a:xfrm>
+            <a:off x="7060565" y="5671820"/>
+            <a:ext cx="5006975" cy="829945"/>
+          </a:xfrm>
+          <a:prstGeom prst="rect">
+            <a:avLst/>
+          </a:prstGeom>
+          <a:noFill/>
+        </p:spPr>
+        <p:txBody>
+          <a:bodyPr wrap="none" rtlCol="0">
+            <a:spAutoFit/>
+          </a:bodyPr>
+          <a:p>
+            <a:pPr algn="l"/>
+            <a:r>
+              <a:rPr lang="zh-CN" altLang="en-US" sz="2400" b="1"/>
+              <a:t>解析后：发送</a:t>
+            </a:r>
+            <a:r>
+              <a:rPr lang="en-US" altLang="zh-CN" sz="2400" b="1"/>
+              <a:t> </a:t>
+            </a:r>
+            <a:r>
+              <a:rPr sz="2400" b="1">
+                <a:sym typeface="+mn-ea"/>
+              </a:rPr>
+              <a:t>open-panel</a:t>
+            </a:r>
+            <a:r>
+              <a:rPr lang="en-US" sz="2400" b="1">
+                <a:sym typeface="+mn-ea"/>
+              </a:rPr>
+              <a:t> </a:t>
+            </a:r>
+            <a:r>
+              <a:rPr lang="zh-CN" sz="2400" b="1">
+                <a:sym typeface="+mn-ea"/>
+              </a:rPr>
+              <a:t>事件，</a:t>
+            </a:r>
+            <a:endParaRPr lang="zh-CN" sz="2400" b="1">
+              <a:sym typeface="+mn-ea"/>
+            </a:endParaRPr>
+          </a:p>
+          <a:p>
+            <a:pPr algn="l"/>
+            <a:r>
+              <a:rPr lang="en-US" altLang="zh-CN" sz="2400" b="1">
+                <a:sym typeface="+mn-ea"/>
+              </a:rPr>
+              <a:t>       </a:t>
+            </a:r>
             <a:r>
               <a:rPr lang="zh-CN" altLang="en-US" sz="2400" b="1">
                 <a:sym typeface="+mn-ea"/>
               </a:rPr>
-              <a:t>菜单</a:t>
+              <a:t>事件在</a:t>
             </a:r>
             <a:r>
               <a:rPr lang="en-US" altLang="zh-CN" sz="2400" b="1">
                 <a:sym typeface="+mn-ea"/>
               </a:rPr>
-              <a:t>0</a:t>
+              <a:t> package.json </a:t>
             </a:r>
             <a:r>
               <a:rPr lang="zh-CN" altLang="en-US" sz="2400" b="1">
                 <a:sym typeface="+mn-ea"/>
               </a:rPr>
-              <a:t>：</a:t>
-            </a:r>
-            <a:endParaRPr lang="zh-CN" altLang="en-US" sz="2400" b="1">
-              <a:sym typeface="+mn-ea"/>
-            </a:endParaRPr>
-          </a:p>
-          <a:p>
-            <a:pPr lvl="1"/>
-            <a:r>
-              <a:rPr lang="en-US" altLang="zh-CN" sz="2400" b="1">
-                <a:sym typeface="+mn-ea"/>
-              </a:rPr>
-              <a:t>	path</a:t>
+              <a:t>注册</a:t>
             </a:r>
             <a:r>
               <a:rPr lang="zh-CN" altLang="en-US" sz="2400" b="1">
                 <a:sym typeface="+mn-ea"/>
               </a:rPr>
-              <a:t>：面板</a:t>
-            </a:r>
-            <a:r>
-              <a:rPr sz="2400" b="1">
-                <a:sym typeface="+mn-ea"/>
-              </a:rPr>
-              <a:t>/demo_part1</a:t>
-            </a:r>
-            <a:r>
-              <a:rPr lang="en-US" sz="2400" b="1">
-                <a:sym typeface="+mn-ea"/>
-              </a:rPr>
-              <a:t>/</a:t>
-            </a:r>
-            <a:endParaRPr lang="en-US" sz="2400" b="1">
+              <a:t>回调</a:t>
+            </a:r>
+            <a:endParaRPr lang="zh-CN" altLang="en-US" sz="2400" b="1">
               <a:sym typeface="+mn-ea"/>
             </a:endParaRPr>
           </a:p>
@@ -5254,14 +5890,6 @@
 <file path=ppt/slides/slide13.xml><?xml version="1.0" encoding="utf-8"?>
 <p:sld xmlns:a="http://schemas.openxmlformats.org/drawingml/2006/main" xmlns:r="http://schemas.openxmlformats.org/officeDocument/2006/relationships" xmlns:p="http://schemas.openxmlformats.org/presentationml/2006/main">
   <p:cSld>
-    <p:bg>
-      <p:bgPr>
-        <a:solidFill>
-          <a:schemeClr val="bg2"/>
-        </a:solidFill>
-        <a:effectLst/>
-      </p:bgPr>
-    </p:bg>
     <p:spTree>
       <p:nvGrpSpPr>
         <p:cNvPr id="1" name=""/>
@@ -5269,9 +5897,90 @@
         <p:nvPr/>
       </p:nvGrpSpPr>
       <p:grpSpPr/>
+      <p:sp>
+        <p:nvSpPr>
+          <p:cNvPr id="6" name="文本框 5"/>
+          <p:cNvSpPr txBox="1"/>
+          <p:nvPr/>
+        </p:nvSpPr>
+        <p:spPr>
+          <a:xfrm>
+            <a:off x="2317750" y="545465"/>
+            <a:ext cx="4754880" cy="706755"/>
+          </a:xfrm>
+          <a:prstGeom prst="rect">
+            <a:avLst/>
+          </a:prstGeom>
+          <a:noFill/>
+        </p:spPr>
+        <p:txBody>
+          <a:bodyPr wrap="none" rtlCol="0">
+            <a:spAutoFit/>
+          </a:bodyPr>
+          <a:p>
+            <a:pPr algn="l"/>
+            <a:r>
+              <a:rPr lang="zh-CN" altLang="en-US" sz="4000" b="1">
+                <a:latin typeface="+mn-ea"/>
+                <a:cs typeface="+mn-ea"/>
+                <a:sym typeface="+mn-ea"/>
+              </a:rPr>
+              <a:t>看看回调做了</a:t>
+            </a:r>
+            <a:r>
+              <a:rPr lang="zh-CN" altLang="en-US" sz="4000" b="1">
+                <a:latin typeface="+mn-ea"/>
+                <a:cs typeface="+mn-ea"/>
+                <a:sym typeface="+mn-ea"/>
+              </a:rPr>
+              <a:t>什么？</a:t>
+            </a:r>
+            <a:endParaRPr lang="zh-CN" altLang="en-US" sz="4000" b="1">
+              <a:latin typeface="+mn-ea"/>
+              <a:cs typeface="+mn-ea"/>
+              <a:sym typeface="+mn-ea"/>
+            </a:endParaRPr>
+          </a:p>
+        </p:txBody>
+      </p:sp>
+      <p:sp>
+        <p:nvSpPr>
+          <p:cNvPr id="8" name="文本框 7" descr="7b0a20202020227461726765744d6f64756c65223a202270726f636573734f6e6c696e65466f6e7473220a7d0a"/>
+          <p:cNvSpPr txBox="1"/>
+          <p:nvPr/>
+        </p:nvSpPr>
+        <p:spPr>
+          <a:xfrm>
+            <a:off x="10305415" y="184150"/>
+            <a:ext cx="1762125" cy="922020"/>
+          </a:xfrm>
+          <a:prstGeom prst="rect">
+            <a:avLst/>
+          </a:prstGeom>
+          <a:noFill/>
+        </p:spPr>
+        <p:txBody>
+          <a:bodyPr wrap="square" rtlCol="0">
+            <a:spAutoFit/>
+          </a:bodyPr>
+          <a:p>
+            <a:r>
+              <a:rPr lang="zh-CN" altLang="en-US" sz="5400" b="1">
+                <a:latin typeface="+mj-ea"/>
+                <a:ea typeface="+mj-ea"/>
+              </a:rPr>
+              <a:t>入门</a:t>
+            </a:r>
+            <a:endParaRPr lang="zh-CN" altLang="en-US" sz="5400" b="1">
+              <a:latin typeface="+mj-ea"/>
+              <a:ea typeface="+mj-ea"/>
+            </a:endParaRPr>
+          </a:p>
+        </p:txBody>
+      </p:sp>
       <p:pic>
         <p:nvPicPr>
-          <p:cNvPr id="4" name="图片 3" descr="0"/>
+          <p:cNvPr id="7" name="图片 6" descr="0"/>
           <p:cNvPicPr>
             <a:picLocks noChangeAspect="1"/>
           </p:cNvPicPr>
@@ -5299,13 +6008,275 @@
       </p:pic>
       <p:sp>
         <p:nvSpPr>
+          <p:cNvPr id="10" name="文本框 9" descr="7b0a20202020227461726765744d6f64756c65223a202270726f636573734f6e6c696e65466f6e7473220a7d0a"/>
+          <p:cNvSpPr txBox="1"/>
+          <p:nvPr/>
+        </p:nvSpPr>
+        <p:spPr>
+          <a:xfrm>
+            <a:off x="0" y="235585"/>
+            <a:ext cx="1402715" cy="922020"/>
+          </a:xfrm>
+          <a:prstGeom prst="rect">
+            <a:avLst/>
+          </a:prstGeom>
+          <a:noFill/>
+        </p:spPr>
+        <p:txBody>
+          <a:bodyPr wrap="square" rtlCol="0">
+            <a:spAutoFit/>
+          </a:bodyPr>
+          <a:p>
+            <a:pPr algn="ctr"/>
+            <a:r>
+              <a:rPr lang="en-US" altLang="zh-CN" sz="5400" b="1">
+                <a:solidFill>
+                  <a:schemeClr val="bg1"/>
+                </a:solidFill>
+                <a:latin typeface="+mj-ea"/>
+                <a:ea typeface="+mj-ea"/>
+              </a:rPr>
+              <a:t>4.2</a:t>
+            </a:r>
+            <a:endParaRPr lang="en-US" altLang="zh-CN" sz="5400" b="1">
+              <a:solidFill>
+                <a:schemeClr val="bg1"/>
+              </a:solidFill>
+              <a:latin typeface="+mj-ea"/>
+              <a:ea typeface="+mj-ea"/>
+            </a:endParaRPr>
+          </a:p>
+        </p:txBody>
+      </p:sp>
+      <p:sp>
+        <p:nvSpPr>
+          <p:cNvPr id="4" name="文本框 3"/>
+          <p:cNvSpPr txBox="1"/>
+          <p:nvPr/>
+        </p:nvSpPr>
+        <p:spPr>
+          <a:xfrm>
+            <a:off x="1402715" y="4991735"/>
+            <a:ext cx="8580120" cy="460375"/>
+          </a:xfrm>
+          <a:prstGeom prst="rect">
+            <a:avLst/>
+          </a:prstGeom>
+          <a:noFill/>
+        </p:spPr>
+        <p:txBody>
+          <a:bodyPr wrap="none" rtlCol="0">
+            <a:spAutoFit/>
+          </a:bodyPr>
+          <a:p>
+            <a:pPr algn="l"/>
+            <a:r>
+              <a:rPr sz="2400" b="1"/>
+              <a:t>Editor.Panel.open</a:t>
+            </a:r>
+            <a:r>
+              <a:rPr lang="zh-CN" sz="2400" b="1"/>
+              <a:t>：打开面板，参数为扩展名</a:t>
+            </a:r>
+            <a:r>
+              <a:rPr lang="en-US" altLang="zh-CN" sz="2400" b="1"/>
+              <a:t> | </a:t>
+            </a:r>
+            <a:r>
+              <a:rPr lang="zh-CN" altLang="en-US" sz="2400" b="1"/>
+              <a:t>扩展名</a:t>
+            </a:r>
+            <a:r>
+              <a:rPr lang="en-US" altLang="zh-CN" sz="2400" b="1"/>
+              <a:t>.</a:t>
+            </a:r>
+            <a:r>
+              <a:rPr lang="zh-CN" altLang="en-US" sz="2400" b="1"/>
+              <a:t>面板</a:t>
+            </a:r>
+            <a:r>
+              <a:rPr lang="zh-CN" altLang="en-US" sz="2400" b="1"/>
+              <a:t>名</a:t>
+            </a:r>
+            <a:endParaRPr lang="zh-CN" altLang="en-US" sz="2400" b="1"/>
+          </a:p>
+        </p:txBody>
+      </p:sp>
+      <p:pic>
+        <p:nvPicPr>
+          <p:cNvPr id="2" name="图片 1" descr="%9A4H_2TZCH$55F7DERM`F1"/>
+          <p:cNvPicPr>
+            <a:picLocks noChangeAspect="1"/>
+          </p:cNvPicPr>
+          <p:nvPr/>
+        </p:nvPicPr>
+        <p:blipFill>
+          <a:blip r:embed="rId3"/>
+          <a:stretch>
+            <a:fillRect/>
+          </a:stretch>
+        </p:blipFill>
+        <p:spPr>
+          <a:xfrm>
+            <a:off x="1731010" y="1647825"/>
+            <a:ext cx="6801485" cy="2531745"/>
+          </a:xfrm>
+          <a:prstGeom prst="rect">
+            <a:avLst/>
+          </a:prstGeom>
+        </p:spPr>
+      </p:pic>
+      <p:sp>
+        <p:nvSpPr>
+          <p:cNvPr id="11" name="文本框 10">
+            <a:hlinkClick r:id="rId4" tooltip="" action="ppaction://hlinkfile"/>
+          </p:cNvPr>
+          <p:cNvSpPr txBox="1"/>
+          <p:nvPr/>
+        </p:nvSpPr>
+        <p:spPr>
+          <a:xfrm>
+            <a:off x="476885" y="6431915"/>
+            <a:ext cx="1198880" cy="398780"/>
+          </a:xfrm>
+          <a:prstGeom prst="rect">
+            <a:avLst/>
+          </a:prstGeom>
+          <a:noFill/>
+        </p:spPr>
+        <p:txBody>
+          <a:bodyPr wrap="none" rtlCol="0">
+            <a:spAutoFit/>
+          </a:bodyPr>
+          <a:p>
+            <a:r>
+              <a:rPr lang="zh-CN" altLang="en-US" sz="2000">
+                <a:hlinkClick r:id="rId4" tooltip="" action="ppaction://hlinkfile"/>
+              </a:rPr>
+              <a:t>参考链接</a:t>
+            </a:r>
+            <a:endParaRPr lang="zh-CN" altLang="en-US" sz="2000"/>
+          </a:p>
+        </p:txBody>
+      </p:sp>
+    </p:spTree>
+  </p:cSld>
+  <p:clrMapOvr>
+    <a:masterClrMapping/>
+  </p:clrMapOvr>
+</p:sld>
+</file>
+
+<file path=ppt/slides/slide14.xml><?xml version="1.0" encoding="utf-8"?>
+<p:sld xmlns:a="http://schemas.openxmlformats.org/drawingml/2006/main" xmlns:r="http://schemas.openxmlformats.org/officeDocument/2006/relationships" xmlns:p="http://schemas.openxmlformats.org/presentationml/2006/main">
+  <p:cSld>
+    <p:spTree>
+      <p:nvGrpSpPr>
+        <p:cNvPr id="1" name=""/>
+        <p:cNvGrpSpPr/>
+        <p:nvPr/>
+      </p:nvGrpSpPr>
+      <p:grpSpPr/>
+      <p:sp>
+        <p:nvSpPr>
+          <p:cNvPr id="6" name="文本框 5"/>
+          <p:cNvSpPr txBox="1"/>
+          <p:nvPr/>
+        </p:nvSpPr>
+        <p:spPr>
+          <a:xfrm>
+            <a:off x="2317750" y="545465"/>
+            <a:ext cx="6222365" cy="706755"/>
+          </a:xfrm>
+          <a:prstGeom prst="rect">
+            <a:avLst/>
+          </a:prstGeom>
+          <a:noFill/>
+        </p:spPr>
+        <p:txBody>
+          <a:bodyPr wrap="none" rtlCol="0">
+            <a:spAutoFit/>
+          </a:bodyPr>
+          <a:p>
+            <a:pPr algn="l"/>
+            <a:r>
+              <a:rPr lang="zh-CN" altLang="en-US" sz="4000" b="1">
+                <a:sym typeface="+mn-ea"/>
+              </a:rPr>
+              <a:t>通过</a:t>
+            </a:r>
+            <a:r>
+              <a:rPr lang="en-US" altLang="zh-CN" sz="4000" b="1">
+                <a:sym typeface="+mn-ea"/>
+              </a:rPr>
+              <a:t> html </a:t>
+            </a:r>
+            <a:r>
+              <a:rPr lang="zh-CN" altLang="en-US" sz="4000" b="1">
+                <a:sym typeface="+mn-ea"/>
+              </a:rPr>
+              <a:t>和</a:t>
+            </a:r>
+            <a:r>
+              <a:rPr lang="en-US" altLang="zh-CN" sz="4000" b="1">
+                <a:sym typeface="+mn-ea"/>
+              </a:rPr>
+              <a:t> css </a:t>
+            </a:r>
+            <a:r>
+              <a:rPr lang="zh-CN" altLang="en-US" sz="4000" b="1">
+                <a:sym typeface="+mn-ea"/>
+              </a:rPr>
+              <a:t>编写面板</a:t>
+            </a:r>
+            <a:endParaRPr lang="zh-CN" altLang="en-US" sz="4000" b="1">
+              <a:latin typeface="+mn-ea"/>
+              <a:cs typeface="+mn-ea"/>
+              <a:sym typeface="+mn-ea"/>
+            </a:endParaRPr>
+          </a:p>
+        </p:txBody>
+      </p:sp>
+      <p:sp>
+        <p:nvSpPr>
+          <p:cNvPr id="12" name="文本框 11"/>
+          <p:cNvSpPr txBox="1"/>
+          <p:nvPr/>
+        </p:nvSpPr>
+        <p:spPr>
+          <a:xfrm>
+            <a:off x="476885" y="6431915"/>
+            <a:ext cx="1198880" cy="398780"/>
+          </a:xfrm>
+          <a:prstGeom prst="rect">
+            <a:avLst/>
+          </a:prstGeom>
+          <a:noFill/>
+        </p:spPr>
+        <p:txBody>
+          <a:bodyPr wrap="none" rtlCol="0">
+            <a:spAutoFit/>
+          </a:bodyPr>
+          <a:p>
+            <a:r>
+              <a:rPr lang="zh-CN" altLang="en-US" sz="2000">
+                <a:hlinkClick r:id="rId1" tooltip="" action="ppaction://hlinkfile"/>
+              </a:rPr>
+              <a:t>参考链接</a:t>
+            </a:r>
+            <a:endParaRPr lang="zh-CN" altLang="en-US" sz="2000"/>
+          </a:p>
+        </p:txBody>
+      </p:sp>
+      <p:sp>
+        <p:nvSpPr>
           <p:cNvPr id="8" name="文本框 7" descr="7b0a20202020227461726765744d6f64756c65223a202270726f636573734f6e6c696e65466f6e7473220a7d0a"/>
           <p:cNvSpPr txBox="1"/>
           <p:nvPr/>
         </p:nvSpPr>
         <p:spPr>
           <a:xfrm>
-            <a:off x="2919095" y="513080"/>
+            <a:off x="10305415" y="184150"/>
             <a:ext cx="1762125" cy="922020"/>
           </a:xfrm>
           <a:prstGeom prst="rect">
@@ -5323,7 +6294,7 @@
                 <a:latin typeface="+mj-ea"/>
                 <a:ea typeface="+mj-ea"/>
               </a:rPr>
-              <a:t>进阶</a:t>
+              <a:t>入门</a:t>
             </a:r>
             <a:endParaRPr lang="zh-CN" altLang="en-US" sz="5400" b="1">
               <a:latin typeface="+mj-ea"/>
@@ -5334,13 +6305,408 @@
       </p:sp>
       <p:pic>
         <p:nvPicPr>
-          <p:cNvPr id="10" name="图片 9" descr="0"/>
+          <p:cNvPr id="7" name="图片 6" descr="0"/>
           <p:cNvPicPr>
             <a:picLocks noChangeAspect="1"/>
           </p:cNvPicPr>
           <p:nvPr>
             <p:custDataLst>
-              <p:tags r:id="rId3"/>
+              <p:tags r:id="rId2"/>
+            </p:custDataLst>
+          </p:nvPr>
+        </p:nvPicPr>
+        <p:blipFill>
+          <a:blip r:embed="rId3"/>
+          <a:stretch>
+            <a:fillRect/>
+          </a:stretch>
+        </p:blipFill>
+        <p:spPr>
+          <a:xfrm rot="2520000">
+            <a:off x="-2587625" y="-3070225"/>
+            <a:ext cx="4406900" cy="5954395"/>
+          </a:xfrm>
+          <a:prstGeom prst="rect">
+            <a:avLst/>
+          </a:prstGeom>
+        </p:spPr>
+      </p:pic>
+      <p:sp>
+        <p:nvSpPr>
+          <p:cNvPr id="10" name="文本框 9" descr="7b0a20202020227461726765744d6f64756c65223a202270726f636573734f6e6c696e65466f6e7473220a7d0a"/>
+          <p:cNvSpPr txBox="1"/>
+          <p:nvPr/>
+        </p:nvSpPr>
+        <p:spPr>
+          <a:xfrm>
+            <a:off x="0" y="235585"/>
+            <a:ext cx="1402715" cy="922020"/>
+          </a:xfrm>
+          <a:prstGeom prst="rect">
+            <a:avLst/>
+          </a:prstGeom>
+          <a:noFill/>
+        </p:spPr>
+        <p:txBody>
+          <a:bodyPr wrap="square" rtlCol="0">
+            <a:spAutoFit/>
+          </a:bodyPr>
+          <a:p>
+            <a:pPr algn="ctr"/>
+            <a:r>
+              <a:rPr lang="en-US" altLang="zh-CN" sz="5400" b="1">
+                <a:solidFill>
+                  <a:schemeClr val="bg1"/>
+                </a:solidFill>
+                <a:latin typeface="+mj-ea"/>
+                <a:ea typeface="+mj-ea"/>
+              </a:rPr>
+              <a:t>5</a:t>
+            </a:r>
+            <a:endParaRPr lang="en-US" altLang="zh-CN" sz="5400" b="1">
+              <a:solidFill>
+                <a:schemeClr val="bg1"/>
+              </a:solidFill>
+              <a:latin typeface="+mj-ea"/>
+              <a:ea typeface="+mj-ea"/>
+            </a:endParaRPr>
+          </a:p>
+        </p:txBody>
+      </p:sp>
+      <p:pic>
+        <p:nvPicPr>
+          <p:cNvPr id="2" name="图片 1" descr="H~EYZQDHWQZ_00JW[`Y$T{R"/>
+          <p:cNvPicPr>
+            <a:picLocks noChangeAspect="1"/>
+          </p:cNvPicPr>
+          <p:nvPr/>
+        </p:nvPicPr>
+        <p:blipFill>
+          <a:blip r:embed="rId4"/>
+          <a:stretch>
+            <a:fillRect/>
+          </a:stretch>
+        </p:blipFill>
+        <p:spPr>
+          <a:xfrm>
+            <a:off x="6534150" y="1673860"/>
+            <a:ext cx="5364480" cy="3870960"/>
+          </a:xfrm>
+          <a:prstGeom prst="rect">
+            <a:avLst/>
+          </a:prstGeom>
+        </p:spPr>
+      </p:pic>
+      <p:sp>
+        <p:nvSpPr>
+          <p:cNvPr id="11" name="文本框 10"/>
+          <p:cNvSpPr txBox="1"/>
+          <p:nvPr/>
+        </p:nvSpPr>
+        <p:spPr>
+          <a:xfrm>
+            <a:off x="798195" y="3594100"/>
+            <a:ext cx="5533390" cy="829945"/>
+          </a:xfrm>
+          <a:prstGeom prst="rect">
+            <a:avLst/>
+          </a:prstGeom>
+          <a:noFill/>
+        </p:spPr>
+        <p:txBody>
+          <a:bodyPr wrap="square" rtlCol="0">
+            <a:spAutoFit/>
+          </a:bodyPr>
+          <a:p>
+            <a:pPr algn="l"/>
+            <a:r>
+              <a:rPr lang="en-US" sz="2400" b="1"/>
+              <a:t>main</a:t>
+            </a:r>
+            <a:r>
+              <a:rPr lang="zh-CN" altLang="en-US" sz="2400" b="1"/>
+              <a:t>：</a:t>
+            </a:r>
+            <a:endParaRPr lang="zh-CN" altLang="en-US" sz="2400" b="1"/>
+          </a:p>
+          <a:p>
+            <a:pPr algn="l"/>
+            <a:r>
+              <a:rPr lang="en-US" altLang="zh-CN" sz="2400" b="1"/>
+              <a:t>	</a:t>
+            </a:r>
+            <a:r>
+              <a:rPr lang="zh-CN" altLang="en-US" sz="2400" b="1"/>
+              <a:t>输出目录</a:t>
+            </a:r>
+            <a:r>
+              <a:rPr lang="en-US" altLang="zh-CN" sz="2400" b="1"/>
+              <a:t>\</a:t>
+            </a:r>
+            <a:r>
+              <a:rPr lang="zh-CN" altLang="en-US" sz="2400" b="1"/>
+              <a:t>panels\default\script</a:t>
+            </a:r>
+            <a:endParaRPr lang="en-US" altLang="zh-CN" sz="2400" b="1"/>
+          </a:p>
+        </p:txBody>
+      </p:sp>
+      <p:sp>
+        <p:nvSpPr>
+          <p:cNvPr id="13" name="文本框 12"/>
+          <p:cNvSpPr txBox="1"/>
+          <p:nvPr/>
+        </p:nvSpPr>
+        <p:spPr>
+          <a:xfrm>
+            <a:off x="798195" y="1847215"/>
+            <a:ext cx="5533390" cy="460375"/>
+          </a:xfrm>
+          <a:prstGeom prst="rect">
+            <a:avLst/>
+          </a:prstGeom>
+          <a:noFill/>
+        </p:spPr>
+        <p:txBody>
+          <a:bodyPr wrap="square" rtlCol="0">
+            <a:spAutoFit/>
+          </a:bodyPr>
+          <a:p>
+            <a:pPr algn="l"/>
+            <a:r>
+              <a:rPr lang="en-US" sz="2400" b="1"/>
+              <a:t>title</a:t>
+            </a:r>
+            <a:r>
+              <a:rPr lang="zh-CN" altLang="en-US" sz="2400" b="1"/>
+              <a:t>：面板</a:t>
+            </a:r>
+            <a:r>
+              <a:rPr lang="zh-CN" altLang="en-US" sz="2400" b="1"/>
+              <a:t>标题</a:t>
+            </a:r>
+            <a:endParaRPr lang="zh-CN" altLang="en-US" sz="2400" b="1"/>
+          </a:p>
+        </p:txBody>
+      </p:sp>
+      <p:sp>
+        <p:nvSpPr>
+          <p:cNvPr id="16" name="文本框 15"/>
+          <p:cNvSpPr txBox="1"/>
+          <p:nvPr/>
+        </p:nvSpPr>
+        <p:spPr>
+          <a:xfrm>
+            <a:off x="798195" y="2581910"/>
+            <a:ext cx="5533390" cy="829945"/>
+          </a:xfrm>
+          <a:prstGeom prst="rect">
+            <a:avLst/>
+          </a:prstGeom>
+          <a:noFill/>
+        </p:spPr>
+        <p:txBody>
+          <a:bodyPr wrap="square" rtlCol="0">
+            <a:spAutoFit/>
+          </a:bodyPr>
+          <a:p>
+            <a:pPr algn="l"/>
+            <a:r>
+              <a:rPr lang="en-US" sz="2400" b="1"/>
+              <a:t>type</a:t>
+            </a:r>
+            <a:r>
+              <a:rPr lang="zh-CN" altLang="en-US" sz="2400" b="1"/>
+              <a:t>：dockable | simple</a:t>
+            </a:r>
+            <a:endParaRPr lang="zh-CN" altLang="en-US" sz="2400" b="1"/>
+          </a:p>
+          <a:p>
+            <a:pPr algn="l"/>
+            <a:r>
+              <a:rPr lang="en-US" altLang="zh-CN" sz="2400" b="1"/>
+              <a:t>	</a:t>
+            </a:r>
+            <a:r>
+              <a:rPr lang="zh-CN" altLang="en-US" sz="2400" b="1"/>
+              <a:t>可停靠</a:t>
+            </a:r>
+            <a:r>
+              <a:rPr lang="en-US" altLang="zh-CN" sz="2400" b="1"/>
+              <a:t>      | </a:t>
+            </a:r>
+            <a:r>
+              <a:rPr lang="zh-CN" altLang="en-US" sz="2400" b="1"/>
+              <a:t>简</a:t>
+            </a:r>
+            <a:r>
+              <a:rPr lang="zh-CN" altLang="en-US" sz="2400" b="1"/>
+              <a:t>单</a:t>
+            </a:r>
+            <a:endParaRPr lang="zh-CN" altLang="en-US" sz="2400" b="1"/>
+          </a:p>
+        </p:txBody>
+      </p:sp>
+      <p:sp>
+        <p:nvSpPr>
+          <p:cNvPr id="17" name="文本框 16"/>
+          <p:cNvSpPr txBox="1"/>
+          <p:nvPr/>
+        </p:nvSpPr>
+        <p:spPr>
+          <a:xfrm>
+            <a:off x="798195" y="4692015"/>
+            <a:ext cx="5533390" cy="460375"/>
+          </a:xfrm>
+          <a:prstGeom prst="rect">
+            <a:avLst/>
+          </a:prstGeom>
+          <a:noFill/>
+        </p:spPr>
+        <p:txBody>
+          <a:bodyPr wrap="square" rtlCol="0">
+            <a:spAutoFit/>
+          </a:bodyPr>
+          <a:p>
+            <a:pPr algn="l"/>
+            <a:r>
+              <a:rPr lang="en-US" sz="2400" b="1"/>
+              <a:t>size</a:t>
+            </a:r>
+            <a:r>
+              <a:rPr lang="zh-CN" altLang="en-US" sz="2400" b="1"/>
+              <a:t>：面板大小</a:t>
+            </a:r>
+            <a:r>
+              <a:rPr lang="zh-CN" altLang="en-US" sz="2400" b="1"/>
+              <a:t>控制</a:t>
+            </a:r>
+            <a:endParaRPr lang="zh-CN" altLang="en-US" sz="2400" b="1"/>
+          </a:p>
+        </p:txBody>
+      </p:sp>
+    </p:spTree>
+  </p:cSld>
+  <p:clrMapOvr>
+    <a:masterClrMapping/>
+  </p:clrMapOvr>
+</p:sld>
+</file>
+
+<file path=ppt/slides/slide15.xml><?xml version="1.0" encoding="utf-8"?>
+<p:sld xmlns:a="http://schemas.openxmlformats.org/drawingml/2006/main" xmlns:r="http://schemas.openxmlformats.org/officeDocument/2006/relationships" xmlns:p="http://schemas.openxmlformats.org/presentationml/2006/main">
+  <p:cSld>
+    <p:spTree>
+      <p:nvGrpSpPr>
+        <p:cNvPr id="1" name=""/>
+        <p:cNvGrpSpPr/>
+        <p:nvPr/>
+      </p:nvGrpSpPr>
+      <p:grpSpPr/>
+      <p:sp>
+        <p:nvSpPr>
+          <p:cNvPr id="6" name="文本框 5"/>
+          <p:cNvSpPr txBox="1"/>
+          <p:nvPr/>
+        </p:nvSpPr>
+        <p:spPr>
+          <a:xfrm>
+            <a:off x="2317750" y="545465"/>
+            <a:ext cx="6222365" cy="706755"/>
+          </a:xfrm>
+          <a:prstGeom prst="rect">
+            <a:avLst/>
+          </a:prstGeom>
+          <a:noFill/>
+        </p:spPr>
+        <p:txBody>
+          <a:bodyPr wrap="none" rtlCol="0">
+            <a:spAutoFit/>
+          </a:bodyPr>
+          <a:p>
+            <a:pPr algn="l"/>
+            <a:r>
+              <a:rPr lang="zh-CN" altLang="en-US" sz="4000" b="1">
+                <a:sym typeface="+mn-ea"/>
+              </a:rPr>
+              <a:t>通过</a:t>
+            </a:r>
+            <a:r>
+              <a:rPr lang="en-US" altLang="zh-CN" sz="4000" b="1">
+                <a:sym typeface="+mn-ea"/>
+              </a:rPr>
+              <a:t> html </a:t>
+            </a:r>
+            <a:r>
+              <a:rPr lang="zh-CN" altLang="en-US" sz="4000" b="1">
+                <a:sym typeface="+mn-ea"/>
+              </a:rPr>
+              <a:t>和</a:t>
+            </a:r>
+            <a:r>
+              <a:rPr lang="en-US" altLang="zh-CN" sz="4000" b="1">
+                <a:sym typeface="+mn-ea"/>
+              </a:rPr>
+              <a:t> css </a:t>
+            </a:r>
+            <a:r>
+              <a:rPr lang="zh-CN" altLang="en-US" sz="4000" b="1">
+                <a:sym typeface="+mn-ea"/>
+              </a:rPr>
+              <a:t>编写面板</a:t>
+            </a:r>
+            <a:endParaRPr lang="zh-CN" altLang="en-US" sz="4000" b="1">
+              <a:latin typeface="+mn-ea"/>
+              <a:cs typeface="+mn-ea"/>
+              <a:sym typeface="+mn-ea"/>
+            </a:endParaRPr>
+          </a:p>
+        </p:txBody>
+      </p:sp>
+      <p:sp>
+        <p:nvSpPr>
+          <p:cNvPr id="8" name="文本框 7" descr="7b0a20202020227461726765744d6f64756c65223a202270726f636573734f6e6c696e65466f6e7473220a7d0a"/>
+          <p:cNvSpPr txBox="1"/>
+          <p:nvPr/>
+        </p:nvSpPr>
+        <p:spPr>
+          <a:xfrm>
+            <a:off x="10305415" y="184150"/>
+            <a:ext cx="1762125" cy="922020"/>
+          </a:xfrm>
+          <a:prstGeom prst="rect">
+            <a:avLst/>
+          </a:prstGeom>
+          <a:noFill/>
+        </p:spPr>
+        <p:txBody>
+          <a:bodyPr wrap="square" rtlCol="0">
+            <a:spAutoFit/>
+          </a:bodyPr>
+          <a:p>
+            <a:r>
+              <a:rPr lang="zh-CN" altLang="en-US" sz="5400" b="1">
+                <a:latin typeface="+mj-ea"/>
+                <a:ea typeface="+mj-ea"/>
+              </a:rPr>
+              <a:t>入门</a:t>
+            </a:r>
+            <a:endParaRPr lang="zh-CN" altLang="en-US" sz="5400" b="1">
+              <a:latin typeface="+mj-ea"/>
+              <a:ea typeface="+mj-ea"/>
+            </a:endParaRPr>
+          </a:p>
+        </p:txBody>
+      </p:sp>
+      <p:pic>
+        <p:nvPicPr>
+          <p:cNvPr id="7" name="图片 6" descr="0"/>
+          <p:cNvPicPr>
+            <a:picLocks noChangeAspect="1"/>
+          </p:cNvPicPr>
+          <p:nvPr>
+            <p:custDataLst>
+              <p:tags r:id="rId1"/>
             </p:custDataLst>
           </p:nvPr>
         </p:nvPicPr>
@@ -5352,7 +6718,7 @@
         </p:blipFill>
         <p:spPr>
           <a:xfrm rot="2520000">
-            <a:off x="10317480" y="4046220"/>
+            <a:off x="-2587625" y="-3070225"/>
             <a:ext cx="4406900" cy="5954395"/>
           </a:xfrm>
           <a:prstGeom prst="rect">
@@ -5362,14 +6728,56 @@
       </p:pic>
       <p:sp>
         <p:nvSpPr>
-          <p:cNvPr id="12" name="文本框 11"/>
+          <p:cNvPr id="10" name="文本框 9" descr="7b0a20202020227461726765744d6f64756c65223a202270726f636573734f6e6c696e65466f6e7473220a7d0a"/>
           <p:cNvSpPr txBox="1"/>
           <p:nvPr/>
         </p:nvSpPr>
         <p:spPr>
           <a:xfrm>
-            <a:off x="2042795" y="3637280"/>
-            <a:ext cx="4429125" cy="583565"/>
+            <a:off x="0" y="235585"/>
+            <a:ext cx="1402715" cy="922020"/>
+          </a:xfrm>
+          <a:prstGeom prst="rect">
+            <a:avLst/>
+          </a:prstGeom>
+          <a:noFill/>
+        </p:spPr>
+        <p:txBody>
+          <a:bodyPr wrap="square" rtlCol="0">
+            <a:spAutoFit/>
+          </a:bodyPr>
+          <a:p>
+            <a:pPr algn="ctr"/>
+            <a:r>
+              <a:rPr lang="en-US" altLang="zh-CN" sz="5400" b="1">
+                <a:solidFill>
+                  <a:schemeClr val="bg1"/>
+                </a:solidFill>
+                <a:latin typeface="+mj-ea"/>
+                <a:ea typeface="+mj-ea"/>
+              </a:rPr>
+              <a:t>5.1</a:t>
+            </a:r>
+            <a:endParaRPr lang="en-US" altLang="zh-CN" sz="5400" b="1">
+              <a:solidFill>
+                <a:schemeClr val="bg1"/>
+              </a:solidFill>
+              <a:latin typeface="+mj-ea"/>
+              <a:ea typeface="+mj-ea"/>
+            </a:endParaRPr>
+          </a:p>
+        </p:txBody>
+      </p:sp>
+      <p:sp>
+        <p:nvSpPr>
+          <p:cNvPr id="3" name="文本框 2"/>
+          <p:cNvSpPr txBox="1"/>
+          <p:nvPr/>
+        </p:nvSpPr>
+        <p:spPr>
+          <a:xfrm>
+            <a:off x="476885" y="6431915"/>
+            <a:ext cx="1198880" cy="398780"/>
           </a:xfrm>
           <a:prstGeom prst="rect">
             <a:avLst/>
@@ -5381,37 +6789,50 @@
             <a:spAutoFit/>
           </a:bodyPr>
           <a:p>
-            <a:pPr algn="l"/>
-            <a:r>
-              <a:rPr lang="en-US" altLang="zh-CN" sz="3200" b="1"/>
-              <a:t>1.html </a:t>
-            </a:r>
-            <a:r>
-              <a:rPr lang="zh-CN" altLang="en-US" sz="3200" b="1"/>
-              <a:t>和</a:t>
-            </a:r>
-            <a:r>
-              <a:rPr lang="en-US" altLang="zh-CN" sz="3200" b="1"/>
-              <a:t> css </a:t>
-            </a:r>
-            <a:r>
-              <a:rPr lang="zh-CN" altLang="en-US" sz="3200" b="1"/>
-              <a:t>调试技巧</a:t>
-            </a:r>
-            <a:endParaRPr lang="zh-CN" altLang="en-US" sz="3200" b="1"/>
-          </a:p>
-        </p:txBody>
-      </p:sp>
-      <p:sp>
-        <p:nvSpPr>
-          <p:cNvPr id="2" name="文本框 1"/>
+            <a:r>
+              <a:rPr lang="zh-CN" altLang="en-US" sz="2000">
+                <a:hlinkClick r:id="rId3" tooltip="" action="ppaction://hlinkfile"/>
+              </a:rPr>
+              <a:t>参考链接</a:t>
+            </a:r>
+            <a:endParaRPr lang="zh-CN" altLang="en-US" sz="2000"/>
+          </a:p>
+        </p:txBody>
+      </p:sp>
+      <p:pic>
+        <p:nvPicPr>
+          <p:cNvPr id="4" name="图片 3" descr="{2HQ}ET@%GJY708C`WGXAJK"/>
+          <p:cNvPicPr>
+            <a:picLocks noChangeAspect="1"/>
+          </p:cNvPicPr>
+          <p:nvPr/>
+        </p:nvPicPr>
+        <p:blipFill>
+          <a:blip r:embed="rId4"/>
+          <a:stretch>
+            <a:fillRect/>
+          </a:stretch>
+        </p:blipFill>
+        <p:spPr>
+          <a:xfrm>
+            <a:off x="6581140" y="1642110"/>
+            <a:ext cx="5328285" cy="7581900"/>
+          </a:xfrm>
+          <a:prstGeom prst="rect">
+            <a:avLst/>
+          </a:prstGeom>
+        </p:spPr>
+      </p:pic>
+      <p:sp>
+        <p:nvSpPr>
+          <p:cNvPr id="5" name="文本框 4"/>
           <p:cNvSpPr txBox="1"/>
           <p:nvPr/>
         </p:nvSpPr>
         <p:spPr>
           <a:xfrm>
-            <a:off x="2042795" y="2849245"/>
-            <a:ext cx="5015865" cy="583565"/>
+            <a:off x="1228090" y="2568575"/>
+            <a:ext cx="3688080" cy="460375"/>
           </a:xfrm>
           <a:prstGeom prst="rect">
             <a:avLst/>
@@ -5425,31 +6846,35 @@
           <a:p>
             <a:pPr algn="l"/>
             <a:r>
-              <a:rPr lang="en-US" altLang="zh-CN" sz="3200" b="1"/>
-              <a:t>2.</a:t>
-            </a:r>
-            <a:r>
-              <a:rPr lang="zh-CN" altLang="en-US" sz="3200" b="1"/>
-              <a:t>如何使用</a:t>
-            </a:r>
-            <a:r>
-              <a:rPr lang="en-US" altLang="zh-CN" sz="3200" b="1"/>
-              <a:t> element-plus?</a:t>
-            </a:r>
-            <a:endParaRPr lang="en-US" altLang="zh-CN" sz="3200" b="1"/>
-          </a:p>
-        </p:txBody>
-      </p:sp>
-      <p:sp>
-        <p:nvSpPr>
-          <p:cNvPr id="3" name="文本框 2"/>
+              <a:rPr lang="en-US" altLang="zh-CN" sz="2400" b="1"/>
+              <a:t>template</a:t>
+            </a:r>
+            <a:r>
+              <a:rPr lang="zh-CN" altLang="en-US" sz="2400" b="1"/>
+              <a:t>：</a:t>
+            </a:r>
+            <a:r>
+              <a:rPr lang="en-US" altLang="zh-CN" sz="2400" b="1"/>
+              <a:t>html </a:t>
+            </a:r>
+            <a:r>
+              <a:rPr lang="zh-CN" altLang="en-US" sz="2400" b="1"/>
+              <a:t>文件内容</a:t>
+            </a:r>
+            <a:endParaRPr lang="zh-CN" altLang="en-US" sz="2400" b="1"/>
+          </a:p>
+        </p:txBody>
+      </p:sp>
+      <p:sp>
+        <p:nvSpPr>
+          <p:cNvPr id="9" name="文本框 8"/>
           <p:cNvSpPr txBox="1"/>
           <p:nvPr/>
         </p:nvSpPr>
         <p:spPr>
           <a:xfrm>
-            <a:off x="2042795" y="5213350"/>
-            <a:ext cx="3366770" cy="583565"/>
+            <a:off x="1228090" y="3117215"/>
+            <a:ext cx="2994660" cy="460375"/>
           </a:xfrm>
           <a:prstGeom prst="rect">
             <a:avLst/>
@@ -5463,27 +6888,39 @@
           <a:p>
             <a:pPr algn="l"/>
             <a:r>
-              <a:rPr lang="en-US" altLang="zh-CN" sz="3200" b="1"/>
-              <a:t>4.</a:t>
-            </a:r>
-            <a:r>
-              <a:rPr lang="zh-CN" altLang="en-US" sz="3200" b="1"/>
-              <a:t>插件公共代码库</a:t>
-            </a:r>
-            <a:endParaRPr lang="zh-CN" altLang="en-US" sz="3200" b="1"/>
-          </a:p>
-        </p:txBody>
-      </p:sp>
-      <p:sp>
-        <p:nvSpPr>
-          <p:cNvPr id="6" name="文本框 5"/>
+              <a:rPr lang="en-US" altLang="zh-CN" sz="2400" b="1"/>
+              <a:t>style</a:t>
+            </a:r>
+            <a:r>
+              <a:rPr lang="zh-CN" altLang="en-US" sz="2400" b="1"/>
+              <a:t>：</a:t>
+            </a:r>
+            <a:r>
+              <a:rPr lang="en-US" sz="2400" b="1"/>
+              <a:t>css </a:t>
+            </a:r>
+            <a:r>
+              <a:rPr lang="zh-CN" altLang="en-US" sz="2400" b="1"/>
+              <a:t>文件</a:t>
+            </a:r>
+            <a:r>
+              <a:rPr lang="zh-CN" altLang="en-US" sz="2400" b="1"/>
+              <a:t>内容</a:t>
+            </a:r>
+            <a:endParaRPr lang="zh-CN" altLang="en-US" sz="2400" b="1"/>
+          </a:p>
+        </p:txBody>
+      </p:sp>
+      <p:sp>
+        <p:nvSpPr>
+          <p:cNvPr id="18" name="文本框 17"/>
           <p:cNvSpPr txBox="1"/>
           <p:nvPr/>
         </p:nvSpPr>
         <p:spPr>
           <a:xfrm>
-            <a:off x="2042795" y="6001385"/>
-            <a:ext cx="7612380" cy="583565"/>
+            <a:off x="2145665" y="6431915"/>
+            <a:ext cx="1247140" cy="398780"/>
           </a:xfrm>
           <a:prstGeom prst="rect">
             <a:avLst/>
@@ -5497,35 +6934,38 @@
           <a:p>
             <a:pPr algn="l"/>
             <a:r>
-              <a:rPr lang="en-US" altLang="zh-CN" sz="3200" b="1"/>
-              <a:t>5.</a:t>
-            </a:r>
-            <a:r>
-              <a:rPr lang="zh-CN" altLang="en-US" sz="3200" b="1"/>
-              <a:t>自定义插件模板及</a:t>
-            </a:r>
-            <a:r>
-              <a:rPr lang="en-US" altLang="zh-CN" sz="3200" b="1"/>
-              <a:t> cc-plugin-cli </a:t>
-            </a:r>
-            <a:r>
-              <a:rPr lang="zh-CN" altLang="en-US" sz="3200" b="1"/>
-              <a:t>的使用</a:t>
-            </a:r>
-            <a:endParaRPr lang="zh-CN" altLang="en-US" sz="3200" b="1"/>
-          </a:p>
-        </p:txBody>
-      </p:sp>
-      <p:sp>
-        <p:nvSpPr>
-          <p:cNvPr id="5" name="文本框 4"/>
+              <a:rPr lang="en-US" altLang="zh-CN" sz="2000">
+                <a:latin typeface="+mn-ea"/>
+                <a:cs typeface="+mn-ea"/>
+                <a:hlinkClick r:id="rId5" tooltip="" action="ppaction://hlinkfile"/>
+              </a:rPr>
+              <a:t>html</a:t>
+            </a:r>
+            <a:r>
+              <a:rPr lang="zh-CN" altLang="en-US" sz="2000">
+                <a:latin typeface="+mn-ea"/>
+                <a:cs typeface="+mn-ea"/>
+                <a:hlinkClick r:id="rId5" tooltip="" action="ppaction://hlinkfile"/>
+              </a:rPr>
+              <a:t>标签</a:t>
+            </a:r>
+            <a:endParaRPr lang="zh-CN" altLang="en-US" sz="2000">
+              <a:latin typeface="+mn-ea"/>
+              <a:cs typeface="+mn-ea"/>
+            </a:endParaRPr>
+          </a:p>
+        </p:txBody>
+      </p:sp>
+      <p:sp>
+        <p:nvSpPr>
+          <p:cNvPr id="19" name="文本框 18"/>
           <p:cNvSpPr txBox="1"/>
           <p:nvPr/>
         </p:nvSpPr>
         <p:spPr>
           <a:xfrm>
-            <a:off x="2042795" y="4425315"/>
-            <a:ext cx="3277235" cy="583565"/>
+            <a:off x="3862705" y="6431915"/>
+            <a:ext cx="1053465" cy="398780"/>
           </a:xfrm>
           <a:prstGeom prst="rect">
             <a:avLst/>
@@ -5539,31 +6979,39 @@
           <a:p>
             <a:pPr algn="l"/>
             <a:r>
-              <a:rPr lang="en-US" sz="3200" b="1"/>
-              <a:t>3.</a:t>
-            </a:r>
-            <a:r>
-              <a:rPr lang="zh-CN" altLang="en-US" sz="3200" b="1"/>
-              <a:t>扩展</a:t>
-            </a:r>
-            <a:r>
-              <a:rPr lang="en-US" altLang="zh-CN" sz="3200" b="1"/>
-              <a:t> inspector</a:t>
-            </a:r>
-            <a:endParaRPr lang="en-US" altLang="zh-CN" sz="3200" b="1"/>
-          </a:p>
-        </p:txBody>
-      </p:sp>
-      <p:sp>
-        <p:nvSpPr>
-          <p:cNvPr id="11" name="文本框 10"/>
+              <a:rPr lang="en-US" altLang="zh-CN" sz="2000">
+                <a:latin typeface="+mn-ea"/>
+                <a:cs typeface="+mn-ea"/>
+                <a:hlinkClick r:id="rId6" tooltip="" action="ppaction://hlinkfile"/>
+              </a:rPr>
+              <a:t>css</a:t>
+            </a:r>
+            <a:r>
+              <a:rPr lang="zh-CN" altLang="en-US" sz="2000">
+                <a:latin typeface="+mn-ea"/>
+                <a:cs typeface="+mn-ea"/>
+                <a:hlinkClick r:id="rId6" tooltip="" action="ppaction://hlinkfile"/>
+              </a:rPr>
+              <a:t>属性</a:t>
+            </a:r>
+            <a:endParaRPr lang="zh-CN" altLang="en-US" sz="2000">
+              <a:latin typeface="+mn-ea"/>
+              <a:cs typeface="+mn-ea"/>
+              <a:hlinkClick r:id="rId6" tooltip="" action="ppaction://hlinkfile"/>
+            </a:endParaRPr>
+          </a:p>
+        </p:txBody>
+      </p:sp>
+      <p:sp>
+        <p:nvSpPr>
+          <p:cNvPr id="21" name="文本框 20"/>
           <p:cNvSpPr txBox="1"/>
           <p:nvPr/>
         </p:nvSpPr>
         <p:spPr>
           <a:xfrm>
-            <a:off x="2042795" y="2061210"/>
-            <a:ext cx="4585970" cy="583565"/>
+            <a:off x="476885" y="5408930"/>
+            <a:ext cx="5711190" cy="706755"/>
           </a:xfrm>
           <a:prstGeom prst="rect">
             <a:avLst/>
@@ -5577,21 +7025,176 @@
           <a:p>
             <a:pPr algn="l"/>
             <a:r>
-              <a:rPr lang="en-US" altLang="zh-CN" sz="3200" b="1"/>
-              <a:t>1.</a:t>
-            </a:r>
-            <a:r>
-              <a:rPr lang="zh-CN" altLang="en-US" sz="3200" b="1"/>
-              <a:t>理解主进程和渲染进程</a:t>
-            </a:r>
-            <a:endParaRPr lang="zh-CN" altLang="en-US" sz="3200" b="1"/>
+              <a:rPr lang="en-US" altLang="zh-CN" sz="2000" b="1"/>
+              <a:t>        </a:t>
+            </a:r>
+            <a:r>
+              <a:rPr lang="zh-CN" altLang="en-US" sz="2000" b="1"/>
+              <a:t>面板入口文件必须导出</a:t>
+            </a:r>
+            <a:r>
+              <a:rPr lang="en-US" altLang="zh-CN" sz="2000" b="1"/>
+              <a:t>  Editor.Panel.define</a:t>
+            </a:r>
+            <a:endParaRPr lang="en-US" altLang="zh-CN" sz="2000" b="1"/>
+          </a:p>
+          <a:p>
+            <a:pPr algn="l"/>
+            <a:r>
+              <a:rPr lang="en-US" altLang="zh-CN" sz="2000" b="1"/>
+              <a:t> </a:t>
+            </a:r>
+            <a:r>
+              <a:rPr lang="zh-CN" altLang="en-US" sz="2000" b="1"/>
+              <a:t>接口处理的对象，类似</a:t>
+            </a:r>
+            <a:r>
+              <a:rPr lang="en-US" altLang="zh-CN" sz="2000" b="1"/>
+              <a:t> Vue </a:t>
+            </a:r>
+            <a:r>
+              <a:rPr lang="zh-CN" altLang="en-US" sz="2000" b="1"/>
+              <a:t>组件的</a:t>
+            </a:r>
+            <a:r>
+              <a:rPr lang="zh-CN" altLang="en-US" sz="2000" b="1"/>
+              <a:t>结构</a:t>
+            </a:r>
+            <a:endParaRPr lang="zh-CN" altLang="en-US" sz="2000" b="1"/>
+          </a:p>
+        </p:txBody>
+      </p:sp>
+      <p:sp>
+        <p:nvSpPr>
+          <p:cNvPr id="22" name="文本框 21"/>
+          <p:cNvSpPr txBox="1"/>
+          <p:nvPr/>
+        </p:nvSpPr>
+        <p:spPr>
+          <a:xfrm>
+            <a:off x="1228090" y="2019935"/>
+            <a:ext cx="3874770" cy="460375"/>
+          </a:xfrm>
+          <a:prstGeom prst="rect">
+            <a:avLst/>
+          </a:prstGeom>
+          <a:noFill/>
+        </p:spPr>
+        <p:txBody>
+          <a:bodyPr wrap="none" rtlCol="0">
+            <a:spAutoFit/>
+          </a:bodyPr>
+          <a:p>
+            <a:pPr algn="l"/>
+            <a:r>
+              <a:rPr lang="en-US" altLang="zh-CN" sz="2400" b="1"/>
+              <a:t>listeners</a:t>
+            </a:r>
+            <a:r>
+              <a:rPr lang="zh-CN" altLang="en-US" sz="2400" b="1"/>
+              <a:t>：面板的事件</a:t>
+            </a:r>
+            <a:r>
+              <a:rPr lang="zh-CN" altLang="en-US" sz="2400" b="1"/>
+              <a:t>监听</a:t>
+            </a:r>
+            <a:endParaRPr lang="zh-CN" altLang="en-US" sz="2400" b="1"/>
+          </a:p>
+        </p:txBody>
+      </p:sp>
+      <p:sp>
+        <p:nvSpPr>
+          <p:cNvPr id="23" name="文本框 22"/>
+          <p:cNvSpPr txBox="1"/>
+          <p:nvPr/>
+        </p:nvSpPr>
+        <p:spPr>
+          <a:xfrm>
+            <a:off x="1228090" y="3665855"/>
+            <a:ext cx="2790825" cy="460375"/>
+          </a:xfrm>
+          <a:prstGeom prst="rect">
+            <a:avLst/>
+          </a:prstGeom>
+          <a:noFill/>
+        </p:spPr>
+        <p:txBody>
+          <a:bodyPr wrap="none" rtlCol="0">
+            <a:spAutoFit/>
+          </a:bodyPr>
+          <a:p>
+            <a:pPr algn="l"/>
+            <a:r>
+              <a:rPr lang="en-US" altLang="zh-CN" sz="2400" b="1"/>
+              <a:t>$</a:t>
+            </a:r>
+            <a:r>
+              <a:rPr lang="zh-CN" altLang="en-US" sz="2400" b="1"/>
+              <a:t>：标签全局选择</a:t>
+            </a:r>
+            <a:r>
+              <a:rPr lang="zh-CN" altLang="en-US" sz="2400" b="1"/>
+              <a:t>器</a:t>
+            </a:r>
+            <a:endParaRPr lang="zh-CN" altLang="en-US" sz="2400" b="1"/>
+          </a:p>
+        </p:txBody>
+      </p:sp>
+      <p:sp>
+        <p:nvSpPr>
+          <p:cNvPr id="24" name="文本框 23"/>
+          <p:cNvSpPr txBox="1"/>
+          <p:nvPr/>
+        </p:nvSpPr>
+        <p:spPr>
+          <a:xfrm>
+            <a:off x="1228090" y="4214495"/>
+            <a:ext cx="4805680" cy="829945"/>
+          </a:xfrm>
+          <a:prstGeom prst="rect">
+            <a:avLst/>
+          </a:prstGeom>
+          <a:noFill/>
+        </p:spPr>
+        <p:txBody>
+          <a:bodyPr wrap="none" rtlCol="0">
+            <a:spAutoFit/>
+          </a:bodyPr>
+          <a:p>
+            <a:pPr algn="l"/>
+            <a:r>
+              <a:rPr lang="en-US" altLang="zh-CN" sz="2400" b="1"/>
+              <a:t>methods</a:t>
+            </a:r>
+            <a:r>
+              <a:rPr lang="zh-CN" altLang="en-US" sz="2400" b="1"/>
+              <a:t>：面板的方法定义，可通</a:t>
+            </a:r>
+            <a:endParaRPr lang="zh-CN" altLang="en-US" sz="2400" b="1"/>
+          </a:p>
+          <a:p>
+            <a:pPr algn="l"/>
+            <a:r>
+              <a:rPr lang="en-US" altLang="zh-CN" sz="2400" b="1"/>
+              <a:t>        </a:t>
+            </a:r>
+            <a:r>
+              <a:rPr lang="zh-CN" altLang="en-US" sz="2400" b="1"/>
+              <a:t>过</a:t>
+            </a:r>
+            <a:r>
+              <a:rPr lang="en-US" altLang="zh-CN" sz="2400" b="1"/>
+              <a:t>   this.  </a:t>
+            </a:r>
+            <a:r>
+              <a:rPr lang="zh-CN" altLang="en-US" sz="2400" b="1"/>
+              <a:t>访问</a:t>
+            </a:r>
+            <a:endParaRPr lang="zh-CN" altLang="en-US" sz="2400" b="1"/>
           </a:p>
         </p:txBody>
       </p:sp>
     </p:spTree>
-    <p:custDataLst>
-      <p:tags r:id="rId4"/>
-    </p:custDataLst>
   </p:cSld>
   <p:clrMapOvr>
     <a:masterClrMapping/>
@@ -5599,17 +7202,9 @@
 </p:sld>
 </file>
 
-<file path=ppt/slides/slide14.xml><?xml version="1.0" encoding="utf-8"?>
+<file path=ppt/slides/slide16.xml><?xml version="1.0" encoding="utf-8"?>
 <p:sld xmlns:a="http://schemas.openxmlformats.org/drawingml/2006/main" xmlns:r="http://schemas.openxmlformats.org/officeDocument/2006/relationships" xmlns:p="http://schemas.openxmlformats.org/presentationml/2006/main">
   <p:cSld>
-    <p:bg>
-      <p:bgPr>
-        <a:solidFill>
-          <a:schemeClr val="bg2"/>
-        </a:solidFill>
-        <a:effectLst/>
-      </p:bgPr>
-    </p:bg>
     <p:spTree>
       <p:nvGrpSpPr>
         <p:cNvPr id="1" name=""/>
@@ -5617,9 +7212,84 @@
         <p:nvPr/>
       </p:nvGrpSpPr>
       <p:grpSpPr/>
+      <p:sp>
+        <p:nvSpPr>
+          <p:cNvPr id="6" name="文本框 5"/>
+          <p:cNvSpPr txBox="1"/>
+          <p:nvPr/>
+        </p:nvSpPr>
+        <p:spPr>
+          <a:xfrm>
+            <a:off x="2317750" y="545465"/>
+            <a:ext cx="2252980" cy="706755"/>
+          </a:xfrm>
+          <a:prstGeom prst="rect">
+            <a:avLst/>
+          </a:prstGeom>
+          <a:noFill/>
+        </p:spPr>
+        <p:txBody>
+          <a:bodyPr wrap="none" rtlCol="0">
+            <a:spAutoFit/>
+          </a:bodyPr>
+          <a:p>
+            <a:pPr algn="l"/>
+            <a:r>
+              <a:rPr lang="en-US" altLang="zh-CN" sz="4000" b="1">
+                <a:sym typeface="+mn-ea"/>
+              </a:rPr>
+              <a:t>Vue </a:t>
+            </a:r>
+            <a:r>
+              <a:rPr lang="zh-CN" altLang="en-US" sz="4000" b="1">
+                <a:sym typeface="+mn-ea"/>
+              </a:rPr>
+              <a:t>组件</a:t>
+            </a:r>
+            <a:endParaRPr lang="zh-CN" altLang="en-US" sz="4000" b="1">
+              <a:sym typeface="+mn-ea"/>
+            </a:endParaRPr>
+          </a:p>
+        </p:txBody>
+      </p:sp>
+      <p:sp>
+        <p:nvSpPr>
+          <p:cNvPr id="8" name="文本框 7" descr="7b0a20202020227461726765744d6f64756c65223a202270726f636573734f6e6c696e65466f6e7473220a7d0a"/>
+          <p:cNvSpPr txBox="1"/>
+          <p:nvPr/>
+        </p:nvSpPr>
+        <p:spPr>
+          <a:xfrm>
+            <a:off x="10305415" y="184150"/>
+            <a:ext cx="1762125" cy="922020"/>
+          </a:xfrm>
+          <a:prstGeom prst="rect">
+            <a:avLst/>
+          </a:prstGeom>
+          <a:noFill/>
+        </p:spPr>
+        <p:txBody>
+          <a:bodyPr wrap="square" rtlCol="0">
+            <a:spAutoFit/>
+          </a:bodyPr>
+          <a:p>
+            <a:r>
+              <a:rPr lang="zh-CN" altLang="en-US" sz="5400" b="1">
+                <a:latin typeface="+mj-ea"/>
+                <a:ea typeface="+mj-ea"/>
+              </a:rPr>
+              <a:t>入门</a:t>
+            </a:r>
+            <a:endParaRPr lang="zh-CN" altLang="en-US" sz="5400" b="1">
+              <a:latin typeface="+mj-ea"/>
+              <a:ea typeface="+mj-ea"/>
+            </a:endParaRPr>
+          </a:p>
+        </p:txBody>
+      </p:sp>
       <p:pic>
         <p:nvPicPr>
-          <p:cNvPr id="4" name="图片 3" descr="0"/>
+          <p:cNvPr id="7" name="图片 6" descr="0"/>
           <p:cNvPicPr>
             <a:picLocks noChangeAspect="1"/>
           </p:cNvPicPr>
@@ -5647,13 +7317,405 @@
       </p:pic>
       <p:sp>
         <p:nvSpPr>
+          <p:cNvPr id="10" name="文本框 9" descr="7b0a20202020227461726765744d6f64756c65223a202270726f636573734f6e6c696e65466f6e7473220a7d0a"/>
+          <p:cNvSpPr txBox="1"/>
+          <p:nvPr/>
+        </p:nvSpPr>
+        <p:spPr>
+          <a:xfrm>
+            <a:off x="0" y="235585"/>
+            <a:ext cx="1402715" cy="922020"/>
+          </a:xfrm>
+          <a:prstGeom prst="rect">
+            <a:avLst/>
+          </a:prstGeom>
+          <a:noFill/>
+        </p:spPr>
+        <p:txBody>
+          <a:bodyPr wrap="square" rtlCol="0">
+            <a:spAutoFit/>
+          </a:bodyPr>
+          <a:p>
+            <a:pPr algn="ctr"/>
+            <a:r>
+              <a:rPr lang="en-US" altLang="zh-CN" sz="5400" b="1">
+                <a:solidFill>
+                  <a:schemeClr val="bg1"/>
+                </a:solidFill>
+                <a:latin typeface="+mj-ea"/>
+                <a:ea typeface="+mj-ea"/>
+              </a:rPr>
+              <a:t>5.2</a:t>
+            </a:r>
+            <a:endParaRPr lang="en-US" altLang="zh-CN" sz="5400" b="1">
+              <a:solidFill>
+                <a:schemeClr val="bg1"/>
+              </a:solidFill>
+              <a:latin typeface="+mj-ea"/>
+              <a:ea typeface="+mj-ea"/>
+            </a:endParaRPr>
+          </a:p>
+        </p:txBody>
+      </p:sp>
+      <p:sp>
+        <p:nvSpPr>
+          <p:cNvPr id="3" name="文本框 2"/>
+          <p:cNvSpPr txBox="1"/>
+          <p:nvPr/>
+        </p:nvSpPr>
+        <p:spPr>
+          <a:xfrm>
+            <a:off x="476885" y="6431915"/>
+            <a:ext cx="1198880" cy="398780"/>
+          </a:xfrm>
+          <a:prstGeom prst="rect">
+            <a:avLst/>
+          </a:prstGeom>
+          <a:noFill/>
+        </p:spPr>
+        <p:txBody>
+          <a:bodyPr wrap="none" rtlCol="0">
+            <a:spAutoFit/>
+          </a:bodyPr>
+          <a:p>
+            <a:r>
+              <a:rPr lang="zh-CN" altLang="en-US" sz="2000">
+                <a:hlinkClick r:id="rId3" tooltip="" action="ppaction://hlinkfile"/>
+              </a:rPr>
+              <a:t>参考链接</a:t>
+            </a:r>
+            <a:endParaRPr lang="zh-CN" altLang="en-US" sz="2000"/>
+          </a:p>
+        </p:txBody>
+      </p:sp>
+      <p:sp>
+        <p:nvSpPr>
+          <p:cNvPr id="21" name="文本框 20"/>
+          <p:cNvSpPr txBox="1"/>
+          <p:nvPr/>
+        </p:nvSpPr>
+        <p:spPr>
+          <a:xfrm>
+            <a:off x="895350" y="1628140"/>
+            <a:ext cx="746760" cy="398780"/>
+          </a:xfrm>
+          <a:prstGeom prst="rect">
+            <a:avLst/>
+          </a:prstGeom>
+          <a:noFill/>
+        </p:spPr>
+        <p:txBody>
+          <a:bodyPr wrap="none" rtlCol="0">
+            <a:spAutoFit/>
+          </a:bodyPr>
+          <a:p>
+            <a:pPr algn="l"/>
+            <a:r>
+              <a:rPr lang="en-US" altLang="zh-CN" sz="2000" b="1"/>
+              <a:t>        </a:t>
+            </a:r>
+            <a:endParaRPr lang="zh-CN" altLang="en-US" sz="2000" b="1">
+              <a:sym typeface="+mn-ea"/>
+            </a:endParaRPr>
+          </a:p>
+        </p:txBody>
+      </p:sp>
+      <p:pic>
+        <p:nvPicPr>
+          <p:cNvPr id="2" name="图片 1" descr="V`XXARYR0D241ELL}Y5@F$0"/>
+          <p:cNvPicPr>
+            <a:picLocks noChangeAspect="1"/>
+          </p:cNvPicPr>
+          <p:nvPr/>
+        </p:nvPicPr>
+        <p:blipFill>
+          <a:blip r:embed="rId4"/>
+          <a:stretch>
+            <a:fillRect/>
+          </a:stretch>
+        </p:blipFill>
+        <p:spPr>
+          <a:xfrm>
+            <a:off x="4570730" y="1762125"/>
+            <a:ext cx="7352665" cy="3611245"/>
+          </a:xfrm>
+          <a:prstGeom prst="rect">
+            <a:avLst/>
+          </a:prstGeom>
+        </p:spPr>
+      </p:pic>
+      <p:sp>
+        <p:nvSpPr>
+          <p:cNvPr id="12" name="文本框 11"/>
+          <p:cNvSpPr txBox="1"/>
+          <p:nvPr/>
+        </p:nvSpPr>
+        <p:spPr>
+          <a:xfrm>
+            <a:off x="664845" y="1762125"/>
+            <a:ext cx="4113530" cy="645160"/>
+          </a:xfrm>
+          <a:prstGeom prst="rect">
+            <a:avLst/>
+          </a:prstGeom>
+          <a:noFill/>
+        </p:spPr>
+        <p:txBody>
+          <a:bodyPr wrap="square" rtlCol="0">
+            <a:spAutoFit/>
+          </a:bodyPr>
+          <a:p>
+            <a:pPr algn="l"/>
+            <a:r>
+              <a:rPr lang="en-US" b="1">
+                <a:latin typeface="+mn-ea"/>
+                <a:cs typeface="+mn-ea"/>
+              </a:rPr>
+              <a:t>    </a:t>
+            </a:r>
+            <a:r>
+              <a:rPr lang="zh-CN" altLang="en-US" b="1">
+                <a:latin typeface="+mn-ea"/>
+                <a:cs typeface="+mn-ea"/>
+              </a:rPr>
+              <a:t>注意：不要和</a:t>
+            </a:r>
+            <a:r>
+              <a:rPr lang="en-US" altLang="zh-CN" b="1">
+                <a:latin typeface="+mn-ea"/>
+                <a:cs typeface="+mn-ea"/>
+              </a:rPr>
+              <a:t> </a:t>
+            </a:r>
+            <a:r>
+              <a:rPr lang="en-US" altLang="zh-CN" b="1">
+                <a:solidFill>
+                  <a:srgbClr val="0070C0"/>
+                </a:solidFill>
+                <a:sym typeface="+mn-ea"/>
+              </a:rPr>
+              <a:t>Editor.Panel.define </a:t>
+            </a:r>
+            <a:r>
+              <a:rPr lang="zh-CN" altLang="en-US" b="1">
+                <a:solidFill>
+                  <a:schemeClr val="tx1"/>
+                </a:solidFill>
+                <a:sym typeface="+mn-ea"/>
+              </a:rPr>
+              <a:t>接口的对象类型搞</a:t>
+            </a:r>
+            <a:r>
+              <a:rPr lang="zh-CN" altLang="en-US" b="1">
+                <a:solidFill>
+                  <a:schemeClr val="tx1"/>
+                </a:solidFill>
+                <a:sym typeface="+mn-ea"/>
+              </a:rPr>
+              <a:t>混</a:t>
+            </a:r>
+            <a:endParaRPr lang="zh-CN" altLang="en-US" b="1">
+              <a:solidFill>
+                <a:schemeClr val="tx1"/>
+              </a:solidFill>
+              <a:sym typeface="+mn-ea"/>
+            </a:endParaRPr>
+          </a:p>
+        </p:txBody>
+      </p:sp>
+      <p:sp>
+        <p:nvSpPr>
+          <p:cNvPr id="14" name="文本框 13"/>
+          <p:cNvSpPr txBox="1"/>
+          <p:nvPr/>
+        </p:nvSpPr>
+        <p:spPr>
+          <a:xfrm>
+            <a:off x="142875" y="3508375"/>
+            <a:ext cx="3102610" cy="398780"/>
+          </a:xfrm>
+          <a:prstGeom prst="rect">
+            <a:avLst/>
+          </a:prstGeom>
+          <a:noFill/>
+        </p:spPr>
+        <p:txBody>
+          <a:bodyPr wrap="none" rtlCol="0">
+            <a:spAutoFit/>
+          </a:bodyPr>
+          <a:p>
+            <a:pPr algn="l"/>
+            <a:r>
+              <a:rPr lang="en-US" altLang="zh-CN" sz="2000" b="1"/>
+              <a:t>template</a:t>
+            </a:r>
+            <a:r>
+              <a:rPr lang="zh-CN" altLang="en-US" sz="2000" b="1"/>
+              <a:t>：</a:t>
+            </a:r>
+            <a:r>
+              <a:rPr lang="en-US" altLang="zh-CN" sz="2000" b="1"/>
+              <a:t>html </a:t>
+            </a:r>
+            <a:r>
+              <a:rPr lang="zh-CN" altLang="en-US" sz="2000" b="1"/>
+              <a:t>文件内容</a:t>
+            </a:r>
+            <a:endParaRPr lang="zh-CN" altLang="en-US" sz="2000" b="1"/>
+          </a:p>
+        </p:txBody>
+      </p:sp>
+      <p:sp>
+        <p:nvSpPr>
+          <p:cNvPr id="15" name="文本框 14"/>
+          <p:cNvSpPr txBox="1"/>
+          <p:nvPr/>
+        </p:nvSpPr>
+        <p:spPr>
+          <a:xfrm>
+            <a:off x="145415" y="2796540"/>
+            <a:ext cx="2524125" cy="398780"/>
+          </a:xfrm>
+          <a:prstGeom prst="rect">
+            <a:avLst/>
+          </a:prstGeom>
+          <a:noFill/>
+        </p:spPr>
+        <p:txBody>
+          <a:bodyPr wrap="none" rtlCol="0">
+            <a:spAutoFit/>
+          </a:bodyPr>
+          <a:p>
+            <a:pPr algn="l"/>
+            <a:r>
+              <a:rPr lang="en-US" altLang="zh-CN" sz="2000" b="1"/>
+              <a:t>style</a:t>
+            </a:r>
+            <a:r>
+              <a:rPr lang="zh-CN" altLang="en-US" sz="2000" b="1"/>
+              <a:t>：</a:t>
+            </a:r>
+            <a:r>
+              <a:rPr lang="en-US" sz="2000" b="1"/>
+              <a:t>css </a:t>
+            </a:r>
+            <a:r>
+              <a:rPr lang="zh-CN" altLang="en-US" sz="2000" b="1"/>
+              <a:t>文件</a:t>
+            </a:r>
+            <a:r>
+              <a:rPr lang="zh-CN" altLang="en-US" sz="2000" b="1"/>
+              <a:t>内容</a:t>
+            </a:r>
+            <a:endParaRPr lang="zh-CN" altLang="en-US" sz="2000" b="1"/>
+          </a:p>
+        </p:txBody>
+      </p:sp>
+      <p:sp>
+        <p:nvSpPr>
+          <p:cNvPr id="17" name="文本框 16"/>
+          <p:cNvSpPr txBox="1"/>
+          <p:nvPr/>
+        </p:nvSpPr>
+        <p:spPr>
+          <a:xfrm>
+            <a:off x="145415" y="4220210"/>
+            <a:ext cx="3752215" cy="398780"/>
+          </a:xfrm>
+          <a:prstGeom prst="rect">
+            <a:avLst/>
+          </a:prstGeom>
+          <a:noFill/>
+        </p:spPr>
+        <p:txBody>
+          <a:bodyPr wrap="none" rtlCol="0">
+            <a:spAutoFit/>
+          </a:bodyPr>
+          <a:p>
+            <a:pPr algn="l"/>
+            <a:r>
+              <a:rPr lang="en-US" altLang="zh-CN" sz="2000" b="1"/>
+              <a:t>data</a:t>
+            </a:r>
+            <a:r>
+              <a:rPr lang="zh-CN" altLang="en-US" sz="2000" b="1"/>
+              <a:t>：组件数据，返回一个</a:t>
+            </a:r>
+            <a:r>
+              <a:rPr lang="zh-CN" altLang="en-US" sz="2000" b="1"/>
+              <a:t>对象</a:t>
+            </a:r>
+            <a:endParaRPr lang="zh-CN" altLang="en-US" sz="2000" b="1"/>
+          </a:p>
+        </p:txBody>
+      </p:sp>
+    </p:spTree>
+  </p:cSld>
+  <p:clrMapOvr>
+    <a:masterClrMapping/>
+  </p:clrMapOvr>
+</p:sld>
+</file>
+
+<file path=ppt/slides/slide17.xml><?xml version="1.0" encoding="utf-8"?>
+<p:sld xmlns:a="http://schemas.openxmlformats.org/drawingml/2006/main" xmlns:r="http://schemas.openxmlformats.org/officeDocument/2006/relationships" xmlns:p="http://schemas.openxmlformats.org/presentationml/2006/main">
+  <p:cSld>
+    <p:spTree>
+      <p:nvGrpSpPr>
+        <p:cNvPr id="1" name=""/>
+        <p:cNvGrpSpPr/>
+        <p:nvPr/>
+      </p:nvGrpSpPr>
+      <p:grpSpPr/>
+      <p:sp>
+        <p:nvSpPr>
+          <p:cNvPr id="6" name="文本框 5"/>
+          <p:cNvSpPr txBox="1"/>
+          <p:nvPr/>
+        </p:nvSpPr>
+        <p:spPr>
+          <a:xfrm>
+            <a:off x="2317750" y="545465"/>
+            <a:ext cx="2214880" cy="706755"/>
+          </a:xfrm>
+          <a:prstGeom prst="rect">
+            <a:avLst/>
+          </a:prstGeom>
+          <a:noFill/>
+        </p:spPr>
+        <p:txBody>
+          <a:bodyPr wrap="none" rtlCol="0">
+            <a:spAutoFit/>
+          </a:bodyPr>
+          <a:p>
+            <a:pPr algn="l"/>
+            <a:r>
+              <a:rPr lang="zh-CN" altLang="en-US" sz="4000" b="1">
+                <a:sym typeface="+mn-ea"/>
+              </a:rPr>
+              <a:t>场景</a:t>
+            </a:r>
+            <a:r>
+              <a:rPr lang="zh-CN" altLang="en-US" sz="4000" b="1">
+                <a:sym typeface="+mn-ea"/>
+              </a:rPr>
+              <a:t>脚本</a:t>
+            </a:r>
+            <a:endParaRPr lang="zh-CN" altLang="en-US" sz="4000" b="1">
+              <a:sym typeface="+mn-ea"/>
+            </a:endParaRPr>
+          </a:p>
+        </p:txBody>
+      </p:sp>
+      <p:sp>
+        <p:nvSpPr>
           <p:cNvPr id="8" name="文本框 7" descr="7b0a20202020227461726765744d6f64756c65223a202270726f636573734f6e6c696e65466f6e7473220a7d0a"/>
           <p:cNvSpPr txBox="1"/>
           <p:nvPr/>
         </p:nvSpPr>
         <p:spPr>
           <a:xfrm>
-            <a:off x="2919095" y="513080"/>
+            <a:off x="10305415" y="184150"/>
             <a:ext cx="1762125" cy="922020"/>
           </a:xfrm>
           <a:prstGeom prst="rect">
@@ -5671,7 +7733,7 @@
                 <a:latin typeface="+mj-ea"/>
                 <a:ea typeface="+mj-ea"/>
               </a:rPr>
-              <a:t>深入</a:t>
+              <a:t>入门</a:t>
             </a:r>
             <a:endParaRPr lang="zh-CN" altLang="en-US" sz="5400" b="1">
               <a:latin typeface="+mj-ea"/>
@@ -5682,13 +7744,13 @@
       </p:sp>
       <p:pic>
         <p:nvPicPr>
-          <p:cNvPr id="10" name="图片 9" descr="0"/>
+          <p:cNvPr id="7" name="图片 6" descr="0"/>
           <p:cNvPicPr>
             <a:picLocks noChangeAspect="1"/>
           </p:cNvPicPr>
           <p:nvPr>
             <p:custDataLst>
-              <p:tags r:id="rId3"/>
+              <p:tags r:id="rId1"/>
             </p:custDataLst>
           </p:nvPr>
         </p:nvPicPr>
@@ -5700,7 +7762,7 @@
         </p:blipFill>
         <p:spPr>
           <a:xfrm rot="2520000">
-            <a:off x="10317480" y="4046220"/>
+            <a:off x="-2587625" y="-3070225"/>
             <a:ext cx="4406900" cy="5954395"/>
           </a:xfrm>
           <a:prstGeom prst="rect">
@@ -5710,14 +7772,56 @@
       </p:pic>
       <p:sp>
         <p:nvSpPr>
-          <p:cNvPr id="12" name="文本框 11"/>
+          <p:cNvPr id="10" name="文本框 9" descr="7b0a20202020227461726765744d6f64756c65223a202270726f636573734f6e6c696e65466f6e7473220a7d0a"/>
           <p:cNvSpPr txBox="1"/>
           <p:nvPr/>
         </p:nvSpPr>
         <p:spPr>
           <a:xfrm>
-            <a:off x="2007235" y="2061210"/>
-            <a:ext cx="7115810" cy="583565"/>
+            <a:off x="0" y="235585"/>
+            <a:ext cx="1402715" cy="922020"/>
+          </a:xfrm>
+          <a:prstGeom prst="rect">
+            <a:avLst/>
+          </a:prstGeom>
+          <a:noFill/>
+        </p:spPr>
+        <p:txBody>
+          <a:bodyPr wrap="square" rtlCol="0">
+            <a:spAutoFit/>
+          </a:bodyPr>
+          <a:p>
+            <a:pPr algn="ctr"/>
+            <a:r>
+              <a:rPr lang="en-US" altLang="zh-CN" sz="5400" b="1">
+                <a:solidFill>
+                  <a:schemeClr val="bg1"/>
+                </a:solidFill>
+                <a:latin typeface="+mj-ea"/>
+                <a:ea typeface="+mj-ea"/>
+              </a:rPr>
+              <a:t>6</a:t>
+            </a:r>
+            <a:endParaRPr lang="en-US" altLang="zh-CN" sz="5400" b="1">
+              <a:solidFill>
+                <a:schemeClr val="bg1"/>
+              </a:solidFill>
+              <a:latin typeface="+mj-ea"/>
+              <a:ea typeface="+mj-ea"/>
+            </a:endParaRPr>
+          </a:p>
+        </p:txBody>
+      </p:sp>
+      <p:sp>
+        <p:nvSpPr>
+          <p:cNvPr id="21" name="文本框 20"/>
+          <p:cNvSpPr txBox="1"/>
+          <p:nvPr/>
+        </p:nvSpPr>
+        <p:spPr>
+          <a:xfrm>
+            <a:off x="895350" y="1628140"/>
+            <a:ext cx="746760" cy="398780"/>
           </a:xfrm>
           <a:prstGeom prst="rect">
             <a:avLst/>
@@ -5731,39 +7835,25 @@
           <a:p>
             <a:pPr algn="l"/>
             <a:r>
-              <a:rPr lang="en-US" altLang="zh-CN" sz="3200" b="1"/>
-              <a:t>1.</a:t>
-            </a:r>
-            <a:r>
-              <a:rPr lang="zh-CN" altLang="en-US" sz="3200" b="1"/>
-              <a:t>如何通过</a:t>
-            </a:r>
-            <a:r>
-              <a:rPr lang="en-US" altLang="zh-CN" sz="3200" b="1"/>
-              <a:t> creator </a:t>
-            </a:r>
-            <a:r>
-              <a:rPr lang="zh-CN" altLang="en-US" sz="3200" b="1"/>
-              <a:t>编辑器制作插件</a:t>
-            </a:r>
-            <a:r>
-              <a:rPr lang="en-US" altLang="zh-CN" sz="3200" b="1"/>
-              <a:t> UI</a:t>
-            </a:r>
-            <a:endParaRPr lang="en-US" altLang="zh-CN" sz="3200" b="1"/>
-          </a:p>
-        </p:txBody>
-      </p:sp>
-      <p:sp>
-        <p:nvSpPr>
-          <p:cNvPr id="2" name="文本框 1"/>
+              <a:rPr lang="en-US" altLang="zh-CN" sz="2000" b="1"/>
+              <a:t>        </a:t>
+            </a:r>
+            <a:endParaRPr lang="zh-CN" altLang="en-US" sz="2000" b="1">
+              <a:sym typeface="+mn-ea"/>
+            </a:endParaRPr>
+          </a:p>
+        </p:txBody>
+      </p:sp>
+      <p:sp>
+        <p:nvSpPr>
+          <p:cNvPr id="4" name="文本框 3"/>
           <p:cNvSpPr txBox="1"/>
           <p:nvPr/>
         </p:nvSpPr>
         <p:spPr>
           <a:xfrm>
-            <a:off x="2042795" y="2849245"/>
-            <a:ext cx="3615055" cy="583565"/>
+            <a:off x="1148715" y="5661025"/>
+            <a:ext cx="3535680" cy="460375"/>
           </a:xfrm>
           <a:prstGeom prst="rect">
             <a:avLst/>
@@ -5775,27 +7865,515 @@
             <a:spAutoFit/>
           </a:bodyPr>
           <a:p>
+            <a:r>
+              <a:rPr lang="zh-CN" altLang="en-US" sz="2400" b="1"/>
+              <a:t>什么时候用到场景脚本？</a:t>
+            </a:r>
+            <a:endParaRPr lang="zh-CN" altLang="en-US" sz="2400" b="1"/>
+          </a:p>
+        </p:txBody>
+      </p:sp>
+      <p:sp>
+        <p:nvSpPr>
+          <p:cNvPr id="5" name="文本框 4"/>
+          <p:cNvSpPr txBox="1"/>
+          <p:nvPr/>
+        </p:nvSpPr>
+        <p:spPr>
+          <a:xfrm>
+            <a:off x="1402715" y="1628140"/>
+            <a:ext cx="4856480" cy="460375"/>
+          </a:xfrm>
+          <a:prstGeom prst="rect">
+            <a:avLst/>
+          </a:prstGeom>
+          <a:noFill/>
+        </p:spPr>
+        <p:txBody>
+          <a:bodyPr wrap="none" rtlCol="0">
+            <a:spAutoFit/>
+          </a:bodyPr>
+          <a:p>
+            <a:r>
+              <a:rPr lang="zh-CN" altLang="en-US" sz="2400" b="1"/>
+              <a:t>场景脚本在</a:t>
+            </a:r>
+            <a:r>
+              <a:rPr lang="en-US" altLang="zh-CN" sz="2400" b="1"/>
+              <a:t>package.json</a:t>
+            </a:r>
+            <a:r>
+              <a:rPr lang="zh-CN" altLang="en-US" sz="2400" b="1"/>
+              <a:t>中的</a:t>
+            </a:r>
+            <a:r>
+              <a:rPr lang="zh-CN" altLang="en-US" sz="2400" b="1"/>
+              <a:t>定义</a:t>
+            </a:r>
+            <a:endParaRPr lang="zh-CN" altLang="en-US" sz="2400" b="1"/>
+          </a:p>
+        </p:txBody>
+      </p:sp>
+      <p:pic>
+        <p:nvPicPr>
+          <p:cNvPr id="9" name="图片 8" descr="GKXLA(7JZK_EFW]4WK22{83"/>
+          <p:cNvPicPr>
+            <a:picLocks noChangeAspect="1"/>
+          </p:cNvPicPr>
+          <p:nvPr/>
+        </p:nvPicPr>
+        <p:blipFill>
+          <a:blip r:embed="rId3"/>
+          <a:stretch>
+            <a:fillRect/>
+          </a:stretch>
+        </p:blipFill>
+        <p:spPr>
+          <a:xfrm>
+            <a:off x="7033260" y="2282825"/>
+            <a:ext cx="5034280" cy="2728595"/>
+          </a:xfrm>
+          <a:prstGeom prst="rect">
+            <a:avLst/>
+          </a:prstGeom>
+        </p:spPr>
+      </p:pic>
+      <p:sp>
+        <p:nvSpPr>
+          <p:cNvPr id="11" name="文本框 10"/>
+          <p:cNvSpPr txBox="1"/>
+          <p:nvPr/>
+        </p:nvSpPr>
+        <p:spPr>
+          <a:xfrm>
+            <a:off x="8544560" y="1628140"/>
+            <a:ext cx="2011680" cy="460375"/>
+          </a:xfrm>
+          <a:prstGeom prst="rect">
+            <a:avLst/>
+          </a:prstGeom>
+          <a:noFill/>
+        </p:spPr>
+        <p:txBody>
+          <a:bodyPr wrap="none" rtlCol="0">
+            <a:spAutoFit/>
+          </a:bodyPr>
+          <a:p>
+            <a:r>
+              <a:rPr lang="zh-CN" altLang="en-US" sz="2400" b="1"/>
+              <a:t>场景脚本</a:t>
+            </a:r>
+            <a:r>
+              <a:rPr lang="zh-CN" altLang="en-US" sz="2400" b="1"/>
+              <a:t>结构</a:t>
+            </a:r>
+            <a:endParaRPr lang="zh-CN" altLang="en-US" sz="2400" b="1"/>
+          </a:p>
+        </p:txBody>
+      </p:sp>
+      <p:pic>
+        <p:nvPicPr>
+          <p:cNvPr id="13" name="图片 12" descr="21B9C}~0OGC~Y`{J9`1L25O"/>
+          <p:cNvPicPr>
+            <a:picLocks noChangeAspect="1"/>
+          </p:cNvPicPr>
+          <p:nvPr/>
+        </p:nvPicPr>
+        <p:blipFill>
+          <a:blip r:embed="rId4"/>
+          <a:stretch>
+            <a:fillRect/>
+          </a:stretch>
+        </p:blipFill>
+        <p:spPr>
+          <a:xfrm>
+            <a:off x="1020445" y="2299335"/>
+            <a:ext cx="5621655" cy="2712085"/>
+          </a:xfrm>
+          <a:prstGeom prst="rect">
+            <a:avLst/>
+          </a:prstGeom>
+        </p:spPr>
+      </p:pic>
+    </p:spTree>
+  </p:cSld>
+  <p:clrMapOvr>
+    <a:masterClrMapping/>
+  </p:clrMapOvr>
+</p:sld>
+</file>
+
+<file path=ppt/slides/slide18.xml><?xml version="1.0" encoding="utf-8"?>
+<p:sld xmlns:a="http://schemas.openxmlformats.org/drawingml/2006/main" xmlns:r="http://schemas.openxmlformats.org/officeDocument/2006/relationships" xmlns:p="http://schemas.openxmlformats.org/presentationml/2006/main">
+  <p:cSld>
+    <p:spTree>
+      <p:nvGrpSpPr>
+        <p:cNvPr id="1" name=""/>
+        <p:cNvGrpSpPr/>
+        <p:nvPr/>
+      </p:nvGrpSpPr>
+      <p:grpSpPr/>
+      <p:sp>
+        <p:nvSpPr>
+          <p:cNvPr id="6" name="文本框 5"/>
+          <p:cNvSpPr txBox="1"/>
+          <p:nvPr/>
+        </p:nvSpPr>
+        <p:spPr>
+          <a:xfrm>
+            <a:off x="2317750" y="545465"/>
+            <a:ext cx="3738880" cy="706755"/>
+          </a:xfrm>
+          <a:prstGeom prst="rect">
+            <a:avLst/>
+          </a:prstGeom>
+          <a:noFill/>
+        </p:spPr>
+        <p:txBody>
+          <a:bodyPr wrap="none" rtlCol="0">
+            <a:spAutoFit/>
+          </a:bodyPr>
+          <a:p>
             <a:pPr algn="l"/>
             <a:r>
-              <a:rPr lang="en-US" altLang="zh-CN" sz="3200" b="1"/>
-              <a:t>2.</a:t>
-            </a:r>
-            <a:r>
-              <a:rPr lang="zh-CN" altLang="en-US" sz="3200" b="1"/>
-              <a:t>如何调试主进程</a:t>
-            </a:r>
-            <a:r>
-              <a:rPr lang="en-US" altLang="zh-CN" sz="3200" b="1"/>
-              <a:t>?</a:t>
-            </a:r>
-            <a:endParaRPr lang="en-US" altLang="zh-CN" sz="3200" b="1"/>
+              <a:rPr lang="zh-CN" altLang="en-US" sz="4000" b="1">
+                <a:sym typeface="+mn-ea"/>
+              </a:rPr>
+              <a:t>配置系统的使用</a:t>
+            </a:r>
+            <a:endParaRPr lang="zh-CN" altLang="en-US" sz="4000" b="1">
+              <a:sym typeface="+mn-ea"/>
+            </a:endParaRPr>
+          </a:p>
+        </p:txBody>
+      </p:sp>
+      <p:sp>
+        <p:nvSpPr>
+          <p:cNvPr id="8" name="文本框 7" descr="7b0a20202020227461726765744d6f64756c65223a202270726f636573734f6e6c696e65466f6e7473220a7d0a"/>
+          <p:cNvSpPr txBox="1"/>
+          <p:nvPr/>
+        </p:nvSpPr>
+        <p:spPr>
+          <a:xfrm>
+            <a:off x="10305415" y="184150"/>
+            <a:ext cx="1762125" cy="922020"/>
+          </a:xfrm>
+          <a:prstGeom prst="rect">
+            <a:avLst/>
+          </a:prstGeom>
+          <a:noFill/>
+        </p:spPr>
+        <p:txBody>
+          <a:bodyPr wrap="square" rtlCol="0">
+            <a:spAutoFit/>
+          </a:bodyPr>
+          <a:p>
+            <a:r>
+              <a:rPr lang="zh-CN" altLang="en-US" sz="5400" b="1">
+                <a:latin typeface="+mj-ea"/>
+                <a:ea typeface="+mj-ea"/>
+              </a:rPr>
+              <a:t>入门</a:t>
+            </a:r>
+            <a:endParaRPr lang="zh-CN" altLang="en-US" sz="5400" b="1">
+              <a:latin typeface="+mj-ea"/>
+              <a:ea typeface="+mj-ea"/>
+            </a:endParaRPr>
+          </a:p>
+        </p:txBody>
+      </p:sp>
+      <p:pic>
+        <p:nvPicPr>
+          <p:cNvPr id="7" name="图片 6" descr="0"/>
+          <p:cNvPicPr>
+            <a:picLocks noChangeAspect="1"/>
+          </p:cNvPicPr>
+          <p:nvPr>
+            <p:custDataLst>
+              <p:tags r:id="rId1"/>
+            </p:custDataLst>
+          </p:nvPr>
+        </p:nvPicPr>
+        <p:blipFill>
+          <a:blip r:embed="rId2"/>
+          <a:stretch>
+            <a:fillRect/>
+          </a:stretch>
+        </p:blipFill>
+        <p:spPr>
+          <a:xfrm rot="2520000">
+            <a:off x="-2587625" y="-3070225"/>
+            <a:ext cx="4406900" cy="5954395"/>
+          </a:xfrm>
+          <a:prstGeom prst="rect">
+            <a:avLst/>
+          </a:prstGeom>
+        </p:spPr>
+      </p:pic>
+      <p:sp>
+        <p:nvSpPr>
+          <p:cNvPr id="10" name="文本框 9" descr="7b0a20202020227461726765744d6f64756c65223a202270726f636573734f6e6c696e65466f6e7473220a7d0a"/>
+          <p:cNvSpPr txBox="1"/>
+          <p:nvPr/>
+        </p:nvSpPr>
+        <p:spPr>
+          <a:xfrm>
+            <a:off x="0" y="235585"/>
+            <a:ext cx="1402715" cy="922020"/>
+          </a:xfrm>
+          <a:prstGeom prst="rect">
+            <a:avLst/>
+          </a:prstGeom>
+          <a:noFill/>
+        </p:spPr>
+        <p:txBody>
+          <a:bodyPr wrap="square" rtlCol="0">
+            <a:spAutoFit/>
+          </a:bodyPr>
+          <a:p>
+            <a:pPr algn="ctr"/>
+            <a:r>
+              <a:rPr lang="en-US" altLang="zh-CN" sz="5400" b="1">
+                <a:solidFill>
+                  <a:schemeClr val="bg1"/>
+                </a:solidFill>
+                <a:latin typeface="+mj-ea"/>
+                <a:ea typeface="+mj-ea"/>
+              </a:rPr>
+              <a:t>7</a:t>
+            </a:r>
+            <a:endParaRPr lang="en-US" altLang="zh-CN" sz="5400" b="1">
+              <a:solidFill>
+                <a:schemeClr val="bg1"/>
+              </a:solidFill>
+              <a:latin typeface="+mj-ea"/>
+              <a:ea typeface="+mj-ea"/>
+            </a:endParaRPr>
+          </a:p>
+        </p:txBody>
+      </p:sp>
+      <p:sp>
+        <p:nvSpPr>
+          <p:cNvPr id="21" name="文本框 20"/>
+          <p:cNvSpPr txBox="1"/>
+          <p:nvPr/>
+        </p:nvSpPr>
+        <p:spPr>
+          <a:xfrm>
+            <a:off x="895350" y="1628140"/>
+            <a:ext cx="746760" cy="398780"/>
+          </a:xfrm>
+          <a:prstGeom prst="rect">
+            <a:avLst/>
+          </a:prstGeom>
+          <a:noFill/>
+        </p:spPr>
+        <p:txBody>
+          <a:bodyPr wrap="none" rtlCol="0">
+            <a:spAutoFit/>
+          </a:bodyPr>
+          <a:p>
+            <a:pPr algn="l"/>
+            <a:r>
+              <a:rPr lang="en-US" altLang="zh-CN" sz="2000" b="1"/>
+              <a:t>        </a:t>
+            </a:r>
+            <a:endParaRPr lang="zh-CN" altLang="en-US" sz="2000" b="1">
+              <a:sym typeface="+mn-ea"/>
+            </a:endParaRPr>
           </a:p>
         </p:txBody>
       </p:sp>
     </p:spTree>
-    <p:custDataLst>
-      <p:tags r:id="rId4"/>
-    </p:custDataLst>
+  </p:cSld>
+  <p:clrMapOvr>
+    <a:masterClrMapping/>
+  </p:clrMapOvr>
+</p:sld>
+</file>
+
+<file path=ppt/slides/slide19.xml><?xml version="1.0" encoding="utf-8"?>
+<p:sld xmlns:a="http://schemas.openxmlformats.org/drawingml/2006/main" xmlns:r="http://schemas.openxmlformats.org/officeDocument/2006/relationships" xmlns:p="http://schemas.openxmlformats.org/presentationml/2006/main">
+  <p:cSld>
+    <p:spTree>
+      <p:nvGrpSpPr>
+        <p:cNvPr id="1" name=""/>
+        <p:cNvGrpSpPr/>
+        <p:nvPr/>
+      </p:nvGrpSpPr>
+      <p:grpSpPr/>
+      <p:sp>
+        <p:nvSpPr>
+          <p:cNvPr id="6" name="文本框 5"/>
+          <p:cNvSpPr txBox="1"/>
+          <p:nvPr/>
+        </p:nvSpPr>
+        <p:spPr>
+          <a:xfrm>
+            <a:off x="2317750" y="545465"/>
+            <a:ext cx="2214880" cy="706755"/>
+          </a:xfrm>
+          <a:prstGeom prst="rect">
+            <a:avLst/>
+          </a:prstGeom>
+          <a:noFill/>
+        </p:spPr>
+        <p:txBody>
+          <a:bodyPr wrap="none" rtlCol="0">
+            <a:spAutoFit/>
+          </a:bodyPr>
+          <a:p>
+            <a:pPr algn="l"/>
+            <a:r>
+              <a:rPr lang="zh-CN" altLang="en-US" sz="4000" b="1">
+                <a:sym typeface="+mn-ea"/>
+              </a:rPr>
+              <a:t>插件编译</a:t>
+            </a:r>
+            <a:endParaRPr lang="zh-CN" altLang="en-US" sz="4000" b="1">
+              <a:sym typeface="+mn-ea"/>
+            </a:endParaRPr>
+          </a:p>
+        </p:txBody>
+      </p:sp>
+      <p:sp>
+        <p:nvSpPr>
+          <p:cNvPr id="8" name="文本框 7" descr="7b0a20202020227461726765744d6f64756c65223a202270726f636573734f6e6c696e65466f6e7473220a7d0a"/>
+          <p:cNvSpPr txBox="1"/>
+          <p:nvPr/>
+        </p:nvSpPr>
+        <p:spPr>
+          <a:xfrm>
+            <a:off x="10305415" y="184150"/>
+            <a:ext cx="1762125" cy="922020"/>
+          </a:xfrm>
+          <a:prstGeom prst="rect">
+            <a:avLst/>
+          </a:prstGeom>
+          <a:noFill/>
+        </p:spPr>
+        <p:txBody>
+          <a:bodyPr wrap="square" rtlCol="0">
+            <a:spAutoFit/>
+          </a:bodyPr>
+          <a:p>
+            <a:r>
+              <a:rPr lang="zh-CN" altLang="en-US" sz="5400" b="1">
+                <a:latin typeface="+mj-ea"/>
+                <a:ea typeface="+mj-ea"/>
+              </a:rPr>
+              <a:t>入门</a:t>
+            </a:r>
+            <a:endParaRPr lang="zh-CN" altLang="en-US" sz="5400" b="1">
+              <a:latin typeface="+mj-ea"/>
+              <a:ea typeface="+mj-ea"/>
+            </a:endParaRPr>
+          </a:p>
+        </p:txBody>
+      </p:sp>
+      <p:pic>
+        <p:nvPicPr>
+          <p:cNvPr id="7" name="图片 6" descr="0"/>
+          <p:cNvPicPr>
+            <a:picLocks noChangeAspect="1"/>
+          </p:cNvPicPr>
+          <p:nvPr>
+            <p:custDataLst>
+              <p:tags r:id="rId1"/>
+            </p:custDataLst>
+          </p:nvPr>
+        </p:nvPicPr>
+        <p:blipFill>
+          <a:blip r:embed="rId2"/>
+          <a:stretch>
+            <a:fillRect/>
+          </a:stretch>
+        </p:blipFill>
+        <p:spPr>
+          <a:xfrm rot="2520000">
+            <a:off x="-2587625" y="-3070225"/>
+            <a:ext cx="4406900" cy="5954395"/>
+          </a:xfrm>
+          <a:prstGeom prst="rect">
+            <a:avLst/>
+          </a:prstGeom>
+        </p:spPr>
+      </p:pic>
+      <p:sp>
+        <p:nvSpPr>
+          <p:cNvPr id="10" name="文本框 9" descr="7b0a20202020227461726765744d6f64756c65223a202270726f636573734f6e6c696e65466f6e7473220a7d0a"/>
+          <p:cNvSpPr txBox="1"/>
+          <p:nvPr/>
+        </p:nvSpPr>
+        <p:spPr>
+          <a:xfrm>
+            <a:off x="0" y="235585"/>
+            <a:ext cx="1402715" cy="922020"/>
+          </a:xfrm>
+          <a:prstGeom prst="rect">
+            <a:avLst/>
+          </a:prstGeom>
+          <a:noFill/>
+        </p:spPr>
+        <p:txBody>
+          <a:bodyPr wrap="square" rtlCol="0">
+            <a:spAutoFit/>
+          </a:bodyPr>
+          <a:p>
+            <a:pPr algn="ctr"/>
+            <a:r>
+              <a:rPr lang="en-US" altLang="zh-CN" sz="5400" b="1">
+                <a:solidFill>
+                  <a:schemeClr val="bg1"/>
+                </a:solidFill>
+                <a:latin typeface="+mj-ea"/>
+                <a:ea typeface="+mj-ea"/>
+              </a:rPr>
+              <a:t>8</a:t>
+            </a:r>
+            <a:endParaRPr lang="en-US" altLang="zh-CN" sz="5400" b="1">
+              <a:solidFill>
+                <a:schemeClr val="bg1"/>
+              </a:solidFill>
+              <a:latin typeface="+mj-ea"/>
+              <a:ea typeface="+mj-ea"/>
+            </a:endParaRPr>
+          </a:p>
+        </p:txBody>
+      </p:sp>
+      <p:sp>
+        <p:nvSpPr>
+          <p:cNvPr id="21" name="文本框 20"/>
+          <p:cNvSpPr txBox="1"/>
+          <p:nvPr/>
+        </p:nvSpPr>
+        <p:spPr>
+          <a:xfrm>
+            <a:off x="895350" y="1628140"/>
+            <a:ext cx="746760" cy="398780"/>
+          </a:xfrm>
+          <a:prstGeom prst="rect">
+            <a:avLst/>
+          </a:prstGeom>
+          <a:noFill/>
+        </p:spPr>
+        <p:txBody>
+          <a:bodyPr wrap="none" rtlCol="0">
+            <a:spAutoFit/>
+          </a:bodyPr>
+          <a:p>
+            <a:pPr algn="l"/>
+            <a:r>
+              <a:rPr lang="en-US" altLang="zh-CN" sz="2000" b="1"/>
+              <a:t>        </a:t>
+            </a:r>
+            <a:endParaRPr lang="zh-CN" altLang="en-US" sz="2000" b="1">
+              <a:sym typeface="+mn-ea"/>
+            </a:endParaRPr>
+          </a:p>
+        </p:txBody>
+      </p:sp>
+    </p:spTree>
   </p:cSld>
   <p:clrMapOvr>
     <a:masterClrMapping/>
@@ -5975,6 +8553,753 @@
               <a:t>插件能给我们带来什么？</a:t>
             </a:r>
             <a:endParaRPr lang="zh-CN" altLang="en-US" sz="4000" b="1"/>
+          </a:p>
+        </p:txBody>
+      </p:sp>
+    </p:spTree>
+    <p:custDataLst>
+      <p:tags r:id="rId4"/>
+    </p:custDataLst>
+  </p:cSld>
+  <p:clrMapOvr>
+    <a:masterClrMapping/>
+  </p:clrMapOvr>
+</p:sld>
+</file>
+
+<file path=ppt/slides/slide20.xml><?xml version="1.0" encoding="utf-8"?>
+<p:sld xmlns:a="http://schemas.openxmlformats.org/drawingml/2006/main" xmlns:r="http://schemas.openxmlformats.org/officeDocument/2006/relationships" xmlns:p="http://schemas.openxmlformats.org/presentationml/2006/main">
+  <p:cSld>
+    <p:spTree>
+      <p:nvGrpSpPr>
+        <p:cNvPr id="1" name=""/>
+        <p:cNvGrpSpPr/>
+        <p:nvPr/>
+      </p:nvGrpSpPr>
+      <p:grpSpPr/>
+      <p:sp>
+        <p:nvSpPr>
+          <p:cNvPr id="6" name="文本框 5"/>
+          <p:cNvSpPr txBox="1"/>
+          <p:nvPr/>
+        </p:nvSpPr>
+        <p:spPr>
+          <a:xfrm>
+            <a:off x="2317750" y="545465"/>
+            <a:ext cx="2214880" cy="706755"/>
+          </a:xfrm>
+          <a:prstGeom prst="rect">
+            <a:avLst/>
+          </a:prstGeom>
+          <a:noFill/>
+        </p:spPr>
+        <p:txBody>
+          <a:bodyPr wrap="none" rtlCol="0">
+            <a:spAutoFit/>
+          </a:bodyPr>
+          <a:p>
+            <a:pPr algn="l"/>
+            <a:r>
+              <a:rPr lang="zh-CN" altLang="en-US" sz="4000" b="1">
+                <a:sym typeface="+mn-ea"/>
+              </a:rPr>
+              <a:t>发布</a:t>
+            </a:r>
+            <a:r>
+              <a:rPr lang="zh-CN" altLang="en-US" sz="4000" b="1">
+                <a:sym typeface="+mn-ea"/>
+              </a:rPr>
+              <a:t>插件</a:t>
+            </a:r>
+            <a:endParaRPr lang="zh-CN" altLang="en-US" sz="4000" b="1">
+              <a:sym typeface="+mn-ea"/>
+            </a:endParaRPr>
+          </a:p>
+        </p:txBody>
+      </p:sp>
+      <p:sp>
+        <p:nvSpPr>
+          <p:cNvPr id="8" name="文本框 7" descr="7b0a20202020227461726765744d6f64756c65223a202270726f636573734f6e6c696e65466f6e7473220a7d0a"/>
+          <p:cNvSpPr txBox="1"/>
+          <p:nvPr/>
+        </p:nvSpPr>
+        <p:spPr>
+          <a:xfrm>
+            <a:off x="10305415" y="184150"/>
+            <a:ext cx="1762125" cy="922020"/>
+          </a:xfrm>
+          <a:prstGeom prst="rect">
+            <a:avLst/>
+          </a:prstGeom>
+          <a:noFill/>
+        </p:spPr>
+        <p:txBody>
+          <a:bodyPr wrap="square" rtlCol="0">
+            <a:spAutoFit/>
+          </a:bodyPr>
+          <a:p>
+            <a:r>
+              <a:rPr lang="zh-CN" altLang="en-US" sz="5400" b="1">
+                <a:latin typeface="+mj-ea"/>
+                <a:ea typeface="+mj-ea"/>
+              </a:rPr>
+              <a:t>入门</a:t>
+            </a:r>
+            <a:endParaRPr lang="zh-CN" altLang="en-US" sz="5400" b="1">
+              <a:latin typeface="+mj-ea"/>
+              <a:ea typeface="+mj-ea"/>
+            </a:endParaRPr>
+          </a:p>
+        </p:txBody>
+      </p:sp>
+      <p:pic>
+        <p:nvPicPr>
+          <p:cNvPr id="7" name="图片 6" descr="0"/>
+          <p:cNvPicPr>
+            <a:picLocks noChangeAspect="1"/>
+          </p:cNvPicPr>
+          <p:nvPr>
+            <p:custDataLst>
+              <p:tags r:id="rId1"/>
+            </p:custDataLst>
+          </p:nvPr>
+        </p:nvPicPr>
+        <p:blipFill>
+          <a:blip r:embed="rId2"/>
+          <a:stretch>
+            <a:fillRect/>
+          </a:stretch>
+        </p:blipFill>
+        <p:spPr>
+          <a:xfrm rot="2520000">
+            <a:off x="-2587625" y="-3070225"/>
+            <a:ext cx="4406900" cy="5954395"/>
+          </a:xfrm>
+          <a:prstGeom prst="rect">
+            <a:avLst/>
+          </a:prstGeom>
+        </p:spPr>
+      </p:pic>
+      <p:sp>
+        <p:nvSpPr>
+          <p:cNvPr id="10" name="文本框 9" descr="7b0a20202020227461726765744d6f64756c65223a202270726f636573734f6e6c696e65466f6e7473220a7d0a"/>
+          <p:cNvSpPr txBox="1"/>
+          <p:nvPr/>
+        </p:nvSpPr>
+        <p:spPr>
+          <a:xfrm>
+            <a:off x="0" y="235585"/>
+            <a:ext cx="1402715" cy="922020"/>
+          </a:xfrm>
+          <a:prstGeom prst="rect">
+            <a:avLst/>
+          </a:prstGeom>
+          <a:noFill/>
+        </p:spPr>
+        <p:txBody>
+          <a:bodyPr wrap="square" rtlCol="0">
+            <a:spAutoFit/>
+          </a:bodyPr>
+          <a:p>
+            <a:pPr algn="ctr"/>
+            <a:r>
+              <a:rPr lang="en-US" altLang="zh-CN" sz="5400" b="1">
+                <a:solidFill>
+                  <a:schemeClr val="bg1"/>
+                </a:solidFill>
+                <a:latin typeface="+mj-ea"/>
+                <a:ea typeface="+mj-ea"/>
+              </a:rPr>
+              <a:t>9</a:t>
+            </a:r>
+            <a:endParaRPr lang="en-US" altLang="zh-CN" sz="5400" b="1">
+              <a:solidFill>
+                <a:schemeClr val="bg1"/>
+              </a:solidFill>
+              <a:latin typeface="+mj-ea"/>
+              <a:ea typeface="+mj-ea"/>
+            </a:endParaRPr>
+          </a:p>
+        </p:txBody>
+      </p:sp>
+      <p:sp>
+        <p:nvSpPr>
+          <p:cNvPr id="21" name="文本框 20"/>
+          <p:cNvSpPr txBox="1"/>
+          <p:nvPr/>
+        </p:nvSpPr>
+        <p:spPr>
+          <a:xfrm>
+            <a:off x="895350" y="1628140"/>
+            <a:ext cx="746760" cy="398780"/>
+          </a:xfrm>
+          <a:prstGeom prst="rect">
+            <a:avLst/>
+          </a:prstGeom>
+          <a:noFill/>
+        </p:spPr>
+        <p:txBody>
+          <a:bodyPr wrap="none" rtlCol="0">
+            <a:spAutoFit/>
+          </a:bodyPr>
+          <a:p>
+            <a:pPr algn="l"/>
+            <a:r>
+              <a:rPr lang="en-US" altLang="zh-CN" sz="2000" b="1"/>
+              <a:t>        </a:t>
+            </a:r>
+            <a:endParaRPr lang="zh-CN" altLang="en-US" sz="2000" b="1">
+              <a:sym typeface="+mn-ea"/>
+            </a:endParaRPr>
+          </a:p>
+        </p:txBody>
+      </p:sp>
+    </p:spTree>
+  </p:cSld>
+  <p:clrMapOvr>
+    <a:masterClrMapping/>
+  </p:clrMapOvr>
+</p:sld>
+</file>
+
+<file path=ppt/slides/slide21.xml><?xml version="1.0" encoding="utf-8"?>
+<p:sld xmlns:a="http://schemas.openxmlformats.org/drawingml/2006/main" xmlns:r="http://schemas.openxmlformats.org/officeDocument/2006/relationships" xmlns:p="http://schemas.openxmlformats.org/presentationml/2006/main">
+  <p:cSld>
+    <p:bg>
+      <p:bgPr>
+        <a:solidFill>
+          <a:schemeClr val="bg2"/>
+        </a:solidFill>
+        <a:effectLst/>
+      </p:bgPr>
+    </p:bg>
+    <p:spTree>
+      <p:nvGrpSpPr>
+        <p:cNvPr id="1" name=""/>
+        <p:cNvGrpSpPr/>
+        <p:nvPr/>
+      </p:nvGrpSpPr>
+      <p:grpSpPr/>
+      <p:pic>
+        <p:nvPicPr>
+          <p:cNvPr id="4" name="图片 3" descr="0"/>
+          <p:cNvPicPr>
+            <a:picLocks noChangeAspect="1"/>
+          </p:cNvPicPr>
+          <p:nvPr>
+            <p:custDataLst>
+              <p:tags r:id="rId1"/>
+            </p:custDataLst>
+          </p:nvPr>
+        </p:nvPicPr>
+        <p:blipFill>
+          <a:blip r:embed="rId2"/>
+          <a:stretch>
+            <a:fillRect/>
+          </a:stretch>
+        </p:blipFill>
+        <p:spPr>
+          <a:xfrm rot="2520000">
+            <a:off x="-2587625" y="-3070225"/>
+            <a:ext cx="4406900" cy="5954395"/>
+          </a:xfrm>
+          <a:prstGeom prst="rect">
+            <a:avLst/>
+          </a:prstGeom>
+        </p:spPr>
+      </p:pic>
+      <p:sp>
+        <p:nvSpPr>
+          <p:cNvPr id="8" name="文本框 7" descr="7b0a20202020227461726765744d6f64756c65223a202270726f636573734f6e6c696e65466f6e7473220a7d0a"/>
+          <p:cNvSpPr txBox="1"/>
+          <p:nvPr/>
+        </p:nvSpPr>
+        <p:spPr>
+          <a:xfrm>
+            <a:off x="2919095" y="513080"/>
+            <a:ext cx="1762125" cy="922020"/>
+          </a:xfrm>
+          <a:prstGeom prst="rect">
+            <a:avLst/>
+          </a:prstGeom>
+          <a:noFill/>
+        </p:spPr>
+        <p:txBody>
+          <a:bodyPr wrap="square" rtlCol="0">
+            <a:spAutoFit/>
+          </a:bodyPr>
+          <a:p>
+            <a:r>
+              <a:rPr lang="zh-CN" altLang="en-US" sz="5400" b="1">
+                <a:latin typeface="+mj-ea"/>
+                <a:ea typeface="+mj-ea"/>
+              </a:rPr>
+              <a:t>进阶</a:t>
+            </a:r>
+            <a:endParaRPr lang="zh-CN" altLang="en-US" sz="5400" b="1">
+              <a:latin typeface="+mj-ea"/>
+              <a:ea typeface="+mj-ea"/>
+            </a:endParaRPr>
+          </a:p>
+        </p:txBody>
+      </p:sp>
+      <p:pic>
+        <p:nvPicPr>
+          <p:cNvPr id="10" name="图片 9" descr="0"/>
+          <p:cNvPicPr>
+            <a:picLocks noChangeAspect="1"/>
+          </p:cNvPicPr>
+          <p:nvPr>
+            <p:custDataLst>
+              <p:tags r:id="rId3"/>
+            </p:custDataLst>
+          </p:nvPr>
+        </p:nvPicPr>
+        <p:blipFill>
+          <a:blip r:embed="rId2"/>
+          <a:stretch>
+            <a:fillRect/>
+          </a:stretch>
+        </p:blipFill>
+        <p:spPr>
+          <a:xfrm rot="2520000">
+            <a:off x="10317480" y="4046220"/>
+            <a:ext cx="4406900" cy="5954395"/>
+          </a:xfrm>
+          <a:prstGeom prst="rect">
+            <a:avLst/>
+          </a:prstGeom>
+        </p:spPr>
+      </p:pic>
+      <p:sp>
+        <p:nvSpPr>
+          <p:cNvPr id="12" name="文本框 11"/>
+          <p:cNvSpPr txBox="1"/>
+          <p:nvPr/>
+        </p:nvSpPr>
+        <p:spPr>
+          <a:xfrm>
+            <a:off x="2042795" y="3637280"/>
+            <a:ext cx="4429125" cy="583565"/>
+          </a:xfrm>
+          <a:prstGeom prst="rect">
+            <a:avLst/>
+          </a:prstGeom>
+          <a:noFill/>
+        </p:spPr>
+        <p:txBody>
+          <a:bodyPr wrap="none" rtlCol="0">
+            <a:spAutoFit/>
+          </a:bodyPr>
+          <a:p>
+            <a:pPr algn="l"/>
+            <a:r>
+              <a:rPr lang="en-US" altLang="zh-CN" sz="3200" b="1"/>
+              <a:t>1.html </a:t>
+            </a:r>
+            <a:r>
+              <a:rPr lang="zh-CN" altLang="en-US" sz="3200" b="1"/>
+              <a:t>和</a:t>
+            </a:r>
+            <a:r>
+              <a:rPr lang="en-US" altLang="zh-CN" sz="3200" b="1"/>
+              <a:t> css </a:t>
+            </a:r>
+            <a:r>
+              <a:rPr lang="zh-CN" altLang="en-US" sz="3200" b="1"/>
+              <a:t>调试技巧</a:t>
+            </a:r>
+            <a:endParaRPr lang="zh-CN" altLang="en-US" sz="3200" b="1"/>
+          </a:p>
+        </p:txBody>
+      </p:sp>
+      <p:sp>
+        <p:nvSpPr>
+          <p:cNvPr id="2" name="文本框 1"/>
+          <p:cNvSpPr txBox="1"/>
+          <p:nvPr/>
+        </p:nvSpPr>
+        <p:spPr>
+          <a:xfrm>
+            <a:off x="2042795" y="2849245"/>
+            <a:ext cx="5015865" cy="583565"/>
+          </a:xfrm>
+          <a:prstGeom prst="rect">
+            <a:avLst/>
+          </a:prstGeom>
+          <a:noFill/>
+        </p:spPr>
+        <p:txBody>
+          <a:bodyPr wrap="none" rtlCol="0">
+            <a:spAutoFit/>
+          </a:bodyPr>
+          <a:p>
+            <a:pPr algn="l"/>
+            <a:r>
+              <a:rPr lang="en-US" altLang="zh-CN" sz="3200" b="1"/>
+              <a:t>2.</a:t>
+            </a:r>
+            <a:r>
+              <a:rPr lang="zh-CN" altLang="en-US" sz="3200" b="1"/>
+              <a:t>如何使用</a:t>
+            </a:r>
+            <a:r>
+              <a:rPr lang="en-US" altLang="zh-CN" sz="3200" b="1"/>
+              <a:t> element-plus?</a:t>
+            </a:r>
+            <a:endParaRPr lang="en-US" altLang="zh-CN" sz="3200" b="1"/>
+          </a:p>
+        </p:txBody>
+      </p:sp>
+      <p:sp>
+        <p:nvSpPr>
+          <p:cNvPr id="3" name="文本框 2"/>
+          <p:cNvSpPr txBox="1"/>
+          <p:nvPr/>
+        </p:nvSpPr>
+        <p:spPr>
+          <a:xfrm>
+            <a:off x="2042795" y="5213350"/>
+            <a:ext cx="3366770" cy="583565"/>
+          </a:xfrm>
+          <a:prstGeom prst="rect">
+            <a:avLst/>
+          </a:prstGeom>
+          <a:noFill/>
+        </p:spPr>
+        <p:txBody>
+          <a:bodyPr wrap="none" rtlCol="0">
+            <a:spAutoFit/>
+          </a:bodyPr>
+          <a:p>
+            <a:pPr algn="l"/>
+            <a:r>
+              <a:rPr lang="en-US" altLang="zh-CN" sz="3200" b="1"/>
+              <a:t>4.</a:t>
+            </a:r>
+            <a:r>
+              <a:rPr lang="zh-CN" altLang="en-US" sz="3200" b="1"/>
+              <a:t>插件公共代码库</a:t>
+            </a:r>
+            <a:endParaRPr lang="zh-CN" altLang="en-US" sz="3200" b="1"/>
+          </a:p>
+        </p:txBody>
+      </p:sp>
+      <p:sp>
+        <p:nvSpPr>
+          <p:cNvPr id="6" name="文本框 5"/>
+          <p:cNvSpPr txBox="1"/>
+          <p:nvPr/>
+        </p:nvSpPr>
+        <p:spPr>
+          <a:xfrm>
+            <a:off x="2042795" y="6001385"/>
+            <a:ext cx="7612380" cy="583565"/>
+          </a:xfrm>
+          <a:prstGeom prst="rect">
+            <a:avLst/>
+          </a:prstGeom>
+          <a:noFill/>
+        </p:spPr>
+        <p:txBody>
+          <a:bodyPr wrap="none" rtlCol="0">
+            <a:spAutoFit/>
+          </a:bodyPr>
+          <a:p>
+            <a:pPr algn="l"/>
+            <a:r>
+              <a:rPr lang="en-US" altLang="zh-CN" sz="3200" b="1"/>
+              <a:t>5.</a:t>
+            </a:r>
+            <a:r>
+              <a:rPr lang="zh-CN" altLang="en-US" sz="3200" b="1"/>
+              <a:t>自定义插件模板及</a:t>
+            </a:r>
+            <a:r>
+              <a:rPr lang="en-US" altLang="zh-CN" sz="3200" b="1"/>
+              <a:t> cc-plugin-cli </a:t>
+            </a:r>
+            <a:r>
+              <a:rPr lang="zh-CN" altLang="en-US" sz="3200" b="1"/>
+              <a:t>的使用</a:t>
+            </a:r>
+            <a:endParaRPr lang="zh-CN" altLang="en-US" sz="3200" b="1"/>
+          </a:p>
+        </p:txBody>
+      </p:sp>
+      <p:sp>
+        <p:nvSpPr>
+          <p:cNvPr id="5" name="文本框 4"/>
+          <p:cNvSpPr txBox="1"/>
+          <p:nvPr/>
+        </p:nvSpPr>
+        <p:spPr>
+          <a:xfrm>
+            <a:off x="2042795" y="4425315"/>
+            <a:ext cx="3277235" cy="583565"/>
+          </a:xfrm>
+          <a:prstGeom prst="rect">
+            <a:avLst/>
+          </a:prstGeom>
+          <a:noFill/>
+        </p:spPr>
+        <p:txBody>
+          <a:bodyPr wrap="none" rtlCol="0">
+            <a:spAutoFit/>
+          </a:bodyPr>
+          <a:p>
+            <a:pPr algn="l"/>
+            <a:r>
+              <a:rPr lang="en-US" sz="3200" b="1"/>
+              <a:t>3.</a:t>
+            </a:r>
+            <a:r>
+              <a:rPr lang="zh-CN" altLang="en-US" sz="3200" b="1"/>
+              <a:t>扩展</a:t>
+            </a:r>
+            <a:r>
+              <a:rPr lang="en-US" altLang="zh-CN" sz="3200" b="1"/>
+              <a:t> inspector</a:t>
+            </a:r>
+            <a:endParaRPr lang="en-US" altLang="zh-CN" sz="3200" b="1"/>
+          </a:p>
+        </p:txBody>
+      </p:sp>
+      <p:sp>
+        <p:nvSpPr>
+          <p:cNvPr id="11" name="文本框 10"/>
+          <p:cNvSpPr txBox="1"/>
+          <p:nvPr/>
+        </p:nvSpPr>
+        <p:spPr>
+          <a:xfrm>
+            <a:off x="2042795" y="2061210"/>
+            <a:ext cx="4585970" cy="583565"/>
+          </a:xfrm>
+          <a:prstGeom prst="rect">
+            <a:avLst/>
+          </a:prstGeom>
+          <a:noFill/>
+        </p:spPr>
+        <p:txBody>
+          <a:bodyPr wrap="none" rtlCol="0">
+            <a:spAutoFit/>
+          </a:bodyPr>
+          <a:p>
+            <a:pPr algn="l"/>
+            <a:r>
+              <a:rPr lang="en-US" altLang="zh-CN" sz="3200" b="1"/>
+              <a:t>1.</a:t>
+            </a:r>
+            <a:r>
+              <a:rPr lang="zh-CN" altLang="en-US" sz="3200" b="1"/>
+              <a:t>理解主进程和渲染进程</a:t>
+            </a:r>
+            <a:endParaRPr lang="zh-CN" altLang="en-US" sz="3200" b="1"/>
+          </a:p>
+        </p:txBody>
+      </p:sp>
+    </p:spTree>
+    <p:custDataLst>
+      <p:tags r:id="rId4"/>
+    </p:custDataLst>
+  </p:cSld>
+  <p:clrMapOvr>
+    <a:masterClrMapping/>
+  </p:clrMapOvr>
+</p:sld>
+</file>
+
+<file path=ppt/slides/slide22.xml><?xml version="1.0" encoding="utf-8"?>
+<p:sld xmlns:a="http://schemas.openxmlformats.org/drawingml/2006/main" xmlns:r="http://schemas.openxmlformats.org/officeDocument/2006/relationships" xmlns:p="http://schemas.openxmlformats.org/presentationml/2006/main">
+  <p:cSld>
+    <p:bg>
+      <p:bgPr>
+        <a:solidFill>
+          <a:schemeClr val="bg2"/>
+        </a:solidFill>
+        <a:effectLst/>
+      </p:bgPr>
+    </p:bg>
+    <p:spTree>
+      <p:nvGrpSpPr>
+        <p:cNvPr id="1" name=""/>
+        <p:cNvGrpSpPr/>
+        <p:nvPr/>
+      </p:nvGrpSpPr>
+      <p:grpSpPr/>
+      <p:pic>
+        <p:nvPicPr>
+          <p:cNvPr id="4" name="图片 3" descr="0"/>
+          <p:cNvPicPr>
+            <a:picLocks noChangeAspect="1"/>
+          </p:cNvPicPr>
+          <p:nvPr>
+            <p:custDataLst>
+              <p:tags r:id="rId1"/>
+            </p:custDataLst>
+          </p:nvPr>
+        </p:nvPicPr>
+        <p:blipFill>
+          <a:blip r:embed="rId2"/>
+          <a:stretch>
+            <a:fillRect/>
+          </a:stretch>
+        </p:blipFill>
+        <p:spPr>
+          <a:xfrm rot="2520000">
+            <a:off x="-2587625" y="-3070225"/>
+            <a:ext cx="4406900" cy="5954395"/>
+          </a:xfrm>
+          <a:prstGeom prst="rect">
+            <a:avLst/>
+          </a:prstGeom>
+        </p:spPr>
+      </p:pic>
+      <p:sp>
+        <p:nvSpPr>
+          <p:cNvPr id="8" name="文本框 7" descr="7b0a20202020227461726765744d6f64756c65223a202270726f636573734f6e6c696e65466f6e7473220a7d0a"/>
+          <p:cNvSpPr txBox="1"/>
+          <p:nvPr/>
+        </p:nvSpPr>
+        <p:spPr>
+          <a:xfrm>
+            <a:off x="2919095" y="513080"/>
+            <a:ext cx="1762125" cy="922020"/>
+          </a:xfrm>
+          <a:prstGeom prst="rect">
+            <a:avLst/>
+          </a:prstGeom>
+          <a:noFill/>
+        </p:spPr>
+        <p:txBody>
+          <a:bodyPr wrap="square" rtlCol="0">
+            <a:spAutoFit/>
+          </a:bodyPr>
+          <a:p>
+            <a:r>
+              <a:rPr lang="zh-CN" altLang="en-US" sz="5400" b="1">
+                <a:latin typeface="+mj-ea"/>
+                <a:ea typeface="+mj-ea"/>
+              </a:rPr>
+              <a:t>深入</a:t>
+            </a:r>
+            <a:endParaRPr lang="zh-CN" altLang="en-US" sz="5400" b="1">
+              <a:latin typeface="+mj-ea"/>
+              <a:ea typeface="+mj-ea"/>
+            </a:endParaRPr>
+          </a:p>
+        </p:txBody>
+      </p:sp>
+      <p:pic>
+        <p:nvPicPr>
+          <p:cNvPr id="10" name="图片 9" descr="0"/>
+          <p:cNvPicPr>
+            <a:picLocks noChangeAspect="1"/>
+          </p:cNvPicPr>
+          <p:nvPr>
+            <p:custDataLst>
+              <p:tags r:id="rId3"/>
+            </p:custDataLst>
+          </p:nvPr>
+        </p:nvPicPr>
+        <p:blipFill>
+          <a:blip r:embed="rId2"/>
+          <a:stretch>
+            <a:fillRect/>
+          </a:stretch>
+        </p:blipFill>
+        <p:spPr>
+          <a:xfrm rot="2520000">
+            <a:off x="10317480" y="4046220"/>
+            <a:ext cx="4406900" cy="5954395"/>
+          </a:xfrm>
+          <a:prstGeom prst="rect">
+            <a:avLst/>
+          </a:prstGeom>
+        </p:spPr>
+      </p:pic>
+      <p:sp>
+        <p:nvSpPr>
+          <p:cNvPr id="12" name="文本框 11"/>
+          <p:cNvSpPr txBox="1"/>
+          <p:nvPr/>
+        </p:nvSpPr>
+        <p:spPr>
+          <a:xfrm>
+            <a:off x="2007235" y="2061210"/>
+            <a:ext cx="7115810" cy="583565"/>
+          </a:xfrm>
+          <a:prstGeom prst="rect">
+            <a:avLst/>
+          </a:prstGeom>
+          <a:noFill/>
+        </p:spPr>
+        <p:txBody>
+          <a:bodyPr wrap="none" rtlCol="0">
+            <a:spAutoFit/>
+          </a:bodyPr>
+          <a:p>
+            <a:pPr algn="l"/>
+            <a:r>
+              <a:rPr lang="en-US" altLang="zh-CN" sz="3200" b="1"/>
+              <a:t>1.</a:t>
+            </a:r>
+            <a:r>
+              <a:rPr lang="zh-CN" altLang="en-US" sz="3200" b="1"/>
+              <a:t>如何通过</a:t>
+            </a:r>
+            <a:r>
+              <a:rPr lang="en-US" altLang="zh-CN" sz="3200" b="1"/>
+              <a:t> creator </a:t>
+            </a:r>
+            <a:r>
+              <a:rPr lang="zh-CN" altLang="en-US" sz="3200" b="1"/>
+              <a:t>编辑器制作插件</a:t>
+            </a:r>
+            <a:r>
+              <a:rPr lang="en-US" altLang="zh-CN" sz="3200" b="1"/>
+              <a:t> UI</a:t>
+            </a:r>
+            <a:endParaRPr lang="en-US" altLang="zh-CN" sz="3200" b="1"/>
+          </a:p>
+        </p:txBody>
+      </p:sp>
+      <p:sp>
+        <p:nvSpPr>
+          <p:cNvPr id="2" name="文本框 1"/>
+          <p:cNvSpPr txBox="1"/>
+          <p:nvPr/>
+        </p:nvSpPr>
+        <p:spPr>
+          <a:xfrm>
+            <a:off x="2042795" y="2849245"/>
+            <a:ext cx="3615055" cy="583565"/>
+          </a:xfrm>
+          <a:prstGeom prst="rect">
+            <a:avLst/>
+          </a:prstGeom>
+          <a:noFill/>
+        </p:spPr>
+        <p:txBody>
+          <a:bodyPr wrap="none" rtlCol="0">
+            <a:spAutoFit/>
+          </a:bodyPr>
+          <a:p>
+            <a:pPr algn="l"/>
+            <a:r>
+              <a:rPr lang="en-US" altLang="zh-CN" sz="3200" b="1"/>
+              <a:t>2.</a:t>
+            </a:r>
+            <a:r>
+              <a:rPr lang="zh-CN" altLang="en-US" sz="3200" b="1"/>
+              <a:t>如何调试主进程</a:t>
+            </a:r>
+            <a:r>
+              <a:rPr lang="en-US" altLang="zh-CN" sz="3200" b="1"/>
+              <a:t>?</a:t>
+            </a:r>
+            <a:endParaRPr lang="en-US" altLang="zh-CN" sz="3200" b="1"/>
           </a:p>
         </p:txBody>
       </p:sp>
@@ -6338,13 +9663,17 @@
                 <a:rPr lang="zh-CN" altLang="en-US" sz="3200" b="1">
                   <a:sym typeface="+mn-ea"/>
                 </a:rPr>
-                <a:t>发布</a:t>
+                <a:t>插件</a:t>
               </a:r>
               <a:r>
-                <a:rPr lang="zh-CN" altLang="en-US" sz="3200" b="1"/>
-                <a:t>插件</a:t>
+                <a:rPr lang="zh-CN" altLang="en-US" sz="3200" b="1">
+                  <a:sym typeface="+mn-ea"/>
+                </a:rPr>
+                <a:t>编译</a:t>
               </a:r>
-              <a:endParaRPr lang="zh-CN" altLang="en-US" sz="3200" b="1"/>
+              <a:endParaRPr lang="zh-CN" altLang="en-US" sz="3200" b="1">
+                <a:sym typeface="+mn-ea"/>
+              </a:endParaRPr>
             </a:p>
           </p:txBody>
         </p:sp>
@@ -6417,6 +9746,46 @@
           </p:txBody>
         </p:sp>
       </p:grpSp>
+      <p:sp>
+        <p:nvSpPr>
+          <p:cNvPr id="11" name="文本框 10"/>
+          <p:cNvSpPr txBox="1"/>
+          <p:nvPr/>
+        </p:nvSpPr>
+        <p:spPr>
+          <a:xfrm>
+            <a:off x="7872095" y="3526330"/>
+            <a:ext cx="2147570" cy="583565"/>
+          </a:xfrm>
+          <a:prstGeom prst="rect">
+            <a:avLst/>
+          </a:prstGeom>
+          <a:noFill/>
+        </p:spPr>
+        <p:txBody>
+          <a:bodyPr wrap="square" rtlCol="0">
+            <a:spAutoFit/>
+          </a:bodyPr>
+          <a:p>
+            <a:pPr algn="l"/>
+            <a:r>
+              <a:rPr lang="en-US" altLang="zh-CN" sz="3200" b="1"/>
+              <a:t>9.</a:t>
+            </a:r>
+            <a:r>
+              <a:rPr lang="zh-CN" altLang="en-US" sz="3200" b="1">
+                <a:sym typeface="+mn-ea"/>
+              </a:rPr>
+              <a:t>发布</a:t>
+            </a:r>
+            <a:r>
+              <a:rPr lang="zh-CN" altLang="en-US" sz="3200" b="1"/>
+              <a:t>插件</a:t>
+            </a:r>
+            <a:endParaRPr lang="zh-CN" altLang="en-US" sz="3200" b="1"/>
+          </a:p>
+        </p:txBody>
+      </p:sp>
     </p:spTree>
     <p:custDataLst>
       <p:tags r:id="rId4"/>
@@ -7575,7 +10944,7 @@
           <a:p>
             <a:r>
               <a:rPr lang="zh-CN" altLang="en-US" sz="2000">
-                <a:hlinkClick r:id="rId2" tooltip="" action="ppaction://hlinkfile"/>
+                <a:hlinkClick r:id="rId2" action="ppaction://hlinkfile"/>
               </a:rPr>
               <a:t>参考链接</a:t>
             </a:r>
@@ -7809,7 +11178,7 @@
           <a:p>
             <a:r>
               <a:rPr lang="zh-CN" altLang="en-US" sz="2000">
-                <a:hlinkClick r:id="rId1" tooltip="" action="ppaction://hlinkfile"/>
+                <a:hlinkClick r:id="rId1" action="ppaction://hlinkfile"/>
               </a:rPr>
               <a:t>参考链接</a:t>
             </a:r>
@@ -7950,7 +11319,21 @@
             </a:r>
             <a:r>
               <a:rPr lang="zh-CN" altLang="en-US" sz="2800" b="1"/>
-              <a:t>目录下只能存在语言代号文件</a:t>
+              <a:t>目录下</a:t>
+            </a:r>
+            <a:r>
+              <a:rPr lang="zh-CN" altLang="en-US" sz="2800" b="1">
+                <a:sym typeface="+mn-ea"/>
+              </a:rPr>
+              <a:t>的文件名</a:t>
+            </a:r>
+            <a:r>
+              <a:rPr lang="zh-CN" altLang="en-US" sz="2800" b="1"/>
+              <a:t>只能</a:t>
+            </a:r>
+            <a:r>
+              <a:rPr lang="zh-CN" altLang="en-US" sz="2800" b="1"/>
+              <a:t>是语言代号</a:t>
             </a:r>
             <a:endParaRPr lang="zh-CN" altLang="en-US" sz="2800" b="1"/>
           </a:p>
@@ -8121,7 +11504,7 @@
           <a:p>
             <a:r>
               <a:rPr lang="zh-CN" altLang="en-US" sz="2000">
-                <a:hlinkClick r:id="rId1" tooltip="" action="ppaction://hlinkfile"/>
+                <a:hlinkClick r:id="rId1" action="ppaction://hlinkfile"/>
               </a:rPr>
               <a:t>参考链接</a:t>
             </a:r>
@@ -9280,9 +12663,7 @@
 
 <file path=ppt/tags/tag85.xml><?xml version="1.0" encoding="utf-8"?>
 <p:tagLst xmlns:p="http://schemas.openxmlformats.org/presentationml/2006/main">
-  <p:tag name="KSO_WM_BEAUTIFY_FLAG" val="#wm#"/>
-  <p:tag name="KSO_WM_TEMPLATE_CATEGORY" val="custom"/>
-  <p:tag name="KSO_WM_TEMPLATE_INDEX" val="20205176"/>
+  <p:tag name="KSO_WM_UNIT_PLACING_PICTURE_USER_VIEWPORT" val="{&quot;height&quot;:9377,&quot;width&quot;:6940}"/>
 </p:tagLst>
 </file>
 
@@ -9300,15 +12681,13 @@
 
 <file path=ppt/tags/tag88.xml><?xml version="1.0" encoding="utf-8"?>
 <p:tagLst xmlns:p="http://schemas.openxmlformats.org/presentationml/2006/main">
-  <p:tag name="KSO_WM_BEAUTIFY_FLAG" val="#wm#"/>
-  <p:tag name="KSO_WM_TEMPLATE_CATEGORY" val="custom"/>
-  <p:tag name="KSO_WM_TEMPLATE_INDEX" val="20205176"/>
+  <p:tag name="KSO_WM_UNIT_PLACING_PICTURE_USER_VIEWPORT" val="{&quot;height&quot;:9377,&quot;width&quot;:6940}"/>
 </p:tagLst>
 </file>
 
 <file path=ppt/tags/tag89.xml><?xml version="1.0" encoding="utf-8"?>
 <p:tagLst xmlns:p="http://schemas.openxmlformats.org/presentationml/2006/main">
-  <p:tag name="COMMONDATA" val="eyJoZGlkIjoiMTVlZDdlNWYyNDcyNGFlYWVjZGY5NzgzOTUxZjhmNDkifQ=="/>
+  <p:tag name="KSO_WM_UNIT_PLACING_PICTURE_USER_VIEWPORT" val="{&quot;height&quot;:9377,&quot;width&quot;:6940}"/>
 </p:tagLst>
 </file>
 
@@ -9322,6 +12701,58 @@
   <p:tag name="KSO_WM_UNIT_LAYERLEVEL" val="1"/>
   <p:tag name="KSO_WM_TAG_VERSION" val="1.0"/>
   <p:tag name="KSO_WM_BEAUTIFY_FLAG" val="#wm#"/>
+</p:tagLst>
+</file>
+
+<file path=ppt/tags/tag90.xml><?xml version="1.0" encoding="utf-8"?>
+<p:tagLst xmlns:p="http://schemas.openxmlformats.org/presentationml/2006/main">
+  <p:tag name="KSO_WM_UNIT_PLACING_PICTURE_USER_VIEWPORT" val="{&quot;height&quot;:9377,&quot;width&quot;:6940}"/>
+</p:tagLst>
+</file>
+
+<file path=ppt/tags/tag91.xml><?xml version="1.0" encoding="utf-8"?>
+<p:tagLst xmlns:p="http://schemas.openxmlformats.org/presentationml/2006/main">
+  <p:tag name="KSO_WM_UNIT_PLACING_PICTURE_USER_VIEWPORT" val="{&quot;height&quot;:9377,&quot;width&quot;:6940}"/>
+</p:tagLst>
+</file>
+
+<file path=ppt/tags/tag92.xml><?xml version="1.0" encoding="utf-8"?>
+<p:tagLst xmlns:p="http://schemas.openxmlformats.org/presentationml/2006/main">
+  <p:tag name="KSO_WM_UNIT_PLACING_PICTURE_USER_VIEWPORT" val="{&quot;height&quot;:9377,&quot;width&quot;:6940}"/>
+</p:tagLst>
+</file>
+
+<file path=ppt/tags/tag93.xml><?xml version="1.0" encoding="utf-8"?>
+<p:tagLst xmlns:p="http://schemas.openxmlformats.org/presentationml/2006/main">
+  <p:tag name="KSO_WM_BEAUTIFY_FLAG" val="#wm#"/>
+  <p:tag name="KSO_WM_TEMPLATE_CATEGORY" val="custom"/>
+  <p:tag name="KSO_WM_TEMPLATE_INDEX" val="20205176"/>
+</p:tagLst>
+</file>
+
+<file path=ppt/tags/tag94.xml><?xml version="1.0" encoding="utf-8"?>
+<p:tagLst xmlns:p="http://schemas.openxmlformats.org/presentationml/2006/main">
+  <p:tag name="KSO_WM_UNIT_PLACING_PICTURE_USER_VIEWPORT" val="{&quot;height&quot;:9377,&quot;width&quot;:6940}"/>
+</p:tagLst>
+</file>
+
+<file path=ppt/tags/tag95.xml><?xml version="1.0" encoding="utf-8"?>
+<p:tagLst xmlns:p="http://schemas.openxmlformats.org/presentationml/2006/main">
+  <p:tag name="KSO_WM_UNIT_PLACING_PICTURE_USER_VIEWPORT" val="{&quot;height&quot;:9377,&quot;width&quot;:6940}"/>
+</p:tagLst>
+</file>
+
+<file path=ppt/tags/tag96.xml><?xml version="1.0" encoding="utf-8"?>
+<p:tagLst xmlns:p="http://schemas.openxmlformats.org/presentationml/2006/main">
+  <p:tag name="KSO_WM_BEAUTIFY_FLAG" val="#wm#"/>
+  <p:tag name="KSO_WM_TEMPLATE_CATEGORY" val="custom"/>
+  <p:tag name="KSO_WM_TEMPLATE_INDEX" val="20205176"/>
+</p:tagLst>
+</file>
+
+<file path=ppt/tags/tag97.xml><?xml version="1.0" encoding="utf-8"?>
+<p:tagLst xmlns:p="http://schemas.openxmlformats.org/presentationml/2006/main">
+  <p:tag name="COMMONDATA" val="eyJoZGlkIjoiYzc0MDJmOGNhNjUwODE3OWUxMjk2YzgzMzk2ZDQ2NzIifQ=="/>
 </p:tagLst>
 </file>
 

--- a/doc/3.x插件开发.pptx
+++ b/doc/3.x插件开发.pptx
@@ -8,7 +8,7 @@
     <p:notesMasterId r:id="rId5"/>
   </p:notesMasterIdLst>
   <p:handoutMasterIdLst>
-    <p:handoutMasterId r:id="rId26"/>
+    <p:handoutMasterId r:id="rId32"/>
   </p:handoutMasterIdLst>
   <p:sldIdLst>
     <p:sldId id="257" r:id="rId3"/>
@@ -23,21 +23,27 @@
     <p:sldId id="273" r:id="rId13"/>
     <p:sldId id="267" r:id="rId14"/>
     <p:sldId id="270" r:id="rId15"/>
-    <p:sldId id="278" r:id="rId16"/>
-    <p:sldId id="279" r:id="rId17"/>
-    <p:sldId id="280" r:id="rId18"/>
-    <p:sldId id="282" r:id="rId19"/>
-    <p:sldId id="283" r:id="rId20"/>
-    <p:sldId id="284" r:id="rId21"/>
-    <p:sldId id="285" r:id="rId22"/>
-    <p:sldId id="286" r:id="rId23"/>
-    <p:sldId id="268" r:id="rId24"/>
-    <p:sldId id="269" r:id="rId25"/>
+    <p:sldId id="294" r:id="rId16"/>
+    <p:sldId id="278" r:id="rId17"/>
+    <p:sldId id="279" r:id="rId18"/>
+    <p:sldId id="280" r:id="rId19"/>
+    <p:sldId id="282" r:id="rId20"/>
+    <p:sldId id="283" r:id="rId21"/>
+    <p:sldId id="284" r:id="rId22"/>
+    <p:sldId id="289" r:id="rId23"/>
+    <p:sldId id="285" r:id="rId24"/>
+    <p:sldId id="286" r:id="rId25"/>
+    <p:sldId id="268" r:id="rId26"/>
+    <p:sldId id="306" r:id="rId27"/>
+    <p:sldId id="307" r:id="rId28"/>
+    <p:sldId id="308" r:id="rId29"/>
+    <p:sldId id="309" r:id="rId30"/>
+    <p:sldId id="269" r:id="rId31"/>
   </p:sldIdLst>
   <p:sldSz cx="12192000" cy="6858000"/>
   <p:notesSz cx="6858000" cy="9144000"/>
   <p:custDataLst>
-    <p:tags r:id="rId31"/>
+    <p:tags r:id="rId37"/>
   </p:custDataLst>
   <p:defaultTextStyle>
     <a:defPPr>
@@ -139,7 +145,7 @@
 
 <file path=ppt/commentAuthors.xml><?xml version="1.0" encoding="utf-8"?>
 <p:cmAuthorLst xmlns:a="http://schemas.openxmlformats.org/drawingml/2006/main" xmlns:r="http://schemas.openxmlformats.org/officeDocument/2006/relationships" xmlns:p="http://schemas.openxmlformats.org/presentationml/2006/main">
-  <p:cmAuthor id="1" name="Administrator" initials="A" lastIdx="5" clrIdx="0"/>
+  <p:cmAuthor id="1" name="Administrator" initials="A" lastIdx="20" clrIdx="0"/>
 </p:cmAuthorLst>
 </file>
 
@@ -159,6 +165,82 @@
 </p:cmLst>
 </file>
 
+<file path=ppt/comments/comment10.xml><?xml version="1.0" encoding="utf-8"?>
+<p:cmLst xmlns:a="http://schemas.openxmlformats.org/drawingml/2006/main" xmlns:r="http://schemas.openxmlformats.org/officeDocument/2006/relationships" xmlns:p="http://schemas.openxmlformats.org/presentationml/2006/main">
+  <p:cm authorId="1" dt="2022-06-05T14:53:27.286" idx="12">
+    <p:pos x="2830" y="1369"/>
+    <p:text>默认值其实存储在我们的 package.json 中
+这个 default 就是我们的默认值
+nessage就是修改时的通知消息</p:text>
+  </p:cm>
+</p:cmLst>
+</file>
+
+<file path=ppt/comments/comment11.xml><?xml version="1.0" encoding="utf-8"?>
+<p:cmLst xmlns:a="http://schemas.openxmlformats.org/drawingml/2006/main" xmlns:r="http://schemas.openxmlformats.org/officeDocument/2006/relationships" xmlns:p="http://schemas.openxmlformats.org/presentationml/2006/main">
+  <p:cm authorId="1" dt="2022-06-05T14:59:33.850" idx="13">
+    <p:pos x="650" y="1332"/>
+    <p:text>用过 tsc 的朋友可能都知道监听编译是什么，其实就是监听文件修改然后自动编译，这个功能其实在文件较少的时候比较适用，但是文件较多每次编译都会造成不必要的性能消耗</p:text>
+  </p:cm>
+</p:cmLst>
+</file>
+
+<file path=ppt/comments/comment12.xml><?xml version="1.0" encoding="utf-8"?>
+<p:cmLst xmlns:a="http://schemas.openxmlformats.org/drawingml/2006/main" xmlns:r="http://schemas.openxmlformats.org/officeDocument/2006/relationships" xmlns:p="http://schemas.openxmlformats.org/presentationml/2006/main">
+  <p:cm authorId="1" dt="2022-06-05T15:47:07.732" idx="14">
+    <p:pos x="885" y="3246"/>
+    <p:text>第一步呢是检查我们的插件是否符合发布规范，其中插件菜单的位置，插件说明文档都在规范里说明了，接下来就直接按下以下步骤进行发布就行了</p:text>
+  </p:cm>
+</p:cmLst>
+</file>
+
+<file path=ppt/comments/comment13.xml><?xml version="1.0" encoding="utf-8"?>
+<p:cmLst xmlns:a="http://schemas.openxmlformats.org/drawingml/2006/main" xmlns:r="http://schemas.openxmlformats.org/officeDocument/2006/relationships" xmlns:p="http://schemas.openxmlformats.org/presentationml/2006/main">
+  <p:cm authorId="1" dt="2022-06-05T16:42:34.545" idx="15">
+    <p:pos x="4484" y="1845"/>
+    <p:text>其实我们的插件入口脚本就是由主进程启动，面板的入口脚本就是渲染进程启动，每个进程都是独立的，不能直接交互和通信.
+对于不清楚进程的人来说，经常犯的错误就是两个进程公用一份数据，但实际上是两个单独的数据</p:text>
+  </p:cm>
+  <p:cm authorId="1" dt="2022-06-05T16:41:06.081" idx="16">
+    <p:pos x="3506" y="2576"/>
+    <p:text>1. 通过消息通信，Editor.Message.request 或者 Editor.Message.send
+2. 通过文件读写交互，用到的地方比较少</p:text>
+  </p:cm>
+</p:cmLst>
+</file>
+
+<file path=ppt/comments/comment14.xml><?xml version="1.0" encoding="utf-8"?>
+<p:cmLst xmlns:a="http://schemas.openxmlformats.org/drawingml/2006/main" xmlns:r="http://schemas.openxmlformats.org/officeDocument/2006/relationships" xmlns:p="http://schemas.openxmlformats.org/presentationml/2006/main">
+  <p:cm authorId="1" dt="2022-06-05T16:46:24.566" idx="17">
+    <p:pos x="4931" y="1797"/>
+    <p:text>随着插件开发的深入，可能官方的插件 UI 组件库已经满足不了我们的需要，这时候就需要一个丰富而稳定的组件库，这就是 element plus，但实际上，我们在插件内按照官方文档正常使用最后展示是有问题的，这里我已经解决了这个问题</p:text>
+  </p:cm>
+  <p:cm authorId="1" dt="2022-06-05T16:54:33.379" idx="18">
+    <p:pos x="4007" y="2709"/>
+    <p:text>其实我们如果想要 element plus 组件库展示正常，除了要在面板标签下 link css，还要在 head 标签下 link css，这里我给大家准备了一个插件模板，大家下来可以自行查看</p:text>
+  </p:cm>
+</p:cmLst>
+</file>
+
+<file path=ppt/comments/comment15.xml><?xml version="1.0" encoding="utf-8"?>
+<p:cmLst xmlns:a="http://schemas.openxmlformats.org/drawingml/2006/main" xmlns:r="http://schemas.openxmlformats.org/officeDocument/2006/relationships" xmlns:p="http://schemas.openxmlformats.org/presentationml/2006/main">
+  <p:cm authorId="1" dt="2022-06-05T17:10:17.124" idx="19">
+    <p:pos x="680" y="1374"/>
+    <p:text>对于不了解web开发的朋友来说，每次都要修改代码 -&gt; 编译 -&gt; 运行 才能看到面板效果，实在是浪费大家宝贵的时间，有没有办法避免呢？当然有，我们可以用 Ctrl + Shift + i 打开开发人员工具修改标签和 css 效果，所有修改都是实时生效的，我们可以编辑好想要的效果再复制到我们的源码内</p:text>
+  </p:cm>
+</p:cmLst>
+</file>
+
+<file path=ppt/comments/comment16.xml><?xml version="1.0" encoding="utf-8"?>
+<p:cmLst xmlns:a="http://schemas.openxmlformats.org/drawingml/2006/main" xmlns:r="http://schemas.openxmlformats.org/officeDocument/2006/relationships" xmlns:p="http://schemas.openxmlformats.org/presentationml/2006/main">
+  <p:cm authorId="1" dt="2022-06-05T17:38:15.983" idx="20">
+    <p:pos x="2425" y="1338"/>
+    <p:text>1. 首先是 inspector 不再需要在类上面使用 @inspector 装饰器，而是直接在 package,json 内定义 inspector 的组件名
+2. inspector 路径不再是 Vue.component 导出，而是面板的入口脚本</p:text>
+  </p:cm>
+</p:cmLst>
+</file>
+
 <file path=ppt/comments/comment2.xml><?xml version="1.0" encoding="utf-8"?>
 <p:cmLst xmlns:a="http://schemas.openxmlformats.org/drawingml/2006/main" xmlns:r="http://schemas.openxmlformats.org/officeDocument/2006/relationships" xmlns:p="http://schemas.openxmlformats.org/presentationml/2006/main">
   <p:cm authorId="1" dt="2022-05-25T02:25:04.682" idx="3">
@@ -175,6 +257,61 @@
     <p:text># npm是什么？
 相信用过 npm 的朋友都知道，npm 是Nodejs 的一个包管理器，而包就是用户上传到npm官网上的代码，简单点说 npm 就是一个共享代码下载器，而 npm i 就是安装我们依赖的包
 # 当然，由于国内的网络环境，我们有可能会出现 npm i 失败的情况，这时候就可以更换镜像源（下载地址），或者使用 cnpm 进行下载，感兴趣的朋友可以自己了解下，这里不再赘述</p:text>
+  </p:cm>
+</p:cmLst>
+</file>
+
+<file path=ppt/comments/comment4.xml><?xml version="1.0" encoding="utf-8"?>
+<p:cmLst xmlns:a="http://schemas.openxmlformats.org/drawingml/2006/main" xmlns:r="http://schemas.openxmlformats.org/officeDocument/2006/relationships" xmlns:p="http://schemas.openxmlformats.org/presentationml/2006/main">
+  <p:cm authorId="1" dt="2022-06-04T19:34:15.802" idx="6">
+    <p:pos x="1942" y="4066"/>
+    <p:text>其实 package.json 里面包含了很多信息，这里我们只说了最重要的三个配置，main 关系到插件能否正常启动，panels关系到面板能否正常展示，contributions 则关系到我们插件逻辑的运行，至于其他部分大家下来可以自行查看，这里有参考链接，可以直接进去看</p:text>
+  </p:cm>
+</p:cmLst>
+</file>
+
+<file path=ppt/comments/comment5.xml><?xml version="1.0" encoding="utf-8"?>
+<p:cmLst xmlns:a="http://schemas.openxmlformats.org/drawingml/2006/main" xmlns:r="http://schemas.openxmlformats.org/officeDocument/2006/relationships" xmlns:p="http://schemas.openxmlformats.org/presentationml/2006/main">
+  <p:cm authorId="1" dt="2022-06-04T20:29:55.691" idx="7">
+    <p:pos x="400" y="3388"/>
+    <p:text>如果插件根目录不存在 i18n 文件夹，那么 i18n 键则不会替换为 i18n内容，如果i18n 文件夹下文件名不符合语言代号，则会在加载时报错</p:text>
+  </p:cm>
+</p:cmLst>
+</file>
+
+<file path=ppt/comments/comment6.xml><?xml version="1.0" encoding="utf-8"?>
+<p:cmLst xmlns:a="http://schemas.openxmlformats.org/drawingml/2006/main" xmlns:r="http://schemas.openxmlformats.org/officeDocument/2006/relationships" xmlns:p="http://schemas.openxmlformats.org/presentationml/2006/main">
+  <p:cm authorId="1" dt="2022-06-04T20:31:51.752" idx="8">
+    <p:pos x="418" y="3502"/>
+    <p:text>在脚本中使用是直接通过编辑器提供的接口，我们传递的参数是i18n键，html 和 Json 其实一样，都是 i18n: 前缀加 i18n 键</p:text>
+  </p:cm>
+</p:cmLst>
+</file>
+
+<file path=ppt/comments/comment7.xml><?xml version="1.0" encoding="utf-8"?>
+<p:cmLst xmlns:a="http://schemas.openxmlformats.org/drawingml/2006/main" xmlns:r="http://schemas.openxmlformats.org/officeDocument/2006/relationships" xmlns:p="http://schemas.openxmlformats.org/presentationml/2006/main">
+  <p:cm authorId="1" dt="2022-06-04T20:33:06.819" idx="9">
+    <p:pos x="1030" y="3808"/>
+    <p:text>这里是引擎默认定义的 i18n，我们可以在插件开发的时候使用，但是如果要发布插件，一定要把插件菜单放在 扩展 菜单下，否则审核不会通过</p:text>
+  </p:cm>
+</p:cmLst>
+</file>
+
+<file path=ppt/comments/comment8.xml><?xml version="1.0" encoding="utf-8"?>
+<p:cmLst xmlns:a="http://schemas.openxmlformats.org/drawingml/2006/main" xmlns:r="http://schemas.openxmlformats.org/officeDocument/2006/relationships" xmlns:p="http://schemas.openxmlformats.org/presentationml/2006/main">
+  <p:cm authorId="1" dt="2022-06-05T14:48:13.749" idx="10">
+    <p:pos x="234" y="3935"/>
+    <p:text>我们所有的事件都是在 messages 里面注册，这里的 open-panel 就是我们注册的事件，会调用一个 open_panel 的方法，由于没有指定面板键，所以调用的是入口脚本注册的方法，接下来我们看看入口脚本内的 open_panel 方法做了什么</p:text>
+  </p:cm>
+</p:cmLst>
+</file>
+
+<file path=ppt/comments/comment9.xml><?xml version="1.0" encoding="utf-8"?>
+<p:cmLst xmlns:a="http://schemas.openxmlformats.org/drawingml/2006/main" xmlns:r="http://schemas.openxmlformats.org/officeDocument/2006/relationships" xmlns:p="http://schemas.openxmlformats.org/presentationml/2006/main">
+  <p:cm authorId="1" dt="2022-06-05T14:52:02.748" idx="11">
+    <p:pos x="976" y="1085"/>
+    <p:text>简单来说配置系统就是文件读写器， 用于编辑器环境下的文件读写
+我们可以无需任何前提条件在脚本内使用，但是大家注意，我们没有写文件之前首次获取的值一定 undefined，那我们怎么配置默认值呢？</p:text>
   </p:cm>
 </p:cmLst>
 </file>
@@ -1252,11 +1389,7 @@
         <p:txBody>
           <a:bodyPr/>
           <a:p>
-            <a:r>
-              <a:rPr lang="en-US" altLang="zh-CN"/>
-              <a:t>           </a:t>
-            </a:r>
-            <a:endParaRPr lang="en-US" altLang="zh-CN"/>
+            <a:endParaRPr lang="zh-CN" altLang="en-US"/>
           </a:p>
         </p:txBody>
       </p:sp>
@@ -1269,6 +1402,274 @@
 </file>
 
 <file path=ppt/notesSlides/notesSlide21.xml><?xml version="1.0" encoding="utf-8"?>
+<p:notes xmlns:a="http://schemas.openxmlformats.org/drawingml/2006/main" xmlns:r="http://schemas.openxmlformats.org/officeDocument/2006/relationships" xmlns:p="http://schemas.openxmlformats.org/presentationml/2006/main">
+  <p:cSld>
+    <p:spTree>
+      <p:nvGrpSpPr>
+        <p:cNvPr id="1" name=""/>
+        <p:cNvGrpSpPr/>
+        <p:nvPr/>
+      </p:nvGrpSpPr>
+      <p:grpSpPr/>
+      <p:sp>
+        <p:nvSpPr>
+          <p:cNvPr id="2" name="幻灯片图像占位符 1"/>
+          <p:cNvSpPr/>
+          <p:nvPr>
+            <p:ph type="sldImg" idx="2"/>
+          </p:nvPr>
+        </p:nvSpPr>
+        <p:spPr/>
+      </p:sp>
+      <p:sp>
+        <p:nvSpPr>
+          <p:cNvPr id="3" name="文本占位符 2"/>
+          <p:cNvSpPr/>
+          <p:nvPr>
+            <p:ph type="body" idx="3"/>
+          </p:nvPr>
+        </p:nvSpPr>
+        <p:spPr/>
+        <p:txBody>
+          <a:bodyPr/>
+          <a:p>
+            <a:endParaRPr lang="zh-CN" altLang="en-US"/>
+          </a:p>
+        </p:txBody>
+      </p:sp>
+    </p:spTree>
+  </p:cSld>
+  <p:clrMapOvr>
+    <a:masterClrMapping/>
+  </p:clrMapOvr>
+</p:notes>
+</file>
+
+<file path=ppt/notesSlides/notesSlide22.xml><?xml version="1.0" encoding="utf-8"?>
+<p:notes xmlns:a="http://schemas.openxmlformats.org/drawingml/2006/main" xmlns:r="http://schemas.openxmlformats.org/officeDocument/2006/relationships" xmlns:p="http://schemas.openxmlformats.org/presentationml/2006/main">
+  <p:cSld>
+    <p:spTree>
+      <p:nvGrpSpPr>
+        <p:cNvPr id="1" name=""/>
+        <p:cNvGrpSpPr/>
+        <p:nvPr/>
+      </p:nvGrpSpPr>
+      <p:grpSpPr/>
+      <p:sp>
+        <p:nvSpPr>
+          <p:cNvPr id="2" name="幻灯片图像占位符 1"/>
+          <p:cNvSpPr/>
+          <p:nvPr>
+            <p:ph type="sldImg" idx="2"/>
+          </p:nvPr>
+        </p:nvSpPr>
+        <p:spPr/>
+      </p:sp>
+      <p:sp>
+        <p:nvSpPr>
+          <p:cNvPr id="3" name="文本占位符 2"/>
+          <p:cNvSpPr/>
+          <p:nvPr>
+            <p:ph type="body" idx="3"/>
+          </p:nvPr>
+        </p:nvSpPr>
+        <p:spPr/>
+        <p:txBody>
+          <a:bodyPr/>
+          <a:p>
+            <a:r>
+              <a:rPr lang="en-US" altLang="zh-CN"/>
+              <a:t>           </a:t>
+            </a:r>
+            <a:endParaRPr lang="en-US" altLang="zh-CN"/>
+          </a:p>
+        </p:txBody>
+      </p:sp>
+    </p:spTree>
+  </p:cSld>
+  <p:clrMapOvr>
+    <a:masterClrMapping/>
+  </p:clrMapOvr>
+</p:notes>
+</file>
+
+<file path=ppt/notesSlides/notesSlide23.xml><?xml version="1.0" encoding="utf-8"?>
+<p:notes xmlns:a="http://schemas.openxmlformats.org/drawingml/2006/main" xmlns:r="http://schemas.openxmlformats.org/officeDocument/2006/relationships" xmlns:p="http://schemas.openxmlformats.org/presentationml/2006/main">
+  <p:cSld>
+    <p:spTree>
+      <p:nvGrpSpPr>
+        <p:cNvPr id="1" name=""/>
+        <p:cNvGrpSpPr/>
+        <p:nvPr/>
+      </p:nvGrpSpPr>
+      <p:grpSpPr/>
+      <p:sp>
+        <p:nvSpPr>
+          <p:cNvPr id="2" name="幻灯片图像占位符 1"/>
+          <p:cNvSpPr/>
+          <p:nvPr>
+            <p:ph type="sldImg" idx="2"/>
+          </p:nvPr>
+        </p:nvSpPr>
+        <p:spPr/>
+      </p:sp>
+      <p:sp>
+        <p:nvSpPr>
+          <p:cNvPr id="3" name="文本占位符 2"/>
+          <p:cNvSpPr/>
+          <p:nvPr>
+            <p:ph type="body" idx="3"/>
+          </p:nvPr>
+        </p:nvSpPr>
+        <p:spPr/>
+        <p:txBody>
+          <a:bodyPr/>
+          <a:p>
+            <a:endParaRPr lang="zh-CN" altLang="en-US"/>
+          </a:p>
+        </p:txBody>
+      </p:sp>
+    </p:spTree>
+  </p:cSld>
+  <p:clrMapOvr>
+    <a:masterClrMapping/>
+  </p:clrMapOvr>
+</p:notes>
+</file>
+
+<file path=ppt/notesSlides/notesSlide24.xml><?xml version="1.0" encoding="utf-8"?>
+<p:notes xmlns:a="http://schemas.openxmlformats.org/drawingml/2006/main" xmlns:r="http://schemas.openxmlformats.org/officeDocument/2006/relationships" xmlns:p="http://schemas.openxmlformats.org/presentationml/2006/main">
+  <p:cSld>
+    <p:spTree>
+      <p:nvGrpSpPr>
+        <p:cNvPr id="1" name=""/>
+        <p:cNvGrpSpPr/>
+        <p:nvPr/>
+      </p:nvGrpSpPr>
+      <p:grpSpPr/>
+      <p:sp>
+        <p:nvSpPr>
+          <p:cNvPr id="2" name="幻灯片图像占位符 1"/>
+          <p:cNvSpPr/>
+          <p:nvPr>
+            <p:ph type="sldImg" idx="2"/>
+          </p:nvPr>
+        </p:nvSpPr>
+        <p:spPr/>
+      </p:sp>
+      <p:sp>
+        <p:nvSpPr>
+          <p:cNvPr id="3" name="文本占位符 2"/>
+          <p:cNvSpPr/>
+          <p:nvPr>
+            <p:ph type="body" idx="3"/>
+          </p:nvPr>
+        </p:nvSpPr>
+        <p:spPr/>
+        <p:txBody>
+          <a:bodyPr/>
+          <a:p>
+            <a:endParaRPr lang="zh-CN" altLang="en-US"/>
+          </a:p>
+        </p:txBody>
+      </p:sp>
+    </p:spTree>
+  </p:cSld>
+  <p:clrMapOvr>
+    <a:masterClrMapping/>
+  </p:clrMapOvr>
+</p:notes>
+</file>
+
+<file path=ppt/notesSlides/notesSlide25.xml><?xml version="1.0" encoding="utf-8"?>
+<p:notes xmlns:a="http://schemas.openxmlformats.org/drawingml/2006/main" xmlns:r="http://schemas.openxmlformats.org/officeDocument/2006/relationships" xmlns:p="http://schemas.openxmlformats.org/presentationml/2006/main">
+  <p:cSld>
+    <p:spTree>
+      <p:nvGrpSpPr>
+        <p:cNvPr id="1" name=""/>
+        <p:cNvGrpSpPr/>
+        <p:nvPr/>
+      </p:nvGrpSpPr>
+      <p:grpSpPr/>
+      <p:sp>
+        <p:nvSpPr>
+          <p:cNvPr id="2" name="幻灯片图像占位符 1"/>
+          <p:cNvSpPr/>
+          <p:nvPr>
+            <p:ph type="sldImg" idx="2"/>
+          </p:nvPr>
+        </p:nvSpPr>
+        <p:spPr/>
+      </p:sp>
+      <p:sp>
+        <p:nvSpPr>
+          <p:cNvPr id="3" name="文本占位符 2"/>
+          <p:cNvSpPr/>
+          <p:nvPr>
+            <p:ph type="body" idx="3"/>
+          </p:nvPr>
+        </p:nvSpPr>
+        <p:spPr/>
+        <p:txBody>
+          <a:bodyPr/>
+          <a:p>
+            <a:endParaRPr lang="zh-CN" altLang="en-US"/>
+          </a:p>
+        </p:txBody>
+      </p:sp>
+    </p:spTree>
+  </p:cSld>
+  <p:clrMapOvr>
+    <a:masterClrMapping/>
+  </p:clrMapOvr>
+</p:notes>
+</file>
+
+<file path=ppt/notesSlides/notesSlide26.xml><?xml version="1.0" encoding="utf-8"?>
+<p:notes xmlns:a="http://schemas.openxmlformats.org/drawingml/2006/main" xmlns:r="http://schemas.openxmlformats.org/officeDocument/2006/relationships" xmlns:p="http://schemas.openxmlformats.org/presentationml/2006/main">
+  <p:cSld>
+    <p:spTree>
+      <p:nvGrpSpPr>
+        <p:cNvPr id="1" name=""/>
+        <p:cNvGrpSpPr/>
+        <p:nvPr/>
+      </p:nvGrpSpPr>
+      <p:grpSpPr/>
+      <p:sp>
+        <p:nvSpPr>
+          <p:cNvPr id="2" name="幻灯片图像占位符 1"/>
+          <p:cNvSpPr/>
+          <p:nvPr>
+            <p:ph type="sldImg" idx="2"/>
+          </p:nvPr>
+        </p:nvSpPr>
+        <p:spPr/>
+      </p:sp>
+      <p:sp>
+        <p:nvSpPr>
+          <p:cNvPr id="3" name="文本占位符 2"/>
+          <p:cNvSpPr/>
+          <p:nvPr>
+            <p:ph type="body" idx="3"/>
+          </p:nvPr>
+        </p:nvSpPr>
+        <p:spPr/>
+        <p:txBody>
+          <a:bodyPr/>
+          <a:p>
+            <a:endParaRPr lang="zh-CN" altLang="en-US"/>
+          </a:p>
+        </p:txBody>
+      </p:sp>
+    </p:spTree>
+  </p:cSld>
+  <p:clrMapOvr>
+    <a:masterClrMapping/>
+  </p:clrMapOvr>
+</p:notes>
+</file>
+
+<file path=ppt/notesSlides/notesSlide27.xml><?xml version="1.0" encoding="utf-8"?>
 <p:notes xmlns:a="http://schemas.openxmlformats.org/drawingml/2006/main" xmlns:r="http://schemas.openxmlformats.org/officeDocument/2006/relationships" xmlns:p="http://schemas.openxmlformats.org/presentationml/2006/main">
   <p:cSld>
     <p:spTree>
@@ -5392,8 +5793,8 @@
         </p:nvSpPr>
         <p:spPr>
           <a:xfrm>
-            <a:off x="7191375" y="4232275"/>
-            <a:ext cx="4542790" cy="1016000"/>
+            <a:off x="7191375" y="3552825"/>
+            <a:ext cx="4542790" cy="1697355"/>
           </a:xfrm>
           <a:prstGeom prst="rect">
             <a:avLst/>
@@ -5431,8 +5832,8 @@
         </p:nvSpPr>
         <p:spPr>
           <a:xfrm>
-            <a:off x="564515" y="3594100"/>
-            <a:ext cx="6356985" cy="1654175"/>
+            <a:off x="172085" y="3552825"/>
+            <a:ext cx="6356985" cy="1696085"/>
           </a:xfrm>
           <a:prstGeom prst="rect">
             <a:avLst/>
@@ -5613,8 +6014,8 @@
         </p:nvSpPr>
         <p:spPr>
           <a:xfrm>
-            <a:off x="330200" y="3895090"/>
-            <a:ext cx="10305415" cy="460375"/>
+            <a:off x="-220345" y="3876040"/>
+            <a:ext cx="6692265" cy="460375"/>
           </a:xfrm>
           <a:prstGeom prst="rect">
             <a:avLst/>
@@ -5647,8 +6048,8 @@
         </p:nvSpPr>
         <p:spPr>
           <a:xfrm>
-            <a:off x="330200" y="4471035"/>
-            <a:ext cx="10305415" cy="460375"/>
+            <a:off x="-220345" y="4451985"/>
+            <a:ext cx="6481445" cy="460375"/>
           </a:xfrm>
           <a:prstGeom prst="rect">
             <a:avLst/>
@@ -5682,7 +6083,7 @@
         <p:spPr>
           <a:xfrm>
             <a:off x="330200" y="5671820"/>
-            <a:ext cx="5127625" cy="460375"/>
+            <a:ext cx="5432425" cy="460375"/>
           </a:xfrm>
           <a:prstGeom prst="rect">
             <a:avLst/>
@@ -5697,7 +6098,7 @@
             <a:pPr algn="l"/>
             <a:r>
               <a:rPr lang="zh-CN" altLang="en-US" sz="2400" b="1"/>
-              <a:t>解析后：面板</a:t>
+              <a:t>菜单路径：面板</a:t>
             </a:r>
             <a:r>
               <a:rPr lang="en-US" altLang="zh-CN" sz="2400" b="1"/>
@@ -5715,7 +6116,7 @@
         </p:nvSpPr>
         <p:spPr>
           <a:xfrm>
-            <a:off x="6974205" y="4509770"/>
+            <a:off x="6974205" y="3830320"/>
             <a:ext cx="4977765" cy="460375"/>
           </a:xfrm>
           <a:prstGeom prst="rect">
@@ -5743,7 +6144,7 @@
       </p:sp>
       <p:pic>
         <p:nvPicPr>
-          <p:cNvPr id="9" name="图片 8" descr="VCX_5R[1BBD1P5Y7I3[DWHU"/>
+          <p:cNvPr id="12" name="图片 11" descr="3V}R)T@})%PZI``@725[7]8"/>
           <p:cNvPicPr>
             <a:picLocks noChangeAspect="1"/>
           </p:cNvPicPr>
@@ -5757,32 +6158,8 @@
         </p:blipFill>
         <p:spPr>
           <a:xfrm>
-            <a:off x="7503795" y="1743710"/>
-            <a:ext cx="4448175" cy="2266950"/>
-          </a:xfrm>
-          <a:prstGeom prst="rect">
-            <a:avLst/>
-          </a:prstGeom>
-        </p:spPr>
-      </p:pic>
-      <p:pic>
-        <p:nvPicPr>
-          <p:cNvPr id="12" name="图片 11" descr="3V}R)T@})%PZI``@725[7]8"/>
-          <p:cNvPicPr>
-            <a:picLocks noChangeAspect="1"/>
-          </p:cNvPicPr>
-          <p:nvPr/>
-        </p:nvPicPr>
-        <p:blipFill>
-          <a:blip r:embed="rId4"/>
-          <a:stretch>
-            <a:fillRect/>
-          </a:stretch>
-        </p:blipFill>
-        <p:spPr>
-          <a:xfrm>
-            <a:off x="1513205" y="1743710"/>
-            <a:ext cx="5690870" cy="1526540"/>
+            <a:off x="1849755" y="1563370"/>
+            <a:ext cx="6258560" cy="1678940"/>
           </a:xfrm>
           <a:prstGeom prst="rect">
             <a:avLst/>
@@ -5797,8 +6174,8 @@
         </p:nvSpPr>
         <p:spPr>
           <a:xfrm>
-            <a:off x="7060565" y="5671820"/>
-            <a:ext cx="5006975" cy="829945"/>
+            <a:off x="7303135" y="5671820"/>
+            <a:ext cx="3416300" cy="460375"/>
           </a:xfrm>
           <a:prstGeom prst="rect">
             <a:avLst/>
@@ -5813,7 +6190,7 @@
             <a:pPr algn="l"/>
             <a:r>
               <a:rPr lang="zh-CN" altLang="en-US" sz="2400" b="1"/>
-              <a:t>解析后：发送</a:t>
+              <a:t>点击事件：</a:t>
             </a:r>
             <a:r>
               <a:rPr lang="en-US" altLang="zh-CN" sz="2400" b="1"/>
@@ -5824,54 +6201,6 @@
                 <a:sym typeface="+mn-ea"/>
               </a:rPr>
               <a:t>open-panel</a:t>
-            </a:r>
-            <a:r>
-              <a:rPr lang="en-US" sz="2400" b="1">
-                <a:sym typeface="+mn-ea"/>
-              </a:rPr>
-              <a:t> </a:t>
-            </a:r>
-            <a:r>
-              <a:rPr lang="zh-CN" sz="2400" b="1">
-                <a:sym typeface="+mn-ea"/>
-              </a:rPr>
-              <a:t>事件，</a:t>
-            </a:r>
-            <a:endParaRPr lang="zh-CN" sz="2400" b="1">
-              <a:sym typeface="+mn-ea"/>
-            </a:endParaRPr>
-          </a:p>
-          <a:p>
-            <a:pPr algn="l"/>
-            <a:r>
-              <a:rPr lang="en-US" altLang="zh-CN" sz="2400" b="1">
-                <a:sym typeface="+mn-ea"/>
-              </a:rPr>
-              <a:t>       </a:t>
-            </a:r>
-            <a:r>
-              <a:rPr lang="zh-CN" altLang="en-US" sz="2400" b="1">
-                <a:sym typeface="+mn-ea"/>
-              </a:rPr>
-              <a:t>事件在</a:t>
-            </a:r>
-            <a:r>
-              <a:rPr lang="en-US" altLang="zh-CN" sz="2400" b="1">
-                <a:sym typeface="+mn-ea"/>
-              </a:rPr>
-              <a:t> package.json </a:t>
-            </a:r>
-            <a:r>
-              <a:rPr lang="zh-CN" altLang="en-US" sz="2400" b="1">
-                <a:sym typeface="+mn-ea"/>
-              </a:rPr>
-              <a:t>注册</a:t>
-            </a:r>
-            <a:r>
-              <a:rPr lang="zh-CN" altLang="en-US" sz="2400" b="1">
-                <a:sym typeface="+mn-ea"/>
-              </a:rPr>
-              <a:t>回调</a:t>
             </a:r>
             <a:endParaRPr lang="zh-CN" altLang="en-US" sz="2400" b="1">
               <a:sym typeface="+mn-ea"/>
@@ -5925,15 +6254,7 @@
                 <a:cs typeface="+mn-ea"/>
                 <a:sym typeface="+mn-ea"/>
               </a:rPr>
-              <a:t>看看回调做了</a:t>
-            </a:r>
-            <a:r>
-              <a:rPr lang="zh-CN" altLang="en-US" sz="4000" b="1">
-                <a:latin typeface="+mn-ea"/>
-                <a:cs typeface="+mn-ea"/>
-                <a:sym typeface="+mn-ea"/>
-              </a:rPr>
-              <a:t>什么？</a:t>
+              <a:t>菜单事件怎么触发？</a:t>
             </a:r>
             <a:endParaRPr lang="zh-CN" altLang="en-US" sz="4000" b="1">
               <a:latin typeface="+mn-ea"/>
@@ -6050,14 +6371,14 @@
       </p:sp>
       <p:sp>
         <p:nvSpPr>
-          <p:cNvPr id="4" name="文本框 3"/>
+          <p:cNvPr id="5" name="文本框 4"/>
           <p:cNvSpPr txBox="1"/>
           <p:nvPr/>
         </p:nvSpPr>
         <p:spPr>
           <a:xfrm>
-            <a:off x="1402715" y="4991735"/>
-            <a:ext cx="8580120" cy="460375"/>
+            <a:off x="243840" y="3611880"/>
+            <a:ext cx="4977765" cy="460375"/>
           </a:xfrm>
           <a:prstGeom prst="rect">
             <a:avLst/>
@@ -6065,46 +6386,44 @@
           <a:noFill/>
         </p:spPr>
         <p:txBody>
-          <a:bodyPr wrap="none" rtlCol="0">
+          <a:bodyPr wrap="square" rtlCol="0">
             <a:spAutoFit/>
           </a:bodyPr>
           <a:p>
-            <a:pPr algn="l"/>
-            <a:r>
-              <a:rPr sz="2400" b="1"/>
-              <a:t>Editor.Panel.open</a:t>
-            </a:r>
-            <a:r>
-              <a:rPr lang="zh-CN" sz="2400" b="1"/>
-              <a:t>：打开面板，参数为扩展名</a:t>
-            </a:r>
-            <a:r>
-              <a:rPr lang="en-US" altLang="zh-CN" sz="2400" b="1"/>
-              <a:t> | </a:t>
-            </a:r>
-            <a:r>
-              <a:rPr lang="zh-CN" altLang="en-US" sz="2400" b="1"/>
-              <a:t>扩展名</a:t>
-            </a:r>
-            <a:r>
-              <a:rPr lang="en-US" altLang="zh-CN" sz="2400" b="1"/>
-              <a:t>.</a:t>
-            </a:r>
-            <a:r>
-              <a:rPr lang="zh-CN" altLang="en-US" sz="2400" b="1"/>
-              <a:t>面板</a:t>
-            </a:r>
-            <a:r>
-              <a:rPr lang="zh-CN" altLang="en-US" sz="2400" b="1"/>
-              <a:t>名</a:t>
-            </a:r>
-            <a:endParaRPr lang="zh-CN" altLang="en-US" sz="2400" b="1"/>
+            <a:pPr marL="0" lvl="1"/>
+            <a:r>
+              <a:rPr sz="2400" b="1">
+                <a:sym typeface="+mn-ea"/>
+              </a:rPr>
+              <a:t>message</a:t>
+            </a:r>
+            <a:r>
+              <a:rPr lang="en-US" sz="2400" b="1">
+                <a:sym typeface="+mn-ea"/>
+              </a:rPr>
+              <a:t>s</a:t>
+            </a:r>
+            <a:r>
+              <a:rPr sz="2400" b="1">
+                <a:sym typeface="+mn-ea"/>
+              </a:rPr>
+              <a:t>: </a:t>
+            </a:r>
+            <a:r>
+              <a:rPr lang="zh-CN" sz="2400" b="1">
+                <a:sym typeface="+mn-ea"/>
+              </a:rPr>
+              <a:t>所有事件在此注册</a:t>
+            </a:r>
+            <a:endParaRPr lang="zh-CN" sz="2400" b="1">
+              <a:sym typeface="+mn-ea"/>
+            </a:endParaRPr>
           </a:p>
         </p:txBody>
       </p:sp>
       <p:pic>
         <p:nvPicPr>
-          <p:cNvPr id="2" name="图片 1" descr="%9A4H_2TZCH$55F7DERM`F1"/>
+          <p:cNvPr id="9" name="图片 8" descr="VCX_5R[1BBD1P5Y7I3[DWHU"/>
           <p:cNvPicPr>
             <a:picLocks noChangeAspect="1"/>
           </p:cNvPicPr>
@@ -6118,8 +6437,8 @@
         </p:blipFill>
         <p:spPr>
           <a:xfrm>
-            <a:off x="1731010" y="1647825"/>
-            <a:ext cx="6801485" cy="2531745"/>
+            <a:off x="5807075" y="2456815"/>
+            <a:ext cx="5784850" cy="2948305"/>
           </a:xfrm>
           <a:prstGeom prst="rect">
             <a:avLst/>
@@ -6128,16 +6447,14 @@
       </p:pic>
       <p:sp>
         <p:nvSpPr>
-          <p:cNvPr id="11" name="文本框 10">
-            <a:hlinkClick r:id="rId4" tooltip="" action="ppaction://hlinkfile"/>
-          </p:cNvPr>
+          <p:cNvPr id="2" name="文本框 1"/>
           <p:cNvSpPr txBox="1"/>
           <p:nvPr/>
         </p:nvSpPr>
         <p:spPr>
           <a:xfrm>
-            <a:off x="476885" y="6431915"/>
-            <a:ext cx="1198880" cy="398780"/>
+            <a:off x="243840" y="4352290"/>
+            <a:ext cx="4977765" cy="829945"/>
           </a:xfrm>
           <a:prstGeom prst="rect">
             <a:avLst/>
@@ -6145,17 +6462,138 @@
           <a:noFill/>
         </p:spPr>
         <p:txBody>
-          <a:bodyPr wrap="none" rtlCol="0">
+          <a:bodyPr wrap="square" rtlCol="0">
             <a:spAutoFit/>
           </a:bodyPr>
           <a:p>
-            <a:r>
-              <a:rPr lang="zh-CN" altLang="en-US" sz="2000">
-                <a:hlinkClick r:id="rId4" tooltip="" action="ppaction://hlinkfile"/>
-              </a:rPr>
-              <a:t>参考链接</a:t>
-            </a:r>
-            <a:endParaRPr lang="zh-CN" altLang="en-US" sz="2000"/>
+            <a:pPr marL="0" lvl="1"/>
+            <a:r>
+              <a:rPr sz="2400" b="1">
+                <a:sym typeface="+mn-ea"/>
+              </a:rPr>
+              <a:t>message</a:t>
+            </a:r>
+            <a:r>
+              <a:rPr lang="en-US" sz="2400" b="1">
+                <a:sym typeface="+mn-ea"/>
+              </a:rPr>
+              <a:t>s.</a:t>
+            </a:r>
+            <a:r>
+              <a:rPr lang="zh-CN" altLang="en-US" sz="2400" b="1">
+                <a:sym typeface="+mn-ea"/>
+              </a:rPr>
+              <a:t>事件键</a:t>
+            </a:r>
+            <a:r>
+              <a:rPr lang="en-US" sz="2400" b="1">
+                <a:sym typeface="+mn-ea"/>
+              </a:rPr>
+              <a:t>.methods</a:t>
+            </a:r>
+            <a:r>
+              <a:rPr sz="2400" b="1">
+                <a:sym typeface="+mn-ea"/>
+              </a:rPr>
+              <a:t>: </a:t>
+            </a:r>
+            <a:r>
+              <a:rPr lang="zh-CN" sz="2400" b="1">
+                <a:sym typeface="+mn-ea"/>
+              </a:rPr>
+              <a:t>事件触发的方法</a:t>
+            </a:r>
+            <a:endParaRPr lang="zh-CN" sz="2400" b="1">
+              <a:sym typeface="+mn-ea"/>
+            </a:endParaRPr>
+          </a:p>
+        </p:txBody>
+      </p:sp>
+      <p:sp>
+        <p:nvSpPr>
+          <p:cNvPr id="3" name="文本框 2"/>
+          <p:cNvSpPr txBox="1"/>
+          <p:nvPr/>
+        </p:nvSpPr>
+        <p:spPr>
+          <a:xfrm>
+            <a:off x="243840" y="5337810"/>
+            <a:ext cx="5390515" cy="460375"/>
+          </a:xfrm>
+          <a:prstGeom prst="rect">
+            <a:avLst/>
+          </a:prstGeom>
+          <a:noFill/>
+        </p:spPr>
+        <p:txBody>
+          <a:bodyPr wrap="square" rtlCol="0">
+            <a:spAutoFit/>
+          </a:bodyPr>
+          <a:p>
+            <a:pPr marL="0" lvl="1"/>
+            <a:r>
+              <a:rPr lang="en-US" sz="2400" b="1">
+                <a:sym typeface="+mn-ea"/>
+              </a:rPr>
+              <a:t>methods</a:t>
+            </a:r>
+            <a:r>
+              <a:rPr sz="2400" b="1">
+                <a:sym typeface="+mn-ea"/>
+              </a:rPr>
+              <a:t>: </a:t>
+            </a:r>
+            <a:r>
+              <a:rPr lang="en-US" sz="2400" b="1">
+                <a:sym typeface="+mn-ea"/>
+              </a:rPr>
+              <a:t>[</a:t>
+            </a:r>
+            <a:r>
+              <a:rPr lang="zh-CN" altLang="en-US" sz="2400" b="1">
+                <a:sym typeface="+mn-ea"/>
+              </a:rPr>
+              <a:t>方法名</a:t>
+            </a:r>
+            <a:r>
+              <a:rPr lang="en-US" altLang="zh-CN" sz="2400" b="1">
+                <a:sym typeface="+mn-ea"/>
+              </a:rPr>
+              <a:t>  |  </a:t>
+            </a:r>
+            <a:r>
+              <a:rPr lang="zh-CN" sz="2400" b="1">
+                <a:sym typeface="+mn-ea"/>
+              </a:rPr>
+              <a:t>面板键</a:t>
+            </a:r>
+            <a:r>
+              <a:rPr lang="en-US" sz="2400" b="1">
+                <a:sym typeface="+mn-ea"/>
+              </a:rPr>
+              <a:t>.</a:t>
+            </a:r>
+            <a:r>
+              <a:rPr lang="zh-CN" altLang="en-US" sz="2400" b="1">
+                <a:sym typeface="+mn-ea"/>
+              </a:rPr>
+              <a:t>方法</a:t>
+            </a:r>
+            <a:r>
+              <a:rPr lang="zh-CN" altLang="en-US" sz="2400" b="1">
+                <a:sym typeface="+mn-ea"/>
+              </a:rPr>
+              <a:t>名</a:t>
+            </a:r>
+            <a:r>
+              <a:rPr lang="en-US" altLang="zh-CN" sz="2400" b="1">
+                <a:sym typeface="+mn-ea"/>
+              </a:rPr>
+              <a:t>]</a:t>
+            </a:r>
+            <a:endParaRPr lang="en-US" altLang="zh-CN" sz="2400" b="1">
+              <a:sym typeface="+mn-ea"/>
+            </a:endParaRPr>
           </a:p>
         </p:txBody>
       </p:sp>
@@ -6186,7 +6624,7 @@
         <p:spPr>
           <a:xfrm>
             <a:off x="2317750" y="545465"/>
-            <a:ext cx="6222365" cy="706755"/>
+            <a:ext cx="4754880" cy="706755"/>
           </a:xfrm>
           <a:prstGeom prst="rect">
             <a:avLst/>
@@ -6201,33 +6639,19 @@
             <a:pPr algn="l"/>
             <a:r>
               <a:rPr lang="zh-CN" altLang="en-US" sz="4000" b="1">
+                <a:latin typeface="+mn-ea"/>
+                <a:cs typeface="+mn-ea"/>
                 <a:sym typeface="+mn-ea"/>
               </a:rPr>
-              <a:t>通过</a:t>
-            </a:r>
-            <a:r>
-              <a:rPr lang="en-US" altLang="zh-CN" sz="4000" b="1">
+              <a:t>看看回调做了</a:t>
+            </a:r>
+            <a:r>
+              <a:rPr lang="zh-CN" altLang="en-US" sz="4000" b="1">
+                <a:latin typeface="+mn-ea"/>
+                <a:cs typeface="+mn-ea"/>
                 <a:sym typeface="+mn-ea"/>
               </a:rPr>
-              <a:t> html </a:t>
-            </a:r>
-            <a:r>
-              <a:rPr lang="zh-CN" altLang="en-US" sz="4000" b="1">
-                <a:sym typeface="+mn-ea"/>
-              </a:rPr>
-              <a:t>和</a:t>
-            </a:r>
-            <a:r>
-              <a:rPr lang="en-US" altLang="zh-CN" sz="4000" b="1">
-                <a:sym typeface="+mn-ea"/>
-              </a:rPr>
-              <a:t> css </a:t>
-            </a:r>
-            <a:r>
-              <a:rPr lang="zh-CN" altLang="en-US" sz="4000" b="1">
-                <a:sym typeface="+mn-ea"/>
-              </a:rPr>
-              <a:t>编写面板</a:t>
+              <a:t>什么？</a:t>
             </a:r>
             <a:endParaRPr lang="zh-CN" altLang="en-US" sz="4000" b="1">
               <a:latin typeface="+mn-ea"/>
@@ -6239,6 +6663,300 @@
       </p:sp>
       <p:sp>
         <p:nvSpPr>
+          <p:cNvPr id="8" name="文本框 7" descr="7b0a20202020227461726765744d6f64756c65223a202270726f636573734f6e6c696e65466f6e7473220a7d0a"/>
+          <p:cNvSpPr txBox="1"/>
+          <p:nvPr/>
+        </p:nvSpPr>
+        <p:spPr>
+          <a:xfrm>
+            <a:off x="10305415" y="184150"/>
+            <a:ext cx="1762125" cy="922020"/>
+          </a:xfrm>
+          <a:prstGeom prst="rect">
+            <a:avLst/>
+          </a:prstGeom>
+          <a:noFill/>
+        </p:spPr>
+        <p:txBody>
+          <a:bodyPr wrap="square" rtlCol="0">
+            <a:spAutoFit/>
+          </a:bodyPr>
+          <a:p>
+            <a:r>
+              <a:rPr lang="zh-CN" altLang="en-US" sz="5400" b="1">
+                <a:latin typeface="+mj-ea"/>
+                <a:ea typeface="+mj-ea"/>
+              </a:rPr>
+              <a:t>入门</a:t>
+            </a:r>
+            <a:endParaRPr lang="zh-CN" altLang="en-US" sz="5400" b="1">
+              <a:latin typeface="+mj-ea"/>
+              <a:ea typeface="+mj-ea"/>
+            </a:endParaRPr>
+          </a:p>
+        </p:txBody>
+      </p:sp>
+      <p:pic>
+        <p:nvPicPr>
+          <p:cNvPr id="7" name="图片 6" descr="0"/>
+          <p:cNvPicPr>
+            <a:picLocks noChangeAspect="1"/>
+          </p:cNvPicPr>
+          <p:nvPr>
+            <p:custDataLst>
+              <p:tags r:id="rId1"/>
+            </p:custDataLst>
+          </p:nvPr>
+        </p:nvPicPr>
+        <p:blipFill>
+          <a:blip r:embed="rId2"/>
+          <a:stretch>
+            <a:fillRect/>
+          </a:stretch>
+        </p:blipFill>
+        <p:spPr>
+          <a:xfrm rot="2520000">
+            <a:off x="-2587625" y="-3070225"/>
+            <a:ext cx="4406900" cy="5954395"/>
+          </a:xfrm>
+          <a:prstGeom prst="rect">
+            <a:avLst/>
+          </a:prstGeom>
+        </p:spPr>
+      </p:pic>
+      <p:sp>
+        <p:nvSpPr>
+          <p:cNvPr id="10" name="文本框 9" descr="7b0a20202020227461726765744d6f64756c65223a202270726f636573734f6e6c696e65466f6e7473220a7d0a"/>
+          <p:cNvSpPr txBox="1"/>
+          <p:nvPr/>
+        </p:nvSpPr>
+        <p:spPr>
+          <a:xfrm>
+            <a:off x="0" y="235585"/>
+            <a:ext cx="1402715" cy="922020"/>
+          </a:xfrm>
+          <a:prstGeom prst="rect">
+            <a:avLst/>
+          </a:prstGeom>
+          <a:noFill/>
+        </p:spPr>
+        <p:txBody>
+          <a:bodyPr wrap="square" rtlCol="0">
+            <a:spAutoFit/>
+          </a:bodyPr>
+          <a:p>
+            <a:pPr algn="ctr"/>
+            <a:r>
+              <a:rPr lang="en-US" altLang="zh-CN" sz="5400" b="1">
+                <a:solidFill>
+                  <a:schemeClr val="bg1"/>
+                </a:solidFill>
+                <a:latin typeface="+mj-ea"/>
+                <a:ea typeface="+mj-ea"/>
+              </a:rPr>
+              <a:t>4.3</a:t>
+            </a:r>
+            <a:endParaRPr lang="en-US" altLang="zh-CN" sz="5400" b="1">
+              <a:solidFill>
+                <a:schemeClr val="bg1"/>
+              </a:solidFill>
+              <a:latin typeface="+mj-ea"/>
+              <a:ea typeface="+mj-ea"/>
+            </a:endParaRPr>
+          </a:p>
+        </p:txBody>
+      </p:sp>
+      <p:sp>
+        <p:nvSpPr>
+          <p:cNvPr id="4" name="文本框 3"/>
+          <p:cNvSpPr txBox="1"/>
+          <p:nvPr/>
+        </p:nvSpPr>
+        <p:spPr>
+          <a:xfrm>
+            <a:off x="1402715" y="4991735"/>
+            <a:ext cx="8580120" cy="460375"/>
+          </a:xfrm>
+          <a:prstGeom prst="rect">
+            <a:avLst/>
+          </a:prstGeom>
+          <a:noFill/>
+        </p:spPr>
+        <p:txBody>
+          <a:bodyPr wrap="none" rtlCol="0">
+            <a:spAutoFit/>
+          </a:bodyPr>
+          <a:p>
+            <a:pPr algn="l"/>
+            <a:r>
+              <a:rPr sz="2400" b="1"/>
+              <a:t>Editor.Panel.open</a:t>
+            </a:r>
+            <a:r>
+              <a:rPr lang="zh-CN" sz="2400" b="1"/>
+              <a:t>：打开面板，参数为扩展名</a:t>
+            </a:r>
+            <a:r>
+              <a:rPr lang="en-US" altLang="zh-CN" sz="2400" b="1"/>
+              <a:t> | </a:t>
+            </a:r>
+            <a:r>
+              <a:rPr lang="zh-CN" altLang="en-US" sz="2400" b="1"/>
+              <a:t>扩展名</a:t>
+            </a:r>
+            <a:r>
+              <a:rPr lang="en-US" altLang="zh-CN" sz="2400" b="1"/>
+              <a:t>.</a:t>
+            </a:r>
+            <a:r>
+              <a:rPr lang="zh-CN" altLang="en-US" sz="2400" b="1"/>
+              <a:t>面板</a:t>
+            </a:r>
+            <a:r>
+              <a:rPr lang="zh-CN" altLang="en-US" sz="2400" b="1"/>
+              <a:t>名</a:t>
+            </a:r>
+            <a:endParaRPr lang="zh-CN" altLang="en-US" sz="2400" b="1"/>
+          </a:p>
+        </p:txBody>
+      </p:sp>
+      <p:pic>
+        <p:nvPicPr>
+          <p:cNvPr id="2" name="图片 1" descr="%9A4H_2TZCH$55F7DERM`F1"/>
+          <p:cNvPicPr>
+            <a:picLocks noChangeAspect="1"/>
+          </p:cNvPicPr>
+          <p:nvPr/>
+        </p:nvPicPr>
+        <p:blipFill>
+          <a:blip r:embed="rId3"/>
+          <a:stretch>
+            <a:fillRect/>
+          </a:stretch>
+        </p:blipFill>
+        <p:spPr>
+          <a:xfrm>
+            <a:off x="1731010" y="1647825"/>
+            <a:ext cx="6801485" cy="2531745"/>
+          </a:xfrm>
+          <a:prstGeom prst="rect">
+            <a:avLst/>
+          </a:prstGeom>
+        </p:spPr>
+      </p:pic>
+      <p:sp>
+        <p:nvSpPr>
+          <p:cNvPr id="11" name="文本框 10">
+            <a:hlinkClick r:id="rId4" action="ppaction://hlinkfile"/>
+          </p:cNvPr>
+          <p:cNvSpPr txBox="1"/>
+          <p:nvPr/>
+        </p:nvSpPr>
+        <p:spPr>
+          <a:xfrm>
+            <a:off x="476885" y="6431915"/>
+            <a:ext cx="1198880" cy="398780"/>
+          </a:xfrm>
+          <a:prstGeom prst="rect">
+            <a:avLst/>
+          </a:prstGeom>
+          <a:noFill/>
+        </p:spPr>
+        <p:txBody>
+          <a:bodyPr wrap="none" rtlCol="0">
+            <a:spAutoFit/>
+          </a:bodyPr>
+          <a:p>
+            <a:r>
+              <a:rPr lang="zh-CN" altLang="en-US" sz="2000">
+                <a:hlinkClick r:id="rId4" action="ppaction://hlinkfile"/>
+              </a:rPr>
+              <a:t>参考链接</a:t>
+            </a:r>
+            <a:endParaRPr lang="zh-CN" altLang="en-US" sz="2000"/>
+          </a:p>
+        </p:txBody>
+      </p:sp>
+    </p:spTree>
+  </p:cSld>
+  <p:clrMapOvr>
+    <a:masterClrMapping/>
+  </p:clrMapOvr>
+</p:sld>
+</file>
+
+<file path=ppt/slides/slide15.xml><?xml version="1.0" encoding="utf-8"?>
+<p:sld xmlns:a="http://schemas.openxmlformats.org/drawingml/2006/main" xmlns:r="http://schemas.openxmlformats.org/officeDocument/2006/relationships" xmlns:p="http://schemas.openxmlformats.org/presentationml/2006/main">
+  <p:cSld>
+    <p:spTree>
+      <p:nvGrpSpPr>
+        <p:cNvPr id="1" name=""/>
+        <p:cNvGrpSpPr/>
+        <p:nvPr/>
+      </p:nvGrpSpPr>
+      <p:grpSpPr/>
+      <p:sp>
+        <p:nvSpPr>
+          <p:cNvPr id="6" name="文本框 5"/>
+          <p:cNvSpPr txBox="1"/>
+          <p:nvPr/>
+        </p:nvSpPr>
+        <p:spPr>
+          <a:xfrm>
+            <a:off x="2317750" y="545465"/>
+            <a:ext cx="6222365" cy="706755"/>
+          </a:xfrm>
+          <a:prstGeom prst="rect">
+            <a:avLst/>
+          </a:prstGeom>
+          <a:noFill/>
+        </p:spPr>
+        <p:txBody>
+          <a:bodyPr wrap="none" rtlCol="0">
+            <a:spAutoFit/>
+          </a:bodyPr>
+          <a:p>
+            <a:pPr algn="l"/>
+            <a:r>
+              <a:rPr lang="zh-CN" altLang="en-US" sz="4000" b="1">
+                <a:sym typeface="+mn-ea"/>
+              </a:rPr>
+              <a:t>通过</a:t>
+            </a:r>
+            <a:r>
+              <a:rPr lang="en-US" altLang="zh-CN" sz="4000" b="1">
+                <a:sym typeface="+mn-ea"/>
+              </a:rPr>
+              <a:t> html </a:t>
+            </a:r>
+            <a:r>
+              <a:rPr lang="zh-CN" altLang="en-US" sz="4000" b="1">
+                <a:sym typeface="+mn-ea"/>
+              </a:rPr>
+              <a:t>和</a:t>
+            </a:r>
+            <a:r>
+              <a:rPr lang="en-US" altLang="zh-CN" sz="4000" b="1">
+                <a:sym typeface="+mn-ea"/>
+              </a:rPr>
+              <a:t> css </a:t>
+            </a:r>
+            <a:r>
+              <a:rPr lang="zh-CN" altLang="en-US" sz="4000" b="1">
+                <a:sym typeface="+mn-ea"/>
+              </a:rPr>
+              <a:t>编写面板</a:t>
+            </a:r>
+            <a:endParaRPr lang="zh-CN" altLang="en-US" sz="4000" b="1">
+              <a:latin typeface="+mn-ea"/>
+              <a:cs typeface="+mn-ea"/>
+              <a:sym typeface="+mn-ea"/>
+            </a:endParaRPr>
+          </a:p>
+        </p:txBody>
+      </p:sp>
+      <p:sp>
+        <p:nvSpPr>
           <p:cNvPr id="12" name="文本框 11"/>
           <p:cNvSpPr txBox="1"/>
           <p:nvPr/>
@@ -6260,7 +6978,7 @@
           <a:p>
             <a:r>
               <a:rPr lang="zh-CN" altLang="en-US" sz="2000">
-                <a:hlinkClick r:id="rId1" tooltip="" action="ppaction://hlinkfile"/>
+                <a:hlinkClick r:id="rId1" action="ppaction://hlinkfile"/>
               </a:rPr>
               <a:t>参考链接</a:t>
             </a:r>
@@ -6593,7 +7311,7 @@
 </p:sld>
 </file>
 
-<file path=ppt/slides/slide15.xml><?xml version="1.0" encoding="utf-8"?>
+<file path=ppt/slides/slide16.xml><?xml version="1.0" encoding="utf-8"?>
 <p:sld xmlns:a="http://schemas.openxmlformats.org/drawingml/2006/main" xmlns:r="http://schemas.openxmlformats.org/officeDocument/2006/relationships" xmlns:p="http://schemas.openxmlformats.org/presentationml/2006/main">
   <p:cSld>
     <p:spTree>
@@ -6791,7 +7509,7 @@
           <a:p>
             <a:r>
               <a:rPr lang="zh-CN" altLang="en-US" sz="2000">
-                <a:hlinkClick r:id="rId3" tooltip="" action="ppaction://hlinkfile"/>
+                <a:hlinkClick r:id="rId3" action="ppaction://hlinkfile"/>
               </a:rPr>
               <a:t>参考链接</a:t>
             </a:r>
@@ -6937,7 +7655,7 @@
               <a:rPr lang="en-US" altLang="zh-CN" sz="2000">
                 <a:latin typeface="+mn-ea"/>
                 <a:cs typeface="+mn-ea"/>
-                <a:hlinkClick r:id="rId5" tooltip="" action="ppaction://hlinkfile"/>
+                <a:hlinkClick r:id="rId5" action="ppaction://hlinkfile"/>
               </a:rPr>
               <a:t>html</a:t>
             </a:r>
@@ -6945,7 +7663,7 @@
               <a:rPr lang="zh-CN" altLang="en-US" sz="2000">
                 <a:latin typeface="+mn-ea"/>
                 <a:cs typeface="+mn-ea"/>
-                <a:hlinkClick r:id="rId5" tooltip="" action="ppaction://hlinkfile"/>
+                <a:hlinkClick r:id="rId5" action="ppaction://hlinkfile"/>
               </a:rPr>
               <a:t>标签</a:t>
             </a:r>
@@ -6982,7 +7700,7 @@
               <a:rPr lang="en-US" altLang="zh-CN" sz="2000">
                 <a:latin typeface="+mn-ea"/>
                 <a:cs typeface="+mn-ea"/>
-                <a:hlinkClick r:id="rId6" tooltip="" action="ppaction://hlinkfile"/>
+                <a:hlinkClick r:id="rId6" action="ppaction://hlinkfile"/>
               </a:rPr>
               <a:t>css</a:t>
             </a:r>
@@ -6990,77 +7708,15 @@
               <a:rPr lang="zh-CN" altLang="en-US" sz="2000">
                 <a:latin typeface="+mn-ea"/>
                 <a:cs typeface="+mn-ea"/>
-                <a:hlinkClick r:id="rId6" tooltip="" action="ppaction://hlinkfile"/>
+                <a:hlinkClick r:id="rId6" action="ppaction://hlinkfile"/>
               </a:rPr>
               <a:t>属性</a:t>
             </a:r>
             <a:endParaRPr lang="zh-CN" altLang="en-US" sz="2000">
               <a:latin typeface="+mn-ea"/>
               <a:cs typeface="+mn-ea"/>
-              <a:hlinkClick r:id="rId6" tooltip="" action="ppaction://hlinkfile"/>
+              <a:hlinkClick r:id="rId6" action="ppaction://hlinkfile"/>
             </a:endParaRPr>
-          </a:p>
-        </p:txBody>
-      </p:sp>
-      <p:sp>
-        <p:nvSpPr>
-          <p:cNvPr id="21" name="文本框 20"/>
-          <p:cNvSpPr txBox="1"/>
-          <p:nvPr/>
-        </p:nvSpPr>
-        <p:spPr>
-          <a:xfrm>
-            <a:off x="476885" y="5408930"/>
-            <a:ext cx="5711190" cy="706755"/>
-          </a:xfrm>
-          <a:prstGeom prst="rect">
-            <a:avLst/>
-          </a:prstGeom>
-          <a:noFill/>
-        </p:spPr>
-        <p:txBody>
-          <a:bodyPr wrap="none" rtlCol="0">
-            <a:spAutoFit/>
-          </a:bodyPr>
-          <a:p>
-            <a:pPr algn="l"/>
-            <a:r>
-              <a:rPr lang="en-US" altLang="zh-CN" sz="2000" b="1"/>
-              <a:t>        </a:t>
-            </a:r>
-            <a:r>
-              <a:rPr lang="zh-CN" altLang="en-US" sz="2000" b="1"/>
-              <a:t>面板入口文件必须导出</a:t>
-            </a:r>
-            <a:r>
-              <a:rPr lang="en-US" altLang="zh-CN" sz="2000" b="1"/>
-              <a:t>  Editor.Panel.define</a:t>
-            </a:r>
-            <a:endParaRPr lang="en-US" altLang="zh-CN" sz="2000" b="1"/>
-          </a:p>
-          <a:p>
-            <a:pPr algn="l"/>
-            <a:r>
-              <a:rPr lang="en-US" altLang="zh-CN" sz="2000" b="1"/>
-              <a:t> </a:t>
-            </a:r>
-            <a:r>
-              <a:rPr lang="zh-CN" altLang="en-US" sz="2000" b="1"/>
-              <a:t>接口处理的对象，类似</a:t>
-            </a:r>
-            <a:r>
-              <a:rPr lang="en-US" altLang="zh-CN" sz="2000" b="1"/>
-              <a:t> Vue </a:t>
-            </a:r>
-            <a:r>
-              <a:rPr lang="zh-CN" altLang="en-US" sz="2000" b="1"/>
-              <a:t>组件的</a:t>
-            </a:r>
-            <a:r>
-              <a:rPr lang="zh-CN" altLang="en-US" sz="2000" b="1"/>
-              <a:t>结构</a:t>
-            </a:r>
-            <a:endParaRPr lang="zh-CN" altLang="en-US" sz="2000" b="1"/>
           </a:p>
         </p:txBody>
       </p:sp>
@@ -7202,7 +7858,7 @@
 </p:sld>
 </file>
 
-<file path=ppt/slides/slide16.xml><?xml version="1.0" encoding="utf-8"?>
+<file path=ppt/slides/slide17.xml><?xml version="1.0" encoding="utf-8"?>
 <p:sld xmlns:a="http://schemas.openxmlformats.org/drawingml/2006/main" xmlns:r="http://schemas.openxmlformats.org/officeDocument/2006/relationships" xmlns:p="http://schemas.openxmlformats.org/presentationml/2006/main">
   <p:cSld>
     <p:spTree>
@@ -7380,7 +8036,7 @@
           <a:p>
             <a:r>
               <a:rPr lang="zh-CN" altLang="en-US" sz="2000">
-                <a:hlinkClick r:id="rId3" tooltip="" action="ppaction://hlinkfile"/>
+                <a:hlinkClick r:id="rId3" action="ppaction://hlinkfile"/>
               </a:rPr>
               <a:t>参考链接</a:t>
             </a:r>
@@ -7657,7 +8313,7 @@
 </p:sld>
 </file>
 
-<file path=ppt/slides/slide17.xml><?xml version="1.0" encoding="utf-8"?>
+<file path=ppt/slides/slide18.xml><?xml version="1.0" encoding="utf-8"?>
 <p:sld xmlns:a="http://schemas.openxmlformats.org/drawingml/2006/main" xmlns:r="http://schemas.openxmlformats.org/officeDocument/2006/relationships" xmlns:p="http://schemas.openxmlformats.org/presentationml/2006/main">
   <p:cSld>
     <p:spTree>
@@ -7995,6 +8651,39 @@
           </a:prstGeom>
         </p:spPr>
       </p:pic>
+      <p:sp>
+        <p:nvSpPr>
+          <p:cNvPr id="3" name="文本框 2">
+            <a:hlinkClick r:id="rId5" action="ppaction://hlinkfile"/>
+          </p:cNvPr>
+          <p:cNvSpPr txBox="1"/>
+          <p:nvPr/>
+        </p:nvSpPr>
+        <p:spPr>
+          <a:xfrm>
+            <a:off x="476885" y="6431915"/>
+            <a:ext cx="1198880" cy="398780"/>
+          </a:xfrm>
+          <a:prstGeom prst="rect">
+            <a:avLst/>
+          </a:prstGeom>
+          <a:noFill/>
+        </p:spPr>
+        <p:txBody>
+          <a:bodyPr wrap="none" rtlCol="0">
+            <a:spAutoFit/>
+          </a:bodyPr>
+          <a:p>
+            <a:r>
+              <a:rPr lang="zh-CN" altLang="en-US" sz="2000">
+                <a:hlinkClick r:id="rId5" action="ppaction://hlinkfile"/>
+              </a:rPr>
+              <a:t>参考链接</a:t>
+            </a:r>
+            <a:endParaRPr lang="zh-CN" altLang="en-US" sz="2000"/>
+          </a:p>
+        </p:txBody>
+      </p:sp>
     </p:spTree>
   </p:cSld>
   <p:clrMapOvr>
@@ -8003,7 +8692,7 @@
 </p:sld>
 </file>
 
-<file path=ppt/slides/slide18.xml><?xml version="1.0" encoding="utf-8"?>
+<file path=ppt/slides/slide19.xml><?xml version="1.0" encoding="utf-8"?>
 <p:sld xmlns:a="http://schemas.openxmlformats.org/drawingml/2006/main" xmlns:r="http://schemas.openxmlformats.org/officeDocument/2006/relationships" xmlns:p="http://schemas.openxmlformats.org/presentationml/2006/main">
   <p:cSld>
     <p:spTree>
@@ -8184,34 +8873,16 @@
           </a:p>
         </p:txBody>
       </p:sp>
-    </p:spTree>
-  </p:cSld>
-  <p:clrMapOvr>
-    <a:masterClrMapping/>
-  </p:clrMapOvr>
-</p:sld>
-</file>
-
-<file path=ppt/slides/slide19.xml><?xml version="1.0" encoding="utf-8"?>
-<p:sld xmlns:a="http://schemas.openxmlformats.org/drawingml/2006/main" xmlns:r="http://schemas.openxmlformats.org/officeDocument/2006/relationships" xmlns:p="http://schemas.openxmlformats.org/presentationml/2006/main">
-  <p:cSld>
-    <p:spTree>
-      <p:nvGrpSpPr>
-        <p:cNvPr id="1" name=""/>
-        <p:cNvGrpSpPr/>
-        <p:nvPr/>
-      </p:nvGrpSpPr>
-      <p:grpSpPr/>
-      <p:sp>
-        <p:nvSpPr>
-          <p:cNvPr id="6" name="文本框 5"/>
+      <p:sp>
+        <p:nvSpPr>
+          <p:cNvPr id="5" name="文本框 4"/>
           <p:cNvSpPr txBox="1"/>
           <p:nvPr/>
         </p:nvSpPr>
         <p:spPr>
           <a:xfrm>
-            <a:off x="2317750" y="545465"/>
-            <a:ext cx="2214880" cy="706755"/>
+            <a:off x="1517650" y="2117090"/>
+            <a:ext cx="2621280" cy="460375"/>
           </a:xfrm>
           <a:prstGeom prst="rect">
             <a:avLst/>
@@ -8225,27 +8896,29 @@
           <a:p>
             <a:pPr algn="l"/>
             <a:r>
-              <a:rPr lang="zh-CN" altLang="en-US" sz="4000" b="1">
+              <a:rPr lang="zh-CN" altLang="en-US" sz="2400" b="1">
                 <a:sym typeface="+mn-ea"/>
               </a:rPr>
-              <a:t>插件编译</a:t>
-            </a:r>
-            <a:endParaRPr lang="zh-CN" altLang="en-US" sz="4000" b="1">
-              <a:sym typeface="+mn-ea"/>
-            </a:endParaRPr>
-          </a:p>
-        </p:txBody>
-      </p:sp>
-      <p:sp>
-        <p:nvSpPr>
-          <p:cNvPr id="8" name="文本框 7" descr="7b0a20202020227461726765744d6f64756c65223a202270726f636573734f6e6c696e65466f6e7473220a7d0a"/>
+              <a:t>配置系统是</a:t>
+            </a:r>
+            <a:r>
+              <a:rPr lang="zh-CN" altLang="en-US" sz="2400" b="1"/>
+              <a:t>什么？</a:t>
+            </a:r>
+            <a:endParaRPr lang="zh-CN" altLang="en-US" sz="2400" b="1"/>
+          </a:p>
+        </p:txBody>
+      </p:sp>
+      <p:sp>
+        <p:nvSpPr>
+          <p:cNvPr id="9" name="文本框 8"/>
           <p:cNvSpPr txBox="1"/>
           <p:nvPr/>
         </p:nvSpPr>
         <p:spPr>
           <a:xfrm>
-            <a:off x="10305415" y="184150"/>
-            <a:ext cx="1762125" cy="922020"/>
+            <a:off x="1517650" y="3442335"/>
+            <a:ext cx="1402080" cy="460375"/>
           </a:xfrm>
           <a:prstGeom prst="rect">
             <a:avLst/>
@@ -8253,46 +8926,37 @@
           <a:noFill/>
         </p:spPr>
         <p:txBody>
-          <a:bodyPr wrap="square" rtlCol="0">
+          <a:bodyPr wrap="none" rtlCol="0">
             <a:spAutoFit/>
           </a:bodyPr>
           <a:p>
-            <a:r>
-              <a:rPr lang="zh-CN" altLang="en-US" sz="5400" b="1">
-                <a:latin typeface="+mj-ea"/>
-                <a:ea typeface="+mj-ea"/>
-              </a:rPr>
-              <a:t>入门</a:t>
-            </a:r>
-            <a:endParaRPr lang="zh-CN" altLang="en-US" sz="5400" b="1">
-              <a:latin typeface="+mj-ea"/>
-              <a:ea typeface="+mj-ea"/>
-            </a:endParaRPr>
+            <a:pPr algn="l"/>
+            <a:r>
+              <a:rPr lang="zh-CN" altLang="en-US" sz="2400" b="1"/>
+              <a:t>简单使用</a:t>
+            </a:r>
+            <a:endParaRPr lang="zh-CN" altLang="en-US" sz="2400" b="1"/>
           </a:p>
         </p:txBody>
       </p:sp>
       <p:pic>
         <p:nvPicPr>
-          <p:cNvPr id="7" name="图片 6" descr="0"/>
+          <p:cNvPr id="12" name="图片 11" descr="8OBRV9D~8KLV7K0L`KX8TY4"/>
           <p:cNvPicPr>
             <a:picLocks noChangeAspect="1"/>
           </p:cNvPicPr>
-          <p:nvPr>
-            <p:custDataLst>
-              <p:tags r:id="rId1"/>
-            </p:custDataLst>
-          </p:nvPr>
+          <p:nvPr/>
         </p:nvPicPr>
         <p:blipFill>
-          <a:blip r:embed="rId2"/>
+          <a:blip r:embed="rId3"/>
           <a:stretch>
             <a:fillRect/>
           </a:stretch>
         </p:blipFill>
         <p:spPr>
-          <a:xfrm rot="2520000">
-            <a:off x="-2587625" y="-3070225"/>
-            <a:ext cx="4406900" cy="5954395"/>
+          <a:xfrm>
+            <a:off x="1913255" y="4146550"/>
+            <a:ext cx="8392795" cy="1461135"/>
           </a:xfrm>
           <a:prstGeom prst="rect">
             <a:avLst/>
@@ -8301,56 +8965,14 @@
       </p:pic>
       <p:sp>
         <p:nvSpPr>
-          <p:cNvPr id="10" name="文本框 9" descr="7b0a20202020227461726765744d6f64756c65223a202270726f636573734f6e6c696e65466f6e7473220a7d0a"/>
+          <p:cNvPr id="3" name="文本框 2"/>
           <p:cNvSpPr txBox="1"/>
           <p:nvPr/>
         </p:nvSpPr>
         <p:spPr>
           <a:xfrm>
-            <a:off x="0" y="235585"/>
-            <a:ext cx="1402715" cy="922020"/>
-          </a:xfrm>
-          <a:prstGeom prst="rect">
-            <a:avLst/>
-          </a:prstGeom>
-          <a:noFill/>
-        </p:spPr>
-        <p:txBody>
-          <a:bodyPr wrap="square" rtlCol="0">
-            <a:spAutoFit/>
-          </a:bodyPr>
-          <a:p>
-            <a:pPr algn="ctr"/>
-            <a:r>
-              <a:rPr lang="en-US" altLang="zh-CN" sz="5400" b="1">
-                <a:solidFill>
-                  <a:schemeClr val="bg1"/>
-                </a:solidFill>
-                <a:latin typeface="+mj-ea"/>
-                <a:ea typeface="+mj-ea"/>
-              </a:rPr>
-              <a:t>8</a:t>
-            </a:r>
-            <a:endParaRPr lang="en-US" altLang="zh-CN" sz="5400" b="1">
-              <a:solidFill>
-                <a:schemeClr val="bg1"/>
-              </a:solidFill>
-              <a:latin typeface="+mj-ea"/>
-              <a:ea typeface="+mj-ea"/>
-            </a:endParaRPr>
-          </a:p>
-        </p:txBody>
-      </p:sp>
-      <p:sp>
-        <p:nvSpPr>
-          <p:cNvPr id="21" name="文本框 20"/>
-          <p:cNvSpPr txBox="1"/>
-          <p:nvPr/>
-        </p:nvSpPr>
-        <p:spPr>
-          <a:xfrm>
-            <a:off x="895350" y="1628140"/>
-            <a:ext cx="746760" cy="398780"/>
+            <a:off x="476885" y="6431915"/>
+            <a:ext cx="1198880" cy="398780"/>
           </a:xfrm>
           <a:prstGeom prst="rect">
             <a:avLst/>
@@ -8362,14 +8984,13 @@
             <a:spAutoFit/>
           </a:bodyPr>
           <a:p>
-            <a:pPr algn="l"/>
-            <a:r>
-              <a:rPr lang="en-US" altLang="zh-CN" sz="2000" b="1"/>
-              <a:t>        </a:t>
-            </a:r>
-            <a:endParaRPr lang="zh-CN" altLang="en-US" sz="2000" b="1">
-              <a:sym typeface="+mn-ea"/>
-            </a:endParaRPr>
+            <a:r>
+              <a:rPr lang="zh-CN" altLang="en-US" sz="2000">
+                <a:hlinkClick r:id="rId4" action="ppaction://hlinkfile"/>
+              </a:rPr>
+              <a:t>参考链接</a:t>
+            </a:r>
+            <a:endParaRPr lang="zh-CN" altLang="en-US" sz="2000"/>
           </a:p>
         </p:txBody>
       </p:sp>
@@ -8586,7 +9207,7 @@
         <p:spPr>
           <a:xfrm>
             <a:off x="2317750" y="545465"/>
-            <a:ext cx="2214880" cy="706755"/>
+            <a:ext cx="3738880" cy="706755"/>
           </a:xfrm>
           <a:prstGeom prst="rect">
             <a:avLst/>
@@ -8603,13 +9224,7 @@
               <a:rPr lang="zh-CN" altLang="en-US" sz="4000" b="1">
                 <a:sym typeface="+mn-ea"/>
               </a:rPr>
-              <a:t>发布</a:t>
-            </a:r>
-            <a:r>
-              <a:rPr lang="zh-CN" altLang="en-US" sz="4000" b="1">
-                <a:sym typeface="+mn-ea"/>
-              </a:rPr>
-              <a:t>插件</a:t>
+              <a:t>配置系统的使用</a:t>
             </a:r>
             <a:endParaRPr lang="zh-CN" altLang="en-US" sz="4000" b="1">
               <a:sym typeface="+mn-ea"/>
@@ -8710,7 +9325,7 @@
                 <a:latin typeface="+mj-ea"/>
                 <a:ea typeface="+mj-ea"/>
               </a:rPr>
-              <a:t>9</a:t>
+              <a:t>8</a:t>
             </a:r>
             <a:endParaRPr lang="en-US" altLang="zh-CN" sz="5400" b="1">
               <a:solidFill>
@@ -8754,6 +9369,60 @@
           </a:p>
         </p:txBody>
       </p:sp>
+      <p:sp>
+        <p:nvSpPr>
+          <p:cNvPr id="5" name="文本框 4"/>
+          <p:cNvSpPr txBox="1"/>
+          <p:nvPr/>
+        </p:nvSpPr>
+        <p:spPr>
+          <a:xfrm>
+            <a:off x="1517650" y="2117090"/>
+            <a:ext cx="2621280" cy="460375"/>
+          </a:xfrm>
+          <a:prstGeom prst="rect">
+            <a:avLst/>
+          </a:prstGeom>
+          <a:noFill/>
+        </p:spPr>
+        <p:txBody>
+          <a:bodyPr wrap="none" rtlCol="0">
+            <a:spAutoFit/>
+          </a:bodyPr>
+          <a:p>
+            <a:pPr algn="l"/>
+            <a:r>
+              <a:rPr lang="zh-CN" altLang="en-US" sz="2400" b="1"/>
+              <a:t>怎么配置默认值？</a:t>
+            </a:r>
+            <a:endParaRPr lang="zh-CN" altLang="en-US" sz="2400" b="1"/>
+          </a:p>
+        </p:txBody>
+      </p:sp>
+      <p:pic>
+        <p:nvPicPr>
+          <p:cNvPr id="2" name="图片 1" descr="RTPJ635ERW]~`79H7X(PS3F"/>
+          <p:cNvPicPr>
+            <a:picLocks noChangeAspect="1"/>
+          </p:cNvPicPr>
+          <p:nvPr/>
+        </p:nvPicPr>
+        <p:blipFill>
+          <a:blip r:embed="rId3"/>
+          <a:stretch>
+            <a:fillRect/>
+          </a:stretch>
+        </p:blipFill>
+        <p:spPr>
+          <a:xfrm>
+            <a:off x="1942465" y="3261360"/>
+            <a:ext cx="7877175" cy="3154045"/>
+          </a:xfrm>
+          <a:prstGeom prst="rect">
+            <a:avLst/>
+          </a:prstGeom>
+        </p:spPr>
+      </p:pic>
     </p:spTree>
   </p:cSld>
   <p:clrMapOvr>
@@ -8763,6 +9432,717 @@
 </file>
 
 <file path=ppt/slides/slide21.xml><?xml version="1.0" encoding="utf-8"?>
+<p:sld xmlns:a="http://schemas.openxmlformats.org/drawingml/2006/main" xmlns:r="http://schemas.openxmlformats.org/officeDocument/2006/relationships" xmlns:p="http://schemas.openxmlformats.org/presentationml/2006/main">
+  <p:cSld>
+    <p:spTree>
+      <p:nvGrpSpPr>
+        <p:cNvPr id="1" name=""/>
+        <p:cNvGrpSpPr/>
+        <p:nvPr/>
+      </p:nvGrpSpPr>
+      <p:grpSpPr/>
+      <p:sp>
+        <p:nvSpPr>
+          <p:cNvPr id="6" name="文本框 5"/>
+          <p:cNvSpPr txBox="1"/>
+          <p:nvPr/>
+        </p:nvSpPr>
+        <p:spPr>
+          <a:xfrm>
+            <a:off x="2317750" y="545465"/>
+            <a:ext cx="2214880" cy="706755"/>
+          </a:xfrm>
+          <a:prstGeom prst="rect">
+            <a:avLst/>
+          </a:prstGeom>
+          <a:noFill/>
+        </p:spPr>
+        <p:txBody>
+          <a:bodyPr wrap="none" rtlCol="0">
+            <a:spAutoFit/>
+          </a:bodyPr>
+          <a:p>
+            <a:pPr algn="l"/>
+            <a:r>
+              <a:rPr lang="zh-CN" altLang="en-US" sz="4000" b="1">
+                <a:sym typeface="+mn-ea"/>
+              </a:rPr>
+              <a:t>插件编译</a:t>
+            </a:r>
+            <a:endParaRPr lang="zh-CN" altLang="en-US" sz="4000" b="1">
+              <a:sym typeface="+mn-ea"/>
+            </a:endParaRPr>
+          </a:p>
+        </p:txBody>
+      </p:sp>
+      <p:sp>
+        <p:nvSpPr>
+          <p:cNvPr id="8" name="文本框 7" descr="7b0a20202020227461726765744d6f64756c65223a202270726f636573734f6e6c696e65466f6e7473220a7d0a"/>
+          <p:cNvSpPr txBox="1"/>
+          <p:nvPr/>
+        </p:nvSpPr>
+        <p:spPr>
+          <a:xfrm>
+            <a:off x="10305415" y="184150"/>
+            <a:ext cx="1762125" cy="922020"/>
+          </a:xfrm>
+          <a:prstGeom prst="rect">
+            <a:avLst/>
+          </a:prstGeom>
+          <a:noFill/>
+        </p:spPr>
+        <p:txBody>
+          <a:bodyPr wrap="square" rtlCol="0">
+            <a:spAutoFit/>
+          </a:bodyPr>
+          <a:p>
+            <a:r>
+              <a:rPr lang="zh-CN" altLang="en-US" sz="5400" b="1">
+                <a:latin typeface="+mj-ea"/>
+                <a:ea typeface="+mj-ea"/>
+              </a:rPr>
+              <a:t>入门</a:t>
+            </a:r>
+            <a:endParaRPr lang="zh-CN" altLang="en-US" sz="5400" b="1">
+              <a:latin typeface="+mj-ea"/>
+              <a:ea typeface="+mj-ea"/>
+            </a:endParaRPr>
+          </a:p>
+        </p:txBody>
+      </p:sp>
+      <p:pic>
+        <p:nvPicPr>
+          <p:cNvPr id="7" name="图片 6" descr="0"/>
+          <p:cNvPicPr>
+            <a:picLocks noChangeAspect="1"/>
+          </p:cNvPicPr>
+          <p:nvPr>
+            <p:custDataLst>
+              <p:tags r:id="rId1"/>
+            </p:custDataLst>
+          </p:nvPr>
+        </p:nvPicPr>
+        <p:blipFill>
+          <a:blip r:embed="rId2"/>
+          <a:stretch>
+            <a:fillRect/>
+          </a:stretch>
+        </p:blipFill>
+        <p:spPr>
+          <a:xfrm rot="2520000">
+            <a:off x="-2587625" y="-3070225"/>
+            <a:ext cx="4406900" cy="5954395"/>
+          </a:xfrm>
+          <a:prstGeom prst="rect">
+            <a:avLst/>
+          </a:prstGeom>
+        </p:spPr>
+      </p:pic>
+      <p:sp>
+        <p:nvSpPr>
+          <p:cNvPr id="10" name="文本框 9" descr="7b0a20202020227461726765744d6f64756c65223a202270726f636573734f6e6c696e65466f6e7473220a7d0a"/>
+          <p:cNvSpPr txBox="1"/>
+          <p:nvPr/>
+        </p:nvSpPr>
+        <p:spPr>
+          <a:xfrm>
+            <a:off x="0" y="235585"/>
+            <a:ext cx="1402715" cy="922020"/>
+          </a:xfrm>
+          <a:prstGeom prst="rect">
+            <a:avLst/>
+          </a:prstGeom>
+          <a:noFill/>
+        </p:spPr>
+        <p:txBody>
+          <a:bodyPr wrap="square" rtlCol="0">
+            <a:spAutoFit/>
+          </a:bodyPr>
+          <a:p>
+            <a:pPr algn="ctr"/>
+            <a:r>
+              <a:rPr lang="en-US" altLang="zh-CN" sz="5400" b="1">
+                <a:solidFill>
+                  <a:schemeClr val="bg1"/>
+                </a:solidFill>
+                <a:latin typeface="+mj-ea"/>
+                <a:ea typeface="+mj-ea"/>
+              </a:rPr>
+              <a:t>9</a:t>
+            </a:r>
+            <a:endParaRPr lang="en-US" altLang="zh-CN" sz="5400" b="1">
+              <a:solidFill>
+                <a:schemeClr val="bg1"/>
+              </a:solidFill>
+              <a:latin typeface="+mj-ea"/>
+              <a:ea typeface="+mj-ea"/>
+            </a:endParaRPr>
+          </a:p>
+        </p:txBody>
+      </p:sp>
+      <p:pic>
+        <p:nvPicPr>
+          <p:cNvPr id="2" name="图片 1" descr="I$CWS}S(5@NZ{37E5OX$Q$3"/>
+          <p:cNvPicPr>
+            <a:picLocks noChangeAspect="1"/>
+          </p:cNvPicPr>
+          <p:nvPr/>
+        </p:nvPicPr>
+        <p:blipFill>
+          <a:blip r:embed="rId3"/>
+          <a:stretch>
+            <a:fillRect/>
+          </a:stretch>
+        </p:blipFill>
+        <p:spPr>
+          <a:xfrm>
+            <a:off x="6774815" y="1628140"/>
+            <a:ext cx="5101590" cy="4891405"/>
+          </a:xfrm>
+          <a:prstGeom prst="rect">
+            <a:avLst/>
+          </a:prstGeom>
+        </p:spPr>
+      </p:pic>
+      <p:sp>
+        <p:nvSpPr>
+          <p:cNvPr id="5" name="文本框 4"/>
+          <p:cNvSpPr txBox="1"/>
+          <p:nvPr/>
+        </p:nvSpPr>
+        <p:spPr>
+          <a:xfrm>
+            <a:off x="885825" y="2606675"/>
+            <a:ext cx="4907915" cy="460375"/>
+          </a:xfrm>
+          <a:prstGeom prst="rect">
+            <a:avLst/>
+          </a:prstGeom>
+          <a:noFill/>
+        </p:spPr>
+        <p:txBody>
+          <a:bodyPr wrap="none" rtlCol="0">
+            <a:spAutoFit/>
+          </a:bodyPr>
+          <a:p>
+            <a:pPr algn="l"/>
+            <a:r>
+              <a:rPr lang="en-US" altLang="zh-CN" sz="2400" b="1"/>
+              <a:t>tsc</a:t>
+            </a:r>
+            <a:r>
+              <a:rPr lang="zh-CN" altLang="en-US" sz="2400" b="1"/>
+              <a:t>：</a:t>
+            </a:r>
+            <a:r>
+              <a:rPr lang="en-US" altLang="zh-CN" sz="2400" b="1"/>
+              <a:t>typescript </a:t>
+            </a:r>
+            <a:r>
+              <a:rPr lang="zh-CN" altLang="en-US" sz="2400" b="1"/>
+              <a:t>语言自己的编译器</a:t>
+            </a:r>
+            <a:endParaRPr lang="zh-CN" altLang="en-US" sz="2400" b="1"/>
+          </a:p>
+        </p:txBody>
+      </p:sp>
+      <p:sp>
+        <p:nvSpPr>
+          <p:cNvPr id="4" name="文本框 3"/>
+          <p:cNvSpPr txBox="1"/>
+          <p:nvPr/>
+        </p:nvSpPr>
+        <p:spPr>
+          <a:xfrm>
+            <a:off x="885825" y="3460115"/>
+            <a:ext cx="4601845" cy="460375"/>
+          </a:xfrm>
+          <a:prstGeom prst="rect">
+            <a:avLst/>
+          </a:prstGeom>
+          <a:noFill/>
+        </p:spPr>
+        <p:txBody>
+          <a:bodyPr wrap="none" rtlCol="0">
+            <a:spAutoFit/>
+          </a:bodyPr>
+          <a:p>
+            <a:pPr algn="l"/>
+            <a:r>
+              <a:rPr lang="en-US" altLang="zh-CN" sz="2400" b="1"/>
+              <a:t>tsc -b [tsconfig</a:t>
+            </a:r>
+            <a:r>
+              <a:rPr lang="zh-CN" altLang="en-US" sz="2400" b="1"/>
+              <a:t>所在目录</a:t>
+            </a:r>
+            <a:r>
+              <a:rPr lang="en-US" altLang="zh-CN" sz="2400" b="1"/>
+              <a:t>]</a:t>
+            </a:r>
+            <a:r>
+              <a:rPr lang="zh-CN" altLang="en-US" sz="2400" b="1"/>
+              <a:t>：编译</a:t>
+            </a:r>
+            <a:endParaRPr lang="zh-CN" altLang="en-US" sz="2400" b="1"/>
+          </a:p>
+        </p:txBody>
+      </p:sp>
+      <p:sp>
+        <p:nvSpPr>
+          <p:cNvPr id="9" name="文本框 8"/>
+          <p:cNvSpPr txBox="1"/>
+          <p:nvPr/>
+        </p:nvSpPr>
+        <p:spPr>
+          <a:xfrm>
+            <a:off x="885825" y="4313555"/>
+            <a:ext cx="5262245" cy="460375"/>
+          </a:xfrm>
+          <a:prstGeom prst="rect">
+            <a:avLst/>
+          </a:prstGeom>
+          <a:noFill/>
+        </p:spPr>
+        <p:txBody>
+          <a:bodyPr wrap="none" rtlCol="0">
+            <a:spAutoFit/>
+          </a:bodyPr>
+          <a:p>
+            <a:pPr algn="l"/>
+            <a:r>
+              <a:rPr lang="en-US" altLang="zh-CN" sz="2400" b="1"/>
+              <a:t>tsc -w [tsconfig</a:t>
+            </a:r>
+            <a:r>
+              <a:rPr lang="zh-CN" altLang="en-US" sz="2400" b="1"/>
+              <a:t>所在目录</a:t>
+            </a:r>
+            <a:r>
+              <a:rPr lang="en-US" altLang="zh-CN" sz="2400" b="1"/>
+              <a:t>]</a:t>
+            </a:r>
+            <a:r>
+              <a:rPr lang="zh-CN" altLang="en-US" sz="2400" b="1"/>
+              <a:t>：监听编译</a:t>
+            </a:r>
+            <a:endParaRPr lang="zh-CN" altLang="en-US" sz="2400" b="1"/>
+          </a:p>
+        </p:txBody>
+      </p:sp>
+    </p:spTree>
+  </p:cSld>
+  <p:clrMapOvr>
+    <a:masterClrMapping/>
+  </p:clrMapOvr>
+</p:sld>
+</file>
+
+<file path=ppt/slides/slide22.xml><?xml version="1.0" encoding="utf-8"?>
+<p:sld xmlns:a="http://schemas.openxmlformats.org/drawingml/2006/main" xmlns:r="http://schemas.openxmlformats.org/officeDocument/2006/relationships" xmlns:p="http://schemas.openxmlformats.org/presentationml/2006/main">
+  <p:cSld>
+    <p:spTree>
+      <p:nvGrpSpPr>
+        <p:cNvPr id="1" name=""/>
+        <p:cNvGrpSpPr/>
+        <p:nvPr/>
+      </p:nvGrpSpPr>
+      <p:grpSpPr/>
+      <p:sp>
+        <p:nvSpPr>
+          <p:cNvPr id="6" name="文本框 5"/>
+          <p:cNvSpPr txBox="1"/>
+          <p:nvPr/>
+        </p:nvSpPr>
+        <p:spPr>
+          <a:xfrm>
+            <a:off x="2317750" y="545465"/>
+            <a:ext cx="2214880" cy="706755"/>
+          </a:xfrm>
+          <a:prstGeom prst="rect">
+            <a:avLst/>
+          </a:prstGeom>
+          <a:noFill/>
+        </p:spPr>
+        <p:txBody>
+          <a:bodyPr wrap="none" rtlCol="0">
+            <a:spAutoFit/>
+          </a:bodyPr>
+          <a:p>
+            <a:pPr algn="l"/>
+            <a:r>
+              <a:rPr lang="zh-CN" altLang="en-US" sz="4000" b="1">
+                <a:sym typeface="+mn-ea"/>
+              </a:rPr>
+              <a:t>发布</a:t>
+            </a:r>
+            <a:r>
+              <a:rPr lang="zh-CN" altLang="en-US" sz="4000" b="1">
+                <a:sym typeface="+mn-ea"/>
+              </a:rPr>
+              <a:t>插件</a:t>
+            </a:r>
+            <a:endParaRPr lang="zh-CN" altLang="en-US" sz="4000" b="1">
+              <a:sym typeface="+mn-ea"/>
+            </a:endParaRPr>
+          </a:p>
+        </p:txBody>
+      </p:sp>
+      <p:sp>
+        <p:nvSpPr>
+          <p:cNvPr id="8" name="文本框 7" descr="7b0a20202020227461726765744d6f64756c65223a202270726f636573734f6e6c696e65466f6e7473220a7d0a"/>
+          <p:cNvSpPr txBox="1"/>
+          <p:nvPr/>
+        </p:nvSpPr>
+        <p:spPr>
+          <a:xfrm>
+            <a:off x="10305415" y="184150"/>
+            <a:ext cx="1762125" cy="922020"/>
+          </a:xfrm>
+          <a:prstGeom prst="rect">
+            <a:avLst/>
+          </a:prstGeom>
+          <a:noFill/>
+        </p:spPr>
+        <p:txBody>
+          <a:bodyPr wrap="square" rtlCol="0">
+            <a:spAutoFit/>
+          </a:bodyPr>
+          <a:p>
+            <a:r>
+              <a:rPr lang="zh-CN" altLang="en-US" sz="5400" b="1">
+                <a:latin typeface="+mj-ea"/>
+                <a:ea typeface="+mj-ea"/>
+              </a:rPr>
+              <a:t>入门</a:t>
+            </a:r>
+            <a:endParaRPr lang="zh-CN" altLang="en-US" sz="5400" b="1">
+              <a:latin typeface="+mj-ea"/>
+              <a:ea typeface="+mj-ea"/>
+            </a:endParaRPr>
+          </a:p>
+        </p:txBody>
+      </p:sp>
+      <p:pic>
+        <p:nvPicPr>
+          <p:cNvPr id="7" name="图片 6" descr="0"/>
+          <p:cNvPicPr>
+            <a:picLocks noChangeAspect="1"/>
+          </p:cNvPicPr>
+          <p:nvPr>
+            <p:custDataLst>
+              <p:tags r:id="rId1"/>
+            </p:custDataLst>
+          </p:nvPr>
+        </p:nvPicPr>
+        <p:blipFill>
+          <a:blip r:embed="rId2"/>
+          <a:stretch>
+            <a:fillRect/>
+          </a:stretch>
+        </p:blipFill>
+        <p:spPr>
+          <a:xfrm rot="2520000">
+            <a:off x="-2587625" y="-3070225"/>
+            <a:ext cx="4406900" cy="5954395"/>
+          </a:xfrm>
+          <a:prstGeom prst="rect">
+            <a:avLst/>
+          </a:prstGeom>
+        </p:spPr>
+      </p:pic>
+      <p:sp>
+        <p:nvSpPr>
+          <p:cNvPr id="10" name="文本框 9" descr="7b0a20202020227461726765744d6f64756c65223a202270726f636573734f6e6c696e65466f6e7473220a7d0a"/>
+          <p:cNvSpPr txBox="1"/>
+          <p:nvPr/>
+        </p:nvSpPr>
+        <p:spPr>
+          <a:xfrm>
+            <a:off x="0" y="235585"/>
+            <a:ext cx="1402715" cy="922020"/>
+          </a:xfrm>
+          <a:prstGeom prst="rect">
+            <a:avLst/>
+          </a:prstGeom>
+          <a:noFill/>
+        </p:spPr>
+        <p:txBody>
+          <a:bodyPr wrap="square" rtlCol="0">
+            <a:spAutoFit/>
+          </a:bodyPr>
+          <a:p>
+            <a:pPr algn="ctr"/>
+            <a:r>
+              <a:rPr lang="en-US" altLang="zh-CN" sz="5400" b="1">
+                <a:solidFill>
+                  <a:schemeClr val="bg1"/>
+                </a:solidFill>
+                <a:latin typeface="+mj-ea"/>
+                <a:ea typeface="+mj-ea"/>
+              </a:rPr>
+              <a:t>10</a:t>
+            </a:r>
+            <a:endParaRPr lang="en-US" altLang="zh-CN" sz="5400" b="1">
+              <a:solidFill>
+                <a:schemeClr val="bg1"/>
+              </a:solidFill>
+              <a:latin typeface="+mj-ea"/>
+              <a:ea typeface="+mj-ea"/>
+            </a:endParaRPr>
+          </a:p>
+        </p:txBody>
+      </p:sp>
+      <p:sp>
+        <p:nvSpPr>
+          <p:cNvPr id="21" name="文本框 20"/>
+          <p:cNvSpPr txBox="1"/>
+          <p:nvPr/>
+        </p:nvSpPr>
+        <p:spPr>
+          <a:xfrm>
+            <a:off x="895350" y="1628140"/>
+            <a:ext cx="746760" cy="398780"/>
+          </a:xfrm>
+          <a:prstGeom prst="rect">
+            <a:avLst/>
+          </a:prstGeom>
+          <a:noFill/>
+        </p:spPr>
+        <p:txBody>
+          <a:bodyPr wrap="none" rtlCol="0">
+            <a:spAutoFit/>
+          </a:bodyPr>
+          <a:p>
+            <a:pPr algn="l"/>
+            <a:r>
+              <a:rPr lang="en-US" altLang="zh-CN" sz="2000" b="1"/>
+              <a:t>        </a:t>
+            </a:r>
+            <a:endParaRPr lang="zh-CN" altLang="en-US" sz="2000" b="1">
+              <a:sym typeface="+mn-ea"/>
+            </a:endParaRPr>
+          </a:p>
+        </p:txBody>
+      </p:sp>
+      <p:sp>
+        <p:nvSpPr>
+          <p:cNvPr id="3" name="文本框 2"/>
+          <p:cNvSpPr txBox="1"/>
+          <p:nvPr/>
+        </p:nvSpPr>
+        <p:spPr>
+          <a:xfrm>
+            <a:off x="476885" y="6431915"/>
+            <a:ext cx="1198880" cy="398780"/>
+          </a:xfrm>
+          <a:prstGeom prst="rect">
+            <a:avLst/>
+          </a:prstGeom>
+          <a:noFill/>
+        </p:spPr>
+        <p:txBody>
+          <a:bodyPr wrap="none" rtlCol="0">
+            <a:spAutoFit/>
+          </a:bodyPr>
+          <a:p>
+            <a:r>
+              <a:rPr lang="zh-CN" altLang="en-US" sz="2000">
+                <a:hlinkClick r:id="rId3" tooltip="" action="ppaction://hlinkfile"/>
+              </a:rPr>
+              <a:t>参考链接</a:t>
+            </a:r>
+            <a:endParaRPr lang="zh-CN" altLang="en-US" sz="2000"/>
+          </a:p>
+        </p:txBody>
+      </p:sp>
+      <p:sp>
+        <p:nvSpPr>
+          <p:cNvPr id="2" name="文本框 1"/>
+          <p:cNvSpPr txBox="1"/>
+          <p:nvPr/>
+        </p:nvSpPr>
+        <p:spPr>
+          <a:xfrm>
+            <a:off x="1517650" y="2117090"/>
+            <a:ext cx="3958590" cy="460375"/>
+          </a:xfrm>
+          <a:prstGeom prst="rect">
+            <a:avLst/>
+          </a:prstGeom>
+          <a:noFill/>
+        </p:spPr>
+        <p:txBody>
+          <a:bodyPr wrap="none" rtlCol="0">
+            <a:spAutoFit/>
+          </a:bodyPr>
+          <a:p>
+            <a:pPr algn="l"/>
+            <a:r>
+              <a:rPr lang="en-US" altLang="zh-CN" sz="2400" b="1"/>
+              <a:t>1. </a:t>
+            </a:r>
+            <a:r>
+              <a:rPr lang="zh-CN" altLang="en-US" sz="2400" b="1"/>
+              <a:t>请仔细阅读发布</a:t>
+            </a:r>
+            <a:r>
+              <a:rPr lang="en-US" altLang="zh-CN" sz="2400" b="1"/>
+              <a:t> </a:t>
+            </a:r>
+            <a:r>
+              <a:rPr lang="zh-CN" altLang="en-US" sz="2400" b="1">
+                <a:hlinkClick r:id="rId4" tooltip="" action="ppaction://hlinkfile"/>
+              </a:rPr>
+              <a:t>插件规范</a:t>
+            </a:r>
+            <a:endParaRPr lang="zh-CN" altLang="en-US" sz="2400" b="1"/>
+          </a:p>
+        </p:txBody>
+      </p:sp>
+      <p:sp>
+        <p:nvSpPr>
+          <p:cNvPr id="4" name="文本框 3"/>
+          <p:cNvSpPr txBox="1"/>
+          <p:nvPr/>
+        </p:nvSpPr>
+        <p:spPr>
+          <a:xfrm>
+            <a:off x="1517650" y="2837815"/>
+            <a:ext cx="5144135" cy="460375"/>
+          </a:xfrm>
+          <a:prstGeom prst="rect">
+            <a:avLst/>
+          </a:prstGeom>
+          <a:noFill/>
+        </p:spPr>
+        <p:txBody>
+          <a:bodyPr wrap="none" rtlCol="0">
+            <a:spAutoFit/>
+          </a:bodyPr>
+          <a:p>
+            <a:pPr algn="l"/>
+            <a:r>
+              <a:rPr lang="en-US" altLang="zh-CN" sz="2400" b="1"/>
+              <a:t>2. </a:t>
+            </a:r>
+            <a:r>
+              <a:rPr lang="zh-CN" altLang="en-US" sz="2400" b="1"/>
+              <a:t>确认无误后登陆</a:t>
+            </a:r>
+            <a:r>
+              <a:rPr lang="en-US" altLang="zh-CN" sz="2400" b="1"/>
+              <a:t> </a:t>
+            </a:r>
+            <a:r>
+              <a:rPr lang="en-US" altLang="zh-CN" sz="2400" b="1">
+                <a:hlinkClick r:id="rId5" tooltip="" action="ppaction://hlinkfile"/>
+              </a:rPr>
+              <a:t>cocos</a:t>
+            </a:r>
+            <a:r>
+              <a:rPr lang="zh-CN" altLang="en-US" sz="2400" b="1">
+                <a:hlinkClick r:id="rId5" tooltip="" action="ppaction://hlinkfile"/>
+              </a:rPr>
+              <a:t>开发者中心</a:t>
+            </a:r>
+            <a:endParaRPr lang="zh-CN" altLang="en-US" sz="2400" b="1"/>
+          </a:p>
+        </p:txBody>
+      </p:sp>
+      <p:sp>
+        <p:nvSpPr>
+          <p:cNvPr id="9" name="文本框 8"/>
+          <p:cNvSpPr txBox="1"/>
+          <p:nvPr/>
+        </p:nvSpPr>
+        <p:spPr>
+          <a:xfrm>
+            <a:off x="1517650" y="3558540"/>
+            <a:ext cx="5380355" cy="460375"/>
+          </a:xfrm>
+          <a:prstGeom prst="rect">
+            <a:avLst/>
+          </a:prstGeom>
+          <a:noFill/>
+        </p:spPr>
+        <p:txBody>
+          <a:bodyPr wrap="none" rtlCol="0">
+            <a:spAutoFit/>
+          </a:bodyPr>
+          <a:p>
+            <a:pPr algn="l"/>
+            <a:r>
+              <a:rPr lang="en-US" altLang="zh-CN" sz="2400" b="1"/>
+              <a:t>3. </a:t>
+            </a:r>
+            <a:r>
+              <a:rPr lang="zh-CN" altLang="en-US" sz="2400" b="1"/>
+              <a:t>点击商店</a:t>
+            </a:r>
+            <a:r>
+              <a:rPr lang="en-US" altLang="zh-CN" sz="2400" b="1"/>
+              <a:t> -&gt; </a:t>
+            </a:r>
+            <a:r>
+              <a:rPr lang="zh-CN" altLang="en-US" sz="2400" b="1"/>
+              <a:t>卖家中心</a:t>
+            </a:r>
+            <a:r>
+              <a:rPr lang="en-US" altLang="zh-CN" sz="2400" b="1"/>
+              <a:t> -&gt; </a:t>
+            </a:r>
+            <a:r>
+              <a:rPr lang="zh-CN" altLang="en-US" sz="2400" b="1"/>
+              <a:t>发布新资源</a:t>
+            </a:r>
+            <a:endParaRPr lang="zh-CN" altLang="en-US" sz="2400" b="1"/>
+          </a:p>
+        </p:txBody>
+      </p:sp>
+      <p:sp>
+        <p:nvSpPr>
+          <p:cNvPr id="11" name="文本框 10"/>
+          <p:cNvSpPr txBox="1"/>
+          <p:nvPr/>
+        </p:nvSpPr>
+        <p:spPr>
+          <a:xfrm>
+            <a:off x="1517650" y="4279265"/>
+            <a:ext cx="8446135" cy="460375"/>
+          </a:xfrm>
+          <a:prstGeom prst="rect">
+            <a:avLst/>
+          </a:prstGeom>
+          <a:noFill/>
+        </p:spPr>
+        <p:txBody>
+          <a:bodyPr wrap="none" rtlCol="0">
+            <a:spAutoFit/>
+          </a:bodyPr>
+          <a:p>
+            <a:pPr algn="l"/>
+            <a:r>
+              <a:rPr lang="en-US" altLang="zh-CN" sz="2400" b="1"/>
+              <a:t>4. </a:t>
+            </a:r>
+            <a:r>
+              <a:rPr lang="zh-CN" altLang="en-US" sz="2400" b="1"/>
+              <a:t>填写好后静待两三天审核时间，如有问题官方人员会联系你</a:t>
+            </a:r>
+            <a:endParaRPr lang="zh-CN" altLang="en-US" sz="2400" b="1"/>
+          </a:p>
+        </p:txBody>
+      </p:sp>
+    </p:spTree>
+  </p:cSld>
+  <p:clrMapOvr>
+    <a:masterClrMapping/>
+  </p:clrMapOvr>
+</p:sld>
+</file>
+
+<file path=ppt/slides/slide23.xml><?xml version="1.0" encoding="utf-8"?>
 <p:sld xmlns:a="http://schemas.openxmlformats.org/drawingml/2006/main" xmlns:r="http://schemas.openxmlformats.org/officeDocument/2006/relationships" xmlns:p="http://schemas.openxmlformats.org/presentationml/2006/main">
   <p:cSld>
     <p:bg>
@@ -8895,7 +10275,7 @@
             <a:pPr algn="l"/>
             <a:r>
               <a:rPr lang="en-US" altLang="zh-CN" sz="3200" b="1"/>
-              <a:t>1.html </a:t>
+              <a:t>3.html </a:t>
             </a:r>
             <a:r>
               <a:rPr lang="zh-CN" altLang="en-US" sz="3200" b="1"/>
@@ -8975,7 +10355,7 @@
             <a:pPr algn="l"/>
             <a:r>
               <a:rPr lang="en-US" altLang="zh-CN" sz="3200" b="1"/>
-              <a:t>4.</a:t>
+              <a:t>5.</a:t>
             </a:r>
             <a:r>
               <a:rPr lang="zh-CN" altLang="en-US" sz="3200" b="1"/>
@@ -9009,7 +10389,7 @@
             <a:pPr algn="l"/>
             <a:r>
               <a:rPr lang="en-US" altLang="zh-CN" sz="3200" b="1"/>
-              <a:t>5.</a:t>
+              <a:t>6.</a:t>
             </a:r>
             <a:r>
               <a:rPr lang="zh-CN" altLang="en-US" sz="3200" b="1"/>
@@ -9051,7 +10431,7 @@
             <a:pPr algn="l"/>
             <a:r>
               <a:rPr lang="en-US" sz="3200" b="1"/>
-              <a:t>3.</a:t>
+              <a:t>4.</a:t>
             </a:r>
             <a:r>
               <a:rPr lang="zh-CN" altLang="en-US" sz="3200" b="1"/>
@@ -9110,7 +10490,1048 @@
 </p:sld>
 </file>
 
-<file path=ppt/slides/slide22.xml><?xml version="1.0" encoding="utf-8"?>
+<file path=ppt/slides/slide24.xml><?xml version="1.0" encoding="utf-8"?>
+<p:sld xmlns:a="http://schemas.openxmlformats.org/drawingml/2006/main" xmlns:r="http://schemas.openxmlformats.org/officeDocument/2006/relationships" xmlns:p="http://schemas.openxmlformats.org/presentationml/2006/main">
+  <p:cSld>
+    <p:spTree>
+      <p:nvGrpSpPr>
+        <p:cNvPr id="1" name=""/>
+        <p:cNvGrpSpPr/>
+        <p:nvPr/>
+      </p:nvGrpSpPr>
+      <p:grpSpPr/>
+      <p:sp>
+        <p:nvSpPr>
+          <p:cNvPr id="6" name="文本框 5"/>
+          <p:cNvSpPr txBox="1"/>
+          <p:nvPr/>
+        </p:nvSpPr>
+        <p:spPr>
+          <a:xfrm>
+            <a:off x="2317750" y="545465"/>
+            <a:ext cx="5262880" cy="706755"/>
+          </a:xfrm>
+          <a:prstGeom prst="rect">
+            <a:avLst/>
+          </a:prstGeom>
+          <a:noFill/>
+        </p:spPr>
+        <p:txBody>
+          <a:bodyPr wrap="none" rtlCol="0">
+            <a:spAutoFit/>
+          </a:bodyPr>
+          <a:p>
+            <a:pPr algn="l"/>
+            <a:r>
+              <a:rPr lang="zh-CN" altLang="en-US" sz="4000" b="1">
+                <a:sym typeface="+mn-ea"/>
+              </a:rPr>
+              <a:t>理解主进程和渲染进程</a:t>
+            </a:r>
+            <a:endParaRPr lang="zh-CN" altLang="en-US" sz="4000" b="1">
+              <a:sym typeface="+mn-ea"/>
+            </a:endParaRPr>
+          </a:p>
+        </p:txBody>
+      </p:sp>
+      <p:sp>
+        <p:nvSpPr>
+          <p:cNvPr id="8" name="文本框 7" descr="7b0a20202020227461726765744d6f64756c65223a202270726f636573734f6e6c696e65466f6e7473220a7d0a"/>
+          <p:cNvSpPr txBox="1"/>
+          <p:nvPr/>
+        </p:nvSpPr>
+        <p:spPr>
+          <a:xfrm>
+            <a:off x="10305415" y="184150"/>
+            <a:ext cx="1762125" cy="922020"/>
+          </a:xfrm>
+          <a:prstGeom prst="rect">
+            <a:avLst/>
+          </a:prstGeom>
+          <a:noFill/>
+        </p:spPr>
+        <p:txBody>
+          <a:bodyPr wrap="square" rtlCol="0">
+            <a:spAutoFit/>
+          </a:bodyPr>
+          <a:p>
+            <a:r>
+              <a:rPr lang="zh-CN" altLang="en-US" sz="5400" b="1">
+                <a:latin typeface="+mj-ea"/>
+                <a:ea typeface="+mj-ea"/>
+              </a:rPr>
+              <a:t>进阶</a:t>
+            </a:r>
+            <a:endParaRPr lang="zh-CN" altLang="en-US" sz="5400" b="1">
+              <a:latin typeface="+mj-ea"/>
+              <a:ea typeface="+mj-ea"/>
+            </a:endParaRPr>
+          </a:p>
+        </p:txBody>
+      </p:sp>
+      <p:pic>
+        <p:nvPicPr>
+          <p:cNvPr id="7" name="图片 6" descr="0"/>
+          <p:cNvPicPr>
+            <a:picLocks noChangeAspect="1"/>
+          </p:cNvPicPr>
+          <p:nvPr>
+            <p:custDataLst>
+              <p:tags r:id="rId1"/>
+            </p:custDataLst>
+          </p:nvPr>
+        </p:nvPicPr>
+        <p:blipFill>
+          <a:blip r:embed="rId2"/>
+          <a:stretch>
+            <a:fillRect/>
+          </a:stretch>
+        </p:blipFill>
+        <p:spPr>
+          <a:xfrm rot="2520000">
+            <a:off x="-2587625" y="-3070225"/>
+            <a:ext cx="4406900" cy="5954395"/>
+          </a:xfrm>
+          <a:prstGeom prst="rect">
+            <a:avLst/>
+          </a:prstGeom>
+        </p:spPr>
+      </p:pic>
+      <p:sp>
+        <p:nvSpPr>
+          <p:cNvPr id="10" name="文本框 9" descr="7b0a20202020227461726765744d6f64756c65223a202270726f636573734f6e6c696e65466f6e7473220a7d0a"/>
+          <p:cNvSpPr txBox="1"/>
+          <p:nvPr/>
+        </p:nvSpPr>
+        <p:spPr>
+          <a:xfrm>
+            <a:off x="0" y="235585"/>
+            <a:ext cx="1402715" cy="922020"/>
+          </a:xfrm>
+          <a:prstGeom prst="rect">
+            <a:avLst/>
+          </a:prstGeom>
+          <a:noFill/>
+        </p:spPr>
+        <p:txBody>
+          <a:bodyPr wrap="square" rtlCol="0">
+            <a:spAutoFit/>
+          </a:bodyPr>
+          <a:p>
+            <a:pPr algn="ctr"/>
+            <a:r>
+              <a:rPr lang="en-US" altLang="zh-CN" sz="5400" b="1">
+                <a:solidFill>
+                  <a:schemeClr val="bg1"/>
+                </a:solidFill>
+                <a:latin typeface="+mj-ea"/>
+                <a:ea typeface="+mj-ea"/>
+              </a:rPr>
+              <a:t>1</a:t>
+            </a:r>
+            <a:endParaRPr lang="en-US" altLang="zh-CN" sz="5400" b="1">
+              <a:solidFill>
+                <a:schemeClr val="bg1"/>
+              </a:solidFill>
+              <a:latin typeface="+mj-ea"/>
+              <a:ea typeface="+mj-ea"/>
+            </a:endParaRPr>
+          </a:p>
+        </p:txBody>
+      </p:sp>
+      <p:sp>
+        <p:nvSpPr>
+          <p:cNvPr id="3" name="文本框 2"/>
+          <p:cNvSpPr txBox="1"/>
+          <p:nvPr/>
+        </p:nvSpPr>
+        <p:spPr>
+          <a:xfrm>
+            <a:off x="905510" y="2988945"/>
+            <a:ext cx="5912485" cy="521970"/>
+          </a:xfrm>
+          <a:prstGeom prst="rect">
+            <a:avLst/>
+          </a:prstGeom>
+          <a:noFill/>
+        </p:spPr>
+        <p:txBody>
+          <a:bodyPr wrap="none" rtlCol="0">
+            <a:spAutoFit/>
+          </a:bodyPr>
+          <a:p>
+            <a:pPr algn="l"/>
+            <a:r>
+              <a:rPr lang="en-US" altLang="zh-CN" sz="2800" b="1"/>
+              <a:t>1. </a:t>
+            </a:r>
+            <a:r>
+              <a:rPr lang="zh-CN" altLang="en-US" sz="2800" b="1"/>
+              <a:t>什么是主进程，什么是渲染进程？</a:t>
+            </a:r>
+            <a:endParaRPr lang="zh-CN" altLang="en-US" sz="2800" b="1"/>
+          </a:p>
+        </p:txBody>
+      </p:sp>
+      <p:sp>
+        <p:nvSpPr>
+          <p:cNvPr id="11" name="文本框 10"/>
+          <p:cNvSpPr txBox="1"/>
+          <p:nvPr/>
+        </p:nvSpPr>
+        <p:spPr>
+          <a:xfrm>
+            <a:off x="905510" y="4164330"/>
+            <a:ext cx="4490085" cy="521970"/>
+          </a:xfrm>
+          <a:prstGeom prst="rect">
+            <a:avLst/>
+          </a:prstGeom>
+          <a:noFill/>
+        </p:spPr>
+        <p:txBody>
+          <a:bodyPr wrap="none" rtlCol="0">
+            <a:spAutoFit/>
+          </a:bodyPr>
+          <a:p>
+            <a:pPr algn="l"/>
+            <a:r>
+              <a:rPr lang="en-US" altLang="zh-CN" sz="2800" b="1"/>
+              <a:t>2. </a:t>
+            </a:r>
+            <a:r>
+              <a:rPr lang="zh-CN" altLang="en-US" sz="2800" b="1"/>
+              <a:t>进程间如何通信与交互？</a:t>
+            </a:r>
+            <a:endParaRPr lang="zh-CN" altLang="en-US" sz="2800" b="1"/>
+          </a:p>
+        </p:txBody>
+      </p:sp>
+    </p:spTree>
+  </p:cSld>
+  <p:clrMapOvr>
+    <a:masterClrMapping/>
+  </p:clrMapOvr>
+</p:sld>
+</file>
+
+<file path=ppt/slides/slide25.xml><?xml version="1.0" encoding="utf-8"?>
+<p:sld xmlns:a="http://schemas.openxmlformats.org/drawingml/2006/main" xmlns:r="http://schemas.openxmlformats.org/officeDocument/2006/relationships" xmlns:p="http://schemas.openxmlformats.org/presentationml/2006/main">
+  <p:cSld>
+    <p:spTree>
+      <p:nvGrpSpPr>
+        <p:cNvPr id="1" name=""/>
+        <p:cNvGrpSpPr/>
+        <p:nvPr/>
+      </p:nvGrpSpPr>
+      <p:grpSpPr/>
+      <p:sp>
+        <p:nvSpPr>
+          <p:cNvPr id="6" name="文本框 5"/>
+          <p:cNvSpPr txBox="1"/>
+          <p:nvPr/>
+        </p:nvSpPr>
+        <p:spPr>
+          <a:xfrm>
+            <a:off x="2317750" y="545465"/>
+            <a:ext cx="5799455" cy="706755"/>
+          </a:xfrm>
+          <a:prstGeom prst="rect">
+            <a:avLst/>
+          </a:prstGeom>
+          <a:noFill/>
+        </p:spPr>
+        <p:txBody>
+          <a:bodyPr wrap="none" rtlCol="0">
+            <a:spAutoFit/>
+          </a:bodyPr>
+          <a:p>
+            <a:pPr algn="l"/>
+            <a:r>
+              <a:rPr lang="zh-CN" altLang="en-US" sz="4000" b="1">
+                <a:sym typeface="+mn-ea"/>
+              </a:rPr>
+              <a:t>如何使用</a:t>
+            </a:r>
+            <a:r>
+              <a:rPr lang="en-US" altLang="zh-CN" sz="4000" b="1">
+                <a:sym typeface="+mn-ea"/>
+              </a:rPr>
+              <a:t> element-plus?</a:t>
+            </a:r>
+            <a:endParaRPr lang="zh-CN" altLang="en-US" sz="4000" b="1">
+              <a:sym typeface="+mn-ea"/>
+            </a:endParaRPr>
+          </a:p>
+        </p:txBody>
+      </p:sp>
+      <p:sp>
+        <p:nvSpPr>
+          <p:cNvPr id="8" name="文本框 7" descr="7b0a20202020227461726765744d6f64756c65223a202270726f636573734f6e6c696e65466f6e7473220a7d0a"/>
+          <p:cNvSpPr txBox="1"/>
+          <p:nvPr/>
+        </p:nvSpPr>
+        <p:spPr>
+          <a:xfrm>
+            <a:off x="10305415" y="184150"/>
+            <a:ext cx="1762125" cy="922020"/>
+          </a:xfrm>
+          <a:prstGeom prst="rect">
+            <a:avLst/>
+          </a:prstGeom>
+          <a:noFill/>
+        </p:spPr>
+        <p:txBody>
+          <a:bodyPr wrap="square" rtlCol="0">
+            <a:spAutoFit/>
+          </a:bodyPr>
+          <a:p>
+            <a:r>
+              <a:rPr lang="zh-CN" altLang="en-US" sz="5400" b="1">
+                <a:latin typeface="+mj-ea"/>
+                <a:ea typeface="+mj-ea"/>
+              </a:rPr>
+              <a:t>进阶</a:t>
+            </a:r>
+            <a:endParaRPr lang="zh-CN" altLang="en-US" sz="5400" b="1">
+              <a:latin typeface="+mj-ea"/>
+              <a:ea typeface="+mj-ea"/>
+            </a:endParaRPr>
+          </a:p>
+        </p:txBody>
+      </p:sp>
+      <p:pic>
+        <p:nvPicPr>
+          <p:cNvPr id="7" name="图片 6" descr="0"/>
+          <p:cNvPicPr>
+            <a:picLocks noChangeAspect="1"/>
+          </p:cNvPicPr>
+          <p:nvPr>
+            <p:custDataLst>
+              <p:tags r:id="rId1"/>
+            </p:custDataLst>
+          </p:nvPr>
+        </p:nvPicPr>
+        <p:blipFill>
+          <a:blip r:embed="rId2"/>
+          <a:stretch>
+            <a:fillRect/>
+          </a:stretch>
+        </p:blipFill>
+        <p:spPr>
+          <a:xfrm rot="2520000">
+            <a:off x="-2587625" y="-3070225"/>
+            <a:ext cx="4406900" cy="5954395"/>
+          </a:xfrm>
+          <a:prstGeom prst="rect">
+            <a:avLst/>
+          </a:prstGeom>
+        </p:spPr>
+      </p:pic>
+      <p:sp>
+        <p:nvSpPr>
+          <p:cNvPr id="10" name="文本框 9" descr="7b0a20202020227461726765744d6f64756c65223a202270726f636573734f6e6c696e65466f6e7473220a7d0a"/>
+          <p:cNvSpPr txBox="1"/>
+          <p:nvPr/>
+        </p:nvSpPr>
+        <p:spPr>
+          <a:xfrm>
+            <a:off x="0" y="235585"/>
+            <a:ext cx="1402715" cy="922020"/>
+          </a:xfrm>
+          <a:prstGeom prst="rect">
+            <a:avLst/>
+          </a:prstGeom>
+          <a:noFill/>
+        </p:spPr>
+        <p:txBody>
+          <a:bodyPr wrap="square" rtlCol="0">
+            <a:spAutoFit/>
+          </a:bodyPr>
+          <a:p>
+            <a:pPr algn="ctr"/>
+            <a:r>
+              <a:rPr lang="en-US" altLang="zh-CN" sz="5400" b="1">
+                <a:solidFill>
+                  <a:schemeClr val="bg1"/>
+                </a:solidFill>
+                <a:latin typeface="+mj-ea"/>
+                <a:ea typeface="+mj-ea"/>
+              </a:rPr>
+              <a:t>2</a:t>
+            </a:r>
+            <a:endParaRPr lang="en-US" altLang="zh-CN" sz="5400" b="1">
+              <a:solidFill>
+                <a:schemeClr val="bg1"/>
+              </a:solidFill>
+              <a:latin typeface="+mj-ea"/>
+              <a:ea typeface="+mj-ea"/>
+            </a:endParaRPr>
+          </a:p>
+        </p:txBody>
+      </p:sp>
+      <p:sp>
+        <p:nvSpPr>
+          <p:cNvPr id="3" name="文本框 2"/>
+          <p:cNvSpPr txBox="1"/>
+          <p:nvPr/>
+        </p:nvSpPr>
+        <p:spPr>
+          <a:xfrm>
+            <a:off x="905510" y="2988945"/>
+            <a:ext cx="6682105" cy="521970"/>
+          </a:xfrm>
+          <a:prstGeom prst="rect">
+            <a:avLst/>
+          </a:prstGeom>
+          <a:noFill/>
+        </p:spPr>
+        <p:txBody>
+          <a:bodyPr wrap="none" rtlCol="0">
+            <a:spAutoFit/>
+          </a:bodyPr>
+          <a:p>
+            <a:pPr algn="l"/>
+            <a:r>
+              <a:rPr lang="en-US" altLang="zh-CN" sz="2800" b="1"/>
+              <a:t>1. </a:t>
+            </a:r>
+            <a:r>
+              <a:rPr lang="zh-CN" altLang="en-US" sz="2800" b="1"/>
+              <a:t>什么是</a:t>
+            </a:r>
+            <a:r>
+              <a:rPr lang="en-US" altLang="zh-CN" sz="2800" b="1">
+                <a:sym typeface="+mn-ea"/>
+              </a:rPr>
+              <a:t>element-plus</a:t>
+            </a:r>
+            <a:r>
+              <a:rPr lang="zh-CN" altLang="en-US" sz="2800" b="1"/>
+              <a:t>？为什么使用它？</a:t>
+            </a:r>
+            <a:endParaRPr lang="zh-CN" altLang="en-US" sz="2800" b="1"/>
+          </a:p>
+        </p:txBody>
+      </p:sp>
+      <p:sp>
+        <p:nvSpPr>
+          <p:cNvPr id="2" name="文本框 1"/>
+          <p:cNvSpPr txBox="1"/>
+          <p:nvPr/>
+        </p:nvSpPr>
+        <p:spPr>
+          <a:xfrm>
+            <a:off x="905510" y="4352290"/>
+            <a:ext cx="5339715" cy="521970"/>
+          </a:xfrm>
+          <a:prstGeom prst="rect">
+            <a:avLst/>
+          </a:prstGeom>
+          <a:noFill/>
+        </p:spPr>
+        <p:txBody>
+          <a:bodyPr wrap="none" rtlCol="0">
+            <a:spAutoFit/>
+          </a:bodyPr>
+          <a:p>
+            <a:pPr algn="l"/>
+            <a:r>
+              <a:rPr lang="en-US" altLang="zh-CN" sz="2800" b="1"/>
+              <a:t>2. </a:t>
+            </a:r>
+            <a:r>
+              <a:rPr lang="zh-CN" altLang="en-US" sz="2800" b="1"/>
+              <a:t>怎么正常使用</a:t>
+            </a:r>
+            <a:r>
+              <a:rPr lang="en-US" altLang="zh-CN" sz="2800" b="1"/>
+              <a:t> element plus</a:t>
+            </a:r>
+            <a:r>
+              <a:rPr lang="zh-CN" altLang="en-US" sz="2800" b="1"/>
+              <a:t>？</a:t>
+            </a:r>
+            <a:endParaRPr lang="zh-CN" altLang="en-US" sz="2800" b="1"/>
+          </a:p>
+        </p:txBody>
+      </p:sp>
+      <p:sp>
+        <p:nvSpPr>
+          <p:cNvPr id="4" name="文本框 3"/>
+          <p:cNvSpPr txBox="1"/>
+          <p:nvPr/>
+        </p:nvSpPr>
+        <p:spPr>
+          <a:xfrm>
+            <a:off x="476885" y="6431915"/>
+            <a:ext cx="1198880" cy="398780"/>
+          </a:xfrm>
+          <a:prstGeom prst="rect">
+            <a:avLst/>
+          </a:prstGeom>
+          <a:noFill/>
+        </p:spPr>
+        <p:txBody>
+          <a:bodyPr wrap="none" rtlCol="0">
+            <a:spAutoFit/>
+          </a:bodyPr>
+          <a:p>
+            <a:r>
+              <a:rPr lang="zh-CN" altLang="en-US" sz="2000">
+                <a:hlinkClick r:id="rId3" tooltip="" action="ppaction://hlinkfile"/>
+              </a:rPr>
+              <a:t>参考链接</a:t>
+            </a:r>
+            <a:endParaRPr lang="zh-CN" altLang="en-US" sz="2000"/>
+          </a:p>
+        </p:txBody>
+      </p:sp>
+    </p:spTree>
+  </p:cSld>
+  <p:clrMapOvr>
+    <a:masterClrMapping/>
+  </p:clrMapOvr>
+</p:sld>
+</file>
+
+<file path=ppt/slides/slide26.xml><?xml version="1.0" encoding="utf-8"?>
+<p:sld xmlns:a="http://schemas.openxmlformats.org/drawingml/2006/main" xmlns:r="http://schemas.openxmlformats.org/officeDocument/2006/relationships" xmlns:p="http://schemas.openxmlformats.org/presentationml/2006/main">
+  <p:cSld>
+    <p:spTree>
+      <p:nvGrpSpPr>
+        <p:cNvPr id="1" name=""/>
+        <p:cNvGrpSpPr/>
+        <p:nvPr/>
+      </p:nvGrpSpPr>
+      <p:grpSpPr/>
+      <p:sp>
+        <p:nvSpPr>
+          <p:cNvPr id="6" name="文本框 5"/>
+          <p:cNvSpPr txBox="1"/>
+          <p:nvPr/>
+        </p:nvSpPr>
+        <p:spPr>
+          <a:xfrm>
+            <a:off x="2317750" y="545465"/>
+            <a:ext cx="5065395" cy="706755"/>
+          </a:xfrm>
+          <a:prstGeom prst="rect">
+            <a:avLst/>
+          </a:prstGeom>
+          <a:noFill/>
+        </p:spPr>
+        <p:txBody>
+          <a:bodyPr wrap="none" rtlCol="0">
+            <a:spAutoFit/>
+          </a:bodyPr>
+          <a:p>
+            <a:pPr algn="l"/>
+            <a:r>
+              <a:rPr lang="en-US" altLang="zh-CN" sz="4000" b="1">
+                <a:sym typeface="+mn-ea"/>
+              </a:rPr>
+              <a:t>html </a:t>
+            </a:r>
+            <a:r>
+              <a:rPr lang="zh-CN" altLang="en-US" sz="4000" b="1">
+                <a:sym typeface="+mn-ea"/>
+              </a:rPr>
+              <a:t>和</a:t>
+            </a:r>
+            <a:r>
+              <a:rPr lang="en-US" altLang="zh-CN" sz="4000" b="1">
+                <a:sym typeface="+mn-ea"/>
+              </a:rPr>
+              <a:t> css </a:t>
+            </a:r>
+            <a:r>
+              <a:rPr lang="zh-CN" altLang="en-US" sz="4000" b="1">
+                <a:sym typeface="+mn-ea"/>
+              </a:rPr>
+              <a:t>调试技巧</a:t>
+            </a:r>
+            <a:endParaRPr lang="zh-CN" altLang="en-US" sz="4000" b="1">
+              <a:sym typeface="+mn-ea"/>
+            </a:endParaRPr>
+          </a:p>
+        </p:txBody>
+      </p:sp>
+      <p:sp>
+        <p:nvSpPr>
+          <p:cNvPr id="8" name="文本框 7" descr="7b0a20202020227461726765744d6f64756c65223a202270726f636573734f6e6c696e65466f6e7473220a7d0a"/>
+          <p:cNvSpPr txBox="1"/>
+          <p:nvPr/>
+        </p:nvSpPr>
+        <p:spPr>
+          <a:xfrm>
+            <a:off x="10305415" y="184150"/>
+            <a:ext cx="1762125" cy="922020"/>
+          </a:xfrm>
+          <a:prstGeom prst="rect">
+            <a:avLst/>
+          </a:prstGeom>
+          <a:noFill/>
+        </p:spPr>
+        <p:txBody>
+          <a:bodyPr wrap="square" rtlCol="0">
+            <a:spAutoFit/>
+          </a:bodyPr>
+          <a:p>
+            <a:r>
+              <a:rPr lang="zh-CN" altLang="en-US" sz="5400" b="1">
+                <a:latin typeface="+mj-ea"/>
+                <a:ea typeface="+mj-ea"/>
+              </a:rPr>
+              <a:t>进阶</a:t>
+            </a:r>
+            <a:endParaRPr lang="zh-CN" altLang="en-US" sz="5400" b="1">
+              <a:latin typeface="+mj-ea"/>
+              <a:ea typeface="+mj-ea"/>
+            </a:endParaRPr>
+          </a:p>
+        </p:txBody>
+      </p:sp>
+      <p:pic>
+        <p:nvPicPr>
+          <p:cNvPr id="7" name="图片 6" descr="0"/>
+          <p:cNvPicPr>
+            <a:picLocks noChangeAspect="1"/>
+          </p:cNvPicPr>
+          <p:nvPr>
+            <p:custDataLst>
+              <p:tags r:id="rId1"/>
+            </p:custDataLst>
+          </p:nvPr>
+        </p:nvPicPr>
+        <p:blipFill>
+          <a:blip r:embed="rId2"/>
+          <a:stretch>
+            <a:fillRect/>
+          </a:stretch>
+        </p:blipFill>
+        <p:spPr>
+          <a:xfrm rot="2520000">
+            <a:off x="-2587625" y="-3070225"/>
+            <a:ext cx="4406900" cy="5954395"/>
+          </a:xfrm>
+          <a:prstGeom prst="rect">
+            <a:avLst/>
+          </a:prstGeom>
+        </p:spPr>
+      </p:pic>
+      <p:sp>
+        <p:nvSpPr>
+          <p:cNvPr id="10" name="文本框 9" descr="7b0a20202020227461726765744d6f64756c65223a202270726f636573734f6e6c696e65466f6e7473220a7d0a"/>
+          <p:cNvSpPr txBox="1"/>
+          <p:nvPr/>
+        </p:nvSpPr>
+        <p:spPr>
+          <a:xfrm>
+            <a:off x="0" y="235585"/>
+            <a:ext cx="1402715" cy="922020"/>
+          </a:xfrm>
+          <a:prstGeom prst="rect">
+            <a:avLst/>
+          </a:prstGeom>
+          <a:noFill/>
+        </p:spPr>
+        <p:txBody>
+          <a:bodyPr wrap="square" rtlCol="0">
+            <a:spAutoFit/>
+          </a:bodyPr>
+          <a:p>
+            <a:pPr algn="ctr"/>
+            <a:r>
+              <a:rPr lang="en-US" altLang="zh-CN" sz="5400" b="1">
+                <a:solidFill>
+                  <a:schemeClr val="bg1"/>
+                </a:solidFill>
+                <a:latin typeface="+mj-ea"/>
+                <a:ea typeface="+mj-ea"/>
+              </a:rPr>
+              <a:t>3</a:t>
+            </a:r>
+            <a:endParaRPr lang="en-US" altLang="zh-CN" sz="5400" b="1">
+              <a:solidFill>
+                <a:schemeClr val="bg1"/>
+              </a:solidFill>
+              <a:latin typeface="+mj-ea"/>
+              <a:ea typeface="+mj-ea"/>
+            </a:endParaRPr>
+          </a:p>
+        </p:txBody>
+      </p:sp>
+      <p:sp>
+        <p:nvSpPr>
+          <p:cNvPr id="3" name="文本框 2"/>
+          <p:cNvSpPr txBox="1"/>
+          <p:nvPr/>
+        </p:nvSpPr>
+        <p:spPr>
+          <a:xfrm>
+            <a:off x="144145" y="3137535"/>
+            <a:ext cx="5649595" cy="829945"/>
+          </a:xfrm>
+          <a:prstGeom prst="rect">
+            <a:avLst/>
+          </a:prstGeom>
+          <a:noFill/>
+        </p:spPr>
+        <p:txBody>
+          <a:bodyPr wrap="none" rtlCol="0">
+            <a:spAutoFit/>
+          </a:bodyPr>
+          <a:p>
+            <a:pPr algn="l"/>
+            <a:r>
+              <a:rPr lang="en-US" altLang="zh-CN" sz="2400" b="1"/>
+              <a:t>1. </a:t>
+            </a:r>
+            <a:r>
+              <a:rPr lang="zh-CN" altLang="en-US" sz="2400" b="1"/>
+              <a:t>修改标签：</a:t>
+            </a:r>
+            <a:endParaRPr lang="zh-CN" altLang="en-US" sz="2400" b="1"/>
+          </a:p>
+          <a:p>
+            <a:pPr algn="l"/>
+            <a:r>
+              <a:rPr lang="en-US" altLang="zh-CN" sz="2400" b="1"/>
+              <a:t>        </a:t>
+            </a:r>
+            <a:r>
+              <a:rPr lang="zh-CN" altLang="en-US" sz="2400" b="1"/>
+              <a:t>右击</a:t>
+            </a:r>
+            <a:r>
+              <a:rPr lang="en-US" altLang="zh-CN" sz="2400" b="1"/>
+              <a:t>html</a:t>
+            </a:r>
+            <a:r>
+              <a:rPr lang="zh-CN" altLang="en-US" sz="2400" b="1"/>
+              <a:t>标签，点击</a:t>
+            </a:r>
+            <a:r>
+              <a:rPr lang="en-US" altLang="zh-CN" sz="2400" b="1"/>
+              <a:t> Edit as HTML</a:t>
+            </a:r>
+            <a:endParaRPr lang="en-US" altLang="zh-CN" sz="2400" b="1"/>
+          </a:p>
+        </p:txBody>
+      </p:sp>
+      <p:pic>
+        <p:nvPicPr>
+          <p:cNvPr id="5" name="图片 4" descr="@%@X(1I{ZG]7RKVB{YBGURU"/>
+          <p:cNvPicPr>
+            <a:picLocks noChangeAspect="1"/>
+          </p:cNvPicPr>
+          <p:nvPr/>
+        </p:nvPicPr>
+        <p:blipFill>
+          <a:blip r:embed="rId3"/>
+          <a:stretch>
+            <a:fillRect/>
+          </a:stretch>
+        </p:blipFill>
+        <p:spPr>
+          <a:xfrm>
+            <a:off x="5895340" y="1955800"/>
+            <a:ext cx="5414645" cy="2011680"/>
+          </a:xfrm>
+          <a:prstGeom prst="rect">
+            <a:avLst/>
+          </a:prstGeom>
+        </p:spPr>
+      </p:pic>
+      <p:pic>
+        <p:nvPicPr>
+          <p:cNvPr id="9" name="图片 8" descr="{O]YVUG2D9HLO168SZ~HQ93"/>
+          <p:cNvPicPr>
+            <a:picLocks noChangeAspect="1"/>
+          </p:cNvPicPr>
+          <p:nvPr/>
+        </p:nvPicPr>
+        <p:blipFill>
+          <a:blip r:embed="rId4"/>
+          <a:stretch>
+            <a:fillRect/>
+          </a:stretch>
+        </p:blipFill>
+        <p:spPr>
+          <a:xfrm>
+            <a:off x="5895340" y="4240530"/>
+            <a:ext cx="5476875" cy="3095625"/>
+          </a:xfrm>
+          <a:prstGeom prst="rect">
+            <a:avLst/>
+          </a:prstGeom>
+        </p:spPr>
+      </p:pic>
+      <p:sp>
+        <p:nvSpPr>
+          <p:cNvPr id="11" name="文本框 10"/>
+          <p:cNvSpPr txBox="1"/>
+          <p:nvPr/>
+        </p:nvSpPr>
+        <p:spPr>
+          <a:xfrm>
+            <a:off x="144145" y="5852795"/>
+            <a:ext cx="5566410" cy="829945"/>
+          </a:xfrm>
+          <a:prstGeom prst="rect">
+            <a:avLst/>
+          </a:prstGeom>
+          <a:noFill/>
+        </p:spPr>
+        <p:txBody>
+          <a:bodyPr wrap="none" rtlCol="0">
+            <a:spAutoFit/>
+          </a:bodyPr>
+          <a:p>
+            <a:pPr algn="l"/>
+            <a:r>
+              <a:rPr lang="en-US" altLang="zh-CN" sz="2400" b="1"/>
+              <a:t>2. </a:t>
+            </a:r>
+            <a:r>
+              <a:rPr lang="zh-CN" altLang="en-US" sz="2400" b="1"/>
+              <a:t>修改</a:t>
+            </a:r>
+            <a:r>
+              <a:rPr lang="en-US" altLang="zh-CN" sz="2400" b="1"/>
+              <a:t>css</a:t>
+            </a:r>
+            <a:r>
+              <a:rPr lang="zh-CN" altLang="en-US" sz="2400" b="1"/>
+              <a:t>：</a:t>
+            </a:r>
+            <a:endParaRPr lang="zh-CN" altLang="en-US" sz="2400" b="1"/>
+          </a:p>
+          <a:p>
+            <a:pPr algn="l"/>
+            <a:r>
+              <a:rPr lang="en-US" altLang="zh-CN" sz="2400" b="1"/>
+              <a:t>        Element -&gt; style -&gt; element.style</a:t>
+            </a:r>
+            <a:endParaRPr lang="zh-CN" altLang="en-US" sz="2400" b="1"/>
+          </a:p>
+        </p:txBody>
+      </p:sp>
+    </p:spTree>
+  </p:cSld>
+  <p:clrMapOvr>
+    <a:masterClrMapping/>
+  </p:clrMapOvr>
+</p:sld>
+</file>
+
+<file path=ppt/slides/slide27.xml><?xml version="1.0" encoding="utf-8"?>
+<p:sld xmlns:a="http://schemas.openxmlformats.org/drawingml/2006/main" xmlns:r="http://schemas.openxmlformats.org/officeDocument/2006/relationships" xmlns:p="http://schemas.openxmlformats.org/presentationml/2006/main">
+  <p:cSld>
+    <p:spTree>
+      <p:nvGrpSpPr>
+        <p:cNvPr id="1" name=""/>
+        <p:cNvGrpSpPr/>
+        <p:nvPr/>
+      </p:nvGrpSpPr>
+      <p:grpSpPr/>
+      <p:sp>
+        <p:nvSpPr>
+          <p:cNvPr id="6" name="文本框 5"/>
+          <p:cNvSpPr txBox="1"/>
+          <p:nvPr/>
+        </p:nvSpPr>
+        <p:spPr>
+          <a:xfrm>
+            <a:off x="2317750" y="545465"/>
+            <a:ext cx="3626485" cy="706755"/>
+          </a:xfrm>
+          <a:prstGeom prst="rect">
+            <a:avLst/>
+          </a:prstGeom>
+          <a:noFill/>
+        </p:spPr>
+        <p:txBody>
+          <a:bodyPr wrap="none" rtlCol="0">
+            <a:spAutoFit/>
+          </a:bodyPr>
+          <a:p>
+            <a:pPr algn="l"/>
+            <a:r>
+              <a:rPr lang="zh-CN" altLang="en-US" sz="4000" b="1">
+                <a:sym typeface="+mn-ea"/>
+              </a:rPr>
+              <a:t>扩展</a:t>
+            </a:r>
+            <a:r>
+              <a:rPr lang="en-US" altLang="zh-CN" sz="4000" b="1">
+                <a:sym typeface="+mn-ea"/>
+              </a:rPr>
+              <a:t> inspector</a:t>
+            </a:r>
+            <a:endParaRPr lang="zh-CN" altLang="en-US" sz="4000" b="1">
+              <a:sym typeface="+mn-ea"/>
+            </a:endParaRPr>
+          </a:p>
+        </p:txBody>
+      </p:sp>
+      <p:sp>
+        <p:nvSpPr>
+          <p:cNvPr id="8" name="文本框 7" descr="7b0a20202020227461726765744d6f64756c65223a202270726f636573734f6e6c696e65466f6e7473220a7d0a"/>
+          <p:cNvSpPr txBox="1"/>
+          <p:nvPr/>
+        </p:nvSpPr>
+        <p:spPr>
+          <a:xfrm>
+            <a:off x="10305415" y="184150"/>
+            <a:ext cx="1762125" cy="922020"/>
+          </a:xfrm>
+          <a:prstGeom prst="rect">
+            <a:avLst/>
+          </a:prstGeom>
+          <a:noFill/>
+        </p:spPr>
+        <p:txBody>
+          <a:bodyPr wrap="square" rtlCol="0">
+            <a:spAutoFit/>
+          </a:bodyPr>
+          <a:p>
+            <a:r>
+              <a:rPr lang="zh-CN" altLang="en-US" sz="5400" b="1">
+                <a:latin typeface="+mj-ea"/>
+                <a:ea typeface="+mj-ea"/>
+              </a:rPr>
+              <a:t>进阶</a:t>
+            </a:r>
+            <a:endParaRPr lang="zh-CN" altLang="en-US" sz="5400" b="1">
+              <a:latin typeface="+mj-ea"/>
+              <a:ea typeface="+mj-ea"/>
+            </a:endParaRPr>
+          </a:p>
+        </p:txBody>
+      </p:sp>
+      <p:pic>
+        <p:nvPicPr>
+          <p:cNvPr id="7" name="图片 6" descr="0"/>
+          <p:cNvPicPr>
+            <a:picLocks noChangeAspect="1"/>
+          </p:cNvPicPr>
+          <p:nvPr>
+            <p:custDataLst>
+              <p:tags r:id="rId1"/>
+            </p:custDataLst>
+          </p:nvPr>
+        </p:nvPicPr>
+        <p:blipFill>
+          <a:blip r:embed="rId2"/>
+          <a:stretch>
+            <a:fillRect/>
+          </a:stretch>
+        </p:blipFill>
+        <p:spPr>
+          <a:xfrm rot="2520000">
+            <a:off x="-2587625" y="-3070225"/>
+            <a:ext cx="4406900" cy="5954395"/>
+          </a:xfrm>
+          <a:prstGeom prst="rect">
+            <a:avLst/>
+          </a:prstGeom>
+        </p:spPr>
+      </p:pic>
+      <p:sp>
+        <p:nvSpPr>
+          <p:cNvPr id="10" name="文本框 9" descr="7b0a20202020227461726765744d6f64756c65223a202270726f636573734f6e6c696e65466f6e7473220a7d0a"/>
+          <p:cNvSpPr txBox="1"/>
+          <p:nvPr/>
+        </p:nvSpPr>
+        <p:spPr>
+          <a:xfrm>
+            <a:off x="0" y="235585"/>
+            <a:ext cx="1402715" cy="922020"/>
+          </a:xfrm>
+          <a:prstGeom prst="rect">
+            <a:avLst/>
+          </a:prstGeom>
+          <a:noFill/>
+        </p:spPr>
+        <p:txBody>
+          <a:bodyPr wrap="square" rtlCol="0">
+            <a:spAutoFit/>
+          </a:bodyPr>
+          <a:p>
+            <a:pPr algn="ctr"/>
+            <a:r>
+              <a:rPr lang="en-US" altLang="zh-CN" sz="5400" b="1">
+                <a:solidFill>
+                  <a:schemeClr val="bg1"/>
+                </a:solidFill>
+                <a:latin typeface="+mj-ea"/>
+                <a:ea typeface="+mj-ea"/>
+              </a:rPr>
+              <a:t>4</a:t>
+            </a:r>
+            <a:endParaRPr lang="en-US" altLang="zh-CN" sz="5400" b="1">
+              <a:solidFill>
+                <a:schemeClr val="bg1"/>
+              </a:solidFill>
+              <a:latin typeface="+mj-ea"/>
+              <a:ea typeface="+mj-ea"/>
+            </a:endParaRPr>
+          </a:p>
+        </p:txBody>
+      </p:sp>
+      <p:sp>
+        <p:nvSpPr>
+          <p:cNvPr id="2" name="文本框 1"/>
+          <p:cNvSpPr txBox="1"/>
+          <p:nvPr/>
+        </p:nvSpPr>
+        <p:spPr>
+          <a:xfrm>
+            <a:off x="934720" y="2318385"/>
+            <a:ext cx="2693035" cy="521970"/>
+          </a:xfrm>
+          <a:prstGeom prst="rect">
+            <a:avLst/>
+          </a:prstGeom>
+          <a:noFill/>
+        </p:spPr>
+        <p:txBody>
+          <a:bodyPr wrap="none" rtlCol="0">
+            <a:spAutoFit/>
+          </a:bodyPr>
+          <a:p>
+            <a:pPr algn="l"/>
+            <a:r>
+              <a:rPr lang="en-US" altLang="zh-CN" sz="2800" b="1"/>
+              <a:t>1. </a:t>
+            </a:r>
+            <a:r>
+              <a:rPr lang="zh-CN" altLang="en-US" sz="2800" b="1"/>
+              <a:t>与</a:t>
+            </a:r>
+            <a:r>
+              <a:rPr lang="en-US" altLang="zh-CN" sz="2800" b="1"/>
+              <a:t> 2.x </a:t>
+            </a:r>
+            <a:r>
+              <a:rPr lang="zh-CN" altLang="en-US" sz="2800" b="1"/>
+              <a:t>的区别</a:t>
+            </a:r>
+            <a:endParaRPr lang="zh-CN" altLang="en-US" sz="2800" b="1"/>
+          </a:p>
+        </p:txBody>
+      </p:sp>
+    </p:spTree>
+  </p:cSld>
+  <p:clrMapOvr>
+    <a:masterClrMapping/>
+  </p:clrMapOvr>
+</p:sld>
+</file>
+
+<file path=ppt/slides/slide28.xml><?xml version="1.0" encoding="utf-8"?>
 <p:sld xmlns:a="http://schemas.openxmlformats.org/drawingml/2006/main" xmlns:r="http://schemas.openxmlformats.org/officeDocument/2006/relationships" xmlns:p="http://schemas.openxmlformats.org/presentationml/2006/main">
   <p:cSld>
     <p:bg>
@@ -10756,30 +13177,6 @@
           </a:p>
         </p:txBody>
       </p:sp>
-      <p:pic>
-        <p:nvPicPr>
-          <p:cNvPr id="4" name="图片 3" descr="ZN3I[A~YRSAI6[{6LA1W`LR"/>
-          <p:cNvPicPr>
-            <a:picLocks noChangeAspect="1"/>
-          </p:cNvPicPr>
-          <p:nvPr/>
-        </p:nvPicPr>
-        <p:blipFill>
-          <a:blip r:embed="rId1"/>
-          <a:stretch>
-            <a:fillRect/>
-          </a:stretch>
-        </p:blipFill>
-        <p:spPr>
-          <a:xfrm>
-            <a:off x="6718935" y="1685925"/>
-            <a:ext cx="6417945" cy="6370955"/>
-          </a:xfrm>
-          <a:prstGeom prst="rect">
-            <a:avLst/>
-          </a:prstGeom>
-        </p:spPr>
-      </p:pic>
       <p:grpSp>
         <p:nvGrpSpPr>
           <p:cNvPr id="13" name="组合 12"/>
@@ -10944,240 +13341,6 @@
           <a:p>
             <a:r>
               <a:rPr lang="zh-CN" altLang="en-US" sz="2000">
-                <a:hlinkClick r:id="rId2" action="ppaction://hlinkfile"/>
-              </a:rPr>
-              <a:t>参考链接</a:t>
-            </a:r>
-            <a:endParaRPr lang="zh-CN" altLang="en-US" sz="2000"/>
-          </a:p>
-        </p:txBody>
-      </p:sp>
-      <p:sp>
-        <p:nvSpPr>
-          <p:cNvPr id="8" name="文本框 7" descr="7b0a20202020227461726765744d6f64756c65223a202270726f636573734f6e6c696e65466f6e7473220a7d0a"/>
-          <p:cNvSpPr txBox="1"/>
-          <p:nvPr/>
-        </p:nvSpPr>
-        <p:spPr>
-          <a:xfrm>
-            <a:off x="10305415" y="184150"/>
-            <a:ext cx="1762125" cy="922020"/>
-          </a:xfrm>
-          <a:prstGeom prst="rect">
-            <a:avLst/>
-          </a:prstGeom>
-          <a:noFill/>
-        </p:spPr>
-        <p:txBody>
-          <a:bodyPr wrap="square" rtlCol="0">
-            <a:spAutoFit/>
-          </a:bodyPr>
-          <a:p>
-            <a:r>
-              <a:rPr lang="zh-CN" altLang="en-US" sz="5400" b="1">
-                <a:latin typeface="+mj-ea"/>
-                <a:ea typeface="+mj-ea"/>
-              </a:rPr>
-              <a:t>入门</a:t>
-            </a:r>
-            <a:endParaRPr lang="zh-CN" altLang="en-US" sz="5400" b="1">
-              <a:latin typeface="+mj-ea"/>
-              <a:ea typeface="+mj-ea"/>
-            </a:endParaRPr>
-          </a:p>
-        </p:txBody>
-      </p:sp>
-      <p:pic>
-        <p:nvPicPr>
-          <p:cNvPr id="7" name="图片 6" descr="0"/>
-          <p:cNvPicPr>
-            <a:picLocks noChangeAspect="1"/>
-          </p:cNvPicPr>
-          <p:nvPr>
-            <p:custDataLst>
-              <p:tags r:id="rId3"/>
-            </p:custDataLst>
-          </p:nvPr>
-        </p:nvPicPr>
-        <p:blipFill>
-          <a:blip r:embed="rId4"/>
-          <a:stretch>
-            <a:fillRect/>
-          </a:stretch>
-        </p:blipFill>
-        <p:spPr>
-          <a:xfrm rot="2520000">
-            <a:off x="-2587625" y="-3070225"/>
-            <a:ext cx="4406900" cy="5954395"/>
-          </a:xfrm>
-          <a:prstGeom prst="rect">
-            <a:avLst/>
-          </a:prstGeom>
-        </p:spPr>
-      </p:pic>
-      <p:sp>
-        <p:nvSpPr>
-          <p:cNvPr id="10" name="文本框 9" descr="7b0a20202020227461726765744d6f64756c65223a202270726f636573734f6e6c696e65466f6e7473220a7d0a"/>
-          <p:cNvSpPr txBox="1"/>
-          <p:nvPr/>
-        </p:nvSpPr>
-        <p:spPr>
-          <a:xfrm>
-            <a:off x="0" y="235585"/>
-            <a:ext cx="1402715" cy="922020"/>
-          </a:xfrm>
-          <a:prstGeom prst="rect">
-            <a:avLst/>
-          </a:prstGeom>
-          <a:noFill/>
-        </p:spPr>
-        <p:txBody>
-          <a:bodyPr wrap="square" rtlCol="0">
-            <a:spAutoFit/>
-          </a:bodyPr>
-          <a:p>
-            <a:pPr algn="ctr"/>
-            <a:r>
-              <a:rPr lang="en-US" altLang="zh-CN" sz="5400" b="1">
-                <a:solidFill>
-                  <a:schemeClr val="bg1"/>
-                </a:solidFill>
-                <a:latin typeface="+mj-ea"/>
-                <a:ea typeface="+mj-ea"/>
-              </a:rPr>
-              <a:t>2</a:t>
-            </a:r>
-            <a:endParaRPr lang="en-US" altLang="zh-CN" sz="5400" b="1">
-              <a:solidFill>
-                <a:schemeClr val="bg1"/>
-              </a:solidFill>
-              <a:latin typeface="+mj-ea"/>
-              <a:ea typeface="+mj-ea"/>
-            </a:endParaRPr>
-          </a:p>
-        </p:txBody>
-      </p:sp>
-    </p:spTree>
-  </p:cSld>
-  <p:clrMapOvr>
-    <a:masterClrMapping/>
-  </p:clrMapOvr>
-</p:sld>
-</file>
-
-<file path=ppt/slides/slide8.xml><?xml version="1.0" encoding="utf-8"?>
-<p:sld xmlns:a="http://schemas.openxmlformats.org/drawingml/2006/main" xmlns:r="http://schemas.openxmlformats.org/officeDocument/2006/relationships" xmlns:p="http://schemas.openxmlformats.org/presentationml/2006/main">
-  <p:cSld>
-    <p:spTree>
-      <p:nvGrpSpPr>
-        <p:cNvPr id="1" name=""/>
-        <p:cNvGrpSpPr/>
-        <p:nvPr/>
-      </p:nvGrpSpPr>
-      <p:grpSpPr/>
-      <p:sp>
-        <p:nvSpPr>
-          <p:cNvPr id="6" name="文本框 5"/>
-          <p:cNvSpPr txBox="1"/>
-          <p:nvPr/>
-        </p:nvSpPr>
-        <p:spPr>
-          <a:xfrm>
-            <a:off x="2317750" y="545465"/>
-            <a:ext cx="2812415" cy="706755"/>
-          </a:xfrm>
-          <a:prstGeom prst="rect">
-            <a:avLst/>
-          </a:prstGeom>
-          <a:noFill/>
-        </p:spPr>
-        <p:txBody>
-          <a:bodyPr wrap="none" rtlCol="0">
-            <a:spAutoFit/>
-          </a:bodyPr>
-          <a:p>
-            <a:pPr algn="l"/>
-            <a:r>
-              <a:rPr lang="en-US" altLang="zh-CN" sz="4000" b="1">
-                <a:latin typeface="+mn-ea"/>
-                <a:cs typeface="+mn-ea"/>
-                <a:sym typeface="+mn-ea"/>
-              </a:rPr>
-              <a:t>i18n</a:t>
-            </a:r>
-            <a:r>
-              <a:rPr lang="zh-CN" altLang="en-US" sz="4000" b="1">
-                <a:latin typeface="+mn-ea"/>
-                <a:cs typeface="+mn-ea"/>
-                <a:sym typeface="+mn-ea"/>
-              </a:rPr>
-              <a:t>的使用</a:t>
-            </a:r>
-            <a:endParaRPr lang="zh-CN" altLang="en-US" sz="4000" b="1">
-              <a:latin typeface="+mn-ea"/>
-              <a:cs typeface="+mn-ea"/>
-              <a:sym typeface="+mn-ea"/>
-            </a:endParaRPr>
-          </a:p>
-        </p:txBody>
-      </p:sp>
-      <p:sp>
-        <p:nvSpPr>
-          <p:cNvPr id="9" name="文本框 8"/>
-          <p:cNvSpPr txBox="1"/>
-          <p:nvPr/>
-        </p:nvSpPr>
-        <p:spPr>
-          <a:xfrm>
-            <a:off x="172720" y="2848610"/>
-            <a:ext cx="4957445" cy="521970"/>
-          </a:xfrm>
-          <a:prstGeom prst="rect">
-            <a:avLst/>
-          </a:prstGeom>
-          <a:noFill/>
-        </p:spPr>
-        <p:txBody>
-          <a:bodyPr wrap="square" rtlCol="0">
-            <a:spAutoFit/>
-          </a:bodyPr>
-          <a:p>
-            <a:pPr lvl="1"/>
-            <a:r>
-              <a:rPr lang="en-US" altLang="zh-CN" sz="2800" b="1"/>
-              <a:t>i18n</a:t>
-            </a:r>
-            <a:r>
-              <a:rPr lang="zh-CN" altLang="en-US" sz="2800" b="1"/>
-              <a:t>只能存在于插件根目录</a:t>
-            </a:r>
-            <a:endParaRPr lang="zh-CN" altLang="en-US" sz="2800" b="1"/>
-          </a:p>
-        </p:txBody>
-      </p:sp>
-      <p:sp>
-        <p:nvSpPr>
-          <p:cNvPr id="12" name="文本框 11"/>
-          <p:cNvSpPr txBox="1"/>
-          <p:nvPr/>
-        </p:nvSpPr>
-        <p:spPr>
-          <a:xfrm>
-            <a:off x="476885" y="6431915"/>
-            <a:ext cx="1198880" cy="398780"/>
-          </a:xfrm>
-          <a:prstGeom prst="rect">
-            <a:avLst/>
-          </a:prstGeom>
-          <a:noFill/>
-        </p:spPr>
-        <p:txBody>
-          <a:bodyPr wrap="none" rtlCol="0">
-            <a:spAutoFit/>
-          </a:bodyPr>
-          <a:p>
-            <a:r>
-              <a:rPr lang="zh-CN" altLang="en-US" sz="2000">
                 <a:hlinkClick r:id="rId1" action="ppaction://hlinkfile"/>
               </a:rPr>
               <a:t>参考链接</a:t>
@@ -11279,7 +13442,7 @@
                 <a:latin typeface="+mj-ea"/>
                 <a:ea typeface="+mj-ea"/>
               </a:rPr>
-              <a:t>3</a:t>
+              <a:t>2</a:t>
             </a:r>
             <a:endParaRPr lang="en-US" altLang="zh-CN" sz="5400" b="1">
               <a:solidFill>
@@ -11291,57 +13454,9 @@
           </a:p>
         </p:txBody>
       </p:sp>
-      <p:sp>
-        <p:nvSpPr>
-          <p:cNvPr id="3" name="文本框 2"/>
-          <p:cNvSpPr txBox="1"/>
-          <p:nvPr/>
-        </p:nvSpPr>
-        <p:spPr>
-          <a:xfrm>
-            <a:off x="172720" y="3846830"/>
-            <a:ext cx="4957445" cy="953135"/>
-          </a:xfrm>
-          <a:prstGeom prst="rect">
-            <a:avLst/>
-          </a:prstGeom>
-          <a:noFill/>
-        </p:spPr>
-        <p:txBody>
-          <a:bodyPr wrap="square" rtlCol="0">
-            <a:spAutoFit/>
-          </a:bodyPr>
-          <a:p>
-            <a:pPr lvl="1"/>
-            <a:r>
-              <a:rPr lang="en-US" altLang="zh-CN" sz="2800" b="1"/>
-              <a:t>i18n</a:t>
-            </a:r>
-            <a:r>
-              <a:rPr lang="zh-CN" altLang="en-US" sz="2800" b="1"/>
-              <a:t>目录下</a:t>
-            </a:r>
-            <a:r>
-              <a:rPr lang="zh-CN" altLang="en-US" sz="2800" b="1">
-                <a:sym typeface="+mn-ea"/>
-              </a:rPr>
-              <a:t>的文件名</a:t>
-            </a:r>
-            <a:r>
-              <a:rPr lang="zh-CN" altLang="en-US" sz="2800" b="1"/>
-              <a:t>只能</a:t>
-            </a:r>
-            <a:r>
-              <a:rPr lang="zh-CN" altLang="en-US" sz="2800" b="1"/>
-              <a:t>是语言代号</a:t>
-            </a:r>
-            <a:endParaRPr lang="zh-CN" altLang="en-US" sz="2800" b="1"/>
-          </a:p>
-        </p:txBody>
-      </p:sp>
       <p:pic>
         <p:nvPicPr>
-          <p:cNvPr id="14" name="图片 13" descr="6W{]XO~3PJF4D%D(QR[OX3U"/>
+          <p:cNvPr id="2" name="图片 1" descr="5SK[WI`~07PD`((W8{F%BF7"/>
           <p:cNvPicPr>
             <a:picLocks noChangeAspect="1"/>
           </p:cNvPicPr>
@@ -11355,32 +13470,8 @@
         </p:blipFill>
         <p:spPr>
           <a:xfrm>
-            <a:off x="6007735" y="4361815"/>
-            <a:ext cx="5802630" cy="2256790"/>
-          </a:xfrm>
-          <a:prstGeom prst="rect">
-            <a:avLst/>
-          </a:prstGeom>
-        </p:spPr>
-      </p:pic>
-      <p:pic>
-        <p:nvPicPr>
-          <p:cNvPr id="15" name="图片 14" descr="UZNX@FQI9I$NB{33A9J4XXI"/>
-          <p:cNvPicPr>
-            <a:picLocks noChangeAspect="1"/>
-          </p:cNvPicPr>
-          <p:nvPr/>
-        </p:nvPicPr>
-        <p:blipFill>
-          <a:blip r:embed="rId5"/>
-          <a:stretch>
-            <a:fillRect/>
-          </a:stretch>
-        </p:blipFill>
-        <p:spPr>
-          <a:xfrm>
-            <a:off x="6007735" y="1857375"/>
-            <a:ext cx="5826125" cy="2199640"/>
+            <a:off x="6718935" y="1685925"/>
+            <a:ext cx="6461125" cy="5137150"/>
           </a:xfrm>
           <a:prstGeom prst="rect">
             <a:avLst/>
@@ -11395,7 +13486,7 @@
 </p:sld>
 </file>
 
-<file path=ppt/slides/slide9.xml><?xml version="1.0" encoding="utf-8"?>
+<file path=ppt/slides/slide8.xml><?xml version="1.0" encoding="utf-8"?>
 <p:sld xmlns:a="http://schemas.openxmlformats.org/drawingml/2006/main" xmlns:r="http://schemas.openxmlformats.org/officeDocument/2006/relationships" xmlns:p="http://schemas.openxmlformats.org/presentationml/2006/main">
   <p:cSld>
     <p:spTree>
@@ -11460,7 +13551,7 @@
         <p:spPr>
           <a:xfrm>
             <a:off x="172720" y="2848610"/>
-            <a:ext cx="11395710" cy="460375"/>
+            <a:ext cx="4957445" cy="521970"/>
           </a:xfrm>
           <a:prstGeom prst="rect">
             <a:avLst/>
@@ -11474,10 +13565,14 @@
           <a:p>
             <a:pPr lvl="1"/>
             <a:r>
-              <a:rPr lang="zh-CN" altLang="en-US" sz="2400" b="1"/>
-              <a:t>脚本中使用：let str = Editor.I18n.t('first-panel.open_panel');</a:t>
-            </a:r>
-            <a:endParaRPr lang="zh-CN" altLang="en-US" sz="2400" b="1"/>
+              <a:rPr lang="en-US" altLang="zh-CN" sz="2800" b="1"/>
+              <a:t>i18n</a:t>
+            </a:r>
+            <a:r>
+              <a:rPr lang="zh-CN" altLang="en-US" sz="2800" b="1"/>
+              <a:t>只能存在于插件根目录</a:t>
+            </a:r>
+            <a:endParaRPr lang="zh-CN" altLang="en-US" sz="2800" b="1"/>
           </a:p>
         </p:txBody>
       </p:sp>
@@ -11605,6 +13700,332 @@
                 <a:latin typeface="+mj-ea"/>
                 <a:ea typeface="+mj-ea"/>
               </a:rPr>
+              <a:t>3</a:t>
+            </a:r>
+            <a:endParaRPr lang="en-US" altLang="zh-CN" sz="5400" b="1">
+              <a:solidFill>
+                <a:schemeClr val="bg1"/>
+              </a:solidFill>
+              <a:latin typeface="+mj-ea"/>
+              <a:ea typeface="+mj-ea"/>
+            </a:endParaRPr>
+          </a:p>
+        </p:txBody>
+      </p:sp>
+      <p:sp>
+        <p:nvSpPr>
+          <p:cNvPr id="3" name="文本框 2"/>
+          <p:cNvSpPr txBox="1"/>
+          <p:nvPr/>
+        </p:nvSpPr>
+        <p:spPr>
+          <a:xfrm>
+            <a:off x="172720" y="3846830"/>
+            <a:ext cx="4957445" cy="953135"/>
+          </a:xfrm>
+          <a:prstGeom prst="rect">
+            <a:avLst/>
+          </a:prstGeom>
+          <a:noFill/>
+        </p:spPr>
+        <p:txBody>
+          <a:bodyPr wrap="square" rtlCol="0">
+            <a:spAutoFit/>
+          </a:bodyPr>
+          <a:p>
+            <a:pPr lvl="1"/>
+            <a:r>
+              <a:rPr lang="en-US" altLang="zh-CN" sz="2800" b="1"/>
+              <a:t>i18n</a:t>
+            </a:r>
+            <a:r>
+              <a:rPr lang="zh-CN" altLang="en-US" sz="2800" b="1"/>
+              <a:t>目录下</a:t>
+            </a:r>
+            <a:r>
+              <a:rPr lang="zh-CN" altLang="en-US" sz="2800" b="1">
+                <a:sym typeface="+mn-ea"/>
+              </a:rPr>
+              <a:t>的文件名</a:t>
+            </a:r>
+            <a:r>
+              <a:rPr lang="zh-CN" altLang="en-US" sz="2800" b="1"/>
+              <a:t>只能</a:t>
+            </a:r>
+            <a:r>
+              <a:rPr lang="zh-CN" altLang="en-US" sz="2800" b="1"/>
+              <a:t>是语言代号</a:t>
+            </a:r>
+            <a:endParaRPr lang="zh-CN" altLang="en-US" sz="2800" b="1"/>
+          </a:p>
+        </p:txBody>
+      </p:sp>
+      <p:pic>
+        <p:nvPicPr>
+          <p:cNvPr id="14" name="图片 13" descr="6W{]XO~3PJF4D%D(QR[OX3U"/>
+          <p:cNvPicPr>
+            <a:picLocks noChangeAspect="1"/>
+          </p:cNvPicPr>
+          <p:nvPr/>
+        </p:nvPicPr>
+        <p:blipFill>
+          <a:blip r:embed="rId4"/>
+          <a:stretch>
+            <a:fillRect/>
+          </a:stretch>
+        </p:blipFill>
+        <p:spPr>
+          <a:xfrm>
+            <a:off x="6007735" y="4361815"/>
+            <a:ext cx="5802630" cy="2256790"/>
+          </a:xfrm>
+          <a:prstGeom prst="rect">
+            <a:avLst/>
+          </a:prstGeom>
+        </p:spPr>
+      </p:pic>
+      <p:pic>
+        <p:nvPicPr>
+          <p:cNvPr id="15" name="图片 14" descr="UZNX@FQI9I$NB{33A9J4XXI"/>
+          <p:cNvPicPr>
+            <a:picLocks noChangeAspect="1"/>
+          </p:cNvPicPr>
+          <p:nvPr/>
+        </p:nvPicPr>
+        <p:blipFill>
+          <a:blip r:embed="rId5"/>
+          <a:stretch>
+            <a:fillRect/>
+          </a:stretch>
+        </p:blipFill>
+        <p:spPr>
+          <a:xfrm>
+            <a:off x="6007735" y="1857375"/>
+            <a:ext cx="5826125" cy="2199640"/>
+          </a:xfrm>
+          <a:prstGeom prst="rect">
+            <a:avLst/>
+          </a:prstGeom>
+        </p:spPr>
+      </p:pic>
+    </p:spTree>
+  </p:cSld>
+  <p:clrMapOvr>
+    <a:masterClrMapping/>
+  </p:clrMapOvr>
+</p:sld>
+</file>
+
+<file path=ppt/slides/slide9.xml><?xml version="1.0" encoding="utf-8"?>
+<p:sld xmlns:a="http://schemas.openxmlformats.org/drawingml/2006/main" xmlns:r="http://schemas.openxmlformats.org/officeDocument/2006/relationships" xmlns:p="http://schemas.openxmlformats.org/presentationml/2006/main">
+  <p:cSld>
+    <p:spTree>
+      <p:nvGrpSpPr>
+        <p:cNvPr id="1" name=""/>
+        <p:cNvGrpSpPr/>
+        <p:nvPr/>
+      </p:nvGrpSpPr>
+      <p:grpSpPr/>
+      <p:sp>
+        <p:nvSpPr>
+          <p:cNvPr id="6" name="文本框 5"/>
+          <p:cNvSpPr txBox="1"/>
+          <p:nvPr/>
+        </p:nvSpPr>
+        <p:spPr>
+          <a:xfrm>
+            <a:off x="2317750" y="545465"/>
+            <a:ext cx="2812415" cy="706755"/>
+          </a:xfrm>
+          <a:prstGeom prst="rect">
+            <a:avLst/>
+          </a:prstGeom>
+          <a:noFill/>
+        </p:spPr>
+        <p:txBody>
+          <a:bodyPr wrap="none" rtlCol="0">
+            <a:spAutoFit/>
+          </a:bodyPr>
+          <a:p>
+            <a:pPr algn="l"/>
+            <a:r>
+              <a:rPr lang="en-US" altLang="zh-CN" sz="4000" b="1">
+                <a:latin typeface="+mn-ea"/>
+                <a:cs typeface="+mn-ea"/>
+                <a:sym typeface="+mn-ea"/>
+              </a:rPr>
+              <a:t>i18n</a:t>
+            </a:r>
+            <a:r>
+              <a:rPr lang="zh-CN" altLang="en-US" sz="4000" b="1">
+                <a:latin typeface="+mn-ea"/>
+                <a:cs typeface="+mn-ea"/>
+                <a:sym typeface="+mn-ea"/>
+              </a:rPr>
+              <a:t>的使用</a:t>
+            </a:r>
+            <a:endParaRPr lang="zh-CN" altLang="en-US" sz="4000" b="1">
+              <a:latin typeface="+mn-ea"/>
+              <a:cs typeface="+mn-ea"/>
+              <a:sym typeface="+mn-ea"/>
+            </a:endParaRPr>
+          </a:p>
+        </p:txBody>
+      </p:sp>
+      <p:sp>
+        <p:nvSpPr>
+          <p:cNvPr id="9" name="文本框 8"/>
+          <p:cNvSpPr txBox="1"/>
+          <p:nvPr/>
+        </p:nvSpPr>
+        <p:spPr>
+          <a:xfrm>
+            <a:off x="172720" y="2848610"/>
+            <a:ext cx="11395710" cy="460375"/>
+          </a:xfrm>
+          <a:prstGeom prst="rect">
+            <a:avLst/>
+          </a:prstGeom>
+          <a:noFill/>
+        </p:spPr>
+        <p:txBody>
+          <a:bodyPr wrap="square" rtlCol="0">
+            <a:spAutoFit/>
+          </a:bodyPr>
+          <a:p>
+            <a:pPr lvl="1"/>
+            <a:r>
+              <a:rPr lang="zh-CN" altLang="en-US" sz="2400" b="1"/>
+              <a:t>脚本中使用：let str = Editor.I18n.t('first-panel.open_panel');</a:t>
+            </a:r>
+            <a:endParaRPr lang="zh-CN" altLang="en-US" sz="2400" b="1"/>
+          </a:p>
+        </p:txBody>
+      </p:sp>
+      <p:sp>
+        <p:nvSpPr>
+          <p:cNvPr id="12" name="文本框 11"/>
+          <p:cNvSpPr txBox="1"/>
+          <p:nvPr/>
+        </p:nvSpPr>
+        <p:spPr>
+          <a:xfrm>
+            <a:off x="476885" y="6431915"/>
+            <a:ext cx="1198880" cy="398780"/>
+          </a:xfrm>
+          <a:prstGeom prst="rect">
+            <a:avLst/>
+          </a:prstGeom>
+          <a:noFill/>
+        </p:spPr>
+        <p:txBody>
+          <a:bodyPr wrap="none" rtlCol="0">
+            <a:spAutoFit/>
+          </a:bodyPr>
+          <a:p>
+            <a:r>
+              <a:rPr lang="zh-CN" altLang="en-US" sz="2000">
+                <a:hlinkClick r:id="rId1" action="ppaction://hlinkfile"/>
+              </a:rPr>
+              <a:t>参考链接</a:t>
+            </a:r>
+            <a:endParaRPr lang="zh-CN" altLang="en-US" sz="2000"/>
+          </a:p>
+        </p:txBody>
+      </p:sp>
+      <p:sp>
+        <p:nvSpPr>
+          <p:cNvPr id="8" name="文本框 7" descr="7b0a20202020227461726765744d6f64756c65223a202270726f636573734f6e6c696e65466f6e7473220a7d0a"/>
+          <p:cNvSpPr txBox="1"/>
+          <p:nvPr/>
+        </p:nvSpPr>
+        <p:spPr>
+          <a:xfrm>
+            <a:off x="10305415" y="184150"/>
+            <a:ext cx="1762125" cy="922020"/>
+          </a:xfrm>
+          <a:prstGeom prst="rect">
+            <a:avLst/>
+          </a:prstGeom>
+          <a:noFill/>
+        </p:spPr>
+        <p:txBody>
+          <a:bodyPr wrap="square" rtlCol="0">
+            <a:spAutoFit/>
+          </a:bodyPr>
+          <a:p>
+            <a:r>
+              <a:rPr lang="zh-CN" altLang="en-US" sz="5400" b="1">
+                <a:latin typeface="+mj-ea"/>
+                <a:ea typeface="+mj-ea"/>
+              </a:rPr>
+              <a:t>入门</a:t>
+            </a:r>
+            <a:endParaRPr lang="zh-CN" altLang="en-US" sz="5400" b="1">
+              <a:latin typeface="+mj-ea"/>
+              <a:ea typeface="+mj-ea"/>
+            </a:endParaRPr>
+          </a:p>
+        </p:txBody>
+      </p:sp>
+      <p:pic>
+        <p:nvPicPr>
+          <p:cNvPr id="7" name="图片 6" descr="0"/>
+          <p:cNvPicPr>
+            <a:picLocks noChangeAspect="1"/>
+          </p:cNvPicPr>
+          <p:nvPr>
+            <p:custDataLst>
+              <p:tags r:id="rId2"/>
+            </p:custDataLst>
+          </p:nvPr>
+        </p:nvPicPr>
+        <p:blipFill>
+          <a:blip r:embed="rId3"/>
+          <a:stretch>
+            <a:fillRect/>
+          </a:stretch>
+        </p:blipFill>
+        <p:spPr>
+          <a:xfrm rot="2520000">
+            <a:off x="-2587625" y="-3070225"/>
+            <a:ext cx="4406900" cy="5954395"/>
+          </a:xfrm>
+          <a:prstGeom prst="rect">
+            <a:avLst/>
+          </a:prstGeom>
+        </p:spPr>
+      </p:pic>
+      <p:sp>
+        <p:nvSpPr>
+          <p:cNvPr id="10" name="文本框 9" descr="7b0a20202020227461726765744d6f64756c65223a202270726f636573734f6e6c696e65466f6e7473220a7d0a"/>
+          <p:cNvSpPr txBox="1"/>
+          <p:nvPr/>
+        </p:nvSpPr>
+        <p:spPr>
+          <a:xfrm>
+            <a:off x="0" y="235585"/>
+            <a:ext cx="1402715" cy="922020"/>
+          </a:xfrm>
+          <a:prstGeom prst="rect">
+            <a:avLst/>
+          </a:prstGeom>
+          <a:noFill/>
+        </p:spPr>
+        <p:txBody>
+          <a:bodyPr wrap="square" rtlCol="0">
+            <a:spAutoFit/>
+          </a:bodyPr>
+          <a:p>
+            <a:pPr algn="ctr"/>
+            <a:r>
+              <a:rPr lang="en-US" altLang="zh-CN" sz="5400" b="1">
+                <a:solidFill>
+                  <a:schemeClr val="bg1"/>
+                </a:solidFill>
+                <a:latin typeface="+mj-ea"/>
+                <a:ea typeface="+mj-ea"/>
+              </a:rPr>
               <a:t>3.1</a:t>
             </a:r>
             <a:endParaRPr lang="en-US" altLang="zh-CN" sz="5400" b="1">
@@ -11712,6 +14133,32 @@
   <p:tag name="KSO_WM_UNIT_LAYERLEVEL" val="1"/>
   <p:tag name="KSO_WM_TAG_VERSION" val="1.0"/>
   <p:tag name="KSO_WM_BEAUTIFY_FLAG" val="#wm#"/>
+</p:tagLst>
+</file>
+
+<file path=ppt/tags/tag100.xml><?xml version="1.0" encoding="utf-8"?>
+<p:tagLst xmlns:p="http://schemas.openxmlformats.org/presentationml/2006/main">
+  <p:tag name="KSO_WM_UNIT_PLACING_PICTURE_USER_VIEWPORT" val="{&quot;height&quot;:9377,&quot;width&quot;:6940}"/>
+</p:tagLst>
+</file>
+
+<file path=ppt/tags/tag101.xml><?xml version="1.0" encoding="utf-8"?>
+<p:tagLst xmlns:p="http://schemas.openxmlformats.org/presentationml/2006/main">
+  <p:tag name="KSO_WM_UNIT_PLACING_PICTURE_USER_VIEWPORT" val="{&quot;height&quot;:9377,&quot;width&quot;:6940}"/>
+</p:tagLst>
+</file>
+
+<file path=ppt/tags/tag102.xml><?xml version="1.0" encoding="utf-8"?>
+<p:tagLst xmlns:p="http://schemas.openxmlformats.org/presentationml/2006/main">
+  <p:tag name="KSO_WM_BEAUTIFY_FLAG" val="#wm#"/>
+  <p:tag name="KSO_WM_TEMPLATE_CATEGORY" val="custom"/>
+  <p:tag name="KSO_WM_TEMPLATE_INDEX" val="20205176"/>
+</p:tagLst>
+</file>
+
+<file path=ppt/tags/tag103.xml><?xml version="1.0" encoding="utf-8"?>
+<p:tagLst xmlns:p="http://schemas.openxmlformats.org/presentationml/2006/main">
+  <p:tag name="COMMONDATA" val="eyJoZGlkIjoiMTVlZDdlNWYyNDcyNGFlYWVjZGY5NzgzOTUxZjhmNDkifQ=="/>
 </p:tagLst>
 </file>
 
@@ -12724,9 +15171,7 @@
 
 <file path=ppt/tags/tag93.xml><?xml version="1.0" encoding="utf-8"?>
 <p:tagLst xmlns:p="http://schemas.openxmlformats.org/presentationml/2006/main">
-  <p:tag name="KSO_WM_BEAUTIFY_FLAG" val="#wm#"/>
-  <p:tag name="KSO_WM_TEMPLATE_CATEGORY" val="custom"/>
-  <p:tag name="KSO_WM_TEMPLATE_INDEX" val="20205176"/>
+  <p:tag name="KSO_WM_UNIT_PLACING_PICTURE_USER_VIEWPORT" val="{&quot;height&quot;:9377,&quot;width&quot;:6940}"/>
 </p:tagLst>
 </file>
 
@@ -12737,12 +15182,6 @@
 </file>
 
 <file path=ppt/tags/tag95.xml><?xml version="1.0" encoding="utf-8"?>
-<p:tagLst xmlns:p="http://schemas.openxmlformats.org/presentationml/2006/main">
-  <p:tag name="KSO_WM_UNIT_PLACING_PICTURE_USER_VIEWPORT" val="{&quot;height&quot;:9377,&quot;width&quot;:6940}"/>
-</p:tagLst>
-</file>
-
-<file path=ppt/tags/tag96.xml><?xml version="1.0" encoding="utf-8"?>
 <p:tagLst xmlns:p="http://schemas.openxmlformats.org/presentationml/2006/main">
   <p:tag name="KSO_WM_BEAUTIFY_FLAG" val="#wm#"/>
   <p:tag name="KSO_WM_TEMPLATE_CATEGORY" val="custom"/>
@@ -12750,9 +15189,27 @@
 </p:tagLst>
 </file>
 
+<file path=ppt/tags/tag96.xml><?xml version="1.0" encoding="utf-8"?>
+<p:tagLst xmlns:p="http://schemas.openxmlformats.org/presentationml/2006/main">
+  <p:tag name="KSO_WM_UNIT_PLACING_PICTURE_USER_VIEWPORT" val="{&quot;height&quot;:9377,&quot;width&quot;:6940}"/>
+</p:tagLst>
+</file>
+
 <file path=ppt/tags/tag97.xml><?xml version="1.0" encoding="utf-8"?>
 <p:tagLst xmlns:p="http://schemas.openxmlformats.org/presentationml/2006/main">
-  <p:tag name="COMMONDATA" val="eyJoZGlkIjoiYzc0MDJmOGNhNjUwODE3OWUxMjk2YzgzMzk2ZDQ2NzIifQ=="/>
+  <p:tag name="KSO_WM_UNIT_PLACING_PICTURE_USER_VIEWPORT" val="{&quot;height&quot;:9377,&quot;width&quot;:6940}"/>
+</p:tagLst>
+</file>
+
+<file path=ppt/tags/tag98.xml><?xml version="1.0" encoding="utf-8"?>
+<p:tagLst xmlns:p="http://schemas.openxmlformats.org/presentationml/2006/main">
+  <p:tag name="KSO_WM_UNIT_PLACING_PICTURE_USER_VIEWPORT" val="{&quot;height&quot;:9377,&quot;width&quot;:6940}"/>
+</p:tagLst>
+</file>
+
+<file path=ppt/tags/tag99.xml><?xml version="1.0" encoding="utf-8"?>
+<p:tagLst xmlns:p="http://schemas.openxmlformats.org/presentationml/2006/main">
+  <p:tag name="KSO_WM_UNIT_PLACING_PICTURE_USER_VIEWPORT" val="{&quot;height&quot;:9377,&quot;width&quot;:6940}"/>
 </p:tagLst>
 </file>
 

--- a/doc/3.x插件开发.pptx
+++ b/doc/3.x插件开发.pptx
@@ -8,7 +8,7 @@
     <p:notesMasterId r:id="rId5"/>
   </p:notesMasterIdLst>
   <p:handoutMasterIdLst>
-    <p:handoutMasterId r:id="rId32"/>
+    <p:handoutMasterId r:id="rId33"/>
   </p:handoutMasterIdLst>
   <p:sldIdLst>
     <p:sldId id="257" r:id="rId3"/>
@@ -29,21 +29,22 @@
     <p:sldId id="280" r:id="rId19"/>
     <p:sldId id="282" r:id="rId20"/>
     <p:sldId id="283" r:id="rId21"/>
-    <p:sldId id="284" r:id="rId22"/>
-    <p:sldId id="289" r:id="rId23"/>
-    <p:sldId id="285" r:id="rId24"/>
-    <p:sldId id="286" r:id="rId25"/>
-    <p:sldId id="268" r:id="rId26"/>
-    <p:sldId id="306" r:id="rId27"/>
-    <p:sldId id="307" r:id="rId28"/>
-    <p:sldId id="308" r:id="rId29"/>
-    <p:sldId id="309" r:id="rId30"/>
-    <p:sldId id="269" r:id="rId31"/>
+    <p:sldId id="311" r:id="rId22"/>
+    <p:sldId id="284" r:id="rId23"/>
+    <p:sldId id="289" r:id="rId24"/>
+    <p:sldId id="285" r:id="rId25"/>
+    <p:sldId id="286" r:id="rId26"/>
+    <p:sldId id="268" r:id="rId27"/>
+    <p:sldId id="306" r:id="rId28"/>
+    <p:sldId id="307" r:id="rId29"/>
+    <p:sldId id="308" r:id="rId30"/>
+    <p:sldId id="309" r:id="rId31"/>
+    <p:sldId id="269" r:id="rId32"/>
   </p:sldIdLst>
   <p:sldSz cx="12192000" cy="6858000"/>
   <p:notesSz cx="6858000" cy="9144000"/>
   <p:custDataLst>
-    <p:tags r:id="rId37"/>
+    <p:tags r:id="rId38"/>
   </p:custDataLst>
   <p:defaultTextStyle>
     <a:defPPr>
@@ -146,6 +147,7 @@
 <file path=ppt/commentAuthors.xml><?xml version="1.0" encoding="utf-8"?>
 <p:cmAuthorLst xmlns:a="http://schemas.openxmlformats.org/drawingml/2006/main" xmlns:r="http://schemas.openxmlformats.org/officeDocument/2006/relationships" xmlns:p="http://schemas.openxmlformats.org/presentationml/2006/main">
   <p:cmAuthor id="1" name="Administrator" initials="A" lastIdx="20" clrIdx="0"/>
+  <p:cmAuthor id="2" name="12260" initials="1" lastIdx="1" clrIdx="1"/>
 </p:cmAuthorLst>
 </file>
 
@@ -233,7 +235,7 @@
 
 <file path=ppt/comments/comment16.xml><?xml version="1.0" encoding="utf-8"?>
 <p:cmLst xmlns:a="http://schemas.openxmlformats.org/drawingml/2006/main" xmlns:r="http://schemas.openxmlformats.org/officeDocument/2006/relationships" xmlns:p="http://schemas.openxmlformats.org/presentationml/2006/main">
-  <p:cm authorId="1" dt="2022-06-05T17:38:15.983" idx="20">
+  <p:cm authorId="2" dt="2022-12-11T16:52:43.209" idx="1">
     <p:pos x="2425" y="1338"/>
     <p:text>1. 首先是 inspector 不再需要在类上面使用 @inspector 装饰器，而是直接在 package,json 内定义 inspector 的组件名
 2. inspector 路径不再是 Vue.component 导出，而是面板的入口脚本</p:text>
@@ -1477,11 +1479,7 @@
         <p:txBody>
           <a:bodyPr/>
           <a:p>
-            <a:r>
-              <a:rPr lang="en-US" altLang="zh-CN"/>
-              <a:t>           </a:t>
-            </a:r>
-            <a:endParaRPr lang="en-US" altLang="zh-CN"/>
+            <a:endParaRPr lang="zh-CN" altLang="en-US"/>
           </a:p>
         </p:txBody>
       </p:sp>
@@ -1525,7 +1523,11 @@
         <p:txBody>
           <a:bodyPr/>
           <a:p>
-            <a:endParaRPr lang="zh-CN" altLang="en-US"/>
+            <a:r>
+              <a:rPr lang="en-US" altLang="zh-CN"/>
+              <a:t>           </a:t>
+            </a:r>
+            <a:endParaRPr lang="en-US" altLang="zh-CN"/>
           </a:p>
         </p:txBody>
       </p:sp>
@@ -1670,6 +1672,50 @@
 </file>
 
 <file path=ppt/notesSlides/notesSlide27.xml><?xml version="1.0" encoding="utf-8"?>
+<p:notes xmlns:a="http://schemas.openxmlformats.org/drawingml/2006/main" xmlns:r="http://schemas.openxmlformats.org/officeDocument/2006/relationships" xmlns:p="http://schemas.openxmlformats.org/presentationml/2006/main">
+  <p:cSld>
+    <p:spTree>
+      <p:nvGrpSpPr>
+        <p:cNvPr id="1" name=""/>
+        <p:cNvGrpSpPr/>
+        <p:nvPr/>
+      </p:nvGrpSpPr>
+      <p:grpSpPr/>
+      <p:sp>
+        <p:nvSpPr>
+          <p:cNvPr id="2" name="幻灯片图像占位符 1"/>
+          <p:cNvSpPr/>
+          <p:nvPr>
+            <p:ph type="sldImg" idx="2"/>
+          </p:nvPr>
+        </p:nvSpPr>
+        <p:spPr/>
+      </p:sp>
+      <p:sp>
+        <p:nvSpPr>
+          <p:cNvPr id="3" name="文本占位符 2"/>
+          <p:cNvSpPr/>
+          <p:nvPr>
+            <p:ph type="body" idx="3"/>
+          </p:nvPr>
+        </p:nvSpPr>
+        <p:spPr/>
+        <p:txBody>
+          <a:bodyPr/>
+          <a:p>
+            <a:endParaRPr lang="zh-CN" altLang="en-US"/>
+          </a:p>
+        </p:txBody>
+      </p:sp>
+    </p:spTree>
+  </p:cSld>
+  <p:clrMapOvr>
+    <a:masterClrMapping/>
+  </p:clrMapOvr>
+</p:notes>
+</file>
+
+<file path=ppt/notesSlides/notesSlide28.xml><?xml version="1.0" encoding="utf-8"?>
 <p:notes xmlns:a="http://schemas.openxmlformats.org/drawingml/2006/main" xmlns:r="http://schemas.openxmlformats.org/officeDocument/2006/relationships" xmlns:p="http://schemas.openxmlformats.org/presentationml/2006/main">
   <p:cSld>
     <p:spTree>
@@ -5131,12 +5177,13 @@
                 <a:cs typeface="微软雅黑" panose="020B0503020204020204" charset="-122"/>
                 <a:sym typeface="+mn-ea"/>
               </a:rPr>
-              <a:t>精通</a:t>
+              <a:t>进阶</a:t>
             </a:r>
             <a:endParaRPr lang="zh-CN" altLang="en-US">
               <a:latin typeface="微软雅黑" panose="020B0503020204020204" charset="-122"/>
               <a:ea typeface="微软雅黑" panose="020B0503020204020204" charset="-122"/>
               <a:cs typeface="微软雅黑" panose="020B0503020204020204" charset="-122"/>
+              <a:sym typeface="+mn-ea"/>
             </a:endParaRPr>
           </a:p>
         </p:txBody>
@@ -6014,8 +6061,8 @@
         </p:nvSpPr>
         <p:spPr>
           <a:xfrm>
-            <a:off x="-220345" y="3876040"/>
-            <a:ext cx="6692265" cy="460375"/>
+            <a:off x="-335915" y="3830320"/>
+            <a:ext cx="8068310" cy="460375"/>
           </a:xfrm>
           <a:prstGeom prst="rect">
             <a:avLst/>
@@ -6032,7 +6079,19 @@
               <a:rPr sz="2400" b="1">
                 <a:sym typeface="+mn-ea"/>
               </a:rPr>
-              <a:t>"path": "i18n:menu.panel/demo_part1"</a:t>
+              <a:t>"path": "i18n:menu.</a:t>
+            </a:r>
+            <a:r>
+              <a:rPr lang="en-US" sz="2400" b="1">
+                <a:sym typeface="+mn-ea"/>
+              </a:rPr>
+              <a:t>extension</a:t>
+            </a:r>
+            <a:r>
+              <a:rPr sz="2400" b="1">
+                <a:sym typeface="+mn-ea"/>
+              </a:rPr>
+              <a:t>/demo_part1"</a:t>
             </a:r>
             <a:endParaRPr sz="2400" b="1">
               <a:sym typeface="+mn-ea"/>
@@ -6048,7 +6107,7 @@
         </p:nvSpPr>
         <p:spPr>
           <a:xfrm>
-            <a:off x="-220345" y="4451985"/>
+            <a:off x="-335915" y="4406265"/>
             <a:ext cx="6481445" cy="460375"/>
           </a:xfrm>
           <a:prstGeom prst="rect">
@@ -6098,7 +6157,7 @@
             <a:pPr algn="l"/>
             <a:r>
               <a:rPr lang="zh-CN" altLang="en-US" sz="2400" b="1"/>
-              <a:t>菜单路径：面板</a:t>
+              <a:t>菜单路径：扩展</a:t>
             </a:r>
             <a:r>
               <a:rPr lang="en-US" altLang="zh-CN" sz="2400" b="1"/>
@@ -6142,9 +6201,51 @@
           </a:p>
         </p:txBody>
       </p:sp>
+      <p:sp>
+        <p:nvSpPr>
+          <p:cNvPr id="16" name="文本框 15"/>
+          <p:cNvSpPr txBox="1"/>
+          <p:nvPr/>
+        </p:nvSpPr>
+        <p:spPr>
+          <a:xfrm>
+            <a:off x="7303135" y="5671820"/>
+            <a:ext cx="3416300" cy="460375"/>
+          </a:xfrm>
+          <a:prstGeom prst="rect">
+            <a:avLst/>
+          </a:prstGeom>
+          <a:noFill/>
+        </p:spPr>
+        <p:txBody>
+          <a:bodyPr wrap="none" rtlCol="0">
+            <a:spAutoFit/>
+          </a:bodyPr>
+          <a:p>
+            <a:pPr algn="l"/>
+            <a:r>
+              <a:rPr lang="zh-CN" altLang="en-US" sz="2400" b="1"/>
+              <a:t>点击事件：</a:t>
+            </a:r>
+            <a:r>
+              <a:rPr lang="en-US" altLang="zh-CN" sz="2400" b="1"/>
+              <a:t> </a:t>
+            </a:r>
+            <a:r>
+              <a:rPr sz="2400" b="1">
+                <a:sym typeface="+mn-ea"/>
+              </a:rPr>
+              <a:t>open-panel</a:t>
+            </a:r>
+            <a:endParaRPr lang="zh-CN" altLang="en-US" sz="2400" b="1">
+              <a:sym typeface="+mn-ea"/>
+            </a:endParaRPr>
+          </a:p>
+        </p:txBody>
+      </p:sp>
       <p:pic>
         <p:nvPicPr>
-          <p:cNvPr id="12" name="图片 11" descr="3V}R)T@})%PZI``@725[7]8"/>
+          <p:cNvPr id="2" name="图片 1" descr="9X{JNOE[GOTGSH1`I7UG%UG"/>
           <p:cNvPicPr>
             <a:picLocks noChangeAspect="1"/>
           </p:cNvPicPr>
@@ -6159,55 +6260,13 @@
         <p:spPr>
           <a:xfrm>
             <a:off x="1849755" y="1563370"/>
-            <a:ext cx="6258560" cy="1678940"/>
+            <a:ext cx="5925820" cy="1654175"/>
           </a:xfrm>
           <a:prstGeom prst="rect">
             <a:avLst/>
           </a:prstGeom>
         </p:spPr>
       </p:pic>
-      <p:sp>
-        <p:nvSpPr>
-          <p:cNvPr id="16" name="文本框 15"/>
-          <p:cNvSpPr txBox="1"/>
-          <p:nvPr/>
-        </p:nvSpPr>
-        <p:spPr>
-          <a:xfrm>
-            <a:off x="7303135" y="5671820"/>
-            <a:ext cx="3416300" cy="460375"/>
-          </a:xfrm>
-          <a:prstGeom prst="rect">
-            <a:avLst/>
-          </a:prstGeom>
-          <a:noFill/>
-        </p:spPr>
-        <p:txBody>
-          <a:bodyPr wrap="none" rtlCol="0">
-            <a:spAutoFit/>
-          </a:bodyPr>
-          <a:p>
-            <a:pPr algn="l"/>
-            <a:r>
-              <a:rPr lang="zh-CN" altLang="en-US" sz="2400" b="1"/>
-              <a:t>点击事件：</a:t>
-            </a:r>
-            <a:r>
-              <a:rPr lang="en-US" altLang="zh-CN" sz="2400" b="1"/>
-              <a:t> </a:t>
-            </a:r>
-            <a:r>
-              <a:rPr sz="2400" b="1">
-                <a:sym typeface="+mn-ea"/>
-              </a:rPr>
-              <a:t>open-panel</a:t>
-            </a:r>
-            <a:endParaRPr lang="zh-CN" altLang="en-US" sz="2400" b="1">
-              <a:sym typeface="+mn-ea"/>
-            </a:endParaRPr>
-          </a:p>
-        </p:txBody>
-      </p:sp>
     </p:spTree>
   </p:cSld>
   <p:clrMapOvr>
@@ -8711,7 +8770,7 @@
         <p:spPr>
           <a:xfrm>
             <a:off x="2317750" y="545465"/>
-            <a:ext cx="3738880" cy="706755"/>
+            <a:ext cx="2214880" cy="706755"/>
           </a:xfrm>
           <a:prstGeom prst="rect">
             <a:avLst/>
@@ -8728,7 +8787,13 @@
               <a:rPr lang="zh-CN" altLang="en-US" sz="4000" b="1">
                 <a:sym typeface="+mn-ea"/>
               </a:rPr>
-              <a:t>配置系统的使用</a:t>
+              <a:t>场景</a:t>
+            </a:r>
+            <a:r>
+              <a:rPr lang="zh-CN" altLang="en-US" sz="4000" b="1">
+                <a:sym typeface="+mn-ea"/>
+              </a:rPr>
+              <a:t>脚本</a:t>
             </a:r>
             <a:endParaRPr lang="zh-CN" altLang="en-US" sz="4000" b="1">
               <a:sym typeface="+mn-ea"/>
@@ -8829,7 +8894,7 @@
                 <a:latin typeface="+mj-ea"/>
                 <a:ea typeface="+mj-ea"/>
               </a:rPr>
-              <a:t>7</a:t>
+              <a:t>6</a:t>
             </a:r>
             <a:endParaRPr lang="en-US" altLang="zh-CN" sz="5400" b="1">
               <a:solidFill>
@@ -8875,14 +8940,14 @@
       </p:sp>
       <p:sp>
         <p:nvSpPr>
-          <p:cNvPr id="5" name="文本框 4"/>
-          <p:cNvSpPr txBox="1"/>
-          <p:nvPr/>
-        </p:nvSpPr>
-        <p:spPr>
-          <a:xfrm>
-            <a:off x="1517650" y="2117090"/>
-            <a:ext cx="2621280" cy="460375"/>
+          <p:cNvPr id="11" name="文本框 10"/>
+          <p:cNvSpPr txBox="1"/>
+          <p:nvPr/>
+        </p:nvSpPr>
+        <p:spPr>
+          <a:xfrm>
+            <a:off x="1402715" y="2026920"/>
+            <a:ext cx="2316480" cy="460375"/>
           </a:xfrm>
           <a:prstGeom prst="rect">
             <a:avLst/>
@@ -8894,16 +8959,13 @@
             <a:spAutoFit/>
           </a:bodyPr>
           <a:p>
-            <a:pPr algn="l"/>
-            <a:r>
-              <a:rPr lang="zh-CN" altLang="en-US" sz="2400" b="1">
-                <a:sym typeface="+mn-ea"/>
-              </a:rPr>
-              <a:t>配置系统是</a:t>
-            </a:r>
             <a:r>
               <a:rPr lang="zh-CN" altLang="en-US" sz="2400" b="1"/>
-              <a:t>什么？</a:t>
+              <a:t>场景和渲染</a:t>
+            </a:r>
+            <a:r>
+              <a:rPr lang="zh-CN" altLang="en-US" sz="2400" b="1"/>
+              <a:t>进程</a:t>
             </a:r>
             <a:endParaRPr lang="zh-CN" altLang="en-US" sz="2400" b="1"/>
           </a:p>
@@ -8911,61 +8973,9 @@
       </p:sp>
       <p:sp>
         <p:nvSpPr>
-          <p:cNvPr id="9" name="文本框 8"/>
-          <p:cNvSpPr txBox="1"/>
-          <p:nvPr/>
-        </p:nvSpPr>
-        <p:spPr>
-          <a:xfrm>
-            <a:off x="1517650" y="3442335"/>
-            <a:ext cx="1402080" cy="460375"/>
-          </a:xfrm>
-          <a:prstGeom prst="rect">
-            <a:avLst/>
-          </a:prstGeom>
-          <a:noFill/>
-        </p:spPr>
-        <p:txBody>
-          <a:bodyPr wrap="none" rtlCol="0">
-            <a:spAutoFit/>
-          </a:bodyPr>
-          <a:p>
-            <a:pPr algn="l"/>
-            <a:r>
-              <a:rPr lang="zh-CN" altLang="en-US" sz="2400" b="1"/>
-              <a:t>简单使用</a:t>
-            </a:r>
-            <a:endParaRPr lang="zh-CN" altLang="en-US" sz="2400" b="1"/>
-          </a:p>
-        </p:txBody>
-      </p:sp>
-      <p:pic>
-        <p:nvPicPr>
-          <p:cNvPr id="12" name="图片 11" descr="8OBRV9D~8KLV7K0L`KX8TY4"/>
-          <p:cNvPicPr>
-            <a:picLocks noChangeAspect="1"/>
-          </p:cNvPicPr>
-          <p:nvPr/>
-        </p:nvPicPr>
-        <p:blipFill>
-          <a:blip r:embed="rId3"/>
-          <a:stretch>
-            <a:fillRect/>
-          </a:stretch>
-        </p:blipFill>
-        <p:spPr>
-          <a:xfrm>
-            <a:off x="1913255" y="4146550"/>
-            <a:ext cx="8392795" cy="1461135"/>
-          </a:xfrm>
-          <a:prstGeom prst="rect">
-            <a:avLst/>
-          </a:prstGeom>
-        </p:spPr>
-      </p:pic>
-      <p:sp>
-        <p:nvSpPr>
-          <p:cNvPr id="3" name="文本框 2"/>
+          <p:cNvPr id="3" name="文本框 2">
+            <a:hlinkClick r:id="rId3" action="ppaction://hlinkfile"/>
+          </p:cNvPr>
           <p:cNvSpPr txBox="1"/>
           <p:nvPr/>
         </p:nvSpPr>
@@ -8986,7 +8996,7 @@
           <a:p>
             <a:r>
               <a:rPr lang="zh-CN" altLang="en-US" sz="2000">
-                <a:hlinkClick r:id="rId4" action="ppaction://hlinkfile"/>
+                <a:hlinkClick r:id="rId3" action="ppaction://hlinkfile"/>
               </a:rPr>
               <a:t>参考链接</a:t>
             </a:r>
@@ -9325,7 +9335,7 @@
                 <a:latin typeface="+mj-ea"/>
                 <a:ea typeface="+mj-ea"/>
               </a:rPr>
-              <a:t>8</a:t>
+              <a:t>7</a:t>
             </a:r>
             <a:endParaRPr lang="en-US" altLang="zh-CN" sz="5400" b="1">
               <a:solidFill>
@@ -9392,8 +9402,44 @@
           <a:p>
             <a:pPr algn="l"/>
             <a:r>
+              <a:rPr lang="zh-CN" altLang="en-US" sz="2400" b="1">
+                <a:sym typeface="+mn-ea"/>
+              </a:rPr>
+              <a:t>配置系统是</a:t>
+            </a:r>
+            <a:r>
               <a:rPr lang="zh-CN" altLang="en-US" sz="2400" b="1"/>
-              <a:t>怎么配置默认值？</a:t>
+              <a:t>什么？</a:t>
+            </a:r>
+            <a:endParaRPr lang="zh-CN" altLang="en-US" sz="2400" b="1"/>
+          </a:p>
+        </p:txBody>
+      </p:sp>
+      <p:sp>
+        <p:nvSpPr>
+          <p:cNvPr id="9" name="文本框 8"/>
+          <p:cNvSpPr txBox="1"/>
+          <p:nvPr/>
+        </p:nvSpPr>
+        <p:spPr>
+          <a:xfrm>
+            <a:off x="1517650" y="3442335"/>
+            <a:ext cx="1402080" cy="460375"/>
+          </a:xfrm>
+          <a:prstGeom prst="rect">
+            <a:avLst/>
+          </a:prstGeom>
+          <a:noFill/>
+        </p:spPr>
+        <p:txBody>
+          <a:bodyPr wrap="none" rtlCol="0">
+            <a:spAutoFit/>
+          </a:bodyPr>
+          <a:p>
+            <a:pPr algn="l"/>
+            <a:r>
+              <a:rPr lang="zh-CN" altLang="en-US" sz="2400" b="1"/>
+              <a:t>简单使用</a:t>
             </a:r>
             <a:endParaRPr lang="zh-CN" altLang="en-US" sz="2400" b="1"/>
           </a:p>
@@ -9401,7 +9447,7 @@
       </p:sp>
       <p:pic>
         <p:nvPicPr>
-          <p:cNvPr id="2" name="图片 1" descr="RTPJ635ERW]~`79H7X(PS3F"/>
+          <p:cNvPr id="12" name="图片 11" descr="8OBRV9D~8KLV7K0L`KX8TY4"/>
           <p:cNvPicPr>
             <a:picLocks noChangeAspect="1"/>
           </p:cNvPicPr>
@@ -9415,14 +9461,45 @@
         </p:blipFill>
         <p:spPr>
           <a:xfrm>
-            <a:off x="1942465" y="3261360"/>
-            <a:ext cx="7877175" cy="3154045"/>
+            <a:off x="1913255" y="4146550"/>
+            <a:ext cx="8392795" cy="1461135"/>
           </a:xfrm>
           <a:prstGeom prst="rect">
             <a:avLst/>
           </a:prstGeom>
         </p:spPr>
       </p:pic>
+      <p:sp>
+        <p:nvSpPr>
+          <p:cNvPr id="3" name="文本框 2"/>
+          <p:cNvSpPr txBox="1"/>
+          <p:nvPr/>
+        </p:nvSpPr>
+        <p:spPr>
+          <a:xfrm>
+            <a:off x="476885" y="6431915"/>
+            <a:ext cx="1198880" cy="398780"/>
+          </a:xfrm>
+          <a:prstGeom prst="rect">
+            <a:avLst/>
+          </a:prstGeom>
+          <a:noFill/>
+        </p:spPr>
+        <p:txBody>
+          <a:bodyPr wrap="none" rtlCol="0">
+            <a:spAutoFit/>
+          </a:bodyPr>
+          <a:p>
+            <a:r>
+              <a:rPr lang="zh-CN" altLang="en-US" sz="2000">
+                <a:hlinkClick r:id="rId4" action="ppaction://hlinkfile"/>
+              </a:rPr>
+              <a:t>参考链接</a:t>
+            </a:r>
+            <a:endParaRPr lang="zh-CN" altLang="en-US" sz="2000"/>
+          </a:p>
+        </p:txBody>
+      </p:sp>
     </p:spTree>
   </p:cSld>
   <p:clrMapOvr>
@@ -9450,7 +9527,7 @@
         <p:spPr>
           <a:xfrm>
             <a:off x="2317750" y="545465"/>
-            <a:ext cx="2214880" cy="706755"/>
+            <a:ext cx="3738880" cy="706755"/>
           </a:xfrm>
           <a:prstGeom prst="rect">
             <a:avLst/>
@@ -9467,7 +9544,7 @@
               <a:rPr lang="zh-CN" altLang="en-US" sz="4000" b="1">
                 <a:sym typeface="+mn-ea"/>
               </a:rPr>
-              <a:t>插件编译</a:t>
+              <a:t>配置系统的使用</a:t>
             </a:r>
             <a:endParaRPr lang="zh-CN" altLang="en-US" sz="4000" b="1">
               <a:sym typeface="+mn-ea"/>
@@ -9568,7 +9645,7 @@
                 <a:latin typeface="+mj-ea"/>
                 <a:ea typeface="+mj-ea"/>
               </a:rPr>
-              <a:t>9</a:t>
+              <a:t>8</a:t>
             </a:r>
             <a:endParaRPr lang="en-US" altLang="zh-CN" sz="5400" b="1">
               <a:solidFill>
@@ -9580,9 +9657,71 @@
           </a:p>
         </p:txBody>
       </p:sp>
+      <p:sp>
+        <p:nvSpPr>
+          <p:cNvPr id="21" name="文本框 20"/>
+          <p:cNvSpPr txBox="1"/>
+          <p:nvPr/>
+        </p:nvSpPr>
+        <p:spPr>
+          <a:xfrm>
+            <a:off x="895350" y="1628140"/>
+            <a:ext cx="746760" cy="398780"/>
+          </a:xfrm>
+          <a:prstGeom prst="rect">
+            <a:avLst/>
+          </a:prstGeom>
+          <a:noFill/>
+        </p:spPr>
+        <p:txBody>
+          <a:bodyPr wrap="none" rtlCol="0">
+            <a:spAutoFit/>
+          </a:bodyPr>
+          <a:p>
+            <a:pPr algn="l"/>
+            <a:r>
+              <a:rPr lang="en-US" altLang="zh-CN" sz="2000" b="1"/>
+              <a:t>        </a:t>
+            </a:r>
+            <a:endParaRPr lang="zh-CN" altLang="en-US" sz="2000" b="1">
+              <a:sym typeface="+mn-ea"/>
+            </a:endParaRPr>
+          </a:p>
+        </p:txBody>
+      </p:sp>
+      <p:sp>
+        <p:nvSpPr>
+          <p:cNvPr id="5" name="文本框 4"/>
+          <p:cNvSpPr txBox="1"/>
+          <p:nvPr/>
+        </p:nvSpPr>
+        <p:spPr>
+          <a:xfrm>
+            <a:off x="1517650" y="2117090"/>
+            <a:ext cx="2621280" cy="460375"/>
+          </a:xfrm>
+          <a:prstGeom prst="rect">
+            <a:avLst/>
+          </a:prstGeom>
+          <a:noFill/>
+        </p:spPr>
+        <p:txBody>
+          <a:bodyPr wrap="none" rtlCol="0">
+            <a:spAutoFit/>
+          </a:bodyPr>
+          <a:p>
+            <a:pPr algn="l"/>
+            <a:r>
+              <a:rPr lang="zh-CN" altLang="en-US" sz="2400" b="1"/>
+              <a:t>怎么配置默认值？</a:t>
+            </a:r>
+            <a:endParaRPr lang="zh-CN" altLang="en-US" sz="2400" b="1"/>
+          </a:p>
+        </p:txBody>
+      </p:sp>
       <p:pic>
         <p:nvPicPr>
-          <p:cNvPr id="2" name="图片 1" descr="I$CWS}S(5@NZ{37E5OX$Q$3"/>
+          <p:cNvPr id="2" name="图片 1" descr="RTPJ635ERW]~`79H7X(PS3F"/>
           <p:cNvPicPr>
             <a:picLocks noChangeAspect="1"/>
           </p:cNvPicPr>
@@ -9596,140 +9735,14 @@
         </p:blipFill>
         <p:spPr>
           <a:xfrm>
-            <a:off x="6774815" y="1628140"/>
-            <a:ext cx="5101590" cy="4891405"/>
+            <a:off x="1942465" y="3261360"/>
+            <a:ext cx="7877175" cy="3154045"/>
           </a:xfrm>
           <a:prstGeom prst="rect">
             <a:avLst/>
           </a:prstGeom>
         </p:spPr>
       </p:pic>
-      <p:sp>
-        <p:nvSpPr>
-          <p:cNvPr id="5" name="文本框 4"/>
-          <p:cNvSpPr txBox="1"/>
-          <p:nvPr/>
-        </p:nvSpPr>
-        <p:spPr>
-          <a:xfrm>
-            <a:off x="885825" y="2606675"/>
-            <a:ext cx="4907915" cy="460375"/>
-          </a:xfrm>
-          <a:prstGeom prst="rect">
-            <a:avLst/>
-          </a:prstGeom>
-          <a:noFill/>
-        </p:spPr>
-        <p:txBody>
-          <a:bodyPr wrap="none" rtlCol="0">
-            <a:spAutoFit/>
-          </a:bodyPr>
-          <a:p>
-            <a:pPr algn="l"/>
-            <a:r>
-              <a:rPr lang="en-US" altLang="zh-CN" sz="2400" b="1"/>
-              <a:t>tsc</a:t>
-            </a:r>
-            <a:r>
-              <a:rPr lang="zh-CN" altLang="en-US" sz="2400" b="1"/>
-              <a:t>：</a:t>
-            </a:r>
-            <a:r>
-              <a:rPr lang="en-US" altLang="zh-CN" sz="2400" b="1"/>
-              <a:t>typescript </a:t>
-            </a:r>
-            <a:r>
-              <a:rPr lang="zh-CN" altLang="en-US" sz="2400" b="1"/>
-              <a:t>语言自己的编译器</a:t>
-            </a:r>
-            <a:endParaRPr lang="zh-CN" altLang="en-US" sz="2400" b="1"/>
-          </a:p>
-        </p:txBody>
-      </p:sp>
-      <p:sp>
-        <p:nvSpPr>
-          <p:cNvPr id="4" name="文本框 3"/>
-          <p:cNvSpPr txBox="1"/>
-          <p:nvPr/>
-        </p:nvSpPr>
-        <p:spPr>
-          <a:xfrm>
-            <a:off x="885825" y="3460115"/>
-            <a:ext cx="4601845" cy="460375"/>
-          </a:xfrm>
-          <a:prstGeom prst="rect">
-            <a:avLst/>
-          </a:prstGeom>
-          <a:noFill/>
-        </p:spPr>
-        <p:txBody>
-          <a:bodyPr wrap="none" rtlCol="0">
-            <a:spAutoFit/>
-          </a:bodyPr>
-          <a:p>
-            <a:pPr algn="l"/>
-            <a:r>
-              <a:rPr lang="en-US" altLang="zh-CN" sz="2400" b="1"/>
-              <a:t>tsc -b [tsconfig</a:t>
-            </a:r>
-            <a:r>
-              <a:rPr lang="zh-CN" altLang="en-US" sz="2400" b="1"/>
-              <a:t>所在目录</a:t>
-            </a:r>
-            <a:r>
-              <a:rPr lang="en-US" altLang="zh-CN" sz="2400" b="1"/>
-              <a:t>]</a:t>
-            </a:r>
-            <a:r>
-              <a:rPr lang="zh-CN" altLang="en-US" sz="2400" b="1"/>
-              <a:t>：编译</a:t>
-            </a:r>
-            <a:endParaRPr lang="zh-CN" altLang="en-US" sz="2400" b="1"/>
-          </a:p>
-        </p:txBody>
-      </p:sp>
-      <p:sp>
-        <p:nvSpPr>
-          <p:cNvPr id="9" name="文本框 8"/>
-          <p:cNvSpPr txBox="1"/>
-          <p:nvPr/>
-        </p:nvSpPr>
-        <p:spPr>
-          <a:xfrm>
-            <a:off x="885825" y="4313555"/>
-            <a:ext cx="5262245" cy="460375"/>
-          </a:xfrm>
-          <a:prstGeom prst="rect">
-            <a:avLst/>
-          </a:prstGeom>
-          <a:noFill/>
-        </p:spPr>
-        <p:txBody>
-          <a:bodyPr wrap="none" rtlCol="0">
-            <a:spAutoFit/>
-          </a:bodyPr>
-          <a:p>
-            <a:pPr algn="l"/>
-            <a:r>
-              <a:rPr lang="en-US" altLang="zh-CN" sz="2400" b="1"/>
-              <a:t>tsc -w [tsconfig</a:t>
-            </a:r>
-            <a:r>
-              <a:rPr lang="zh-CN" altLang="en-US" sz="2400" b="1"/>
-              <a:t>所在目录</a:t>
-            </a:r>
-            <a:r>
-              <a:rPr lang="en-US" altLang="zh-CN" sz="2400" b="1"/>
-              <a:t>]</a:t>
-            </a:r>
-            <a:r>
-              <a:rPr lang="zh-CN" altLang="en-US" sz="2400" b="1"/>
-              <a:t>：监听编译</a:t>
-            </a:r>
-            <a:endParaRPr lang="zh-CN" altLang="en-US" sz="2400" b="1"/>
-          </a:p>
-        </p:txBody>
-      </p:sp>
     </p:spTree>
   </p:cSld>
   <p:clrMapOvr>
@@ -9774,13 +9787,7 @@
               <a:rPr lang="zh-CN" altLang="en-US" sz="4000" b="1">
                 <a:sym typeface="+mn-ea"/>
               </a:rPr>
-              <a:t>发布</a:t>
-            </a:r>
-            <a:r>
-              <a:rPr lang="zh-CN" altLang="en-US" sz="4000" b="1">
-                <a:sym typeface="+mn-ea"/>
-              </a:rPr>
-              <a:t>插件</a:t>
+              <a:t>插件编译</a:t>
             </a:r>
             <a:endParaRPr lang="zh-CN" altLang="en-US" sz="4000" b="1">
               <a:sym typeface="+mn-ea"/>
@@ -9881,7 +9888,7 @@
                 <a:latin typeface="+mj-ea"/>
                 <a:ea typeface="+mj-ea"/>
               </a:rPr>
-              <a:t>10</a:t>
+              <a:t>9</a:t>
             </a:r>
             <a:endParaRPr lang="en-US" altLang="zh-CN" sz="5400" b="1">
               <a:solidFill>
@@ -9893,16 +9900,40 @@
           </a:p>
         </p:txBody>
       </p:sp>
-      <p:sp>
-        <p:nvSpPr>
-          <p:cNvPr id="21" name="文本框 20"/>
-          <p:cNvSpPr txBox="1"/>
-          <p:nvPr/>
-        </p:nvSpPr>
-        <p:spPr>
-          <a:xfrm>
-            <a:off x="895350" y="1628140"/>
-            <a:ext cx="746760" cy="398780"/>
+      <p:pic>
+        <p:nvPicPr>
+          <p:cNvPr id="2" name="图片 1" descr="I$CWS}S(5@NZ{37E5OX$Q$3"/>
+          <p:cNvPicPr>
+            <a:picLocks noChangeAspect="1"/>
+          </p:cNvPicPr>
+          <p:nvPr/>
+        </p:nvPicPr>
+        <p:blipFill>
+          <a:blip r:embed="rId3"/>
+          <a:stretch>
+            <a:fillRect/>
+          </a:stretch>
+        </p:blipFill>
+        <p:spPr>
+          <a:xfrm>
+            <a:off x="6774815" y="1628140"/>
+            <a:ext cx="5101590" cy="4891405"/>
+          </a:xfrm>
+          <a:prstGeom prst="rect">
+            <a:avLst/>
+          </a:prstGeom>
+        </p:spPr>
+      </p:pic>
+      <p:sp>
+        <p:nvSpPr>
+          <p:cNvPr id="5" name="文本框 4"/>
+          <p:cNvSpPr txBox="1"/>
+          <p:nvPr/>
+        </p:nvSpPr>
+        <p:spPr>
+          <a:xfrm>
+            <a:off x="885825" y="2606675"/>
+            <a:ext cx="4907915" cy="460375"/>
           </a:xfrm>
           <a:prstGeom prst="rect">
             <a:avLst/>
@@ -9916,25 +9947,35 @@
           <a:p>
             <a:pPr algn="l"/>
             <a:r>
-              <a:rPr lang="en-US" altLang="zh-CN" sz="2000" b="1"/>
-              <a:t>        </a:t>
-            </a:r>
-            <a:endParaRPr lang="zh-CN" altLang="en-US" sz="2000" b="1">
-              <a:sym typeface="+mn-ea"/>
-            </a:endParaRPr>
-          </a:p>
-        </p:txBody>
-      </p:sp>
-      <p:sp>
-        <p:nvSpPr>
-          <p:cNvPr id="3" name="文本框 2"/>
-          <p:cNvSpPr txBox="1"/>
-          <p:nvPr/>
-        </p:nvSpPr>
-        <p:spPr>
-          <a:xfrm>
-            <a:off x="476885" y="6431915"/>
-            <a:ext cx="1198880" cy="398780"/>
+              <a:rPr lang="en-US" altLang="zh-CN" sz="2400" b="1"/>
+              <a:t>tsc</a:t>
+            </a:r>
+            <a:r>
+              <a:rPr lang="zh-CN" altLang="en-US" sz="2400" b="1"/>
+              <a:t>：</a:t>
+            </a:r>
+            <a:r>
+              <a:rPr lang="en-US" altLang="zh-CN" sz="2400" b="1"/>
+              <a:t>typescript </a:t>
+            </a:r>
+            <a:r>
+              <a:rPr lang="zh-CN" altLang="en-US" sz="2400" b="1"/>
+              <a:t>语言自己的编译器</a:t>
+            </a:r>
+            <a:endParaRPr lang="zh-CN" altLang="en-US" sz="2400" b="1"/>
+          </a:p>
+        </p:txBody>
+      </p:sp>
+      <p:sp>
+        <p:nvSpPr>
+          <p:cNvPr id="4" name="文本框 3"/>
+          <p:cNvSpPr txBox="1"/>
+          <p:nvPr/>
+        </p:nvSpPr>
+        <p:spPr>
+          <a:xfrm>
+            <a:off x="885825" y="3460115"/>
+            <a:ext cx="4601845" cy="460375"/>
           </a:xfrm>
           <a:prstGeom prst="rect">
             <a:avLst/>
@@ -9946,26 +9987,37 @@
             <a:spAutoFit/>
           </a:bodyPr>
           <a:p>
-            <a:r>
-              <a:rPr lang="zh-CN" altLang="en-US" sz="2000">
-                <a:hlinkClick r:id="rId3" tooltip="" action="ppaction://hlinkfile"/>
-              </a:rPr>
-              <a:t>参考链接</a:t>
-            </a:r>
-            <a:endParaRPr lang="zh-CN" altLang="en-US" sz="2000"/>
-          </a:p>
-        </p:txBody>
-      </p:sp>
-      <p:sp>
-        <p:nvSpPr>
-          <p:cNvPr id="2" name="文本框 1"/>
-          <p:cNvSpPr txBox="1"/>
-          <p:nvPr/>
-        </p:nvSpPr>
-        <p:spPr>
-          <a:xfrm>
-            <a:off x="1517650" y="2117090"/>
-            <a:ext cx="3958590" cy="460375"/>
+            <a:pPr algn="l"/>
+            <a:r>
+              <a:rPr lang="en-US" altLang="zh-CN" sz="2400" b="1"/>
+              <a:t>tsc -b [tsconfig</a:t>
+            </a:r>
+            <a:r>
+              <a:rPr lang="zh-CN" altLang="en-US" sz="2400" b="1"/>
+              <a:t>所在目录</a:t>
+            </a:r>
+            <a:r>
+              <a:rPr lang="en-US" altLang="zh-CN" sz="2400" b="1"/>
+              <a:t>]</a:t>
+            </a:r>
+            <a:r>
+              <a:rPr lang="zh-CN" altLang="en-US" sz="2400" b="1"/>
+              <a:t>：编译</a:t>
+            </a:r>
+            <a:endParaRPr lang="zh-CN" altLang="en-US" sz="2400" b="1"/>
+          </a:p>
+        </p:txBody>
+      </p:sp>
+      <p:sp>
+        <p:nvSpPr>
+          <p:cNvPr id="9" name="文本框 8"/>
+          <p:cNvSpPr txBox="1"/>
+          <p:nvPr/>
+        </p:nvSpPr>
+        <p:spPr>
+          <a:xfrm>
+            <a:off x="885825" y="4313555"/>
+            <a:ext cx="5262245" cy="460375"/>
           </a:xfrm>
           <a:prstGeom prst="rect">
             <a:avLst/>
@@ -9980,155 +10032,19 @@
             <a:pPr algn="l"/>
             <a:r>
               <a:rPr lang="en-US" altLang="zh-CN" sz="2400" b="1"/>
-              <a:t>1. </a:t>
+              <a:t>tsc -w [tsconfig</a:t>
             </a:r>
             <a:r>
               <a:rPr lang="zh-CN" altLang="en-US" sz="2400" b="1"/>
-              <a:t>请仔细阅读发布</a:t>
+              <a:t>所在目录</a:t>
             </a:r>
             <a:r>
               <a:rPr lang="en-US" altLang="zh-CN" sz="2400" b="1"/>
-              <a:t> </a:t>
-            </a:r>
-            <a:r>
-              <a:rPr lang="zh-CN" altLang="en-US" sz="2400" b="1">
-                <a:hlinkClick r:id="rId4" tooltip="" action="ppaction://hlinkfile"/>
-              </a:rPr>
-              <a:t>插件规范</a:t>
-            </a:r>
-            <a:endParaRPr lang="zh-CN" altLang="en-US" sz="2400" b="1"/>
-          </a:p>
-        </p:txBody>
-      </p:sp>
-      <p:sp>
-        <p:nvSpPr>
-          <p:cNvPr id="4" name="文本框 3"/>
-          <p:cNvSpPr txBox="1"/>
-          <p:nvPr/>
-        </p:nvSpPr>
-        <p:spPr>
-          <a:xfrm>
-            <a:off x="1517650" y="2837815"/>
-            <a:ext cx="5144135" cy="460375"/>
-          </a:xfrm>
-          <a:prstGeom prst="rect">
-            <a:avLst/>
-          </a:prstGeom>
-          <a:noFill/>
-        </p:spPr>
-        <p:txBody>
-          <a:bodyPr wrap="none" rtlCol="0">
-            <a:spAutoFit/>
-          </a:bodyPr>
-          <a:p>
-            <a:pPr algn="l"/>
-            <a:r>
-              <a:rPr lang="en-US" altLang="zh-CN" sz="2400" b="1"/>
-              <a:t>2. </a:t>
+              <a:t>]</a:t>
             </a:r>
             <a:r>
               <a:rPr lang="zh-CN" altLang="en-US" sz="2400" b="1"/>
-              <a:t>确认无误后登陆</a:t>
-            </a:r>
-            <a:r>
-              <a:rPr lang="en-US" altLang="zh-CN" sz="2400" b="1"/>
-              <a:t> </a:t>
-            </a:r>
-            <a:r>
-              <a:rPr lang="en-US" altLang="zh-CN" sz="2400" b="1">
-                <a:hlinkClick r:id="rId5" tooltip="" action="ppaction://hlinkfile"/>
-              </a:rPr>
-              <a:t>cocos</a:t>
-            </a:r>
-            <a:r>
-              <a:rPr lang="zh-CN" altLang="en-US" sz="2400" b="1">
-                <a:hlinkClick r:id="rId5" tooltip="" action="ppaction://hlinkfile"/>
-              </a:rPr>
-              <a:t>开发者中心</a:t>
-            </a:r>
-            <a:endParaRPr lang="zh-CN" altLang="en-US" sz="2400" b="1"/>
-          </a:p>
-        </p:txBody>
-      </p:sp>
-      <p:sp>
-        <p:nvSpPr>
-          <p:cNvPr id="9" name="文本框 8"/>
-          <p:cNvSpPr txBox="1"/>
-          <p:nvPr/>
-        </p:nvSpPr>
-        <p:spPr>
-          <a:xfrm>
-            <a:off x="1517650" y="3558540"/>
-            <a:ext cx="5380355" cy="460375"/>
-          </a:xfrm>
-          <a:prstGeom prst="rect">
-            <a:avLst/>
-          </a:prstGeom>
-          <a:noFill/>
-        </p:spPr>
-        <p:txBody>
-          <a:bodyPr wrap="none" rtlCol="0">
-            <a:spAutoFit/>
-          </a:bodyPr>
-          <a:p>
-            <a:pPr algn="l"/>
-            <a:r>
-              <a:rPr lang="en-US" altLang="zh-CN" sz="2400" b="1"/>
-              <a:t>3. </a:t>
-            </a:r>
-            <a:r>
-              <a:rPr lang="zh-CN" altLang="en-US" sz="2400" b="1"/>
-              <a:t>点击商店</a:t>
-            </a:r>
-            <a:r>
-              <a:rPr lang="en-US" altLang="zh-CN" sz="2400" b="1"/>
-              <a:t> -&gt; </a:t>
-            </a:r>
-            <a:r>
-              <a:rPr lang="zh-CN" altLang="en-US" sz="2400" b="1"/>
-              <a:t>卖家中心</a:t>
-            </a:r>
-            <a:r>
-              <a:rPr lang="en-US" altLang="zh-CN" sz="2400" b="1"/>
-              <a:t> -&gt; </a:t>
-            </a:r>
-            <a:r>
-              <a:rPr lang="zh-CN" altLang="en-US" sz="2400" b="1"/>
-              <a:t>发布新资源</a:t>
-            </a:r>
-            <a:endParaRPr lang="zh-CN" altLang="en-US" sz="2400" b="1"/>
-          </a:p>
-        </p:txBody>
-      </p:sp>
-      <p:sp>
-        <p:nvSpPr>
-          <p:cNvPr id="11" name="文本框 10"/>
-          <p:cNvSpPr txBox="1"/>
-          <p:nvPr/>
-        </p:nvSpPr>
-        <p:spPr>
-          <a:xfrm>
-            <a:off x="1517650" y="4279265"/>
-            <a:ext cx="8446135" cy="460375"/>
-          </a:xfrm>
-          <a:prstGeom prst="rect">
-            <a:avLst/>
-          </a:prstGeom>
-          <a:noFill/>
-        </p:spPr>
-        <p:txBody>
-          <a:bodyPr wrap="none" rtlCol="0">
-            <a:spAutoFit/>
-          </a:bodyPr>
-          <a:p>
-            <a:pPr algn="l"/>
-            <a:r>
-              <a:rPr lang="en-US" altLang="zh-CN" sz="2400" b="1"/>
-              <a:t>4. </a:t>
-            </a:r>
-            <a:r>
-              <a:rPr lang="zh-CN" altLang="en-US" sz="2400" b="1"/>
-              <a:t>填写好后静待两三天审核时间，如有问题官方人员会联系你</a:t>
+              <a:t>：监听编译</a:t>
             </a:r>
             <a:endParaRPr lang="zh-CN" altLang="en-US" sz="2400" b="1"/>
           </a:p>
@@ -10143,6 +10059,410 @@
 </file>
 
 <file path=ppt/slides/slide23.xml><?xml version="1.0" encoding="utf-8"?>
+<p:sld xmlns:a="http://schemas.openxmlformats.org/drawingml/2006/main" xmlns:r="http://schemas.openxmlformats.org/officeDocument/2006/relationships" xmlns:p="http://schemas.openxmlformats.org/presentationml/2006/main">
+  <p:cSld>
+    <p:spTree>
+      <p:nvGrpSpPr>
+        <p:cNvPr id="1" name=""/>
+        <p:cNvGrpSpPr/>
+        <p:nvPr/>
+      </p:nvGrpSpPr>
+      <p:grpSpPr/>
+      <p:sp>
+        <p:nvSpPr>
+          <p:cNvPr id="6" name="文本框 5"/>
+          <p:cNvSpPr txBox="1"/>
+          <p:nvPr/>
+        </p:nvSpPr>
+        <p:spPr>
+          <a:xfrm>
+            <a:off x="2317750" y="545465"/>
+            <a:ext cx="2214880" cy="706755"/>
+          </a:xfrm>
+          <a:prstGeom prst="rect">
+            <a:avLst/>
+          </a:prstGeom>
+          <a:noFill/>
+        </p:spPr>
+        <p:txBody>
+          <a:bodyPr wrap="none" rtlCol="0">
+            <a:spAutoFit/>
+          </a:bodyPr>
+          <a:p>
+            <a:pPr algn="l"/>
+            <a:r>
+              <a:rPr lang="zh-CN" altLang="en-US" sz="4000" b="1">
+                <a:sym typeface="+mn-ea"/>
+              </a:rPr>
+              <a:t>发布</a:t>
+            </a:r>
+            <a:r>
+              <a:rPr lang="zh-CN" altLang="en-US" sz="4000" b="1">
+                <a:sym typeface="+mn-ea"/>
+              </a:rPr>
+              <a:t>插件</a:t>
+            </a:r>
+            <a:endParaRPr lang="zh-CN" altLang="en-US" sz="4000" b="1">
+              <a:sym typeface="+mn-ea"/>
+            </a:endParaRPr>
+          </a:p>
+        </p:txBody>
+      </p:sp>
+      <p:sp>
+        <p:nvSpPr>
+          <p:cNvPr id="8" name="文本框 7" descr="7b0a20202020227461726765744d6f64756c65223a202270726f636573734f6e6c696e65466f6e7473220a7d0a"/>
+          <p:cNvSpPr txBox="1"/>
+          <p:nvPr/>
+        </p:nvSpPr>
+        <p:spPr>
+          <a:xfrm>
+            <a:off x="10305415" y="184150"/>
+            <a:ext cx="1762125" cy="922020"/>
+          </a:xfrm>
+          <a:prstGeom prst="rect">
+            <a:avLst/>
+          </a:prstGeom>
+          <a:noFill/>
+        </p:spPr>
+        <p:txBody>
+          <a:bodyPr wrap="square" rtlCol="0">
+            <a:spAutoFit/>
+          </a:bodyPr>
+          <a:p>
+            <a:r>
+              <a:rPr lang="zh-CN" altLang="en-US" sz="5400" b="1">
+                <a:latin typeface="+mj-ea"/>
+                <a:ea typeface="+mj-ea"/>
+              </a:rPr>
+              <a:t>入门</a:t>
+            </a:r>
+            <a:endParaRPr lang="zh-CN" altLang="en-US" sz="5400" b="1">
+              <a:latin typeface="+mj-ea"/>
+              <a:ea typeface="+mj-ea"/>
+            </a:endParaRPr>
+          </a:p>
+        </p:txBody>
+      </p:sp>
+      <p:pic>
+        <p:nvPicPr>
+          <p:cNvPr id="7" name="图片 6" descr="0"/>
+          <p:cNvPicPr>
+            <a:picLocks noChangeAspect="1"/>
+          </p:cNvPicPr>
+          <p:nvPr>
+            <p:custDataLst>
+              <p:tags r:id="rId1"/>
+            </p:custDataLst>
+          </p:nvPr>
+        </p:nvPicPr>
+        <p:blipFill>
+          <a:blip r:embed="rId2"/>
+          <a:stretch>
+            <a:fillRect/>
+          </a:stretch>
+        </p:blipFill>
+        <p:spPr>
+          <a:xfrm rot="2520000">
+            <a:off x="-2587625" y="-3070225"/>
+            <a:ext cx="4406900" cy="5954395"/>
+          </a:xfrm>
+          <a:prstGeom prst="rect">
+            <a:avLst/>
+          </a:prstGeom>
+        </p:spPr>
+      </p:pic>
+      <p:sp>
+        <p:nvSpPr>
+          <p:cNvPr id="10" name="文本框 9" descr="7b0a20202020227461726765744d6f64756c65223a202270726f636573734f6e6c696e65466f6e7473220a7d0a"/>
+          <p:cNvSpPr txBox="1"/>
+          <p:nvPr/>
+        </p:nvSpPr>
+        <p:spPr>
+          <a:xfrm>
+            <a:off x="0" y="235585"/>
+            <a:ext cx="1402715" cy="922020"/>
+          </a:xfrm>
+          <a:prstGeom prst="rect">
+            <a:avLst/>
+          </a:prstGeom>
+          <a:noFill/>
+        </p:spPr>
+        <p:txBody>
+          <a:bodyPr wrap="square" rtlCol="0">
+            <a:spAutoFit/>
+          </a:bodyPr>
+          <a:p>
+            <a:pPr algn="ctr"/>
+            <a:r>
+              <a:rPr lang="en-US" altLang="zh-CN" sz="5400" b="1">
+                <a:solidFill>
+                  <a:schemeClr val="bg1"/>
+                </a:solidFill>
+                <a:latin typeface="+mj-ea"/>
+                <a:ea typeface="+mj-ea"/>
+              </a:rPr>
+              <a:t>10</a:t>
+            </a:r>
+            <a:endParaRPr lang="en-US" altLang="zh-CN" sz="5400" b="1">
+              <a:solidFill>
+                <a:schemeClr val="bg1"/>
+              </a:solidFill>
+              <a:latin typeface="+mj-ea"/>
+              <a:ea typeface="+mj-ea"/>
+            </a:endParaRPr>
+          </a:p>
+        </p:txBody>
+      </p:sp>
+      <p:sp>
+        <p:nvSpPr>
+          <p:cNvPr id="21" name="文本框 20"/>
+          <p:cNvSpPr txBox="1"/>
+          <p:nvPr/>
+        </p:nvSpPr>
+        <p:spPr>
+          <a:xfrm>
+            <a:off x="895350" y="1628140"/>
+            <a:ext cx="746760" cy="398780"/>
+          </a:xfrm>
+          <a:prstGeom prst="rect">
+            <a:avLst/>
+          </a:prstGeom>
+          <a:noFill/>
+        </p:spPr>
+        <p:txBody>
+          <a:bodyPr wrap="none" rtlCol="0">
+            <a:spAutoFit/>
+          </a:bodyPr>
+          <a:p>
+            <a:pPr algn="l"/>
+            <a:r>
+              <a:rPr lang="en-US" altLang="zh-CN" sz="2000" b="1"/>
+              <a:t>        </a:t>
+            </a:r>
+            <a:endParaRPr lang="zh-CN" altLang="en-US" sz="2000" b="1">
+              <a:sym typeface="+mn-ea"/>
+            </a:endParaRPr>
+          </a:p>
+        </p:txBody>
+      </p:sp>
+      <p:sp>
+        <p:nvSpPr>
+          <p:cNvPr id="3" name="文本框 2"/>
+          <p:cNvSpPr txBox="1"/>
+          <p:nvPr/>
+        </p:nvSpPr>
+        <p:spPr>
+          <a:xfrm>
+            <a:off x="476885" y="6431915"/>
+            <a:ext cx="1198880" cy="398780"/>
+          </a:xfrm>
+          <a:prstGeom prst="rect">
+            <a:avLst/>
+          </a:prstGeom>
+          <a:noFill/>
+        </p:spPr>
+        <p:txBody>
+          <a:bodyPr wrap="none" rtlCol="0">
+            <a:spAutoFit/>
+          </a:bodyPr>
+          <a:p>
+            <a:r>
+              <a:rPr lang="zh-CN" altLang="en-US" sz="2000">
+                <a:hlinkClick r:id="rId3" action="ppaction://hlinkfile"/>
+              </a:rPr>
+              <a:t>参考链接</a:t>
+            </a:r>
+            <a:endParaRPr lang="zh-CN" altLang="en-US" sz="2000"/>
+          </a:p>
+        </p:txBody>
+      </p:sp>
+      <p:sp>
+        <p:nvSpPr>
+          <p:cNvPr id="2" name="文本框 1"/>
+          <p:cNvSpPr txBox="1"/>
+          <p:nvPr/>
+        </p:nvSpPr>
+        <p:spPr>
+          <a:xfrm>
+            <a:off x="1517650" y="2117090"/>
+            <a:ext cx="3958590" cy="460375"/>
+          </a:xfrm>
+          <a:prstGeom prst="rect">
+            <a:avLst/>
+          </a:prstGeom>
+          <a:noFill/>
+        </p:spPr>
+        <p:txBody>
+          <a:bodyPr wrap="none" rtlCol="0">
+            <a:spAutoFit/>
+          </a:bodyPr>
+          <a:p>
+            <a:pPr algn="l"/>
+            <a:r>
+              <a:rPr lang="en-US" altLang="zh-CN" sz="2400" b="1"/>
+              <a:t>1. </a:t>
+            </a:r>
+            <a:r>
+              <a:rPr lang="zh-CN" altLang="en-US" sz="2400" b="1"/>
+              <a:t>请仔细阅读发布</a:t>
+            </a:r>
+            <a:r>
+              <a:rPr lang="en-US" altLang="zh-CN" sz="2400" b="1"/>
+              <a:t> </a:t>
+            </a:r>
+            <a:r>
+              <a:rPr lang="zh-CN" altLang="en-US" sz="2400" b="1">
+                <a:hlinkClick r:id="rId4" action="ppaction://hlinkfile"/>
+              </a:rPr>
+              <a:t>插件规范</a:t>
+            </a:r>
+            <a:endParaRPr lang="zh-CN" altLang="en-US" sz="2400" b="1"/>
+          </a:p>
+        </p:txBody>
+      </p:sp>
+      <p:sp>
+        <p:nvSpPr>
+          <p:cNvPr id="4" name="文本框 3"/>
+          <p:cNvSpPr txBox="1"/>
+          <p:nvPr/>
+        </p:nvSpPr>
+        <p:spPr>
+          <a:xfrm>
+            <a:off x="1517650" y="2837815"/>
+            <a:ext cx="5144135" cy="460375"/>
+          </a:xfrm>
+          <a:prstGeom prst="rect">
+            <a:avLst/>
+          </a:prstGeom>
+          <a:noFill/>
+        </p:spPr>
+        <p:txBody>
+          <a:bodyPr wrap="none" rtlCol="0">
+            <a:spAutoFit/>
+          </a:bodyPr>
+          <a:p>
+            <a:pPr algn="l"/>
+            <a:r>
+              <a:rPr lang="en-US" altLang="zh-CN" sz="2400" b="1"/>
+              <a:t>2. </a:t>
+            </a:r>
+            <a:r>
+              <a:rPr lang="zh-CN" altLang="en-US" sz="2400" b="1"/>
+              <a:t>确认无误后登陆</a:t>
+            </a:r>
+            <a:r>
+              <a:rPr lang="en-US" altLang="zh-CN" sz="2400" b="1"/>
+              <a:t> </a:t>
+            </a:r>
+            <a:r>
+              <a:rPr lang="en-US" altLang="zh-CN" sz="2400" b="1">
+                <a:hlinkClick r:id="rId5" action="ppaction://hlinkfile"/>
+              </a:rPr>
+              <a:t>cocos</a:t>
+            </a:r>
+            <a:r>
+              <a:rPr lang="zh-CN" altLang="en-US" sz="2400" b="1">
+                <a:hlinkClick r:id="rId5" action="ppaction://hlinkfile"/>
+              </a:rPr>
+              <a:t>开发者中心</a:t>
+            </a:r>
+            <a:endParaRPr lang="zh-CN" altLang="en-US" sz="2400" b="1"/>
+          </a:p>
+        </p:txBody>
+      </p:sp>
+      <p:sp>
+        <p:nvSpPr>
+          <p:cNvPr id="9" name="文本框 8"/>
+          <p:cNvSpPr txBox="1"/>
+          <p:nvPr/>
+        </p:nvSpPr>
+        <p:spPr>
+          <a:xfrm>
+            <a:off x="1517650" y="3558540"/>
+            <a:ext cx="5380355" cy="460375"/>
+          </a:xfrm>
+          <a:prstGeom prst="rect">
+            <a:avLst/>
+          </a:prstGeom>
+          <a:noFill/>
+        </p:spPr>
+        <p:txBody>
+          <a:bodyPr wrap="none" rtlCol="0">
+            <a:spAutoFit/>
+          </a:bodyPr>
+          <a:p>
+            <a:pPr algn="l"/>
+            <a:r>
+              <a:rPr lang="en-US" altLang="zh-CN" sz="2400" b="1"/>
+              <a:t>3. </a:t>
+            </a:r>
+            <a:r>
+              <a:rPr lang="zh-CN" altLang="en-US" sz="2400" b="1"/>
+              <a:t>点击商店</a:t>
+            </a:r>
+            <a:r>
+              <a:rPr lang="en-US" altLang="zh-CN" sz="2400" b="1"/>
+              <a:t> -&gt; </a:t>
+            </a:r>
+            <a:r>
+              <a:rPr lang="zh-CN" altLang="en-US" sz="2400" b="1"/>
+              <a:t>卖家中心</a:t>
+            </a:r>
+            <a:r>
+              <a:rPr lang="en-US" altLang="zh-CN" sz="2400" b="1"/>
+              <a:t> -&gt; </a:t>
+            </a:r>
+            <a:r>
+              <a:rPr lang="zh-CN" altLang="en-US" sz="2400" b="1"/>
+              <a:t>发布新资源</a:t>
+            </a:r>
+            <a:endParaRPr lang="zh-CN" altLang="en-US" sz="2400" b="1"/>
+          </a:p>
+        </p:txBody>
+      </p:sp>
+      <p:sp>
+        <p:nvSpPr>
+          <p:cNvPr id="11" name="文本框 10"/>
+          <p:cNvSpPr txBox="1"/>
+          <p:nvPr/>
+        </p:nvSpPr>
+        <p:spPr>
+          <a:xfrm>
+            <a:off x="1517650" y="4279265"/>
+            <a:ext cx="8446135" cy="460375"/>
+          </a:xfrm>
+          <a:prstGeom prst="rect">
+            <a:avLst/>
+          </a:prstGeom>
+          <a:noFill/>
+        </p:spPr>
+        <p:txBody>
+          <a:bodyPr wrap="none" rtlCol="0">
+            <a:spAutoFit/>
+          </a:bodyPr>
+          <a:p>
+            <a:pPr algn="l"/>
+            <a:r>
+              <a:rPr lang="en-US" altLang="zh-CN" sz="2400" b="1"/>
+              <a:t>4. </a:t>
+            </a:r>
+            <a:r>
+              <a:rPr lang="zh-CN" altLang="en-US" sz="2400" b="1"/>
+              <a:t>填写好后静待两三天审核时间，如有问题官方人员会联系你</a:t>
+            </a:r>
+            <a:endParaRPr lang="zh-CN" altLang="en-US" sz="2400" b="1"/>
+          </a:p>
+        </p:txBody>
+      </p:sp>
+    </p:spTree>
+  </p:cSld>
+  <p:clrMapOvr>
+    <a:masterClrMapping/>
+  </p:clrMapOvr>
+</p:sld>
+</file>
+
+<file path=ppt/slides/slide24.xml><?xml version="1.0" encoding="utf-8"?>
 <p:sld xmlns:a="http://schemas.openxmlformats.org/drawingml/2006/main" xmlns:r="http://schemas.openxmlformats.org/officeDocument/2006/relationships" xmlns:p="http://schemas.openxmlformats.org/presentationml/2006/main">
   <p:cSld>
     <p:bg>
@@ -10490,7 +10810,7 @@
 </p:sld>
 </file>
 
-<file path=ppt/slides/slide24.xml><?xml version="1.0" encoding="utf-8"?>
+<file path=ppt/slides/slide25.xml><?xml version="1.0" encoding="utf-8"?>
 <p:sld xmlns:a="http://schemas.openxmlformats.org/drawingml/2006/main" xmlns:r="http://schemas.openxmlformats.org/officeDocument/2006/relationships" xmlns:p="http://schemas.openxmlformats.org/presentationml/2006/main">
   <p:cSld>
     <p:spTree>
@@ -10715,7 +11035,7 @@
 </p:sld>
 </file>
 
-<file path=ppt/slides/slide25.xml><?xml version="1.0" encoding="utf-8"?>
+<file path=ppt/slides/slide26.xml><?xml version="1.0" encoding="utf-8"?>
 <p:sld xmlns:a="http://schemas.openxmlformats.org/drawingml/2006/main" xmlns:r="http://schemas.openxmlformats.org/officeDocument/2006/relationships" xmlns:p="http://schemas.openxmlformats.org/presentationml/2006/main">
   <p:cSld>
     <p:spTree>
@@ -10979,7 +11299,7 @@
           <a:p>
             <a:r>
               <a:rPr lang="zh-CN" altLang="en-US" sz="2000">
-                <a:hlinkClick r:id="rId3" tooltip="" action="ppaction://hlinkfile"/>
+                <a:hlinkClick r:id="rId3" action="ppaction://hlinkfile"/>
               </a:rPr>
               <a:t>参考链接</a:t>
             </a:r>
@@ -10995,7 +11315,7 @@
 </p:sld>
 </file>
 
-<file path=ppt/slides/slide26.xml><?xml version="1.0" encoding="utf-8"?>
+<file path=ppt/slides/slide27.xml><?xml version="1.0" encoding="utf-8"?>
 <p:sld xmlns:a="http://schemas.openxmlformats.org/drawingml/2006/main" xmlns:r="http://schemas.openxmlformats.org/officeDocument/2006/relationships" xmlns:p="http://schemas.openxmlformats.org/presentationml/2006/main">
   <p:cSld>
     <p:spTree>
@@ -11326,7 +11646,7 @@
 </p:sld>
 </file>
 
-<file path=ppt/slides/slide27.xml><?xml version="1.0" encoding="utf-8"?>
+<file path=ppt/slides/slide28.xml><?xml version="1.0" encoding="utf-8"?>
 <p:sld xmlns:a="http://schemas.openxmlformats.org/drawingml/2006/main" xmlns:r="http://schemas.openxmlformats.org/officeDocument/2006/relationships" xmlns:p="http://schemas.openxmlformats.org/presentationml/2006/main">
   <p:cSld>
     <p:spTree>
@@ -11531,7 +11851,7 @@
 </p:sld>
 </file>
 
-<file path=ppt/slides/slide28.xml><?xml version="1.0" encoding="utf-8"?>
+<file path=ppt/slides/slide29.xml><?xml version="1.0" encoding="utf-8"?>
 <p:sld xmlns:a="http://schemas.openxmlformats.org/drawingml/2006/main" xmlns:r="http://schemas.openxmlformats.org/officeDocument/2006/relationships" xmlns:p="http://schemas.openxmlformats.org/presentationml/2006/main">
   <p:cSld>
     <p:bg>
@@ -14150,15 +14470,22 @@
 
 <file path=ppt/tags/tag102.xml><?xml version="1.0" encoding="utf-8"?>
 <p:tagLst xmlns:p="http://schemas.openxmlformats.org/presentationml/2006/main">
+  <p:tag name="KSO_WM_UNIT_PLACING_PICTURE_USER_VIEWPORT" val="{&quot;height&quot;:9377,&quot;width&quot;:6940}"/>
+</p:tagLst>
+</file>
+
+<file path=ppt/tags/tag103.xml><?xml version="1.0" encoding="utf-8"?>
+<p:tagLst xmlns:p="http://schemas.openxmlformats.org/presentationml/2006/main">
   <p:tag name="KSO_WM_BEAUTIFY_FLAG" val="#wm#"/>
   <p:tag name="KSO_WM_TEMPLATE_CATEGORY" val="custom"/>
   <p:tag name="KSO_WM_TEMPLATE_INDEX" val="20205176"/>
 </p:tagLst>
 </file>
 
-<file path=ppt/tags/tag103.xml><?xml version="1.0" encoding="utf-8"?>
+<file path=ppt/tags/tag104.xml><?xml version="1.0" encoding="utf-8"?>
 <p:tagLst xmlns:p="http://schemas.openxmlformats.org/presentationml/2006/main">
-  <p:tag name="COMMONDATA" val="eyJoZGlkIjoiMTVlZDdlNWYyNDcyNGFlYWVjZGY5NzgzOTUxZjhmNDkifQ=="/>
+  <p:tag name="COMMONDATA" val="eyJoZGlkIjoiNmQxOTM1MjJmYzAzZDgxMzEzZjI2NTkwY2U0NjdmYWEifQ=="/>
+  <p:tag name="KSO_WPP_MARK_KEY" val="774c2250-f00d-4f19-9650-dba16a7f70a3"/>
 </p:tagLst>
 </file>
 
@@ -15183,15 +15510,15 @@
 
 <file path=ppt/tags/tag95.xml><?xml version="1.0" encoding="utf-8"?>
 <p:tagLst xmlns:p="http://schemas.openxmlformats.org/presentationml/2006/main">
+  <p:tag name="KSO_WM_UNIT_PLACING_PICTURE_USER_VIEWPORT" val="{&quot;height&quot;:9377,&quot;width&quot;:6940}"/>
+</p:tagLst>
+</file>
+
+<file path=ppt/tags/tag96.xml><?xml version="1.0" encoding="utf-8"?>
+<p:tagLst xmlns:p="http://schemas.openxmlformats.org/presentationml/2006/main">
   <p:tag name="KSO_WM_BEAUTIFY_FLAG" val="#wm#"/>
   <p:tag name="KSO_WM_TEMPLATE_CATEGORY" val="custom"/>
   <p:tag name="KSO_WM_TEMPLATE_INDEX" val="20205176"/>
-</p:tagLst>
-</file>
-
-<file path=ppt/tags/tag96.xml><?xml version="1.0" encoding="utf-8"?>
-<p:tagLst xmlns:p="http://schemas.openxmlformats.org/presentationml/2006/main">
-  <p:tag name="KSO_WM_UNIT_PLACING_PICTURE_USER_VIEWPORT" val="{&quot;height&quot;:9377,&quot;width&quot;:6940}"/>
 </p:tagLst>
 </file>
 

--- a/doc/3.x插件开发.pptx
+++ b/doc/3.x插件开发.pptx
@@ -8,7 +8,7 @@
     <p:notesMasterId r:id="rId5"/>
   </p:notesMasterIdLst>
   <p:handoutMasterIdLst>
-    <p:handoutMasterId r:id="rId33"/>
+    <p:handoutMasterId r:id="rId48"/>
   </p:handoutMasterIdLst>
   <p:sldIdLst>
     <p:sldId id="257" r:id="rId3"/>
@@ -25,26 +25,41 @@
     <p:sldId id="270" r:id="rId15"/>
     <p:sldId id="294" r:id="rId16"/>
     <p:sldId id="278" r:id="rId17"/>
-    <p:sldId id="279" r:id="rId18"/>
-    <p:sldId id="280" r:id="rId19"/>
-    <p:sldId id="282" r:id="rId20"/>
+    <p:sldId id="351" r:id="rId18"/>
+    <p:sldId id="279" r:id="rId19"/>
+    <p:sldId id="280" r:id="rId20"/>
     <p:sldId id="283" r:id="rId21"/>
-    <p:sldId id="311" r:id="rId22"/>
-    <p:sldId id="284" r:id="rId23"/>
-    <p:sldId id="289" r:id="rId24"/>
-    <p:sldId id="285" r:id="rId25"/>
-    <p:sldId id="286" r:id="rId26"/>
-    <p:sldId id="268" r:id="rId27"/>
-    <p:sldId id="306" r:id="rId28"/>
-    <p:sldId id="307" r:id="rId29"/>
-    <p:sldId id="308" r:id="rId30"/>
-    <p:sldId id="309" r:id="rId31"/>
-    <p:sldId id="269" r:id="rId32"/>
+    <p:sldId id="337" r:id="rId22"/>
+    <p:sldId id="339" r:id="rId23"/>
+    <p:sldId id="336" r:id="rId24"/>
+    <p:sldId id="311" r:id="rId25"/>
+    <p:sldId id="284" r:id="rId26"/>
+    <p:sldId id="289" r:id="rId27"/>
+    <p:sldId id="285" r:id="rId28"/>
+    <p:sldId id="286" r:id="rId29"/>
+    <p:sldId id="268" r:id="rId30"/>
+    <p:sldId id="306" r:id="rId31"/>
+    <p:sldId id="322" r:id="rId32"/>
+    <p:sldId id="327" r:id="rId33"/>
+    <p:sldId id="308" r:id="rId34"/>
+    <p:sldId id="309" r:id="rId35"/>
+    <p:sldId id="333" r:id="rId36"/>
+    <p:sldId id="334" r:id="rId37"/>
+    <p:sldId id="340" r:id="rId38"/>
+    <p:sldId id="342" r:id="rId39"/>
+    <p:sldId id="269" r:id="rId40"/>
+    <p:sldId id="343" r:id="rId41"/>
+    <p:sldId id="332" r:id="rId42"/>
+    <p:sldId id="344" r:id="rId43"/>
+    <p:sldId id="345" r:id="rId44"/>
+    <p:sldId id="347" r:id="rId45"/>
+    <p:sldId id="348" r:id="rId46"/>
+    <p:sldId id="350" r:id="rId47"/>
   </p:sldIdLst>
   <p:sldSz cx="12192000" cy="6858000"/>
   <p:notesSz cx="6858000" cy="9144000"/>
   <p:custDataLst>
-    <p:tags r:id="rId38"/>
+    <p:tags r:id="rId53"/>
   </p:custDataLst>
   <p:defaultTextStyle>
     <a:defPPr>
@@ -147,7 +162,7 @@
 <file path=ppt/commentAuthors.xml><?xml version="1.0" encoding="utf-8"?>
 <p:cmAuthorLst xmlns:a="http://schemas.openxmlformats.org/drawingml/2006/main" xmlns:r="http://schemas.openxmlformats.org/officeDocument/2006/relationships" xmlns:p="http://schemas.openxmlformats.org/presentationml/2006/main">
   <p:cmAuthor id="1" name="Administrator" initials="A" lastIdx="20" clrIdx="0"/>
-  <p:cmAuthor id="2" name="12260" initials="1" lastIdx="1" clrIdx="1"/>
+  <p:cmAuthor id="2" name="12260" initials="1" lastIdx="11" clrIdx="1"/>
 </p:cmAuthorLst>
 </file>
 
@@ -190,7 +205,7 @@
 <file path=ppt/comments/comment12.xml><?xml version="1.0" encoding="utf-8"?>
 <p:cmLst xmlns:a="http://schemas.openxmlformats.org/drawingml/2006/main" xmlns:r="http://schemas.openxmlformats.org/officeDocument/2006/relationships" xmlns:p="http://schemas.openxmlformats.org/presentationml/2006/main">
   <p:cm authorId="1" dt="2022-06-05T15:47:07.732" idx="14">
-    <p:pos x="885" y="3246"/>
+    <p:pos x="3771" y="1257"/>
     <p:text>第一步呢是检查我们的插件是否符合发布规范，其中插件菜单的位置，插件说明文档都在规范里说明了，接下来就直接按下以下步骤进行发布就行了</p:text>
   </p:cm>
 </p:cmLst>
@@ -198,33 +213,41 @@
 
 <file path=ppt/comments/comment13.xml><?xml version="1.0" encoding="utf-8"?>
 <p:cmLst xmlns:a="http://schemas.openxmlformats.org/drawingml/2006/main" xmlns:r="http://schemas.openxmlformats.org/officeDocument/2006/relationships" xmlns:p="http://schemas.openxmlformats.org/presentationml/2006/main">
-  <p:cm authorId="1" dt="2022-06-05T16:42:34.545" idx="15">
-    <p:pos x="4484" y="1845"/>
-    <p:text>其实我们的插件入口脚本就是由主进程启动，面板的入口脚本就是渲染进程启动，每个进程都是独立的，不能直接交互和通信.
-对于不清楚进程的人来说，经常犯的错误就是两个进程公用一份数据，但实际上是两个单独的数据</p:text>
+  <p:cm authorId="2" dt="2022-12-11T20:41:11.876" idx="5">
+    <p:pos x="4265" y="1831"/>
+    <p:text>其实我们的插件入口脚本（main）就是由主进程启动，面板的入口脚本（index）就是渲染进程启动，每个进程都是独立的，不能直接交互和通信.</p:text>
   </p:cm>
-  <p:cm authorId="1" dt="2022-06-05T16:41:06.081" idx="16">
+  <p:cm authorId="2" dt="2022-12-12T00:06:44.463" idx="3">
     <p:pos x="3506" y="2576"/>
     <p:text>1. 通过消息通信，Editor.Message.request 或者 Editor.Message.send
-2. 通过文件读写交互，用到的地方比较少</p:text>
+2. 使用 socket，但是很少有人这样做，麻烦</p:text>
   </p:cm>
 </p:cmLst>
 </file>
 
 <file path=ppt/comments/comment14.xml><?xml version="1.0" encoding="utf-8"?>
 <p:cmLst xmlns:a="http://schemas.openxmlformats.org/drawingml/2006/main" xmlns:r="http://schemas.openxmlformats.org/officeDocument/2006/relationships" xmlns:p="http://schemas.openxmlformats.org/presentationml/2006/main">
-  <p:cm authorId="1" dt="2022-06-05T16:46:24.566" idx="17">
-    <p:pos x="4931" y="1797"/>
-    <p:text>随着插件开发的深入，可能官方的插件 UI 组件库已经满足不了我们的需要，这时候就需要一个丰富而稳定的组件库，这就是 element plus，但实际上，我们在插件内按照官方文档正常使用最后展示是有问题的，这里我已经解决了这个问题</p:text>
+  <p:cm authorId="2" dt="2022-12-11T20:43:12.341" idx="6">
+    <p:pos x="4302" y="2384"/>
+    <p:text>这里经常犯的错就是认为自己使用的是同一份数据，其实是两份单独的数据，互不干扰</p:text>
   </p:cm>
-  <p:cm authorId="1" dt="2022-06-05T16:54:33.379" idx="18">
-    <p:pos x="4007" y="2709"/>
-    <p:text>其实我们如果想要 element plus 组件库展示正常，除了要在面板标签下 link css，还要在 head 标签下 link css，这里我给大家准备了一个插件模板，大家下来可以自行查看</p:text>
+  <p:cm authorId="2" dt="2022-12-11T20:45:35.428" idx="7">
+    <p:pos x="4104" y="3084"/>
+    <p:text>计算逻辑放在主进程会导致编辑器卡住，影响开发，最好放在插件的渲染进程，或者使用子进程</p:text>
   </p:cm>
 </p:cmLst>
 </file>
 
 <file path=ppt/comments/comment15.xml><?xml version="1.0" encoding="utf-8"?>
+<p:cmLst xmlns:a="http://schemas.openxmlformats.org/drawingml/2006/main" xmlns:r="http://schemas.openxmlformats.org/officeDocument/2006/relationships" xmlns:p="http://schemas.openxmlformats.org/presentationml/2006/main">
+  <p:cm authorId="2" dt="2022-12-11T20:59:38.197" idx="9">
+    <p:pos x="5281" y="982"/>
+    <p:text>随着插件开发的深入，可能官方的插件 UI 组件库已经满足不了我们的需要，这时候就需要一个丰富而稳定的组件库，这就是 element plus，但实际上，我们在插件内按照官方文档正常使用最后展示是有问题的，这里我已经解决了这个问题，可以参考链接2</p:text>
+  </p:cm>
+</p:cmLst>
+</file>
+
+<file path=ppt/comments/comment16.xml><?xml version="1.0" encoding="utf-8"?>
 <p:cmLst xmlns:a="http://schemas.openxmlformats.org/drawingml/2006/main" xmlns:r="http://schemas.openxmlformats.org/officeDocument/2006/relationships" xmlns:p="http://schemas.openxmlformats.org/presentationml/2006/main">
   <p:cm authorId="1" dt="2022-06-05T17:10:17.124" idx="19">
     <p:pos x="680" y="1374"/>
@@ -233,12 +256,31 @@
 </p:cmLst>
 </file>
 
-<file path=ppt/comments/comment16.xml><?xml version="1.0" encoding="utf-8"?>
+<file path=ppt/comments/comment17.xml><?xml version="1.0" encoding="utf-8"?>
 <p:cmLst xmlns:a="http://schemas.openxmlformats.org/drawingml/2006/main" xmlns:r="http://schemas.openxmlformats.org/officeDocument/2006/relationships" xmlns:p="http://schemas.openxmlformats.org/presentationml/2006/main">
-  <p:cm authorId="2" dt="2022-12-11T16:52:43.209" idx="1">
-    <p:pos x="2425" y="1338"/>
-    <p:text>1. 首先是 inspector 不再需要在类上面使用 @inspector 装饰器，而是直接在 package,json 内定义 inspector 的组件名
-2. inspector 路径不再是 Vue.component 导出，而是面板的入口脚本</p:text>
+  <p:cm authorId="2" dt="2022-12-11T21:29:44.590" idx="1">
+    <p:pos x="4305" y="1338"/>
+    <p:text>现在 inspector 扩展简单了很多，不需要2.x时期的装饰器声明，而是直接在 package.json 内定义 inspector 的组件名</p:text>
+  </p:cm>
+</p:cmLst>
+</file>
+
+<file path=ppt/comments/comment18.xml><?xml version="1.0" encoding="utf-8"?>
+<p:cmLst xmlns:a="http://schemas.openxmlformats.org/drawingml/2006/main" xmlns:r="http://schemas.openxmlformats.org/officeDocument/2006/relationships" xmlns:p="http://schemas.openxmlformats.org/presentationml/2006/main">
+  <p:cm authorId="2" dt="2022-12-11T21:48:36.491" idx="10">
+    <p:pos x="434" y="3282"/>
+    <p:text>使用消息系统虽然有点麻烦，
+但是编辑器内部也会靠这些消息来实现撤销，菜单状态修改的操作，所以最好使用此种方式
+</p:text>
+  </p:cm>
+</p:cmLst>
+</file>
+
+<file path=ppt/comments/comment19.xml><?xml version="1.0" encoding="utf-8"?>
+<p:cmLst xmlns:a="http://schemas.openxmlformats.org/drawingml/2006/main" xmlns:r="http://schemas.openxmlformats.org/officeDocument/2006/relationships" xmlns:p="http://schemas.openxmlformats.org/presentationml/2006/main">
+  <p:cm authorId="2" dt="2022-12-11T22:10:35.750" idx="10">
+    <p:pos x="6207" y="1273"/>
+    <p:text>在实际开发过程中，不同的插件经常需要实现相同的功能函数，那么我就可以使用同一份代码，通过 tsconfig 来引入</p:text>
   </p:cm>
 </p:cmLst>
 </file>
@@ -310,10 +352,10 @@
 
 <file path=ppt/comments/comment9.xml><?xml version="1.0" encoding="utf-8"?>
 <p:cmLst xmlns:a="http://schemas.openxmlformats.org/drawingml/2006/main" xmlns:r="http://schemas.openxmlformats.org/officeDocument/2006/relationships" xmlns:p="http://schemas.openxmlformats.org/presentationml/2006/main">
-  <p:cm authorId="1" dt="2022-06-05T14:52:02.748" idx="11">
+  <p:cm authorId="2" dt="2022-12-11T20:17:01.145" idx="2">
     <p:pos x="976" y="1085"/>
-    <p:text>简单来说配置系统就是文件读写器， 用于编辑器环境下的文件读写
-我们可以无需任何前提条件在脚本内使用，但是大家注意，我们没有写文件之前首次获取的值一定 undefined，那我们怎么配置默认值呢？</p:text>
+    <p:text>简单来说配置系统就是文件读写工具， 用于编辑器环境下的文件读写
+我们可以无需任何前提条件在脚本内使用，但是大家注意，我们没有写文件之前首次获取的值一定是 undefined，那我们怎么配置默认值呢？</p:text>
   </p:cm>
 </p:cmLst>
 </file>
@@ -1523,11 +1565,7 @@
         <p:txBody>
           <a:bodyPr/>
           <a:p>
-            <a:r>
-              <a:rPr lang="en-US" altLang="zh-CN"/>
-              <a:t>           </a:t>
-            </a:r>
-            <a:endParaRPr lang="en-US" altLang="zh-CN"/>
+            <a:endParaRPr lang="zh-CN" altLang="en-US"/>
           </a:p>
         </p:txBody>
       </p:sp>
@@ -1659,7 +1697,11 @@
         <p:txBody>
           <a:bodyPr/>
           <a:p>
-            <a:endParaRPr lang="zh-CN" altLang="en-US"/>
+            <a:r>
+              <a:rPr lang="en-US" altLang="zh-CN"/>
+              <a:t>           </a:t>
+            </a:r>
+            <a:endParaRPr lang="en-US" altLang="zh-CN"/>
           </a:p>
         </p:txBody>
       </p:sp>
@@ -1747,11 +1789,51 @@
         <p:txBody>
           <a:bodyPr/>
           <a:p>
-            <a:r>
-              <a:rPr lang="en-US" altLang="zh-CN"/>
-              <a:t>           </a:t>
-            </a:r>
-            <a:endParaRPr lang="en-US" altLang="zh-CN"/>
+            <a:endParaRPr lang="zh-CN" altLang="en-US"/>
+          </a:p>
+        </p:txBody>
+      </p:sp>
+    </p:spTree>
+  </p:cSld>
+  <p:clrMapOvr>
+    <a:masterClrMapping/>
+  </p:clrMapOvr>
+</p:notes>
+</file>
+
+<file path=ppt/notesSlides/notesSlide29.xml><?xml version="1.0" encoding="utf-8"?>
+<p:notes xmlns:a="http://schemas.openxmlformats.org/drawingml/2006/main" xmlns:r="http://schemas.openxmlformats.org/officeDocument/2006/relationships" xmlns:p="http://schemas.openxmlformats.org/presentationml/2006/main">
+  <p:cSld>
+    <p:spTree>
+      <p:nvGrpSpPr>
+        <p:cNvPr id="1" name=""/>
+        <p:cNvGrpSpPr/>
+        <p:nvPr/>
+      </p:nvGrpSpPr>
+      <p:grpSpPr/>
+      <p:sp>
+        <p:nvSpPr>
+          <p:cNvPr id="2" name="幻灯片图像占位符 1"/>
+          <p:cNvSpPr/>
+          <p:nvPr>
+            <p:ph type="sldImg" idx="2"/>
+          </p:nvPr>
+        </p:nvSpPr>
+        <p:spPr/>
+      </p:sp>
+      <p:sp>
+        <p:nvSpPr>
+          <p:cNvPr id="3" name="文本占位符 2"/>
+          <p:cNvSpPr/>
+          <p:nvPr>
+            <p:ph type="body" idx="3"/>
+          </p:nvPr>
+        </p:nvSpPr>
+        <p:spPr/>
+        <p:txBody>
+          <a:bodyPr/>
+          <a:p>
+            <a:endParaRPr lang="zh-CN" altLang="en-US"/>
           </a:p>
         </p:txBody>
       </p:sp>
@@ -1811,7 +1893,631 @@
 </p:notes>
 </file>
 
+<file path=ppt/notesSlides/notesSlide30.xml><?xml version="1.0" encoding="utf-8"?>
+<p:notes xmlns:a="http://schemas.openxmlformats.org/drawingml/2006/main" xmlns:r="http://schemas.openxmlformats.org/officeDocument/2006/relationships" xmlns:p="http://schemas.openxmlformats.org/presentationml/2006/main">
+  <p:cSld>
+    <p:spTree>
+      <p:nvGrpSpPr>
+        <p:cNvPr id="1" name=""/>
+        <p:cNvGrpSpPr/>
+        <p:nvPr/>
+      </p:nvGrpSpPr>
+      <p:grpSpPr/>
+      <p:sp>
+        <p:nvSpPr>
+          <p:cNvPr id="2" name="幻灯片图像占位符 1"/>
+          <p:cNvSpPr/>
+          <p:nvPr>
+            <p:ph type="sldImg" idx="2"/>
+          </p:nvPr>
+        </p:nvSpPr>
+        <p:spPr/>
+      </p:sp>
+      <p:sp>
+        <p:nvSpPr>
+          <p:cNvPr id="3" name="文本占位符 2"/>
+          <p:cNvSpPr/>
+          <p:nvPr>
+            <p:ph type="body" idx="3"/>
+          </p:nvPr>
+        </p:nvSpPr>
+        <p:spPr/>
+        <p:txBody>
+          <a:bodyPr/>
+          <a:p>
+            <a:endParaRPr lang="zh-CN" altLang="en-US"/>
+          </a:p>
+        </p:txBody>
+      </p:sp>
+    </p:spTree>
+  </p:cSld>
+  <p:clrMapOvr>
+    <a:masterClrMapping/>
+  </p:clrMapOvr>
+</p:notes>
+</file>
+
+<file path=ppt/notesSlides/notesSlide31.xml><?xml version="1.0" encoding="utf-8"?>
+<p:notes xmlns:a="http://schemas.openxmlformats.org/drawingml/2006/main" xmlns:r="http://schemas.openxmlformats.org/officeDocument/2006/relationships" xmlns:p="http://schemas.openxmlformats.org/presentationml/2006/main">
+  <p:cSld>
+    <p:spTree>
+      <p:nvGrpSpPr>
+        <p:cNvPr id="1" name=""/>
+        <p:cNvGrpSpPr/>
+        <p:nvPr/>
+      </p:nvGrpSpPr>
+      <p:grpSpPr/>
+      <p:sp>
+        <p:nvSpPr>
+          <p:cNvPr id="2" name="幻灯片图像占位符 1"/>
+          <p:cNvSpPr/>
+          <p:nvPr>
+            <p:ph type="sldImg" idx="2"/>
+          </p:nvPr>
+        </p:nvSpPr>
+        <p:spPr/>
+      </p:sp>
+      <p:sp>
+        <p:nvSpPr>
+          <p:cNvPr id="3" name="文本占位符 2"/>
+          <p:cNvSpPr/>
+          <p:nvPr>
+            <p:ph type="body" idx="3"/>
+          </p:nvPr>
+        </p:nvSpPr>
+        <p:spPr/>
+        <p:txBody>
+          <a:bodyPr/>
+          <a:p>
+            <a:endParaRPr lang="zh-CN" altLang="en-US"/>
+          </a:p>
+        </p:txBody>
+      </p:sp>
+    </p:spTree>
+  </p:cSld>
+  <p:clrMapOvr>
+    <a:masterClrMapping/>
+  </p:clrMapOvr>
+</p:notes>
+</file>
+
+<file path=ppt/notesSlides/notesSlide32.xml><?xml version="1.0" encoding="utf-8"?>
+<p:notes xmlns:a="http://schemas.openxmlformats.org/drawingml/2006/main" xmlns:r="http://schemas.openxmlformats.org/officeDocument/2006/relationships" xmlns:p="http://schemas.openxmlformats.org/presentationml/2006/main">
+  <p:cSld>
+    <p:spTree>
+      <p:nvGrpSpPr>
+        <p:cNvPr id="1" name=""/>
+        <p:cNvGrpSpPr/>
+        <p:nvPr/>
+      </p:nvGrpSpPr>
+      <p:grpSpPr/>
+      <p:sp>
+        <p:nvSpPr>
+          <p:cNvPr id="2" name="幻灯片图像占位符 1"/>
+          <p:cNvSpPr/>
+          <p:nvPr>
+            <p:ph type="sldImg" idx="2"/>
+          </p:nvPr>
+        </p:nvSpPr>
+        <p:spPr/>
+      </p:sp>
+      <p:sp>
+        <p:nvSpPr>
+          <p:cNvPr id="3" name="文本占位符 2"/>
+          <p:cNvSpPr/>
+          <p:nvPr>
+            <p:ph type="body" idx="3"/>
+          </p:nvPr>
+        </p:nvSpPr>
+        <p:spPr/>
+        <p:txBody>
+          <a:bodyPr/>
+          <a:p>
+            <a:endParaRPr lang="zh-CN" altLang="en-US"/>
+          </a:p>
+        </p:txBody>
+      </p:sp>
+    </p:spTree>
+  </p:cSld>
+  <p:clrMapOvr>
+    <a:masterClrMapping/>
+  </p:clrMapOvr>
+</p:notes>
+</file>
+
+<file path=ppt/notesSlides/notesSlide33.xml><?xml version="1.0" encoding="utf-8"?>
+<p:notes xmlns:a="http://schemas.openxmlformats.org/drawingml/2006/main" xmlns:r="http://schemas.openxmlformats.org/officeDocument/2006/relationships" xmlns:p="http://schemas.openxmlformats.org/presentationml/2006/main">
+  <p:cSld>
+    <p:spTree>
+      <p:nvGrpSpPr>
+        <p:cNvPr id="1" name=""/>
+        <p:cNvGrpSpPr/>
+        <p:nvPr/>
+      </p:nvGrpSpPr>
+      <p:grpSpPr/>
+      <p:sp>
+        <p:nvSpPr>
+          <p:cNvPr id="2" name="幻灯片图像占位符 1"/>
+          <p:cNvSpPr/>
+          <p:nvPr>
+            <p:ph type="sldImg" idx="2"/>
+          </p:nvPr>
+        </p:nvSpPr>
+        <p:spPr/>
+      </p:sp>
+      <p:sp>
+        <p:nvSpPr>
+          <p:cNvPr id="3" name="文本占位符 2"/>
+          <p:cNvSpPr/>
+          <p:nvPr>
+            <p:ph type="body" idx="3"/>
+          </p:nvPr>
+        </p:nvSpPr>
+        <p:spPr/>
+        <p:txBody>
+          <a:bodyPr/>
+          <a:p>
+            <a:endParaRPr lang="zh-CN" altLang="en-US"/>
+          </a:p>
+        </p:txBody>
+      </p:sp>
+    </p:spTree>
+  </p:cSld>
+  <p:clrMapOvr>
+    <a:masterClrMapping/>
+  </p:clrMapOvr>
+</p:notes>
+</file>
+
+<file path=ppt/notesSlides/notesSlide34.xml><?xml version="1.0" encoding="utf-8"?>
+<p:notes xmlns:a="http://schemas.openxmlformats.org/drawingml/2006/main" xmlns:r="http://schemas.openxmlformats.org/officeDocument/2006/relationships" xmlns:p="http://schemas.openxmlformats.org/presentationml/2006/main">
+  <p:cSld>
+    <p:spTree>
+      <p:nvGrpSpPr>
+        <p:cNvPr id="1" name=""/>
+        <p:cNvGrpSpPr/>
+        <p:nvPr/>
+      </p:nvGrpSpPr>
+      <p:grpSpPr/>
+      <p:sp>
+        <p:nvSpPr>
+          <p:cNvPr id="2" name="幻灯片图像占位符 1"/>
+          <p:cNvSpPr/>
+          <p:nvPr>
+            <p:ph type="sldImg" idx="2"/>
+          </p:nvPr>
+        </p:nvSpPr>
+        <p:spPr/>
+      </p:sp>
+      <p:sp>
+        <p:nvSpPr>
+          <p:cNvPr id="3" name="文本占位符 2"/>
+          <p:cNvSpPr/>
+          <p:nvPr>
+            <p:ph type="body" idx="3"/>
+          </p:nvPr>
+        </p:nvSpPr>
+        <p:spPr/>
+        <p:txBody>
+          <a:bodyPr/>
+          <a:p>
+            <a:endParaRPr lang="zh-CN" altLang="en-US"/>
+          </a:p>
+        </p:txBody>
+      </p:sp>
+    </p:spTree>
+  </p:cSld>
+  <p:clrMapOvr>
+    <a:masterClrMapping/>
+  </p:clrMapOvr>
+</p:notes>
+</file>
+
+<file path=ppt/notesSlides/notesSlide35.xml><?xml version="1.0" encoding="utf-8"?>
+<p:notes xmlns:a="http://schemas.openxmlformats.org/drawingml/2006/main" xmlns:r="http://schemas.openxmlformats.org/officeDocument/2006/relationships" xmlns:p="http://schemas.openxmlformats.org/presentationml/2006/main">
+  <p:cSld>
+    <p:spTree>
+      <p:nvGrpSpPr>
+        <p:cNvPr id="1" name=""/>
+        <p:cNvGrpSpPr/>
+        <p:nvPr/>
+      </p:nvGrpSpPr>
+      <p:grpSpPr/>
+      <p:sp>
+        <p:nvSpPr>
+          <p:cNvPr id="2" name="幻灯片图像占位符 1"/>
+          <p:cNvSpPr/>
+          <p:nvPr>
+            <p:ph type="sldImg" idx="2"/>
+          </p:nvPr>
+        </p:nvSpPr>
+        <p:spPr/>
+      </p:sp>
+      <p:sp>
+        <p:nvSpPr>
+          <p:cNvPr id="3" name="文本占位符 2"/>
+          <p:cNvSpPr/>
+          <p:nvPr>
+            <p:ph type="body" idx="3"/>
+          </p:nvPr>
+        </p:nvSpPr>
+        <p:spPr/>
+        <p:txBody>
+          <a:bodyPr/>
+          <a:p>
+            <a:endParaRPr lang="zh-CN" altLang="en-US"/>
+          </a:p>
+        </p:txBody>
+      </p:sp>
+    </p:spTree>
+  </p:cSld>
+  <p:clrMapOvr>
+    <a:masterClrMapping/>
+  </p:clrMapOvr>
+</p:notes>
+</file>
+
+<file path=ppt/notesSlides/notesSlide36.xml><?xml version="1.0" encoding="utf-8"?>
+<p:notes xmlns:a="http://schemas.openxmlformats.org/drawingml/2006/main" xmlns:r="http://schemas.openxmlformats.org/officeDocument/2006/relationships" xmlns:p="http://schemas.openxmlformats.org/presentationml/2006/main">
+  <p:cSld>
+    <p:spTree>
+      <p:nvGrpSpPr>
+        <p:cNvPr id="1" name=""/>
+        <p:cNvGrpSpPr/>
+        <p:nvPr/>
+      </p:nvGrpSpPr>
+      <p:grpSpPr/>
+      <p:sp>
+        <p:nvSpPr>
+          <p:cNvPr id="2" name="幻灯片图像占位符 1"/>
+          <p:cNvSpPr/>
+          <p:nvPr>
+            <p:ph type="sldImg" idx="2"/>
+          </p:nvPr>
+        </p:nvSpPr>
+        <p:spPr/>
+      </p:sp>
+      <p:sp>
+        <p:nvSpPr>
+          <p:cNvPr id="3" name="文本占位符 2"/>
+          <p:cNvSpPr/>
+          <p:nvPr>
+            <p:ph type="body" idx="3"/>
+          </p:nvPr>
+        </p:nvSpPr>
+        <p:spPr/>
+        <p:txBody>
+          <a:bodyPr/>
+          <a:p>
+            <a:r>
+              <a:rPr lang="en-US" altLang="zh-CN"/>
+              <a:t>           </a:t>
+            </a:r>
+            <a:endParaRPr lang="en-US" altLang="zh-CN"/>
+          </a:p>
+        </p:txBody>
+      </p:sp>
+    </p:spTree>
+  </p:cSld>
+  <p:clrMapOvr>
+    <a:masterClrMapping/>
+  </p:clrMapOvr>
+</p:notes>
+</file>
+
+<file path=ppt/notesSlides/notesSlide37.xml><?xml version="1.0" encoding="utf-8"?>
+<p:notes xmlns:a="http://schemas.openxmlformats.org/drawingml/2006/main" xmlns:r="http://schemas.openxmlformats.org/officeDocument/2006/relationships" xmlns:p="http://schemas.openxmlformats.org/presentationml/2006/main">
+  <p:cSld>
+    <p:spTree>
+      <p:nvGrpSpPr>
+        <p:cNvPr id="1" name=""/>
+        <p:cNvGrpSpPr/>
+        <p:nvPr/>
+      </p:nvGrpSpPr>
+      <p:grpSpPr/>
+      <p:sp>
+        <p:nvSpPr>
+          <p:cNvPr id="2" name="幻灯片图像占位符 1"/>
+          <p:cNvSpPr/>
+          <p:nvPr>
+            <p:ph type="sldImg" idx="2"/>
+          </p:nvPr>
+        </p:nvSpPr>
+        <p:spPr/>
+      </p:sp>
+      <p:sp>
+        <p:nvSpPr>
+          <p:cNvPr id="3" name="文本占位符 2"/>
+          <p:cNvSpPr/>
+          <p:nvPr>
+            <p:ph type="body" idx="3"/>
+          </p:nvPr>
+        </p:nvSpPr>
+        <p:spPr/>
+        <p:txBody>
+          <a:bodyPr/>
+          <a:p>
+            <a:endParaRPr lang="zh-CN" altLang="en-US"/>
+          </a:p>
+        </p:txBody>
+      </p:sp>
+    </p:spTree>
+  </p:cSld>
+  <p:clrMapOvr>
+    <a:masterClrMapping/>
+  </p:clrMapOvr>
+</p:notes>
+</file>
+
+<file path=ppt/notesSlides/notesSlide38.xml><?xml version="1.0" encoding="utf-8"?>
+<p:notes xmlns:a="http://schemas.openxmlformats.org/drawingml/2006/main" xmlns:r="http://schemas.openxmlformats.org/officeDocument/2006/relationships" xmlns:p="http://schemas.openxmlformats.org/presentationml/2006/main">
+  <p:cSld>
+    <p:spTree>
+      <p:nvGrpSpPr>
+        <p:cNvPr id="1" name=""/>
+        <p:cNvGrpSpPr/>
+        <p:nvPr/>
+      </p:nvGrpSpPr>
+      <p:grpSpPr/>
+      <p:sp>
+        <p:nvSpPr>
+          <p:cNvPr id="2" name="幻灯片图像占位符 1"/>
+          <p:cNvSpPr/>
+          <p:nvPr>
+            <p:ph type="sldImg" idx="2"/>
+          </p:nvPr>
+        </p:nvSpPr>
+        <p:spPr/>
+      </p:sp>
+      <p:sp>
+        <p:nvSpPr>
+          <p:cNvPr id="3" name="文本占位符 2"/>
+          <p:cNvSpPr/>
+          <p:nvPr>
+            <p:ph type="body" idx="3"/>
+          </p:nvPr>
+        </p:nvSpPr>
+        <p:spPr/>
+        <p:txBody>
+          <a:bodyPr/>
+          <a:p>
+            <a:endParaRPr lang="zh-CN" altLang="en-US"/>
+          </a:p>
+        </p:txBody>
+      </p:sp>
+    </p:spTree>
+  </p:cSld>
+  <p:clrMapOvr>
+    <a:masterClrMapping/>
+  </p:clrMapOvr>
+</p:notes>
+</file>
+
+<file path=ppt/notesSlides/notesSlide39.xml><?xml version="1.0" encoding="utf-8"?>
+<p:notes xmlns:a="http://schemas.openxmlformats.org/drawingml/2006/main" xmlns:r="http://schemas.openxmlformats.org/officeDocument/2006/relationships" xmlns:p="http://schemas.openxmlformats.org/presentationml/2006/main">
+  <p:cSld>
+    <p:spTree>
+      <p:nvGrpSpPr>
+        <p:cNvPr id="1" name=""/>
+        <p:cNvGrpSpPr/>
+        <p:nvPr/>
+      </p:nvGrpSpPr>
+      <p:grpSpPr/>
+      <p:sp>
+        <p:nvSpPr>
+          <p:cNvPr id="2" name="幻灯片图像占位符 1"/>
+          <p:cNvSpPr/>
+          <p:nvPr>
+            <p:ph type="sldImg" idx="2"/>
+          </p:nvPr>
+        </p:nvSpPr>
+        <p:spPr/>
+      </p:sp>
+      <p:sp>
+        <p:nvSpPr>
+          <p:cNvPr id="3" name="文本占位符 2"/>
+          <p:cNvSpPr/>
+          <p:nvPr>
+            <p:ph type="body" idx="3"/>
+          </p:nvPr>
+        </p:nvSpPr>
+        <p:spPr/>
+        <p:txBody>
+          <a:bodyPr/>
+          <a:p>
+            <a:endParaRPr lang="zh-CN" altLang="en-US"/>
+          </a:p>
+        </p:txBody>
+      </p:sp>
+    </p:spTree>
+  </p:cSld>
+  <p:clrMapOvr>
+    <a:masterClrMapping/>
+  </p:clrMapOvr>
+</p:notes>
+</file>
+
 <file path=ppt/notesSlides/notesSlide4.xml><?xml version="1.0" encoding="utf-8"?>
+<p:notes xmlns:a="http://schemas.openxmlformats.org/drawingml/2006/main" xmlns:r="http://schemas.openxmlformats.org/officeDocument/2006/relationships" xmlns:p="http://schemas.openxmlformats.org/presentationml/2006/main">
+  <p:cSld>
+    <p:spTree>
+      <p:nvGrpSpPr>
+        <p:cNvPr id="1" name=""/>
+        <p:cNvGrpSpPr/>
+        <p:nvPr/>
+      </p:nvGrpSpPr>
+      <p:grpSpPr/>
+      <p:sp>
+        <p:nvSpPr>
+          <p:cNvPr id="2" name="幻灯片图像占位符 1"/>
+          <p:cNvSpPr/>
+          <p:nvPr>
+            <p:ph type="sldImg" idx="2"/>
+          </p:nvPr>
+        </p:nvSpPr>
+        <p:spPr/>
+      </p:sp>
+      <p:sp>
+        <p:nvSpPr>
+          <p:cNvPr id="3" name="文本占位符 2"/>
+          <p:cNvSpPr/>
+          <p:nvPr>
+            <p:ph type="body" idx="3"/>
+          </p:nvPr>
+        </p:nvSpPr>
+        <p:spPr/>
+        <p:txBody>
+          <a:bodyPr/>
+          <a:p>
+            <a:r>
+              <a:rPr lang="en-US" altLang="zh-CN"/>
+              <a:t>           </a:t>
+            </a:r>
+            <a:endParaRPr lang="en-US" altLang="zh-CN"/>
+          </a:p>
+        </p:txBody>
+      </p:sp>
+    </p:spTree>
+  </p:cSld>
+  <p:clrMapOvr>
+    <a:masterClrMapping/>
+  </p:clrMapOvr>
+</p:notes>
+</file>
+
+<file path=ppt/notesSlides/notesSlide40.xml><?xml version="1.0" encoding="utf-8"?>
+<p:notes xmlns:a="http://schemas.openxmlformats.org/drawingml/2006/main" xmlns:r="http://schemas.openxmlformats.org/officeDocument/2006/relationships" xmlns:p="http://schemas.openxmlformats.org/presentationml/2006/main">
+  <p:cSld>
+    <p:spTree>
+      <p:nvGrpSpPr>
+        <p:cNvPr id="1" name=""/>
+        <p:cNvGrpSpPr/>
+        <p:nvPr/>
+      </p:nvGrpSpPr>
+      <p:grpSpPr/>
+      <p:sp>
+        <p:nvSpPr>
+          <p:cNvPr id="2" name="幻灯片图像占位符 1"/>
+          <p:cNvSpPr/>
+          <p:nvPr>
+            <p:ph type="sldImg" idx="2"/>
+          </p:nvPr>
+        </p:nvSpPr>
+        <p:spPr/>
+      </p:sp>
+      <p:sp>
+        <p:nvSpPr>
+          <p:cNvPr id="3" name="文本占位符 2"/>
+          <p:cNvSpPr/>
+          <p:nvPr>
+            <p:ph type="body" idx="3"/>
+          </p:nvPr>
+        </p:nvSpPr>
+        <p:spPr/>
+        <p:txBody>
+          <a:bodyPr/>
+          <a:p>
+            <a:endParaRPr lang="zh-CN" altLang="en-US"/>
+          </a:p>
+        </p:txBody>
+      </p:sp>
+    </p:spTree>
+  </p:cSld>
+  <p:clrMapOvr>
+    <a:masterClrMapping/>
+  </p:clrMapOvr>
+</p:notes>
+</file>
+
+<file path=ppt/notesSlides/notesSlide41.xml><?xml version="1.0" encoding="utf-8"?>
+<p:notes xmlns:a="http://schemas.openxmlformats.org/drawingml/2006/main" xmlns:r="http://schemas.openxmlformats.org/officeDocument/2006/relationships" xmlns:p="http://schemas.openxmlformats.org/presentationml/2006/main">
+  <p:cSld>
+    <p:spTree>
+      <p:nvGrpSpPr>
+        <p:cNvPr id="1" name=""/>
+        <p:cNvGrpSpPr/>
+        <p:nvPr/>
+      </p:nvGrpSpPr>
+      <p:grpSpPr/>
+      <p:sp>
+        <p:nvSpPr>
+          <p:cNvPr id="2" name="幻灯片图像占位符 1"/>
+          <p:cNvSpPr/>
+          <p:nvPr>
+            <p:ph type="sldImg" idx="2"/>
+          </p:nvPr>
+        </p:nvSpPr>
+        <p:spPr/>
+      </p:sp>
+      <p:sp>
+        <p:nvSpPr>
+          <p:cNvPr id="3" name="文本占位符 2"/>
+          <p:cNvSpPr/>
+          <p:nvPr>
+            <p:ph type="body" idx="3"/>
+          </p:nvPr>
+        </p:nvSpPr>
+        <p:spPr/>
+        <p:txBody>
+          <a:bodyPr/>
+          <a:p>
+            <a:endParaRPr lang="zh-CN" altLang="en-US"/>
+          </a:p>
+        </p:txBody>
+      </p:sp>
+    </p:spTree>
+  </p:cSld>
+  <p:clrMapOvr>
+    <a:masterClrMapping/>
+  </p:clrMapOvr>
+</p:notes>
+</file>
+
+<file path=ppt/notesSlides/notesSlide42.xml><?xml version="1.0" encoding="utf-8"?>
+<p:notes xmlns:a="http://schemas.openxmlformats.org/drawingml/2006/main" xmlns:r="http://schemas.openxmlformats.org/officeDocument/2006/relationships" xmlns:p="http://schemas.openxmlformats.org/presentationml/2006/main">
+  <p:cSld>
+    <p:spTree>
+      <p:nvGrpSpPr>
+        <p:cNvPr id="1" name=""/>
+        <p:cNvGrpSpPr/>
+        <p:nvPr/>
+      </p:nvGrpSpPr>
+      <p:grpSpPr/>
+      <p:sp>
+        <p:nvSpPr>
+          <p:cNvPr id="2" name="幻灯片图像占位符 1"/>
+          <p:cNvSpPr/>
+          <p:nvPr>
+            <p:ph type="sldImg" idx="2"/>
+          </p:nvPr>
+        </p:nvSpPr>
+        <p:spPr/>
+      </p:sp>
+      <p:sp>
+        <p:nvSpPr>
+          <p:cNvPr id="3" name="文本占位符 2"/>
+          <p:cNvSpPr/>
+          <p:nvPr>
+            <p:ph type="body" idx="3"/>
+          </p:nvPr>
+        </p:nvSpPr>
+        <p:spPr/>
+        <p:txBody>
+          <a:bodyPr/>
+          <a:p>
+            <a:endParaRPr lang="zh-CN" altLang="en-US"/>
+          </a:p>
+        </p:txBody>
+      </p:sp>
+    </p:spTree>
+  </p:cSld>
+  <p:clrMapOvr>
+    <a:masterClrMapping/>
+  </p:clrMapOvr>
+</p:notes>
+</file>
+
+<file path=ppt/notesSlides/notesSlide43.xml><?xml version="1.0" encoding="utf-8"?>
 <p:notes xmlns:a="http://schemas.openxmlformats.org/drawingml/2006/main" xmlns:r="http://schemas.openxmlformats.org/officeDocument/2006/relationships" xmlns:p="http://schemas.openxmlformats.org/presentationml/2006/main">
   <p:cSld>
     <p:spTree>
@@ -6963,6 +7669,199 @@
         <p:spPr>
           <a:xfrm>
             <a:off x="2317750" y="545465"/>
+            <a:ext cx="4754880" cy="706755"/>
+          </a:xfrm>
+          <a:prstGeom prst="rect">
+            <a:avLst/>
+          </a:prstGeom>
+          <a:noFill/>
+        </p:spPr>
+        <p:txBody>
+          <a:bodyPr wrap="none" rtlCol="0">
+            <a:spAutoFit/>
+          </a:bodyPr>
+          <a:p>
+            <a:pPr algn="l"/>
+            <a:r>
+              <a:rPr lang="zh-CN" altLang="en-US" sz="4000" b="1">
+                <a:latin typeface="+mn-ea"/>
+                <a:cs typeface="+mn-ea"/>
+                <a:sym typeface="+mn-ea"/>
+              </a:rPr>
+              <a:t>看看回调做了</a:t>
+            </a:r>
+            <a:r>
+              <a:rPr lang="zh-CN" altLang="en-US" sz="4000" b="1">
+                <a:latin typeface="+mn-ea"/>
+                <a:cs typeface="+mn-ea"/>
+                <a:sym typeface="+mn-ea"/>
+              </a:rPr>
+              <a:t>什么？</a:t>
+            </a:r>
+            <a:endParaRPr lang="zh-CN" altLang="en-US" sz="4000" b="1">
+              <a:latin typeface="+mn-ea"/>
+              <a:cs typeface="+mn-ea"/>
+              <a:sym typeface="+mn-ea"/>
+            </a:endParaRPr>
+          </a:p>
+        </p:txBody>
+      </p:sp>
+      <p:sp>
+        <p:nvSpPr>
+          <p:cNvPr id="8" name="文本框 7" descr="7b0a20202020227461726765744d6f64756c65223a202270726f636573734f6e6c696e65466f6e7473220a7d0a"/>
+          <p:cNvSpPr txBox="1"/>
+          <p:nvPr/>
+        </p:nvSpPr>
+        <p:spPr>
+          <a:xfrm>
+            <a:off x="10305415" y="184150"/>
+            <a:ext cx="1762125" cy="922020"/>
+          </a:xfrm>
+          <a:prstGeom prst="rect">
+            <a:avLst/>
+          </a:prstGeom>
+          <a:noFill/>
+        </p:spPr>
+        <p:txBody>
+          <a:bodyPr wrap="square" rtlCol="0">
+            <a:spAutoFit/>
+          </a:bodyPr>
+          <a:p>
+            <a:r>
+              <a:rPr lang="zh-CN" altLang="en-US" sz="5400" b="1">
+                <a:latin typeface="+mj-ea"/>
+                <a:ea typeface="+mj-ea"/>
+              </a:rPr>
+              <a:t>入门</a:t>
+            </a:r>
+            <a:endParaRPr lang="zh-CN" altLang="en-US" sz="5400" b="1">
+              <a:latin typeface="+mj-ea"/>
+              <a:ea typeface="+mj-ea"/>
+            </a:endParaRPr>
+          </a:p>
+        </p:txBody>
+      </p:sp>
+      <p:pic>
+        <p:nvPicPr>
+          <p:cNvPr id="7" name="图片 6" descr="0"/>
+          <p:cNvPicPr>
+            <a:picLocks noChangeAspect="1"/>
+          </p:cNvPicPr>
+          <p:nvPr>
+            <p:custDataLst>
+              <p:tags r:id="rId1"/>
+            </p:custDataLst>
+          </p:nvPr>
+        </p:nvPicPr>
+        <p:blipFill>
+          <a:blip r:embed="rId2"/>
+          <a:stretch>
+            <a:fillRect/>
+          </a:stretch>
+        </p:blipFill>
+        <p:spPr>
+          <a:xfrm rot="2520000">
+            <a:off x="-2587625" y="-3070225"/>
+            <a:ext cx="4406900" cy="5954395"/>
+          </a:xfrm>
+          <a:prstGeom prst="rect">
+            <a:avLst/>
+          </a:prstGeom>
+        </p:spPr>
+      </p:pic>
+      <p:sp>
+        <p:nvSpPr>
+          <p:cNvPr id="10" name="文本框 9" descr="7b0a20202020227461726765744d6f64756c65223a202270726f636573734f6e6c696e65466f6e7473220a7d0a"/>
+          <p:cNvSpPr txBox="1"/>
+          <p:nvPr/>
+        </p:nvSpPr>
+        <p:spPr>
+          <a:xfrm>
+            <a:off x="0" y="235585"/>
+            <a:ext cx="1402715" cy="922020"/>
+          </a:xfrm>
+          <a:prstGeom prst="rect">
+            <a:avLst/>
+          </a:prstGeom>
+          <a:noFill/>
+        </p:spPr>
+        <p:txBody>
+          <a:bodyPr wrap="square" rtlCol="0">
+            <a:spAutoFit/>
+          </a:bodyPr>
+          <a:p>
+            <a:pPr algn="ctr"/>
+            <a:r>
+              <a:rPr lang="en-US" altLang="zh-CN" sz="5400" b="1">
+                <a:solidFill>
+                  <a:schemeClr val="bg1"/>
+                </a:solidFill>
+                <a:latin typeface="+mj-ea"/>
+                <a:ea typeface="+mj-ea"/>
+              </a:rPr>
+              <a:t>4.4</a:t>
+            </a:r>
+            <a:endParaRPr lang="en-US" altLang="zh-CN" sz="5400" b="1">
+              <a:solidFill>
+                <a:schemeClr val="bg1"/>
+              </a:solidFill>
+              <a:latin typeface="+mj-ea"/>
+              <a:ea typeface="+mj-ea"/>
+            </a:endParaRPr>
+          </a:p>
+        </p:txBody>
+      </p:sp>
+      <p:pic>
+        <p:nvPicPr>
+          <p:cNvPr id="5" name="图片 4" descr="K99SC{DRHW~MB{S96CG]3AJ"/>
+          <p:cNvPicPr>
+            <a:picLocks noChangeAspect="1"/>
+          </p:cNvPicPr>
+          <p:nvPr/>
+        </p:nvPicPr>
+        <p:blipFill>
+          <a:blip r:embed="rId3"/>
+          <a:stretch>
+            <a:fillRect/>
+          </a:stretch>
+        </p:blipFill>
+        <p:spPr>
+          <a:xfrm>
+            <a:off x="2477135" y="1892300"/>
+            <a:ext cx="6774815" cy="4665980"/>
+          </a:xfrm>
+          <a:prstGeom prst="rect">
+            <a:avLst/>
+          </a:prstGeom>
+        </p:spPr>
+      </p:pic>
+    </p:spTree>
+  </p:cSld>
+  <p:clrMapOvr>
+    <a:masterClrMapping/>
+  </p:clrMapOvr>
+</p:sld>
+</file>
+
+<file path=ppt/slides/slide16.xml><?xml version="1.0" encoding="utf-8"?>
+<p:sld xmlns:a="http://schemas.openxmlformats.org/drawingml/2006/main" xmlns:r="http://schemas.openxmlformats.org/officeDocument/2006/relationships" xmlns:p="http://schemas.openxmlformats.org/presentationml/2006/main">
+  <p:cSld>
+    <p:spTree>
+      <p:nvGrpSpPr>
+        <p:cNvPr id="1" name=""/>
+        <p:cNvGrpSpPr/>
+        <p:nvPr/>
+      </p:nvGrpSpPr>
+      <p:grpSpPr/>
+      <p:sp>
+        <p:nvSpPr>
+          <p:cNvPr id="6" name="文本框 5"/>
+          <p:cNvSpPr txBox="1"/>
+          <p:nvPr/>
+        </p:nvSpPr>
+        <p:spPr>
+          <a:xfrm>
+            <a:off x="2317750" y="545465"/>
             <a:ext cx="6222365" cy="706755"/>
           </a:xfrm>
           <a:prstGeom prst="rect">
@@ -7314,11 +8213,11 @@
             </a:r>
             <a:r>
               <a:rPr lang="zh-CN" altLang="en-US" sz="2400" b="1"/>
-              <a:t>简</a:t>
+              <a:t>不可</a:t>
             </a:r>
             <a:r>
               <a:rPr lang="zh-CN" altLang="en-US" sz="2400" b="1"/>
-              <a:t>单</a:t>
+              <a:t>停靠</a:t>
             </a:r>
             <a:endParaRPr lang="zh-CN" altLang="en-US" sz="2400" b="1"/>
           </a:p>
@@ -7370,7 +8269,7 @@
 </p:sld>
 </file>
 
-<file path=ppt/slides/slide16.xml><?xml version="1.0" encoding="utf-8"?>
+<file path=ppt/slides/slide17.xml><?xml version="1.0" encoding="utf-8"?>
 <p:sld xmlns:a="http://schemas.openxmlformats.org/drawingml/2006/main" xmlns:r="http://schemas.openxmlformats.org/officeDocument/2006/relationships" xmlns:p="http://schemas.openxmlformats.org/presentationml/2006/main">
   <p:cSld>
     <p:spTree>
@@ -7917,7 +8816,7 @@
 </p:sld>
 </file>
 
-<file path=ppt/slides/slide17.xml><?xml version="1.0" encoding="utf-8"?>
+<file path=ppt/slides/slide18.xml><?xml version="1.0" encoding="utf-8"?>
 <p:sld xmlns:a="http://schemas.openxmlformats.org/drawingml/2006/main" xmlns:r="http://schemas.openxmlformats.org/officeDocument/2006/relationships" xmlns:p="http://schemas.openxmlformats.org/presentationml/2006/main">
   <p:cSld>
     <p:spTree>
@@ -7936,7 +8835,7 @@
         <p:spPr>
           <a:xfrm>
             <a:off x="2317750" y="545465"/>
-            <a:ext cx="2252980" cy="706755"/>
+            <a:ext cx="2214880" cy="706755"/>
           </a:xfrm>
           <a:prstGeom prst="rect">
             <a:avLst/>
@@ -7949,17 +8848,17 @@
           </a:bodyPr>
           <a:p>
             <a:pPr algn="l"/>
-            <a:r>
-              <a:rPr lang="en-US" altLang="zh-CN" sz="4000" b="1">
-                <a:sym typeface="+mn-ea"/>
-              </a:rPr>
-              <a:t>Vue </a:t>
-            </a:r>
             <a:r>
               <a:rPr lang="zh-CN" altLang="en-US" sz="4000" b="1">
                 <a:sym typeface="+mn-ea"/>
               </a:rPr>
-              <a:t>组件</a:t>
+              <a:t>消息</a:t>
+            </a:r>
+            <a:r>
+              <a:rPr lang="zh-CN" altLang="en-US" sz="4000" b="1">
+                <a:sym typeface="+mn-ea"/>
+              </a:rPr>
+              <a:t>系统</a:t>
             </a:r>
             <a:endParaRPr lang="zh-CN" altLang="en-US" sz="4000" b="1">
               <a:sym typeface="+mn-ea"/>
@@ -8060,7 +8959,7 @@
                 <a:latin typeface="+mj-ea"/>
                 <a:ea typeface="+mj-ea"/>
               </a:rPr>
-              <a:t>5.2</a:t>
+              <a:t>6</a:t>
             </a:r>
             <a:endParaRPr lang="en-US" altLang="zh-CN" sz="5400" b="1">
               <a:solidFill>
@@ -8074,37 +8973,6 @@
       </p:sp>
       <p:sp>
         <p:nvSpPr>
-          <p:cNvPr id="3" name="文本框 2"/>
-          <p:cNvSpPr txBox="1"/>
-          <p:nvPr/>
-        </p:nvSpPr>
-        <p:spPr>
-          <a:xfrm>
-            <a:off x="476885" y="6431915"/>
-            <a:ext cx="1198880" cy="398780"/>
-          </a:xfrm>
-          <a:prstGeom prst="rect">
-            <a:avLst/>
-          </a:prstGeom>
-          <a:noFill/>
-        </p:spPr>
-        <p:txBody>
-          <a:bodyPr wrap="none" rtlCol="0">
-            <a:spAutoFit/>
-          </a:bodyPr>
-          <a:p>
-            <a:r>
-              <a:rPr lang="zh-CN" altLang="en-US" sz="2000">
-                <a:hlinkClick r:id="rId3" action="ppaction://hlinkfile"/>
-              </a:rPr>
-              <a:t>参考链接</a:t>
-            </a:r>
-            <a:endParaRPr lang="zh-CN" altLang="en-US" sz="2000"/>
-          </a:p>
-        </p:txBody>
-      </p:sp>
-      <p:sp>
-        <p:nvSpPr>
           <p:cNvPr id="21" name="文本框 20"/>
           <p:cNvSpPr txBox="1"/>
           <p:nvPr/>
@@ -8135,24 +9003,57 @@
           </a:p>
         </p:txBody>
       </p:sp>
+      <p:sp>
+        <p:nvSpPr>
+          <p:cNvPr id="3" name="文本框 2">
+            <a:hlinkClick r:id="rId3" action="ppaction://hlinkfile"/>
+          </p:cNvPr>
+          <p:cNvSpPr txBox="1"/>
+          <p:nvPr/>
+        </p:nvSpPr>
+        <p:spPr>
+          <a:xfrm>
+            <a:off x="476885" y="6431915"/>
+            <a:ext cx="1198880" cy="398780"/>
+          </a:xfrm>
+          <a:prstGeom prst="rect">
+            <a:avLst/>
+          </a:prstGeom>
+          <a:noFill/>
+        </p:spPr>
+        <p:txBody>
+          <a:bodyPr wrap="none" rtlCol="0">
+            <a:spAutoFit/>
+          </a:bodyPr>
+          <a:p>
+            <a:r>
+              <a:rPr lang="zh-CN" altLang="en-US" sz="2000">
+                <a:hlinkClick r:id="rId4" action="ppaction://hlinkfile"/>
+              </a:rPr>
+              <a:t>参考链接</a:t>
+            </a:r>
+            <a:endParaRPr lang="zh-CN" altLang="en-US" sz="2000"/>
+          </a:p>
+        </p:txBody>
+      </p:sp>
       <p:pic>
         <p:nvPicPr>
-          <p:cNvPr id="2" name="图片 1" descr="V`XXARYR0D241ELL}Y5@F$0"/>
+          <p:cNvPr id="2" name="图片 1" descr="`V0ME1R7YJD~KIVH)%9BXMO"/>
           <p:cNvPicPr>
             <a:picLocks noChangeAspect="1"/>
           </p:cNvPicPr>
           <p:nvPr/>
         </p:nvPicPr>
         <p:blipFill>
-          <a:blip r:embed="rId4"/>
+          <a:blip r:embed="rId5"/>
           <a:stretch>
             <a:fillRect/>
           </a:stretch>
         </p:blipFill>
         <p:spPr>
           <a:xfrm>
-            <a:off x="4570730" y="1762125"/>
-            <a:ext cx="7352665" cy="3611245"/>
+            <a:off x="1021715" y="1642110"/>
+            <a:ext cx="10589260" cy="4399915"/>
           </a:xfrm>
           <a:prstGeom prst="rect">
             <a:avLst/>
@@ -8161,14 +9062,14 @@
       </p:pic>
       <p:sp>
         <p:nvSpPr>
-          <p:cNvPr id="12" name="文本框 11"/>
-          <p:cNvSpPr txBox="1"/>
-          <p:nvPr/>
-        </p:nvSpPr>
-        <p:spPr>
-          <a:xfrm>
-            <a:off x="664845" y="1762125"/>
-            <a:ext cx="4113530" cy="645160"/>
+          <p:cNvPr id="4" name="文本框 3"/>
+          <p:cNvSpPr txBox="1"/>
+          <p:nvPr/>
+        </p:nvSpPr>
+        <p:spPr>
+          <a:xfrm>
+            <a:off x="4114800" y="6638290"/>
+            <a:ext cx="4064000" cy="368300"/>
           </a:xfrm>
           <a:prstGeom prst="rect">
             <a:avLst/>
@@ -8180,187 +9081,7 @@
             <a:spAutoFit/>
           </a:bodyPr>
           <a:p>
-            <a:pPr algn="l"/>
-            <a:r>
-              <a:rPr lang="en-US" b="1">
-                <a:latin typeface="+mn-ea"/>
-                <a:cs typeface="+mn-ea"/>
-              </a:rPr>
-              <a:t>    </a:t>
-            </a:r>
-            <a:r>
-              <a:rPr lang="zh-CN" altLang="en-US" b="1">
-                <a:latin typeface="+mn-ea"/>
-                <a:cs typeface="+mn-ea"/>
-              </a:rPr>
-              <a:t>注意：不要和</a:t>
-            </a:r>
-            <a:r>
-              <a:rPr lang="en-US" altLang="zh-CN" b="1">
-                <a:latin typeface="+mn-ea"/>
-                <a:cs typeface="+mn-ea"/>
-              </a:rPr>
-              <a:t> </a:t>
-            </a:r>
-            <a:r>
-              <a:rPr lang="en-US" altLang="zh-CN" b="1">
-                <a:solidFill>
-                  <a:srgbClr val="0070C0"/>
-                </a:solidFill>
-                <a:sym typeface="+mn-ea"/>
-              </a:rPr>
-              <a:t>Editor.Panel.define </a:t>
-            </a:r>
-            <a:r>
-              <a:rPr lang="zh-CN" altLang="en-US" b="1">
-                <a:solidFill>
-                  <a:schemeClr val="tx1"/>
-                </a:solidFill>
-                <a:sym typeface="+mn-ea"/>
-              </a:rPr>
-              <a:t>接口的对象类型搞</a:t>
-            </a:r>
-            <a:r>
-              <a:rPr lang="zh-CN" altLang="en-US" b="1">
-                <a:solidFill>
-                  <a:schemeClr val="tx1"/>
-                </a:solidFill>
-                <a:sym typeface="+mn-ea"/>
-              </a:rPr>
-              <a:t>混</a:t>
-            </a:r>
-            <a:endParaRPr lang="zh-CN" altLang="en-US" b="1">
-              <a:solidFill>
-                <a:schemeClr val="tx1"/>
-              </a:solidFill>
-              <a:sym typeface="+mn-ea"/>
-            </a:endParaRPr>
-          </a:p>
-        </p:txBody>
-      </p:sp>
-      <p:sp>
-        <p:nvSpPr>
-          <p:cNvPr id="14" name="文本框 13"/>
-          <p:cNvSpPr txBox="1"/>
-          <p:nvPr/>
-        </p:nvSpPr>
-        <p:spPr>
-          <a:xfrm>
-            <a:off x="142875" y="3508375"/>
-            <a:ext cx="3102610" cy="398780"/>
-          </a:xfrm>
-          <a:prstGeom prst="rect">
-            <a:avLst/>
-          </a:prstGeom>
-          <a:noFill/>
-        </p:spPr>
-        <p:txBody>
-          <a:bodyPr wrap="none" rtlCol="0">
-            <a:spAutoFit/>
-          </a:bodyPr>
-          <a:p>
-            <a:pPr algn="l"/>
-            <a:r>
-              <a:rPr lang="en-US" altLang="zh-CN" sz="2000" b="1"/>
-              <a:t>template</a:t>
-            </a:r>
-            <a:r>
-              <a:rPr lang="zh-CN" altLang="en-US" sz="2000" b="1"/>
-              <a:t>：</a:t>
-            </a:r>
-            <a:r>
-              <a:rPr lang="en-US" altLang="zh-CN" sz="2000" b="1"/>
-              <a:t>html </a:t>
-            </a:r>
-            <a:r>
-              <a:rPr lang="zh-CN" altLang="en-US" sz="2000" b="1"/>
-              <a:t>文件内容</a:t>
-            </a:r>
-            <a:endParaRPr lang="zh-CN" altLang="en-US" sz="2000" b="1"/>
-          </a:p>
-        </p:txBody>
-      </p:sp>
-      <p:sp>
-        <p:nvSpPr>
-          <p:cNvPr id="15" name="文本框 14"/>
-          <p:cNvSpPr txBox="1"/>
-          <p:nvPr/>
-        </p:nvSpPr>
-        <p:spPr>
-          <a:xfrm>
-            <a:off x="145415" y="2796540"/>
-            <a:ext cx="2524125" cy="398780"/>
-          </a:xfrm>
-          <a:prstGeom prst="rect">
-            <a:avLst/>
-          </a:prstGeom>
-          <a:noFill/>
-        </p:spPr>
-        <p:txBody>
-          <a:bodyPr wrap="none" rtlCol="0">
-            <a:spAutoFit/>
-          </a:bodyPr>
-          <a:p>
-            <a:pPr algn="l"/>
-            <a:r>
-              <a:rPr lang="en-US" altLang="zh-CN" sz="2000" b="1"/>
-              <a:t>style</a:t>
-            </a:r>
-            <a:r>
-              <a:rPr lang="zh-CN" altLang="en-US" sz="2000" b="1"/>
-              <a:t>：</a:t>
-            </a:r>
-            <a:r>
-              <a:rPr lang="en-US" sz="2000" b="1"/>
-              <a:t>css </a:t>
-            </a:r>
-            <a:r>
-              <a:rPr lang="zh-CN" altLang="en-US" sz="2000" b="1"/>
-              <a:t>文件</a:t>
-            </a:r>
-            <a:r>
-              <a:rPr lang="zh-CN" altLang="en-US" sz="2000" b="1"/>
-              <a:t>内容</a:t>
-            </a:r>
-            <a:endParaRPr lang="zh-CN" altLang="en-US" sz="2000" b="1"/>
-          </a:p>
-        </p:txBody>
-      </p:sp>
-      <p:sp>
-        <p:nvSpPr>
-          <p:cNvPr id="17" name="文本框 16"/>
-          <p:cNvSpPr txBox="1"/>
-          <p:nvPr/>
-        </p:nvSpPr>
-        <p:spPr>
-          <a:xfrm>
-            <a:off x="145415" y="4220210"/>
-            <a:ext cx="3752215" cy="398780"/>
-          </a:xfrm>
-          <a:prstGeom prst="rect">
-            <a:avLst/>
-          </a:prstGeom>
-          <a:noFill/>
-        </p:spPr>
-        <p:txBody>
-          <a:bodyPr wrap="none" rtlCol="0">
-            <a:spAutoFit/>
-          </a:bodyPr>
-          <a:p>
-            <a:pPr algn="l"/>
-            <a:r>
-              <a:rPr lang="en-US" altLang="zh-CN" sz="2000" b="1"/>
-              <a:t>data</a:t>
-            </a:r>
-            <a:r>
-              <a:rPr lang="zh-CN" altLang="en-US" sz="2000" b="1"/>
-              <a:t>：组件数据，返回一个</a:t>
-            </a:r>
-            <a:r>
-              <a:rPr lang="zh-CN" altLang="en-US" sz="2000" b="1"/>
-              <a:t>对象</a:t>
-            </a:r>
-            <a:endParaRPr lang="zh-CN" altLang="en-US" sz="2000" b="1"/>
+            <a:endParaRPr lang="zh-CN" altLang="en-US"/>
           </a:p>
         </p:txBody>
       </p:sp>
@@ -8372,7 +9093,7 @@
 </p:sld>
 </file>
 
-<file path=ppt/slides/slide18.xml><?xml version="1.0" encoding="utf-8"?>
+<file path=ppt/slides/slide19.xml><?xml version="1.0" encoding="utf-8"?>
 <p:sld xmlns:a="http://schemas.openxmlformats.org/drawingml/2006/main" xmlns:r="http://schemas.openxmlformats.org/officeDocument/2006/relationships" xmlns:p="http://schemas.openxmlformats.org/presentationml/2006/main">
   <p:cSld>
     <p:spTree>
@@ -8408,13 +9129,13 @@
               <a:rPr lang="zh-CN" altLang="en-US" sz="4000" b="1">
                 <a:sym typeface="+mn-ea"/>
               </a:rPr>
-              <a:t>场景</a:t>
+              <a:t>消息</a:t>
             </a:r>
             <a:r>
               <a:rPr lang="zh-CN" altLang="en-US" sz="4000" b="1">
                 <a:sym typeface="+mn-ea"/>
               </a:rPr>
-              <a:t>脚本</a:t>
+              <a:t>系统</a:t>
             </a:r>
             <a:endParaRPr lang="zh-CN" altLang="en-US" sz="4000" b="1">
               <a:sym typeface="+mn-ea"/>
@@ -8515,7 +9236,7 @@
                 <a:latin typeface="+mj-ea"/>
                 <a:ea typeface="+mj-ea"/>
               </a:rPr>
-              <a:t>6</a:t>
+              <a:t>6.1</a:t>
             </a:r>
             <a:endParaRPr lang="en-US" altLang="zh-CN" sz="5400" b="1">
               <a:solidFill>
@@ -8567,71 +9288,51 @@
         </p:nvSpPr>
         <p:spPr>
           <a:xfrm>
-            <a:off x="1148715" y="5661025"/>
-            <a:ext cx="3535680" cy="460375"/>
-          </a:xfrm>
-          <a:prstGeom prst="rect">
-            <a:avLst/>
-          </a:prstGeom>
-          <a:noFill/>
-        </p:spPr>
-        <p:txBody>
-          <a:bodyPr wrap="none" rtlCol="0">
-            <a:spAutoFit/>
-          </a:bodyPr>
-          <a:p>
-            <a:r>
-              <a:rPr lang="zh-CN" altLang="en-US" sz="2400" b="1"/>
-              <a:t>什么时候用到场景脚本？</a:t>
-            </a:r>
-            <a:endParaRPr lang="zh-CN" altLang="en-US" sz="2400" b="1"/>
-          </a:p>
-        </p:txBody>
-      </p:sp>
-      <p:sp>
-        <p:nvSpPr>
-          <p:cNvPr id="5" name="文本框 4"/>
-          <p:cNvSpPr txBox="1"/>
-          <p:nvPr/>
-        </p:nvSpPr>
-        <p:spPr>
-          <a:xfrm>
             <a:off x="1402715" y="1628140"/>
-            <a:ext cx="4856480" cy="460375"/>
-          </a:xfrm>
-          <a:prstGeom prst="rect">
-            <a:avLst/>
-          </a:prstGeom>
-          <a:noFill/>
-        </p:spPr>
-        <p:txBody>
-          <a:bodyPr wrap="none" rtlCol="0">
-            <a:spAutoFit/>
-          </a:bodyPr>
-          <a:p>
-            <a:r>
-              <a:rPr lang="zh-CN" altLang="en-US" sz="2400" b="1"/>
-              <a:t>场景脚本在</a:t>
-            </a:r>
-            <a:r>
-              <a:rPr lang="en-US" altLang="zh-CN" sz="2400" b="1"/>
-              <a:t>package.json</a:t>
-            </a:r>
-            <a:r>
-              <a:rPr lang="zh-CN" altLang="en-US" sz="2400" b="1"/>
-              <a:t>中的</a:t>
-            </a:r>
-            <a:r>
-              <a:rPr lang="zh-CN" altLang="en-US" sz="2400" b="1"/>
-              <a:t>定义</a:t>
-            </a:r>
-            <a:endParaRPr lang="zh-CN" altLang="en-US" sz="2400" b="1"/>
+            <a:ext cx="6834505" cy="665480"/>
+          </a:xfrm>
+          <a:prstGeom prst="rect">
+            <a:avLst/>
+          </a:prstGeom>
+          <a:noFill/>
+        </p:spPr>
+        <p:txBody>
+          <a:bodyPr wrap="square" rtlCol="0">
+            <a:noAutofit/>
+          </a:bodyPr>
+          <a:p>
+            <a:r>
+              <a:rPr lang="zh-CN" altLang="en-US" sz="2800" b="1"/>
+              <a:t>怎么查看消息？</a:t>
+            </a:r>
+            <a:r>
+              <a:rPr lang="zh-CN" altLang="en-US" sz="2800" b="1">
+                <a:sym typeface="+mn-ea"/>
+              </a:rPr>
+              <a:t>开发者</a:t>
+            </a:r>
+            <a:r>
+              <a:rPr lang="en-US" altLang="zh-CN" sz="2800" b="1">
+                <a:sym typeface="+mn-ea"/>
+              </a:rPr>
+              <a:t>-&gt;</a:t>
+            </a:r>
+            <a:r>
+              <a:rPr lang="zh-CN" altLang="en-US" sz="2800" b="1">
+                <a:sym typeface="+mn-ea"/>
+              </a:rPr>
+              <a:t>消息列表</a:t>
+            </a:r>
+            <a:endParaRPr lang="zh-CN" altLang="en-US" sz="2800" b="1"/>
+          </a:p>
+          <a:p>
+            <a:endParaRPr lang="zh-CN" altLang="en-US" sz="2800" b="1"/>
           </a:p>
         </p:txBody>
       </p:sp>
       <p:pic>
         <p:nvPicPr>
-          <p:cNvPr id="9" name="图片 8" descr="GKXLA(7JZK_EFW]4WK22{83"/>
+          <p:cNvPr id="5" name="图片 4" descr="W1$Z2R~O2JBR6T_WS9PXZTS"/>
           <p:cNvPicPr>
             <a:picLocks noChangeAspect="1"/>
           </p:cNvPicPr>
@@ -8645,365 +9346,14 @@
         </p:blipFill>
         <p:spPr>
           <a:xfrm>
-            <a:off x="7033260" y="2282825"/>
-            <a:ext cx="5034280" cy="2728595"/>
+            <a:off x="1402715" y="2293620"/>
+            <a:ext cx="9876155" cy="5539105"/>
           </a:xfrm>
           <a:prstGeom prst="rect">
             <a:avLst/>
           </a:prstGeom>
         </p:spPr>
       </p:pic>
-      <p:sp>
-        <p:nvSpPr>
-          <p:cNvPr id="11" name="文本框 10"/>
-          <p:cNvSpPr txBox="1"/>
-          <p:nvPr/>
-        </p:nvSpPr>
-        <p:spPr>
-          <a:xfrm>
-            <a:off x="8544560" y="1628140"/>
-            <a:ext cx="2011680" cy="460375"/>
-          </a:xfrm>
-          <a:prstGeom prst="rect">
-            <a:avLst/>
-          </a:prstGeom>
-          <a:noFill/>
-        </p:spPr>
-        <p:txBody>
-          <a:bodyPr wrap="none" rtlCol="0">
-            <a:spAutoFit/>
-          </a:bodyPr>
-          <a:p>
-            <a:r>
-              <a:rPr lang="zh-CN" altLang="en-US" sz="2400" b="1"/>
-              <a:t>场景脚本</a:t>
-            </a:r>
-            <a:r>
-              <a:rPr lang="zh-CN" altLang="en-US" sz="2400" b="1"/>
-              <a:t>结构</a:t>
-            </a:r>
-            <a:endParaRPr lang="zh-CN" altLang="en-US" sz="2400" b="1"/>
-          </a:p>
-        </p:txBody>
-      </p:sp>
-      <p:pic>
-        <p:nvPicPr>
-          <p:cNvPr id="13" name="图片 12" descr="21B9C}~0OGC~Y`{J9`1L25O"/>
-          <p:cNvPicPr>
-            <a:picLocks noChangeAspect="1"/>
-          </p:cNvPicPr>
-          <p:nvPr/>
-        </p:nvPicPr>
-        <p:blipFill>
-          <a:blip r:embed="rId4"/>
-          <a:stretch>
-            <a:fillRect/>
-          </a:stretch>
-        </p:blipFill>
-        <p:spPr>
-          <a:xfrm>
-            <a:off x="1020445" y="2299335"/>
-            <a:ext cx="5621655" cy="2712085"/>
-          </a:xfrm>
-          <a:prstGeom prst="rect">
-            <a:avLst/>
-          </a:prstGeom>
-        </p:spPr>
-      </p:pic>
-      <p:sp>
-        <p:nvSpPr>
-          <p:cNvPr id="3" name="文本框 2">
-            <a:hlinkClick r:id="rId5" action="ppaction://hlinkfile"/>
-          </p:cNvPr>
-          <p:cNvSpPr txBox="1"/>
-          <p:nvPr/>
-        </p:nvSpPr>
-        <p:spPr>
-          <a:xfrm>
-            <a:off x="476885" y="6431915"/>
-            <a:ext cx="1198880" cy="398780"/>
-          </a:xfrm>
-          <a:prstGeom prst="rect">
-            <a:avLst/>
-          </a:prstGeom>
-          <a:noFill/>
-        </p:spPr>
-        <p:txBody>
-          <a:bodyPr wrap="none" rtlCol="0">
-            <a:spAutoFit/>
-          </a:bodyPr>
-          <a:p>
-            <a:r>
-              <a:rPr lang="zh-CN" altLang="en-US" sz="2000">
-                <a:hlinkClick r:id="rId5" action="ppaction://hlinkfile"/>
-              </a:rPr>
-              <a:t>参考链接</a:t>
-            </a:r>
-            <a:endParaRPr lang="zh-CN" altLang="en-US" sz="2000"/>
-          </a:p>
-        </p:txBody>
-      </p:sp>
-    </p:spTree>
-  </p:cSld>
-  <p:clrMapOvr>
-    <a:masterClrMapping/>
-  </p:clrMapOvr>
-</p:sld>
-</file>
-
-<file path=ppt/slides/slide19.xml><?xml version="1.0" encoding="utf-8"?>
-<p:sld xmlns:a="http://schemas.openxmlformats.org/drawingml/2006/main" xmlns:r="http://schemas.openxmlformats.org/officeDocument/2006/relationships" xmlns:p="http://schemas.openxmlformats.org/presentationml/2006/main">
-  <p:cSld>
-    <p:spTree>
-      <p:nvGrpSpPr>
-        <p:cNvPr id="1" name=""/>
-        <p:cNvGrpSpPr/>
-        <p:nvPr/>
-      </p:nvGrpSpPr>
-      <p:grpSpPr/>
-      <p:sp>
-        <p:nvSpPr>
-          <p:cNvPr id="6" name="文本框 5"/>
-          <p:cNvSpPr txBox="1"/>
-          <p:nvPr/>
-        </p:nvSpPr>
-        <p:spPr>
-          <a:xfrm>
-            <a:off x="2317750" y="545465"/>
-            <a:ext cx="2214880" cy="706755"/>
-          </a:xfrm>
-          <a:prstGeom prst="rect">
-            <a:avLst/>
-          </a:prstGeom>
-          <a:noFill/>
-        </p:spPr>
-        <p:txBody>
-          <a:bodyPr wrap="none" rtlCol="0">
-            <a:spAutoFit/>
-          </a:bodyPr>
-          <a:p>
-            <a:pPr algn="l"/>
-            <a:r>
-              <a:rPr lang="zh-CN" altLang="en-US" sz="4000" b="1">
-                <a:sym typeface="+mn-ea"/>
-              </a:rPr>
-              <a:t>场景</a:t>
-            </a:r>
-            <a:r>
-              <a:rPr lang="zh-CN" altLang="en-US" sz="4000" b="1">
-                <a:sym typeface="+mn-ea"/>
-              </a:rPr>
-              <a:t>脚本</a:t>
-            </a:r>
-            <a:endParaRPr lang="zh-CN" altLang="en-US" sz="4000" b="1">
-              <a:sym typeface="+mn-ea"/>
-            </a:endParaRPr>
-          </a:p>
-        </p:txBody>
-      </p:sp>
-      <p:sp>
-        <p:nvSpPr>
-          <p:cNvPr id="8" name="文本框 7" descr="7b0a20202020227461726765744d6f64756c65223a202270726f636573734f6e6c696e65466f6e7473220a7d0a"/>
-          <p:cNvSpPr txBox="1"/>
-          <p:nvPr/>
-        </p:nvSpPr>
-        <p:spPr>
-          <a:xfrm>
-            <a:off x="10305415" y="184150"/>
-            <a:ext cx="1762125" cy="922020"/>
-          </a:xfrm>
-          <a:prstGeom prst="rect">
-            <a:avLst/>
-          </a:prstGeom>
-          <a:noFill/>
-        </p:spPr>
-        <p:txBody>
-          <a:bodyPr wrap="square" rtlCol="0">
-            <a:spAutoFit/>
-          </a:bodyPr>
-          <a:p>
-            <a:r>
-              <a:rPr lang="zh-CN" altLang="en-US" sz="5400" b="1">
-                <a:latin typeface="+mj-ea"/>
-                <a:ea typeface="+mj-ea"/>
-              </a:rPr>
-              <a:t>入门</a:t>
-            </a:r>
-            <a:endParaRPr lang="zh-CN" altLang="en-US" sz="5400" b="1">
-              <a:latin typeface="+mj-ea"/>
-              <a:ea typeface="+mj-ea"/>
-            </a:endParaRPr>
-          </a:p>
-        </p:txBody>
-      </p:sp>
-      <p:pic>
-        <p:nvPicPr>
-          <p:cNvPr id="7" name="图片 6" descr="0"/>
-          <p:cNvPicPr>
-            <a:picLocks noChangeAspect="1"/>
-          </p:cNvPicPr>
-          <p:nvPr>
-            <p:custDataLst>
-              <p:tags r:id="rId1"/>
-            </p:custDataLst>
-          </p:nvPr>
-        </p:nvPicPr>
-        <p:blipFill>
-          <a:blip r:embed="rId2"/>
-          <a:stretch>
-            <a:fillRect/>
-          </a:stretch>
-        </p:blipFill>
-        <p:spPr>
-          <a:xfrm rot="2520000">
-            <a:off x="-2587625" y="-3070225"/>
-            <a:ext cx="4406900" cy="5954395"/>
-          </a:xfrm>
-          <a:prstGeom prst="rect">
-            <a:avLst/>
-          </a:prstGeom>
-        </p:spPr>
-      </p:pic>
-      <p:sp>
-        <p:nvSpPr>
-          <p:cNvPr id="10" name="文本框 9" descr="7b0a20202020227461726765744d6f64756c65223a202270726f636573734f6e6c696e65466f6e7473220a7d0a"/>
-          <p:cNvSpPr txBox="1"/>
-          <p:nvPr/>
-        </p:nvSpPr>
-        <p:spPr>
-          <a:xfrm>
-            <a:off x="0" y="235585"/>
-            <a:ext cx="1402715" cy="922020"/>
-          </a:xfrm>
-          <a:prstGeom prst="rect">
-            <a:avLst/>
-          </a:prstGeom>
-          <a:noFill/>
-        </p:spPr>
-        <p:txBody>
-          <a:bodyPr wrap="square" rtlCol="0">
-            <a:spAutoFit/>
-          </a:bodyPr>
-          <a:p>
-            <a:pPr algn="ctr"/>
-            <a:r>
-              <a:rPr lang="en-US" altLang="zh-CN" sz="5400" b="1">
-                <a:solidFill>
-                  <a:schemeClr val="bg1"/>
-                </a:solidFill>
-                <a:latin typeface="+mj-ea"/>
-                <a:ea typeface="+mj-ea"/>
-              </a:rPr>
-              <a:t>6</a:t>
-            </a:r>
-            <a:endParaRPr lang="en-US" altLang="zh-CN" sz="5400" b="1">
-              <a:solidFill>
-                <a:schemeClr val="bg1"/>
-              </a:solidFill>
-              <a:latin typeface="+mj-ea"/>
-              <a:ea typeface="+mj-ea"/>
-            </a:endParaRPr>
-          </a:p>
-        </p:txBody>
-      </p:sp>
-      <p:sp>
-        <p:nvSpPr>
-          <p:cNvPr id="21" name="文本框 20"/>
-          <p:cNvSpPr txBox="1"/>
-          <p:nvPr/>
-        </p:nvSpPr>
-        <p:spPr>
-          <a:xfrm>
-            <a:off x="895350" y="1628140"/>
-            <a:ext cx="746760" cy="398780"/>
-          </a:xfrm>
-          <a:prstGeom prst="rect">
-            <a:avLst/>
-          </a:prstGeom>
-          <a:noFill/>
-        </p:spPr>
-        <p:txBody>
-          <a:bodyPr wrap="none" rtlCol="0">
-            <a:spAutoFit/>
-          </a:bodyPr>
-          <a:p>
-            <a:pPr algn="l"/>
-            <a:r>
-              <a:rPr lang="en-US" altLang="zh-CN" sz="2000" b="1"/>
-              <a:t>        </a:t>
-            </a:r>
-            <a:endParaRPr lang="zh-CN" altLang="en-US" sz="2000" b="1">
-              <a:sym typeface="+mn-ea"/>
-            </a:endParaRPr>
-          </a:p>
-        </p:txBody>
-      </p:sp>
-      <p:sp>
-        <p:nvSpPr>
-          <p:cNvPr id="11" name="文本框 10"/>
-          <p:cNvSpPr txBox="1"/>
-          <p:nvPr/>
-        </p:nvSpPr>
-        <p:spPr>
-          <a:xfrm>
-            <a:off x="1402715" y="2026920"/>
-            <a:ext cx="2316480" cy="460375"/>
-          </a:xfrm>
-          <a:prstGeom prst="rect">
-            <a:avLst/>
-          </a:prstGeom>
-          <a:noFill/>
-        </p:spPr>
-        <p:txBody>
-          <a:bodyPr wrap="none" rtlCol="0">
-            <a:spAutoFit/>
-          </a:bodyPr>
-          <a:p>
-            <a:r>
-              <a:rPr lang="zh-CN" altLang="en-US" sz="2400" b="1"/>
-              <a:t>场景和渲染</a:t>
-            </a:r>
-            <a:r>
-              <a:rPr lang="zh-CN" altLang="en-US" sz="2400" b="1"/>
-              <a:t>进程</a:t>
-            </a:r>
-            <a:endParaRPr lang="zh-CN" altLang="en-US" sz="2400" b="1"/>
-          </a:p>
-        </p:txBody>
-      </p:sp>
-      <p:sp>
-        <p:nvSpPr>
-          <p:cNvPr id="3" name="文本框 2">
-            <a:hlinkClick r:id="rId3" action="ppaction://hlinkfile"/>
-          </p:cNvPr>
-          <p:cNvSpPr txBox="1"/>
-          <p:nvPr/>
-        </p:nvSpPr>
-        <p:spPr>
-          <a:xfrm>
-            <a:off x="476885" y="6431915"/>
-            <a:ext cx="1198880" cy="398780"/>
-          </a:xfrm>
-          <a:prstGeom prst="rect">
-            <a:avLst/>
-          </a:prstGeom>
-          <a:noFill/>
-        </p:spPr>
-        <p:txBody>
-          <a:bodyPr wrap="none" rtlCol="0">
-            <a:spAutoFit/>
-          </a:bodyPr>
-          <a:p>
-            <a:r>
-              <a:rPr lang="zh-CN" altLang="en-US" sz="2000">
-                <a:hlinkClick r:id="rId3" action="ppaction://hlinkfile"/>
-              </a:rPr>
-              <a:t>参考链接</a:t>
-            </a:r>
-            <a:endParaRPr lang="zh-CN" altLang="en-US" sz="2000"/>
-          </a:p>
-        </p:txBody>
-      </p:sp>
     </p:spTree>
   </p:cSld>
   <p:clrMapOvr>
@@ -9217,7 +9567,7 @@
         <p:spPr>
           <a:xfrm>
             <a:off x="2317750" y="545465"/>
-            <a:ext cx="3738880" cy="706755"/>
+            <a:ext cx="2214880" cy="706755"/>
           </a:xfrm>
           <a:prstGeom prst="rect">
             <a:avLst/>
@@ -9234,7 +9584,13 @@
               <a:rPr lang="zh-CN" altLang="en-US" sz="4000" b="1">
                 <a:sym typeface="+mn-ea"/>
               </a:rPr>
-              <a:t>配置系统的使用</a:t>
+              <a:t>消息</a:t>
+            </a:r>
+            <a:r>
+              <a:rPr lang="zh-CN" altLang="en-US" sz="4000" b="1">
+                <a:sym typeface="+mn-ea"/>
+              </a:rPr>
+              <a:t>系统</a:t>
             </a:r>
             <a:endParaRPr lang="zh-CN" altLang="en-US" sz="4000" b="1">
               <a:sym typeface="+mn-ea"/>
@@ -9335,7 +9691,7 @@
                 <a:latin typeface="+mj-ea"/>
                 <a:ea typeface="+mj-ea"/>
               </a:rPr>
-              <a:t>7</a:t>
+              <a:t>6.2</a:t>
             </a:r>
             <a:endParaRPr lang="en-US" altLang="zh-CN" sz="5400" b="1">
               <a:solidFill>
@@ -9381,73 +9737,57 @@
       </p:sp>
       <p:sp>
         <p:nvSpPr>
-          <p:cNvPr id="5" name="文本框 4"/>
-          <p:cNvSpPr txBox="1"/>
-          <p:nvPr/>
-        </p:nvSpPr>
-        <p:spPr>
-          <a:xfrm>
-            <a:off x="1517650" y="2117090"/>
-            <a:ext cx="2621280" cy="460375"/>
-          </a:xfrm>
-          <a:prstGeom prst="rect">
-            <a:avLst/>
-          </a:prstGeom>
-          <a:noFill/>
-        </p:spPr>
-        <p:txBody>
-          <a:bodyPr wrap="none" rtlCol="0">
-            <a:spAutoFit/>
-          </a:bodyPr>
-          <a:p>
-            <a:pPr algn="l"/>
-            <a:r>
-              <a:rPr lang="zh-CN" altLang="en-US" sz="2400" b="1">
+          <p:cNvPr id="4" name="文本框 3"/>
+          <p:cNvSpPr txBox="1"/>
+          <p:nvPr/>
+        </p:nvSpPr>
+        <p:spPr>
+          <a:xfrm>
+            <a:off x="1402715" y="1628140"/>
+            <a:ext cx="6834505" cy="665480"/>
+          </a:xfrm>
+          <a:prstGeom prst="rect">
+            <a:avLst/>
+          </a:prstGeom>
+          <a:noFill/>
+        </p:spPr>
+        <p:txBody>
+          <a:bodyPr wrap="square" rtlCol="0">
+            <a:noAutofit/>
+          </a:bodyPr>
+          <a:p>
+            <a:r>
+              <a:rPr lang="zh-CN" altLang="en-US" sz="2800" b="1"/>
+              <a:t>怎么调试消息？</a:t>
+            </a:r>
+            <a:r>
+              <a:rPr lang="zh-CN" altLang="en-US" sz="2800" b="1">
                 <a:sym typeface="+mn-ea"/>
               </a:rPr>
-              <a:t>配置系统是</a:t>
-            </a:r>
-            <a:r>
-              <a:rPr lang="zh-CN" altLang="en-US" sz="2400" b="1"/>
-              <a:t>什么？</a:t>
-            </a:r>
-            <a:endParaRPr lang="zh-CN" altLang="en-US" sz="2400" b="1"/>
-          </a:p>
-        </p:txBody>
-      </p:sp>
-      <p:sp>
-        <p:nvSpPr>
-          <p:cNvPr id="9" name="文本框 8"/>
-          <p:cNvSpPr txBox="1"/>
-          <p:nvPr/>
-        </p:nvSpPr>
-        <p:spPr>
-          <a:xfrm>
-            <a:off x="1517650" y="3442335"/>
-            <a:ext cx="1402080" cy="460375"/>
-          </a:xfrm>
-          <a:prstGeom prst="rect">
-            <a:avLst/>
-          </a:prstGeom>
-          <a:noFill/>
-        </p:spPr>
-        <p:txBody>
-          <a:bodyPr wrap="none" rtlCol="0">
-            <a:spAutoFit/>
-          </a:bodyPr>
-          <a:p>
-            <a:pPr algn="l"/>
-            <a:r>
-              <a:rPr lang="zh-CN" altLang="en-US" sz="2400" b="1"/>
-              <a:t>简单使用</a:t>
-            </a:r>
-            <a:endParaRPr lang="zh-CN" altLang="en-US" sz="2400" b="1"/>
+              <a:t>开发者</a:t>
+            </a:r>
+            <a:r>
+              <a:rPr lang="en-US" altLang="zh-CN" sz="2800" b="1">
+                <a:sym typeface="+mn-ea"/>
+              </a:rPr>
+              <a:t>-&gt;</a:t>
+            </a:r>
+            <a:r>
+              <a:rPr lang="zh-CN" altLang="en-US" sz="2800" b="1">
+                <a:sym typeface="+mn-ea"/>
+              </a:rPr>
+              <a:t>消息调试工具</a:t>
+            </a:r>
+            <a:endParaRPr lang="zh-CN" altLang="en-US" sz="2800" b="1"/>
+          </a:p>
+          <a:p>
+            <a:endParaRPr lang="zh-CN" altLang="en-US" sz="2800" b="1"/>
           </a:p>
         </p:txBody>
       </p:sp>
       <p:pic>
         <p:nvPicPr>
-          <p:cNvPr id="12" name="图片 11" descr="8OBRV9D~8KLV7K0L`KX8TY4"/>
+          <p:cNvPr id="2" name="图片 1" descr="5TX[FJGQGD0{E003SSM)~]D"/>
           <p:cNvPicPr>
             <a:picLocks noChangeAspect="1"/>
           </p:cNvPicPr>
@@ -9461,45 +9801,14 @@
         </p:blipFill>
         <p:spPr>
           <a:xfrm>
-            <a:off x="1913255" y="4146550"/>
-            <a:ext cx="8392795" cy="1461135"/>
+            <a:off x="1113790" y="2293620"/>
+            <a:ext cx="9964420" cy="4770120"/>
           </a:xfrm>
           <a:prstGeom prst="rect">
             <a:avLst/>
           </a:prstGeom>
         </p:spPr>
       </p:pic>
-      <p:sp>
-        <p:nvSpPr>
-          <p:cNvPr id="3" name="文本框 2"/>
-          <p:cNvSpPr txBox="1"/>
-          <p:nvPr/>
-        </p:nvSpPr>
-        <p:spPr>
-          <a:xfrm>
-            <a:off x="476885" y="6431915"/>
-            <a:ext cx="1198880" cy="398780"/>
-          </a:xfrm>
-          <a:prstGeom prst="rect">
-            <a:avLst/>
-          </a:prstGeom>
-          <a:noFill/>
-        </p:spPr>
-        <p:txBody>
-          <a:bodyPr wrap="none" rtlCol="0">
-            <a:spAutoFit/>
-          </a:bodyPr>
-          <a:p>
-            <a:r>
-              <a:rPr lang="zh-CN" altLang="en-US" sz="2000">
-                <a:hlinkClick r:id="rId4" action="ppaction://hlinkfile"/>
-              </a:rPr>
-              <a:t>参考链接</a:t>
-            </a:r>
-            <a:endParaRPr lang="zh-CN" altLang="en-US" sz="2000"/>
-          </a:p>
-        </p:txBody>
-      </p:sp>
     </p:spTree>
   </p:cSld>
   <p:clrMapOvr>
@@ -9527,7 +9836,7 @@
         <p:spPr>
           <a:xfrm>
             <a:off x="2317750" y="545465"/>
-            <a:ext cx="3738880" cy="706755"/>
+            <a:ext cx="2214880" cy="706755"/>
           </a:xfrm>
           <a:prstGeom prst="rect">
             <a:avLst/>
@@ -9544,7 +9853,13 @@
               <a:rPr lang="zh-CN" altLang="en-US" sz="4000" b="1">
                 <a:sym typeface="+mn-ea"/>
               </a:rPr>
-              <a:t>配置系统的使用</a:t>
+              <a:t>场景</a:t>
+            </a:r>
+            <a:r>
+              <a:rPr lang="zh-CN" altLang="en-US" sz="4000" b="1">
+                <a:sym typeface="+mn-ea"/>
+              </a:rPr>
+              <a:t>脚本</a:t>
             </a:r>
             <a:endParaRPr lang="zh-CN" altLang="en-US" sz="4000" b="1">
               <a:sym typeface="+mn-ea"/>
@@ -9645,7 +9960,7 @@
                 <a:latin typeface="+mj-ea"/>
                 <a:ea typeface="+mj-ea"/>
               </a:rPr>
-              <a:t>8</a:t>
+              <a:t>7</a:t>
             </a:r>
             <a:endParaRPr lang="en-US" altLang="zh-CN" sz="5400" b="1">
               <a:solidFill>
@@ -9691,14 +10006,43 @@
       </p:sp>
       <p:sp>
         <p:nvSpPr>
+          <p:cNvPr id="4" name="文本框 3"/>
+          <p:cNvSpPr txBox="1"/>
+          <p:nvPr/>
+        </p:nvSpPr>
+        <p:spPr>
+          <a:xfrm>
+            <a:off x="1148715" y="5661025"/>
+            <a:ext cx="3535680" cy="460375"/>
+          </a:xfrm>
+          <a:prstGeom prst="rect">
+            <a:avLst/>
+          </a:prstGeom>
+          <a:noFill/>
+        </p:spPr>
+        <p:txBody>
+          <a:bodyPr wrap="none" rtlCol="0">
+            <a:spAutoFit/>
+          </a:bodyPr>
+          <a:p>
+            <a:r>
+              <a:rPr lang="zh-CN" altLang="en-US" sz="2400" b="1"/>
+              <a:t>什么时候用到场景脚本？</a:t>
+            </a:r>
+            <a:endParaRPr lang="zh-CN" altLang="en-US" sz="2400" b="1"/>
+          </a:p>
+        </p:txBody>
+      </p:sp>
+      <p:sp>
+        <p:nvSpPr>
           <p:cNvPr id="5" name="文本框 4"/>
           <p:cNvSpPr txBox="1"/>
           <p:nvPr/>
         </p:nvSpPr>
         <p:spPr>
           <a:xfrm>
-            <a:off x="1517650" y="2117090"/>
-            <a:ext cx="2621280" cy="460375"/>
+            <a:off x="1402715" y="1628140"/>
+            <a:ext cx="4856480" cy="460375"/>
           </a:xfrm>
           <a:prstGeom prst="rect">
             <a:avLst/>
@@ -9710,10 +10054,21 @@
             <a:spAutoFit/>
           </a:bodyPr>
           <a:p>
-            <a:pPr algn="l"/>
             <a:r>
               <a:rPr lang="zh-CN" altLang="en-US" sz="2400" b="1"/>
-              <a:t>怎么配置默认值？</a:t>
+              <a:t>场景脚本在</a:t>
+            </a:r>
+            <a:r>
+              <a:rPr lang="en-US" altLang="zh-CN" sz="2400" b="1"/>
+              <a:t>package.json</a:t>
+            </a:r>
+            <a:r>
+              <a:rPr lang="zh-CN" altLang="en-US" sz="2400" b="1"/>
+              <a:t>中的</a:t>
+            </a:r>
+            <a:r>
+              <a:rPr lang="zh-CN" altLang="en-US" sz="2400" b="1"/>
+              <a:t>定义</a:t>
             </a:r>
             <a:endParaRPr lang="zh-CN" altLang="en-US" sz="2400" b="1"/>
           </a:p>
@@ -9721,7 +10076,7 @@
       </p:sp>
       <p:pic>
         <p:nvPicPr>
-          <p:cNvPr id="2" name="图片 1" descr="RTPJ635ERW]~`79H7X(PS3F"/>
+          <p:cNvPr id="9" name="图片 8" descr="GKXLA(7JZK_EFW]4WK22{83"/>
           <p:cNvPicPr>
             <a:picLocks noChangeAspect="1"/>
           </p:cNvPicPr>
@@ -9735,14 +10090,104 @@
         </p:blipFill>
         <p:spPr>
           <a:xfrm>
-            <a:off x="1942465" y="3261360"/>
-            <a:ext cx="7877175" cy="3154045"/>
+            <a:off x="7033260" y="2282825"/>
+            <a:ext cx="5034280" cy="2728595"/>
           </a:xfrm>
           <a:prstGeom prst="rect">
             <a:avLst/>
           </a:prstGeom>
         </p:spPr>
       </p:pic>
+      <p:sp>
+        <p:nvSpPr>
+          <p:cNvPr id="11" name="文本框 10"/>
+          <p:cNvSpPr txBox="1"/>
+          <p:nvPr/>
+        </p:nvSpPr>
+        <p:spPr>
+          <a:xfrm>
+            <a:off x="8544560" y="1628140"/>
+            <a:ext cx="2011680" cy="460375"/>
+          </a:xfrm>
+          <a:prstGeom prst="rect">
+            <a:avLst/>
+          </a:prstGeom>
+          <a:noFill/>
+        </p:spPr>
+        <p:txBody>
+          <a:bodyPr wrap="none" rtlCol="0">
+            <a:spAutoFit/>
+          </a:bodyPr>
+          <a:p>
+            <a:r>
+              <a:rPr lang="zh-CN" altLang="en-US" sz="2400" b="1"/>
+              <a:t>场景脚本</a:t>
+            </a:r>
+            <a:r>
+              <a:rPr lang="zh-CN" altLang="en-US" sz="2400" b="1"/>
+              <a:t>结构</a:t>
+            </a:r>
+            <a:endParaRPr lang="zh-CN" altLang="en-US" sz="2400" b="1"/>
+          </a:p>
+        </p:txBody>
+      </p:sp>
+      <p:pic>
+        <p:nvPicPr>
+          <p:cNvPr id="13" name="图片 12" descr="21B9C}~0OGC~Y`{J9`1L25O"/>
+          <p:cNvPicPr>
+            <a:picLocks noChangeAspect="1"/>
+          </p:cNvPicPr>
+          <p:nvPr/>
+        </p:nvPicPr>
+        <p:blipFill>
+          <a:blip r:embed="rId4"/>
+          <a:stretch>
+            <a:fillRect/>
+          </a:stretch>
+        </p:blipFill>
+        <p:spPr>
+          <a:xfrm>
+            <a:off x="1020445" y="2299335"/>
+            <a:ext cx="5621655" cy="2712085"/>
+          </a:xfrm>
+          <a:prstGeom prst="rect">
+            <a:avLst/>
+          </a:prstGeom>
+        </p:spPr>
+      </p:pic>
+      <p:sp>
+        <p:nvSpPr>
+          <p:cNvPr id="3" name="文本框 2">
+            <a:hlinkClick r:id="rId5" action="ppaction://hlinkfile"/>
+          </p:cNvPr>
+          <p:cNvSpPr txBox="1"/>
+          <p:nvPr/>
+        </p:nvSpPr>
+        <p:spPr>
+          <a:xfrm>
+            <a:off x="476885" y="6431915"/>
+            <a:ext cx="1198880" cy="398780"/>
+          </a:xfrm>
+          <a:prstGeom prst="rect">
+            <a:avLst/>
+          </a:prstGeom>
+          <a:noFill/>
+        </p:spPr>
+        <p:txBody>
+          <a:bodyPr wrap="none" rtlCol="0">
+            <a:spAutoFit/>
+          </a:bodyPr>
+          <a:p>
+            <a:r>
+              <a:rPr lang="zh-CN" altLang="en-US" sz="2000">
+                <a:hlinkClick r:id="rId5" action="ppaction://hlinkfile"/>
+              </a:rPr>
+              <a:t>参考链接</a:t>
+            </a:r>
+            <a:endParaRPr lang="zh-CN" altLang="en-US" sz="2000"/>
+          </a:p>
+        </p:txBody>
+      </p:sp>
     </p:spTree>
   </p:cSld>
   <p:clrMapOvr>
@@ -9787,7 +10232,13 @@
               <a:rPr lang="zh-CN" altLang="en-US" sz="4000" b="1">
                 <a:sym typeface="+mn-ea"/>
               </a:rPr>
-              <a:t>插件编译</a:t>
+              <a:t>场景</a:t>
+            </a:r>
+            <a:r>
+              <a:rPr lang="zh-CN" altLang="en-US" sz="4000" b="1">
+                <a:sym typeface="+mn-ea"/>
+              </a:rPr>
+              <a:t>脚本</a:t>
             </a:r>
             <a:endParaRPr lang="zh-CN" altLang="en-US" sz="4000" b="1">
               <a:sym typeface="+mn-ea"/>
@@ -9888,7 +10339,7 @@
                 <a:latin typeface="+mj-ea"/>
                 <a:ea typeface="+mj-ea"/>
               </a:rPr>
-              <a:t>9</a:t>
+              <a:t>7.1</a:t>
             </a:r>
             <a:endParaRPr lang="en-US" altLang="zh-CN" sz="5400" b="1">
               <a:solidFill>
@@ -9900,24 +10351,122 @@
           </a:p>
         </p:txBody>
       </p:sp>
+      <p:sp>
+        <p:nvSpPr>
+          <p:cNvPr id="21" name="文本框 20"/>
+          <p:cNvSpPr txBox="1"/>
+          <p:nvPr/>
+        </p:nvSpPr>
+        <p:spPr>
+          <a:xfrm>
+            <a:off x="895350" y="1628140"/>
+            <a:ext cx="746760" cy="398780"/>
+          </a:xfrm>
+          <a:prstGeom prst="rect">
+            <a:avLst/>
+          </a:prstGeom>
+          <a:noFill/>
+        </p:spPr>
+        <p:txBody>
+          <a:bodyPr wrap="none" rtlCol="0">
+            <a:spAutoFit/>
+          </a:bodyPr>
+          <a:p>
+            <a:pPr algn="l"/>
+            <a:r>
+              <a:rPr lang="en-US" altLang="zh-CN" sz="2000" b="1"/>
+              <a:t>        </a:t>
+            </a:r>
+            <a:endParaRPr lang="zh-CN" altLang="en-US" sz="2000" b="1">
+              <a:sym typeface="+mn-ea"/>
+            </a:endParaRPr>
+          </a:p>
+        </p:txBody>
+      </p:sp>
+      <p:sp>
+        <p:nvSpPr>
+          <p:cNvPr id="11" name="文本框 10"/>
+          <p:cNvSpPr txBox="1"/>
+          <p:nvPr/>
+        </p:nvSpPr>
+        <p:spPr>
+          <a:xfrm>
+            <a:off x="986790" y="1998980"/>
+            <a:ext cx="2621280" cy="460375"/>
+          </a:xfrm>
+          <a:prstGeom prst="rect">
+            <a:avLst/>
+          </a:prstGeom>
+          <a:noFill/>
+        </p:spPr>
+        <p:txBody>
+          <a:bodyPr wrap="none" rtlCol="0">
+            <a:spAutoFit/>
+          </a:bodyPr>
+          <a:p>
+            <a:r>
+              <a:rPr lang="zh-CN" altLang="en-US" sz="2400" b="1"/>
+              <a:t>怎么和场景</a:t>
+            </a:r>
+            <a:r>
+              <a:rPr lang="zh-CN" altLang="en-US" sz="2400" b="1"/>
+              <a:t>通信？</a:t>
+            </a:r>
+            <a:endParaRPr lang="zh-CN" altLang="en-US" sz="2400" b="1"/>
+          </a:p>
+        </p:txBody>
+      </p:sp>
+      <p:sp>
+        <p:nvSpPr>
+          <p:cNvPr id="3" name="文本框 2">
+            <a:hlinkClick r:id="rId3" action="ppaction://hlinkfile"/>
+          </p:cNvPr>
+          <p:cNvSpPr txBox="1"/>
+          <p:nvPr/>
+        </p:nvSpPr>
+        <p:spPr>
+          <a:xfrm>
+            <a:off x="476885" y="6431915"/>
+            <a:ext cx="1198880" cy="398780"/>
+          </a:xfrm>
+          <a:prstGeom prst="rect">
+            <a:avLst/>
+          </a:prstGeom>
+          <a:noFill/>
+        </p:spPr>
+        <p:txBody>
+          <a:bodyPr wrap="none" rtlCol="0">
+            <a:spAutoFit/>
+          </a:bodyPr>
+          <a:p>
+            <a:r>
+              <a:rPr lang="zh-CN" altLang="en-US" sz="2000">
+                <a:hlinkClick r:id="rId4" action="ppaction://hlinkfile"/>
+              </a:rPr>
+              <a:t>参考链接</a:t>
+            </a:r>
+            <a:endParaRPr lang="zh-CN" altLang="en-US" sz="2000"/>
+          </a:p>
+        </p:txBody>
+      </p:sp>
       <p:pic>
         <p:nvPicPr>
-          <p:cNvPr id="2" name="图片 1" descr="I$CWS}S(5@NZ{37E5OX$Q$3"/>
+          <p:cNvPr id="2" name="图片 1" descr="G33Z@LWNOI6{X2$L~EHC8T0"/>
           <p:cNvPicPr>
             <a:picLocks noChangeAspect="1"/>
           </p:cNvPicPr>
           <p:nvPr/>
         </p:nvPicPr>
         <p:blipFill>
-          <a:blip r:embed="rId3"/>
+          <a:blip r:embed="rId5"/>
           <a:stretch>
             <a:fillRect/>
           </a:stretch>
         </p:blipFill>
         <p:spPr>
           <a:xfrm>
-            <a:off x="6774815" y="1628140"/>
-            <a:ext cx="5101590" cy="4891405"/>
+            <a:off x="895350" y="2945130"/>
+            <a:ext cx="10850880" cy="2054225"/>
           </a:xfrm>
           <a:prstGeom prst="rect">
             <a:avLst/>
@@ -9932,8 +10481,8 @@
         </p:nvSpPr>
         <p:spPr>
           <a:xfrm>
-            <a:off x="885825" y="2606675"/>
-            <a:ext cx="4907915" cy="460375"/>
+            <a:off x="895350" y="5485130"/>
+            <a:ext cx="2316480" cy="460375"/>
           </a:xfrm>
           <a:prstGeom prst="rect">
             <a:avLst/>
@@ -9945,106 +10494,9 @@
             <a:spAutoFit/>
           </a:bodyPr>
           <a:p>
-            <a:pPr algn="l"/>
-            <a:r>
-              <a:rPr lang="en-US" altLang="zh-CN" sz="2400" b="1"/>
-              <a:t>tsc</a:t>
-            </a:r>
             <a:r>
               <a:rPr lang="zh-CN" altLang="en-US" sz="2400" b="1"/>
-              <a:t>：</a:t>
-            </a:r>
-            <a:r>
-              <a:rPr lang="en-US" altLang="zh-CN" sz="2400" b="1"/>
-              <a:t>typescript </a:t>
-            </a:r>
-            <a:r>
-              <a:rPr lang="zh-CN" altLang="en-US" sz="2400" b="1"/>
-              <a:t>语言自己的编译器</a:t>
-            </a:r>
-            <a:endParaRPr lang="zh-CN" altLang="en-US" sz="2400" b="1"/>
-          </a:p>
-        </p:txBody>
-      </p:sp>
-      <p:sp>
-        <p:nvSpPr>
-          <p:cNvPr id="4" name="文本框 3"/>
-          <p:cNvSpPr txBox="1"/>
-          <p:nvPr/>
-        </p:nvSpPr>
-        <p:spPr>
-          <a:xfrm>
-            <a:off x="885825" y="3460115"/>
-            <a:ext cx="4601845" cy="460375"/>
-          </a:xfrm>
-          <a:prstGeom prst="rect">
-            <a:avLst/>
-          </a:prstGeom>
-          <a:noFill/>
-        </p:spPr>
-        <p:txBody>
-          <a:bodyPr wrap="none" rtlCol="0">
-            <a:spAutoFit/>
-          </a:bodyPr>
-          <a:p>
-            <a:pPr algn="l"/>
-            <a:r>
-              <a:rPr lang="en-US" altLang="zh-CN" sz="2400" b="1"/>
-              <a:t>tsc -b [tsconfig</a:t>
-            </a:r>
-            <a:r>
-              <a:rPr lang="zh-CN" altLang="en-US" sz="2400" b="1"/>
-              <a:t>所在目录</a:t>
-            </a:r>
-            <a:r>
-              <a:rPr lang="en-US" altLang="zh-CN" sz="2400" b="1"/>
-              <a:t>]</a:t>
-            </a:r>
-            <a:r>
-              <a:rPr lang="zh-CN" altLang="en-US" sz="2400" b="1"/>
-              <a:t>：编译</a:t>
-            </a:r>
-            <a:endParaRPr lang="zh-CN" altLang="en-US" sz="2400" b="1"/>
-          </a:p>
-        </p:txBody>
-      </p:sp>
-      <p:sp>
-        <p:nvSpPr>
-          <p:cNvPr id="9" name="文本框 8"/>
-          <p:cNvSpPr txBox="1"/>
-          <p:nvPr/>
-        </p:nvSpPr>
-        <p:spPr>
-          <a:xfrm>
-            <a:off x="885825" y="4313555"/>
-            <a:ext cx="5262245" cy="460375"/>
-          </a:xfrm>
-          <a:prstGeom prst="rect">
-            <a:avLst/>
-          </a:prstGeom>
-          <a:noFill/>
-        </p:spPr>
-        <p:txBody>
-          <a:bodyPr wrap="none" rtlCol="0">
-            <a:spAutoFit/>
-          </a:bodyPr>
-          <a:p>
-            <a:pPr algn="l"/>
-            <a:r>
-              <a:rPr lang="en-US" altLang="zh-CN" sz="2400" b="1"/>
-              <a:t>tsc -w [tsconfig</a:t>
-            </a:r>
-            <a:r>
-              <a:rPr lang="zh-CN" altLang="en-US" sz="2400" b="1"/>
-              <a:t>所在目录</a:t>
-            </a:r>
-            <a:r>
-              <a:rPr lang="en-US" altLang="zh-CN" sz="2400" b="1"/>
-              <a:t>]</a:t>
-            </a:r>
-            <a:r>
-              <a:rPr lang="zh-CN" altLang="en-US" sz="2400" b="1"/>
-              <a:t>：监听编译</a:t>
+              <a:t>答案：消息系统</a:t>
             </a:r>
             <a:endParaRPr lang="zh-CN" altLang="en-US" sz="2400" b="1"/>
           </a:p>
@@ -10077,7 +10529,7 @@
         <p:spPr>
           <a:xfrm>
             <a:off x="2317750" y="545465"/>
-            <a:ext cx="2214880" cy="706755"/>
+            <a:ext cx="3738880" cy="706755"/>
           </a:xfrm>
           <a:prstGeom prst="rect">
             <a:avLst/>
@@ -10094,13 +10546,7 @@
               <a:rPr lang="zh-CN" altLang="en-US" sz="4000" b="1">
                 <a:sym typeface="+mn-ea"/>
               </a:rPr>
-              <a:t>发布</a:t>
-            </a:r>
-            <a:r>
-              <a:rPr lang="zh-CN" altLang="en-US" sz="4000" b="1">
-                <a:sym typeface="+mn-ea"/>
-              </a:rPr>
-              <a:t>插件</a:t>
+              <a:t>配置系统的使用</a:t>
             </a:r>
             <a:endParaRPr lang="zh-CN" altLang="en-US" sz="4000" b="1">
               <a:sym typeface="+mn-ea"/>
@@ -10201,7 +10647,7 @@
                 <a:latin typeface="+mj-ea"/>
                 <a:ea typeface="+mj-ea"/>
               </a:rPr>
-              <a:t>10</a:t>
+              <a:t>8</a:t>
             </a:r>
             <a:endParaRPr lang="en-US" altLang="zh-CN" sz="5400" b="1">
               <a:solidFill>
@@ -10247,6 +10693,96 @@
       </p:sp>
       <p:sp>
         <p:nvSpPr>
+          <p:cNvPr id="5" name="文本框 4"/>
+          <p:cNvSpPr txBox="1"/>
+          <p:nvPr/>
+        </p:nvSpPr>
+        <p:spPr>
+          <a:xfrm>
+            <a:off x="1517650" y="2117090"/>
+            <a:ext cx="2621280" cy="460375"/>
+          </a:xfrm>
+          <a:prstGeom prst="rect">
+            <a:avLst/>
+          </a:prstGeom>
+          <a:noFill/>
+        </p:spPr>
+        <p:txBody>
+          <a:bodyPr wrap="none" rtlCol="0">
+            <a:spAutoFit/>
+          </a:bodyPr>
+          <a:p>
+            <a:pPr algn="l"/>
+            <a:r>
+              <a:rPr lang="zh-CN" altLang="en-US" sz="2400" b="1">
+                <a:sym typeface="+mn-ea"/>
+              </a:rPr>
+              <a:t>配置系统是</a:t>
+            </a:r>
+            <a:r>
+              <a:rPr lang="zh-CN" altLang="en-US" sz="2400" b="1"/>
+              <a:t>什么？</a:t>
+            </a:r>
+            <a:endParaRPr lang="zh-CN" altLang="en-US" sz="2400" b="1"/>
+          </a:p>
+        </p:txBody>
+      </p:sp>
+      <p:sp>
+        <p:nvSpPr>
+          <p:cNvPr id="9" name="文本框 8"/>
+          <p:cNvSpPr txBox="1"/>
+          <p:nvPr/>
+        </p:nvSpPr>
+        <p:spPr>
+          <a:xfrm>
+            <a:off x="1517650" y="3442335"/>
+            <a:ext cx="1402080" cy="460375"/>
+          </a:xfrm>
+          <a:prstGeom prst="rect">
+            <a:avLst/>
+          </a:prstGeom>
+          <a:noFill/>
+        </p:spPr>
+        <p:txBody>
+          <a:bodyPr wrap="none" rtlCol="0">
+            <a:spAutoFit/>
+          </a:bodyPr>
+          <a:p>
+            <a:pPr algn="l"/>
+            <a:r>
+              <a:rPr lang="zh-CN" altLang="en-US" sz="2400" b="1"/>
+              <a:t>简单使用</a:t>
+            </a:r>
+            <a:endParaRPr lang="zh-CN" altLang="en-US" sz="2400" b="1"/>
+          </a:p>
+        </p:txBody>
+      </p:sp>
+      <p:pic>
+        <p:nvPicPr>
+          <p:cNvPr id="12" name="图片 11" descr="8OBRV9D~8KLV7K0L`KX8TY4"/>
+          <p:cNvPicPr>
+            <a:picLocks noChangeAspect="1"/>
+          </p:cNvPicPr>
+          <p:nvPr/>
+        </p:nvPicPr>
+        <p:blipFill>
+          <a:blip r:embed="rId3"/>
+          <a:stretch>
+            <a:fillRect/>
+          </a:stretch>
+        </p:blipFill>
+        <p:spPr>
+          <a:xfrm>
+            <a:off x="1913255" y="4146550"/>
+            <a:ext cx="8392795" cy="1461135"/>
+          </a:xfrm>
+          <a:prstGeom prst="rect">
+            <a:avLst/>
+          </a:prstGeom>
+        </p:spPr>
+      </p:pic>
+      <p:sp>
+        <p:nvSpPr>
           <p:cNvPr id="3" name="文本框 2"/>
           <p:cNvSpPr txBox="1"/>
           <p:nvPr/>
@@ -10268,189 +10804,11 @@
           <a:p>
             <a:r>
               <a:rPr lang="zh-CN" altLang="en-US" sz="2000">
-                <a:hlinkClick r:id="rId3" action="ppaction://hlinkfile"/>
+                <a:hlinkClick r:id="rId4" action="ppaction://hlinkfile"/>
               </a:rPr>
               <a:t>参考链接</a:t>
             </a:r>
             <a:endParaRPr lang="zh-CN" altLang="en-US" sz="2000"/>
-          </a:p>
-        </p:txBody>
-      </p:sp>
-      <p:sp>
-        <p:nvSpPr>
-          <p:cNvPr id="2" name="文本框 1"/>
-          <p:cNvSpPr txBox="1"/>
-          <p:nvPr/>
-        </p:nvSpPr>
-        <p:spPr>
-          <a:xfrm>
-            <a:off x="1517650" y="2117090"/>
-            <a:ext cx="3958590" cy="460375"/>
-          </a:xfrm>
-          <a:prstGeom prst="rect">
-            <a:avLst/>
-          </a:prstGeom>
-          <a:noFill/>
-        </p:spPr>
-        <p:txBody>
-          <a:bodyPr wrap="none" rtlCol="0">
-            <a:spAutoFit/>
-          </a:bodyPr>
-          <a:p>
-            <a:pPr algn="l"/>
-            <a:r>
-              <a:rPr lang="en-US" altLang="zh-CN" sz="2400" b="1"/>
-              <a:t>1. </a:t>
-            </a:r>
-            <a:r>
-              <a:rPr lang="zh-CN" altLang="en-US" sz="2400" b="1"/>
-              <a:t>请仔细阅读发布</a:t>
-            </a:r>
-            <a:r>
-              <a:rPr lang="en-US" altLang="zh-CN" sz="2400" b="1"/>
-              <a:t> </a:t>
-            </a:r>
-            <a:r>
-              <a:rPr lang="zh-CN" altLang="en-US" sz="2400" b="1">
-                <a:hlinkClick r:id="rId4" action="ppaction://hlinkfile"/>
-              </a:rPr>
-              <a:t>插件规范</a:t>
-            </a:r>
-            <a:endParaRPr lang="zh-CN" altLang="en-US" sz="2400" b="1"/>
-          </a:p>
-        </p:txBody>
-      </p:sp>
-      <p:sp>
-        <p:nvSpPr>
-          <p:cNvPr id="4" name="文本框 3"/>
-          <p:cNvSpPr txBox="1"/>
-          <p:nvPr/>
-        </p:nvSpPr>
-        <p:spPr>
-          <a:xfrm>
-            <a:off x="1517650" y="2837815"/>
-            <a:ext cx="5144135" cy="460375"/>
-          </a:xfrm>
-          <a:prstGeom prst="rect">
-            <a:avLst/>
-          </a:prstGeom>
-          <a:noFill/>
-        </p:spPr>
-        <p:txBody>
-          <a:bodyPr wrap="none" rtlCol="0">
-            <a:spAutoFit/>
-          </a:bodyPr>
-          <a:p>
-            <a:pPr algn="l"/>
-            <a:r>
-              <a:rPr lang="en-US" altLang="zh-CN" sz="2400" b="1"/>
-              <a:t>2. </a:t>
-            </a:r>
-            <a:r>
-              <a:rPr lang="zh-CN" altLang="en-US" sz="2400" b="1"/>
-              <a:t>确认无误后登陆</a:t>
-            </a:r>
-            <a:r>
-              <a:rPr lang="en-US" altLang="zh-CN" sz="2400" b="1"/>
-              <a:t> </a:t>
-            </a:r>
-            <a:r>
-              <a:rPr lang="en-US" altLang="zh-CN" sz="2400" b="1">
-                <a:hlinkClick r:id="rId5" action="ppaction://hlinkfile"/>
-              </a:rPr>
-              <a:t>cocos</a:t>
-            </a:r>
-            <a:r>
-              <a:rPr lang="zh-CN" altLang="en-US" sz="2400" b="1">
-                <a:hlinkClick r:id="rId5" action="ppaction://hlinkfile"/>
-              </a:rPr>
-              <a:t>开发者中心</a:t>
-            </a:r>
-            <a:endParaRPr lang="zh-CN" altLang="en-US" sz="2400" b="1"/>
-          </a:p>
-        </p:txBody>
-      </p:sp>
-      <p:sp>
-        <p:nvSpPr>
-          <p:cNvPr id="9" name="文本框 8"/>
-          <p:cNvSpPr txBox="1"/>
-          <p:nvPr/>
-        </p:nvSpPr>
-        <p:spPr>
-          <a:xfrm>
-            <a:off x="1517650" y="3558540"/>
-            <a:ext cx="5380355" cy="460375"/>
-          </a:xfrm>
-          <a:prstGeom prst="rect">
-            <a:avLst/>
-          </a:prstGeom>
-          <a:noFill/>
-        </p:spPr>
-        <p:txBody>
-          <a:bodyPr wrap="none" rtlCol="0">
-            <a:spAutoFit/>
-          </a:bodyPr>
-          <a:p>
-            <a:pPr algn="l"/>
-            <a:r>
-              <a:rPr lang="en-US" altLang="zh-CN" sz="2400" b="1"/>
-              <a:t>3. </a:t>
-            </a:r>
-            <a:r>
-              <a:rPr lang="zh-CN" altLang="en-US" sz="2400" b="1"/>
-              <a:t>点击商店</a:t>
-            </a:r>
-            <a:r>
-              <a:rPr lang="en-US" altLang="zh-CN" sz="2400" b="1"/>
-              <a:t> -&gt; </a:t>
-            </a:r>
-            <a:r>
-              <a:rPr lang="zh-CN" altLang="en-US" sz="2400" b="1"/>
-              <a:t>卖家中心</a:t>
-            </a:r>
-            <a:r>
-              <a:rPr lang="en-US" altLang="zh-CN" sz="2400" b="1"/>
-              <a:t> -&gt; </a:t>
-            </a:r>
-            <a:r>
-              <a:rPr lang="zh-CN" altLang="en-US" sz="2400" b="1"/>
-              <a:t>发布新资源</a:t>
-            </a:r>
-            <a:endParaRPr lang="zh-CN" altLang="en-US" sz="2400" b="1"/>
-          </a:p>
-        </p:txBody>
-      </p:sp>
-      <p:sp>
-        <p:nvSpPr>
-          <p:cNvPr id="11" name="文本框 10"/>
-          <p:cNvSpPr txBox="1"/>
-          <p:nvPr/>
-        </p:nvSpPr>
-        <p:spPr>
-          <a:xfrm>
-            <a:off x="1517650" y="4279265"/>
-            <a:ext cx="8446135" cy="460375"/>
-          </a:xfrm>
-          <a:prstGeom prst="rect">
-            <a:avLst/>
-          </a:prstGeom>
-          <a:noFill/>
-        </p:spPr>
-        <p:txBody>
-          <a:bodyPr wrap="none" rtlCol="0">
-            <a:spAutoFit/>
-          </a:bodyPr>
-          <a:p>
-            <a:pPr algn="l"/>
-            <a:r>
-              <a:rPr lang="en-US" altLang="zh-CN" sz="2400" b="1"/>
-              <a:t>4. </a:t>
-            </a:r>
-            <a:r>
-              <a:rPr lang="zh-CN" altLang="en-US" sz="2400" b="1"/>
-              <a:t>填写好后静待两三天审核时间，如有问题官方人员会联系你</a:t>
-            </a:r>
-            <a:endParaRPr lang="zh-CN" altLang="en-US" sz="2400" b="1"/>
           </a:p>
         </p:txBody>
       </p:sp>
@@ -10463,6 +10821,960 @@
 </file>
 
 <file path=ppt/slides/slide24.xml><?xml version="1.0" encoding="utf-8"?>
+<p:sld xmlns:a="http://schemas.openxmlformats.org/drawingml/2006/main" xmlns:r="http://schemas.openxmlformats.org/officeDocument/2006/relationships" xmlns:p="http://schemas.openxmlformats.org/presentationml/2006/main">
+  <p:cSld>
+    <p:spTree>
+      <p:nvGrpSpPr>
+        <p:cNvPr id="1" name=""/>
+        <p:cNvGrpSpPr/>
+        <p:nvPr/>
+      </p:nvGrpSpPr>
+      <p:grpSpPr/>
+      <p:sp>
+        <p:nvSpPr>
+          <p:cNvPr id="6" name="文本框 5"/>
+          <p:cNvSpPr txBox="1"/>
+          <p:nvPr/>
+        </p:nvSpPr>
+        <p:spPr>
+          <a:xfrm>
+            <a:off x="2317750" y="545465"/>
+            <a:ext cx="3738880" cy="706755"/>
+          </a:xfrm>
+          <a:prstGeom prst="rect">
+            <a:avLst/>
+          </a:prstGeom>
+          <a:noFill/>
+        </p:spPr>
+        <p:txBody>
+          <a:bodyPr wrap="none" rtlCol="0">
+            <a:spAutoFit/>
+          </a:bodyPr>
+          <a:p>
+            <a:pPr algn="l"/>
+            <a:r>
+              <a:rPr lang="zh-CN" altLang="en-US" sz="4000" b="1">
+                <a:sym typeface="+mn-ea"/>
+              </a:rPr>
+              <a:t>配置系统的使用</a:t>
+            </a:r>
+            <a:endParaRPr lang="zh-CN" altLang="en-US" sz="4000" b="1">
+              <a:sym typeface="+mn-ea"/>
+            </a:endParaRPr>
+          </a:p>
+        </p:txBody>
+      </p:sp>
+      <p:sp>
+        <p:nvSpPr>
+          <p:cNvPr id="8" name="文本框 7" descr="7b0a20202020227461726765744d6f64756c65223a202270726f636573734f6e6c696e65466f6e7473220a7d0a"/>
+          <p:cNvSpPr txBox="1"/>
+          <p:nvPr/>
+        </p:nvSpPr>
+        <p:spPr>
+          <a:xfrm>
+            <a:off x="10305415" y="184150"/>
+            <a:ext cx="1762125" cy="922020"/>
+          </a:xfrm>
+          <a:prstGeom prst="rect">
+            <a:avLst/>
+          </a:prstGeom>
+          <a:noFill/>
+        </p:spPr>
+        <p:txBody>
+          <a:bodyPr wrap="square" rtlCol="0">
+            <a:spAutoFit/>
+          </a:bodyPr>
+          <a:p>
+            <a:r>
+              <a:rPr lang="zh-CN" altLang="en-US" sz="5400" b="1">
+                <a:latin typeface="+mj-ea"/>
+                <a:ea typeface="+mj-ea"/>
+              </a:rPr>
+              <a:t>入门</a:t>
+            </a:r>
+            <a:endParaRPr lang="zh-CN" altLang="en-US" sz="5400" b="1">
+              <a:latin typeface="+mj-ea"/>
+              <a:ea typeface="+mj-ea"/>
+            </a:endParaRPr>
+          </a:p>
+        </p:txBody>
+      </p:sp>
+      <p:pic>
+        <p:nvPicPr>
+          <p:cNvPr id="7" name="图片 6" descr="0"/>
+          <p:cNvPicPr>
+            <a:picLocks noChangeAspect="1"/>
+          </p:cNvPicPr>
+          <p:nvPr>
+            <p:custDataLst>
+              <p:tags r:id="rId1"/>
+            </p:custDataLst>
+          </p:nvPr>
+        </p:nvPicPr>
+        <p:blipFill>
+          <a:blip r:embed="rId2"/>
+          <a:stretch>
+            <a:fillRect/>
+          </a:stretch>
+        </p:blipFill>
+        <p:spPr>
+          <a:xfrm rot="2520000">
+            <a:off x="-2587625" y="-3070225"/>
+            <a:ext cx="4406900" cy="5954395"/>
+          </a:xfrm>
+          <a:prstGeom prst="rect">
+            <a:avLst/>
+          </a:prstGeom>
+        </p:spPr>
+      </p:pic>
+      <p:sp>
+        <p:nvSpPr>
+          <p:cNvPr id="10" name="文本框 9" descr="7b0a20202020227461726765744d6f64756c65223a202270726f636573734f6e6c696e65466f6e7473220a7d0a"/>
+          <p:cNvSpPr txBox="1"/>
+          <p:nvPr/>
+        </p:nvSpPr>
+        <p:spPr>
+          <a:xfrm>
+            <a:off x="0" y="235585"/>
+            <a:ext cx="1402715" cy="922020"/>
+          </a:xfrm>
+          <a:prstGeom prst="rect">
+            <a:avLst/>
+          </a:prstGeom>
+          <a:noFill/>
+        </p:spPr>
+        <p:txBody>
+          <a:bodyPr wrap="square" rtlCol="0">
+            <a:spAutoFit/>
+          </a:bodyPr>
+          <a:p>
+            <a:pPr algn="ctr"/>
+            <a:r>
+              <a:rPr lang="en-US" altLang="zh-CN" sz="5400" b="1">
+                <a:solidFill>
+                  <a:schemeClr val="bg1"/>
+                </a:solidFill>
+                <a:latin typeface="+mj-ea"/>
+                <a:ea typeface="+mj-ea"/>
+              </a:rPr>
+              <a:t>8.1</a:t>
+            </a:r>
+            <a:endParaRPr lang="en-US" altLang="zh-CN" sz="5400" b="1">
+              <a:solidFill>
+                <a:schemeClr val="bg1"/>
+              </a:solidFill>
+              <a:latin typeface="+mj-ea"/>
+              <a:ea typeface="+mj-ea"/>
+            </a:endParaRPr>
+          </a:p>
+        </p:txBody>
+      </p:sp>
+      <p:sp>
+        <p:nvSpPr>
+          <p:cNvPr id="21" name="文本框 20"/>
+          <p:cNvSpPr txBox="1"/>
+          <p:nvPr/>
+        </p:nvSpPr>
+        <p:spPr>
+          <a:xfrm>
+            <a:off x="895350" y="1628140"/>
+            <a:ext cx="746760" cy="398780"/>
+          </a:xfrm>
+          <a:prstGeom prst="rect">
+            <a:avLst/>
+          </a:prstGeom>
+          <a:noFill/>
+        </p:spPr>
+        <p:txBody>
+          <a:bodyPr wrap="none" rtlCol="0">
+            <a:spAutoFit/>
+          </a:bodyPr>
+          <a:p>
+            <a:pPr algn="l"/>
+            <a:r>
+              <a:rPr lang="en-US" altLang="zh-CN" sz="2000" b="1"/>
+              <a:t>        </a:t>
+            </a:r>
+            <a:endParaRPr lang="zh-CN" altLang="en-US" sz="2000" b="1">
+              <a:sym typeface="+mn-ea"/>
+            </a:endParaRPr>
+          </a:p>
+        </p:txBody>
+      </p:sp>
+      <p:sp>
+        <p:nvSpPr>
+          <p:cNvPr id="5" name="文本框 4"/>
+          <p:cNvSpPr txBox="1"/>
+          <p:nvPr/>
+        </p:nvSpPr>
+        <p:spPr>
+          <a:xfrm>
+            <a:off x="1517650" y="2117090"/>
+            <a:ext cx="2621280" cy="460375"/>
+          </a:xfrm>
+          <a:prstGeom prst="rect">
+            <a:avLst/>
+          </a:prstGeom>
+          <a:noFill/>
+        </p:spPr>
+        <p:txBody>
+          <a:bodyPr wrap="none" rtlCol="0">
+            <a:spAutoFit/>
+          </a:bodyPr>
+          <a:p>
+            <a:pPr algn="l"/>
+            <a:r>
+              <a:rPr lang="zh-CN" altLang="en-US" sz="2400" b="1"/>
+              <a:t>怎么配置默认值？</a:t>
+            </a:r>
+            <a:endParaRPr lang="zh-CN" altLang="en-US" sz="2400" b="1"/>
+          </a:p>
+        </p:txBody>
+      </p:sp>
+      <p:pic>
+        <p:nvPicPr>
+          <p:cNvPr id="2" name="图片 1" descr="RTPJ635ERW]~`79H7X(PS3F"/>
+          <p:cNvPicPr>
+            <a:picLocks noChangeAspect="1"/>
+          </p:cNvPicPr>
+          <p:nvPr/>
+        </p:nvPicPr>
+        <p:blipFill>
+          <a:blip r:embed="rId3"/>
+          <a:stretch>
+            <a:fillRect/>
+          </a:stretch>
+        </p:blipFill>
+        <p:spPr>
+          <a:xfrm>
+            <a:off x="1942465" y="3261360"/>
+            <a:ext cx="7877175" cy="3154045"/>
+          </a:xfrm>
+          <a:prstGeom prst="rect">
+            <a:avLst/>
+          </a:prstGeom>
+        </p:spPr>
+      </p:pic>
+    </p:spTree>
+  </p:cSld>
+  <p:clrMapOvr>
+    <a:masterClrMapping/>
+  </p:clrMapOvr>
+</p:sld>
+</file>
+
+<file path=ppt/slides/slide25.xml><?xml version="1.0" encoding="utf-8"?>
+<p:sld xmlns:a="http://schemas.openxmlformats.org/drawingml/2006/main" xmlns:r="http://schemas.openxmlformats.org/officeDocument/2006/relationships" xmlns:p="http://schemas.openxmlformats.org/presentationml/2006/main">
+  <p:cSld>
+    <p:spTree>
+      <p:nvGrpSpPr>
+        <p:cNvPr id="1" name=""/>
+        <p:cNvGrpSpPr/>
+        <p:nvPr/>
+      </p:nvGrpSpPr>
+      <p:grpSpPr/>
+      <p:sp>
+        <p:nvSpPr>
+          <p:cNvPr id="6" name="文本框 5"/>
+          <p:cNvSpPr txBox="1"/>
+          <p:nvPr/>
+        </p:nvSpPr>
+        <p:spPr>
+          <a:xfrm>
+            <a:off x="2317750" y="545465"/>
+            <a:ext cx="2214880" cy="706755"/>
+          </a:xfrm>
+          <a:prstGeom prst="rect">
+            <a:avLst/>
+          </a:prstGeom>
+          <a:noFill/>
+        </p:spPr>
+        <p:txBody>
+          <a:bodyPr wrap="none" rtlCol="0">
+            <a:spAutoFit/>
+          </a:bodyPr>
+          <a:p>
+            <a:pPr algn="l"/>
+            <a:r>
+              <a:rPr lang="zh-CN" altLang="en-US" sz="4000" b="1">
+                <a:sym typeface="+mn-ea"/>
+              </a:rPr>
+              <a:t>插件编译</a:t>
+            </a:r>
+            <a:endParaRPr lang="zh-CN" altLang="en-US" sz="4000" b="1">
+              <a:sym typeface="+mn-ea"/>
+            </a:endParaRPr>
+          </a:p>
+        </p:txBody>
+      </p:sp>
+      <p:sp>
+        <p:nvSpPr>
+          <p:cNvPr id="8" name="文本框 7" descr="7b0a20202020227461726765744d6f64756c65223a202270726f636573734f6e6c696e65466f6e7473220a7d0a"/>
+          <p:cNvSpPr txBox="1"/>
+          <p:nvPr/>
+        </p:nvSpPr>
+        <p:spPr>
+          <a:xfrm>
+            <a:off x="10305415" y="184150"/>
+            <a:ext cx="1762125" cy="922020"/>
+          </a:xfrm>
+          <a:prstGeom prst="rect">
+            <a:avLst/>
+          </a:prstGeom>
+          <a:noFill/>
+        </p:spPr>
+        <p:txBody>
+          <a:bodyPr wrap="square" rtlCol="0">
+            <a:spAutoFit/>
+          </a:bodyPr>
+          <a:p>
+            <a:r>
+              <a:rPr lang="zh-CN" altLang="en-US" sz="5400" b="1">
+                <a:latin typeface="+mj-ea"/>
+                <a:ea typeface="+mj-ea"/>
+              </a:rPr>
+              <a:t>入门</a:t>
+            </a:r>
+            <a:endParaRPr lang="zh-CN" altLang="en-US" sz="5400" b="1">
+              <a:latin typeface="+mj-ea"/>
+              <a:ea typeface="+mj-ea"/>
+            </a:endParaRPr>
+          </a:p>
+        </p:txBody>
+      </p:sp>
+      <p:pic>
+        <p:nvPicPr>
+          <p:cNvPr id="7" name="图片 6" descr="0"/>
+          <p:cNvPicPr>
+            <a:picLocks noChangeAspect="1"/>
+          </p:cNvPicPr>
+          <p:nvPr>
+            <p:custDataLst>
+              <p:tags r:id="rId1"/>
+            </p:custDataLst>
+          </p:nvPr>
+        </p:nvPicPr>
+        <p:blipFill>
+          <a:blip r:embed="rId2"/>
+          <a:stretch>
+            <a:fillRect/>
+          </a:stretch>
+        </p:blipFill>
+        <p:spPr>
+          <a:xfrm rot="2520000">
+            <a:off x="-2587625" y="-3070225"/>
+            <a:ext cx="4406900" cy="5954395"/>
+          </a:xfrm>
+          <a:prstGeom prst="rect">
+            <a:avLst/>
+          </a:prstGeom>
+        </p:spPr>
+      </p:pic>
+      <p:sp>
+        <p:nvSpPr>
+          <p:cNvPr id="10" name="文本框 9" descr="7b0a20202020227461726765744d6f64756c65223a202270726f636573734f6e6c696e65466f6e7473220a7d0a"/>
+          <p:cNvSpPr txBox="1"/>
+          <p:nvPr/>
+        </p:nvSpPr>
+        <p:spPr>
+          <a:xfrm>
+            <a:off x="0" y="235585"/>
+            <a:ext cx="1402715" cy="922020"/>
+          </a:xfrm>
+          <a:prstGeom prst="rect">
+            <a:avLst/>
+          </a:prstGeom>
+          <a:noFill/>
+        </p:spPr>
+        <p:txBody>
+          <a:bodyPr wrap="square" rtlCol="0">
+            <a:spAutoFit/>
+          </a:bodyPr>
+          <a:p>
+            <a:pPr algn="ctr"/>
+            <a:r>
+              <a:rPr lang="en-US" altLang="zh-CN" sz="5400" b="1">
+                <a:solidFill>
+                  <a:schemeClr val="bg1"/>
+                </a:solidFill>
+                <a:latin typeface="+mj-ea"/>
+                <a:ea typeface="+mj-ea"/>
+              </a:rPr>
+              <a:t>9</a:t>
+            </a:r>
+            <a:endParaRPr lang="en-US" altLang="zh-CN" sz="5400" b="1">
+              <a:solidFill>
+                <a:schemeClr val="bg1"/>
+              </a:solidFill>
+              <a:latin typeface="+mj-ea"/>
+              <a:ea typeface="+mj-ea"/>
+            </a:endParaRPr>
+          </a:p>
+        </p:txBody>
+      </p:sp>
+      <p:pic>
+        <p:nvPicPr>
+          <p:cNvPr id="2" name="图片 1" descr="I$CWS}S(5@NZ{37E5OX$Q$3"/>
+          <p:cNvPicPr>
+            <a:picLocks noChangeAspect="1"/>
+          </p:cNvPicPr>
+          <p:nvPr/>
+        </p:nvPicPr>
+        <p:blipFill>
+          <a:blip r:embed="rId3"/>
+          <a:stretch>
+            <a:fillRect/>
+          </a:stretch>
+        </p:blipFill>
+        <p:spPr>
+          <a:xfrm>
+            <a:off x="6774815" y="1628140"/>
+            <a:ext cx="5101590" cy="4891405"/>
+          </a:xfrm>
+          <a:prstGeom prst="rect">
+            <a:avLst/>
+          </a:prstGeom>
+        </p:spPr>
+      </p:pic>
+      <p:sp>
+        <p:nvSpPr>
+          <p:cNvPr id="5" name="文本框 4"/>
+          <p:cNvSpPr txBox="1"/>
+          <p:nvPr/>
+        </p:nvSpPr>
+        <p:spPr>
+          <a:xfrm>
+            <a:off x="885825" y="2606675"/>
+            <a:ext cx="4907915" cy="460375"/>
+          </a:xfrm>
+          <a:prstGeom prst="rect">
+            <a:avLst/>
+          </a:prstGeom>
+          <a:noFill/>
+        </p:spPr>
+        <p:txBody>
+          <a:bodyPr wrap="none" rtlCol="0">
+            <a:spAutoFit/>
+          </a:bodyPr>
+          <a:p>
+            <a:pPr algn="l"/>
+            <a:r>
+              <a:rPr lang="en-US" altLang="zh-CN" sz="2400" b="1"/>
+              <a:t>tsc</a:t>
+            </a:r>
+            <a:r>
+              <a:rPr lang="zh-CN" altLang="en-US" sz="2400" b="1"/>
+              <a:t>：</a:t>
+            </a:r>
+            <a:r>
+              <a:rPr lang="en-US" altLang="zh-CN" sz="2400" b="1"/>
+              <a:t>typescript </a:t>
+            </a:r>
+            <a:r>
+              <a:rPr lang="zh-CN" altLang="en-US" sz="2400" b="1"/>
+              <a:t>语言自己的编译器</a:t>
+            </a:r>
+            <a:endParaRPr lang="zh-CN" altLang="en-US" sz="2400" b="1"/>
+          </a:p>
+        </p:txBody>
+      </p:sp>
+      <p:sp>
+        <p:nvSpPr>
+          <p:cNvPr id="4" name="文本框 3"/>
+          <p:cNvSpPr txBox="1"/>
+          <p:nvPr/>
+        </p:nvSpPr>
+        <p:spPr>
+          <a:xfrm>
+            <a:off x="885825" y="3460115"/>
+            <a:ext cx="4601845" cy="460375"/>
+          </a:xfrm>
+          <a:prstGeom prst="rect">
+            <a:avLst/>
+          </a:prstGeom>
+          <a:noFill/>
+        </p:spPr>
+        <p:txBody>
+          <a:bodyPr wrap="none" rtlCol="0">
+            <a:spAutoFit/>
+          </a:bodyPr>
+          <a:p>
+            <a:pPr algn="l"/>
+            <a:r>
+              <a:rPr lang="en-US" altLang="zh-CN" sz="2400" b="1"/>
+              <a:t>tsc -b [tsconfig</a:t>
+            </a:r>
+            <a:r>
+              <a:rPr lang="zh-CN" altLang="en-US" sz="2400" b="1"/>
+              <a:t>所在目录</a:t>
+            </a:r>
+            <a:r>
+              <a:rPr lang="en-US" altLang="zh-CN" sz="2400" b="1"/>
+              <a:t>]</a:t>
+            </a:r>
+            <a:r>
+              <a:rPr lang="zh-CN" altLang="en-US" sz="2400" b="1"/>
+              <a:t>：编译</a:t>
+            </a:r>
+            <a:endParaRPr lang="zh-CN" altLang="en-US" sz="2400" b="1"/>
+          </a:p>
+        </p:txBody>
+      </p:sp>
+      <p:sp>
+        <p:nvSpPr>
+          <p:cNvPr id="9" name="文本框 8"/>
+          <p:cNvSpPr txBox="1"/>
+          <p:nvPr/>
+        </p:nvSpPr>
+        <p:spPr>
+          <a:xfrm>
+            <a:off x="885825" y="4313555"/>
+            <a:ext cx="5262245" cy="460375"/>
+          </a:xfrm>
+          <a:prstGeom prst="rect">
+            <a:avLst/>
+          </a:prstGeom>
+          <a:noFill/>
+        </p:spPr>
+        <p:txBody>
+          <a:bodyPr wrap="none" rtlCol="0">
+            <a:spAutoFit/>
+          </a:bodyPr>
+          <a:p>
+            <a:pPr algn="l"/>
+            <a:r>
+              <a:rPr lang="en-US" altLang="zh-CN" sz="2400" b="1"/>
+              <a:t>tsc -w [tsconfig</a:t>
+            </a:r>
+            <a:r>
+              <a:rPr lang="zh-CN" altLang="en-US" sz="2400" b="1"/>
+              <a:t>所在目录</a:t>
+            </a:r>
+            <a:r>
+              <a:rPr lang="en-US" altLang="zh-CN" sz="2400" b="1"/>
+              <a:t>]</a:t>
+            </a:r>
+            <a:r>
+              <a:rPr lang="zh-CN" altLang="en-US" sz="2400" b="1"/>
+              <a:t>：监听编译</a:t>
+            </a:r>
+            <a:endParaRPr lang="zh-CN" altLang="en-US" sz="2400" b="1"/>
+          </a:p>
+        </p:txBody>
+      </p:sp>
+    </p:spTree>
+  </p:cSld>
+  <p:clrMapOvr>
+    <a:masterClrMapping/>
+  </p:clrMapOvr>
+</p:sld>
+</file>
+
+<file path=ppt/slides/slide26.xml><?xml version="1.0" encoding="utf-8"?>
+<p:sld xmlns:a="http://schemas.openxmlformats.org/drawingml/2006/main" xmlns:r="http://schemas.openxmlformats.org/officeDocument/2006/relationships" xmlns:p="http://schemas.openxmlformats.org/presentationml/2006/main">
+  <p:cSld>
+    <p:spTree>
+      <p:nvGrpSpPr>
+        <p:cNvPr id="1" name=""/>
+        <p:cNvGrpSpPr/>
+        <p:nvPr/>
+      </p:nvGrpSpPr>
+      <p:grpSpPr/>
+      <p:sp>
+        <p:nvSpPr>
+          <p:cNvPr id="6" name="文本框 5"/>
+          <p:cNvSpPr txBox="1"/>
+          <p:nvPr/>
+        </p:nvSpPr>
+        <p:spPr>
+          <a:xfrm>
+            <a:off x="2317750" y="545465"/>
+            <a:ext cx="2214880" cy="706755"/>
+          </a:xfrm>
+          <a:prstGeom prst="rect">
+            <a:avLst/>
+          </a:prstGeom>
+          <a:noFill/>
+        </p:spPr>
+        <p:txBody>
+          <a:bodyPr wrap="none" rtlCol="0">
+            <a:spAutoFit/>
+          </a:bodyPr>
+          <a:p>
+            <a:pPr algn="l"/>
+            <a:r>
+              <a:rPr lang="zh-CN" altLang="en-US" sz="4000" b="1">
+                <a:sym typeface="+mn-ea"/>
+              </a:rPr>
+              <a:t>发布</a:t>
+            </a:r>
+            <a:r>
+              <a:rPr lang="zh-CN" altLang="en-US" sz="4000" b="1">
+                <a:sym typeface="+mn-ea"/>
+              </a:rPr>
+              <a:t>插件</a:t>
+            </a:r>
+            <a:endParaRPr lang="zh-CN" altLang="en-US" sz="4000" b="1">
+              <a:sym typeface="+mn-ea"/>
+            </a:endParaRPr>
+          </a:p>
+        </p:txBody>
+      </p:sp>
+      <p:sp>
+        <p:nvSpPr>
+          <p:cNvPr id="8" name="文本框 7" descr="7b0a20202020227461726765744d6f64756c65223a202270726f636573734f6e6c696e65466f6e7473220a7d0a"/>
+          <p:cNvSpPr txBox="1"/>
+          <p:nvPr/>
+        </p:nvSpPr>
+        <p:spPr>
+          <a:xfrm>
+            <a:off x="10305415" y="184150"/>
+            <a:ext cx="1762125" cy="922020"/>
+          </a:xfrm>
+          <a:prstGeom prst="rect">
+            <a:avLst/>
+          </a:prstGeom>
+          <a:noFill/>
+        </p:spPr>
+        <p:txBody>
+          <a:bodyPr wrap="square" rtlCol="0">
+            <a:spAutoFit/>
+          </a:bodyPr>
+          <a:p>
+            <a:r>
+              <a:rPr lang="zh-CN" altLang="en-US" sz="5400" b="1">
+                <a:latin typeface="+mj-ea"/>
+                <a:ea typeface="+mj-ea"/>
+              </a:rPr>
+              <a:t>入门</a:t>
+            </a:r>
+            <a:endParaRPr lang="zh-CN" altLang="en-US" sz="5400" b="1">
+              <a:latin typeface="+mj-ea"/>
+              <a:ea typeface="+mj-ea"/>
+            </a:endParaRPr>
+          </a:p>
+        </p:txBody>
+      </p:sp>
+      <p:pic>
+        <p:nvPicPr>
+          <p:cNvPr id="7" name="图片 6" descr="0"/>
+          <p:cNvPicPr>
+            <a:picLocks noChangeAspect="1"/>
+          </p:cNvPicPr>
+          <p:nvPr>
+            <p:custDataLst>
+              <p:tags r:id="rId1"/>
+            </p:custDataLst>
+          </p:nvPr>
+        </p:nvPicPr>
+        <p:blipFill>
+          <a:blip r:embed="rId2"/>
+          <a:stretch>
+            <a:fillRect/>
+          </a:stretch>
+        </p:blipFill>
+        <p:spPr>
+          <a:xfrm rot="2520000">
+            <a:off x="-2587625" y="-3070225"/>
+            <a:ext cx="4406900" cy="5954395"/>
+          </a:xfrm>
+          <a:prstGeom prst="rect">
+            <a:avLst/>
+          </a:prstGeom>
+        </p:spPr>
+      </p:pic>
+      <p:sp>
+        <p:nvSpPr>
+          <p:cNvPr id="10" name="文本框 9" descr="7b0a20202020227461726765744d6f64756c65223a202270726f636573734f6e6c696e65466f6e7473220a7d0a"/>
+          <p:cNvSpPr txBox="1"/>
+          <p:nvPr/>
+        </p:nvSpPr>
+        <p:spPr>
+          <a:xfrm>
+            <a:off x="0" y="235585"/>
+            <a:ext cx="1402715" cy="922020"/>
+          </a:xfrm>
+          <a:prstGeom prst="rect">
+            <a:avLst/>
+          </a:prstGeom>
+          <a:noFill/>
+        </p:spPr>
+        <p:txBody>
+          <a:bodyPr wrap="square" rtlCol="0">
+            <a:spAutoFit/>
+          </a:bodyPr>
+          <a:p>
+            <a:pPr algn="ctr"/>
+            <a:r>
+              <a:rPr lang="en-US" altLang="zh-CN" sz="5400" b="1">
+                <a:solidFill>
+                  <a:schemeClr val="bg1"/>
+                </a:solidFill>
+                <a:latin typeface="+mj-ea"/>
+                <a:ea typeface="+mj-ea"/>
+              </a:rPr>
+              <a:t>10</a:t>
+            </a:r>
+            <a:endParaRPr lang="en-US" altLang="zh-CN" sz="5400" b="1">
+              <a:solidFill>
+                <a:schemeClr val="bg1"/>
+              </a:solidFill>
+              <a:latin typeface="+mj-ea"/>
+              <a:ea typeface="+mj-ea"/>
+            </a:endParaRPr>
+          </a:p>
+        </p:txBody>
+      </p:sp>
+      <p:sp>
+        <p:nvSpPr>
+          <p:cNvPr id="21" name="文本框 20"/>
+          <p:cNvSpPr txBox="1"/>
+          <p:nvPr/>
+        </p:nvSpPr>
+        <p:spPr>
+          <a:xfrm>
+            <a:off x="895350" y="1628140"/>
+            <a:ext cx="746760" cy="398780"/>
+          </a:xfrm>
+          <a:prstGeom prst="rect">
+            <a:avLst/>
+          </a:prstGeom>
+          <a:noFill/>
+        </p:spPr>
+        <p:txBody>
+          <a:bodyPr wrap="none" rtlCol="0">
+            <a:spAutoFit/>
+          </a:bodyPr>
+          <a:p>
+            <a:pPr algn="l"/>
+            <a:r>
+              <a:rPr lang="en-US" altLang="zh-CN" sz="2000" b="1"/>
+              <a:t>        </a:t>
+            </a:r>
+            <a:endParaRPr lang="zh-CN" altLang="en-US" sz="2000" b="1">
+              <a:sym typeface="+mn-ea"/>
+            </a:endParaRPr>
+          </a:p>
+        </p:txBody>
+      </p:sp>
+      <p:sp>
+        <p:nvSpPr>
+          <p:cNvPr id="3" name="文本框 2"/>
+          <p:cNvSpPr txBox="1"/>
+          <p:nvPr/>
+        </p:nvSpPr>
+        <p:spPr>
+          <a:xfrm>
+            <a:off x="476885" y="6431915"/>
+            <a:ext cx="1198880" cy="398780"/>
+          </a:xfrm>
+          <a:prstGeom prst="rect">
+            <a:avLst/>
+          </a:prstGeom>
+          <a:noFill/>
+        </p:spPr>
+        <p:txBody>
+          <a:bodyPr wrap="none" rtlCol="0">
+            <a:spAutoFit/>
+          </a:bodyPr>
+          <a:p>
+            <a:r>
+              <a:rPr lang="zh-CN" altLang="en-US" sz="2000">
+                <a:hlinkClick r:id="rId3" action="ppaction://hlinkfile"/>
+              </a:rPr>
+              <a:t>参考链接</a:t>
+            </a:r>
+            <a:endParaRPr lang="zh-CN" altLang="en-US" sz="2000"/>
+          </a:p>
+        </p:txBody>
+      </p:sp>
+      <p:sp>
+        <p:nvSpPr>
+          <p:cNvPr id="2" name="文本框 1"/>
+          <p:cNvSpPr txBox="1"/>
+          <p:nvPr/>
+        </p:nvSpPr>
+        <p:spPr>
+          <a:xfrm>
+            <a:off x="1517650" y="2117090"/>
+            <a:ext cx="3958590" cy="460375"/>
+          </a:xfrm>
+          <a:prstGeom prst="rect">
+            <a:avLst/>
+          </a:prstGeom>
+          <a:noFill/>
+        </p:spPr>
+        <p:txBody>
+          <a:bodyPr wrap="none" rtlCol="0">
+            <a:spAutoFit/>
+          </a:bodyPr>
+          <a:p>
+            <a:pPr algn="l"/>
+            <a:r>
+              <a:rPr lang="en-US" altLang="zh-CN" sz="2400" b="1"/>
+              <a:t>1. </a:t>
+            </a:r>
+            <a:r>
+              <a:rPr lang="zh-CN" altLang="en-US" sz="2400" b="1"/>
+              <a:t>请仔细阅读发布</a:t>
+            </a:r>
+            <a:r>
+              <a:rPr lang="en-US" altLang="zh-CN" sz="2400" b="1"/>
+              <a:t> </a:t>
+            </a:r>
+            <a:r>
+              <a:rPr lang="zh-CN" altLang="en-US" sz="2400" b="1">
+                <a:hlinkClick r:id="rId4" action="ppaction://hlinkfile"/>
+              </a:rPr>
+              <a:t>插件规范</a:t>
+            </a:r>
+            <a:endParaRPr lang="zh-CN" altLang="en-US" sz="2400" b="1"/>
+          </a:p>
+        </p:txBody>
+      </p:sp>
+      <p:sp>
+        <p:nvSpPr>
+          <p:cNvPr id="4" name="文本框 3"/>
+          <p:cNvSpPr txBox="1"/>
+          <p:nvPr/>
+        </p:nvSpPr>
+        <p:spPr>
+          <a:xfrm>
+            <a:off x="1517650" y="2837815"/>
+            <a:ext cx="5144135" cy="460375"/>
+          </a:xfrm>
+          <a:prstGeom prst="rect">
+            <a:avLst/>
+          </a:prstGeom>
+          <a:noFill/>
+        </p:spPr>
+        <p:txBody>
+          <a:bodyPr wrap="none" rtlCol="0">
+            <a:spAutoFit/>
+          </a:bodyPr>
+          <a:p>
+            <a:pPr algn="l"/>
+            <a:r>
+              <a:rPr lang="en-US" altLang="zh-CN" sz="2400" b="1"/>
+              <a:t>2. </a:t>
+            </a:r>
+            <a:r>
+              <a:rPr lang="zh-CN" altLang="en-US" sz="2400" b="1"/>
+              <a:t>确认无误后登陆</a:t>
+            </a:r>
+            <a:r>
+              <a:rPr lang="en-US" altLang="zh-CN" sz="2400" b="1"/>
+              <a:t> </a:t>
+            </a:r>
+            <a:r>
+              <a:rPr lang="en-US" altLang="zh-CN" sz="2400" b="1">
+                <a:hlinkClick r:id="rId5" action="ppaction://hlinkfile"/>
+              </a:rPr>
+              <a:t>cocos</a:t>
+            </a:r>
+            <a:r>
+              <a:rPr lang="zh-CN" altLang="en-US" sz="2400" b="1">
+                <a:hlinkClick r:id="rId5" action="ppaction://hlinkfile"/>
+              </a:rPr>
+              <a:t>开发者中心</a:t>
+            </a:r>
+            <a:endParaRPr lang="zh-CN" altLang="en-US" sz="2400" b="1"/>
+          </a:p>
+        </p:txBody>
+      </p:sp>
+      <p:sp>
+        <p:nvSpPr>
+          <p:cNvPr id="9" name="文本框 8"/>
+          <p:cNvSpPr txBox="1"/>
+          <p:nvPr/>
+        </p:nvSpPr>
+        <p:spPr>
+          <a:xfrm>
+            <a:off x="1517650" y="3558540"/>
+            <a:ext cx="5380355" cy="460375"/>
+          </a:xfrm>
+          <a:prstGeom prst="rect">
+            <a:avLst/>
+          </a:prstGeom>
+          <a:noFill/>
+        </p:spPr>
+        <p:txBody>
+          <a:bodyPr wrap="none" rtlCol="0">
+            <a:spAutoFit/>
+          </a:bodyPr>
+          <a:p>
+            <a:pPr algn="l"/>
+            <a:r>
+              <a:rPr lang="en-US" altLang="zh-CN" sz="2400" b="1"/>
+              <a:t>3. </a:t>
+            </a:r>
+            <a:r>
+              <a:rPr lang="zh-CN" altLang="en-US" sz="2400" b="1"/>
+              <a:t>点击商店</a:t>
+            </a:r>
+            <a:r>
+              <a:rPr lang="en-US" altLang="zh-CN" sz="2400" b="1"/>
+              <a:t> -&gt; </a:t>
+            </a:r>
+            <a:r>
+              <a:rPr lang="zh-CN" altLang="en-US" sz="2400" b="1"/>
+              <a:t>卖家中心</a:t>
+            </a:r>
+            <a:r>
+              <a:rPr lang="en-US" altLang="zh-CN" sz="2400" b="1"/>
+              <a:t> -&gt; </a:t>
+            </a:r>
+            <a:r>
+              <a:rPr lang="zh-CN" altLang="en-US" sz="2400" b="1"/>
+              <a:t>发布新资源</a:t>
+            </a:r>
+            <a:endParaRPr lang="zh-CN" altLang="en-US" sz="2400" b="1"/>
+          </a:p>
+        </p:txBody>
+      </p:sp>
+      <p:sp>
+        <p:nvSpPr>
+          <p:cNvPr id="11" name="文本框 10"/>
+          <p:cNvSpPr txBox="1"/>
+          <p:nvPr/>
+        </p:nvSpPr>
+        <p:spPr>
+          <a:xfrm>
+            <a:off x="1517650" y="4279265"/>
+            <a:ext cx="8446135" cy="460375"/>
+          </a:xfrm>
+          <a:prstGeom prst="rect">
+            <a:avLst/>
+          </a:prstGeom>
+          <a:noFill/>
+        </p:spPr>
+        <p:txBody>
+          <a:bodyPr wrap="none" rtlCol="0">
+            <a:spAutoFit/>
+          </a:bodyPr>
+          <a:p>
+            <a:pPr algn="l"/>
+            <a:r>
+              <a:rPr lang="en-US" altLang="zh-CN" sz="2400" b="1"/>
+              <a:t>4. </a:t>
+            </a:r>
+            <a:r>
+              <a:rPr lang="zh-CN" altLang="en-US" sz="2400" b="1"/>
+              <a:t>填写好后静待两三天审核时间，如有问题官方人员会联系你</a:t>
+            </a:r>
+            <a:endParaRPr lang="zh-CN" altLang="en-US" sz="2400" b="1"/>
+          </a:p>
+        </p:txBody>
+      </p:sp>
+    </p:spTree>
+  </p:cSld>
+  <p:clrMapOvr>
+    <a:masterClrMapping/>
+  </p:clrMapOvr>
+</p:sld>
+</file>
+
+<file path=ppt/slides/slide27.xml><?xml version="1.0" encoding="utf-8"?>
 <p:sld xmlns:a="http://schemas.openxmlformats.org/drawingml/2006/main" xmlns:r="http://schemas.openxmlformats.org/officeDocument/2006/relationships" xmlns:p="http://schemas.openxmlformats.org/presentationml/2006/main">
   <p:cSld>
     <p:bg>
@@ -10622,7 +11934,7 @@
         <p:spPr>
           <a:xfrm>
             <a:off x="2042795" y="2849245"/>
-            <a:ext cx="5015865" cy="583565"/>
+            <a:ext cx="3841750" cy="583565"/>
           </a:xfrm>
           <a:prstGeom prst="rect">
             <a:avLst/>
@@ -10640,14 +11952,16 @@
               <a:t>2.</a:t>
             </a:r>
             <a:r>
-              <a:rPr lang="zh-CN" altLang="en-US" sz="3200" b="1"/>
-              <a:t>如何使用</a:t>
+              <a:rPr lang="zh-CN" altLang="en-US" sz="3200" b="1">
+                <a:sym typeface="+mn-ea"/>
+              </a:rPr>
+              <a:t>使用</a:t>
             </a:r>
             <a:r>
               <a:rPr lang="en-US" altLang="zh-CN" sz="3200" b="1"/>
-              <a:t> element-plus?</a:t>
-            </a:r>
-            <a:endParaRPr lang="en-US" altLang="zh-CN" sz="3200" b="1"/>
+              <a:t>element-plus</a:t>
+            </a:r>
+            <a:endParaRPr lang="zh-CN" altLang="en-US" sz="3200" b="1"/>
           </a:p>
         </p:txBody>
       </p:sp>
@@ -10674,11 +11988,15 @@
           <a:p>
             <a:pPr algn="l"/>
             <a:r>
-              <a:rPr lang="en-US" altLang="zh-CN" sz="3200" b="1"/>
+              <a:rPr lang="en-US" altLang="zh-CN" sz="3200" b="1">
+                <a:sym typeface="+mn-ea"/>
+              </a:rPr>
               <a:t>5.</a:t>
             </a:r>
             <a:r>
-              <a:rPr lang="zh-CN" altLang="en-US" sz="3200" b="1"/>
+              <a:rPr lang="zh-CN" altLang="en-US" sz="3200" b="1">
+                <a:sym typeface="+mn-ea"/>
+              </a:rPr>
               <a:t>插件公共代码库</a:t>
             </a:r>
             <a:endParaRPr lang="zh-CN" altLang="en-US" sz="3200" b="1"/>
@@ -10694,34 +12012,30 @@
         <p:spPr>
           <a:xfrm>
             <a:off x="2042795" y="6001385"/>
-            <a:ext cx="7612380" cy="583565"/>
-          </a:xfrm>
-          <a:prstGeom prst="rect">
-            <a:avLst/>
-          </a:prstGeom>
-          <a:noFill/>
-        </p:spPr>
-        <p:txBody>
-          <a:bodyPr wrap="none" rtlCol="0">
-            <a:spAutoFit/>
+            <a:ext cx="8047355" cy="585470"/>
+          </a:xfrm>
+          <a:prstGeom prst="rect">
+            <a:avLst/>
+          </a:prstGeom>
+          <a:noFill/>
+        </p:spPr>
+        <p:txBody>
+          <a:bodyPr wrap="square" rtlCol="0">
+            <a:noAutofit/>
           </a:bodyPr>
           <a:p>
             <a:pPr algn="l"/>
             <a:r>
-              <a:rPr lang="en-US" altLang="zh-CN" sz="3200" b="1"/>
+              <a:rPr lang="en-US" altLang="zh-CN" sz="3200" b="1">
+                <a:sym typeface="+mn-ea"/>
+              </a:rPr>
               <a:t>6.</a:t>
             </a:r>
             <a:r>
-              <a:rPr lang="zh-CN" altLang="en-US" sz="3200" b="1"/>
-              <a:t>自定义插件模板及</a:t>
-            </a:r>
-            <a:r>
-              <a:rPr lang="en-US" altLang="zh-CN" sz="3200" b="1"/>
-              <a:t> cc-plugin-cli </a:t>
-            </a:r>
-            <a:r>
-              <a:rPr lang="zh-CN" altLang="en-US" sz="3200" b="1"/>
-              <a:t>的使用</a:t>
+              <a:rPr lang="zh-CN" altLang="en-US" sz="3200" b="1">
+                <a:sym typeface="+mn-ea"/>
+              </a:rPr>
+              <a:t>插件编译器的使用</a:t>
             </a:r>
             <a:endParaRPr lang="zh-CN" altLang="en-US" sz="3200" b="1"/>
           </a:p>
@@ -10810,7 +12124,7 @@
 </p:sld>
 </file>
 
-<file path=ppt/slides/slide25.xml><?xml version="1.0" encoding="utf-8"?>
+<file path=ppt/slides/slide28.xml><?xml version="1.0" encoding="utf-8"?>
 <p:sld xmlns:a="http://schemas.openxmlformats.org/drawingml/2006/main" xmlns:r="http://schemas.openxmlformats.org/officeDocument/2006/relationships" xmlns:p="http://schemas.openxmlformats.org/presentationml/2006/main">
   <p:cSld>
     <p:spTree>
@@ -11035,7 +12349,7 @@
 </p:sld>
 </file>
 
-<file path=ppt/slides/slide26.xml><?xml version="1.0" encoding="utf-8"?>
+<file path=ppt/slides/slide29.xml><?xml version="1.0" encoding="utf-8"?>
 <p:sld xmlns:a="http://schemas.openxmlformats.org/drawingml/2006/main" xmlns:r="http://schemas.openxmlformats.org/officeDocument/2006/relationships" xmlns:p="http://schemas.openxmlformats.org/presentationml/2006/main">
   <p:cSld>
     <p:spTree>
@@ -11054,7 +12368,7 @@
         <p:spPr>
           <a:xfrm>
             <a:off x="2317750" y="545465"/>
-            <a:ext cx="5799455" cy="706755"/>
+            <a:ext cx="5262880" cy="706755"/>
           </a:xfrm>
           <a:prstGeom prst="rect">
             <a:avLst/>
@@ -11071,13 +12385,7 @@
               <a:rPr lang="zh-CN" altLang="en-US" sz="4000" b="1">
                 <a:sym typeface="+mn-ea"/>
               </a:rPr>
-              <a:t>如何使用</a:t>
-            </a:r>
-            <a:r>
-              <a:rPr lang="en-US" altLang="zh-CN" sz="4000" b="1">
-                <a:sym typeface="+mn-ea"/>
-              </a:rPr>
-              <a:t> element-plus?</a:t>
+              <a:t>理解主进程和渲染进程</a:t>
             </a:r>
             <a:endParaRPr lang="zh-CN" altLang="en-US" sz="4000" b="1">
               <a:sym typeface="+mn-ea"/>
@@ -11178,7 +12486,7 @@
                 <a:latin typeface="+mj-ea"/>
                 <a:ea typeface="+mj-ea"/>
               </a:rPr>
-              <a:t>2</a:t>
+              <a:t>1.1</a:t>
             </a:r>
             <a:endParaRPr lang="en-US" altLang="zh-CN" sz="5400" b="1">
               <a:solidFill>
@@ -11199,7 +12507,7 @@
         <p:spPr>
           <a:xfrm>
             <a:off x="905510" y="2988945"/>
-            <a:ext cx="6682105" cy="521970"/>
+            <a:ext cx="2316480" cy="521970"/>
           </a:xfrm>
           <a:prstGeom prst="rect">
             <a:avLst/>
@@ -11213,22 +12521,12 @@
           <a:p>
             <a:pPr algn="l"/>
             <a:r>
-              <a:rPr lang="en-US" altLang="zh-CN" sz="2800" b="1"/>
-              <a:t>1. </a:t>
-            </a:r>
-            <a:r>
               <a:rPr lang="zh-CN" altLang="en-US" sz="2800" b="1"/>
-              <a:t>什么是</a:t>
-            </a:r>
-            <a:r>
-              <a:rPr lang="en-US" altLang="zh-CN" sz="2800" b="1">
-                <a:sym typeface="+mn-ea"/>
-              </a:rPr>
-              <a:t>element-plus</a:t>
+              <a:t>进程使用</a:t>
             </a:r>
             <a:r>
               <a:rPr lang="zh-CN" altLang="en-US" sz="2800" b="1"/>
-              <a:t>？为什么使用它？</a:t>
+              <a:t>误区</a:t>
             </a:r>
             <a:endParaRPr lang="zh-CN" altLang="en-US" sz="2800" b="1"/>
           </a:p>
@@ -11242,256 +12540,8 @@
         </p:nvSpPr>
         <p:spPr>
           <a:xfrm>
-            <a:off x="905510" y="4352290"/>
-            <a:ext cx="5339715" cy="521970"/>
-          </a:xfrm>
-          <a:prstGeom prst="rect">
-            <a:avLst/>
-          </a:prstGeom>
-          <a:noFill/>
-        </p:spPr>
-        <p:txBody>
-          <a:bodyPr wrap="none" rtlCol="0">
-            <a:spAutoFit/>
-          </a:bodyPr>
-          <a:p>
-            <a:pPr algn="l"/>
-            <a:r>
-              <a:rPr lang="en-US" altLang="zh-CN" sz="2800" b="1"/>
-              <a:t>2. </a:t>
-            </a:r>
-            <a:r>
-              <a:rPr lang="zh-CN" altLang="en-US" sz="2800" b="1"/>
-              <a:t>怎么正常使用</a:t>
-            </a:r>
-            <a:r>
-              <a:rPr lang="en-US" altLang="zh-CN" sz="2800" b="1"/>
-              <a:t> element plus</a:t>
-            </a:r>
-            <a:r>
-              <a:rPr lang="zh-CN" altLang="en-US" sz="2800" b="1"/>
-              <a:t>？</a:t>
-            </a:r>
-            <a:endParaRPr lang="zh-CN" altLang="en-US" sz="2800" b="1"/>
-          </a:p>
-        </p:txBody>
-      </p:sp>
-      <p:sp>
-        <p:nvSpPr>
-          <p:cNvPr id="4" name="文本框 3"/>
-          <p:cNvSpPr txBox="1"/>
-          <p:nvPr/>
-        </p:nvSpPr>
-        <p:spPr>
-          <a:xfrm>
-            <a:off x="476885" y="6431915"/>
-            <a:ext cx="1198880" cy="398780"/>
-          </a:xfrm>
-          <a:prstGeom prst="rect">
-            <a:avLst/>
-          </a:prstGeom>
-          <a:noFill/>
-        </p:spPr>
-        <p:txBody>
-          <a:bodyPr wrap="none" rtlCol="0">
-            <a:spAutoFit/>
-          </a:bodyPr>
-          <a:p>
-            <a:r>
-              <a:rPr lang="zh-CN" altLang="en-US" sz="2000">
-                <a:hlinkClick r:id="rId3" action="ppaction://hlinkfile"/>
-              </a:rPr>
-              <a:t>参考链接</a:t>
-            </a:r>
-            <a:endParaRPr lang="zh-CN" altLang="en-US" sz="2000"/>
-          </a:p>
-        </p:txBody>
-      </p:sp>
-    </p:spTree>
-  </p:cSld>
-  <p:clrMapOvr>
-    <a:masterClrMapping/>
-  </p:clrMapOvr>
-</p:sld>
-</file>
-
-<file path=ppt/slides/slide27.xml><?xml version="1.0" encoding="utf-8"?>
-<p:sld xmlns:a="http://schemas.openxmlformats.org/drawingml/2006/main" xmlns:r="http://schemas.openxmlformats.org/officeDocument/2006/relationships" xmlns:p="http://schemas.openxmlformats.org/presentationml/2006/main">
-  <p:cSld>
-    <p:spTree>
-      <p:nvGrpSpPr>
-        <p:cNvPr id="1" name=""/>
-        <p:cNvGrpSpPr/>
-        <p:nvPr/>
-      </p:nvGrpSpPr>
-      <p:grpSpPr/>
-      <p:sp>
-        <p:nvSpPr>
-          <p:cNvPr id="6" name="文本框 5"/>
-          <p:cNvSpPr txBox="1"/>
-          <p:nvPr/>
-        </p:nvSpPr>
-        <p:spPr>
-          <a:xfrm>
-            <a:off x="2317750" y="545465"/>
-            <a:ext cx="5065395" cy="706755"/>
-          </a:xfrm>
-          <a:prstGeom prst="rect">
-            <a:avLst/>
-          </a:prstGeom>
-          <a:noFill/>
-        </p:spPr>
-        <p:txBody>
-          <a:bodyPr wrap="none" rtlCol="0">
-            <a:spAutoFit/>
-          </a:bodyPr>
-          <a:p>
-            <a:pPr algn="l"/>
-            <a:r>
-              <a:rPr lang="en-US" altLang="zh-CN" sz="4000" b="1">
-                <a:sym typeface="+mn-ea"/>
-              </a:rPr>
-              <a:t>html </a:t>
-            </a:r>
-            <a:r>
-              <a:rPr lang="zh-CN" altLang="en-US" sz="4000" b="1">
-                <a:sym typeface="+mn-ea"/>
-              </a:rPr>
-              <a:t>和</a:t>
-            </a:r>
-            <a:r>
-              <a:rPr lang="en-US" altLang="zh-CN" sz="4000" b="1">
-                <a:sym typeface="+mn-ea"/>
-              </a:rPr>
-              <a:t> css </a:t>
-            </a:r>
-            <a:r>
-              <a:rPr lang="zh-CN" altLang="en-US" sz="4000" b="1">
-                <a:sym typeface="+mn-ea"/>
-              </a:rPr>
-              <a:t>调试技巧</a:t>
-            </a:r>
-            <a:endParaRPr lang="zh-CN" altLang="en-US" sz="4000" b="1">
-              <a:sym typeface="+mn-ea"/>
-            </a:endParaRPr>
-          </a:p>
-        </p:txBody>
-      </p:sp>
-      <p:sp>
-        <p:nvSpPr>
-          <p:cNvPr id="8" name="文本框 7" descr="7b0a20202020227461726765744d6f64756c65223a202270726f636573734f6e6c696e65466f6e7473220a7d0a"/>
-          <p:cNvSpPr txBox="1"/>
-          <p:nvPr/>
-        </p:nvSpPr>
-        <p:spPr>
-          <a:xfrm>
-            <a:off x="10305415" y="184150"/>
-            <a:ext cx="1762125" cy="922020"/>
-          </a:xfrm>
-          <a:prstGeom prst="rect">
-            <a:avLst/>
-          </a:prstGeom>
-          <a:noFill/>
-        </p:spPr>
-        <p:txBody>
-          <a:bodyPr wrap="square" rtlCol="0">
-            <a:spAutoFit/>
-          </a:bodyPr>
-          <a:p>
-            <a:r>
-              <a:rPr lang="zh-CN" altLang="en-US" sz="5400" b="1">
-                <a:latin typeface="+mj-ea"/>
-                <a:ea typeface="+mj-ea"/>
-              </a:rPr>
-              <a:t>进阶</a:t>
-            </a:r>
-            <a:endParaRPr lang="zh-CN" altLang="en-US" sz="5400" b="1">
-              <a:latin typeface="+mj-ea"/>
-              <a:ea typeface="+mj-ea"/>
-            </a:endParaRPr>
-          </a:p>
-        </p:txBody>
-      </p:sp>
-      <p:pic>
-        <p:nvPicPr>
-          <p:cNvPr id="7" name="图片 6" descr="0"/>
-          <p:cNvPicPr>
-            <a:picLocks noChangeAspect="1"/>
-          </p:cNvPicPr>
-          <p:nvPr>
-            <p:custDataLst>
-              <p:tags r:id="rId1"/>
-            </p:custDataLst>
-          </p:nvPr>
-        </p:nvPicPr>
-        <p:blipFill>
-          <a:blip r:embed="rId2"/>
-          <a:stretch>
-            <a:fillRect/>
-          </a:stretch>
-        </p:blipFill>
-        <p:spPr>
-          <a:xfrm rot="2520000">
-            <a:off x="-2587625" y="-3070225"/>
-            <a:ext cx="4406900" cy="5954395"/>
-          </a:xfrm>
-          <a:prstGeom prst="rect">
-            <a:avLst/>
-          </a:prstGeom>
-        </p:spPr>
-      </p:pic>
-      <p:sp>
-        <p:nvSpPr>
-          <p:cNvPr id="10" name="文本框 9" descr="7b0a20202020227461726765744d6f64756c65223a202270726f636573734f6e6c696e65466f6e7473220a7d0a"/>
-          <p:cNvSpPr txBox="1"/>
-          <p:nvPr/>
-        </p:nvSpPr>
-        <p:spPr>
-          <a:xfrm>
-            <a:off x="0" y="235585"/>
-            <a:ext cx="1402715" cy="922020"/>
-          </a:xfrm>
-          <a:prstGeom prst="rect">
-            <a:avLst/>
-          </a:prstGeom>
-          <a:noFill/>
-        </p:spPr>
-        <p:txBody>
-          <a:bodyPr wrap="square" rtlCol="0">
-            <a:spAutoFit/>
-          </a:bodyPr>
-          <a:p>
-            <a:pPr algn="ctr"/>
-            <a:r>
-              <a:rPr lang="en-US" altLang="zh-CN" sz="5400" b="1">
-                <a:solidFill>
-                  <a:schemeClr val="bg1"/>
-                </a:solidFill>
-                <a:latin typeface="+mj-ea"/>
-                <a:ea typeface="+mj-ea"/>
-              </a:rPr>
-              <a:t>3</a:t>
-            </a:r>
-            <a:endParaRPr lang="en-US" altLang="zh-CN" sz="5400" b="1">
-              <a:solidFill>
-                <a:schemeClr val="bg1"/>
-              </a:solidFill>
-              <a:latin typeface="+mj-ea"/>
-              <a:ea typeface="+mj-ea"/>
-            </a:endParaRPr>
-          </a:p>
-        </p:txBody>
-      </p:sp>
-      <p:sp>
-        <p:nvSpPr>
-          <p:cNvPr id="3" name="文本框 2"/>
-          <p:cNvSpPr txBox="1"/>
-          <p:nvPr/>
-        </p:nvSpPr>
-        <p:spPr>
-          <a:xfrm>
-            <a:off x="144145" y="3137535"/>
-            <a:ext cx="5649595" cy="829945"/>
+            <a:off x="1333500" y="4005580"/>
+            <a:ext cx="5398135" cy="460375"/>
           </a:xfrm>
           <a:prstGeom prst="rect">
             <a:avLst/>
@@ -11510,94 +12560,26 @@
             </a:r>
             <a:r>
               <a:rPr lang="zh-CN" altLang="en-US" sz="2400" b="1"/>
-              <a:t>修改标签：</a:t>
+              <a:t>进程</a:t>
+            </a:r>
+            <a:r>
+              <a:rPr lang="zh-CN" altLang="en-US" sz="2400" b="1"/>
+              <a:t>间数据不是共享的，而是单独的</a:t>
             </a:r>
             <a:endParaRPr lang="zh-CN" altLang="en-US" sz="2400" b="1"/>
           </a:p>
-          <a:p>
-            <a:pPr algn="l"/>
-            <a:r>
-              <a:rPr lang="en-US" altLang="zh-CN" sz="2400" b="1"/>
-              <a:t>        </a:t>
-            </a:r>
-            <a:r>
-              <a:rPr lang="zh-CN" altLang="en-US" sz="2400" b="1"/>
-              <a:t>右击</a:t>
-            </a:r>
-            <a:r>
-              <a:rPr lang="en-US" altLang="zh-CN" sz="2400" b="1"/>
-              <a:t>html</a:t>
-            </a:r>
-            <a:r>
-              <a:rPr lang="zh-CN" altLang="en-US" sz="2400" b="1"/>
-              <a:t>标签，点击</a:t>
-            </a:r>
-            <a:r>
-              <a:rPr lang="en-US" altLang="zh-CN" sz="2400" b="1"/>
-              <a:t> Edit as HTML</a:t>
-            </a:r>
-            <a:endParaRPr lang="en-US" altLang="zh-CN" sz="2400" b="1"/>
-          </a:p>
-        </p:txBody>
-      </p:sp>
-      <p:pic>
-        <p:nvPicPr>
-          <p:cNvPr id="5" name="图片 4" descr="@%@X(1I{ZG]7RKVB{YBGURU"/>
-          <p:cNvPicPr>
-            <a:picLocks noChangeAspect="1"/>
-          </p:cNvPicPr>
-          <p:nvPr/>
-        </p:nvPicPr>
-        <p:blipFill>
-          <a:blip r:embed="rId3"/>
-          <a:stretch>
-            <a:fillRect/>
-          </a:stretch>
-        </p:blipFill>
-        <p:spPr>
-          <a:xfrm>
-            <a:off x="5895340" y="1955800"/>
-            <a:ext cx="5414645" cy="2011680"/>
-          </a:xfrm>
-          <a:prstGeom prst="rect">
-            <a:avLst/>
-          </a:prstGeom>
-        </p:spPr>
-      </p:pic>
-      <p:pic>
-        <p:nvPicPr>
-          <p:cNvPr id="9" name="图片 8" descr="{O]YVUG2D9HLO168SZ~HQ93"/>
-          <p:cNvPicPr>
-            <a:picLocks noChangeAspect="1"/>
-          </p:cNvPicPr>
-          <p:nvPr/>
-        </p:nvPicPr>
-        <p:blipFill>
-          <a:blip r:embed="rId4"/>
-          <a:stretch>
-            <a:fillRect/>
-          </a:stretch>
-        </p:blipFill>
-        <p:spPr>
-          <a:xfrm>
-            <a:off x="5895340" y="4240530"/>
-            <a:ext cx="5476875" cy="3095625"/>
-          </a:xfrm>
-          <a:prstGeom prst="rect">
-            <a:avLst/>
-          </a:prstGeom>
-        </p:spPr>
-      </p:pic>
-      <p:sp>
-        <p:nvSpPr>
-          <p:cNvPr id="11" name="文本框 10"/>
-          <p:cNvSpPr txBox="1"/>
-          <p:nvPr/>
-        </p:nvSpPr>
-        <p:spPr>
-          <a:xfrm>
-            <a:off x="144145" y="5852795"/>
-            <a:ext cx="5566410" cy="829945"/>
+        </p:txBody>
+      </p:sp>
+      <p:sp>
+        <p:nvSpPr>
+          <p:cNvPr id="4" name="文本框 3"/>
+          <p:cNvSpPr txBox="1"/>
+          <p:nvPr/>
+        </p:nvSpPr>
+        <p:spPr>
+          <a:xfrm>
+            <a:off x="1333500" y="4878070"/>
+            <a:ext cx="5093335" cy="460375"/>
           </a:xfrm>
           <a:prstGeom prst="rect">
             <a:avLst/>
@@ -11616,438 +12598,17 @@
             </a:r>
             <a:r>
               <a:rPr lang="zh-CN" altLang="en-US" sz="2400" b="1"/>
-              <a:t>修改</a:t>
-            </a:r>
-            <a:r>
-              <a:rPr lang="en-US" altLang="zh-CN" sz="2400" b="1"/>
-              <a:t>css</a:t>
+              <a:t>不要把昂贵的计算逻辑</a:t>
             </a:r>
             <a:r>
               <a:rPr lang="zh-CN" altLang="en-US" sz="2400" b="1"/>
-              <a:t>：</a:t>
+              <a:t>放在主进程</a:t>
             </a:r>
             <a:endParaRPr lang="zh-CN" altLang="en-US" sz="2400" b="1"/>
           </a:p>
-          <a:p>
-            <a:pPr algn="l"/>
-            <a:r>
-              <a:rPr lang="en-US" altLang="zh-CN" sz="2400" b="1"/>
-              <a:t>        Element -&gt; style -&gt; element.style</a:t>
-            </a:r>
-            <a:endParaRPr lang="zh-CN" altLang="en-US" sz="2400" b="1"/>
-          </a:p>
         </p:txBody>
       </p:sp>
     </p:spTree>
-  </p:cSld>
-  <p:clrMapOvr>
-    <a:masterClrMapping/>
-  </p:clrMapOvr>
-</p:sld>
-</file>
-
-<file path=ppt/slides/slide28.xml><?xml version="1.0" encoding="utf-8"?>
-<p:sld xmlns:a="http://schemas.openxmlformats.org/drawingml/2006/main" xmlns:r="http://schemas.openxmlformats.org/officeDocument/2006/relationships" xmlns:p="http://schemas.openxmlformats.org/presentationml/2006/main">
-  <p:cSld>
-    <p:spTree>
-      <p:nvGrpSpPr>
-        <p:cNvPr id="1" name=""/>
-        <p:cNvGrpSpPr/>
-        <p:nvPr/>
-      </p:nvGrpSpPr>
-      <p:grpSpPr/>
-      <p:sp>
-        <p:nvSpPr>
-          <p:cNvPr id="6" name="文本框 5"/>
-          <p:cNvSpPr txBox="1"/>
-          <p:nvPr/>
-        </p:nvSpPr>
-        <p:spPr>
-          <a:xfrm>
-            <a:off x="2317750" y="545465"/>
-            <a:ext cx="3626485" cy="706755"/>
-          </a:xfrm>
-          <a:prstGeom prst="rect">
-            <a:avLst/>
-          </a:prstGeom>
-          <a:noFill/>
-        </p:spPr>
-        <p:txBody>
-          <a:bodyPr wrap="none" rtlCol="0">
-            <a:spAutoFit/>
-          </a:bodyPr>
-          <a:p>
-            <a:pPr algn="l"/>
-            <a:r>
-              <a:rPr lang="zh-CN" altLang="en-US" sz="4000" b="1">
-                <a:sym typeface="+mn-ea"/>
-              </a:rPr>
-              <a:t>扩展</a:t>
-            </a:r>
-            <a:r>
-              <a:rPr lang="en-US" altLang="zh-CN" sz="4000" b="1">
-                <a:sym typeface="+mn-ea"/>
-              </a:rPr>
-              <a:t> inspector</a:t>
-            </a:r>
-            <a:endParaRPr lang="zh-CN" altLang="en-US" sz="4000" b="1">
-              <a:sym typeface="+mn-ea"/>
-            </a:endParaRPr>
-          </a:p>
-        </p:txBody>
-      </p:sp>
-      <p:sp>
-        <p:nvSpPr>
-          <p:cNvPr id="8" name="文本框 7" descr="7b0a20202020227461726765744d6f64756c65223a202270726f636573734f6e6c696e65466f6e7473220a7d0a"/>
-          <p:cNvSpPr txBox="1"/>
-          <p:nvPr/>
-        </p:nvSpPr>
-        <p:spPr>
-          <a:xfrm>
-            <a:off x="10305415" y="184150"/>
-            <a:ext cx="1762125" cy="922020"/>
-          </a:xfrm>
-          <a:prstGeom prst="rect">
-            <a:avLst/>
-          </a:prstGeom>
-          <a:noFill/>
-        </p:spPr>
-        <p:txBody>
-          <a:bodyPr wrap="square" rtlCol="0">
-            <a:spAutoFit/>
-          </a:bodyPr>
-          <a:p>
-            <a:r>
-              <a:rPr lang="zh-CN" altLang="en-US" sz="5400" b="1">
-                <a:latin typeface="+mj-ea"/>
-                <a:ea typeface="+mj-ea"/>
-              </a:rPr>
-              <a:t>进阶</a:t>
-            </a:r>
-            <a:endParaRPr lang="zh-CN" altLang="en-US" sz="5400" b="1">
-              <a:latin typeface="+mj-ea"/>
-              <a:ea typeface="+mj-ea"/>
-            </a:endParaRPr>
-          </a:p>
-        </p:txBody>
-      </p:sp>
-      <p:pic>
-        <p:nvPicPr>
-          <p:cNvPr id="7" name="图片 6" descr="0"/>
-          <p:cNvPicPr>
-            <a:picLocks noChangeAspect="1"/>
-          </p:cNvPicPr>
-          <p:nvPr>
-            <p:custDataLst>
-              <p:tags r:id="rId1"/>
-            </p:custDataLst>
-          </p:nvPr>
-        </p:nvPicPr>
-        <p:blipFill>
-          <a:blip r:embed="rId2"/>
-          <a:stretch>
-            <a:fillRect/>
-          </a:stretch>
-        </p:blipFill>
-        <p:spPr>
-          <a:xfrm rot="2520000">
-            <a:off x="-2587625" y="-3070225"/>
-            <a:ext cx="4406900" cy="5954395"/>
-          </a:xfrm>
-          <a:prstGeom prst="rect">
-            <a:avLst/>
-          </a:prstGeom>
-        </p:spPr>
-      </p:pic>
-      <p:sp>
-        <p:nvSpPr>
-          <p:cNvPr id="10" name="文本框 9" descr="7b0a20202020227461726765744d6f64756c65223a202270726f636573734f6e6c696e65466f6e7473220a7d0a"/>
-          <p:cNvSpPr txBox="1"/>
-          <p:nvPr/>
-        </p:nvSpPr>
-        <p:spPr>
-          <a:xfrm>
-            <a:off x="0" y="235585"/>
-            <a:ext cx="1402715" cy="922020"/>
-          </a:xfrm>
-          <a:prstGeom prst="rect">
-            <a:avLst/>
-          </a:prstGeom>
-          <a:noFill/>
-        </p:spPr>
-        <p:txBody>
-          <a:bodyPr wrap="square" rtlCol="0">
-            <a:spAutoFit/>
-          </a:bodyPr>
-          <a:p>
-            <a:pPr algn="ctr"/>
-            <a:r>
-              <a:rPr lang="en-US" altLang="zh-CN" sz="5400" b="1">
-                <a:solidFill>
-                  <a:schemeClr val="bg1"/>
-                </a:solidFill>
-                <a:latin typeface="+mj-ea"/>
-                <a:ea typeface="+mj-ea"/>
-              </a:rPr>
-              <a:t>4</a:t>
-            </a:r>
-            <a:endParaRPr lang="en-US" altLang="zh-CN" sz="5400" b="1">
-              <a:solidFill>
-                <a:schemeClr val="bg1"/>
-              </a:solidFill>
-              <a:latin typeface="+mj-ea"/>
-              <a:ea typeface="+mj-ea"/>
-            </a:endParaRPr>
-          </a:p>
-        </p:txBody>
-      </p:sp>
-      <p:sp>
-        <p:nvSpPr>
-          <p:cNvPr id="2" name="文本框 1"/>
-          <p:cNvSpPr txBox="1"/>
-          <p:nvPr/>
-        </p:nvSpPr>
-        <p:spPr>
-          <a:xfrm>
-            <a:off x="934720" y="2318385"/>
-            <a:ext cx="2693035" cy="521970"/>
-          </a:xfrm>
-          <a:prstGeom prst="rect">
-            <a:avLst/>
-          </a:prstGeom>
-          <a:noFill/>
-        </p:spPr>
-        <p:txBody>
-          <a:bodyPr wrap="none" rtlCol="0">
-            <a:spAutoFit/>
-          </a:bodyPr>
-          <a:p>
-            <a:pPr algn="l"/>
-            <a:r>
-              <a:rPr lang="en-US" altLang="zh-CN" sz="2800" b="1"/>
-              <a:t>1. </a:t>
-            </a:r>
-            <a:r>
-              <a:rPr lang="zh-CN" altLang="en-US" sz="2800" b="1"/>
-              <a:t>与</a:t>
-            </a:r>
-            <a:r>
-              <a:rPr lang="en-US" altLang="zh-CN" sz="2800" b="1"/>
-              <a:t> 2.x </a:t>
-            </a:r>
-            <a:r>
-              <a:rPr lang="zh-CN" altLang="en-US" sz="2800" b="1"/>
-              <a:t>的区别</a:t>
-            </a:r>
-            <a:endParaRPr lang="zh-CN" altLang="en-US" sz="2800" b="1"/>
-          </a:p>
-        </p:txBody>
-      </p:sp>
-    </p:spTree>
-  </p:cSld>
-  <p:clrMapOvr>
-    <a:masterClrMapping/>
-  </p:clrMapOvr>
-</p:sld>
-</file>
-
-<file path=ppt/slides/slide29.xml><?xml version="1.0" encoding="utf-8"?>
-<p:sld xmlns:a="http://schemas.openxmlformats.org/drawingml/2006/main" xmlns:r="http://schemas.openxmlformats.org/officeDocument/2006/relationships" xmlns:p="http://schemas.openxmlformats.org/presentationml/2006/main">
-  <p:cSld>
-    <p:bg>
-      <p:bgPr>
-        <a:solidFill>
-          <a:schemeClr val="bg2"/>
-        </a:solidFill>
-        <a:effectLst/>
-      </p:bgPr>
-    </p:bg>
-    <p:spTree>
-      <p:nvGrpSpPr>
-        <p:cNvPr id="1" name=""/>
-        <p:cNvGrpSpPr/>
-        <p:nvPr/>
-      </p:nvGrpSpPr>
-      <p:grpSpPr/>
-      <p:pic>
-        <p:nvPicPr>
-          <p:cNvPr id="4" name="图片 3" descr="0"/>
-          <p:cNvPicPr>
-            <a:picLocks noChangeAspect="1"/>
-          </p:cNvPicPr>
-          <p:nvPr>
-            <p:custDataLst>
-              <p:tags r:id="rId1"/>
-            </p:custDataLst>
-          </p:nvPr>
-        </p:nvPicPr>
-        <p:blipFill>
-          <a:blip r:embed="rId2"/>
-          <a:stretch>
-            <a:fillRect/>
-          </a:stretch>
-        </p:blipFill>
-        <p:spPr>
-          <a:xfrm rot="2520000">
-            <a:off x="-2587625" y="-3070225"/>
-            <a:ext cx="4406900" cy="5954395"/>
-          </a:xfrm>
-          <a:prstGeom prst="rect">
-            <a:avLst/>
-          </a:prstGeom>
-        </p:spPr>
-      </p:pic>
-      <p:sp>
-        <p:nvSpPr>
-          <p:cNvPr id="8" name="文本框 7" descr="7b0a20202020227461726765744d6f64756c65223a202270726f636573734f6e6c696e65466f6e7473220a7d0a"/>
-          <p:cNvSpPr txBox="1"/>
-          <p:nvPr/>
-        </p:nvSpPr>
-        <p:spPr>
-          <a:xfrm>
-            <a:off x="2919095" y="513080"/>
-            <a:ext cx="1762125" cy="922020"/>
-          </a:xfrm>
-          <a:prstGeom prst="rect">
-            <a:avLst/>
-          </a:prstGeom>
-          <a:noFill/>
-        </p:spPr>
-        <p:txBody>
-          <a:bodyPr wrap="square" rtlCol="0">
-            <a:spAutoFit/>
-          </a:bodyPr>
-          <a:p>
-            <a:r>
-              <a:rPr lang="zh-CN" altLang="en-US" sz="5400" b="1">
-                <a:latin typeface="+mj-ea"/>
-                <a:ea typeface="+mj-ea"/>
-              </a:rPr>
-              <a:t>深入</a:t>
-            </a:r>
-            <a:endParaRPr lang="zh-CN" altLang="en-US" sz="5400" b="1">
-              <a:latin typeface="+mj-ea"/>
-              <a:ea typeface="+mj-ea"/>
-            </a:endParaRPr>
-          </a:p>
-        </p:txBody>
-      </p:sp>
-      <p:pic>
-        <p:nvPicPr>
-          <p:cNvPr id="10" name="图片 9" descr="0"/>
-          <p:cNvPicPr>
-            <a:picLocks noChangeAspect="1"/>
-          </p:cNvPicPr>
-          <p:nvPr>
-            <p:custDataLst>
-              <p:tags r:id="rId3"/>
-            </p:custDataLst>
-          </p:nvPr>
-        </p:nvPicPr>
-        <p:blipFill>
-          <a:blip r:embed="rId2"/>
-          <a:stretch>
-            <a:fillRect/>
-          </a:stretch>
-        </p:blipFill>
-        <p:spPr>
-          <a:xfrm rot="2520000">
-            <a:off x="10317480" y="4046220"/>
-            <a:ext cx="4406900" cy="5954395"/>
-          </a:xfrm>
-          <a:prstGeom prst="rect">
-            <a:avLst/>
-          </a:prstGeom>
-        </p:spPr>
-      </p:pic>
-      <p:sp>
-        <p:nvSpPr>
-          <p:cNvPr id="12" name="文本框 11"/>
-          <p:cNvSpPr txBox="1"/>
-          <p:nvPr/>
-        </p:nvSpPr>
-        <p:spPr>
-          <a:xfrm>
-            <a:off x="2007235" y="2061210"/>
-            <a:ext cx="7115810" cy="583565"/>
-          </a:xfrm>
-          <a:prstGeom prst="rect">
-            <a:avLst/>
-          </a:prstGeom>
-          <a:noFill/>
-        </p:spPr>
-        <p:txBody>
-          <a:bodyPr wrap="none" rtlCol="0">
-            <a:spAutoFit/>
-          </a:bodyPr>
-          <a:p>
-            <a:pPr algn="l"/>
-            <a:r>
-              <a:rPr lang="en-US" altLang="zh-CN" sz="3200" b="1"/>
-              <a:t>1.</a:t>
-            </a:r>
-            <a:r>
-              <a:rPr lang="zh-CN" altLang="en-US" sz="3200" b="1"/>
-              <a:t>如何通过</a:t>
-            </a:r>
-            <a:r>
-              <a:rPr lang="en-US" altLang="zh-CN" sz="3200" b="1"/>
-              <a:t> creator </a:t>
-            </a:r>
-            <a:r>
-              <a:rPr lang="zh-CN" altLang="en-US" sz="3200" b="1"/>
-              <a:t>编辑器制作插件</a:t>
-            </a:r>
-            <a:r>
-              <a:rPr lang="en-US" altLang="zh-CN" sz="3200" b="1"/>
-              <a:t> UI</a:t>
-            </a:r>
-            <a:endParaRPr lang="en-US" altLang="zh-CN" sz="3200" b="1"/>
-          </a:p>
-        </p:txBody>
-      </p:sp>
-      <p:sp>
-        <p:nvSpPr>
-          <p:cNvPr id="2" name="文本框 1"/>
-          <p:cNvSpPr txBox="1"/>
-          <p:nvPr/>
-        </p:nvSpPr>
-        <p:spPr>
-          <a:xfrm>
-            <a:off x="2042795" y="2849245"/>
-            <a:ext cx="3615055" cy="583565"/>
-          </a:xfrm>
-          <a:prstGeom prst="rect">
-            <a:avLst/>
-          </a:prstGeom>
-          <a:noFill/>
-        </p:spPr>
-        <p:txBody>
-          <a:bodyPr wrap="none" rtlCol="0">
-            <a:spAutoFit/>
-          </a:bodyPr>
-          <a:p>
-            <a:pPr algn="l"/>
-            <a:r>
-              <a:rPr lang="en-US" altLang="zh-CN" sz="3200" b="1"/>
-              <a:t>2.</a:t>
-            </a:r>
-            <a:r>
-              <a:rPr lang="zh-CN" altLang="en-US" sz="3200" b="1"/>
-              <a:t>如何调试主进程</a:t>
-            </a:r>
-            <a:r>
-              <a:rPr lang="en-US" altLang="zh-CN" sz="3200" b="1"/>
-              <a:t>?</a:t>
-            </a:r>
-            <a:endParaRPr lang="en-US" altLang="zh-CN" sz="3200" b="1"/>
-          </a:p>
-        </p:txBody>
-      </p:sp>
-    </p:spTree>
-    <p:custDataLst>
-      <p:tags r:id="rId4"/>
-    </p:custDataLst>
   </p:cSld>
   <p:clrMapOvr>
     <a:masterClrMapping/>
@@ -12223,7 +12784,7 @@
           <p:spPr>
             <a:xfrm>
               <a:off x="3161" y="4330"/>
-              <a:ext cx="6336" cy="914"/>
+              <a:ext cx="7636" cy="914"/>
             </a:xfrm>
             <a:prstGeom prst="rect">
               <a:avLst/>
@@ -12241,18 +12802,20 @@
                 <a:t>2.</a:t>
               </a:r>
               <a:r>
-                <a:rPr lang="zh-CN" altLang="en-US" sz="3200" b="1"/>
+                <a:rPr lang="en-US" altLang="zh-CN" sz="3200" b="1">
+                  <a:sym typeface="+mn-ea"/>
+                </a:rPr>
                 <a:t>package.json</a:t>
               </a:r>
               <a:r>
-                <a:rPr lang="en-US" altLang="zh-CN" sz="3200" b="1"/>
-                <a:t> </a:t>
-              </a:r>
-              <a:r>
-                <a:rPr lang="zh-CN" altLang="en-US" sz="3200" b="1"/>
+                <a:rPr lang="zh-CN" altLang="en-US" sz="3200" b="1">
+                  <a:sym typeface="+mn-ea"/>
+                </a:rPr>
                 <a:t>简述</a:t>
               </a:r>
-              <a:endParaRPr lang="zh-CN" altLang="en-US" sz="3200" b="1"/>
+              <a:endParaRPr lang="zh-CN" altLang="en-US" sz="3200" b="1">
+                <a:sym typeface="+mn-ea"/>
+              </a:endParaRPr>
             </a:p>
           </p:txBody>
         </p:sp>
@@ -12334,7 +12897,11 @@
               </a:r>
               <a:r>
                 <a:rPr lang="zh-CN" altLang="en-US" sz="3200" b="1"/>
-                <a:t>场景脚本</a:t>
+                <a:t>消息</a:t>
+              </a:r>
+              <a:r>
+                <a:rPr lang="zh-CN" altLang="en-US" sz="3200" b="1"/>
+                <a:t>系统</a:t>
               </a:r>
               <a:endParaRPr lang="zh-CN" altLang="en-US" sz="3200" b="1"/>
             </a:p>
@@ -12382,7 +12949,7 @@
           </p:nvSpPr>
           <p:spPr>
             <a:xfrm>
-              <a:off x="12397" y="4331"/>
+              <a:off x="12397" y="5348"/>
               <a:ext cx="3382" cy="914"/>
             </a:xfrm>
             <a:prstGeom prst="rect">
@@ -12398,7 +12965,7 @@
               <a:pPr algn="l"/>
               <a:r>
                 <a:rPr lang="en-US" altLang="zh-CN" sz="3200" b="1"/>
-                <a:t>8.</a:t>
+                <a:t>9.</a:t>
               </a:r>
               <a:r>
                 <a:rPr lang="zh-CN" altLang="en-US" sz="3200" b="1">
@@ -12442,11 +13009,11 @@
               <a:pPr algn="l"/>
               <a:r>
                 <a:rPr lang="en-US" altLang="zh-CN" sz="3200" b="1"/>
-                <a:t>3.i18n</a:t>
+                <a:t>3.</a:t>
               </a:r>
               <a:r>
                 <a:rPr lang="zh-CN" altLang="en-US" sz="3200" b="1"/>
-                <a:t>的使用</a:t>
+                <a:t>插件多语言</a:t>
               </a:r>
               <a:endParaRPr lang="zh-CN" altLang="en-US" sz="3200" b="1"/>
             </a:p>
@@ -12460,7 +13027,7 @@
           </p:nvSpPr>
           <p:spPr>
             <a:xfrm>
-              <a:off x="12397" y="3246"/>
+              <a:off x="12397" y="4244"/>
               <a:ext cx="5302" cy="914"/>
             </a:xfrm>
             <a:prstGeom prst="rect">
@@ -12476,7 +13043,7 @@
               <a:pPr algn="l"/>
               <a:r>
                 <a:rPr lang="en-US" altLang="zh-CN" sz="3200" b="1"/>
-                <a:t>7.</a:t>
+                <a:t>8.</a:t>
               </a:r>
               <a:r>
                 <a:rPr lang="zh-CN" altLang="en-US" sz="3200" b="1"/>
@@ -12495,8 +13062,8 @@
         </p:nvSpPr>
         <p:spPr>
           <a:xfrm>
-            <a:off x="7872095" y="3526330"/>
-            <a:ext cx="2147570" cy="583565"/>
+            <a:off x="7872095" y="4110355"/>
+            <a:ext cx="2959735" cy="583565"/>
           </a:xfrm>
           <a:prstGeom prst="rect">
             <a:avLst/>
@@ -12511,7 +13078,7 @@
             <a:pPr algn="l"/>
             <a:r>
               <a:rPr lang="en-US" altLang="zh-CN" sz="3200" b="1"/>
-              <a:t>9.</a:t>
+              <a:t>10.</a:t>
             </a:r>
             <a:r>
               <a:rPr lang="zh-CN" altLang="en-US" sz="3200" b="1">
@@ -12522,6 +13089,40 @@
             <a:r>
               <a:rPr lang="zh-CN" altLang="en-US" sz="3200" b="1"/>
               <a:t>插件</a:t>
+            </a:r>
+            <a:endParaRPr lang="zh-CN" altLang="en-US" sz="3200" b="1"/>
+          </a:p>
+        </p:txBody>
+      </p:sp>
+      <p:sp>
+        <p:nvSpPr>
+          <p:cNvPr id="14" name="文本框 13"/>
+          <p:cNvSpPr txBox="1"/>
+          <p:nvPr/>
+        </p:nvSpPr>
+        <p:spPr>
+          <a:xfrm>
+            <a:off x="7872095" y="2060973"/>
+            <a:ext cx="2147570" cy="583565"/>
+          </a:xfrm>
+          <a:prstGeom prst="rect">
+            <a:avLst/>
+          </a:prstGeom>
+          <a:noFill/>
+        </p:spPr>
+        <p:txBody>
+          <a:bodyPr wrap="square" rtlCol="0">
+            <a:spAutoFit/>
+          </a:bodyPr>
+          <a:p>
+            <a:pPr algn="l"/>
+            <a:r>
+              <a:rPr lang="en-US" altLang="zh-CN" sz="3200" b="1"/>
+              <a:t>7.</a:t>
+            </a:r>
+            <a:r>
+              <a:rPr lang="zh-CN" altLang="en-US" sz="3200" b="1"/>
+              <a:t>场景脚本</a:t>
             </a:r>
             <a:endParaRPr lang="zh-CN" altLang="en-US" sz="3200" b="1"/>
           </a:p>
@@ -12531,6 +13132,2925 @@
     <p:custDataLst>
       <p:tags r:id="rId4"/>
     </p:custDataLst>
+  </p:cSld>
+  <p:clrMapOvr>
+    <a:masterClrMapping/>
+  </p:clrMapOvr>
+</p:sld>
+</file>
+
+<file path=ppt/slides/slide30.xml><?xml version="1.0" encoding="utf-8"?>
+<p:sld xmlns:a="http://schemas.openxmlformats.org/drawingml/2006/main" xmlns:r="http://schemas.openxmlformats.org/officeDocument/2006/relationships" xmlns:p="http://schemas.openxmlformats.org/presentationml/2006/main">
+  <p:cSld>
+    <p:spTree>
+      <p:nvGrpSpPr>
+        <p:cNvPr id="1" name=""/>
+        <p:cNvGrpSpPr/>
+        <p:nvPr/>
+      </p:nvGrpSpPr>
+      <p:grpSpPr/>
+      <p:sp>
+        <p:nvSpPr>
+          <p:cNvPr id="6" name="文本框 5"/>
+          <p:cNvSpPr txBox="1"/>
+          <p:nvPr/>
+        </p:nvSpPr>
+        <p:spPr>
+          <a:xfrm>
+            <a:off x="2317750" y="545465"/>
+            <a:ext cx="4331970" cy="706755"/>
+          </a:xfrm>
+          <a:prstGeom prst="rect">
+            <a:avLst/>
+          </a:prstGeom>
+          <a:noFill/>
+        </p:spPr>
+        <p:txBody>
+          <a:bodyPr wrap="none" rtlCol="0">
+            <a:spAutoFit/>
+          </a:bodyPr>
+          <a:p>
+            <a:pPr algn="l"/>
+            <a:r>
+              <a:rPr lang="zh-CN" altLang="en-US" sz="4000" b="1">
+                <a:sym typeface="+mn-ea"/>
+              </a:rPr>
+              <a:t>使用</a:t>
+            </a:r>
+            <a:r>
+              <a:rPr lang="en-US" altLang="zh-CN" sz="4000" b="1">
+                <a:sym typeface="+mn-ea"/>
+              </a:rPr>
+              <a:t>element-plus</a:t>
+            </a:r>
+            <a:endParaRPr lang="zh-CN" altLang="en-US" sz="4000" b="1">
+              <a:sym typeface="+mn-ea"/>
+            </a:endParaRPr>
+          </a:p>
+        </p:txBody>
+      </p:sp>
+      <p:sp>
+        <p:nvSpPr>
+          <p:cNvPr id="8" name="文本框 7" descr="7b0a20202020227461726765744d6f64756c65223a202270726f636573734f6e6c696e65466f6e7473220a7d0a"/>
+          <p:cNvSpPr txBox="1"/>
+          <p:nvPr/>
+        </p:nvSpPr>
+        <p:spPr>
+          <a:xfrm>
+            <a:off x="10305415" y="184150"/>
+            <a:ext cx="1762125" cy="922020"/>
+          </a:xfrm>
+          <a:prstGeom prst="rect">
+            <a:avLst/>
+          </a:prstGeom>
+          <a:noFill/>
+        </p:spPr>
+        <p:txBody>
+          <a:bodyPr wrap="square" rtlCol="0">
+            <a:spAutoFit/>
+          </a:bodyPr>
+          <a:p>
+            <a:r>
+              <a:rPr lang="zh-CN" altLang="en-US" sz="5400" b="1">
+                <a:latin typeface="+mj-ea"/>
+                <a:ea typeface="+mj-ea"/>
+              </a:rPr>
+              <a:t>进阶</a:t>
+            </a:r>
+            <a:endParaRPr lang="zh-CN" altLang="en-US" sz="5400" b="1">
+              <a:latin typeface="+mj-ea"/>
+              <a:ea typeface="+mj-ea"/>
+            </a:endParaRPr>
+          </a:p>
+        </p:txBody>
+      </p:sp>
+      <p:pic>
+        <p:nvPicPr>
+          <p:cNvPr id="7" name="图片 6" descr="0"/>
+          <p:cNvPicPr>
+            <a:picLocks noChangeAspect="1"/>
+          </p:cNvPicPr>
+          <p:nvPr>
+            <p:custDataLst>
+              <p:tags r:id="rId1"/>
+            </p:custDataLst>
+          </p:nvPr>
+        </p:nvPicPr>
+        <p:blipFill>
+          <a:blip r:embed="rId2"/>
+          <a:stretch>
+            <a:fillRect/>
+          </a:stretch>
+        </p:blipFill>
+        <p:spPr>
+          <a:xfrm rot="2520000">
+            <a:off x="-2587625" y="-3070225"/>
+            <a:ext cx="4406900" cy="5954395"/>
+          </a:xfrm>
+          <a:prstGeom prst="rect">
+            <a:avLst/>
+          </a:prstGeom>
+        </p:spPr>
+      </p:pic>
+      <p:sp>
+        <p:nvSpPr>
+          <p:cNvPr id="10" name="文本框 9" descr="7b0a20202020227461726765744d6f64756c65223a202270726f636573734f6e6c696e65466f6e7473220a7d0a"/>
+          <p:cNvSpPr txBox="1"/>
+          <p:nvPr/>
+        </p:nvSpPr>
+        <p:spPr>
+          <a:xfrm>
+            <a:off x="0" y="235585"/>
+            <a:ext cx="1402715" cy="922020"/>
+          </a:xfrm>
+          <a:prstGeom prst="rect">
+            <a:avLst/>
+          </a:prstGeom>
+          <a:noFill/>
+        </p:spPr>
+        <p:txBody>
+          <a:bodyPr wrap="square" rtlCol="0">
+            <a:spAutoFit/>
+          </a:bodyPr>
+          <a:p>
+            <a:pPr algn="ctr"/>
+            <a:r>
+              <a:rPr lang="en-US" altLang="zh-CN" sz="5400" b="1">
+                <a:solidFill>
+                  <a:schemeClr val="bg1"/>
+                </a:solidFill>
+                <a:latin typeface="+mj-ea"/>
+                <a:ea typeface="+mj-ea"/>
+              </a:rPr>
+              <a:t>2</a:t>
+            </a:r>
+            <a:endParaRPr lang="en-US" altLang="zh-CN" sz="5400" b="1">
+              <a:solidFill>
+                <a:schemeClr val="bg1"/>
+              </a:solidFill>
+              <a:latin typeface="+mj-ea"/>
+              <a:ea typeface="+mj-ea"/>
+            </a:endParaRPr>
+          </a:p>
+        </p:txBody>
+      </p:sp>
+      <p:sp>
+        <p:nvSpPr>
+          <p:cNvPr id="3" name="文本框 2"/>
+          <p:cNvSpPr txBox="1"/>
+          <p:nvPr/>
+        </p:nvSpPr>
+        <p:spPr>
+          <a:xfrm>
+            <a:off x="1675765" y="1503045"/>
+            <a:ext cx="6682105" cy="521970"/>
+          </a:xfrm>
+          <a:prstGeom prst="rect">
+            <a:avLst/>
+          </a:prstGeom>
+          <a:noFill/>
+        </p:spPr>
+        <p:txBody>
+          <a:bodyPr wrap="none" rtlCol="0">
+            <a:spAutoFit/>
+          </a:bodyPr>
+          <a:p>
+            <a:pPr algn="l"/>
+            <a:r>
+              <a:rPr lang="en-US" altLang="zh-CN" sz="2800" b="1"/>
+              <a:t>1. </a:t>
+            </a:r>
+            <a:r>
+              <a:rPr lang="zh-CN" altLang="en-US" sz="2800" b="1"/>
+              <a:t>什么是</a:t>
+            </a:r>
+            <a:r>
+              <a:rPr lang="en-US" altLang="zh-CN" sz="2800" b="1">
+                <a:sym typeface="+mn-ea"/>
+              </a:rPr>
+              <a:t>element-plus</a:t>
+            </a:r>
+            <a:r>
+              <a:rPr lang="zh-CN" altLang="en-US" sz="2800" b="1"/>
+              <a:t>？为什么使用它？</a:t>
+            </a:r>
+            <a:endParaRPr lang="zh-CN" altLang="en-US" sz="2800" b="1"/>
+          </a:p>
+        </p:txBody>
+      </p:sp>
+      <p:sp>
+        <p:nvSpPr>
+          <p:cNvPr id="4" name="文本框 3"/>
+          <p:cNvSpPr txBox="1"/>
+          <p:nvPr/>
+        </p:nvSpPr>
+        <p:spPr>
+          <a:xfrm>
+            <a:off x="476885" y="5899785"/>
+            <a:ext cx="1198880" cy="398780"/>
+          </a:xfrm>
+          <a:prstGeom prst="rect">
+            <a:avLst/>
+          </a:prstGeom>
+          <a:noFill/>
+        </p:spPr>
+        <p:txBody>
+          <a:bodyPr wrap="none" rtlCol="0">
+            <a:spAutoFit/>
+          </a:bodyPr>
+          <a:p>
+            <a:r>
+              <a:rPr lang="zh-CN" altLang="en-US" sz="2000">
+                <a:hlinkClick r:id="rId3" action="ppaction://hlinkfile"/>
+              </a:rPr>
+              <a:t>参考链接</a:t>
+            </a:r>
+            <a:endParaRPr lang="zh-CN" altLang="en-US" sz="2000"/>
+          </a:p>
+        </p:txBody>
+      </p:sp>
+      <p:pic>
+        <p:nvPicPr>
+          <p:cNvPr id="9" name="图片 8" descr="1L4WAHQCWOYGN}PHG@9CVOU"/>
+          <p:cNvPicPr>
+            <a:picLocks noChangeAspect="1"/>
+          </p:cNvPicPr>
+          <p:nvPr/>
+        </p:nvPicPr>
+        <p:blipFill>
+          <a:blip r:embed="rId4"/>
+          <a:stretch>
+            <a:fillRect/>
+          </a:stretch>
+        </p:blipFill>
+        <p:spPr>
+          <a:xfrm>
+            <a:off x="1895475" y="2275840"/>
+            <a:ext cx="9260840" cy="6109335"/>
+          </a:xfrm>
+          <a:prstGeom prst="rect">
+            <a:avLst/>
+          </a:prstGeom>
+        </p:spPr>
+      </p:pic>
+      <p:sp>
+        <p:nvSpPr>
+          <p:cNvPr id="5" name="文本框 4"/>
+          <p:cNvSpPr txBox="1"/>
+          <p:nvPr/>
+        </p:nvSpPr>
+        <p:spPr>
+          <a:xfrm>
+            <a:off x="476885" y="6431915"/>
+            <a:ext cx="1339850" cy="398780"/>
+          </a:xfrm>
+          <a:prstGeom prst="rect">
+            <a:avLst/>
+          </a:prstGeom>
+          <a:noFill/>
+        </p:spPr>
+        <p:txBody>
+          <a:bodyPr wrap="none" rtlCol="0">
+            <a:spAutoFit/>
+          </a:bodyPr>
+          <a:p>
+            <a:r>
+              <a:rPr lang="zh-CN" altLang="en-US" sz="2000">
+                <a:hlinkClick r:id="rId5" action="ppaction://hlinkfile"/>
+              </a:rPr>
+              <a:t>参考链接</a:t>
+            </a:r>
+            <a:r>
+              <a:rPr lang="en-US" altLang="zh-CN" sz="2000">
+                <a:hlinkClick r:id="rId5" action="ppaction://hlinkfile"/>
+              </a:rPr>
+              <a:t>2</a:t>
+            </a:r>
+            <a:endParaRPr lang="en-US" altLang="zh-CN" sz="2000">
+              <a:hlinkClick r:id="rId5" action="ppaction://hlinkfile"/>
+            </a:endParaRPr>
+          </a:p>
+        </p:txBody>
+      </p:sp>
+    </p:spTree>
+  </p:cSld>
+  <p:clrMapOvr>
+    <a:masterClrMapping/>
+  </p:clrMapOvr>
+</p:sld>
+</file>
+
+<file path=ppt/slides/slide31.xml><?xml version="1.0" encoding="utf-8"?>
+<p:sld xmlns:a="http://schemas.openxmlformats.org/drawingml/2006/main" xmlns:r="http://schemas.openxmlformats.org/officeDocument/2006/relationships" xmlns:p="http://schemas.openxmlformats.org/presentationml/2006/main">
+  <p:cSld>
+    <p:spTree>
+      <p:nvGrpSpPr>
+        <p:cNvPr id="1" name=""/>
+        <p:cNvGrpSpPr/>
+        <p:nvPr/>
+      </p:nvGrpSpPr>
+      <p:grpSpPr/>
+      <p:sp>
+        <p:nvSpPr>
+          <p:cNvPr id="6" name="文本框 5"/>
+          <p:cNvSpPr txBox="1"/>
+          <p:nvPr/>
+        </p:nvSpPr>
+        <p:spPr>
+          <a:xfrm>
+            <a:off x="2317750" y="545465"/>
+            <a:ext cx="5065395" cy="706755"/>
+          </a:xfrm>
+          <a:prstGeom prst="rect">
+            <a:avLst/>
+          </a:prstGeom>
+          <a:noFill/>
+        </p:spPr>
+        <p:txBody>
+          <a:bodyPr wrap="none" rtlCol="0">
+            <a:spAutoFit/>
+          </a:bodyPr>
+          <a:p>
+            <a:pPr algn="l"/>
+            <a:r>
+              <a:rPr lang="en-US" altLang="zh-CN" sz="4000" b="1">
+                <a:sym typeface="+mn-ea"/>
+              </a:rPr>
+              <a:t>html </a:t>
+            </a:r>
+            <a:r>
+              <a:rPr lang="zh-CN" altLang="en-US" sz="4000" b="1">
+                <a:sym typeface="+mn-ea"/>
+              </a:rPr>
+              <a:t>和</a:t>
+            </a:r>
+            <a:r>
+              <a:rPr lang="en-US" altLang="zh-CN" sz="4000" b="1">
+                <a:sym typeface="+mn-ea"/>
+              </a:rPr>
+              <a:t> css </a:t>
+            </a:r>
+            <a:r>
+              <a:rPr lang="zh-CN" altLang="en-US" sz="4000" b="1">
+                <a:sym typeface="+mn-ea"/>
+              </a:rPr>
+              <a:t>调试技巧</a:t>
+            </a:r>
+            <a:endParaRPr lang="zh-CN" altLang="en-US" sz="4000" b="1">
+              <a:sym typeface="+mn-ea"/>
+            </a:endParaRPr>
+          </a:p>
+        </p:txBody>
+      </p:sp>
+      <p:sp>
+        <p:nvSpPr>
+          <p:cNvPr id="8" name="文本框 7" descr="7b0a20202020227461726765744d6f64756c65223a202270726f636573734f6e6c696e65466f6e7473220a7d0a"/>
+          <p:cNvSpPr txBox="1"/>
+          <p:nvPr/>
+        </p:nvSpPr>
+        <p:spPr>
+          <a:xfrm>
+            <a:off x="10305415" y="184150"/>
+            <a:ext cx="1762125" cy="922020"/>
+          </a:xfrm>
+          <a:prstGeom prst="rect">
+            <a:avLst/>
+          </a:prstGeom>
+          <a:noFill/>
+        </p:spPr>
+        <p:txBody>
+          <a:bodyPr wrap="square" rtlCol="0">
+            <a:spAutoFit/>
+          </a:bodyPr>
+          <a:p>
+            <a:r>
+              <a:rPr lang="zh-CN" altLang="en-US" sz="5400" b="1">
+                <a:latin typeface="+mj-ea"/>
+                <a:ea typeface="+mj-ea"/>
+              </a:rPr>
+              <a:t>进阶</a:t>
+            </a:r>
+            <a:endParaRPr lang="zh-CN" altLang="en-US" sz="5400" b="1">
+              <a:latin typeface="+mj-ea"/>
+              <a:ea typeface="+mj-ea"/>
+            </a:endParaRPr>
+          </a:p>
+        </p:txBody>
+      </p:sp>
+      <p:pic>
+        <p:nvPicPr>
+          <p:cNvPr id="7" name="图片 6" descr="0"/>
+          <p:cNvPicPr>
+            <a:picLocks noChangeAspect="1"/>
+          </p:cNvPicPr>
+          <p:nvPr>
+            <p:custDataLst>
+              <p:tags r:id="rId1"/>
+            </p:custDataLst>
+          </p:nvPr>
+        </p:nvPicPr>
+        <p:blipFill>
+          <a:blip r:embed="rId2"/>
+          <a:stretch>
+            <a:fillRect/>
+          </a:stretch>
+        </p:blipFill>
+        <p:spPr>
+          <a:xfrm rot="2520000">
+            <a:off x="-2587625" y="-3070225"/>
+            <a:ext cx="4406900" cy="5954395"/>
+          </a:xfrm>
+          <a:prstGeom prst="rect">
+            <a:avLst/>
+          </a:prstGeom>
+        </p:spPr>
+      </p:pic>
+      <p:sp>
+        <p:nvSpPr>
+          <p:cNvPr id="10" name="文本框 9" descr="7b0a20202020227461726765744d6f64756c65223a202270726f636573734f6e6c696e65466f6e7473220a7d0a"/>
+          <p:cNvSpPr txBox="1"/>
+          <p:nvPr/>
+        </p:nvSpPr>
+        <p:spPr>
+          <a:xfrm>
+            <a:off x="0" y="235585"/>
+            <a:ext cx="1402715" cy="922020"/>
+          </a:xfrm>
+          <a:prstGeom prst="rect">
+            <a:avLst/>
+          </a:prstGeom>
+          <a:noFill/>
+        </p:spPr>
+        <p:txBody>
+          <a:bodyPr wrap="square" rtlCol="0">
+            <a:spAutoFit/>
+          </a:bodyPr>
+          <a:p>
+            <a:pPr algn="ctr"/>
+            <a:r>
+              <a:rPr lang="en-US" altLang="zh-CN" sz="5400" b="1">
+                <a:solidFill>
+                  <a:schemeClr val="bg1"/>
+                </a:solidFill>
+                <a:latin typeface="+mj-ea"/>
+                <a:ea typeface="+mj-ea"/>
+              </a:rPr>
+              <a:t>3</a:t>
+            </a:r>
+            <a:endParaRPr lang="en-US" altLang="zh-CN" sz="5400" b="1">
+              <a:solidFill>
+                <a:schemeClr val="bg1"/>
+              </a:solidFill>
+              <a:latin typeface="+mj-ea"/>
+              <a:ea typeface="+mj-ea"/>
+            </a:endParaRPr>
+          </a:p>
+        </p:txBody>
+      </p:sp>
+      <p:sp>
+        <p:nvSpPr>
+          <p:cNvPr id="3" name="文本框 2"/>
+          <p:cNvSpPr txBox="1"/>
+          <p:nvPr/>
+        </p:nvSpPr>
+        <p:spPr>
+          <a:xfrm>
+            <a:off x="144145" y="3137535"/>
+            <a:ext cx="5649595" cy="829945"/>
+          </a:xfrm>
+          <a:prstGeom prst="rect">
+            <a:avLst/>
+          </a:prstGeom>
+          <a:noFill/>
+        </p:spPr>
+        <p:txBody>
+          <a:bodyPr wrap="none" rtlCol="0">
+            <a:spAutoFit/>
+          </a:bodyPr>
+          <a:p>
+            <a:pPr algn="l"/>
+            <a:r>
+              <a:rPr lang="en-US" altLang="zh-CN" sz="2400" b="1"/>
+              <a:t>1. </a:t>
+            </a:r>
+            <a:r>
+              <a:rPr lang="zh-CN" altLang="en-US" sz="2400" b="1"/>
+              <a:t>修改标签：</a:t>
+            </a:r>
+            <a:endParaRPr lang="zh-CN" altLang="en-US" sz="2400" b="1"/>
+          </a:p>
+          <a:p>
+            <a:pPr algn="l"/>
+            <a:r>
+              <a:rPr lang="en-US" altLang="zh-CN" sz="2400" b="1"/>
+              <a:t>        </a:t>
+            </a:r>
+            <a:r>
+              <a:rPr lang="zh-CN" altLang="en-US" sz="2400" b="1"/>
+              <a:t>右击</a:t>
+            </a:r>
+            <a:r>
+              <a:rPr lang="en-US" altLang="zh-CN" sz="2400" b="1"/>
+              <a:t>html</a:t>
+            </a:r>
+            <a:r>
+              <a:rPr lang="zh-CN" altLang="en-US" sz="2400" b="1"/>
+              <a:t>标签，点击</a:t>
+            </a:r>
+            <a:r>
+              <a:rPr lang="en-US" altLang="zh-CN" sz="2400" b="1"/>
+              <a:t> Edit as HTML</a:t>
+            </a:r>
+            <a:endParaRPr lang="en-US" altLang="zh-CN" sz="2400" b="1"/>
+          </a:p>
+        </p:txBody>
+      </p:sp>
+      <p:pic>
+        <p:nvPicPr>
+          <p:cNvPr id="5" name="图片 4" descr="@%@X(1I{ZG]7RKVB{YBGURU"/>
+          <p:cNvPicPr>
+            <a:picLocks noChangeAspect="1"/>
+          </p:cNvPicPr>
+          <p:nvPr/>
+        </p:nvPicPr>
+        <p:blipFill>
+          <a:blip r:embed="rId3"/>
+          <a:stretch>
+            <a:fillRect/>
+          </a:stretch>
+        </p:blipFill>
+        <p:spPr>
+          <a:xfrm>
+            <a:off x="5895340" y="1955800"/>
+            <a:ext cx="5414645" cy="2011680"/>
+          </a:xfrm>
+          <a:prstGeom prst="rect">
+            <a:avLst/>
+          </a:prstGeom>
+        </p:spPr>
+      </p:pic>
+      <p:pic>
+        <p:nvPicPr>
+          <p:cNvPr id="9" name="图片 8" descr="{O]YVUG2D9HLO168SZ~HQ93"/>
+          <p:cNvPicPr>
+            <a:picLocks noChangeAspect="1"/>
+          </p:cNvPicPr>
+          <p:nvPr/>
+        </p:nvPicPr>
+        <p:blipFill>
+          <a:blip r:embed="rId4"/>
+          <a:stretch>
+            <a:fillRect/>
+          </a:stretch>
+        </p:blipFill>
+        <p:spPr>
+          <a:xfrm>
+            <a:off x="5895340" y="4240530"/>
+            <a:ext cx="5476875" cy="3095625"/>
+          </a:xfrm>
+          <a:prstGeom prst="rect">
+            <a:avLst/>
+          </a:prstGeom>
+        </p:spPr>
+      </p:pic>
+      <p:sp>
+        <p:nvSpPr>
+          <p:cNvPr id="11" name="文本框 10"/>
+          <p:cNvSpPr txBox="1"/>
+          <p:nvPr/>
+        </p:nvSpPr>
+        <p:spPr>
+          <a:xfrm>
+            <a:off x="144145" y="5852795"/>
+            <a:ext cx="5566410" cy="829945"/>
+          </a:xfrm>
+          <a:prstGeom prst="rect">
+            <a:avLst/>
+          </a:prstGeom>
+          <a:noFill/>
+        </p:spPr>
+        <p:txBody>
+          <a:bodyPr wrap="none" rtlCol="0">
+            <a:spAutoFit/>
+          </a:bodyPr>
+          <a:p>
+            <a:pPr algn="l"/>
+            <a:r>
+              <a:rPr lang="en-US" altLang="zh-CN" sz="2400" b="1"/>
+              <a:t>2. </a:t>
+            </a:r>
+            <a:r>
+              <a:rPr lang="zh-CN" altLang="en-US" sz="2400" b="1"/>
+              <a:t>修改</a:t>
+            </a:r>
+            <a:r>
+              <a:rPr lang="en-US" altLang="zh-CN" sz="2400" b="1"/>
+              <a:t>css</a:t>
+            </a:r>
+            <a:r>
+              <a:rPr lang="zh-CN" altLang="en-US" sz="2400" b="1"/>
+              <a:t>：</a:t>
+            </a:r>
+            <a:endParaRPr lang="zh-CN" altLang="en-US" sz="2400" b="1"/>
+          </a:p>
+          <a:p>
+            <a:pPr algn="l"/>
+            <a:r>
+              <a:rPr lang="en-US" altLang="zh-CN" sz="2400" b="1"/>
+              <a:t>        Element -&gt; style -&gt; element.style</a:t>
+            </a:r>
+            <a:endParaRPr lang="zh-CN" altLang="en-US" sz="2400" b="1"/>
+          </a:p>
+        </p:txBody>
+      </p:sp>
+    </p:spTree>
+  </p:cSld>
+  <p:clrMapOvr>
+    <a:masterClrMapping/>
+  </p:clrMapOvr>
+</p:sld>
+</file>
+
+<file path=ppt/slides/slide32.xml><?xml version="1.0" encoding="utf-8"?>
+<p:sld xmlns:a="http://schemas.openxmlformats.org/drawingml/2006/main" xmlns:r="http://schemas.openxmlformats.org/officeDocument/2006/relationships" xmlns:p="http://schemas.openxmlformats.org/presentationml/2006/main">
+  <p:cSld>
+    <p:spTree>
+      <p:nvGrpSpPr>
+        <p:cNvPr id="1" name=""/>
+        <p:cNvGrpSpPr/>
+        <p:nvPr/>
+      </p:nvGrpSpPr>
+      <p:grpSpPr/>
+      <p:sp>
+        <p:nvSpPr>
+          <p:cNvPr id="6" name="文本框 5"/>
+          <p:cNvSpPr txBox="1"/>
+          <p:nvPr/>
+        </p:nvSpPr>
+        <p:spPr>
+          <a:xfrm>
+            <a:off x="2317750" y="545465"/>
+            <a:ext cx="3626485" cy="706755"/>
+          </a:xfrm>
+          <a:prstGeom prst="rect">
+            <a:avLst/>
+          </a:prstGeom>
+          <a:noFill/>
+        </p:spPr>
+        <p:txBody>
+          <a:bodyPr wrap="none" rtlCol="0">
+            <a:spAutoFit/>
+          </a:bodyPr>
+          <a:p>
+            <a:pPr algn="l"/>
+            <a:r>
+              <a:rPr lang="zh-CN" altLang="en-US" sz="4000" b="1">
+                <a:sym typeface="+mn-ea"/>
+              </a:rPr>
+              <a:t>扩展</a:t>
+            </a:r>
+            <a:r>
+              <a:rPr lang="en-US" altLang="zh-CN" sz="4000" b="1">
+                <a:sym typeface="+mn-ea"/>
+              </a:rPr>
+              <a:t> inspector</a:t>
+            </a:r>
+            <a:endParaRPr lang="zh-CN" altLang="en-US" sz="4000" b="1">
+              <a:sym typeface="+mn-ea"/>
+            </a:endParaRPr>
+          </a:p>
+        </p:txBody>
+      </p:sp>
+      <p:sp>
+        <p:nvSpPr>
+          <p:cNvPr id="8" name="文本框 7" descr="7b0a20202020227461726765744d6f64756c65223a202270726f636573734f6e6c696e65466f6e7473220a7d0a"/>
+          <p:cNvSpPr txBox="1"/>
+          <p:nvPr/>
+        </p:nvSpPr>
+        <p:spPr>
+          <a:xfrm>
+            <a:off x="10305415" y="184150"/>
+            <a:ext cx="1762125" cy="922020"/>
+          </a:xfrm>
+          <a:prstGeom prst="rect">
+            <a:avLst/>
+          </a:prstGeom>
+          <a:noFill/>
+        </p:spPr>
+        <p:txBody>
+          <a:bodyPr wrap="square" rtlCol="0">
+            <a:spAutoFit/>
+          </a:bodyPr>
+          <a:p>
+            <a:r>
+              <a:rPr lang="zh-CN" altLang="en-US" sz="5400" b="1">
+                <a:latin typeface="+mj-ea"/>
+                <a:ea typeface="+mj-ea"/>
+              </a:rPr>
+              <a:t>进阶</a:t>
+            </a:r>
+            <a:endParaRPr lang="zh-CN" altLang="en-US" sz="5400" b="1">
+              <a:latin typeface="+mj-ea"/>
+              <a:ea typeface="+mj-ea"/>
+            </a:endParaRPr>
+          </a:p>
+        </p:txBody>
+      </p:sp>
+      <p:pic>
+        <p:nvPicPr>
+          <p:cNvPr id="7" name="图片 6" descr="0"/>
+          <p:cNvPicPr>
+            <a:picLocks noChangeAspect="1"/>
+          </p:cNvPicPr>
+          <p:nvPr>
+            <p:custDataLst>
+              <p:tags r:id="rId1"/>
+            </p:custDataLst>
+          </p:nvPr>
+        </p:nvPicPr>
+        <p:blipFill>
+          <a:blip r:embed="rId2"/>
+          <a:stretch>
+            <a:fillRect/>
+          </a:stretch>
+        </p:blipFill>
+        <p:spPr>
+          <a:xfrm rot="2520000">
+            <a:off x="-2587625" y="-3070225"/>
+            <a:ext cx="4406900" cy="5954395"/>
+          </a:xfrm>
+          <a:prstGeom prst="rect">
+            <a:avLst/>
+          </a:prstGeom>
+        </p:spPr>
+      </p:pic>
+      <p:sp>
+        <p:nvSpPr>
+          <p:cNvPr id="10" name="文本框 9" descr="7b0a20202020227461726765744d6f64756c65223a202270726f636573734f6e6c696e65466f6e7473220a7d0a"/>
+          <p:cNvSpPr txBox="1"/>
+          <p:nvPr/>
+        </p:nvSpPr>
+        <p:spPr>
+          <a:xfrm>
+            <a:off x="0" y="235585"/>
+            <a:ext cx="1402715" cy="922020"/>
+          </a:xfrm>
+          <a:prstGeom prst="rect">
+            <a:avLst/>
+          </a:prstGeom>
+          <a:noFill/>
+        </p:spPr>
+        <p:txBody>
+          <a:bodyPr wrap="square" rtlCol="0">
+            <a:spAutoFit/>
+          </a:bodyPr>
+          <a:p>
+            <a:pPr algn="ctr"/>
+            <a:r>
+              <a:rPr lang="en-US" altLang="zh-CN" sz="5400" b="1">
+                <a:solidFill>
+                  <a:schemeClr val="bg1"/>
+                </a:solidFill>
+                <a:latin typeface="+mj-ea"/>
+                <a:ea typeface="+mj-ea"/>
+              </a:rPr>
+              <a:t>4</a:t>
+            </a:r>
+            <a:endParaRPr lang="en-US" altLang="zh-CN" sz="5400" b="1">
+              <a:solidFill>
+                <a:schemeClr val="bg1"/>
+              </a:solidFill>
+              <a:latin typeface="+mj-ea"/>
+              <a:ea typeface="+mj-ea"/>
+            </a:endParaRPr>
+          </a:p>
+        </p:txBody>
+      </p:sp>
+      <p:sp>
+        <p:nvSpPr>
+          <p:cNvPr id="2" name="文本框 1"/>
+          <p:cNvSpPr txBox="1"/>
+          <p:nvPr/>
+        </p:nvSpPr>
+        <p:spPr>
+          <a:xfrm>
+            <a:off x="958215" y="2179320"/>
+            <a:ext cx="5338445" cy="521970"/>
+          </a:xfrm>
+          <a:prstGeom prst="rect">
+            <a:avLst/>
+          </a:prstGeom>
+          <a:noFill/>
+        </p:spPr>
+        <p:txBody>
+          <a:bodyPr wrap="none" rtlCol="0">
+            <a:spAutoFit/>
+          </a:bodyPr>
+          <a:p>
+            <a:pPr algn="l"/>
+            <a:r>
+              <a:rPr lang="zh-CN" altLang="en-US" sz="2800" b="1"/>
+              <a:t>怎么声明我们的</a:t>
+            </a:r>
+            <a:r>
+              <a:rPr lang="en-US" altLang="zh-CN" sz="2800" b="1"/>
+              <a:t>inspector</a:t>
+            </a:r>
+            <a:r>
+              <a:rPr lang="zh-CN" altLang="en-US" sz="2800" b="1"/>
+              <a:t>面板？</a:t>
+            </a:r>
+            <a:endParaRPr lang="zh-CN" altLang="en-US" sz="2800" b="1"/>
+          </a:p>
+        </p:txBody>
+      </p:sp>
+      <p:pic>
+        <p:nvPicPr>
+          <p:cNvPr id="3" name="图片 2" descr="QLK@E]6E1[JOY6D5JE]230K"/>
+          <p:cNvPicPr>
+            <a:picLocks noChangeAspect="1"/>
+          </p:cNvPicPr>
+          <p:nvPr/>
+        </p:nvPicPr>
+        <p:blipFill>
+          <a:blip r:embed="rId3"/>
+          <a:stretch>
+            <a:fillRect/>
+          </a:stretch>
+        </p:blipFill>
+        <p:spPr>
+          <a:xfrm>
+            <a:off x="1109980" y="3064510"/>
+            <a:ext cx="9515475" cy="2950845"/>
+          </a:xfrm>
+          <a:prstGeom prst="rect">
+            <a:avLst/>
+          </a:prstGeom>
+        </p:spPr>
+      </p:pic>
+      <p:sp>
+        <p:nvSpPr>
+          <p:cNvPr id="5" name="文本框 4"/>
+          <p:cNvSpPr txBox="1"/>
+          <p:nvPr/>
+        </p:nvSpPr>
+        <p:spPr>
+          <a:xfrm>
+            <a:off x="499745" y="6292850"/>
+            <a:ext cx="1198880" cy="398780"/>
+          </a:xfrm>
+          <a:prstGeom prst="rect">
+            <a:avLst/>
+          </a:prstGeom>
+          <a:noFill/>
+        </p:spPr>
+        <p:txBody>
+          <a:bodyPr wrap="none" rtlCol="0">
+            <a:spAutoFit/>
+          </a:bodyPr>
+          <a:p>
+            <a:r>
+              <a:rPr lang="zh-CN" altLang="en-US" sz="2000">
+                <a:hlinkClick r:id="rId4" action="ppaction://hlinkfile"/>
+              </a:rPr>
+              <a:t>参考链接</a:t>
+            </a:r>
+            <a:endParaRPr lang="zh-CN" altLang="en-US" sz="2000"/>
+          </a:p>
+        </p:txBody>
+      </p:sp>
+    </p:spTree>
+  </p:cSld>
+  <p:clrMapOvr>
+    <a:masterClrMapping/>
+  </p:clrMapOvr>
+</p:sld>
+</file>
+
+<file path=ppt/slides/slide33.xml><?xml version="1.0" encoding="utf-8"?>
+<p:sld xmlns:a="http://schemas.openxmlformats.org/drawingml/2006/main" xmlns:r="http://schemas.openxmlformats.org/officeDocument/2006/relationships" xmlns:p="http://schemas.openxmlformats.org/presentationml/2006/main">
+  <p:cSld>
+    <p:spTree>
+      <p:nvGrpSpPr>
+        <p:cNvPr id="1" name=""/>
+        <p:cNvGrpSpPr/>
+        <p:nvPr/>
+      </p:nvGrpSpPr>
+      <p:grpSpPr/>
+      <p:sp>
+        <p:nvSpPr>
+          <p:cNvPr id="6" name="文本框 5"/>
+          <p:cNvSpPr txBox="1"/>
+          <p:nvPr/>
+        </p:nvSpPr>
+        <p:spPr>
+          <a:xfrm>
+            <a:off x="2317750" y="545465"/>
+            <a:ext cx="3626485" cy="706755"/>
+          </a:xfrm>
+          <a:prstGeom prst="rect">
+            <a:avLst/>
+          </a:prstGeom>
+          <a:noFill/>
+        </p:spPr>
+        <p:txBody>
+          <a:bodyPr wrap="none" rtlCol="0">
+            <a:spAutoFit/>
+          </a:bodyPr>
+          <a:p>
+            <a:pPr algn="l"/>
+            <a:r>
+              <a:rPr lang="zh-CN" altLang="en-US" sz="4000" b="1">
+                <a:sym typeface="+mn-ea"/>
+              </a:rPr>
+              <a:t>扩展</a:t>
+            </a:r>
+            <a:r>
+              <a:rPr lang="en-US" altLang="zh-CN" sz="4000" b="1">
+                <a:sym typeface="+mn-ea"/>
+              </a:rPr>
+              <a:t> inspector</a:t>
+            </a:r>
+            <a:endParaRPr lang="zh-CN" altLang="en-US" sz="4000" b="1">
+              <a:sym typeface="+mn-ea"/>
+            </a:endParaRPr>
+          </a:p>
+        </p:txBody>
+      </p:sp>
+      <p:sp>
+        <p:nvSpPr>
+          <p:cNvPr id="8" name="文本框 7" descr="7b0a20202020227461726765744d6f64756c65223a202270726f636573734f6e6c696e65466f6e7473220a7d0a"/>
+          <p:cNvSpPr txBox="1"/>
+          <p:nvPr/>
+        </p:nvSpPr>
+        <p:spPr>
+          <a:xfrm>
+            <a:off x="10305415" y="184150"/>
+            <a:ext cx="1762125" cy="922020"/>
+          </a:xfrm>
+          <a:prstGeom prst="rect">
+            <a:avLst/>
+          </a:prstGeom>
+          <a:noFill/>
+        </p:spPr>
+        <p:txBody>
+          <a:bodyPr wrap="square" rtlCol="0">
+            <a:spAutoFit/>
+          </a:bodyPr>
+          <a:p>
+            <a:r>
+              <a:rPr lang="zh-CN" altLang="en-US" sz="5400" b="1">
+                <a:latin typeface="+mj-ea"/>
+                <a:ea typeface="+mj-ea"/>
+              </a:rPr>
+              <a:t>进阶</a:t>
+            </a:r>
+            <a:endParaRPr lang="zh-CN" altLang="en-US" sz="5400" b="1">
+              <a:latin typeface="+mj-ea"/>
+              <a:ea typeface="+mj-ea"/>
+            </a:endParaRPr>
+          </a:p>
+        </p:txBody>
+      </p:sp>
+      <p:pic>
+        <p:nvPicPr>
+          <p:cNvPr id="7" name="图片 6" descr="0"/>
+          <p:cNvPicPr>
+            <a:picLocks noChangeAspect="1"/>
+          </p:cNvPicPr>
+          <p:nvPr>
+            <p:custDataLst>
+              <p:tags r:id="rId1"/>
+            </p:custDataLst>
+          </p:nvPr>
+        </p:nvPicPr>
+        <p:blipFill>
+          <a:blip r:embed="rId2"/>
+          <a:stretch>
+            <a:fillRect/>
+          </a:stretch>
+        </p:blipFill>
+        <p:spPr>
+          <a:xfrm rot="2520000">
+            <a:off x="-2587625" y="-3070225"/>
+            <a:ext cx="4406900" cy="5954395"/>
+          </a:xfrm>
+          <a:prstGeom prst="rect">
+            <a:avLst/>
+          </a:prstGeom>
+        </p:spPr>
+      </p:pic>
+      <p:sp>
+        <p:nvSpPr>
+          <p:cNvPr id="10" name="文本框 9" descr="7b0a20202020227461726765744d6f64756c65223a202270726f636573734f6e6c696e65466f6e7473220a7d0a"/>
+          <p:cNvSpPr txBox="1"/>
+          <p:nvPr/>
+        </p:nvSpPr>
+        <p:spPr>
+          <a:xfrm>
+            <a:off x="0" y="235585"/>
+            <a:ext cx="1402715" cy="922020"/>
+          </a:xfrm>
+          <a:prstGeom prst="rect">
+            <a:avLst/>
+          </a:prstGeom>
+          <a:noFill/>
+        </p:spPr>
+        <p:txBody>
+          <a:bodyPr wrap="square" rtlCol="0">
+            <a:spAutoFit/>
+          </a:bodyPr>
+          <a:p>
+            <a:pPr algn="ctr"/>
+            <a:r>
+              <a:rPr lang="en-US" altLang="zh-CN" sz="5400" b="1">
+                <a:solidFill>
+                  <a:schemeClr val="bg1"/>
+                </a:solidFill>
+                <a:latin typeface="+mj-ea"/>
+                <a:ea typeface="+mj-ea"/>
+              </a:rPr>
+              <a:t>4.1</a:t>
+            </a:r>
+            <a:endParaRPr lang="en-US" altLang="zh-CN" sz="5400" b="1">
+              <a:solidFill>
+                <a:schemeClr val="bg1"/>
+              </a:solidFill>
+              <a:latin typeface="+mj-ea"/>
+              <a:ea typeface="+mj-ea"/>
+            </a:endParaRPr>
+          </a:p>
+        </p:txBody>
+      </p:sp>
+      <p:sp>
+        <p:nvSpPr>
+          <p:cNvPr id="2" name="文本框 1"/>
+          <p:cNvSpPr txBox="1"/>
+          <p:nvPr/>
+        </p:nvSpPr>
+        <p:spPr>
+          <a:xfrm>
+            <a:off x="1120775" y="2144395"/>
+            <a:ext cx="3738880" cy="521970"/>
+          </a:xfrm>
+          <a:prstGeom prst="rect">
+            <a:avLst/>
+          </a:prstGeom>
+          <a:noFill/>
+        </p:spPr>
+        <p:txBody>
+          <a:bodyPr wrap="none" rtlCol="0">
+            <a:spAutoFit/>
+          </a:bodyPr>
+          <a:p>
+            <a:pPr algn="l"/>
+            <a:r>
+              <a:rPr lang="zh-CN" altLang="en-US" sz="2800" b="1"/>
+              <a:t>与组件数据的</a:t>
+            </a:r>
+            <a:r>
+              <a:rPr lang="zh-CN" altLang="en-US" sz="2800" b="1"/>
+              <a:t>交互方式</a:t>
+            </a:r>
+            <a:endParaRPr lang="zh-CN" altLang="en-US" sz="2800" b="1"/>
+          </a:p>
+        </p:txBody>
+      </p:sp>
+      <p:sp>
+        <p:nvSpPr>
+          <p:cNvPr id="9" name="文本框 8"/>
+          <p:cNvSpPr txBox="1"/>
+          <p:nvPr/>
+        </p:nvSpPr>
+        <p:spPr>
+          <a:xfrm>
+            <a:off x="2496820" y="3072130"/>
+            <a:ext cx="2000885" cy="521970"/>
+          </a:xfrm>
+          <a:prstGeom prst="rect">
+            <a:avLst/>
+          </a:prstGeom>
+          <a:noFill/>
+        </p:spPr>
+        <p:txBody>
+          <a:bodyPr wrap="none" rtlCol="0">
+            <a:spAutoFit/>
+          </a:bodyPr>
+          <a:p>
+            <a:pPr algn="l"/>
+            <a:r>
+              <a:rPr lang="en-US" altLang="zh-CN" sz="2800" b="1"/>
+              <a:t>1. </a:t>
+            </a:r>
+            <a:r>
+              <a:rPr lang="zh-CN" altLang="en-US" sz="2800" b="1"/>
+              <a:t>场景</a:t>
+            </a:r>
+            <a:r>
+              <a:rPr lang="zh-CN" altLang="en-US" sz="2800" b="1"/>
+              <a:t>脚本</a:t>
+            </a:r>
+            <a:endParaRPr lang="zh-CN" altLang="en-US" sz="2800" b="1"/>
+          </a:p>
+        </p:txBody>
+      </p:sp>
+      <p:sp>
+        <p:nvSpPr>
+          <p:cNvPr id="11" name="文本框 10"/>
+          <p:cNvSpPr txBox="1"/>
+          <p:nvPr/>
+        </p:nvSpPr>
+        <p:spPr>
+          <a:xfrm>
+            <a:off x="2496820" y="5029200"/>
+            <a:ext cx="2000885" cy="521970"/>
+          </a:xfrm>
+          <a:prstGeom prst="rect">
+            <a:avLst/>
+          </a:prstGeom>
+          <a:noFill/>
+        </p:spPr>
+        <p:txBody>
+          <a:bodyPr wrap="none" rtlCol="0">
+            <a:spAutoFit/>
+          </a:bodyPr>
+          <a:p>
+            <a:pPr algn="l"/>
+            <a:r>
+              <a:rPr lang="en-US" altLang="zh-CN" sz="2800" b="1"/>
+              <a:t>2. </a:t>
+            </a:r>
+            <a:r>
+              <a:rPr lang="zh-CN" altLang="en-US" sz="2800" b="1"/>
+              <a:t>消息</a:t>
+            </a:r>
+            <a:r>
+              <a:rPr lang="zh-CN" altLang="en-US" sz="2800" b="1"/>
+              <a:t>系统</a:t>
+            </a:r>
+            <a:endParaRPr lang="zh-CN" altLang="en-US" sz="2800" b="1"/>
+          </a:p>
+        </p:txBody>
+      </p:sp>
+      <p:sp>
+        <p:nvSpPr>
+          <p:cNvPr id="13" name="文本框 12"/>
+          <p:cNvSpPr txBox="1"/>
+          <p:nvPr/>
+        </p:nvSpPr>
+        <p:spPr>
+          <a:xfrm>
+            <a:off x="3573145" y="3895090"/>
+            <a:ext cx="6828790" cy="811530"/>
+          </a:xfrm>
+          <a:prstGeom prst="rect">
+            <a:avLst/>
+          </a:prstGeom>
+          <a:noFill/>
+        </p:spPr>
+        <p:txBody>
+          <a:bodyPr wrap="square" rtlCol="0">
+            <a:noAutofit/>
+          </a:bodyPr>
+          <a:p>
+            <a:r>
+              <a:rPr lang="zh-CN" altLang="en-US" sz="2000" b="1"/>
+              <a:t>场景脚本内可以轻松使用引擎的接口获取到组件，这里不过多介绍</a:t>
+            </a:r>
+            <a:r>
+              <a:rPr lang="en-US" altLang="zh-CN" sz="2000" b="1"/>
+              <a:t>...</a:t>
+            </a:r>
+            <a:endParaRPr lang="en-US" altLang="zh-CN" sz="2000" b="1"/>
+          </a:p>
+        </p:txBody>
+      </p:sp>
+      <p:sp>
+        <p:nvSpPr>
+          <p:cNvPr id="14" name="文本框 13"/>
+          <p:cNvSpPr txBox="1"/>
+          <p:nvPr/>
+        </p:nvSpPr>
+        <p:spPr>
+          <a:xfrm>
+            <a:off x="3573145" y="5793105"/>
+            <a:ext cx="6828790" cy="811530"/>
+          </a:xfrm>
+          <a:prstGeom prst="rect">
+            <a:avLst/>
+          </a:prstGeom>
+          <a:noFill/>
+        </p:spPr>
+        <p:txBody>
+          <a:bodyPr wrap="square" rtlCol="0">
+            <a:noAutofit/>
+          </a:bodyPr>
+          <a:p>
+            <a:r>
+              <a:rPr lang="zh-CN" altLang="en-US" sz="2000" b="1"/>
+              <a:t>编辑器使用的方式，推荐使用此种</a:t>
+            </a:r>
+            <a:r>
+              <a:rPr lang="zh-CN" altLang="en-US" sz="2000" b="1"/>
+              <a:t>方式</a:t>
+            </a:r>
+            <a:endParaRPr lang="zh-CN" altLang="en-US" sz="2000" b="1"/>
+          </a:p>
+        </p:txBody>
+      </p:sp>
+    </p:spTree>
+  </p:cSld>
+  <p:clrMapOvr>
+    <a:masterClrMapping/>
+  </p:clrMapOvr>
+</p:sld>
+</file>
+
+<file path=ppt/slides/slide34.xml><?xml version="1.0" encoding="utf-8"?>
+<p:sld xmlns:a="http://schemas.openxmlformats.org/drawingml/2006/main" xmlns:r="http://schemas.openxmlformats.org/officeDocument/2006/relationships" xmlns:p="http://schemas.openxmlformats.org/presentationml/2006/main">
+  <p:cSld>
+    <p:spTree>
+      <p:nvGrpSpPr>
+        <p:cNvPr id="1" name=""/>
+        <p:cNvGrpSpPr/>
+        <p:nvPr/>
+      </p:nvGrpSpPr>
+      <p:grpSpPr/>
+      <p:sp>
+        <p:nvSpPr>
+          <p:cNvPr id="6" name="文本框 5"/>
+          <p:cNvSpPr txBox="1"/>
+          <p:nvPr/>
+        </p:nvSpPr>
+        <p:spPr>
+          <a:xfrm>
+            <a:off x="2317750" y="545465"/>
+            <a:ext cx="3626485" cy="706755"/>
+          </a:xfrm>
+          <a:prstGeom prst="rect">
+            <a:avLst/>
+          </a:prstGeom>
+          <a:noFill/>
+        </p:spPr>
+        <p:txBody>
+          <a:bodyPr wrap="none" rtlCol="0">
+            <a:spAutoFit/>
+          </a:bodyPr>
+          <a:p>
+            <a:pPr algn="l"/>
+            <a:r>
+              <a:rPr lang="zh-CN" altLang="en-US" sz="4000" b="1">
+                <a:sym typeface="+mn-ea"/>
+              </a:rPr>
+              <a:t>扩展</a:t>
+            </a:r>
+            <a:r>
+              <a:rPr lang="en-US" altLang="zh-CN" sz="4000" b="1">
+                <a:sym typeface="+mn-ea"/>
+              </a:rPr>
+              <a:t> inspector</a:t>
+            </a:r>
+            <a:endParaRPr lang="zh-CN" altLang="en-US" sz="4000" b="1">
+              <a:sym typeface="+mn-ea"/>
+            </a:endParaRPr>
+          </a:p>
+        </p:txBody>
+      </p:sp>
+      <p:sp>
+        <p:nvSpPr>
+          <p:cNvPr id="8" name="文本框 7" descr="7b0a20202020227461726765744d6f64756c65223a202270726f636573734f6e6c696e65466f6e7473220a7d0a"/>
+          <p:cNvSpPr txBox="1"/>
+          <p:nvPr/>
+        </p:nvSpPr>
+        <p:spPr>
+          <a:xfrm>
+            <a:off x="10305415" y="184150"/>
+            <a:ext cx="1762125" cy="922020"/>
+          </a:xfrm>
+          <a:prstGeom prst="rect">
+            <a:avLst/>
+          </a:prstGeom>
+          <a:noFill/>
+        </p:spPr>
+        <p:txBody>
+          <a:bodyPr wrap="square" rtlCol="0">
+            <a:spAutoFit/>
+          </a:bodyPr>
+          <a:p>
+            <a:r>
+              <a:rPr lang="zh-CN" altLang="en-US" sz="5400" b="1">
+                <a:latin typeface="+mj-ea"/>
+                <a:ea typeface="+mj-ea"/>
+              </a:rPr>
+              <a:t>进阶</a:t>
+            </a:r>
+            <a:endParaRPr lang="zh-CN" altLang="en-US" sz="5400" b="1">
+              <a:latin typeface="+mj-ea"/>
+              <a:ea typeface="+mj-ea"/>
+            </a:endParaRPr>
+          </a:p>
+        </p:txBody>
+      </p:sp>
+      <p:pic>
+        <p:nvPicPr>
+          <p:cNvPr id="7" name="图片 6" descr="0"/>
+          <p:cNvPicPr>
+            <a:picLocks noChangeAspect="1"/>
+          </p:cNvPicPr>
+          <p:nvPr>
+            <p:custDataLst>
+              <p:tags r:id="rId1"/>
+            </p:custDataLst>
+          </p:nvPr>
+        </p:nvPicPr>
+        <p:blipFill>
+          <a:blip r:embed="rId2"/>
+          <a:stretch>
+            <a:fillRect/>
+          </a:stretch>
+        </p:blipFill>
+        <p:spPr>
+          <a:xfrm rot="2520000">
+            <a:off x="-2587625" y="-3070225"/>
+            <a:ext cx="4406900" cy="5954395"/>
+          </a:xfrm>
+          <a:prstGeom prst="rect">
+            <a:avLst/>
+          </a:prstGeom>
+        </p:spPr>
+      </p:pic>
+      <p:sp>
+        <p:nvSpPr>
+          <p:cNvPr id="10" name="文本框 9" descr="7b0a20202020227461726765744d6f64756c65223a202270726f636573734f6e6c696e65466f6e7473220a7d0a"/>
+          <p:cNvSpPr txBox="1"/>
+          <p:nvPr/>
+        </p:nvSpPr>
+        <p:spPr>
+          <a:xfrm>
+            <a:off x="0" y="235585"/>
+            <a:ext cx="1402715" cy="922020"/>
+          </a:xfrm>
+          <a:prstGeom prst="rect">
+            <a:avLst/>
+          </a:prstGeom>
+          <a:noFill/>
+        </p:spPr>
+        <p:txBody>
+          <a:bodyPr wrap="square" rtlCol="0">
+            <a:spAutoFit/>
+          </a:bodyPr>
+          <a:p>
+            <a:pPr algn="ctr"/>
+            <a:r>
+              <a:rPr lang="en-US" altLang="zh-CN" sz="5400" b="1">
+                <a:solidFill>
+                  <a:schemeClr val="bg1"/>
+                </a:solidFill>
+                <a:latin typeface="+mj-ea"/>
+                <a:ea typeface="+mj-ea"/>
+              </a:rPr>
+              <a:t>4.2</a:t>
+            </a:r>
+            <a:endParaRPr lang="en-US" altLang="zh-CN" sz="5400" b="1">
+              <a:solidFill>
+                <a:schemeClr val="bg1"/>
+              </a:solidFill>
+              <a:latin typeface="+mj-ea"/>
+              <a:ea typeface="+mj-ea"/>
+            </a:endParaRPr>
+          </a:p>
+        </p:txBody>
+      </p:sp>
+      <p:sp>
+        <p:nvSpPr>
+          <p:cNvPr id="2" name="文本框 1"/>
+          <p:cNvSpPr txBox="1"/>
+          <p:nvPr/>
+        </p:nvSpPr>
+        <p:spPr>
+          <a:xfrm>
+            <a:off x="704215" y="2122170"/>
+            <a:ext cx="2316480" cy="521970"/>
+          </a:xfrm>
+          <a:prstGeom prst="rect">
+            <a:avLst/>
+          </a:prstGeom>
+          <a:noFill/>
+        </p:spPr>
+        <p:txBody>
+          <a:bodyPr wrap="none" rtlCol="0">
+            <a:spAutoFit/>
+          </a:bodyPr>
+          <a:p>
+            <a:pPr algn="l"/>
+            <a:r>
+              <a:rPr lang="zh-CN" altLang="en-US" sz="2800" b="1"/>
+              <a:t>消息</a:t>
+            </a:r>
+            <a:r>
+              <a:rPr lang="zh-CN" altLang="en-US" sz="2800" b="1"/>
+              <a:t>交互方式</a:t>
+            </a:r>
+            <a:endParaRPr lang="zh-CN" altLang="en-US" sz="2800" b="1"/>
+          </a:p>
+        </p:txBody>
+      </p:sp>
+      <p:pic>
+        <p:nvPicPr>
+          <p:cNvPr id="3" name="图片 2" descr="09T%}~L[IKSFAC[TZB}N`Y6"/>
+          <p:cNvPicPr>
+            <a:picLocks noChangeAspect="1"/>
+          </p:cNvPicPr>
+          <p:nvPr/>
+        </p:nvPicPr>
+        <p:blipFill>
+          <a:blip r:embed="rId3"/>
+          <a:stretch>
+            <a:fillRect/>
+          </a:stretch>
+        </p:blipFill>
+        <p:spPr>
+          <a:xfrm>
+            <a:off x="4752340" y="2122170"/>
+            <a:ext cx="6796405" cy="4574540"/>
+          </a:xfrm>
+          <a:prstGeom prst="rect">
+            <a:avLst/>
+          </a:prstGeom>
+        </p:spPr>
+      </p:pic>
+      <p:sp>
+        <p:nvSpPr>
+          <p:cNvPr id="4" name="文本框 3"/>
+          <p:cNvSpPr txBox="1"/>
+          <p:nvPr/>
+        </p:nvSpPr>
+        <p:spPr>
+          <a:xfrm>
+            <a:off x="428625" y="3707765"/>
+            <a:ext cx="3954780" cy="1200150"/>
+          </a:xfrm>
+          <a:prstGeom prst="rect">
+            <a:avLst/>
+          </a:prstGeom>
+          <a:noFill/>
+        </p:spPr>
+        <p:txBody>
+          <a:bodyPr wrap="square" rtlCol="0">
+            <a:noAutofit/>
+          </a:bodyPr>
+          <a:p>
+            <a:r>
+              <a:rPr lang="zh-CN" altLang="en-US" sz="2400" b="1"/>
+              <a:t>注意：</a:t>
+            </a:r>
+            <a:endParaRPr lang="zh-CN" altLang="en-US" sz="2400" b="1"/>
+          </a:p>
+          <a:p>
+            <a:r>
+              <a:rPr lang="zh-CN" altLang="en-US" sz="2400" b="1"/>
+              <a:t> </a:t>
+            </a:r>
+            <a:r>
+              <a:rPr lang="en-US" altLang="zh-CN" sz="2400" b="1"/>
+              <a:t>     </a:t>
+            </a:r>
+            <a:r>
+              <a:rPr lang="zh-CN" altLang="en-US" sz="2400" b="1"/>
+              <a:t>编辑器会依赖这些消息</a:t>
+            </a:r>
+            <a:endParaRPr lang="zh-CN" altLang="en-US" sz="2400" b="1"/>
+          </a:p>
+        </p:txBody>
+      </p:sp>
+    </p:spTree>
+  </p:cSld>
+  <p:clrMapOvr>
+    <a:masterClrMapping/>
+  </p:clrMapOvr>
+</p:sld>
+</file>
+
+<file path=ppt/slides/slide35.xml><?xml version="1.0" encoding="utf-8"?>
+<p:sld xmlns:a="http://schemas.openxmlformats.org/drawingml/2006/main" xmlns:r="http://schemas.openxmlformats.org/officeDocument/2006/relationships" xmlns:p="http://schemas.openxmlformats.org/presentationml/2006/main">
+  <p:cSld>
+    <p:spTree>
+      <p:nvGrpSpPr>
+        <p:cNvPr id="1" name=""/>
+        <p:cNvGrpSpPr/>
+        <p:nvPr/>
+      </p:nvGrpSpPr>
+      <p:grpSpPr/>
+      <p:sp>
+        <p:nvSpPr>
+          <p:cNvPr id="6" name="文本框 5"/>
+          <p:cNvSpPr txBox="1"/>
+          <p:nvPr/>
+        </p:nvSpPr>
+        <p:spPr>
+          <a:xfrm>
+            <a:off x="2317750" y="545465"/>
+            <a:ext cx="3738880" cy="706755"/>
+          </a:xfrm>
+          <a:prstGeom prst="rect">
+            <a:avLst/>
+          </a:prstGeom>
+          <a:noFill/>
+        </p:spPr>
+        <p:txBody>
+          <a:bodyPr wrap="none" rtlCol="0">
+            <a:spAutoFit/>
+          </a:bodyPr>
+          <a:p>
+            <a:pPr algn="l"/>
+            <a:r>
+              <a:rPr lang="zh-CN" altLang="en-US" sz="4000" b="1">
+                <a:sym typeface="+mn-ea"/>
+              </a:rPr>
+              <a:t>插件公共</a:t>
+            </a:r>
+            <a:r>
+              <a:rPr lang="zh-CN" altLang="en-US" sz="4000" b="1">
+                <a:sym typeface="+mn-ea"/>
+              </a:rPr>
+              <a:t>代码库</a:t>
+            </a:r>
+            <a:endParaRPr lang="zh-CN" altLang="en-US" sz="4000" b="1">
+              <a:sym typeface="+mn-ea"/>
+            </a:endParaRPr>
+          </a:p>
+        </p:txBody>
+      </p:sp>
+      <p:sp>
+        <p:nvSpPr>
+          <p:cNvPr id="8" name="文本框 7" descr="7b0a20202020227461726765744d6f64756c65223a202270726f636573734f6e6c696e65466f6e7473220a7d0a"/>
+          <p:cNvSpPr txBox="1"/>
+          <p:nvPr/>
+        </p:nvSpPr>
+        <p:spPr>
+          <a:xfrm>
+            <a:off x="10305415" y="184150"/>
+            <a:ext cx="1762125" cy="922020"/>
+          </a:xfrm>
+          <a:prstGeom prst="rect">
+            <a:avLst/>
+          </a:prstGeom>
+          <a:noFill/>
+        </p:spPr>
+        <p:txBody>
+          <a:bodyPr wrap="square" rtlCol="0">
+            <a:spAutoFit/>
+          </a:bodyPr>
+          <a:p>
+            <a:r>
+              <a:rPr lang="zh-CN" altLang="en-US" sz="5400" b="1">
+                <a:latin typeface="+mj-ea"/>
+                <a:ea typeface="+mj-ea"/>
+              </a:rPr>
+              <a:t>进阶</a:t>
+            </a:r>
+            <a:endParaRPr lang="zh-CN" altLang="en-US" sz="5400" b="1">
+              <a:latin typeface="+mj-ea"/>
+              <a:ea typeface="+mj-ea"/>
+            </a:endParaRPr>
+          </a:p>
+        </p:txBody>
+      </p:sp>
+      <p:pic>
+        <p:nvPicPr>
+          <p:cNvPr id="7" name="图片 6" descr="0"/>
+          <p:cNvPicPr>
+            <a:picLocks noChangeAspect="1"/>
+          </p:cNvPicPr>
+          <p:nvPr>
+            <p:custDataLst>
+              <p:tags r:id="rId1"/>
+            </p:custDataLst>
+          </p:nvPr>
+        </p:nvPicPr>
+        <p:blipFill>
+          <a:blip r:embed="rId2"/>
+          <a:stretch>
+            <a:fillRect/>
+          </a:stretch>
+        </p:blipFill>
+        <p:spPr>
+          <a:xfrm rot="2520000">
+            <a:off x="-2587625" y="-3070225"/>
+            <a:ext cx="4406900" cy="5954395"/>
+          </a:xfrm>
+          <a:prstGeom prst="rect">
+            <a:avLst/>
+          </a:prstGeom>
+        </p:spPr>
+      </p:pic>
+      <p:sp>
+        <p:nvSpPr>
+          <p:cNvPr id="10" name="文本框 9" descr="7b0a20202020227461726765744d6f64756c65223a202270726f636573734f6e6c696e65466f6e7473220a7d0a"/>
+          <p:cNvSpPr txBox="1"/>
+          <p:nvPr/>
+        </p:nvSpPr>
+        <p:spPr>
+          <a:xfrm>
+            <a:off x="0" y="235585"/>
+            <a:ext cx="1402715" cy="922020"/>
+          </a:xfrm>
+          <a:prstGeom prst="rect">
+            <a:avLst/>
+          </a:prstGeom>
+          <a:noFill/>
+        </p:spPr>
+        <p:txBody>
+          <a:bodyPr wrap="square" rtlCol="0">
+            <a:spAutoFit/>
+          </a:bodyPr>
+          <a:p>
+            <a:pPr algn="ctr"/>
+            <a:r>
+              <a:rPr lang="en-US" altLang="zh-CN" sz="5400" b="1">
+                <a:solidFill>
+                  <a:schemeClr val="bg1"/>
+                </a:solidFill>
+                <a:latin typeface="+mj-ea"/>
+                <a:ea typeface="+mj-ea"/>
+              </a:rPr>
+              <a:t>5</a:t>
+            </a:r>
+            <a:endParaRPr lang="en-US" altLang="zh-CN" sz="5400" b="1">
+              <a:solidFill>
+                <a:schemeClr val="bg1"/>
+              </a:solidFill>
+              <a:latin typeface="+mj-ea"/>
+              <a:ea typeface="+mj-ea"/>
+            </a:endParaRPr>
+          </a:p>
+        </p:txBody>
+      </p:sp>
+      <p:sp>
+        <p:nvSpPr>
+          <p:cNvPr id="2" name="文本框 1"/>
+          <p:cNvSpPr txBox="1"/>
+          <p:nvPr/>
+        </p:nvSpPr>
+        <p:spPr>
+          <a:xfrm>
+            <a:off x="704215" y="2122170"/>
+            <a:ext cx="8796020" cy="521970"/>
+          </a:xfrm>
+          <a:prstGeom prst="rect">
+            <a:avLst/>
+          </a:prstGeom>
+          <a:noFill/>
+        </p:spPr>
+        <p:txBody>
+          <a:bodyPr wrap="none" rtlCol="0">
+            <a:spAutoFit/>
+          </a:bodyPr>
+          <a:p>
+            <a:pPr algn="l"/>
+            <a:r>
+              <a:rPr lang="zh-CN" altLang="en-US" sz="2800" b="1"/>
+              <a:t>在插件根目录</a:t>
+            </a:r>
+            <a:r>
+              <a:rPr lang="en-US" altLang="zh-CN" sz="2800" b="1"/>
+              <a:t> tsconfig.include </a:t>
+            </a:r>
+            <a:r>
+              <a:rPr lang="zh-CN" altLang="en-US" sz="2800" b="1"/>
+              <a:t>中添加我们的公共</a:t>
+            </a:r>
+            <a:r>
+              <a:rPr lang="zh-CN" altLang="en-US" sz="2800" b="1"/>
+              <a:t>代码</a:t>
+            </a:r>
+            <a:endParaRPr lang="zh-CN" altLang="en-US" sz="2800" b="1"/>
+          </a:p>
+        </p:txBody>
+      </p:sp>
+      <p:pic>
+        <p:nvPicPr>
+          <p:cNvPr id="5" name="图片 4" descr="0%2BQDT]KKHODL{(%0(Q)CO"/>
+          <p:cNvPicPr>
+            <a:picLocks noChangeAspect="1"/>
+          </p:cNvPicPr>
+          <p:nvPr/>
+        </p:nvPicPr>
+        <p:blipFill>
+          <a:blip r:embed="rId3"/>
+          <a:stretch>
+            <a:fillRect/>
+          </a:stretch>
+        </p:blipFill>
+        <p:spPr>
+          <a:xfrm>
+            <a:off x="1402715" y="3855085"/>
+            <a:ext cx="10054590" cy="2766060"/>
+          </a:xfrm>
+          <a:prstGeom prst="rect">
+            <a:avLst/>
+          </a:prstGeom>
+        </p:spPr>
+      </p:pic>
+    </p:spTree>
+  </p:cSld>
+  <p:clrMapOvr>
+    <a:masterClrMapping/>
+  </p:clrMapOvr>
+</p:sld>
+</file>
+
+<file path=ppt/slides/slide36.xml><?xml version="1.0" encoding="utf-8"?>
+<p:sld xmlns:a="http://schemas.openxmlformats.org/drawingml/2006/main" xmlns:r="http://schemas.openxmlformats.org/officeDocument/2006/relationships" xmlns:p="http://schemas.openxmlformats.org/presentationml/2006/main">
+  <p:cSld>
+    <p:spTree>
+      <p:nvGrpSpPr>
+        <p:cNvPr id="1" name=""/>
+        <p:cNvGrpSpPr/>
+        <p:nvPr/>
+      </p:nvGrpSpPr>
+      <p:grpSpPr/>
+      <p:sp>
+        <p:nvSpPr>
+          <p:cNvPr id="6" name="文本框 5"/>
+          <p:cNvSpPr txBox="1"/>
+          <p:nvPr/>
+        </p:nvSpPr>
+        <p:spPr>
+          <a:xfrm>
+            <a:off x="2317750" y="545465"/>
+            <a:ext cx="4246880" cy="706755"/>
+          </a:xfrm>
+          <a:prstGeom prst="rect">
+            <a:avLst/>
+          </a:prstGeom>
+          <a:noFill/>
+        </p:spPr>
+        <p:txBody>
+          <a:bodyPr wrap="none" rtlCol="0">
+            <a:spAutoFit/>
+          </a:bodyPr>
+          <a:p>
+            <a:pPr algn="l"/>
+            <a:r>
+              <a:rPr lang="zh-CN" altLang="en-US" sz="4000" b="1">
+                <a:sym typeface="+mn-ea"/>
+              </a:rPr>
+              <a:t>插件编译器的使用</a:t>
+            </a:r>
+            <a:endParaRPr lang="zh-CN" altLang="en-US" sz="4000" b="1">
+              <a:sym typeface="+mn-ea"/>
+            </a:endParaRPr>
+          </a:p>
+        </p:txBody>
+      </p:sp>
+      <p:sp>
+        <p:nvSpPr>
+          <p:cNvPr id="8" name="文本框 7" descr="7b0a20202020227461726765744d6f64756c65223a202270726f636573734f6e6c696e65466f6e7473220a7d0a"/>
+          <p:cNvSpPr txBox="1"/>
+          <p:nvPr/>
+        </p:nvSpPr>
+        <p:spPr>
+          <a:xfrm>
+            <a:off x="10305415" y="184150"/>
+            <a:ext cx="1762125" cy="922020"/>
+          </a:xfrm>
+          <a:prstGeom prst="rect">
+            <a:avLst/>
+          </a:prstGeom>
+          <a:noFill/>
+        </p:spPr>
+        <p:txBody>
+          <a:bodyPr wrap="square" rtlCol="0">
+            <a:spAutoFit/>
+          </a:bodyPr>
+          <a:p>
+            <a:r>
+              <a:rPr lang="zh-CN" altLang="en-US" sz="5400" b="1">
+                <a:latin typeface="+mj-ea"/>
+                <a:ea typeface="+mj-ea"/>
+              </a:rPr>
+              <a:t>进阶</a:t>
+            </a:r>
+            <a:endParaRPr lang="zh-CN" altLang="en-US" sz="5400" b="1">
+              <a:latin typeface="+mj-ea"/>
+              <a:ea typeface="+mj-ea"/>
+            </a:endParaRPr>
+          </a:p>
+        </p:txBody>
+      </p:sp>
+      <p:pic>
+        <p:nvPicPr>
+          <p:cNvPr id="7" name="图片 6" descr="0"/>
+          <p:cNvPicPr>
+            <a:picLocks noChangeAspect="1"/>
+          </p:cNvPicPr>
+          <p:nvPr>
+            <p:custDataLst>
+              <p:tags r:id="rId1"/>
+            </p:custDataLst>
+          </p:nvPr>
+        </p:nvPicPr>
+        <p:blipFill>
+          <a:blip r:embed="rId2"/>
+          <a:stretch>
+            <a:fillRect/>
+          </a:stretch>
+        </p:blipFill>
+        <p:spPr>
+          <a:xfrm rot="2520000">
+            <a:off x="-2587625" y="-3070225"/>
+            <a:ext cx="4406900" cy="5954395"/>
+          </a:xfrm>
+          <a:prstGeom prst="rect">
+            <a:avLst/>
+          </a:prstGeom>
+        </p:spPr>
+      </p:pic>
+      <p:sp>
+        <p:nvSpPr>
+          <p:cNvPr id="10" name="文本框 9" descr="7b0a20202020227461726765744d6f64756c65223a202270726f636573734f6e6c696e65466f6e7473220a7d0a"/>
+          <p:cNvSpPr txBox="1"/>
+          <p:nvPr/>
+        </p:nvSpPr>
+        <p:spPr>
+          <a:xfrm>
+            <a:off x="0" y="235585"/>
+            <a:ext cx="1402715" cy="922020"/>
+          </a:xfrm>
+          <a:prstGeom prst="rect">
+            <a:avLst/>
+          </a:prstGeom>
+          <a:noFill/>
+        </p:spPr>
+        <p:txBody>
+          <a:bodyPr wrap="square" rtlCol="0">
+            <a:spAutoFit/>
+          </a:bodyPr>
+          <a:p>
+            <a:pPr algn="ctr"/>
+            <a:r>
+              <a:rPr lang="en-US" altLang="zh-CN" sz="5400" b="1">
+                <a:solidFill>
+                  <a:schemeClr val="bg1"/>
+                </a:solidFill>
+                <a:latin typeface="+mj-ea"/>
+                <a:ea typeface="+mj-ea"/>
+              </a:rPr>
+              <a:t>6</a:t>
+            </a:r>
+            <a:endParaRPr lang="en-US" altLang="zh-CN" sz="5400" b="1">
+              <a:solidFill>
+                <a:schemeClr val="bg1"/>
+              </a:solidFill>
+              <a:latin typeface="+mj-ea"/>
+              <a:ea typeface="+mj-ea"/>
+            </a:endParaRPr>
+          </a:p>
+        </p:txBody>
+      </p:sp>
+      <p:sp>
+        <p:nvSpPr>
+          <p:cNvPr id="2" name="文本框 1"/>
+          <p:cNvSpPr txBox="1"/>
+          <p:nvPr/>
+        </p:nvSpPr>
+        <p:spPr>
+          <a:xfrm>
+            <a:off x="906145" y="2252345"/>
+            <a:ext cx="7453630" cy="583565"/>
+          </a:xfrm>
+          <a:prstGeom prst="rect">
+            <a:avLst/>
+          </a:prstGeom>
+          <a:noFill/>
+        </p:spPr>
+        <p:txBody>
+          <a:bodyPr wrap="none" rtlCol="0">
+            <a:spAutoFit/>
+          </a:bodyPr>
+          <a:p>
+            <a:pPr algn="l"/>
+            <a:r>
+              <a:rPr lang="zh-CN" altLang="en-US" sz="3200" b="1"/>
+              <a:t>为什么要用</a:t>
+            </a:r>
+            <a:r>
+              <a:rPr lang="zh-CN" altLang="en-US" sz="3200" b="1">
+                <a:sym typeface="+mn-ea"/>
+              </a:rPr>
+              <a:t>插件编译器（</a:t>
+            </a:r>
+            <a:r>
+              <a:rPr lang="en-US" altLang="zh-CN" sz="3200" b="1">
+                <a:sym typeface="+mn-ea"/>
+              </a:rPr>
+              <a:t>cc-plugin-cli</a:t>
+            </a:r>
+            <a:r>
+              <a:rPr lang="zh-CN" altLang="en-US" sz="3200" b="1">
+                <a:sym typeface="+mn-ea"/>
+              </a:rPr>
+              <a:t>）</a:t>
+            </a:r>
+            <a:endParaRPr lang="zh-CN" altLang="en-US" sz="3200" b="1">
+              <a:sym typeface="+mn-ea"/>
+            </a:endParaRPr>
+          </a:p>
+        </p:txBody>
+      </p:sp>
+      <p:sp>
+        <p:nvSpPr>
+          <p:cNvPr id="4" name="文本框 3"/>
+          <p:cNvSpPr txBox="1"/>
+          <p:nvPr/>
+        </p:nvSpPr>
+        <p:spPr>
+          <a:xfrm>
+            <a:off x="1402715" y="3168015"/>
+            <a:ext cx="9468485" cy="521970"/>
+          </a:xfrm>
+          <a:prstGeom prst="rect">
+            <a:avLst/>
+          </a:prstGeom>
+          <a:noFill/>
+        </p:spPr>
+        <p:txBody>
+          <a:bodyPr wrap="none" rtlCol="0">
+            <a:spAutoFit/>
+          </a:bodyPr>
+          <a:p>
+            <a:pPr algn="l"/>
+            <a:r>
+              <a:rPr lang="en-US" altLang="zh-CN" sz="2800" b="1"/>
+              <a:t>1. </a:t>
+            </a:r>
+            <a:r>
+              <a:rPr lang="zh-CN" altLang="en-US" sz="2800" b="1"/>
+              <a:t>如果代码中没有引用公共代码库，编译后目录路径</a:t>
+            </a:r>
+            <a:r>
+              <a:rPr lang="zh-CN" altLang="en-US" sz="2800" b="1"/>
+              <a:t>不一致</a:t>
+            </a:r>
+            <a:endParaRPr lang="zh-CN" altLang="en-US" sz="2800" b="1"/>
+          </a:p>
+        </p:txBody>
+      </p:sp>
+      <p:sp>
+        <p:nvSpPr>
+          <p:cNvPr id="9" name="文本框 8"/>
+          <p:cNvSpPr txBox="1"/>
+          <p:nvPr/>
+        </p:nvSpPr>
+        <p:spPr>
+          <a:xfrm>
+            <a:off x="1402715" y="4022090"/>
+            <a:ext cx="5794375" cy="521970"/>
+          </a:xfrm>
+          <a:prstGeom prst="rect">
+            <a:avLst/>
+          </a:prstGeom>
+          <a:noFill/>
+        </p:spPr>
+        <p:txBody>
+          <a:bodyPr wrap="none" rtlCol="0">
+            <a:spAutoFit/>
+          </a:bodyPr>
+          <a:p>
+            <a:pPr algn="l"/>
+            <a:r>
+              <a:rPr lang="en-US" altLang="zh-CN" sz="2800" b="1"/>
+              <a:t>2. </a:t>
+            </a:r>
+            <a:r>
+              <a:rPr lang="zh-CN" altLang="en-US" sz="2800" b="1"/>
+              <a:t>自动拷贝依赖</a:t>
+            </a:r>
+            <a:r>
+              <a:rPr lang="en-US" altLang="zh-CN" sz="2800" b="1"/>
+              <a:t> </a:t>
+            </a:r>
+            <a:r>
+              <a:rPr lang="en-US" altLang="zh-CN" sz="2800" b="1">
+                <a:sym typeface="+mn-ea"/>
+              </a:rPr>
+              <a:t>npm </a:t>
+            </a:r>
+            <a:r>
+              <a:rPr lang="zh-CN" altLang="en-US" sz="2800" b="1">
+                <a:sym typeface="+mn-ea"/>
+              </a:rPr>
+              <a:t>包到输出</a:t>
+            </a:r>
+            <a:r>
+              <a:rPr lang="zh-CN" altLang="en-US" sz="2800" b="1">
+                <a:sym typeface="+mn-ea"/>
+              </a:rPr>
+              <a:t>目录</a:t>
+            </a:r>
+            <a:endParaRPr lang="zh-CN" altLang="en-US" sz="2800" b="1">
+              <a:sym typeface="+mn-ea"/>
+            </a:endParaRPr>
+          </a:p>
+        </p:txBody>
+      </p:sp>
+      <p:sp>
+        <p:nvSpPr>
+          <p:cNvPr id="11" name="文本框 10"/>
+          <p:cNvSpPr txBox="1"/>
+          <p:nvPr/>
+        </p:nvSpPr>
+        <p:spPr>
+          <a:xfrm>
+            <a:off x="1402715" y="4876165"/>
+            <a:ext cx="3759835" cy="521970"/>
+          </a:xfrm>
+          <a:prstGeom prst="rect">
+            <a:avLst/>
+          </a:prstGeom>
+          <a:noFill/>
+        </p:spPr>
+        <p:txBody>
+          <a:bodyPr wrap="none" rtlCol="0">
+            <a:spAutoFit/>
+          </a:bodyPr>
+          <a:p>
+            <a:pPr algn="l"/>
+            <a:r>
+              <a:rPr lang="en-US" altLang="zh-CN" sz="2800" b="1"/>
+              <a:t>3. </a:t>
+            </a:r>
+            <a:r>
+              <a:rPr lang="zh-CN" altLang="en-US" sz="2800" b="1"/>
+              <a:t>可输出</a:t>
+            </a:r>
+            <a:r>
+              <a:rPr lang="en-US" altLang="zh-CN" sz="2800" b="1"/>
+              <a:t> zip </a:t>
+            </a:r>
+            <a:r>
+              <a:rPr lang="zh-CN" altLang="en-US" sz="2800" b="1"/>
+              <a:t>方便</a:t>
+            </a:r>
+            <a:r>
+              <a:rPr lang="zh-CN" altLang="en-US" sz="2800" b="1"/>
+              <a:t>上传</a:t>
+            </a:r>
+            <a:endParaRPr lang="zh-CN" altLang="en-US" sz="2800" b="1"/>
+          </a:p>
+        </p:txBody>
+      </p:sp>
+      <p:sp>
+        <p:nvSpPr>
+          <p:cNvPr id="12" name="文本框 11"/>
+          <p:cNvSpPr txBox="1"/>
+          <p:nvPr/>
+        </p:nvSpPr>
+        <p:spPr>
+          <a:xfrm>
+            <a:off x="643255" y="6044565"/>
+            <a:ext cx="309880" cy="583565"/>
+          </a:xfrm>
+          <a:prstGeom prst="rect">
+            <a:avLst/>
+          </a:prstGeom>
+          <a:noFill/>
+        </p:spPr>
+        <p:txBody>
+          <a:bodyPr wrap="none" rtlCol="0">
+            <a:spAutoFit/>
+          </a:bodyPr>
+          <a:p>
+            <a:pPr algn="l"/>
+            <a:endParaRPr lang="zh-CN" altLang="en-US" sz="3200" b="1"/>
+          </a:p>
+        </p:txBody>
+      </p:sp>
+      <p:sp>
+        <p:nvSpPr>
+          <p:cNvPr id="13" name="文本框 12"/>
+          <p:cNvSpPr txBox="1"/>
+          <p:nvPr/>
+        </p:nvSpPr>
+        <p:spPr>
+          <a:xfrm>
+            <a:off x="906145" y="5751830"/>
+            <a:ext cx="1966595" cy="583565"/>
+          </a:xfrm>
+          <a:prstGeom prst="rect">
+            <a:avLst/>
+          </a:prstGeom>
+          <a:noFill/>
+        </p:spPr>
+        <p:txBody>
+          <a:bodyPr wrap="none" rtlCol="0">
+            <a:spAutoFit/>
+          </a:bodyPr>
+          <a:p>
+            <a:pPr algn="l"/>
+            <a:r>
+              <a:rPr lang="en-US" altLang="zh-CN" sz="3200" b="1">
+                <a:hlinkClick r:id="rId3" action="ppaction://hlinkfile"/>
+              </a:rPr>
+              <a:t>npm </a:t>
+            </a:r>
+            <a:r>
+              <a:rPr lang="zh-CN" altLang="en-US" sz="3200" b="1">
+                <a:hlinkClick r:id="rId3" action="ppaction://hlinkfile"/>
+              </a:rPr>
+              <a:t>主页</a:t>
+            </a:r>
+            <a:endParaRPr lang="zh-CN" altLang="en-US" sz="3200" b="1"/>
+          </a:p>
+        </p:txBody>
+      </p:sp>
+    </p:spTree>
+  </p:cSld>
+  <p:clrMapOvr>
+    <a:masterClrMapping/>
+  </p:clrMapOvr>
+</p:sld>
+</file>
+
+<file path=ppt/slides/slide37.xml><?xml version="1.0" encoding="utf-8"?>
+<p:sld xmlns:a="http://schemas.openxmlformats.org/drawingml/2006/main" xmlns:r="http://schemas.openxmlformats.org/officeDocument/2006/relationships" xmlns:p="http://schemas.openxmlformats.org/presentationml/2006/main">
+  <p:cSld>
+    <p:bg>
+      <p:bgPr>
+        <a:solidFill>
+          <a:schemeClr val="bg2"/>
+        </a:solidFill>
+        <a:effectLst/>
+      </p:bgPr>
+    </p:bg>
+    <p:spTree>
+      <p:nvGrpSpPr>
+        <p:cNvPr id="1" name=""/>
+        <p:cNvGrpSpPr/>
+        <p:nvPr/>
+      </p:nvGrpSpPr>
+      <p:grpSpPr/>
+      <p:pic>
+        <p:nvPicPr>
+          <p:cNvPr id="4" name="图片 3" descr="0"/>
+          <p:cNvPicPr>
+            <a:picLocks noChangeAspect="1"/>
+          </p:cNvPicPr>
+          <p:nvPr>
+            <p:custDataLst>
+              <p:tags r:id="rId1"/>
+            </p:custDataLst>
+          </p:nvPr>
+        </p:nvPicPr>
+        <p:blipFill>
+          <a:blip r:embed="rId2"/>
+          <a:stretch>
+            <a:fillRect/>
+          </a:stretch>
+        </p:blipFill>
+        <p:spPr>
+          <a:xfrm rot="2520000">
+            <a:off x="-2587625" y="-3070225"/>
+            <a:ext cx="4406900" cy="5954395"/>
+          </a:xfrm>
+          <a:prstGeom prst="rect">
+            <a:avLst/>
+          </a:prstGeom>
+        </p:spPr>
+      </p:pic>
+      <p:sp>
+        <p:nvSpPr>
+          <p:cNvPr id="8" name="文本框 7" descr="7b0a20202020227461726765744d6f64756c65223a202270726f636573734f6e6c696e65466f6e7473220a7d0a"/>
+          <p:cNvSpPr txBox="1"/>
+          <p:nvPr/>
+        </p:nvSpPr>
+        <p:spPr>
+          <a:xfrm>
+            <a:off x="2919095" y="513080"/>
+            <a:ext cx="1762125" cy="922020"/>
+          </a:xfrm>
+          <a:prstGeom prst="rect">
+            <a:avLst/>
+          </a:prstGeom>
+          <a:noFill/>
+        </p:spPr>
+        <p:txBody>
+          <a:bodyPr wrap="square" rtlCol="0">
+            <a:spAutoFit/>
+          </a:bodyPr>
+          <a:p>
+            <a:r>
+              <a:rPr lang="zh-CN" altLang="en-US" sz="5400" b="1">
+                <a:latin typeface="+mj-ea"/>
+                <a:ea typeface="+mj-ea"/>
+              </a:rPr>
+              <a:t>深入</a:t>
+            </a:r>
+            <a:endParaRPr lang="zh-CN" altLang="en-US" sz="5400" b="1">
+              <a:latin typeface="+mj-ea"/>
+              <a:ea typeface="+mj-ea"/>
+            </a:endParaRPr>
+          </a:p>
+        </p:txBody>
+      </p:sp>
+      <p:pic>
+        <p:nvPicPr>
+          <p:cNvPr id="10" name="图片 9" descr="0"/>
+          <p:cNvPicPr>
+            <a:picLocks noChangeAspect="1"/>
+          </p:cNvPicPr>
+          <p:nvPr>
+            <p:custDataLst>
+              <p:tags r:id="rId3"/>
+            </p:custDataLst>
+          </p:nvPr>
+        </p:nvPicPr>
+        <p:blipFill>
+          <a:blip r:embed="rId2"/>
+          <a:stretch>
+            <a:fillRect/>
+          </a:stretch>
+        </p:blipFill>
+        <p:spPr>
+          <a:xfrm rot="2520000">
+            <a:off x="10317480" y="4046220"/>
+            <a:ext cx="4406900" cy="5954395"/>
+          </a:xfrm>
+          <a:prstGeom prst="rect">
+            <a:avLst/>
+          </a:prstGeom>
+        </p:spPr>
+      </p:pic>
+      <p:sp>
+        <p:nvSpPr>
+          <p:cNvPr id="12" name="文本框 11"/>
+          <p:cNvSpPr txBox="1"/>
+          <p:nvPr/>
+        </p:nvSpPr>
+        <p:spPr>
+          <a:xfrm>
+            <a:off x="2007235" y="2061210"/>
+            <a:ext cx="5264150" cy="1076325"/>
+          </a:xfrm>
+          <a:prstGeom prst="rect">
+            <a:avLst/>
+          </a:prstGeom>
+          <a:noFill/>
+        </p:spPr>
+        <p:txBody>
+          <a:bodyPr wrap="none" rtlCol="0">
+            <a:spAutoFit/>
+          </a:bodyPr>
+          <a:p>
+            <a:pPr algn="l"/>
+            <a:r>
+              <a:rPr lang="en-US" altLang="zh-CN" sz="3200" b="1"/>
+              <a:t>1.</a:t>
+            </a:r>
+            <a:r>
+              <a:rPr lang="en-US" altLang="zh-CN" sz="3200" b="1">
+                <a:sym typeface="+mn-ea"/>
+              </a:rPr>
+              <a:t>creator </a:t>
+            </a:r>
+            <a:r>
+              <a:rPr lang="zh-CN" altLang="en-US" sz="3200" b="1">
+                <a:sym typeface="+mn-ea"/>
+              </a:rPr>
+              <a:t>编辑器制作插件</a:t>
+            </a:r>
+            <a:r>
+              <a:rPr lang="en-US" altLang="zh-CN" sz="3200" b="1">
+                <a:sym typeface="+mn-ea"/>
+              </a:rPr>
+              <a:t>UI</a:t>
+            </a:r>
+            <a:endParaRPr lang="zh-CN" altLang="en-US" sz="3200" b="1">
+              <a:sym typeface="+mn-ea"/>
+            </a:endParaRPr>
+          </a:p>
+          <a:p>
+            <a:pPr algn="l"/>
+            <a:endParaRPr lang="en-US" altLang="zh-CN" sz="3200" b="1"/>
+          </a:p>
+        </p:txBody>
+      </p:sp>
+      <p:sp>
+        <p:nvSpPr>
+          <p:cNvPr id="2" name="文本框 1"/>
+          <p:cNvSpPr txBox="1"/>
+          <p:nvPr/>
+        </p:nvSpPr>
+        <p:spPr>
+          <a:xfrm>
+            <a:off x="2042795" y="2849245"/>
+            <a:ext cx="4179570" cy="583565"/>
+          </a:xfrm>
+          <a:prstGeom prst="rect">
+            <a:avLst/>
+          </a:prstGeom>
+          <a:noFill/>
+        </p:spPr>
+        <p:txBody>
+          <a:bodyPr wrap="none" rtlCol="0">
+            <a:spAutoFit/>
+          </a:bodyPr>
+          <a:p>
+            <a:pPr algn="l"/>
+            <a:r>
+              <a:rPr lang="en-US" altLang="zh-CN" sz="3200" b="1"/>
+              <a:t>2.</a:t>
+            </a:r>
+            <a:r>
+              <a:rPr lang="zh-CN" altLang="en-US" sz="3200" b="1"/>
+              <a:t>调试</a:t>
+            </a:r>
+            <a:r>
+              <a:rPr lang="zh-CN" altLang="en-US" sz="3200" b="1"/>
+              <a:t>插件主进程</a:t>
+            </a:r>
+            <a:r>
+              <a:rPr lang="zh-CN" altLang="en-US" sz="3200" b="1"/>
+              <a:t>代码</a:t>
+            </a:r>
+            <a:endParaRPr lang="zh-CN" altLang="en-US" sz="3200" b="1"/>
+          </a:p>
+        </p:txBody>
+      </p:sp>
+      <p:sp>
+        <p:nvSpPr>
+          <p:cNvPr id="3" name="文本框 2"/>
+          <p:cNvSpPr txBox="1"/>
+          <p:nvPr/>
+        </p:nvSpPr>
+        <p:spPr>
+          <a:xfrm>
+            <a:off x="2042795" y="3637280"/>
+            <a:ext cx="4179570" cy="583565"/>
+          </a:xfrm>
+          <a:prstGeom prst="rect">
+            <a:avLst/>
+          </a:prstGeom>
+          <a:noFill/>
+        </p:spPr>
+        <p:txBody>
+          <a:bodyPr wrap="none" rtlCol="0">
+            <a:spAutoFit/>
+          </a:bodyPr>
+          <a:p>
+            <a:pPr algn="l"/>
+            <a:r>
+              <a:rPr lang="en-US" sz="3200" b="1"/>
+              <a:t>3.</a:t>
+            </a:r>
+            <a:r>
+              <a:rPr lang="zh-CN" altLang="en-US" sz="3200" b="1"/>
+              <a:t>如何更好的加密</a:t>
+            </a:r>
+            <a:r>
+              <a:rPr lang="zh-CN" altLang="en-US" sz="3200" b="1">
+                <a:sym typeface="+mn-ea"/>
+              </a:rPr>
+              <a:t>代码</a:t>
+            </a:r>
+            <a:endParaRPr lang="zh-CN" altLang="en-US" sz="3200" b="1"/>
+          </a:p>
+        </p:txBody>
+      </p:sp>
+    </p:spTree>
+    <p:custDataLst>
+      <p:tags r:id="rId4"/>
+    </p:custDataLst>
+  </p:cSld>
+  <p:clrMapOvr>
+    <a:masterClrMapping/>
+  </p:clrMapOvr>
+</p:sld>
+</file>
+
+<file path=ppt/slides/slide38.xml><?xml version="1.0" encoding="utf-8"?>
+<p:sld xmlns:a="http://schemas.openxmlformats.org/drawingml/2006/main" xmlns:r="http://schemas.openxmlformats.org/officeDocument/2006/relationships" xmlns:p="http://schemas.openxmlformats.org/presentationml/2006/main">
+  <p:cSld>
+    <p:spTree>
+      <p:nvGrpSpPr>
+        <p:cNvPr id="1" name=""/>
+        <p:cNvGrpSpPr/>
+        <p:nvPr/>
+      </p:nvGrpSpPr>
+      <p:grpSpPr/>
+      <p:sp>
+        <p:nvSpPr>
+          <p:cNvPr id="6" name="文本框 5"/>
+          <p:cNvSpPr txBox="1"/>
+          <p:nvPr/>
+        </p:nvSpPr>
+        <p:spPr>
+          <a:xfrm>
+            <a:off x="2317750" y="545465"/>
+            <a:ext cx="6109970" cy="706755"/>
+          </a:xfrm>
+          <a:prstGeom prst="rect">
+            <a:avLst/>
+          </a:prstGeom>
+          <a:noFill/>
+        </p:spPr>
+        <p:txBody>
+          <a:bodyPr wrap="none" rtlCol="0">
+            <a:spAutoFit/>
+          </a:bodyPr>
+          <a:p>
+            <a:pPr algn="l"/>
+            <a:r>
+              <a:rPr lang="en-US" altLang="zh-CN" sz="4000" b="1">
+                <a:sym typeface="+mn-ea"/>
+              </a:rPr>
+              <a:t>creator </a:t>
+            </a:r>
+            <a:r>
+              <a:rPr lang="zh-CN" altLang="en-US" sz="4000" b="1">
+                <a:sym typeface="+mn-ea"/>
+              </a:rPr>
+              <a:t>编辑器制作插件</a:t>
+            </a:r>
+            <a:r>
+              <a:rPr lang="en-US" altLang="zh-CN" sz="4000" b="1">
+                <a:sym typeface="+mn-ea"/>
+              </a:rPr>
+              <a:t>UI</a:t>
+            </a:r>
+            <a:endParaRPr lang="zh-CN" altLang="en-US" sz="4000" b="1">
+              <a:sym typeface="+mn-ea"/>
+            </a:endParaRPr>
+          </a:p>
+        </p:txBody>
+      </p:sp>
+      <p:sp>
+        <p:nvSpPr>
+          <p:cNvPr id="8" name="文本框 7" descr="7b0a20202020227461726765744d6f64756c65223a202270726f636573734f6e6c696e65466f6e7473220a7d0a"/>
+          <p:cNvSpPr txBox="1"/>
+          <p:nvPr/>
+        </p:nvSpPr>
+        <p:spPr>
+          <a:xfrm>
+            <a:off x="10305415" y="184150"/>
+            <a:ext cx="1762125" cy="922020"/>
+          </a:xfrm>
+          <a:prstGeom prst="rect">
+            <a:avLst/>
+          </a:prstGeom>
+          <a:noFill/>
+        </p:spPr>
+        <p:txBody>
+          <a:bodyPr wrap="square" rtlCol="0">
+            <a:spAutoFit/>
+          </a:bodyPr>
+          <a:p>
+            <a:r>
+              <a:rPr lang="zh-CN" altLang="en-US" sz="5400" b="1">
+                <a:latin typeface="+mj-ea"/>
+                <a:ea typeface="+mj-ea"/>
+              </a:rPr>
+              <a:t>深入</a:t>
+            </a:r>
+            <a:endParaRPr lang="zh-CN" altLang="en-US" sz="5400" b="1">
+              <a:latin typeface="+mj-ea"/>
+              <a:ea typeface="+mj-ea"/>
+            </a:endParaRPr>
+          </a:p>
+        </p:txBody>
+      </p:sp>
+      <p:pic>
+        <p:nvPicPr>
+          <p:cNvPr id="7" name="图片 6" descr="0"/>
+          <p:cNvPicPr>
+            <a:picLocks noChangeAspect="1"/>
+          </p:cNvPicPr>
+          <p:nvPr>
+            <p:custDataLst>
+              <p:tags r:id="rId1"/>
+            </p:custDataLst>
+          </p:nvPr>
+        </p:nvPicPr>
+        <p:blipFill>
+          <a:blip r:embed="rId2"/>
+          <a:stretch>
+            <a:fillRect/>
+          </a:stretch>
+        </p:blipFill>
+        <p:spPr>
+          <a:xfrm rot="2520000">
+            <a:off x="-2587625" y="-3070225"/>
+            <a:ext cx="4406900" cy="5954395"/>
+          </a:xfrm>
+          <a:prstGeom prst="rect">
+            <a:avLst/>
+          </a:prstGeom>
+        </p:spPr>
+      </p:pic>
+      <p:sp>
+        <p:nvSpPr>
+          <p:cNvPr id="10" name="文本框 9" descr="7b0a20202020227461726765744d6f64756c65223a202270726f636573734f6e6c696e65466f6e7473220a7d0a"/>
+          <p:cNvSpPr txBox="1"/>
+          <p:nvPr/>
+        </p:nvSpPr>
+        <p:spPr>
+          <a:xfrm>
+            <a:off x="0" y="235585"/>
+            <a:ext cx="1402715" cy="922020"/>
+          </a:xfrm>
+          <a:prstGeom prst="rect">
+            <a:avLst/>
+          </a:prstGeom>
+          <a:noFill/>
+        </p:spPr>
+        <p:txBody>
+          <a:bodyPr wrap="square" rtlCol="0">
+            <a:spAutoFit/>
+          </a:bodyPr>
+          <a:p>
+            <a:pPr algn="ctr"/>
+            <a:r>
+              <a:rPr lang="en-US" altLang="zh-CN" sz="5400" b="1">
+                <a:solidFill>
+                  <a:schemeClr val="bg1"/>
+                </a:solidFill>
+                <a:latin typeface="+mj-ea"/>
+                <a:ea typeface="+mj-ea"/>
+              </a:rPr>
+              <a:t>1</a:t>
+            </a:r>
+            <a:endParaRPr lang="en-US" altLang="zh-CN" sz="5400" b="1">
+              <a:solidFill>
+                <a:schemeClr val="bg1"/>
+              </a:solidFill>
+              <a:latin typeface="+mj-ea"/>
+              <a:ea typeface="+mj-ea"/>
+            </a:endParaRPr>
+          </a:p>
+        </p:txBody>
+      </p:sp>
+      <p:pic>
+        <p:nvPicPr>
+          <p:cNvPr id="9" name="图片 8" descr="P41P{NWTOZQG@RXZ4L($_JJ"/>
+          <p:cNvPicPr>
+            <a:picLocks noChangeAspect="1"/>
+          </p:cNvPicPr>
+          <p:nvPr/>
+        </p:nvPicPr>
+        <p:blipFill>
+          <a:blip r:embed="rId3"/>
+          <a:stretch>
+            <a:fillRect/>
+          </a:stretch>
+        </p:blipFill>
+        <p:spPr>
+          <a:xfrm>
+            <a:off x="2635250" y="1252220"/>
+            <a:ext cx="7814310" cy="5699760"/>
+          </a:xfrm>
+          <a:prstGeom prst="rect">
+            <a:avLst/>
+          </a:prstGeom>
+        </p:spPr>
+      </p:pic>
+    </p:spTree>
+  </p:cSld>
+  <p:clrMapOvr>
+    <a:masterClrMapping/>
+  </p:clrMapOvr>
+</p:sld>
+</file>
+
+<file path=ppt/slides/slide39.xml><?xml version="1.0" encoding="utf-8"?>
+<p:sld xmlns:a="http://schemas.openxmlformats.org/drawingml/2006/main" xmlns:r="http://schemas.openxmlformats.org/officeDocument/2006/relationships" xmlns:p="http://schemas.openxmlformats.org/presentationml/2006/main">
+  <p:cSld>
+    <p:spTree>
+      <p:nvGrpSpPr>
+        <p:cNvPr id="1" name=""/>
+        <p:cNvGrpSpPr/>
+        <p:nvPr/>
+      </p:nvGrpSpPr>
+      <p:grpSpPr/>
+      <p:sp>
+        <p:nvSpPr>
+          <p:cNvPr id="6" name="文本框 5"/>
+          <p:cNvSpPr txBox="1"/>
+          <p:nvPr/>
+        </p:nvSpPr>
+        <p:spPr>
+          <a:xfrm>
+            <a:off x="2317750" y="545465"/>
+            <a:ext cx="6109970" cy="706755"/>
+          </a:xfrm>
+          <a:prstGeom prst="rect">
+            <a:avLst/>
+          </a:prstGeom>
+          <a:noFill/>
+        </p:spPr>
+        <p:txBody>
+          <a:bodyPr wrap="none" rtlCol="0">
+            <a:spAutoFit/>
+          </a:bodyPr>
+          <a:p>
+            <a:pPr algn="l"/>
+            <a:r>
+              <a:rPr lang="en-US" altLang="zh-CN" sz="4000" b="1">
+                <a:sym typeface="+mn-ea"/>
+              </a:rPr>
+              <a:t>creator </a:t>
+            </a:r>
+            <a:r>
+              <a:rPr lang="zh-CN" altLang="en-US" sz="4000" b="1">
+                <a:sym typeface="+mn-ea"/>
+              </a:rPr>
+              <a:t>编辑器制作插件</a:t>
+            </a:r>
+            <a:r>
+              <a:rPr lang="en-US" altLang="zh-CN" sz="4000" b="1">
+                <a:sym typeface="+mn-ea"/>
+              </a:rPr>
+              <a:t>UI</a:t>
+            </a:r>
+            <a:endParaRPr lang="zh-CN" altLang="en-US" sz="4000" b="1">
+              <a:sym typeface="+mn-ea"/>
+            </a:endParaRPr>
+          </a:p>
+        </p:txBody>
+      </p:sp>
+      <p:sp>
+        <p:nvSpPr>
+          <p:cNvPr id="8" name="文本框 7" descr="7b0a20202020227461726765744d6f64756c65223a202270726f636573734f6e6c696e65466f6e7473220a7d0a"/>
+          <p:cNvSpPr txBox="1"/>
+          <p:nvPr/>
+        </p:nvSpPr>
+        <p:spPr>
+          <a:xfrm>
+            <a:off x="10305415" y="184150"/>
+            <a:ext cx="1762125" cy="922020"/>
+          </a:xfrm>
+          <a:prstGeom prst="rect">
+            <a:avLst/>
+          </a:prstGeom>
+          <a:noFill/>
+        </p:spPr>
+        <p:txBody>
+          <a:bodyPr wrap="square" rtlCol="0">
+            <a:spAutoFit/>
+          </a:bodyPr>
+          <a:p>
+            <a:r>
+              <a:rPr lang="zh-CN" altLang="en-US" sz="5400" b="1">
+                <a:latin typeface="+mj-ea"/>
+                <a:ea typeface="+mj-ea"/>
+              </a:rPr>
+              <a:t>深入</a:t>
+            </a:r>
+            <a:endParaRPr lang="zh-CN" altLang="en-US" sz="5400" b="1">
+              <a:latin typeface="+mj-ea"/>
+              <a:ea typeface="+mj-ea"/>
+            </a:endParaRPr>
+          </a:p>
+        </p:txBody>
+      </p:sp>
+      <p:pic>
+        <p:nvPicPr>
+          <p:cNvPr id="7" name="图片 6" descr="0"/>
+          <p:cNvPicPr>
+            <a:picLocks noChangeAspect="1"/>
+          </p:cNvPicPr>
+          <p:nvPr>
+            <p:custDataLst>
+              <p:tags r:id="rId1"/>
+            </p:custDataLst>
+          </p:nvPr>
+        </p:nvPicPr>
+        <p:blipFill>
+          <a:blip r:embed="rId2"/>
+          <a:stretch>
+            <a:fillRect/>
+          </a:stretch>
+        </p:blipFill>
+        <p:spPr>
+          <a:xfrm rot="2520000">
+            <a:off x="-2587625" y="-3070225"/>
+            <a:ext cx="4406900" cy="5954395"/>
+          </a:xfrm>
+          <a:prstGeom prst="rect">
+            <a:avLst/>
+          </a:prstGeom>
+        </p:spPr>
+      </p:pic>
+      <p:sp>
+        <p:nvSpPr>
+          <p:cNvPr id="10" name="文本框 9" descr="7b0a20202020227461726765744d6f64756c65223a202270726f636573734f6e6c696e65466f6e7473220a7d0a"/>
+          <p:cNvSpPr txBox="1"/>
+          <p:nvPr/>
+        </p:nvSpPr>
+        <p:spPr>
+          <a:xfrm>
+            <a:off x="0" y="235585"/>
+            <a:ext cx="1402715" cy="922020"/>
+          </a:xfrm>
+          <a:prstGeom prst="rect">
+            <a:avLst/>
+          </a:prstGeom>
+          <a:noFill/>
+        </p:spPr>
+        <p:txBody>
+          <a:bodyPr wrap="square" rtlCol="0">
+            <a:spAutoFit/>
+          </a:bodyPr>
+          <a:p>
+            <a:pPr algn="ctr"/>
+            <a:r>
+              <a:rPr lang="en-US" altLang="zh-CN" sz="5400" b="1">
+                <a:solidFill>
+                  <a:schemeClr val="bg1"/>
+                </a:solidFill>
+                <a:latin typeface="+mj-ea"/>
+                <a:ea typeface="+mj-ea"/>
+              </a:rPr>
+              <a:t>1.1</a:t>
+            </a:r>
+            <a:endParaRPr lang="en-US" altLang="zh-CN" sz="5400" b="1">
+              <a:solidFill>
+                <a:schemeClr val="bg1"/>
+              </a:solidFill>
+              <a:latin typeface="+mj-ea"/>
+              <a:ea typeface="+mj-ea"/>
+            </a:endParaRPr>
+          </a:p>
+        </p:txBody>
+      </p:sp>
+      <p:pic>
+        <p:nvPicPr>
+          <p:cNvPr id="11" name="图片 10" descr="E}R8N7%HS5N18PWHN}`9Z%J"/>
+          <p:cNvPicPr>
+            <a:picLocks noChangeAspect="1"/>
+          </p:cNvPicPr>
+          <p:nvPr/>
+        </p:nvPicPr>
+        <p:blipFill>
+          <a:blip r:embed="rId3"/>
+          <a:stretch>
+            <a:fillRect/>
+          </a:stretch>
+        </p:blipFill>
+        <p:spPr>
+          <a:xfrm>
+            <a:off x="139065" y="4531995"/>
+            <a:ext cx="11913235" cy="1842135"/>
+          </a:xfrm>
+          <a:prstGeom prst="rect">
+            <a:avLst/>
+          </a:prstGeom>
+        </p:spPr>
+      </p:pic>
+      <p:sp>
+        <p:nvSpPr>
+          <p:cNvPr id="12" name="文本框 11"/>
+          <p:cNvSpPr txBox="1"/>
+          <p:nvPr/>
+        </p:nvSpPr>
+        <p:spPr>
+          <a:xfrm>
+            <a:off x="1402715" y="2254885"/>
+            <a:ext cx="6921500" cy="460375"/>
+          </a:xfrm>
+          <a:prstGeom prst="rect">
+            <a:avLst/>
+          </a:prstGeom>
+          <a:noFill/>
+        </p:spPr>
+        <p:txBody>
+          <a:bodyPr wrap="square" rtlCol="0">
+            <a:spAutoFit/>
+          </a:bodyPr>
+          <a:p>
+            <a:r>
+              <a:rPr lang="en-US" altLang="zh-CN" sz="2400" b="1"/>
+              <a:t>1. </a:t>
+            </a:r>
+            <a:r>
+              <a:rPr lang="zh-CN" altLang="en-US" sz="2400" b="1"/>
+              <a:t>调试：可以直接链接到预览网址</a:t>
+            </a:r>
+            <a:endParaRPr lang="zh-CN" altLang="en-US" sz="2400" b="1"/>
+          </a:p>
+        </p:txBody>
+      </p:sp>
+      <p:sp>
+        <p:nvSpPr>
+          <p:cNvPr id="13" name="文本框 12"/>
+          <p:cNvSpPr txBox="1"/>
+          <p:nvPr/>
+        </p:nvSpPr>
+        <p:spPr>
+          <a:xfrm>
+            <a:off x="1402715" y="2804160"/>
+            <a:ext cx="6921500" cy="460375"/>
+          </a:xfrm>
+          <a:prstGeom prst="rect">
+            <a:avLst/>
+          </a:prstGeom>
+          <a:noFill/>
+        </p:spPr>
+        <p:txBody>
+          <a:bodyPr wrap="square" rtlCol="0">
+            <a:spAutoFit/>
+          </a:bodyPr>
+          <a:p>
+            <a:r>
+              <a:rPr lang="en-US" altLang="zh-CN" sz="2400" b="1"/>
+              <a:t>2. </a:t>
+            </a:r>
+            <a:r>
+              <a:rPr lang="zh-CN" altLang="en-US" sz="2400" b="1"/>
+              <a:t>发布：一个本地</a:t>
+            </a:r>
+            <a:r>
+              <a:rPr lang="en-US" altLang="zh-CN" sz="2400" b="1"/>
+              <a:t> http-server </a:t>
+            </a:r>
+            <a:r>
+              <a:rPr lang="zh-CN" altLang="en-US" sz="2400" b="1"/>
+              <a:t>就可以搞定</a:t>
+            </a:r>
+            <a:endParaRPr lang="zh-CN" altLang="en-US" sz="2400" b="1"/>
+          </a:p>
+        </p:txBody>
+      </p:sp>
+      <p:pic>
+        <p:nvPicPr>
+          <p:cNvPr id="14" name="图片 13" descr="6E(]}{02NDM[O]`52L`X3@J"/>
+          <p:cNvPicPr>
+            <a:picLocks noChangeAspect="1"/>
+          </p:cNvPicPr>
+          <p:nvPr/>
+        </p:nvPicPr>
+        <p:blipFill>
+          <a:blip r:embed="rId4"/>
+          <a:stretch>
+            <a:fillRect/>
+          </a:stretch>
+        </p:blipFill>
+        <p:spPr>
+          <a:xfrm>
+            <a:off x="123825" y="3406140"/>
+            <a:ext cx="11928475" cy="958850"/>
+          </a:xfrm>
+          <a:prstGeom prst="rect">
+            <a:avLst/>
+          </a:prstGeom>
+        </p:spPr>
+      </p:pic>
+      <p:sp>
+        <p:nvSpPr>
+          <p:cNvPr id="15" name="文本框 14"/>
+          <p:cNvSpPr txBox="1"/>
+          <p:nvPr/>
+        </p:nvSpPr>
+        <p:spPr>
+          <a:xfrm>
+            <a:off x="1169670" y="1644015"/>
+            <a:ext cx="9403715" cy="521970"/>
+          </a:xfrm>
+          <a:prstGeom prst="rect">
+            <a:avLst/>
+          </a:prstGeom>
+          <a:noFill/>
+        </p:spPr>
+        <p:txBody>
+          <a:bodyPr wrap="square" rtlCol="0">
+            <a:spAutoFit/>
+          </a:bodyPr>
+          <a:p>
+            <a:r>
+              <a:rPr lang="zh-CN" altLang="en-US" sz="2800" b="1"/>
+              <a:t>通过</a:t>
+            </a:r>
+            <a:r>
+              <a:rPr lang="en-US" altLang="zh-CN" sz="2800" b="1"/>
+              <a:t> iframe </a:t>
+            </a:r>
+            <a:r>
+              <a:rPr lang="zh-CN" altLang="en-US" sz="2800" b="1"/>
+              <a:t>标签嵌入</a:t>
+            </a:r>
+            <a:r>
+              <a:rPr lang="en-US" altLang="zh-CN" sz="2800" b="1"/>
+              <a:t> creator </a:t>
+            </a:r>
+            <a:r>
+              <a:rPr lang="zh-CN" altLang="en-US" sz="2800" b="1"/>
+              <a:t>界面</a:t>
+            </a:r>
+            <a:endParaRPr lang="zh-CN" altLang="en-US" sz="2800" b="1"/>
+          </a:p>
+        </p:txBody>
+      </p:sp>
+    </p:spTree>
   </p:cSld>
   <p:clrMapOvr>
     <a:masterClrMapping/>
@@ -12777,6 +16297,1256 @@
               <a:latin typeface="+mj-ea"/>
               <a:ea typeface="+mj-ea"/>
             </a:endParaRPr>
+          </a:p>
+        </p:txBody>
+      </p:sp>
+    </p:spTree>
+    <p:custDataLst>
+      <p:tags r:id="rId4"/>
+    </p:custDataLst>
+  </p:cSld>
+  <p:clrMapOvr>
+    <a:masterClrMapping/>
+  </p:clrMapOvr>
+</p:sld>
+</file>
+
+<file path=ppt/slides/slide40.xml><?xml version="1.0" encoding="utf-8"?>
+<p:sld xmlns:a="http://schemas.openxmlformats.org/drawingml/2006/main" xmlns:r="http://schemas.openxmlformats.org/officeDocument/2006/relationships" xmlns:p="http://schemas.openxmlformats.org/presentationml/2006/main">
+  <p:cSld>
+    <p:spTree>
+      <p:nvGrpSpPr>
+        <p:cNvPr id="1" name=""/>
+        <p:cNvGrpSpPr/>
+        <p:nvPr/>
+      </p:nvGrpSpPr>
+      <p:grpSpPr/>
+      <p:sp>
+        <p:nvSpPr>
+          <p:cNvPr id="6" name="文本框 5"/>
+          <p:cNvSpPr txBox="1"/>
+          <p:nvPr/>
+        </p:nvSpPr>
+        <p:spPr>
+          <a:xfrm>
+            <a:off x="2317750" y="545465"/>
+            <a:ext cx="3738880" cy="706755"/>
+          </a:xfrm>
+          <a:prstGeom prst="rect">
+            <a:avLst/>
+          </a:prstGeom>
+          <a:noFill/>
+        </p:spPr>
+        <p:txBody>
+          <a:bodyPr wrap="none" rtlCol="0">
+            <a:spAutoFit/>
+          </a:bodyPr>
+          <a:p>
+            <a:pPr algn="l"/>
+            <a:r>
+              <a:rPr lang="zh-CN" altLang="en-US" sz="4000" b="1">
+                <a:sym typeface="+mn-ea"/>
+              </a:rPr>
+              <a:t>调试主进程</a:t>
+            </a:r>
+            <a:r>
+              <a:rPr lang="zh-CN" altLang="en-US" sz="4000" b="1">
+                <a:sym typeface="+mn-ea"/>
+              </a:rPr>
+              <a:t>代码</a:t>
+            </a:r>
+            <a:endParaRPr lang="zh-CN" altLang="en-US" sz="4000" b="1">
+              <a:sym typeface="+mn-ea"/>
+            </a:endParaRPr>
+          </a:p>
+        </p:txBody>
+      </p:sp>
+      <p:sp>
+        <p:nvSpPr>
+          <p:cNvPr id="8" name="文本框 7" descr="7b0a20202020227461726765744d6f64756c65223a202270726f636573734f6e6c696e65466f6e7473220a7d0a"/>
+          <p:cNvSpPr txBox="1"/>
+          <p:nvPr/>
+        </p:nvSpPr>
+        <p:spPr>
+          <a:xfrm>
+            <a:off x="10305415" y="184150"/>
+            <a:ext cx="1762125" cy="922020"/>
+          </a:xfrm>
+          <a:prstGeom prst="rect">
+            <a:avLst/>
+          </a:prstGeom>
+          <a:noFill/>
+        </p:spPr>
+        <p:txBody>
+          <a:bodyPr wrap="square" rtlCol="0">
+            <a:spAutoFit/>
+          </a:bodyPr>
+          <a:p>
+            <a:r>
+              <a:rPr lang="zh-CN" altLang="en-US" sz="5400" b="1">
+                <a:latin typeface="+mj-ea"/>
+                <a:ea typeface="+mj-ea"/>
+              </a:rPr>
+              <a:t>深入</a:t>
+            </a:r>
+            <a:endParaRPr lang="zh-CN" altLang="en-US" sz="5400" b="1">
+              <a:latin typeface="+mj-ea"/>
+              <a:ea typeface="+mj-ea"/>
+            </a:endParaRPr>
+          </a:p>
+        </p:txBody>
+      </p:sp>
+      <p:pic>
+        <p:nvPicPr>
+          <p:cNvPr id="7" name="图片 6" descr="0"/>
+          <p:cNvPicPr>
+            <a:picLocks noChangeAspect="1"/>
+          </p:cNvPicPr>
+          <p:nvPr>
+            <p:custDataLst>
+              <p:tags r:id="rId1"/>
+            </p:custDataLst>
+          </p:nvPr>
+        </p:nvPicPr>
+        <p:blipFill>
+          <a:blip r:embed="rId2"/>
+          <a:stretch>
+            <a:fillRect/>
+          </a:stretch>
+        </p:blipFill>
+        <p:spPr>
+          <a:xfrm rot="2520000">
+            <a:off x="-2587625" y="-3070225"/>
+            <a:ext cx="4406900" cy="5954395"/>
+          </a:xfrm>
+          <a:prstGeom prst="rect">
+            <a:avLst/>
+          </a:prstGeom>
+        </p:spPr>
+      </p:pic>
+      <p:sp>
+        <p:nvSpPr>
+          <p:cNvPr id="10" name="文本框 9" descr="7b0a20202020227461726765744d6f64756c65223a202270726f636573734f6e6c696e65466f6e7473220a7d0a"/>
+          <p:cNvSpPr txBox="1"/>
+          <p:nvPr/>
+        </p:nvSpPr>
+        <p:spPr>
+          <a:xfrm>
+            <a:off x="0" y="235585"/>
+            <a:ext cx="1402715" cy="922020"/>
+          </a:xfrm>
+          <a:prstGeom prst="rect">
+            <a:avLst/>
+          </a:prstGeom>
+          <a:noFill/>
+        </p:spPr>
+        <p:txBody>
+          <a:bodyPr wrap="square" rtlCol="0">
+            <a:spAutoFit/>
+          </a:bodyPr>
+          <a:p>
+            <a:pPr algn="ctr"/>
+            <a:r>
+              <a:rPr lang="en-US" altLang="zh-CN" sz="5400" b="1">
+                <a:solidFill>
+                  <a:schemeClr val="bg1"/>
+                </a:solidFill>
+                <a:latin typeface="+mj-ea"/>
+                <a:ea typeface="+mj-ea"/>
+              </a:rPr>
+              <a:t>2</a:t>
+            </a:r>
+            <a:endParaRPr lang="en-US" altLang="zh-CN" sz="5400" b="1">
+              <a:solidFill>
+                <a:schemeClr val="bg1"/>
+              </a:solidFill>
+              <a:latin typeface="+mj-ea"/>
+              <a:ea typeface="+mj-ea"/>
+            </a:endParaRPr>
+          </a:p>
+        </p:txBody>
+      </p:sp>
+      <p:sp>
+        <p:nvSpPr>
+          <p:cNvPr id="15" name="文本框 14"/>
+          <p:cNvSpPr txBox="1"/>
+          <p:nvPr/>
+        </p:nvSpPr>
+        <p:spPr>
+          <a:xfrm>
+            <a:off x="1169670" y="1644015"/>
+            <a:ext cx="9908540" cy="460375"/>
+          </a:xfrm>
+          <a:prstGeom prst="rect">
+            <a:avLst/>
+          </a:prstGeom>
+          <a:noFill/>
+        </p:spPr>
+        <p:txBody>
+          <a:bodyPr wrap="square" rtlCol="0">
+            <a:spAutoFit/>
+          </a:bodyPr>
+          <a:p>
+            <a:r>
+              <a:rPr lang="en-US" sz="2400" b="1"/>
+              <a:t>1. </a:t>
+            </a:r>
+            <a:r>
+              <a:rPr lang="zh-CN" altLang="en-US" sz="2400" b="1"/>
+              <a:t>设置</a:t>
+            </a:r>
+            <a:r>
+              <a:rPr lang="en-US" altLang="zh-CN" sz="2400" b="1"/>
+              <a:t> cocos dashboard </a:t>
+            </a:r>
+            <a:r>
+              <a:rPr lang="zh-CN" altLang="en-US" sz="2400" b="1"/>
+              <a:t>启动选项，</a:t>
+            </a:r>
+            <a:r>
+              <a:rPr lang="en-US" altLang="zh-CN" sz="2400" b="1"/>
+              <a:t>path</a:t>
+            </a:r>
+            <a:r>
+              <a:rPr lang="zh-CN" altLang="en-US" sz="2400" b="1"/>
+              <a:t>后为项目根目录</a:t>
+            </a:r>
+            <a:endParaRPr lang="zh-CN" altLang="en-US" sz="2400" b="1"/>
+          </a:p>
+        </p:txBody>
+      </p:sp>
+      <p:pic>
+        <p:nvPicPr>
+          <p:cNvPr id="2" name="图片 1" descr="M5DN@_W[WMAN)EK)O0NCSVS"/>
+          <p:cNvPicPr>
+            <a:picLocks noChangeAspect="1"/>
+          </p:cNvPicPr>
+          <p:nvPr/>
+        </p:nvPicPr>
+        <p:blipFill>
+          <a:blip r:embed="rId3"/>
+          <a:stretch>
+            <a:fillRect/>
+          </a:stretch>
+        </p:blipFill>
+        <p:spPr>
+          <a:xfrm>
+            <a:off x="1585595" y="2165985"/>
+            <a:ext cx="3972560" cy="1263650"/>
+          </a:xfrm>
+          <a:prstGeom prst="rect">
+            <a:avLst/>
+          </a:prstGeom>
+        </p:spPr>
+      </p:pic>
+      <p:sp>
+        <p:nvSpPr>
+          <p:cNvPr id="3" name="文本框 2"/>
+          <p:cNvSpPr txBox="1"/>
+          <p:nvPr/>
+        </p:nvSpPr>
+        <p:spPr>
+          <a:xfrm>
+            <a:off x="1169670" y="3491230"/>
+            <a:ext cx="10803255" cy="460375"/>
+          </a:xfrm>
+          <a:prstGeom prst="rect">
+            <a:avLst/>
+          </a:prstGeom>
+          <a:noFill/>
+        </p:spPr>
+        <p:txBody>
+          <a:bodyPr wrap="square" rtlCol="0">
+            <a:spAutoFit/>
+          </a:bodyPr>
+          <a:p>
+            <a:r>
+              <a:rPr lang="en-US" altLang="zh-CN" sz="2400" b="1"/>
+              <a:t>2. 打开 chrome://inspect/#devices 配置 提交 Discover network targets</a:t>
+            </a:r>
+            <a:endParaRPr lang="en-US" altLang="zh-CN" sz="2400" b="1"/>
+          </a:p>
+        </p:txBody>
+      </p:sp>
+      <p:pic>
+        <p:nvPicPr>
+          <p:cNvPr id="4" name="图片 3" descr="C5M_QR_KYC_F2N{6M)IN9%V"/>
+          <p:cNvPicPr>
+            <a:picLocks noChangeAspect="1"/>
+          </p:cNvPicPr>
+          <p:nvPr/>
+        </p:nvPicPr>
+        <p:blipFill>
+          <a:blip r:embed="rId4"/>
+          <a:stretch>
+            <a:fillRect/>
+          </a:stretch>
+        </p:blipFill>
+        <p:spPr>
+          <a:xfrm>
+            <a:off x="1585595" y="4128135"/>
+            <a:ext cx="6219825" cy="3362325"/>
+          </a:xfrm>
+          <a:prstGeom prst="rect">
+            <a:avLst/>
+          </a:prstGeom>
+        </p:spPr>
+      </p:pic>
+    </p:spTree>
+  </p:cSld>
+  <p:clrMapOvr>
+    <a:masterClrMapping/>
+  </p:clrMapOvr>
+</p:sld>
+</file>
+
+<file path=ppt/slides/slide41.xml><?xml version="1.0" encoding="utf-8"?>
+<p:sld xmlns:a="http://schemas.openxmlformats.org/drawingml/2006/main" xmlns:r="http://schemas.openxmlformats.org/officeDocument/2006/relationships" xmlns:p="http://schemas.openxmlformats.org/presentationml/2006/main">
+  <p:cSld>
+    <p:spTree>
+      <p:nvGrpSpPr>
+        <p:cNvPr id="1" name=""/>
+        <p:cNvGrpSpPr/>
+        <p:nvPr/>
+      </p:nvGrpSpPr>
+      <p:grpSpPr/>
+      <p:sp>
+        <p:nvSpPr>
+          <p:cNvPr id="6" name="文本框 5"/>
+          <p:cNvSpPr txBox="1"/>
+          <p:nvPr/>
+        </p:nvSpPr>
+        <p:spPr>
+          <a:xfrm>
+            <a:off x="2317750" y="545465"/>
+            <a:ext cx="3738880" cy="706755"/>
+          </a:xfrm>
+          <a:prstGeom prst="rect">
+            <a:avLst/>
+          </a:prstGeom>
+          <a:noFill/>
+        </p:spPr>
+        <p:txBody>
+          <a:bodyPr wrap="none" rtlCol="0">
+            <a:spAutoFit/>
+          </a:bodyPr>
+          <a:p>
+            <a:pPr algn="l"/>
+            <a:r>
+              <a:rPr lang="zh-CN" altLang="en-US" sz="4000" b="1">
+                <a:sym typeface="+mn-ea"/>
+              </a:rPr>
+              <a:t>调试主进程</a:t>
+            </a:r>
+            <a:r>
+              <a:rPr lang="zh-CN" altLang="en-US" sz="4000" b="1">
+                <a:sym typeface="+mn-ea"/>
+              </a:rPr>
+              <a:t>代码</a:t>
+            </a:r>
+            <a:endParaRPr lang="zh-CN" altLang="en-US" sz="4000" b="1">
+              <a:sym typeface="+mn-ea"/>
+            </a:endParaRPr>
+          </a:p>
+        </p:txBody>
+      </p:sp>
+      <p:sp>
+        <p:nvSpPr>
+          <p:cNvPr id="8" name="文本框 7" descr="7b0a20202020227461726765744d6f64756c65223a202270726f636573734f6e6c696e65466f6e7473220a7d0a"/>
+          <p:cNvSpPr txBox="1"/>
+          <p:nvPr/>
+        </p:nvSpPr>
+        <p:spPr>
+          <a:xfrm>
+            <a:off x="10305415" y="184150"/>
+            <a:ext cx="1762125" cy="922020"/>
+          </a:xfrm>
+          <a:prstGeom prst="rect">
+            <a:avLst/>
+          </a:prstGeom>
+          <a:noFill/>
+        </p:spPr>
+        <p:txBody>
+          <a:bodyPr wrap="square" rtlCol="0">
+            <a:spAutoFit/>
+          </a:bodyPr>
+          <a:p>
+            <a:r>
+              <a:rPr lang="zh-CN" altLang="en-US" sz="5400" b="1">
+                <a:latin typeface="+mj-ea"/>
+                <a:ea typeface="+mj-ea"/>
+              </a:rPr>
+              <a:t>深入</a:t>
+            </a:r>
+            <a:endParaRPr lang="zh-CN" altLang="en-US" sz="5400" b="1">
+              <a:latin typeface="+mj-ea"/>
+              <a:ea typeface="+mj-ea"/>
+            </a:endParaRPr>
+          </a:p>
+        </p:txBody>
+      </p:sp>
+      <p:pic>
+        <p:nvPicPr>
+          <p:cNvPr id="7" name="图片 6" descr="0"/>
+          <p:cNvPicPr>
+            <a:picLocks noChangeAspect="1"/>
+          </p:cNvPicPr>
+          <p:nvPr>
+            <p:custDataLst>
+              <p:tags r:id="rId1"/>
+            </p:custDataLst>
+          </p:nvPr>
+        </p:nvPicPr>
+        <p:blipFill>
+          <a:blip r:embed="rId2"/>
+          <a:stretch>
+            <a:fillRect/>
+          </a:stretch>
+        </p:blipFill>
+        <p:spPr>
+          <a:xfrm rot="2520000">
+            <a:off x="-2587625" y="-3070225"/>
+            <a:ext cx="4406900" cy="5954395"/>
+          </a:xfrm>
+          <a:prstGeom prst="rect">
+            <a:avLst/>
+          </a:prstGeom>
+        </p:spPr>
+      </p:pic>
+      <p:sp>
+        <p:nvSpPr>
+          <p:cNvPr id="10" name="文本框 9" descr="7b0a20202020227461726765744d6f64756c65223a202270726f636573734f6e6c696e65466f6e7473220a7d0a"/>
+          <p:cNvSpPr txBox="1"/>
+          <p:nvPr/>
+        </p:nvSpPr>
+        <p:spPr>
+          <a:xfrm>
+            <a:off x="0" y="235585"/>
+            <a:ext cx="1402715" cy="922020"/>
+          </a:xfrm>
+          <a:prstGeom prst="rect">
+            <a:avLst/>
+          </a:prstGeom>
+          <a:noFill/>
+        </p:spPr>
+        <p:txBody>
+          <a:bodyPr wrap="square" rtlCol="0">
+            <a:spAutoFit/>
+          </a:bodyPr>
+          <a:p>
+            <a:pPr algn="ctr"/>
+            <a:r>
+              <a:rPr lang="en-US" altLang="zh-CN" sz="5400" b="1">
+                <a:solidFill>
+                  <a:schemeClr val="bg1"/>
+                </a:solidFill>
+                <a:latin typeface="+mj-ea"/>
+                <a:ea typeface="+mj-ea"/>
+              </a:rPr>
+              <a:t>2.1</a:t>
+            </a:r>
+            <a:endParaRPr lang="en-US" altLang="zh-CN" sz="5400" b="1">
+              <a:solidFill>
+                <a:schemeClr val="bg1"/>
+              </a:solidFill>
+              <a:latin typeface="+mj-ea"/>
+              <a:ea typeface="+mj-ea"/>
+            </a:endParaRPr>
+          </a:p>
+        </p:txBody>
+      </p:sp>
+      <p:sp>
+        <p:nvSpPr>
+          <p:cNvPr id="15" name="文本框 14"/>
+          <p:cNvSpPr txBox="1"/>
+          <p:nvPr/>
+        </p:nvSpPr>
+        <p:spPr>
+          <a:xfrm>
+            <a:off x="1169670" y="1644015"/>
+            <a:ext cx="9908540" cy="460375"/>
+          </a:xfrm>
+          <a:prstGeom prst="rect">
+            <a:avLst/>
+          </a:prstGeom>
+          <a:noFill/>
+        </p:spPr>
+        <p:txBody>
+          <a:bodyPr wrap="square" rtlCol="0">
+            <a:spAutoFit/>
+          </a:bodyPr>
+          <a:p>
+            <a:r>
+              <a:rPr lang="en-US" sz="2400" b="1"/>
+              <a:t>3. </a:t>
+            </a:r>
+            <a:r>
+              <a:rPr lang="zh-CN" altLang="en-US" sz="2400" b="1"/>
+              <a:t>点击</a:t>
+            </a:r>
+            <a:r>
+              <a:rPr lang="en-US" altLang="zh-CN" sz="2400" b="1"/>
+              <a:t> configure </a:t>
+            </a:r>
+            <a:r>
+              <a:rPr lang="zh-CN" altLang="en-US" sz="2400" b="1"/>
+              <a:t>添加</a:t>
+            </a:r>
+            <a:r>
+              <a:rPr lang="en-US" altLang="zh-CN" sz="2400" b="1"/>
+              <a:t> localhost:5858 </a:t>
+            </a:r>
+            <a:endParaRPr lang="en-US" altLang="zh-CN" sz="2400" b="1"/>
+          </a:p>
+        </p:txBody>
+      </p:sp>
+      <p:sp>
+        <p:nvSpPr>
+          <p:cNvPr id="3" name="文本框 2"/>
+          <p:cNvSpPr txBox="1"/>
+          <p:nvPr/>
+        </p:nvSpPr>
+        <p:spPr>
+          <a:xfrm>
+            <a:off x="1169670" y="2503805"/>
+            <a:ext cx="10803255" cy="460375"/>
+          </a:xfrm>
+          <a:prstGeom prst="rect">
+            <a:avLst/>
+          </a:prstGeom>
+          <a:noFill/>
+        </p:spPr>
+        <p:txBody>
+          <a:bodyPr wrap="square" rtlCol="0">
+            <a:spAutoFit/>
+          </a:bodyPr>
+          <a:p>
+            <a:r>
+              <a:rPr lang="en-US" altLang="zh-CN" sz="2400" b="1"/>
+              <a:t>4. </a:t>
+            </a:r>
+            <a:r>
+              <a:rPr lang="zh-CN" altLang="en-US" sz="2400" b="1"/>
+              <a:t>打开对应的项目，</a:t>
+            </a:r>
+            <a:r>
+              <a:rPr lang="en-US" altLang="zh-CN" sz="2400" b="1"/>
+              <a:t>target </a:t>
+            </a:r>
+            <a:r>
+              <a:rPr lang="zh-CN" altLang="en-US" sz="2400" b="1"/>
+              <a:t>下会出现一个新的项，点击蓝色的</a:t>
+            </a:r>
+            <a:r>
+              <a:rPr lang="en-US" altLang="zh-CN" sz="2400" b="1"/>
+              <a:t> inspect</a:t>
+            </a:r>
+            <a:endParaRPr lang="en-US" altLang="zh-CN" sz="2400" b="1"/>
+          </a:p>
+        </p:txBody>
+      </p:sp>
+      <p:pic>
+        <p:nvPicPr>
+          <p:cNvPr id="4" name="图片 3" descr="C5M_QR_KYC_F2N{6M)IN9%V"/>
+          <p:cNvPicPr>
+            <a:picLocks noChangeAspect="1"/>
+          </p:cNvPicPr>
+          <p:nvPr/>
+        </p:nvPicPr>
+        <p:blipFill>
+          <a:blip r:embed="rId3"/>
+          <a:stretch>
+            <a:fillRect/>
+          </a:stretch>
+        </p:blipFill>
+        <p:spPr>
+          <a:xfrm>
+            <a:off x="1402715" y="3363595"/>
+            <a:ext cx="6219825" cy="3362325"/>
+          </a:xfrm>
+          <a:prstGeom prst="rect">
+            <a:avLst/>
+          </a:prstGeom>
+        </p:spPr>
+      </p:pic>
+    </p:spTree>
+  </p:cSld>
+  <p:clrMapOvr>
+    <a:masterClrMapping/>
+  </p:clrMapOvr>
+</p:sld>
+</file>
+
+<file path=ppt/slides/slide42.xml><?xml version="1.0" encoding="utf-8"?>
+<p:sld xmlns:a="http://schemas.openxmlformats.org/drawingml/2006/main" xmlns:r="http://schemas.openxmlformats.org/officeDocument/2006/relationships" xmlns:p="http://schemas.openxmlformats.org/presentationml/2006/main">
+  <p:cSld>
+    <p:spTree>
+      <p:nvGrpSpPr>
+        <p:cNvPr id="1" name=""/>
+        <p:cNvGrpSpPr/>
+        <p:nvPr/>
+      </p:nvGrpSpPr>
+      <p:grpSpPr/>
+      <p:sp>
+        <p:nvSpPr>
+          <p:cNvPr id="6" name="文本框 5"/>
+          <p:cNvSpPr txBox="1"/>
+          <p:nvPr/>
+        </p:nvSpPr>
+        <p:spPr>
+          <a:xfrm>
+            <a:off x="2317750" y="545465"/>
+            <a:ext cx="3738880" cy="706755"/>
+          </a:xfrm>
+          <a:prstGeom prst="rect">
+            <a:avLst/>
+          </a:prstGeom>
+          <a:noFill/>
+        </p:spPr>
+        <p:txBody>
+          <a:bodyPr wrap="none" rtlCol="0">
+            <a:spAutoFit/>
+          </a:bodyPr>
+          <a:p>
+            <a:pPr algn="l"/>
+            <a:r>
+              <a:rPr lang="zh-CN" altLang="en-US" sz="4000" b="1">
+                <a:sym typeface="+mn-ea"/>
+              </a:rPr>
+              <a:t>调试主进程</a:t>
+            </a:r>
+            <a:r>
+              <a:rPr lang="zh-CN" altLang="en-US" sz="4000" b="1">
+                <a:sym typeface="+mn-ea"/>
+              </a:rPr>
+              <a:t>代码</a:t>
+            </a:r>
+            <a:endParaRPr lang="zh-CN" altLang="en-US" sz="4000" b="1">
+              <a:sym typeface="+mn-ea"/>
+            </a:endParaRPr>
+          </a:p>
+        </p:txBody>
+      </p:sp>
+      <p:sp>
+        <p:nvSpPr>
+          <p:cNvPr id="8" name="文本框 7" descr="7b0a20202020227461726765744d6f64756c65223a202270726f636573734f6e6c696e65466f6e7473220a7d0a"/>
+          <p:cNvSpPr txBox="1"/>
+          <p:nvPr/>
+        </p:nvSpPr>
+        <p:spPr>
+          <a:xfrm>
+            <a:off x="10305415" y="184150"/>
+            <a:ext cx="1762125" cy="922020"/>
+          </a:xfrm>
+          <a:prstGeom prst="rect">
+            <a:avLst/>
+          </a:prstGeom>
+          <a:noFill/>
+        </p:spPr>
+        <p:txBody>
+          <a:bodyPr wrap="square" rtlCol="0">
+            <a:spAutoFit/>
+          </a:bodyPr>
+          <a:p>
+            <a:r>
+              <a:rPr lang="zh-CN" altLang="en-US" sz="5400" b="1">
+                <a:latin typeface="+mj-ea"/>
+                <a:ea typeface="+mj-ea"/>
+              </a:rPr>
+              <a:t>深入</a:t>
+            </a:r>
+            <a:endParaRPr lang="zh-CN" altLang="en-US" sz="5400" b="1">
+              <a:latin typeface="+mj-ea"/>
+              <a:ea typeface="+mj-ea"/>
+            </a:endParaRPr>
+          </a:p>
+        </p:txBody>
+      </p:sp>
+      <p:pic>
+        <p:nvPicPr>
+          <p:cNvPr id="7" name="图片 6" descr="0"/>
+          <p:cNvPicPr>
+            <a:picLocks noChangeAspect="1"/>
+          </p:cNvPicPr>
+          <p:nvPr>
+            <p:custDataLst>
+              <p:tags r:id="rId1"/>
+            </p:custDataLst>
+          </p:nvPr>
+        </p:nvPicPr>
+        <p:blipFill>
+          <a:blip r:embed="rId2"/>
+          <a:stretch>
+            <a:fillRect/>
+          </a:stretch>
+        </p:blipFill>
+        <p:spPr>
+          <a:xfrm rot="2520000">
+            <a:off x="-2587625" y="-3070225"/>
+            <a:ext cx="4406900" cy="5954395"/>
+          </a:xfrm>
+          <a:prstGeom prst="rect">
+            <a:avLst/>
+          </a:prstGeom>
+        </p:spPr>
+      </p:pic>
+      <p:sp>
+        <p:nvSpPr>
+          <p:cNvPr id="10" name="文本框 9" descr="7b0a20202020227461726765744d6f64756c65223a202270726f636573734f6e6c696e65466f6e7473220a7d0a"/>
+          <p:cNvSpPr txBox="1"/>
+          <p:nvPr/>
+        </p:nvSpPr>
+        <p:spPr>
+          <a:xfrm>
+            <a:off x="0" y="235585"/>
+            <a:ext cx="1402715" cy="922020"/>
+          </a:xfrm>
+          <a:prstGeom prst="rect">
+            <a:avLst/>
+          </a:prstGeom>
+          <a:noFill/>
+        </p:spPr>
+        <p:txBody>
+          <a:bodyPr wrap="square" rtlCol="0">
+            <a:spAutoFit/>
+          </a:bodyPr>
+          <a:p>
+            <a:pPr algn="ctr"/>
+            <a:r>
+              <a:rPr lang="en-US" altLang="zh-CN" sz="5400" b="1">
+                <a:solidFill>
+                  <a:schemeClr val="bg1"/>
+                </a:solidFill>
+                <a:latin typeface="+mj-ea"/>
+                <a:ea typeface="+mj-ea"/>
+              </a:rPr>
+              <a:t>2.2</a:t>
+            </a:r>
+            <a:endParaRPr lang="en-US" altLang="zh-CN" sz="5400" b="1">
+              <a:solidFill>
+                <a:schemeClr val="bg1"/>
+              </a:solidFill>
+              <a:latin typeface="+mj-ea"/>
+              <a:ea typeface="+mj-ea"/>
+            </a:endParaRPr>
+          </a:p>
+        </p:txBody>
+      </p:sp>
+      <p:sp>
+        <p:nvSpPr>
+          <p:cNvPr id="15" name="文本框 14"/>
+          <p:cNvSpPr txBox="1"/>
+          <p:nvPr/>
+        </p:nvSpPr>
+        <p:spPr>
+          <a:xfrm>
+            <a:off x="1169670" y="1644015"/>
+            <a:ext cx="9908540" cy="460375"/>
+          </a:xfrm>
+          <a:prstGeom prst="rect">
+            <a:avLst/>
+          </a:prstGeom>
+          <a:noFill/>
+        </p:spPr>
+        <p:txBody>
+          <a:bodyPr wrap="square" rtlCol="0">
+            <a:spAutoFit/>
+          </a:bodyPr>
+          <a:p>
+            <a:r>
+              <a:rPr lang="en-US" sz="2400" b="1"/>
+              <a:t>5. Ctrl + P </a:t>
+            </a:r>
+            <a:r>
+              <a:rPr lang="zh-CN" altLang="en-US" sz="2400" b="1"/>
+              <a:t>搜索插件</a:t>
+            </a:r>
+            <a:r>
+              <a:rPr lang="zh-CN" altLang="en-US" sz="2400" b="1"/>
+              <a:t>名</a:t>
+            </a:r>
+            <a:endParaRPr lang="zh-CN" altLang="en-US" sz="2400" b="1"/>
+          </a:p>
+        </p:txBody>
+      </p:sp>
+      <p:pic>
+        <p:nvPicPr>
+          <p:cNvPr id="2" name="图片 1" descr="7(~[A2ZLO2ZB3)RHSB{70)U"/>
+          <p:cNvPicPr>
+            <a:picLocks noChangeAspect="1"/>
+          </p:cNvPicPr>
+          <p:nvPr/>
+        </p:nvPicPr>
+        <p:blipFill>
+          <a:blip r:embed="rId3"/>
+          <a:stretch>
+            <a:fillRect/>
+          </a:stretch>
+        </p:blipFill>
+        <p:spPr>
+          <a:xfrm>
+            <a:off x="1402715" y="2396490"/>
+            <a:ext cx="8065135" cy="4128770"/>
+          </a:xfrm>
+          <a:prstGeom prst="rect">
+            <a:avLst/>
+          </a:prstGeom>
+        </p:spPr>
+      </p:pic>
+    </p:spTree>
+  </p:cSld>
+  <p:clrMapOvr>
+    <a:masterClrMapping/>
+  </p:clrMapOvr>
+</p:sld>
+</file>
+
+<file path=ppt/slides/slide43.xml><?xml version="1.0" encoding="utf-8"?>
+<p:sld xmlns:a="http://schemas.openxmlformats.org/drawingml/2006/main" xmlns:r="http://schemas.openxmlformats.org/officeDocument/2006/relationships" xmlns:p="http://schemas.openxmlformats.org/presentationml/2006/main">
+  <p:cSld>
+    <p:spTree>
+      <p:nvGrpSpPr>
+        <p:cNvPr id="1" name=""/>
+        <p:cNvGrpSpPr/>
+        <p:nvPr/>
+      </p:nvGrpSpPr>
+      <p:grpSpPr/>
+      <p:sp>
+        <p:nvSpPr>
+          <p:cNvPr id="6" name="文本框 5"/>
+          <p:cNvSpPr txBox="1"/>
+          <p:nvPr/>
+        </p:nvSpPr>
+        <p:spPr>
+          <a:xfrm>
+            <a:off x="2317750" y="545465"/>
+            <a:ext cx="4754880" cy="706755"/>
+          </a:xfrm>
+          <a:prstGeom prst="rect">
+            <a:avLst/>
+          </a:prstGeom>
+          <a:noFill/>
+        </p:spPr>
+        <p:txBody>
+          <a:bodyPr wrap="none" rtlCol="0">
+            <a:spAutoFit/>
+          </a:bodyPr>
+          <a:p>
+            <a:pPr algn="l"/>
+            <a:r>
+              <a:rPr lang="zh-CN" altLang="en-US" sz="4000" b="1">
+                <a:sym typeface="+mn-ea"/>
+              </a:rPr>
+              <a:t>如何更好的加密</a:t>
+            </a:r>
+            <a:r>
+              <a:rPr lang="zh-CN" altLang="en-US" sz="4000" b="1">
+                <a:sym typeface="+mn-ea"/>
+              </a:rPr>
+              <a:t>代码</a:t>
+            </a:r>
+            <a:endParaRPr lang="zh-CN" altLang="en-US" sz="4000" b="1">
+              <a:sym typeface="+mn-ea"/>
+            </a:endParaRPr>
+          </a:p>
+        </p:txBody>
+      </p:sp>
+      <p:sp>
+        <p:nvSpPr>
+          <p:cNvPr id="8" name="文本框 7" descr="7b0a20202020227461726765744d6f64756c65223a202270726f636573734f6e6c696e65466f6e7473220a7d0a"/>
+          <p:cNvSpPr txBox="1"/>
+          <p:nvPr/>
+        </p:nvSpPr>
+        <p:spPr>
+          <a:xfrm>
+            <a:off x="10305415" y="184150"/>
+            <a:ext cx="1762125" cy="922020"/>
+          </a:xfrm>
+          <a:prstGeom prst="rect">
+            <a:avLst/>
+          </a:prstGeom>
+          <a:noFill/>
+        </p:spPr>
+        <p:txBody>
+          <a:bodyPr wrap="square" rtlCol="0">
+            <a:spAutoFit/>
+          </a:bodyPr>
+          <a:p>
+            <a:r>
+              <a:rPr lang="zh-CN" altLang="en-US" sz="5400" b="1">
+                <a:latin typeface="+mj-ea"/>
+                <a:ea typeface="+mj-ea"/>
+              </a:rPr>
+              <a:t>深入</a:t>
+            </a:r>
+            <a:endParaRPr lang="zh-CN" altLang="en-US" sz="5400" b="1">
+              <a:latin typeface="+mj-ea"/>
+              <a:ea typeface="+mj-ea"/>
+            </a:endParaRPr>
+          </a:p>
+        </p:txBody>
+      </p:sp>
+      <p:pic>
+        <p:nvPicPr>
+          <p:cNvPr id="7" name="图片 6" descr="0"/>
+          <p:cNvPicPr>
+            <a:picLocks noChangeAspect="1"/>
+          </p:cNvPicPr>
+          <p:nvPr>
+            <p:custDataLst>
+              <p:tags r:id="rId1"/>
+            </p:custDataLst>
+          </p:nvPr>
+        </p:nvPicPr>
+        <p:blipFill>
+          <a:blip r:embed="rId2"/>
+          <a:stretch>
+            <a:fillRect/>
+          </a:stretch>
+        </p:blipFill>
+        <p:spPr>
+          <a:xfrm rot="2520000">
+            <a:off x="-2587625" y="-3070225"/>
+            <a:ext cx="4406900" cy="5954395"/>
+          </a:xfrm>
+          <a:prstGeom prst="rect">
+            <a:avLst/>
+          </a:prstGeom>
+        </p:spPr>
+      </p:pic>
+      <p:sp>
+        <p:nvSpPr>
+          <p:cNvPr id="10" name="文本框 9" descr="7b0a20202020227461726765744d6f64756c65223a202270726f636573734f6e6c696e65466f6e7473220a7d0a"/>
+          <p:cNvSpPr txBox="1"/>
+          <p:nvPr/>
+        </p:nvSpPr>
+        <p:spPr>
+          <a:xfrm>
+            <a:off x="0" y="235585"/>
+            <a:ext cx="1402715" cy="922020"/>
+          </a:xfrm>
+          <a:prstGeom prst="rect">
+            <a:avLst/>
+          </a:prstGeom>
+          <a:noFill/>
+        </p:spPr>
+        <p:txBody>
+          <a:bodyPr wrap="square" rtlCol="0">
+            <a:spAutoFit/>
+          </a:bodyPr>
+          <a:p>
+            <a:pPr algn="ctr"/>
+            <a:r>
+              <a:rPr lang="en-US" altLang="zh-CN" sz="5400" b="1">
+                <a:solidFill>
+                  <a:schemeClr val="bg1"/>
+                </a:solidFill>
+                <a:latin typeface="+mj-ea"/>
+                <a:ea typeface="+mj-ea"/>
+              </a:rPr>
+              <a:t>3</a:t>
+            </a:r>
+            <a:endParaRPr lang="en-US" altLang="zh-CN" sz="5400" b="1">
+              <a:solidFill>
+                <a:schemeClr val="bg1"/>
+              </a:solidFill>
+              <a:latin typeface="+mj-ea"/>
+              <a:ea typeface="+mj-ea"/>
+            </a:endParaRPr>
+          </a:p>
+        </p:txBody>
+      </p:sp>
+      <p:sp>
+        <p:nvSpPr>
+          <p:cNvPr id="15" name="文本框 14"/>
+          <p:cNvSpPr txBox="1"/>
+          <p:nvPr/>
+        </p:nvSpPr>
+        <p:spPr>
+          <a:xfrm>
+            <a:off x="1141730" y="2393950"/>
+            <a:ext cx="9908540" cy="583565"/>
+          </a:xfrm>
+          <a:prstGeom prst="rect">
+            <a:avLst/>
+          </a:prstGeom>
+          <a:noFill/>
+        </p:spPr>
+        <p:txBody>
+          <a:bodyPr wrap="square" rtlCol="0">
+            <a:spAutoFit/>
+          </a:bodyPr>
+          <a:p>
+            <a:r>
+              <a:rPr lang="en-US" altLang="zh-CN" sz="3200" b="1"/>
+              <a:t>1. </a:t>
+            </a:r>
+            <a:r>
+              <a:rPr lang="zh-CN" altLang="en-US" sz="3200" b="1"/>
+              <a:t>逻辑放在服务器</a:t>
+            </a:r>
+            <a:endParaRPr lang="zh-CN" altLang="en-US" sz="3200" b="1"/>
+          </a:p>
+        </p:txBody>
+      </p:sp>
+      <p:sp>
+        <p:nvSpPr>
+          <p:cNvPr id="3" name="文本框 2"/>
+          <p:cNvSpPr txBox="1"/>
+          <p:nvPr/>
+        </p:nvSpPr>
+        <p:spPr>
+          <a:xfrm>
+            <a:off x="1141730" y="3596640"/>
+            <a:ext cx="9908540" cy="583565"/>
+          </a:xfrm>
+          <a:prstGeom prst="rect">
+            <a:avLst/>
+          </a:prstGeom>
+          <a:noFill/>
+        </p:spPr>
+        <p:txBody>
+          <a:bodyPr wrap="square" rtlCol="0">
+            <a:spAutoFit/>
+          </a:bodyPr>
+          <a:p>
+            <a:r>
+              <a:rPr lang="en-US" altLang="zh-CN" sz="3200" b="1"/>
+              <a:t>2. </a:t>
+            </a:r>
+            <a:r>
+              <a:rPr lang="zh-CN" altLang="en-US" sz="3200" b="1"/>
+              <a:t>使用其他语言（</a:t>
+            </a:r>
+            <a:r>
+              <a:rPr lang="en-US" altLang="zh-CN" sz="3200" b="1">
+                <a:sym typeface="+mn-ea"/>
+              </a:rPr>
+              <a:t>wasm</a:t>
+            </a:r>
+            <a:r>
+              <a:rPr lang="zh-CN" altLang="en-US" sz="3200" b="1"/>
+              <a:t>）</a:t>
+            </a:r>
+            <a:endParaRPr lang="zh-CN" altLang="en-US" sz="3200" b="1"/>
+          </a:p>
+        </p:txBody>
+      </p:sp>
+      <p:sp>
+        <p:nvSpPr>
+          <p:cNvPr id="4" name="文本框 3"/>
+          <p:cNvSpPr txBox="1"/>
+          <p:nvPr/>
+        </p:nvSpPr>
+        <p:spPr>
+          <a:xfrm>
+            <a:off x="1141730" y="4709795"/>
+            <a:ext cx="9908540" cy="583565"/>
+          </a:xfrm>
+          <a:prstGeom prst="rect">
+            <a:avLst/>
+          </a:prstGeom>
+          <a:noFill/>
+        </p:spPr>
+        <p:txBody>
+          <a:bodyPr wrap="square" rtlCol="0">
+            <a:spAutoFit/>
+          </a:bodyPr>
+          <a:p>
+            <a:r>
+              <a:rPr lang="en-US" altLang="zh-CN" sz="3200" b="1"/>
+              <a:t>3. </a:t>
+            </a:r>
+            <a:r>
+              <a:rPr lang="zh-CN" altLang="en-US" sz="3200" b="1"/>
+              <a:t>防君子不防小人，只混淆</a:t>
+            </a:r>
+            <a:endParaRPr lang="zh-CN" altLang="en-US" sz="3200" b="1"/>
+          </a:p>
+        </p:txBody>
+      </p:sp>
+    </p:spTree>
+  </p:cSld>
+  <p:clrMapOvr>
+    <a:masterClrMapping/>
+  </p:clrMapOvr>
+</p:sld>
+</file>
+
+<file path=ppt/slides/slide44.xml><?xml version="1.0" encoding="utf-8"?>
+<p:sld xmlns:a="http://schemas.openxmlformats.org/drawingml/2006/main" xmlns:r="http://schemas.openxmlformats.org/officeDocument/2006/relationships" xmlns:p="http://schemas.openxmlformats.org/presentationml/2006/main">
+  <p:cSld>
+    <p:bg>
+      <p:bgPr>
+        <a:solidFill>
+          <a:schemeClr val="bg2"/>
+        </a:solidFill>
+        <a:effectLst/>
+      </p:bgPr>
+    </p:bg>
+    <p:spTree>
+      <p:nvGrpSpPr>
+        <p:cNvPr id="1" name=""/>
+        <p:cNvGrpSpPr/>
+        <p:nvPr/>
+      </p:nvGrpSpPr>
+      <p:grpSpPr/>
+      <p:pic>
+        <p:nvPicPr>
+          <p:cNvPr id="4" name="图片 3" descr="0"/>
+          <p:cNvPicPr>
+            <a:picLocks noChangeAspect="1"/>
+          </p:cNvPicPr>
+          <p:nvPr>
+            <p:custDataLst>
+              <p:tags r:id="rId1"/>
+            </p:custDataLst>
+          </p:nvPr>
+        </p:nvPicPr>
+        <p:blipFill>
+          <a:blip r:embed="rId2"/>
+          <a:stretch>
+            <a:fillRect/>
+          </a:stretch>
+        </p:blipFill>
+        <p:spPr>
+          <a:xfrm rot="2520000">
+            <a:off x="-2587625" y="-3070225"/>
+            <a:ext cx="4406900" cy="5954395"/>
+          </a:xfrm>
+          <a:prstGeom prst="rect">
+            <a:avLst/>
+          </a:prstGeom>
+        </p:spPr>
+      </p:pic>
+      <p:sp>
+        <p:nvSpPr>
+          <p:cNvPr id="8" name="文本框 7" descr="7b0a20202020227461726765744d6f64756c65223a202270726f636573734f6e6c696e65466f6e7473220a7d0a"/>
+          <p:cNvSpPr txBox="1"/>
+          <p:nvPr/>
+        </p:nvSpPr>
+        <p:spPr>
+          <a:xfrm>
+            <a:off x="2919095" y="513080"/>
+            <a:ext cx="1762125" cy="922020"/>
+          </a:xfrm>
+          <a:prstGeom prst="rect">
+            <a:avLst/>
+          </a:prstGeom>
+          <a:noFill/>
+        </p:spPr>
+        <p:txBody>
+          <a:bodyPr wrap="square" rtlCol="0">
+            <a:spAutoFit/>
+          </a:bodyPr>
+          <a:p>
+            <a:r>
+              <a:rPr lang="zh-CN" altLang="en-US" sz="5400" b="1">
+                <a:latin typeface="+mj-ea"/>
+                <a:ea typeface="+mj-ea"/>
+              </a:rPr>
+              <a:t>结语</a:t>
+            </a:r>
+            <a:endParaRPr lang="zh-CN" altLang="en-US" sz="5400" b="1">
+              <a:latin typeface="+mj-ea"/>
+              <a:ea typeface="+mj-ea"/>
+            </a:endParaRPr>
+          </a:p>
+        </p:txBody>
+      </p:sp>
+      <p:pic>
+        <p:nvPicPr>
+          <p:cNvPr id="10" name="图片 9" descr="0"/>
+          <p:cNvPicPr>
+            <a:picLocks noChangeAspect="1"/>
+          </p:cNvPicPr>
+          <p:nvPr>
+            <p:custDataLst>
+              <p:tags r:id="rId3"/>
+            </p:custDataLst>
+          </p:nvPr>
+        </p:nvPicPr>
+        <p:blipFill>
+          <a:blip r:embed="rId2"/>
+          <a:stretch>
+            <a:fillRect/>
+          </a:stretch>
+        </p:blipFill>
+        <p:spPr>
+          <a:xfrm rot="2520000">
+            <a:off x="10317480" y="4046220"/>
+            <a:ext cx="4406900" cy="5954395"/>
+          </a:xfrm>
+          <a:prstGeom prst="rect">
+            <a:avLst/>
+          </a:prstGeom>
+        </p:spPr>
+      </p:pic>
+      <p:sp>
+        <p:nvSpPr>
+          <p:cNvPr id="12" name="文本框 11"/>
+          <p:cNvSpPr txBox="1"/>
+          <p:nvPr/>
+        </p:nvSpPr>
+        <p:spPr>
+          <a:xfrm>
+            <a:off x="2007235" y="2813685"/>
+            <a:ext cx="6679565" cy="781050"/>
+          </a:xfrm>
+          <a:prstGeom prst="rect">
+            <a:avLst/>
+          </a:prstGeom>
+          <a:noFill/>
+        </p:spPr>
+        <p:txBody>
+          <a:bodyPr wrap="square" rtlCol="0">
+            <a:noAutofit/>
+          </a:bodyPr>
+          <a:p>
+            <a:r>
+              <a:rPr lang="zh-CN" altLang="en-US" sz="4000" b="1"/>
+              <a:t>师傅带进门，修行靠个人</a:t>
+            </a:r>
+            <a:br>
+              <a:rPr lang="zh-CN" altLang="en-US" sz="4000" b="1"/>
+            </a:br>
+            <a:endParaRPr lang="zh-CN" altLang="en-US" sz="4000" b="1"/>
+          </a:p>
+        </p:txBody>
+      </p:sp>
+      <p:sp>
+        <p:nvSpPr>
+          <p:cNvPr id="2" name="文本框 1"/>
+          <p:cNvSpPr txBox="1"/>
+          <p:nvPr/>
+        </p:nvSpPr>
+        <p:spPr>
+          <a:xfrm>
+            <a:off x="2007235" y="3594735"/>
+            <a:ext cx="6679565" cy="781050"/>
+          </a:xfrm>
+          <a:prstGeom prst="rect">
+            <a:avLst/>
+          </a:prstGeom>
+          <a:noFill/>
+        </p:spPr>
+        <p:txBody>
+          <a:bodyPr wrap="square" rtlCol="0">
+            <a:noAutofit/>
+          </a:bodyPr>
+          <a:p>
+            <a:r>
+              <a:rPr lang="zh-CN" altLang="en-US" sz="4000" b="1"/>
+              <a:t>只有热爱才能</a:t>
+            </a:r>
+            <a:r>
+              <a:rPr lang="zh-CN" altLang="en-US" sz="4000" b="1"/>
+              <a:t>前进</a:t>
+            </a:r>
+            <a:br>
+              <a:rPr lang="zh-CN" altLang="en-US" sz="4000" b="1"/>
+            </a:br>
+            <a:endParaRPr lang="zh-CN" altLang="en-US" sz="4000" b="1"/>
           </a:p>
         </p:txBody>
       </p:sp>
@@ -13825,7 +18595,7 @@
         <p:spPr>
           <a:xfrm>
             <a:off x="2317750" y="545465"/>
-            <a:ext cx="2812415" cy="706755"/>
+            <a:ext cx="2722880" cy="706755"/>
           </a:xfrm>
           <a:prstGeom prst="rect">
             <a:avLst/>
@@ -13839,20 +18609,10 @@
           <a:p>
             <a:pPr algn="l"/>
             <a:r>
-              <a:rPr lang="en-US" altLang="zh-CN" sz="4000" b="1">
-                <a:latin typeface="+mn-ea"/>
-                <a:cs typeface="+mn-ea"/>
+              <a:rPr lang="zh-CN" altLang="en-US" sz="4000" b="1">
                 <a:sym typeface="+mn-ea"/>
               </a:rPr>
-              <a:t>i18n</a:t>
-            </a:r>
-            <a:r>
-              <a:rPr lang="zh-CN" altLang="en-US" sz="4000" b="1">
-                <a:latin typeface="+mn-ea"/>
-                <a:cs typeface="+mn-ea"/>
-                <a:sym typeface="+mn-ea"/>
-              </a:rPr>
-              <a:t>的使用</a:t>
+              <a:t>插件多语言</a:t>
             </a:r>
             <a:endParaRPr lang="zh-CN" altLang="en-US" sz="4000" b="1">
               <a:latin typeface="+mn-ea"/>
@@ -14155,7 +18915,7 @@
         <p:spPr>
           <a:xfrm>
             <a:off x="2317750" y="545465"/>
-            <a:ext cx="2812415" cy="706755"/>
+            <a:ext cx="2722880" cy="706755"/>
           </a:xfrm>
           <a:prstGeom prst="rect">
             <a:avLst/>
@@ -14169,20 +18929,10 @@
           <a:p>
             <a:pPr algn="l"/>
             <a:r>
-              <a:rPr lang="en-US" altLang="zh-CN" sz="4000" b="1">
-                <a:latin typeface="+mn-ea"/>
-                <a:cs typeface="+mn-ea"/>
+              <a:rPr lang="zh-CN" altLang="en-US" sz="4000" b="1">
                 <a:sym typeface="+mn-ea"/>
               </a:rPr>
-              <a:t>i18n</a:t>
-            </a:r>
-            <a:r>
-              <a:rPr lang="zh-CN" altLang="en-US" sz="4000" b="1">
-                <a:latin typeface="+mn-ea"/>
-                <a:cs typeface="+mn-ea"/>
-                <a:sym typeface="+mn-ea"/>
-              </a:rPr>
-              <a:t>的使用</a:t>
+              <a:t>插件多语言</a:t>
             </a:r>
             <a:endParaRPr lang="zh-CN" altLang="en-US" sz="4000" b="1">
               <a:latin typeface="+mn-ea"/>
@@ -14416,7 +19166,7 @@
             <a:pPr lvl="1"/>
             <a:r>
               <a:rPr lang="zh-CN" altLang="en-US" sz="2400" b="1"/>
-              <a:t>json 中使用中使用："description": "i18n:first-panel.description",</a:t>
+              <a:t>json 中使用："description": "i18n:first-panel.description",</a:t>
             </a:r>
             <a:endParaRPr lang="zh-CN" altLang="en-US" sz="2400" b="1"/>
           </a:p>
@@ -14476,16 +19226,43 @@
 
 <file path=ppt/tags/tag103.xml><?xml version="1.0" encoding="utf-8"?>
 <p:tagLst xmlns:p="http://schemas.openxmlformats.org/presentationml/2006/main">
-  <p:tag name="KSO_WM_BEAUTIFY_FLAG" val="#wm#"/>
-  <p:tag name="KSO_WM_TEMPLATE_CATEGORY" val="custom"/>
-  <p:tag name="KSO_WM_TEMPLATE_INDEX" val="20205176"/>
+  <p:tag name="KSO_WM_UNIT_PLACING_PICTURE_USER_VIEWPORT" val="{&quot;height&quot;:9377,&quot;width&quot;:6940}"/>
 </p:tagLst>
 </file>
 
 <file path=ppt/tags/tag104.xml><?xml version="1.0" encoding="utf-8"?>
 <p:tagLst xmlns:p="http://schemas.openxmlformats.org/presentationml/2006/main">
-  <p:tag name="COMMONDATA" val="eyJoZGlkIjoiNmQxOTM1MjJmYzAzZDgxMzEzZjI2NTkwY2U0NjdmYWEifQ=="/>
-  <p:tag name="KSO_WPP_MARK_KEY" val="774c2250-f00d-4f19-9650-dba16a7f70a3"/>
+  <p:tag name="KSO_WM_UNIT_PLACING_PICTURE_USER_VIEWPORT" val="{&quot;height&quot;:9377,&quot;width&quot;:6940}"/>
+</p:tagLst>
+</file>
+
+<file path=ppt/tags/tag105.xml><?xml version="1.0" encoding="utf-8"?>
+<p:tagLst xmlns:p="http://schemas.openxmlformats.org/presentationml/2006/main">
+  <p:tag name="KSO_WM_UNIT_PLACING_PICTURE_USER_VIEWPORT" val="{&quot;height&quot;:9377,&quot;width&quot;:6940}"/>
+</p:tagLst>
+</file>
+
+<file path=ppt/tags/tag106.xml><?xml version="1.0" encoding="utf-8"?>
+<p:tagLst xmlns:p="http://schemas.openxmlformats.org/presentationml/2006/main">
+  <p:tag name="KSO_WM_UNIT_PLACING_PICTURE_USER_VIEWPORT" val="{&quot;height&quot;:9377,&quot;width&quot;:6940}"/>
+</p:tagLst>
+</file>
+
+<file path=ppt/tags/tag107.xml><?xml version="1.0" encoding="utf-8"?>
+<p:tagLst xmlns:p="http://schemas.openxmlformats.org/presentationml/2006/main">
+  <p:tag name="KSO_WM_UNIT_PLACING_PICTURE_USER_VIEWPORT" val="{&quot;height&quot;:9377,&quot;width&quot;:6940}"/>
+</p:tagLst>
+</file>
+
+<file path=ppt/tags/tag108.xml><?xml version="1.0" encoding="utf-8"?>
+<p:tagLst xmlns:p="http://schemas.openxmlformats.org/presentationml/2006/main">
+  <p:tag name="KSO_WM_UNIT_PLACING_PICTURE_USER_VIEWPORT" val="{&quot;height&quot;:9377,&quot;width&quot;:6940}"/>
+</p:tagLst>
+</file>
+
+<file path=ppt/tags/tag109.xml><?xml version="1.0" encoding="utf-8"?>
+<p:tagLst xmlns:p="http://schemas.openxmlformats.org/presentationml/2006/main">
+  <p:tag name="KSO_WM_UNIT_PLACING_PICTURE_USER_VIEWPORT" val="{&quot;height&quot;:9377,&quot;width&quot;:6940}"/>
 </p:tagLst>
 </file>
 
@@ -14502,6 +19279,68 @@
 </p:tagLst>
 </file>
 
+<file path=ppt/tags/tag110.xml><?xml version="1.0" encoding="utf-8"?>
+<p:tagLst xmlns:p="http://schemas.openxmlformats.org/presentationml/2006/main">
+  <p:tag name="KSO_WM_UNIT_PLACING_PICTURE_USER_VIEWPORT" val="{&quot;height&quot;:9377,&quot;width&quot;:6940}"/>
+</p:tagLst>
+</file>
+
+<file path=ppt/tags/tag111.xml><?xml version="1.0" encoding="utf-8"?>
+<p:tagLst xmlns:p="http://schemas.openxmlformats.org/presentationml/2006/main">
+  <p:tag name="KSO_WM_BEAUTIFY_FLAG" val="#wm#"/>
+  <p:tag name="KSO_WM_TEMPLATE_CATEGORY" val="custom"/>
+  <p:tag name="KSO_WM_TEMPLATE_INDEX" val="20205176"/>
+</p:tagLst>
+</file>
+
+<file path=ppt/tags/tag112.xml><?xml version="1.0" encoding="utf-8"?>
+<p:tagLst xmlns:p="http://schemas.openxmlformats.org/presentationml/2006/main">
+  <p:tag name="KSO_WM_UNIT_PLACING_PICTURE_USER_VIEWPORT" val="{&quot;height&quot;:9377,&quot;width&quot;:6940}"/>
+</p:tagLst>
+</file>
+
+<file path=ppt/tags/tag113.xml><?xml version="1.0" encoding="utf-8"?>
+<p:tagLst xmlns:p="http://schemas.openxmlformats.org/presentationml/2006/main">
+  <p:tag name="KSO_WM_UNIT_PLACING_PICTURE_USER_VIEWPORT" val="{&quot;height&quot;:9377,&quot;width&quot;:6940}"/>
+</p:tagLst>
+</file>
+
+<file path=ppt/tags/tag114.xml><?xml version="1.0" encoding="utf-8"?>
+<p:tagLst xmlns:p="http://schemas.openxmlformats.org/presentationml/2006/main">
+  <p:tag name="KSO_WM_UNIT_PLACING_PICTURE_USER_VIEWPORT" val="{&quot;height&quot;:9377,&quot;width&quot;:6940}"/>
+</p:tagLst>
+</file>
+
+<file path=ppt/tags/tag115.xml><?xml version="1.0" encoding="utf-8"?>
+<p:tagLst xmlns:p="http://schemas.openxmlformats.org/presentationml/2006/main">
+  <p:tag name="KSO_WM_UNIT_PLACING_PICTURE_USER_VIEWPORT" val="{&quot;height&quot;:9377,&quot;width&quot;:6940}"/>
+</p:tagLst>
+</file>
+
+<file path=ppt/tags/tag116.xml><?xml version="1.0" encoding="utf-8"?>
+<p:tagLst xmlns:p="http://schemas.openxmlformats.org/presentationml/2006/main">
+  <p:tag name="KSO_WM_UNIT_PLACING_PICTURE_USER_VIEWPORT" val="{&quot;height&quot;:9377,&quot;width&quot;:6940}"/>
+</p:tagLst>
+</file>
+
+<file path=ppt/tags/tag117.xml><?xml version="1.0" encoding="utf-8"?>
+<p:tagLst xmlns:p="http://schemas.openxmlformats.org/presentationml/2006/main">
+  <p:tag name="KSO_WM_UNIT_PLACING_PICTURE_USER_VIEWPORT" val="{&quot;height&quot;:9377,&quot;width&quot;:6940}"/>
+</p:tagLst>
+</file>
+
+<file path=ppt/tags/tag118.xml><?xml version="1.0" encoding="utf-8"?>
+<p:tagLst xmlns:p="http://schemas.openxmlformats.org/presentationml/2006/main">
+  <p:tag name="KSO_WM_UNIT_PLACING_PICTURE_USER_VIEWPORT" val="{&quot;height&quot;:9377,&quot;width&quot;:6940}"/>
+</p:tagLst>
+</file>
+
+<file path=ppt/tags/tag119.xml><?xml version="1.0" encoding="utf-8"?>
+<p:tagLst xmlns:p="http://schemas.openxmlformats.org/presentationml/2006/main">
+  <p:tag name="KSO_WM_UNIT_PLACING_PICTURE_USER_VIEWPORT" val="{&quot;height&quot;:9377,&quot;width&quot;:6940}"/>
+</p:tagLst>
+</file>
+
 <file path=ppt/tags/tag12.xml><?xml version="1.0" encoding="utf-8"?>
 <p:tagLst xmlns:p="http://schemas.openxmlformats.org/presentationml/2006/main">
   <p:tag name="KSO_WM_UNIT_HIGHLIGHT" val="0"/>
@@ -14512,6 +19351,21 @@
   <p:tag name="KSO_WM_UNIT_LAYERLEVEL" val="1"/>
   <p:tag name="KSO_WM_TAG_VERSION" val="1.0"/>
   <p:tag name="KSO_WM_BEAUTIFY_FLAG" val="#wm#"/>
+</p:tagLst>
+</file>
+
+<file path=ppt/tags/tag120.xml><?xml version="1.0" encoding="utf-8"?>
+<p:tagLst xmlns:p="http://schemas.openxmlformats.org/presentationml/2006/main">
+  <p:tag name="KSO_WM_BEAUTIFY_FLAG" val="#wm#"/>
+  <p:tag name="KSO_WM_TEMPLATE_CATEGORY" val="custom"/>
+  <p:tag name="KSO_WM_TEMPLATE_INDEX" val="20205176"/>
+</p:tagLst>
+</file>
+
+<file path=ppt/tags/tag121.xml><?xml version="1.0" encoding="utf-8"?>
+<p:tagLst xmlns:p="http://schemas.openxmlformats.org/presentationml/2006/main">
+  <p:tag name="COMMONDATA" val="eyJoZGlkIjoiNDE0N2M3M2ViNzZiMjcxMDJjOGRkMjc5ZDBiZmQwN2IifQ=="/>
+  <p:tag name="KSO_WPP_MARK_KEY" val="774c2250-f00d-4f19-9650-dba16a7f70a3"/>
 </p:tagLst>
 </file>
 
@@ -15516,9 +20370,7 @@
 
 <file path=ppt/tags/tag96.xml><?xml version="1.0" encoding="utf-8"?>
 <p:tagLst xmlns:p="http://schemas.openxmlformats.org/presentationml/2006/main">
-  <p:tag name="KSO_WM_BEAUTIFY_FLAG" val="#wm#"/>
-  <p:tag name="KSO_WM_TEMPLATE_CATEGORY" val="custom"/>
-  <p:tag name="KSO_WM_TEMPLATE_INDEX" val="20205176"/>
+  <p:tag name="KSO_WM_UNIT_PLACING_PICTURE_USER_VIEWPORT" val="{&quot;height&quot;:9377,&quot;width&quot;:6940}"/>
 </p:tagLst>
 </file>
 
@@ -15536,7 +20388,9 @@
 
 <file path=ppt/tags/tag99.xml><?xml version="1.0" encoding="utf-8"?>
 <p:tagLst xmlns:p="http://schemas.openxmlformats.org/presentationml/2006/main">
-  <p:tag name="KSO_WM_UNIT_PLACING_PICTURE_USER_VIEWPORT" val="{&quot;height&quot;:9377,&quot;width&quot;:6940}"/>
+  <p:tag name="KSO_WM_BEAUTIFY_FLAG" val="#wm#"/>
+  <p:tag name="KSO_WM_TEMPLATE_CATEGORY" val="custom"/>
+  <p:tag name="KSO_WM_TEMPLATE_INDEX" val="20205176"/>
 </p:tagLst>
 </file>
 

--- a/doc/3.x插件开发.pptx
+++ b/doc/3.x插件开发.pptx
@@ -161,7 +161,7 @@
 
 <file path=ppt/commentAuthors.xml><?xml version="1.0" encoding="utf-8"?>
 <p:cmAuthorLst xmlns:a="http://schemas.openxmlformats.org/drawingml/2006/main" xmlns:r="http://schemas.openxmlformats.org/officeDocument/2006/relationships" xmlns:p="http://schemas.openxmlformats.org/presentationml/2006/main">
-  <p:cmAuthor id="1" name="Administrator" initials="A" lastIdx="20" clrIdx="0"/>
+  <p:cmAuthor id="1" name="Administrator" initials="A" lastIdx="21" clrIdx="0"/>
   <p:cmAuthor id="2" name="12260" initials="1" lastIdx="11" clrIdx="1"/>
 </p:cmAuthorLst>
 </file>
@@ -352,7 +352,7 @@
 
 <file path=ppt/comments/comment9.xml><?xml version="1.0" encoding="utf-8"?>
 <p:cmLst xmlns:a="http://schemas.openxmlformats.org/drawingml/2006/main" xmlns:r="http://schemas.openxmlformats.org/officeDocument/2006/relationships" xmlns:p="http://schemas.openxmlformats.org/presentationml/2006/main">
-  <p:cm authorId="2" dt="2022-12-11T20:17:01.145" idx="2">
+  <p:cm authorId="1" dt="2022-12-15T22:52:32.519" idx="21">
     <p:pos x="976" y="1085"/>
     <p:text>简单来说配置系统就是文件读写工具， 用于编辑器环境下的文件读写
 我们可以无需任何前提条件在脚本内使用，但是大家注意，我们没有写文件之前首次获取的值一定是 undefined，那我们怎么配置默认值呢？</p:text>
@@ -9303,7 +9303,7 @@
           <a:p>
             <a:r>
               <a:rPr lang="zh-CN" altLang="en-US" sz="2800" b="1"/>
-              <a:t>怎么查看消息？</a:t>
+              <a:t>有哪些消息？</a:t>
             </a:r>
             <a:r>
               <a:rPr lang="zh-CN" altLang="en-US" sz="2800" b="1">
@@ -10012,8 +10012,8 @@
         </p:nvSpPr>
         <p:spPr>
           <a:xfrm>
-            <a:off x="1148715" y="5661025"/>
-            <a:ext cx="3535680" cy="460375"/>
+            <a:off x="1020445" y="1720215"/>
+            <a:ext cx="5821680" cy="521970"/>
           </a:xfrm>
           <a:prstGeom prst="rect">
             <a:avLst/>
@@ -10026,8 +10026,12 @@
           </a:bodyPr>
           <a:p>
             <a:r>
+              <a:rPr lang="zh-CN" altLang="en-US" sz="2800" b="1"/>
+              <a:t>场景脚本是什么？什么时候用到它</a:t>
+            </a:r>
+            <a:r>
               <a:rPr lang="zh-CN" altLang="en-US" sz="2400" b="1"/>
-              <a:t>什么时候用到场景脚本？</a:t>
+              <a:t>？</a:t>
             </a:r>
             <a:endParaRPr lang="zh-CN" altLang="en-US" sz="2400" b="1"/>
           </a:p>
@@ -10041,7 +10045,7 @@
         </p:nvSpPr>
         <p:spPr>
           <a:xfrm>
-            <a:off x="1402715" y="1628140"/>
+            <a:off x="1785620" y="2626995"/>
             <a:ext cx="4856480" cy="460375"/>
           </a:xfrm>
           <a:prstGeom prst="rect">
@@ -10090,7 +10094,7 @@
         </p:blipFill>
         <p:spPr>
           <a:xfrm>
-            <a:off x="7033260" y="2282825"/>
+            <a:off x="7033260" y="3235325"/>
             <a:ext cx="5034280" cy="2728595"/>
           </a:xfrm>
           <a:prstGeom prst="rect">
@@ -10106,7 +10110,7 @@
         </p:nvSpPr>
         <p:spPr>
           <a:xfrm>
-            <a:off x="8544560" y="1628140"/>
+            <a:off x="10055860" y="2626995"/>
             <a:ext cx="2011680" cy="460375"/>
           </a:xfrm>
           <a:prstGeom prst="rect">
@@ -10147,7 +10151,7 @@
         </p:blipFill>
         <p:spPr>
           <a:xfrm>
-            <a:off x="1020445" y="2299335"/>
+            <a:off x="1020445" y="3251835"/>
             <a:ext cx="5621655" cy="2712085"/>
           </a:xfrm>
           <a:prstGeom prst="rect">
@@ -16027,26 +16031,18 @@
           </a:bodyPr>
           <a:p>
             <a:r>
+              <a:rPr lang="en-US" altLang="zh-CN" sz="2800" b="1"/>
+              <a:t>web</a:t>
+            </a:r>
+            <a:r>
               <a:rPr lang="zh-CN" altLang="en-US" sz="2800" b="1"/>
-              <a:t>通过</a:t>
+              <a:t>页面是可以嵌入的</a:t>
             </a:r>
             <a:r>
               <a:rPr lang="en-US" altLang="zh-CN" sz="2800" b="1"/>
-              <a:t> iframe </a:t>
-            </a:r>
-            <a:r>
-              <a:rPr lang="zh-CN" altLang="en-US" sz="2800" b="1"/>
-              <a:t>标签嵌入</a:t>
-            </a:r>
-            <a:r>
-              <a:rPr lang="en-US" altLang="zh-CN" sz="2800" b="1"/>
-              <a:t> creator </a:t>
-            </a:r>
-            <a:r>
-              <a:rPr lang="zh-CN" altLang="en-US" sz="2800" b="1"/>
-              <a:t>界面</a:t>
-            </a:r>
-            <a:endParaRPr lang="zh-CN" altLang="en-US" sz="2800" b="1"/>
+              <a:t> !</a:t>
+            </a:r>
+            <a:endParaRPr lang="en-US" altLang="zh-CN" sz="2800" b="1"/>
           </a:p>
         </p:txBody>
       </p:sp>
@@ -17297,7 +17293,7 @@
         </p:nvSpPr>
         <p:spPr>
           <a:xfrm>
-            <a:off x="1141730" y="3596640"/>
+            <a:off x="1141730" y="3519805"/>
             <a:ext cx="9908540" cy="583565"/>
           </a:xfrm>
           <a:prstGeom prst="rect">

--- a/doc/3.x插件开发.pptx
+++ b/doc/3.x插件开发.pptx
@@ -16511,9 +16511,38 @@
           </a:p>
         </p:txBody>
       </p:sp>
+      <p:sp>
+        <p:nvSpPr>
+          <p:cNvPr id="3" name="文本框 2"/>
+          <p:cNvSpPr txBox="1"/>
+          <p:nvPr/>
+        </p:nvSpPr>
+        <p:spPr>
+          <a:xfrm>
+            <a:off x="1169670" y="3491230"/>
+            <a:ext cx="10803255" cy="460375"/>
+          </a:xfrm>
+          <a:prstGeom prst="rect">
+            <a:avLst/>
+          </a:prstGeom>
+          <a:noFill/>
+        </p:spPr>
+        <p:txBody>
+          <a:bodyPr wrap="square" rtlCol="0">
+            <a:spAutoFit/>
+          </a:bodyPr>
+          <a:p>
+            <a:r>
+              <a:rPr lang="en-US" altLang="zh-CN" sz="2400" b="1"/>
+              <a:t>2. 打开 chrome://inspect/#devices 配置 提交 Discover network targets</a:t>
+            </a:r>
+            <a:endParaRPr lang="en-US" altLang="zh-CN" sz="2400" b="1"/>
+          </a:p>
+        </p:txBody>
+      </p:sp>
       <p:pic>
         <p:nvPicPr>
-          <p:cNvPr id="2" name="图片 1" descr="M5DN@_W[WMAN)EK)O0NCSVS"/>
+          <p:cNvPr id="4" name="图片 3" descr="C5M_QR_KYC_F2N{6M)IN9%V"/>
           <p:cNvPicPr>
             <a:picLocks noChangeAspect="1"/>
           </p:cNvPicPr>
@@ -16527,46 +16556,17 @@
         </p:blipFill>
         <p:spPr>
           <a:xfrm>
-            <a:off x="1585595" y="2165985"/>
-            <a:ext cx="3972560" cy="1263650"/>
+            <a:off x="1585595" y="4128135"/>
+            <a:ext cx="6219825" cy="3362325"/>
           </a:xfrm>
           <a:prstGeom prst="rect">
             <a:avLst/>
           </a:prstGeom>
         </p:spPr>
       </p:pic>
-      <p:sp>
-        <p:nvSpPr>
-          <p:cNvPr id="3" name="文本框 2"/>
-          <p:cNvSpPr txBox="1"/>
-          <p:nvPr/>
-        </p:nvSpPr>
-        <p:spPr>
-          <a:xfrm>
-            <a:off x="1169670" y="3491230"/>
-            <a:ext cx="10803255" cy="460375"/>
-          </a:xfrm>
-          <a:prstGeom prst="rect">
-            <a:avLst/>
-          </a:prstGeom>
-          <a:noFill/>
-        </p:spPr>
-        <p:txBody>
-          <a:bodyPr wrap="square" rtlCol="0">
-            <a:spAutoFit/>
-          </a:bodyPr>
-          <a:p>
-            <a:r>
-              <a:rPr lang="en-US" altLang="zh-CN" sz="2400" b="1"/>
-              <a:t>2. 打开 chrome://inspect/#devices 配置 提交 Discover network targets</a:t>
-            </a:r>
-            <a:endParaRPr lang="en-US" altLang="zh-CN" sz="2400" b="1"/>
-          </a:p>
-        </p:txBody>
-      </p:sp>
       <p:pic>
         <p:nvPicPr>
-          <p:cNvPr id="4" name="图片 3" descr="C5M_QR_KYC_F2N{6M)IN9%V"/>
+          <p:cNvPr id="5" name="图片 4" descr="5)9WWKAH3U%P2NP0}6F~ZNN"/>
           <p:cNvPicPr>
             <a:picLocks noChangeAspect="1"/>
           </p:cNvPicPr>
@@ -16580,8 +16580,8 @@
         </p:blipFill>
         <p:spPr>
           <a:xfrm>
-            <a:off x="1585595" y="4128135"/>
-            <a:ext cx="6219825" cy="3362325"/>
+            <a:off x="1585595" y="2172970"/>
+            <a:ext cx="6915150" cy="1249680"/>
           </a:xfrm>
           <a:prstGeom prst="rect">
             <a:avLst/>
